--- a/Documents/PPT/LabMeeting/2023_TEMP/TEMP_RFSoC_Meeting.pptx
+++ b/Documents/PPT/LabMeeting/2023_TEMP/TEMP_RFSoC_Meeting.pptx
@@ -5,12 +5,21 @@
     <p:sldMasterId id="2147483648" r:id="rId1"/>
   </p:sldMasterIdLst>
   <p:notesMasterIdLst>
-    <p:notesMasterId r:id="rId5"/>
+    <p:notesMasterId r:id="rId14"/>
   </p:notesMasterIdLst>
   <p:sldIdLst>
     <p:sldId id="256" r:id="rId2"/>
     <p:sldId id="258" r:id="rId3"/>
     <p:sldId id="259" r:id="rId4"/>
+    <p:sldId id="265" r:id="rId5"/>
+    <p:sldId id="264" r:id="rId6"/>
+    <p:sldId id="260" r:id="rId7"/>
+    <p:sldId id="261" r:id="rId8"/>
+    <p:sldId id="262" r:id="rId9"/>
+    <p:sldId id="263" r:id="rId10"/>
+    <p:sldId id="266" r:id="rId11"/>
+    <p:sldId id="267" r:id="rId12"/>
+    <p:sldId id="268" r:id="rId13"/>
   </p:sldIdLst>
   <p:sldSz cx="12192000" cy="6858000"/>
   <p:notesSz cx="6858000" cy="9144000"/>
@@ -199,7 +208,7 @@
           <a:p>
             <a:fld id="{8ECD4658-FC5F-4C4A-9C84-93B50C1C7551}" type="datetimeFigureOut">
               <a:rPr kumimoji="1" lang="ko-Kore-KR" altLang="en-US" smtClean="0"/>
-              <a:t>08/28/2023</a:t>
+              <a:t>08/31/2023</a:t>
             </a:fld>
             <a:endParaRPr kumimoji="1" lang="ko-Kore-KR" altLang="en-US"/>
           </a:p>
@@ -4123,6 +4132,377 @@
 </p:sld>
 </file>
 
+<file path=ppt/slides/slide10.xml><?xml version="1.0" encoding="utf-8"?>
+<p:sld xmlns:a="http://schemas.openxmlformats.org/drawingml/2006/main" xmlns:r="http://schemas.openxmlformats.org/officeDocument/2006/relationships" xmlns:p="http://schemas.openxmlformats.org/presentationml/2006/main">
+  <p:cSld>
+    <p:spTree>
+      <p:nvGrpSpPr>
+        <p:cNvPr id="1" name=""/>
+        <p:cNvGrpSpPr/>
+        <p:nvPr/>
+      </p:nvGrpSpPr>
+      <p:grpSpPr>
+        <a:xfrm>
+          <a:off x="0" y="0"/>
+          <a:ext cx="0" cy="0"/>
+          <a:chOff x="0" y="0"/>
+          <a:chExt cx="0" cy="0"/>
+        </a:xfrm>
+      </p:grpSpPr>
+      <p:sp>
+        <p:nvSpPr>
+          <p:cNvPr id="2" name="제목 1">
+            <a:extLst>
+              <a:ext uri="{FF2B5EF4-FFF2-40B4-BE49-F238E27FC236}">
+                <a16:creationId xmlns:a16="http://schemas.microsoft.com/office/drawing/2014/main" id="{F7D90AA4-352B-F447-9067-89676F840827}"/>
+              </a:ext>
+            </a:extLst>
+          </p:cNvPr>
+          <p:cNvSpPr>
+            <a:spLocks noGrp="1"/>
+          </p:cNvSpPr>
+          <p:nvPr>
+            <p:ph type="title"/>
+          </p:nvPr>
+        </p:nvSpPr>
+        <p:spPr/>
+        <p:txBody>
+          <a:bodyPr/>
+          <a:lstStyle/>
+          <a:p>
+            <a:r>
+              <a:rPr lang="en-US" altLang="ko-KR"/>
+              <a:t>DDS in Verilog</a:t>
+            </a:r>
+            <a:endParaRPr lang="ko-KR" altLang="en-US"/>
+          </a:p>
+        </p:txBody>
+      </p:sp>
+      <p:sp>
+        <p:nvSpPr>
+          <p:cNvPr id="4" name="날짜 개체 틀 3">
+            <a:extLst>
+              <a:ext uri="{FF2B5EF4-FFF2-40B4-BE49-F238E27FC236}">
+                <a16:creationId xmlns:a16="http://schemas.microsoft.com/office/drawing/2014/main" id="{BADAA1AE-F94D-91A7-FFAB-7A6C76CF9472}"/>
+              </a:ext>
+            </a:extLst>
+          </p:cNvPr>
+          <p:cNvSpPr>
+            <a:spLocks noGrp="1"/>
+          </p:cNvSpPr>
+          <p:nvPr>
+            <p:ph type="dt" sz="half" idx="10"/>
+          </p:nvPr>
+        </p:nvSpPr>
+        <p:spPr/>
+        <p:txBody>
+          <a:bodyPr/>
+          <a:lstStyle/>
+          <a:p>
+            <a:r>
+              <a:rPr kumimoji="1" lang="en-US" altLang="ko-KR">
+                <a:ea typeface="Verdana" panose="020B0604030504040204" pitchFamily="34" charset="0"/>
+              </a:rPr>
+              <a:t>2023. 3. 29.</a:t>
+            </a:r>
+            <a:endParaRPr kumimoji="1" lang="ko-Kore-KR" altLang="en-US" dirty="0"/>
+          </a:p>
+        </p:txBody>
+      </p:sp>
+      <p:pic>
+        <p:nvPicPr>
+          <p:cNvPr id="6" name="그림 5" descr="\documentclass{article}&#10;\usepackage{amsmath}&#10;\pagestyle{empty}&#10;\begin{document}&#10;&#10;\noindent For 16 dds\_compiler \\&#10;0 to 15 $= 2^{4} – 1 = [3:0] fine\_timestamp$\\&#10;so, $\{timestamp[63:0],fine\_timestampe[3:0]\}$\\&#10;&#10;\noindent Xilinx dds\_compiler v6.0 input Phase : $(2\pi/(2^{14} - 1)) \times input$\\&#10;so, $(input\_incr/(2^{14} - 1)) \times (16 F_{sys}) = F_{actual}$\\&#10;One period of timestamp $= (1/F_{actual}) \times 10^{8} $(due to its 10ns resolution)\\&#10;Input\_incr: $freq \times timestamp$\\&#10;so, $[(freq\_bin) \times (1/F_{actual}) \times (10^{8}) ][n+13:n] = 2^{14} - 1$\\&#10;$F_{actual} = (freq\_bin/(2^{48} – 2^{34})) \times 16 \times 10^{8} Hz$\\&#10;so, $[(2^{48} – 2^{34})][n+13:n] = 2^{14} – 1&#10;= [2^{14} – 1][n-21:n-34]$\\&#10;Therefore,  n = 34&#10;&#10;DSP : $27 \times 18$ two’s complement\\&#10;$72 bit \times 48 bit$  3DSP\\&#10;$Unsigned 72 \times  Unsigned 48 bit = $  120 bit&#10;&#10;\end{document}&#10;" title="IguanaTex Bitmap Display">
+            <a:extLst>
+              <a:ext uri="{FF2B5EF4-FFF2-40B4-BE49-F238E27FC236}">
+                <a16:creationId xmlns:a16="http://schemas.microsoft.com/office/drawing/2014/main" id="{9D497717-7825-A5EA-2D56-BB9D69FB7F3D}"/>
+              </a:ext>
+            </a:extLst>
+          </p:cNvPr>
+          <p:cNvPicPr>
+            <a:picLocks noChangeAspect="1"/>
+          </p:cNvPicPr>
+          <p:nvPr>
+            <p:custDataLst>
+              <p:tags r:id="rId1"/>
+            </p:custDataLst>
+          </p:nvPr>
+        </p:nvPicPr>
+        <p:blipFill>
+          <a:blip r:embed="rId3">
+            <a:extLst>
+              <a:ext uri="{28A0092B-C50C-407E-A947-70E740481C1C}">
+                <a14:useLocalDpi xmlns:a14="http://schemas.microsoft.com/office/drawing/2010/main" val="0"/>
+              </a:ext>
+            </a:extLst>
+          </a:blip>
+          <a:stretch>
+            <a:fillRect/>
+          </a:stretch>
+        </p:blipFill>
+        <p:spPr>
+          <a:xfrm>
+            <a:off x="2455333" y="1405465"/>
+            <a:ext cx="7968000" cy="4476952"/>
+          </a:xfrm>
+          <a:prstGeom prst="rect">
+            <a:avLst/>
+          </a:prstGeom>
+        </p:spPr>
+      </p:pic>
+    </p:spTree>
+    <p:extLst>
+      <p:ext uri="{BB962C8B-B14F-4D97-AF65-F5344CB8AC3E}">
+        <p14:creationId xmlns:p14="http://schemas.microsoft.com/office/powerpoint/2010/main" val="126888265"/>
+      </p:ext>
+    </p:extLst>
+  </p:cSld>
+  <p:clrMapOvr>
+    <a:masterClrMapping/>
+  </p:clrMapOvr>
+</p:sld>
+</file>
+
+<file path=ppt/slides/slide11.xml><?xml version="1.0" encoding="utf-8"?>
+<p:sld xmlns:a="http://schemas.openxmlformats.org/drawingml/2006/main" xmlns:r="http://schemas.openxmlformats.org/officeDocument/2006/relationships" xmlns:p="http://schemas.openxmlformats.org/presentationml/2006/main">
+  <p:cSld>
+    <p:spTree>
+      <p:nvGrpSpPr>
+        <p:cNvPr id="1" name=""/>
+        <p:cNvGrpSpPr/>
+        <p:nvPr/>
+      </p:nvGrpSpPr>
+      <p:grpSpPr>
+        <a:xfrm>
+          <a:off x="0" y="0"/>
+          <a:ext cx="0" cy="0"/>
+          <a:chOff x="0" y="0"/>
+          <a:chExt cx="0" cy="0"/>
+        </a:xfrm>
+      </p:grpSpPr>
+      <p:sp>
+        <p:nvSpPr>
+          <p:cNvPr id="2" name="제목 1">
+            <a:extLst>
+              <a:ext uri="{FF2B5EF4-FFF2-40B4-BE49-F238E27FC236}">
+                <a16:creationId xmlns:a16="http://schemas.microsoft.com/office/drawing/2014/main" id="{E28E007A-BDC2-6043-60AE-1A58991DEE37}"/>
+              </a:ext>
+            </a:extLst>
+          </p:cNvPr>
+          <p:cNvSpPr>
+            <a:spLocks noGrp="1"/>
+          </p:cNvSpPr>
+          <p:nvPr>
+            <p:ph type="title"/>
+          </p:nvPr>
+        </p:nvSpPr>
+        <p:spPr/>
+        <p:txBody>
+          <a:bodyPr/>
+          <a:lstStyle/>
+          <a:p>
+            <a:r>
+              <a:rPr lang="en-US" altLang="ko-KR"/>
+              <a:t>DDS in Verilog (2)</a:t>
+            </a:r>
+            <a:endParaRPr lang="ko-KR" altLang="en-US"/>
+          </a:p>
+        </p:txBody>
+      </p:sp>
+      <p:sp>
+        <p:nvSpPr>
+          <p:cNvPr id="4" name="날짜 개체 틀 3">
+            <a:extLst>
+              <a:ext uri="{FF2B5EF4-FFF2-40B4-BE49-F238E27FC236}">
+                <a16:creationId xmlns:a16="http://schemas.microsoft.com/office/drawing/2014/main" id="{781B33B9-2F9F-CB2D-9D8D-5EBB0C551CA1}"/>
+              </a:ext>
+            </a:extLst>
+          </p:cNvPr>
+          <p:cNvSpPr>
+            <a:spLocks noGrp="1"/>
+          </p:cNvSpPr>
+          <p:nvPr>
+            <p:ph type="dt" sz="half" idx="10"/>
+          </p:nvPr>
+        </p:nvSpPr>
+        <p:spPr/>
+        <p:txBody>
+          <a:bodyPr/>
+          <a:lstStyle/>
+          <a:p>
+            <a:r>
+              <a:rPr kumimoji="1" lang="en-US" altLang="ko-KR">
+                <a:ea typeface="Verdana" panose="020B0604030504040204" pitchFamily="34" charset="0"/>
+              </a:rPr>
+              <a:t>2023. 3. 29.</a:t>
+            </a:r>
+            <a:endParaRPr kumimoji="1" lang="ko-Kore-KR" altLang="en-US" dirty="0"/>
+          </a:p>
+        </p:txBody>
+      </p:sp>
+      <p:pic>
+        <p:nvPicPr>
+          <p:cNvPr id="6" name="그림 5" descr="\documentclass{article}&#10;\usepackage{amsmath}&#10;\pagestyle{empty}&#10;\begin{document}&#10;&#10;\noindent For 14 bit unsigned amplitude scaling\\&#10;&#10;\noindent $amp[13:0] * dds\_output[15:0] = amp\_full\_product[31:0]$\\&#10;for full amp $2^{14} - 1$\\&#10;for full dds\_output $2^{14} - 1$\\&#10;product becomes $2^{28} - 2^{15} + 1 = 2^{14}(2^{14} - 2) + \varepsilon$\\&#10;&#10;\noindent other choice&#10;$(amp[13:0]+1) * dds\_output[15:0] = amp\_full\_product[31:0]$\\&#10;for full amp $2^{14} - 1 + 1$\\&#10;for full dds\_output $2^{14} - 1$\\&#10;product becomes $2^{14}(2^{14} - 1)$\\&#10;But, for zero amp,\\&#10;$2^{14} - 1$\\&#10;So, zero has to be conducted in exception case&#10;&#10;&#10;&#10;\end{document}" title="IguanaTex Bitmap Display">
+            <a:extLst>
+              <a:ext uri="{FF2B5EF4-FFF2-40B4-BE49-F238E27FC236}">
+                <a16:creationId xmlns:a16="http://schemas.microsoft.com/office/drawing/2014/main" id="{85A0A7A3-88A8-8758-1935-5A7378060037}"/>
+              </a:ext>
+            </a:extLst>
+          </p:cNvPr>
+          <p:cNvPicPr>
+            <a:picLocks noChangeAspect="1"/>
+          </p:cNvPicPr>
+          <p:nvPr>
+            <p:custDataLst>
+              <p:tags r:id="rId1"/>
+            </p:custDataLst>
+          </p:nvPr>
+        </p:nvPicPr>
+        <p:blipFill>
+          <a:blip r:embed="rId3">
+            <a:extLst>
+              <a:ext uri="{28A0092B-C50C-407E-A947-70E740481C1C}">
+                <a14:useLocalDpi xmlns:a14="http://schemas.microsoft.com/office/drawing/2010/main" val="0"/>
+              </a:ext>
+            </a:extLst>
+          </a:blip>
+          <a:stretch>
+            <a:fillRect/>
+          </a:stretch>
+        </p:blipFill>
+        <p:spPr>
+          <a:xfrm>
+            <a:off x="1828800" y="1587139"/>
+            <a:ext cx="8426666" cy="4169143"/>
+          </a:xfrm>
+          <a:prstGeom prst="rect">
+            <a:avLst/>
+          </a:prstGeom>
+        </p:spPr>
+      </p:pic>
+    </p:spTree>
+    <p:extLst>
+      <p:ext uri="{BB962C8B-B14F-4D97-AF65-F5344CB8AC3E}">
+        <p14:creationId xmlns:p14="http://schemas.microsoft.com/office/powerpoint/2010/main" val="656420312"/>
+      </p:ext>
+    </p:extLst>
+  </p:cSld>
+  <p:clrMapOvr>
+    <a:masterClrMapping/>
+  </p:clrMapOvr>
+</p:sld>
+</file>
+
+<file path=ppt/slides/slide12.xml><?xml version="1.0" encoding="utf-8"?>
+<p:sld xmlns:a="http://schemas.openxmlformats.org/drawingml/2006/main" xmlns:r="http://schemas.openxmlformats.org/officeDocument/2006/relationships" xmlns:p="http://schemas.openxmlformats.org/presentationml/2006/main">
+  <p:cSld>
+    <p:spTree>
+      <p:nvGrpSpPr>
+        <p:cNvPr id="1" name=""/>
+        <p:cNvGrpSpPr/>
+        <p:nvPr/>
+      </p:nvGrpSpPr>
+      <p:grpSpPr>
+        <a:xfrm>
+          <a:off x="0" y="0"/>
+          <a:ext cx="0" cy="0"/>
+          <a:chOff x="0" y="0"/>
+          <a:chExt cx="0" cy="0"/>
+        </a:xfrm>
+      </p:grpSpPr>
+      <p:sp>
+        <p:nvSpPr>
+          <p:cNvPr id="2" name="제목 1">
+            <a:extLst>
+              <a:ext uri="{FF2B5EF4-FFF2-40B4-BE49-F238E27FC236}">
+                <a16:creationId xmlns:a16="http://schemas.microsoft.com/office/drawing/2014/main" id="{6F523C5B-A1AC-9828-810F-301B5973A9F4}"/>
+              </a:ext>
+            </a:extLst>
+          </p:cNvPr>
+          <p:cNvSpPr>
+            <a:spLocks noGrp="1"/>
+          </p:cNvSpPr>
+          <p:nvPr>
+            <p:ph type="title"/>
+          </p:nvPr>
+        </p:nvSpPr>
+        <p:spPr/>
+        <p:txBody>
+          <a:bodyPr/>
+          <a:lstStyle/>
+          <a:p>
+            <a:endParaRPr lang="ko-KR" altLang="en-US"/>
+          </a:p>
+        </p:txBody>
+      </p:sp>
+      <p:sp>
+        <p:nvSpPr>
+          <p:cNvPr id="3" name="내용 개체 틀 2">
+            <a:extLst>
+              <a:ext uri="{FF2B5EF4-FFF2-40B4-BE49-F238E27FC236}">
+                <a16:creationId xmlns:a16="http://schemas.microsoft.com/office/drawing/2014/main" id="{B2100C35-BA3A-C848-E657-39AC4F6D81FF}"/>
+              </a:ext>
+            </a:extLst>
+          </p:cNvPr>
+          <p:cNvSpPr>
+            <a:spLocks noGrp="1"/>
+          </p:cNvSpPr>
+          <p:nvPr>
+            <p:ph idx="1"/>
+          </p:nvPr>
+        </p:nvSpPr>
+        <p:spPr/>
+        <p:txBody>
+          <a:bodyPr/>
+          <a:lstStyle/>
+          <a:p>
+            <a:endParaRPr lang="ko-KR" altLang="en-US"/>
+          </a:p>
+        </p:txBody>
+      </p:sp>
+      <p:sp>
+        <p:nvSpPr>
+          <p:cNvPr id="4" name="날짜 개체 틀 3">
+            <a:extLst>
+              <a:ext uri="{FF2B5EF4-FFF2-40B4-BE49-F238E27FC236}">
+                <a16:creationId xmlns:a16="http://schemas.microsoft.com/office/drawing/2014/main" id="{20923BE4-8513-AB95-7613-CEC585909440}"/>
+              </a:ext>
+            </a:extLst>
+          </p:cNvPr>
+          <p:cNvSpPr>
+            <a:spLocks noGrp="1"/>
+          </p:cNvSpPr>
+          <p:nvPr>
+            <p:ph type="dt" sz="half" idx="10"/>
+          </p:nvPr>
+        </p:nvSpPr>
+        <p:spPr/>
+        <p:txBody>
+          <a:bodyPr/>
+          <a:lstStyle/>
+          <a:p>
+            <a:r>
+              <a:rPr kumimoji="1" lang="en-US" altLang="ko-KR">
+                <a:ea typeface="Verdana" panose="020B0604030504040204" pitchFamily="34" charset="0"/>
+              </a:rPr>
+              <a:t>2023. 3. 29.</a:t>
+            </a:r>
+            <a:endParaRPr kumimoji="1" lang="ko-Kore-KR" altLang="en-US" dirty="0"/>
+          </a:p>
+        </p:txBody>
+      </p:sp>
+    </p:spTree>
+    <p:extLst>
+      <p:ext uri="{BB962C8B-B14F-4D97-AF65-F5344CB8AC3E}">
+        <p14:creationId xmlns:p14="http://schemas.microsoft.com/office/powerpoint/2010/main" val="2993296388"/>
+      </p:ext>
+    </p:extLst>
+  </p:cSld>
+  <p:clrMapOvr>
+    <a:masterClrMapping/>
+  </p:clrMapOvr>
+</p:sld>
+</file>
+
 <file path=ppt/slides/slide2.xml><?xml version="1.0" encoding="utf-8"?>
 <p:sld xmlns:a="http://schemas.openxmlformats.org/drawingml/2006/main" xmlns:r="http://schemas.openxmlformats.org/officeDocument/2006/relationships" xmlns:p="http://schemas.openxmlformats.org/presentationml/2006/main">
   <p:cSld>
@@ -4332,7 +4712,7 @@
             </a:pPr>
             <a:r>
               <a:rPr lang="en-US" altLang="ko-KR"/>
-              <a:t>takes 90mins to start</a:t>
+              <a:t>takes 90mins to start sim</a:t>
             </a:r>
           </a:p>
           <a:p>
@@ -4356,7 +4736,7 @@
             </a:pPr>
             <a:r>
               <a:rPr lang="en-US" altLang="ko-KR"/>
-              <a:t>takes 30mins to start</a:t>
+              <a:t>takes 30mins to start sim</a:t>
             </a:r>
           </a:p>
           <a:p>
@@ -4419,6 +4799,8529 @@
     <a:masterClrMapping/>
   </p:clrMapOvr>
 </p:sld>
+</file>
+
+<file path=ppt/slides/slide4.xml><?xml version="1.0" encoding="utf-8"?>
+<p:sld xmlns:a="http://schemas.openxmlformats.org/drawingml/2006/main" xmlns:r="http://schemas.openxmlformats.org/officeDocument/2006/relationships" xmlns:p="http://schemas.openxmlformats.org/presentationml/2006/main">
+  <p:cSld>
+    <p:spTree>
+      <p:nvGrpSpPr>
+        <p:cNvPr id="1" name=""/>
+        <p:cNvGrpSpPr/>
+        <p:nvPr/>
+      </p:nvGrpSpPr>
+      <p:grpSpPr>
+        <a:xfrm>
+          <a:off x="0" y="0"/>
+          <a:ext cx="0" cy="0"/>
+          <a:chOff x="0" y="0"/>
+          <a:chExt cx="0" cy="0"/>
+        </a:xfrm>
+      </p:grpSpPr>
+      <p:sp>
+        <p:nvSpPr>
+          <p:cNvPr id="2" name="제목 1">
+            <a:extLst>
+              <a:ext uri="{FF2B5EF4-FFF2-40B4-BE49-F238E27FC236}">
+                <a16:creationId xmlns:a16="http://schemas.microsoft.com/office/drawing/2014/main" id="{A173C381-867D-E21E-D141-C92AB80EC6C8}"/>
+              </a:ext>
+            </a:extLst>
+          </p:cNvPr>
+          <p:cNvSpPr>
+            <a:spLocks noGrp="1"/>
+          </p:cNvSpPr>
+          <p:nvPr>
+            <p:ph type="title"/>
+          </p:nvPr>
+        </p:nvSpPr>
+        <p:spPr/>
+        <p:txBody>
+          <a:bodyPr/>
+          <a:lstStyle/>
+          <a:p>
+            <a:r>
+              <a:rPr lang="en-US" altLang="ko-KR"/>
+              <a:t>Vivado Custom IP</a:t>
+            </a:r>
+            <a:endParaRPr lang="ko-KR" altLang="en-US"/>
+          </a:p>
+        </p:txBody>
+      </p:sp>
+      <p:sp>
+        <p:nvSpPr>
+          <p:cNvPr id="4" name="날짜 개체 틀 3">
+            <a:extLst>
+              <a:ext uri="{FF2B5EF4-FFF2-40B4-BE49-F238E27FC236}">
+                <a16:creationId xmlns:a16="http://schemas.microsoft.com/office/drawing/2014/main" id="{2E2C9F9A-5AB5-4D89-57A4-500C74A61F10}"/>
+              </a:ext>
+            </a:extLst>
+          </p:cNvPr>
+          <p:cNvSpPr>
+            <a:spLocks noGrp="1"/>
+          </p:cNvSpPr>
+          <p:nvPr>
+            <p:ph type="dt" sz="half" idx="10"/>
+          </p:nvPr>
+        </p:nvSpPr>
+        <p:spPr/>
+        <p:txBody>
+          <a:bodyPr/>
+          <a:lstStyle/>
+          <a:p>
+            <a:r>
+              <a:rPr kumimoji="1" lang="en-US" altLang="ko-KR">
+                <a:ea typeface="Verdana" panose="020B0604030504040204" pitchFamily="34" charset="0"/>
+              </a:rPr>
+              <a:t>2023. 3. 29.</a:t>
+            </a:r>
+            <a:endParaRPr kumimoji="1" lang="ko-Kore-KR" altLang="en-US" dirty="0"/>
+          </a:p>
+        </p:txBody>
+      </p:sp>
+      <p:pic>
+        <p:nvPicPr>
+          <p:cNvPr id="6" name="그림 5">
+            <a:extLst>
+              <a:ext uri="{FF2B5EF4-FFF2-40B4-BE49-F238E27FC236}">
+                <a16:creationId xmlns:a16="http://schemas.microsoft.com/office/drawing/2014/main" id="{C1EE19C7-838E-B53A-C7F3-E8A40802A2C4}"/>
+              </a:ext>
+            </a:extLst>
+          </p:cNvPr>
+          <p:cNvPicPr>
+            <a:picLocks noChangeAspect="1"/>
+          </p:cNvPicPr>
+          <p:nvPr/>
+        </p:nvPicPr>
+        <p:blipFill>
+          <a:blip r:embed="rId2"/>
+          <a:stretch>
+            <a:fillRect/>
+          </a:stretch>
+        </p:blipFill>
+        <p:spPr>
+          <a:xfrm>
+            <a:off x="7575374" y="2239653"/>
+            <a:ext cx="3039328" cy="2979209"/>
+          </a:xfrm>
+          <a:prstGeom prst="rect">
+            <a:avLst/>
+          </a:prstGeom>
+        </p:spPr>
+      </p:pic>
+      <p:pic>
+        <p:nvPicPr>
+          <p:cNvPr id="8" name="그림 7">
+            <a:extLst>
+              <a:ext uri="{FF2B5EF4-FFF2-40B4-BE49-F238E27FC236}">
+                <a16:creationId xmlns:a16="http://schemas.microsoft.com/office/drawing/2014/main" id="{D9CF7E51-7EBE-7AD6-089F-71A88B512672}"/>
+              </a:ext>
+            </a:extLst>
+          </p:cNvPr>
+          <p:cNvPicPr>
+            <a:picLocks noChangeAspect="1"/>
+          </p:cNvPicPr>
+          <p:nvPr/>
+        </p:nvPicPr>
+        <p:blipFill>
+          <a:blip r:embed="rId3"/>
+          <a:stretch>
+            <a:fillRect/>
+          </a:stretch>
+        </p:blipFill>
+        <p:spPr>
+          <a:xfrm>
+            <a:off x="905585" y="1336094"/>
+            <a:ext cx="3830104" cy="5100212"/>
+          </a:xfrm>
+          <a:prstGeom prst="rect">
+            <a:avLst/>
+          </a:prstGeom>
+        </p:spPr>
+      </p:pic>
+      <p:sp>
+        <p:nvSpPr>
+          <p:cNvPr id="9" name="화살표: 아래쪽 8">
+            <a:extLst>
+              <a:ext uri="{FF2B5EF4-FFF2-40B4-BE49-F238E27FC236}">
+                <a16:creationId xmlns:a16="http://schemas.microsoft.com/office/drawing/2014/main" id="{DA22C3A1-0729-261D-8EE4-BAB722136395}"/>
+              </a:ext>
+            </a:extLst>
+          </p:cNvPr>
+          <p:cNvSpPr/>
+          <p:nvPr/>
+        </p:nvSpPr>
+        <p:spPr>
+          <a:xfrm rot="16200000">
+            <a:off x="5866351" y="3359319"/>
+            <a:ext cx="459298" cy="684850"/>
+          </a:xfrm>
+          <a:prstGeom prst="downArrow">
+            <a:avLst/>
+          </a:prstGeom>
+          <a:solidFill>
+            <a:schemeClr val="tx2"/>
+          </a:solidFill>
+          <a:ln>
+            <a:solidFill>
+              <a:schemeClr val="tx2"/>
+            </a:solidFill>
+          </a:ln>
+        </p:spPr>
+        <p:style>
+          <a:lnRef idx="2">
+            <a:schemeClr val="accent1">
+              <a:shade val="15000"/>
+            </a:schemeClr>
+          </a:lnRef>
+          <a:fillRef idx="1">
+            <a:schemeClr val="accent1"/>
+          </a:fillRef>
+          <a:effectRef idx="0">
+            <a:schemeClr val="accent1"/>
+          </a:effectRef>
+          <a:fontRef idx="minor">
+            <a:schemeClr val="lt1"/>
+          </a:fontRef>
+        </p:style>
+        <p:txBody>
+          <a:bodyPr rtlCol="0" anchor="ctr"/>
+          <a:lstStyle/>
+          <a:p>
+            <a:pPr algn="ctr"/>
+            <a:endParaRPr lang="ko-KR" altLang="en-US"/>
+          </a:p>
+        </p:txBody>
+      </p:sp>
+    </p:spTree>
+    <p:extLst>
+      <p:ext uri="{BB962C8B-B14F-4D97-AF65-F5344CB8AC3E}">
+        <p14:creationId xmlns:p14="http://schemas.microsoft.com/office/powerpoint/2010/main" val="3891785162"/>
+      </p:ext>
+    </p:extLst>
+  </p:cSld>
+  <p:clrMapOvr>
+    <a:masterClrMapping/>
+  </p:clrMapOvr>
+</p:sld>
+</file>
+
+<file path=ppt/slides/slide5.xml><?xml version="1.0" encoding="utf-8"?>
+<p:sld xmlns:a="http://schemas.openxmlformats.org/drawingml/2006/main" xmlns:r="http://schemas.openxmlformats.org/officeDocument/2006/relationships" xmlns:p="http://schemas.openxmlformats.org/presentationml/2006/main">
+  <p:cSld>
+    <p:spTree>
+      <p:nvGrpSpPr>
+        <p:cNvPr id="1" name=""/>
+        <p:cNvGrpSpPr/>
+        <p:nvPr/>
+      </p:nvGrpSpPr>
+      <p:grpSpPr>
+        <a:xfrm>
+          <a:off x="0" y="0"/>
+          <a:ext cx="0" cy="0"/>
+          <a:chOff x="0" y="0"/>
+          <a:chExt cx="0" cy="0"/>
+        </a:xfrm>
+      </p:grpSpPr>
+      <p:sp>
+        <p:nvSpPr>
+          <p:cNvPr id="2" name="제목 1">
+            <a:extLst>
+              <a:ext uri="{FF2B5EF4-FFF2-40B4-BE49-F238E27FC236}">
+                <a16:creationId xmlns:a16="http://schemas.microsoft.com/office/drawing/2014/main" id="{96ED8D77-F14D-DE9D-A7DA-796A96243BCA}"/>
+              </a:ext>
+            </a:extLst>
+          </p:cNvPr>
+          <p:cNvSpPr>
+            <a:spLocks noGrp="1"/>
+          </p:cNvSpPr>
+          <p:nvPr>
+            <p:ph type="title"/>
+          </p:nvPr>
+        </p:nvSpPr>
+        <p:spPr/>
+        <p:txBody>
+          <a:bodyPr/>
+          <a:lstStyle/>
+          <a:p>
+            <a:r>
+              <a:rPr lang="en-US" altLang="ko-KR"/>
+              <a:t>Vivado TCL</a:t>
+            </a:r>
+            <a:endParaRPr lang="ko-KR" altLang="en-US"/>
+          </a:p>
+        </p:txBody>
+      </p:sp>
+      <p:sp>
+        <p:nvSpPr>
+          <p:cNvPr id="3" name="내용 개체 틀 2">
+            <a:extLst>
+              <a:ext uri="{FF2B5EF4-FFF2-40B4-BE49-F238E27FC236}">
+                <a16:creationId xmlns:a16="http://schemas.microsoft.com/office/drawing/2014/main" id="{AFD18137-E1F9-54C4-7820-3A6EBF69D8C6}"/>
+              </a:ext>
+            </a:extLst>
+          </p:cNvPr>
+          <p:cNvSpPr>
+            <a:spLocks noGrp="1"/>
+          </p:cNvSpPr>
+          <p:nvPr>
+            <p:ph idx="1"/>
+          </p:nvPr>
+        </p:nvSpPr>
+        <p:spPr>
+          <a:xfrm>
+            <a:off x="85344" y="1226525"/>
+            <a:ext cx="12021312" cy="528897"/>
+          </a:xfrm>
+        </p:spPr>
+        <p:txBody>
+          <a:bodyPr/>
+          <a:lstStyle/>
+          <a:p>
+            <a:pPr marL="0" indent="0">
+              <a:buNone/>
+            </a:pPr>
+            <a:r>
+              <a:rPr lang="en-US" altLang="ko-KR"/>
+              <a:t>Custom IP update bug(?) in Vivado</a:t>
+            </a:r>
+            <a:endParaRPr lang="ko-KR" altLang="en-US"/>
+          </a:p>
+        </p:txBody>
+      </p:sp>
+      <p:sp>
+        <p:nvSpPr>
+          <p:cNvPr id="4" name="날짜 개체 틀 3">
+            <a:extLst>
+              <a:ext uri="{FF2B5EF4-FFF2-40B4-BE49-F238E27FC236}">
+                <a16:creationId xmlns:a16="http://schemas.microsoft.com/office/drawing/2014/main" id="{75088442-16BA-6D7F-84AC-815D2565F0C1}"/>
+              </a:ext>
+            </a:extLst>
+          </p:cNvPr>
+          <p:cNvSpPr>
+            <a:spLocks noGrp="1"/>
+          </p:cNvSpPr>
+          <p:nvPr>
+            <p:ph type="dt" sz="half" idx="10"/>
+          </p:nvPr>
+        </p:nvSpPr>
+        <p:spPr/>
+        <p:txBody>
+          <a:bodyPr/>
+          <a:lstStyle/>
+          <a:p>
+            <a:r>
+              <a:rPr kumimoji="1" lang="en-US" altLang="ko-KR">
+                <a:ea typeface="Verdana" panose="020B0604030504040204" pitchFamily="34" charset="0"/>
+              </a:rPr>
+              <a:t>2023. 3. 29.</a:t>
+            </a:r>
+            <a:endParaRPr kumimoji="1" lang="ko-Kore-KR" altLang="en-US" dirty="0"/>
+          </a:p>
+        </p:txBody>
+      </p:sp>
+      <p:pic>
+        <p:nvPicPr>
+          <p:cNvPr id="6" name="그림 5">
+            <a:extLst>
+              <a:ext uri="{FF2B5EF4-FFF2-40B4-BE49-F238E27FC236}">
+                <a16:creationId xmlns:a16="http://schemas.microsoft.com/office/drawing/2014/main" id="{CDB933EB-A2E5-2958-56FD-AA315F9798ED}"/>
+              </a:ext>
+            </a:extLst>
+          </p:cNvPr>
+          <p:cNvPicPr>
+            <a:picLocks noChangeAspect="1"/>
+          </p:cNvPicPr>
+          <p:nvPr/>
+        </p:nvPicPr>
+        <p:blipFill>
+          <a:blip r:embed="rId2"/>
+          <a:stretch>
+            <a:fillRect/>
+          </a:stretch>
+        </p:blipFill>
+        <p:spPr>
+          <a:xfrm>
+            <a:off x="293511" y="1755422"/>
+            <a:ext cx="7303912" cy="2646096"/>
+          </a:xfrm>
+          <a:prstGeom prst="rect">
+            <a:avLst/>
+          </a:prstGeom>
+        </p:spPr>
+      </p:pic>
+      <p:pic>
+        <p:nvPicPr>
+          <p:cNvPr id="8" name="그림 7">
+            <a:extLst>
+              <a:ext uri="{FF2B5EF4-FFF2-40B4-BE49-F238E27FC236}">
+                <a16:creationId xmlns:a16="http://schemas.microsoft.com/office/drawing/2014/main" id="{23B42EDB-C9BA-7015-7BBD-451E9652726C}"/>
+              </a:ext>
+            </a:extLst>
+          </p:cNvPr>
+          <p:cNvPicPr>
+            <a:picLocks noChangeAspect="1"/>
+          </p:cNvPicPr>
+          <p:nvPr/>
+        </p:nvPicPr>
+        <p:blipFill>
+          <a:blip r:embed="rId3"/>
+          <a:stretch>
+            <a:fillRect/>
+          </a:stretch>
+        </p:blipFill>
+        <p:spPr>
+          <a:xfrm>
+            <a:off x="942622" y="4459060"/>
+            <a:ext cx="8883860" cy="2050651"/>
+          </a:xfrm>
+          <a:prstGeom prst="rect">
+            <a:avLst/>
+          </a:prstGeom>
+        </p:spPr>
+      </p:pic>
+      <p:sp>
+        <p:nvSpPr>
+          <p:cNvPr id="10" name="TextBox 9">
+            <a:extLst>
+              <a:ext uri="{FF2B5EF4-FFF2-40B4-BE49-F238E27FC236}">
+                <a16:creationId xmlns:a16="http://schemas.microsoft.com/office/drawing/2014/main" id="{D4B9EEB4-8750-2AA1-2AD6-E56851A649D1}"/>
+              </a:ext>
+            </a:extLst>
+          </p:cNvPr>
+          <p:cNvSpPr txBox="1"/>
+          <p:nvPr/>
+        </p:nvSpPr>
+        <p:spPr>
+          <a:xfrm>
+            <a:off x="1260122" y="6616891"/>
+            <a:ext cx="6177844" cy="276999"/>
+          </a:xfrm>
+          <a:prstGeom prst="rect">
+            <a:avLst/>
+          </a:prstGeom>
+          <a:noFill/>
+        </p:spPr>
+        <p:txBody>
+          <a:bodyPr wrap="square">
+            <a:spAutoFit/>
+          </a:bodyPr>
+          <a:lstStyle/>
+          <a:p>
+            <a:r>
+              <a:rPr lang="en-US" altLang="ko-KR" sz="600"/>
+              <a:t>https://support.xilinx.com/s/question/0D52E00006hpbx3SAA/update-ip-does-not-change-implemented-design?language=en_US</a:t>
+            </a:r>
+          </a:p>
+          <a:p>
+            <a:r>
+              <a:rPr lang="ko-KR" altLang="en-US" sz="600"/>
+              <a:t>https://support.xilinx.com/s/question/0D52E00006hpRTFSA2/updated-my-package-ip-but-dont-see-the-change-on-my-block-design?language=en_US</a:t>
+            </a:r>
+          </a:p>
+        </p:txBody>
+      </p:sp>
+    </p:spTree>
+    <p:extLst>
+      <p:ext uri="{BB962C8B-B14F-4D97-AF65-F5344CB8AC3E}">
+        <p14:creationId xmlns:p14="http://schemas.microsoft.com/office/powerpoint/2010/main" val="3879198713"/>
+      </p:ext>
+    </p:extLst>
+  </p:cSld>
+  <p:clrMapOvr>
+    <a:masterClrMapping/>
+  </p:clrMapOvr>
+</p:sld>
+</file>
+
+<file path=ppt/slides/slide6.xml><?xml version="1.0" encoding="utf-8"?>
+<p:sld xmlns:a="http://schemas.openxmlformats.org/drawingml/2006/main" xmlns:r="http://schemas.openxmlformats.org/officeDocument/2006/relationships" xmlns:p="http://schemas.openxmlformats.org/presentationml/2006/main">
+  <p:cSld>
+    <p:spTree>
+      <p:nvGrpSpPr>
+        <p:cNvPr id="1" name=""/>
+        <p:cNvGrpSpPr/>
+        <p:nvPr/>
+      </p:nvGrpSpPr>
+      <p:grpSpPr>
+        <a:xfrm>
+          <a:off x="0" y="0"/>
+          <a:ext cx="0" cy="0"/>
+          <a:chOff x="0" y="0"/>
+          <a:chExt cx="0" cy="0"/>
+        </a:xfrm>
+      </p:grpSpPr>
+      <p:sp>
+        <p:nvSpPr>
+          <p:cNvPr id="2" name="제목 1">
+            <a:extLst>
+              <a:ext uri="{FF2B5EF4-FFF2-40B4-BE49-F238E27FC236}">
+                <a16:creationId xmlns:a16="http://schemas.microsoft.com/office/drawing/2014/main" id="{789772C0-FBA1-C5B8-1CE8-CC48F41FFF12}"/>
+              </a:ext>
+            </a:extLst>
+          </p:cNvPr>
+          <p:cNvSpPr>
+            <a:spLocks noGrp="1"/>
+          </p:cNvSpPr>
+          <p:nvPr>
+            <p:ph type="title"/>
+          </p:nvPr>
+        </p:nvSpPr>
+        <p:spPr/>
+        <p:txBody>
+          <a:bodyPr/>
+          <a:lstStyle/>
+          <a:p>
+            <a:r>
+              <a:rPr lang="en-US" altLang="ko-KR"/>
+              <a:t>Vivado TCL Control</a:t>
+            </a:r>
+            <a:endParaRPr lang="ko-KR" altLang="en-US"/>
+          </a:p>
+        </p:txBody>
+      </p:sp>
+      <p:sp>
+        <p:nvSpPr>
+          <p:cNvPr id="4" name="날짜 개체 틀 3">
+            <a:extLst>
+              <a:ext uri="{FF2B5EF4-FFF2-40B4-BE49-F238E27FC236}">
+                <a16:creationId xmlns:a16="http://schemas.microsoft.com/office/drawing/2014/main" id="{A4BB870F-12A6-7DBE-EC1B-EEE755D60345}"/>
+              </a:ext>
+            </a:extLst>
+          </p:cNvPr>
+          <p:cNvSpPr>
+            <a:spLocks noGrp="1"/>
+          </p:cNvSpPr>
+          <p:nvPr>
+            <p:ph type="dt" sz="half" idx="10"/>
+          </p:nvPr>
+        </p:nvSpPr>
+        <p:spPr/>
+        <p:txBody>
+          <a:bodyPr/>
+          <a:lstStyle/>
+          <a:p>
+            <a:r>
+              <a:rPr kumimoji="1" lang="en-US" altLang="ko-KR">
+                <a:ea typeface="Verdana" panose="020B0604030504040204" pitchFamily="34" charset="0"/>
+              </a:rPr>
+              <a:t>2023. 3. 29.</a:t>
+            </a:r>
+            <a:endParaRPr kumimoji="1" lang="ko-Kore-KR" altLang="en-US" dirty="0"/>
+          </a:p>
+        </p:txBody>
+      </p:sp>
+      <p:grpSp>
+        <p:nvGrpSpPr>
+          <p:cNvPr id="5" name="그룹 4">
+            <a:extLst>
+              <a:ext uri="{FF2B5EF4-FFF2-40B4-BE49-F238E27FC236}">
+                <a16:creationId xmlns:a16="http://schemas.microsoft.com/office/drawing/2014/main" id="{8FAE6BA6-8E2D-44E2-D9A9-15982B7E8DB2}"/>
+              </a:ext>
+            </a:extLst>
+          </p:cNvPr>
+          <p:cNvGrpSpPr/>
+          <p:nvPr/>
+        </p:nvGrpSpPr>
+        <p:grpSpPr>
+          <a:xfrm>
+            <a:off x="1591238" y="1486794"/>
+            <a:ext cx="900113" cy="714375"/>
+            <a:chOff x="1600200" y="5600700"/>
+            <a:chExt cx="900113" cy="714375"/>
+          </a:xfrm>
+        </p:grpSpPr>
+        <p:sp>
+          <p:nvSpPr>
+            <p:cNvPr id="6" name="사각형: 잘린 한쪽 모서리 5">
+              <a:extLst>
+                <a:ext uri="{FF2B5EF4-FFF2-40B4-BE49-F238E27FC236}">
+                  <a16:creationId xmlns:a16="http://schemas.microsoft.com/office/drawing/2014/main" id="{999E082A-BDC1-0D91-8B59-38FCE34FD4A6}"/>
+                </a:ext>
+              </a:extLst>
+            </p:cNvPr>
+            <p:cNvSpPr/>
+            <p:nvPr/>
+          </p:nvSpPr>
+          <p:spPr>
+            <a:xfrm>
+              <a:off x="1600200" y="5631475"/>
+              <a:ext cx="452438" cy="452438"/>
+            </a:xfrm>
+            <a:prstGeom prst="snip1Rect">
+              <a:avLst/>
+            </a:prstGeom>
+            <a:solidFill>
+              <a:schemeClr val="accent4">
+                <a:lumMod val="75000"/>
+              </a:schemeClr>
+            </a:solidFill>
+            <a:ln>
+              <a:solidFill>
+                <a:schemeClr val="tx1"/>
+              </a:solidFill>
+            </a:ln>
+          </p:spPr>
+          <p:style>
+            <a:lnRef idx="2">
+              <a:schemeClr val="accent1">
+                <a:shade val="50000"/>
+              </a:schemeClr>
+            </a:lnRef>
+            <a:fillRef idx="1">
+              <a:schemeClr val="accent1"/>
+            </a:fillRef>
+            <a:effectRef idx="0">
+              <a:schemeClr val="accent1"/>
+            </a:effectRef>
+            <a:fontRef idx="minor">
+              <a:schemeClr val="lt1"/>
+            </a:fontRef>
+          </p:style>
+          <p:txBody>
+            <a:bodyPr rtlCol="0" anchor="ctr"/>
+            <a:lstStyle/>
+            <a:p>
+              <a:pPr algn="ctr"/>
+              <a:endParaRPr lang="ko-KR" altLang="en-US" sz="1200">
+                <a:solidFill>
+                  <a:schemeClr val="tx1"/>
+                </a:solidFill>
+              </a:endParaRPr>
+            </a:p>
+          </p:txBody>
+        </p:sp>
+        <p:sp>
+          <p:nvSpPr>
+            <p:cNvPr id="7" name="자유형: 도형 6">
+              <a:extLst>
+                <a:ext uri="{FF2B5EF4-FFF2-40B4-BE49-F238E27FC236}">
+                  <a16:creationId xmlns:a16="http://schemas.microsoft.com/office/drawing/2014/main" id="{37E4B919-4D0A-2F2A-FE69-9864DE86BC65}"/>
+                </a:ext>
+              </a:extLst>
+            </p:cNvPr>
+            <p:cNvSpPr/>
+            <p:nvPr/>
+          </p:nvSpPr>
+          <p:spPr>
+            <a:xfrm>
+              <a:off x="1600201" y="5600700"/>
+              <a:ext cx="900112" cy="714375"/>
+            </a:xfrm>
+            <a:custGeom>
+              <a:avLst/>
+              <a:gdLst>
+                <a:gd name="connsiteX0" fmla="*/ 533400 w 900112"/>
+                <a:gd name="connsiteY0" fmla="*/ 0 h 714375"/>
+                <a:gd name="connsiteX1" fmla="*/ 388143 w 900112"/>
+                <a:gd name="connsiteY1" fmla="*/ 145257 h 714375"/>
+                <a:gd name="connsiteX2" fmla="*/ 0 w 900112"/>
+                <a:gd name="connsiteY2" fmla="*/ 145257 h 714375"/>
+                <a:gd name="connsiteX3" fmla="*/ 0 w 900112"/>
+                <a:gd name="connsiteY3" fmla="*/ 714375 h 714375"/>
+                <a:gd name="connsiteX4" fmla="*/ 900112 w 900112"/>
+                <a:gd name="connsiteY4" fmla="*/ 714375 h 714375"/>
+                <a:gd name="connsiteX5" fmla="*/ 900112 w 900112"/>
+                <a:gd name="connsiteY5" fmla="*/ 4763 h 714375"/>
+                <a:gd name="connsiteX6" fmla="*/ 533400 w 900112"/>
+                <a:gd name="connsiteY6" fmla="*/ 0 h 714375"/>
+              </a:gdLst>
+              <a:ahLst/>
+              <a:cxnLst>
+                <a:cxn ang="0">
+                  <a:pos x="connsiteX0" y="connsiteY0"/>
+                </a:cxn>
+                <a:cxn ang="0">
+                  <a:pos x="connsiteX1" y="connsiteY1"/>
+                </a:cxn>
+                <a:cxn ang="0">
+                  <a:pos x="connsiteX2" y="connsiteY2"/>
+                </a:cxn>
+                <a:cxn ang="0">
+                  <a:pos x="connsiteX3" y="connsiteY3"/>
+                </a:cxn>
+                <a:cxn ang="0">
+                  <a:pos x="connsiteX4" y="connsiteY4"/>
+                </a:cxn>
+                <a:cxn ang="0">
+                  <a:pos x="connsiteX5" y="connsiteY5"/>
+                </a:cxn>
+                <a:cxn ang="0">
+                  <a:pos x="connsiteX6" y="connsiteY6"/>
+                </a:cxn>
+              </a:cxnLst>
+              <a:rect l="l" t="t" r="r" b="b"/>
+              <a:pathLst>
+                <a:path w="900112" h="714375">
+                  <a:moveTo>
+                    <a:pt x="533400" y="0"/>
+                  </a:moveTo>
+                  <a:lnTo>
+                    <a:pt x="388143" y="145257"/>
+                  </a:lnTo>
+                  <a:lnTo>
+                    <a:pt x="0" y="145257"/>
+                  </a:lnTo>
+                  <a:lnTo>
+                    <a:pt x="0" y="714375"/>
+                  </a:lnTo>
+                  <a:lnTo>
+                    <a:pt x="900112" y="714375"/>
+                  </a:lnTo>
+                  <a:lnTo>
+                    <a:pt x="900112" y="4763"/>
+                  </a:lnTo>
+                  <a:lnTo>
+                    <a:pt x="533400" y="0"/>
+                  </a:lnTo>
+                  <a:close/>
+                </a:path>
+              </a:pathLst>
+            </a:custGeom>
+            <a:solidFill>
+              <a:schemeClr val="accent4">
+                <a:lumMod val="60000"/>
+                <a:lumOff val="40000"/>
+              </a:schemeClr>
+            </a:solidFill>
+            <a:ln>
+              <a:solidFill>
+                <a:schemeClr val="tx1"/>
+              </a:solidFill>
+            </a:ln>
+          </p:spPr>
+          <p:style>
+            <a:lnRef idx="2">
+              <a:schemeClr val="accent1">
+                <a:shade val="50000"/>
+              </a:schemeClr>
+            </a:lnRef>
+            <a:fillRef idx="1">
+              <a:schemeClr val="accent1"/>
+            </a:fillRef>
+            <a:effectRef idx="0">
+              <a:schemeClr val="accent1"/>
+            </a:effectRef>
+            <a:fontRef idx="minor">
+              <a:schemeClr val="lt1"/>
+            </a:fontRef>
+          </p:style>
+          <p:txBody>
+            <a:bodyPr rtlCol="0" anchor="ctr"/>
+            <a:lstStyle/>
+            <a:p>
+              <a:pPr algn="ctr"/>
+              <a:endParaRPr lang="en-US" altLang="ko-KR" sz="1200" dirty="0">
+                <a:solidFill>
+                  <a:schemeClr val="tx1"/>
+                </a:solidFill>
+              </a:endParaRPr>
+            </a:p>
+            <a:p>
+              <a:pPr algn="ctr"/>
+              <a:r>
+                <a:rPr lang="en-US" altLang="ko-KR" sz="1200">
+                  <a:solidFill>
+                    <a:schemeClr val="tx1"/>
+                  </a:solidFill>
+                </a:rPr>
+                <a:t>/ip_src_dir</a:t>
+              </a:r>
+              <a:endParaRPr lang="ko-KR" altLang="en-US" sz="1200" dirty="0">
+                <a:solidFill>
+                  <a:schemeClr val="tx1"/>
+                </a:solidFill>
+              </a:endParaRPr>
+            </a:p>
+          </p:txBody>
+        </p:sp>
+      </p:grpSp>
+      <p:grpSp>
+        <p:nvGrpSpPr>
+          <p:cNvPr id="8" name="그룹 7">
+            <a:extLst>
+              <a:ext uri="{FF2B5EF4-FFF2-40B4-BE49-F238E27FC236}">
+                <a16:creationId xmlns:a16="http://schemas.microsoft.com/office/drawing/2014/main" id="{F21B6702-E733-F165-438D-AB2CDA15B1E3}"/>
+              </a:ext>
+            </a:extLst>
+          </p:cNvPr>
+          <p:cNvGrpSpPr/>
+          <p:nvPr/>
+        </p:nvGrpSpPr>
+        <p:grpSpPr>
+          <a:xfrm>
+            <a:off x="647516" y="2529275"/>
+            <a:ext cx="759724" cy="866400"/>
+            <a:chOff x="1803216" y="4681679"/>
+            <a:chExt cx="759724" cy="866400"/>
+          </a:xfrm>
+        </p:grpSpPr>
+        <p:sp>
+          <p:nvSpPr>
+            <p:cNvPr id="9" name="사각형: 잘린 한쪽 모서리 8">
+              <a:extLst>
+                <a:ext uri="{FF2B5EF4-FFF2-40B4-BE49-F238E27FC236}">
+                  <a16:creationId xmlns:a16="http://schemas.microsoft.com/office/drawing/2014/main" id="{67D030D5-3DDB-7A55-E90B-856FCDBBF40D}"/>
+                </a:ext>
+              </a:extLst>
+            </p:cNvPr>
+            <p:cNvSpPr/>
+            <p:nvPr/>
+          </p:nvSpPr>
+          <p:spPr>
+            <a:xfrm>
+              <a:off x="1803216" y="4681679"/>
+              <a:ext cx="759724" cy="866400"/>
+            </a:xfrm>
+            <a:prstGeom prst="snip1Rect">
+              <a:avLst>
+                <a:gd name="adj" fmla="val 24772"/>
+              </a:avLst>
+            </a:prstGeom>
+            <a:noFill/>
+            <a:ln>
+              <a:solidFill>
+                <a:schemeClr val="tx1"/>
+              </a:solidFill>
+            </a:ln>
+          </p:spPr>
+          <p:style>
+            <a:lnRef idx="2">
+              <a:schemeClr val="accent1">
+                <a:shade val="50000"/>
+              </a:schemeClr>
+            </a:lnRef>
+            <a:fillRef idx="1">
+              <a:schemeClr val="accent1"/>
+            </a:fillRef>
+            <a:effectRef idx="0">
+              <a:schemeClr val="accent1"/>
+            </a:effectRef>
+            <a:fontRef idx="minor">
+              <a:schemeClr val="lt1"/>
+            </a:fontRef>
+          </p:style>
+          <p:txBody>
+            <a:bodyPr rtlCol="0" anchor="ctr"/>
+            <a:lstStyle/>
+            <a:p>
+              <a:pPr algn="ctr"/>
+              <a:r>
+                <a:rPr lang="en-US" altLang="ko-KR" sz="1200">
+                  <a:solidFill>
+                    <a:schemeClr val="tx1"/>
+                  </a:solidFill>
+                </a:rPr>
+                <a:t>ip1.sv</a:t>
+              </a:r>
+              <a:endParaRPr lang="ko-KR" altLang="en-US" sz="1200" dirty="0">
+                <a:solidFill>
+                  <a:schemeClr val="tx1"/>
+                </a:solidFill>
+              </a:endParaRPr>
+            </a:p>
+          </p:txBody>
+        </p:sp>
+        <p:cxnSp>
+          <p:nvCxnSpPr>
+            <p:cNvPr id="10" name="직선 연결선 9">
+              <a:extLst>
+                <a:ext uri="{FF2B5EF4-FFF2-40B4-BE49-F238E27FC236}">
+                  <a16:creationId xmlns:a16="http://schemas.microsoft.com/office/drawing/2014/main" id="{5617B271-2029-1AEA-C85F-AAE5CF2BF338}"/>
+                </a:ext>
+              </a:extLst>
+            </p:cNvPr>
+            <p:cNvCxnSpPr/>
+            <p:nvPr/>
+          </p:nvCxnSpPr>
+          <p:spPr>
+            <a:xfrm>
+              <a:off x="1853619" y="4816463"/>
+              <a:ext cx="576262" cy="0"/>
+            </a:xfrm>
+            <a:prstGeom prst="line">
+              <a:avLst/>
+            </a:prstGeom>
+            <a:ln w="15875"/>
+          </p:spPr>
+          <p:style>
+            <a:lnRef idx="1">
+              <a:schemeClr val="dk1"/>
+            </a:lnRef>
+            <a:fillRef idx="0">
+              <a:schemeClr val="dk1"/>
+            </a:fillRef>
+            <a:effectRef idx="0">
+              <a:schemeClr val="dk1"/>
+            </a:effectRef>
+            <a:fontRef idx="minor">
+              <a:schemeClr val="tx1"/>
+            </a:fontRef>
+          </p:style>
+        </p:cxnSp>
+        <p:cxnSp>
+          <p:nvCxnSpPr>
+            <p:cNvPr id="11" name="직선 연결선 10">
+              <a:extLst>
+                <a:ext uri="{FF2B5EF4-FFF2-40B4-BE49-F238E27FC236}">
+                  <a16:creationId xmlns:a16="http://schemas.microsoft.com/office/drawing/2014/main" id="{332DFDF5-2590-1AE9-6F44-99B5D08DA1DC}"/>
+                </a:ext>
+              </a:extLst>
+            </p:cNvPr>
+            <p:cNvCxnSpPr/>
+            <p:nvPr/>
+          </p:nvCxnSpPr>
+          <p:spPr>
+            <a:xfrm>
+              <a:off x="1853619" y="4912573"/>
+              <a:ext cx="576262" cy="0"/>
+            </a:xfrm>
+            <a:prstGeom prst="line">
+              <a:avLst/>
+            </a:prstGeom>
+            <a:ln w="15875"/>
+          </p:spPr>
+          <p:style>
+            <a:lnRef idx="1">
+              <a:schemeClr val="dk1"/>
+            </a:lnRef>
+            <a:fillRef idx="0">
+              <a:schemeClr val="dk1"/>
+            </a:fillRef>
+            <a:effectRef idx="0">
+              <a:schemeClr val="dk1"/>
+            </a:effectRef>
+            <a:fontRef idx="minor">
+              <a:schemeClr val="tx1"/>
+            </a:fontRef>
+          </p:style>
+        </p:cxnSp>
+        <p:cxnSp>
+          <p:nvCxnSpPr>
+            <p:cNvPr id="12" name="직선 연결선 11">
+              <a:extLst>
+                <a:ext uri="{FF2B5EF4-FFF2-40B4-BE49-F238E27FC236}">
+                  <a16:creationId xmlns:a16="http://schemas.microsoft.com/office/drawing/2014/main" id="{18020917-C89A-16FA-0E18-3C9FB0E65D88}"/>
+                </a:ext>
+              </a:extLst>
+            </p:cNvPr>
+            <p:cNvCxnSpPr/>
+            <p:nvPr/>
+          </p:nvCxnSpPr>
+          <p:spPr>
+            <a:xfrm>
+              <a:off x="1853619" y="5003060"/>
+              <a:ext cx="576262" cy="0"/>
+            </a:xfrm>
+            <a:prstGeom prst="line">
+              <a:avLst/>
+            </a:prstGeom>
+            <a:ln w="15875"/>
+          </p:spPr>
+          <p:style>
+            <a:lnRef idx="1">
+              <a:schemeClr val="dk1"/>
+            </a:lnRef>
+            <a:fillRef idx="0">
+              <a:schemeClr val="dk1"/>
+            </a:fillRef>
+            <a:effectRef idx="0">
+              <a:schemeClr val="dk1"/>
+            </a:effectRef>
+            <a:fontRef idx="minor">
+              <a:schemeClr val="tx1"/>
+            </a:fontRef>
+          </p:style>
+        </p:cxnSp>
+      </p:grpSp>
+      <p:grpSp>
+        <p:nvGrpSpPr>
+          <p:cNvPr id="13" name="그룹 12">
+            <a:extLst>
+              <a:ext uri="{FF2B5EF4-FFF2-40B4-BE49-F238E27FC236}">
+                <a16:creationId xmlns:a16="http://schemas.microsoft.com/office/drawing/2014/main" id="{BFD0BE69-4A83-763D-2D1F-8BC7B6678B4C}"/>
+              </a:ext>
+            </a:extLst>
+          </p:cNvPr>
+          <p:cNvGrpSpPr/>
+          <p:nvPr/>
+        </p:nvGrpSpPr>
+        <p:grpSpPr>
+          <a:xfrm>
+            <a:off x="1661433" y="2529275"/>
+            <a:ext cx="759724" cy="866400"/>
+            <a:chOff x="1803216" y="4681679"/>
+            <a:chExt cx="759724" cy="866400"/>
+          </a:xfrm>
+        </p:grpSpPr>
+        <p:sp>
+          <p:nvSpPr>
+            <p:cNvPr id="14" name="사각형: 잘린 한쪽 모서리 13">
+              <a:extLst>
+                <a:ext uri="{FF2B5EF4-FFF2-40B4-BE49-F238E27FC236}">
+                  <a16:creationId xmlns:a16="http://schemas.microsoft.com/office/drawing/2014/main" id="{6E38E07C-BF86-C6BD-E9CC-96ABF744182D}"/>
+                </a:ext>
+              </a:extLst>
+            </p:cNvPr>
+            <p:cNvSpPr/>
+            <p:nvPr/>
+          </p:nvSpPr>
+          <p:spPr>
+            <a:xfrm>
+              <a:off x="1803216" y="4681679"/>
+              <a:ext cx="759724" cy="866400"/>
+            </a:xfrm>
+            <a:prstGeom prst="snip1Rect">
+              <a:avLst>
+                <a:gd name="adj" fmla="val 24772"/>
+              </a:avLst>
+            </a:prstGeom>
+            <a:noFill/>
+            <a:ln>
+              <a:solidFill>
+                <a:schemeClr val="tx1"/>
+              </a:solidFill>
+            </a:ln>
+          </p:spPr>
+          <p:style>
+            <a:lnRef idx="2">
+              <a:schemeClr val="accent1">
+                <a:shade val="50000"/>
+              </a:schemeClr>
+            </a:lnRef>
+            <a:fillRef idx="1">
+              <a:schemeClr val="accent1"/>
+            </a:fillRef>
+            <a:effectRef idx="0">
+              <a:schemeClr val="accent1"/>
+            </a:effectRef>
+            <a:fontRef idx="minor">
+              <a:schemeClr val="lt1"/>
+            </a:fontRef>
+          </p:style>
+          <p:txBody>
+            <a:bodyPr rtlCol="0" anchor="ctr"/>
+            <a:lstStyle/>
+            <a:p>
+              <a:pPr algn="ctr"/>
+              <a:r>
+                <a:rPr lang="en-US" altLang="ko-KR" sz="1200">
+                  <a:solidFill>
+                    <a:schemeClr val="tx1"/>
+                  </a:solidFill>
+                </a:rPr>
+                <a:t>ip2.sv</a:t>
+              </a:r>
+              <a:endParaRPr lang="ko-KR" altLang="en-US" sz="1200" dirty="0">
+                <a:solidFill>
+                  <a:schemeClr val="tx1"/>
+                </a:solidFill>
+              </a:endParaRPr>
+            </a:p>
+          </p:txBody>
+        </p:sp>
+        <p:cxnSp>
+          <p:nvCxnSpPr>
+            <p:cNvPr id="15" name="직선 연결선 14">
+              <a:extLst>
+                <a:ext uri="{FF2B5EF4-FFF2-40B4-BE49-F238E27FC236}">
+                  <a16:creationId xmlns:a16="http://schemas.microsoft.com/office/drawing/2014/main" id="{0FAB25AE-49A4-3B09-230A-3C1D2DE65BDA}"/>
+                </a:ext>
+              </a:extLst>
+            </p:cNvPr>
+            <p:cNvCxnSpPr/>
+            <p:nvPr/>
+          </p:nvCxnSpPr>
+          <p:spPr>
+            <a:xfrm>
+              <a:off x="1853619" y="4816463"/>
+              <a:ext cx="576262" cy="0"/>
+            </a:xfrm>
+            <a:prstGeom prst="line">
+              <a:avLst/>
+            </a:prstGeom>
+            <a:ln w="15875"/>
+          </p:spPr>
+          <p:style>
+            <a:lnRef idx="1">
+              <a:schemeClr val="dk1"/>
+            </a:lnRef>
+            <a:fillRef idx="0">
+              <a:schemeClr val="dk1"/>
+            </a:fillRef>
+            <a:effectRef idx="0">
+              <a:schemeClr val="dk1"/>
+            </a:effectRef>
+            <a:fontRef idx="minor">
+              <a:schemeClr val="tx1"/>
+            </a:fontRef>
+          </p:style>
+        </p:cxnSp>
+        <p:cxnSp>
+          <p:nvCxnSpPr>
+            <p:cNvPr id="16" name="직선 연결선 15">
+              <a:extLst>
+                <a:ext uri="{FF2B5EF4-FFF2-40B4-BE49-F238E27FC236}">
+                  <a16:creationId xmlns:a16="http://schemas.microsoft.com/office/drawing/2014/main" id="{DF4394B6-8CD8-F748-7367-E282DEC11125}"/>
+                </a:ext>
+              </a:extLst>
+            </p:cNvPr>
+            <p:cNvCxnSpPr/>
+            <p:nvPr/>
+          </p:nvCxnSpPr>
+          <p:spPr>
+            <a:xfrm>
+              <a:off x="1853619" y="4912573"/>
+              <a:ext cx="576262" cy="0"/>
+            </a:xfrm>
+            <a:prstGeom prst="line">
+              <a:avLst/>
+            </a:prstGeom>
+            <a:ln w="15875"/>
+          </p:spPr>
+          <p:style>
+            <a:lnRef idx="1">
+              <a:schemeClr val="dk1"/>
+            </a:lnRef>
+            <a:fillRef idx="0">
+              <a:schemeClr val="dk1"/>
+            </a:fillRef>
+            <a:effectRef idx="0">
+              <a:schemeClr val="dk1"/>
+            </a:effectRef>
+            <a:fontRef idx="minor">
+              <a:schemeClr val="tx1"/>
+            </a:fontRef>
+          </p:style>
+        </p:cxnSp>
+        <p:cxnSp>
+          <p:nvCxnSpPr>
+            <p:cNvPr id="17" name="직선 연결선 16">
+              <a:extLst>
+                <a:ext uri="{FF2B5EF4-FFF2-40B4-BE49-F238E27FC236}">
+                  <a16:creationId xmlns:a16="http://schemas.microsoft.com/office/drawing/2014/main" id="{9206646E-383C-3E1A-8161-24E71CF05AFF}"/>
+                </a:ext>
+              </a:extLst>
+            </p:cNvPr>
+            <p:cNvCxnSpPr/>
+            <p:nvPr/>
+          </p:nvCxnSpPr>
+          <p:spPr>
+            <a:xfrm>
+              <a:off x="1853619" y="5003060"/>
+              <a:ext cx="576262" cy="0"/>
+            </a:xfrm>
+            <a:prstGeom prst="line">
+              <a:avLst/>
+            </a:prstGeom>
+            <a:ln w="15875"/>
+          </p:spPr>
+          <p:style>
+            <a:lnRef idx="1">
+              <a:schemeClr val="dk1"/>
+            </a:lnRef>
+            <a:fillRef idx="0">
+              <a:schemeClr val="dk1"/>
+            </a:fillRef>
+            <a:effectRef idx="0">
+              <a:schemeClr val="dk1"/>
+            </a:effectRef>
+            <a:fontRef idx="minor">
+              <a:schemeClr val="tx1"/>
+            </a:fontRef>
+          </p:style>
+        </p:cxnSp>
+      </p:grpSp>
+      <p:grpSp>
+        <p:nvGrpSpPr>
+          <p:cNvPr id="18" name="그룹 17">
+            <a:extLst>
+              <a:ext uri="{FF2B5EF4-FFF2-40B4-BE49-F238E27FC236}">
+                <a16:creationId xmlns:a16="http://schemas.microsoft.com/office/drawing/2014/main" id="{6FF860A2-ECE6-390B-870A-721FD332046E}"/>
+              </a:ext>
+            </a:extLst>
+          </p:cNvPr>
+          <p:cNvGrpSpPr/>
+          <p:nvPr/>
+        </p:nvGrpSpPr>
+        <p:grpSpPr>
+          <a:xfrm>
+            <a:off x="2658383" y="2529275"/>
+            <a:ext cx="759724" cy="866400"/>
+            <a:chOff x="1803216" y="4681679"/>
+            <a:chExt cx="759724" cy="866400"/>
+          </a:xfrm>
+        </p:grpSpPr>
+        <p:sp>
+          <p:nvSpPr>
+            <p:cNvPr id="19" name="사각형: 잘린 한쪽 모서리 18">
+              <a:extLst>
+                <a:ext uri="{FF2B5EF4-FFF2-40B4-BE49-F238E27FC236}">
+                  <a16:creationId xmlns:a16="http://schemas.microsoft.com/office/drawing/2014/main" id="{B5692907-CB2F-41F4-9BE6-F05E9D758932}"/>
+                </a:ext>
+              </a:extLst>
+            </p:cNvPr>
+            <p:cNvSpPr/>
+            <p:nvPr/>
+          </p:nvSpPr>
+          <p:spPr>
+            <a:xfrm>
+              <a:off x="1803216" y="4681679"/>
+              <a:ext cx="759724" cy="866400"/>
+            </a:xfrm>
+            <a:prstGeom prst="snip1Rect">
+              <a:avLst>
+                <a:gd name="adj" fmla="val 24772"/>
+              </a:avLst>
+            </a:prstGeom>
+            <a:noFill/>
+            <a:ln>
+              <a:solidFill>
+                <a:schemeClr val="tx1"/>
+              </a:solidFill>
+            </a:ln>
+          </p:spPr>
+          <p:style>
+            <a:lnRef idx="2">
+              <a:schemeClr val="accent1">
+                <a:shade val="50000"/>
+              </a:schemeClr>
+            </a:lnRef>
+            <a:fillRef idx="1">
+              <a:schemeClr val="accent1"/>
+            </a:fillRef>
+            <a:effectRef idx="0">
+              <a:schemeClr val="accent1"/>
+            </a:effectRef>
+            <a:fontRef idx="minor">
+              <a:schemeClr val="lt1"/>
+            </a:fontRef>
+          </p:style>
+          <p:txBody>
+            <a:bodyPr rtlCol="0" anchor="ctr"/>
+            <a:lstStyle/>
+            <a:p>
+              <a:pPr algn="ctr"/>
+              <a:r>
+                <a:rPr lang="en-US" altLang="ko-KR" sz="1200">
+                  <a:solidFill>
+                    <a:schemeClr val="tx1"/>
+                  </a:solidFill>
+                </a:rPr>
+                <a:t>ip3.sv</a:t>
+              </a:r>
+              <a:endParaRPr lang="ko-KR" altLang="en-US" sz="1200" dirty="0">
+                <a:solidFill>
+                  <a:schemeClr val="tx1"/>
+                </a:solidFill>
+              </a:endParaRPr>
+            </a:p>
+          </p:txBody>
+        </p:sp>
+        <p:cxnSp>
+          <p:nvCxnSpPr>
+            <p:cNvPr id="20" name="직선 연결선 19">
+              <a:extLst>
+                <a:ext uri="{FF2B5EF4-FFF2-40B4-BE49-F238E27FC236}">
+                  <a16:creationId xmlns:a16="http://schemas.microsoft.com/office/drawing/2014/main" id="{6A0445E0-1AA4-5496-1D15-EB58AA619073}"/>
+                </a:ext>
+              </a:extLst>
+            </p:cNvPr>
+            <p:cNvCxnSpPr/>
+            <p:nvPr/>
+          </p:nvCxnSpPr>
+          <p:spPr>
+            <a:xfrm>
+              <a:off x="1853619" y="4816463"/>
+              <a:ext cx="576262" cy="0"/>
+            </a:xfrm>
+            <a:prstGeom prst="line">
+              <a:avLst/>
+            </a:prstGeom>
+            <a:ln w="15875"/>
+          </p:spPr>
+          <p:style>
+            <a:lnRef idx="1">
+              <a:schemeClr val="dk1"/>
+            </a:lnRef>
+            <a:fillRef idx="0">
+              <a:schemeClr val="dk1"/>
+            </a:fillRef>
+            <a:effectRef idx="0">
+              <a:schemeClr val="dk1"/>
+            </a:effectRef>
+            <a:fontRef idx="minor">
+              <a:schemeClr val="tx1"/>
+            </a:fontRef>
+          </p:style>
+        </p:cxnSp>
+        <p:cxnSp>
+          <p:nvCxnSpPr>
+            <p:cNvPr id="21" name="직선 연결선 20">
+              <a:extLst>
+                <a:ext uri="{FF2B5EF4-FFF2-40B4-BE49-F238E27FC236}">
+                  <a16:creationId xmlns:a16="http://schemas.microsoft.com/office/drawing/2014/main" id="{FAC0575E-B4B0-6CBE-DE31-CC7A8580F219}"/>
+                </a:ext>
+              </a:extLst>
+            </p:cNvPr>
+            <p:cNvCxnSpPr/>
+            <p:nvPr/>
+          </p:nvCxnSpPr>
+          <p:spPr>
+            <a:xfrm>
+              <a:off x="1853619" y="4912573"/>
+              <a:ext cx="576262" cy="0"/>
+            </a:xfrm>
+            <a:prstGeom prst="line">
+              <a:avLst/>
+            </a:prstGeom>
+            <a:ln w="15875"/>
+          </p:spPr>
+          <p:style>
+            <a:lnRef idx="1">
+              <a:schemeClr val="dk1"/>
+            </a:lnRef>
+            <a:fillRef idx="0">
+              <a:schemeClr val="dk1"/>
+            </a:fillRef>
+            <a:effectRef idx="0">
+              <a:schemeClr val="dk1"/>
+            </a:effectRef>
+            <a:fontRef idx="minor">
+              <a:schemeClr val="tx1"/>
+            </a:fontRef>
+          </p:style>
+        </p:cxnSp>
+        <p:cxnSp>
+          <p:nvCxnSpPr>
+            <p:cNvPr id="22" name="직선 연결선 21">
+              <a:extLst>
+                <a:ext uri="{FF2B5EF4-FFF2-40B4-BE49-F238E27FC236}">
+                  <a16:creationId xmlns:a16="http://schemas.microsoft.com/office/drawing/2014/main" id="{0D3F0539-98CE-73AA-51BB-B68E1A4A2A72}"/>
+                </a:ext>
+              </a:extLst>
+            </p:cNvPr>
+            <p:cNvCxnSpPr/>
+            <p:nvPr/>
+          </p:nvCxnSpPr>
+          <p:spPr>
+            <a:xfrm>
+              <a:off x="1853619" y="5003060"/>
+              <a:ext cx="576262" cy="0"/>
+            </a:xfrm>
+            <a:prstGeom prst="line">
+              <a:avLst/>
+            </a:prstGeom>
+            <a:ln w="15875"/>
+          </p:spPr>
+          <p:style>
+            <a:lnRef idx="1">
+              <a:schemeClr val="dk1"/>
+            </a:lnRef>
+            <a:fillRef idx="0">
+              <a:schemeClr val="dk1"/>
+            </a:fillRef>
+            <a:effectRef idx="0">
+              <a:schemeClr val="dk1"/>
+            </a:effectRef>
+            <a:fontRef idx="minor">
+              <a:schemeClr val="tx1"/>
+            </a:fontRef>
+          </p:style>
+        </p:cxnSp>
+      </p:grpSp>
+      <p:grpSp>
+        <p:nvGrpSpPr>
+          <p:cNvPr id="23" name="그룹 22">
+            <a:extLst>
+              <a:ext uri="{FF2B5EF4-FFF2-40B4-BE49-F238E27FC236}">
+                <a16:creationId xmlns:a16="http://schemas.microsoft.com/office/drawing/2014/main" id="{7911EBC8-0A58-CF7A-C846-8E98B8D6791F}"/>
+              </a:ext>
+            </a:extLst>
+          </p:cNvPr>
+          <p:cNvGrpSpPr/>
+          <p:nvPr/>
+        </p:nvGrpSpPr>
+        <p:grpSpPr>
+          <a:xfrm>
+            <a:off x="5178251" y="2846159"/>
+            <a:ext cx="900113" cy="714375"/>
+            <a:chOff x="1600200" y="5600700"/>
+            <a:chExt cx="900113" cy="714375"/>
+          </a:xfrm>
+        </p:grpSpPr>
+        <p:sp>
+          <p:nvSpPr>
+            <p:cNvPr id="24" name="사각형: 잘린 한쪽 모서리 23">
+              <a:extLst>
+                <a:ext uri="{FF2B5EF4-FFF2-40B4-BE49-F238E27FC236}">
+                  <a16:creationId xmlns:a16="http://schemas.microsoft.com/office/drawing/2014/main" id="{348780C3-9AE0-4459-56C1-2B255245B9D1}"/>
+                </a:ext>
+              </a:extLst>
+            </p:cNvPr>
+            <p:cNvSpPr/>
+            <p:nvPr/>
+          </p:nvSpPr>
+          <p:spPr>
+            <a:xfrm>
+              <a:off x="1600200" y="5631475"/>
+              <a:ext cx="452438" cy="452438"/>
+            </a:xfrm>
+            <a:prstGeom prst="snip1Rect">
+              <a:avLst/>
+            </a:prstGeom>
+            <a:solidFill>
+              <a:schemeClr val="accent4">
+                <a:lumMod val="75000"/>
+              </a:schemeClr>
+            </a:solidFill>
+            <a:ln>
+              <a:solidFill>
+                <a:schemeClr val="tx1"/>
+              </a:solidFill>
+            </a:ln>
+          </p:spPr>
+          <p:style>
+            <a:lnRef idx="2">
+              <a:schemeClr val="accent1">
+                <a:shade val="50000"/>
+              </a:schemeClr>
+            </a:lnRef>
+            <a:fillRef idx="1">
+              <a:schemeClr val="accent1"/>
+            </a:fillRef>
+            <a:effectRef idx="0">
+              <a:schemeClr val="accent1"/>
+            </a:effectRef>
+            <a:fontRef idx="minor">
+              <a:schemeClr val="lt1"/>
+            </a:fontRef>
+          </p:style>
+          <p:txBody>
+            <a:bodyPr rtlCol="0" anchor="ctr"/>
+            <a:lstStyle/>
+            <a:p>
+              <a:pPr algn="ctr"/>
+              <a:endParaRPr lang="ko-KR" altLang="en-US" sz="1200">
+                <a:solidFill>
+                  <a:schemeClr val="tx1"/>
+                </a:solidFill>
+              </a:endParaRPr>
+            </a:p>
+          </p:txBody>
+        </p:sp>
+        <p:sp>
+          <p:nvSpPr>
+            <p:cNvPr id="25" name="자유형: 도형 24">
+              <a:extLst>
+                <a:ext uri="{FF2B5EF4-FFF2-40B4-BE49-F238E27FC236}">
+                  <a16:creationId xmlns:a16="http://schemas.microsoft.com/office/drawing/2014/main" id="{F6816E6B-3F19-F762-DF66-88FBEAC12821}"/>
+                </a:ext>
+              </a:extLst>
+            </p:cNvPr>
+            <p:cNvSpPr/>
+            <p:nvPr/>
+          </p:nvSpPr>
+          <p:spPr>
+            <a:xfrm>
+              <a:off x="1600201" y="5600700"/>
+              <a:ext cx="900112" cy="714375"/>
+            </a:xfrm>
+            <a:custGeom>
+              <a:avLst/>
+              <a:gdLst>
+                <a:gd name="connsiteX0" fmla="*/ 533400 w 900112"/>
+                <a:gd name="connsiteY0" fmla="*/ 0 h 714375"/>
+                <a:gd name="connsiteX1" fmla="*/ 388143 w 900112"/>
+                <a:gd name="connsiteY1" fmla="*/ 145257 h 714375"/>
+                <a:gd name="connsiteX2" fmla="*/ 0 w 900112"/>
+                <a:gd name="connsiteY2" fmla="*/ 145257 h 714375"/>
+                <a:gd name="connsiteX3" fmla="*/ 0 w 900112"/>
+                <a:gd name="connsiteY3" fmla="*/ 714375 h 714375"/>
+                <a:gd name="connsiteX4" fmla="*/ 900112 w 900112"/>
+                <a:gd name="connsiteY4" fmla="*/ 714375 h 714375"/>
+                <a:gd name="connsiteX5" fmla="*/ 900112 w 900112"/>
+                <a:gd name="connsiteY5" fmla="*/ 4763 h 714375"/>
+                <a:gd name="connsiteX6" fmla="*/ 533400 w 900112"/>
+                <a:gd name="connsiteY6" fmla="*/ 0 h 714375"/>
+              </a:gdLst>
+              <a:ahLst/>
+              <a:cxnLst>
+                <a:cxn ang="0">
+                  <a:pos x="connsiteX0" y="connsiteY0"/>
+                </a:cxn>
+                <a:cxn ang="0">
+                  <a:pos x="connsiteX1" y="connsiteY1"/>
+                </a:cxn>
+                <a:cxn ang="0">
+                  <a:pos x="connsiteX2" y="connsiteY2"/>
+                </a:cxn>
+                <a:cxn ang="0">
+                  <a:pos x="connsiteX3" y="connsiteY3"/>
+                </a:cxn>
+                <a:cxn ang="0">
+                  <a:pos x="connsiteX4" y="connsiteY4"/>
+                </a:cxn>
+                <a:cxn ang="0">
+                  <a:pos x="connsiteX5" y="connsiteY5"/>
+                </a:cxn>
+                <a:cxn ang="0">
+                  <a:pos x="connsiteX6" y="connsiteY6"/>
+                </a:cxn>
+              </a:cxnLst>
+              <a:rect l="l" t="t" r="r" b="b"/>
+              <a:pathLst>
+                <a:path w="900112" h="714375">
+                  <a:moveTo>
+                    <a:pt x="533400" y="0"/>
+                  </a:moveTo>
+                  <a:lnTo>
+                    <a:pt x="388143" y="145257"/>
+                  </a:lnTo>
+                  <a:lnTo>
+                    <a:pt x="0" y="145257"/>
+                  </a:lnTo>
+                  <a:lnTo>
+                    <a:pt x="0" y="714375"/>
+                  </a:lnTo>
+                  <a:lnTo>
+                    <a:pt x="900112" y="714375"/>
+                  </a:lnTo>
+                  <a:lnTo>
+                    <a:pt x="900112" y="4763"/>
+                  </a:lnTo>
+                  <a:lnTo>
+                    <a:pt x="533400" y="0"/>
+                  </a:lnTo>
+                  <a:close/>
+                </a:path>
+              </a:pathLst>
+            </a:custGeom>
+            <a:solidFill>
+              <a:schemeClr val="accent4">
+                <a:lumMod val="60000"/>
+                <a:lumOff val="40000"/>
+              </a:schemeClr>
+            </a:solidFill>
+            <a:ln>
+              <a:solidFill>
+                <a:schemeClr val="tx1"/>
+              </a:solidFill>
+            </a:ln>
+          </p:spPr>
+          <p:style>
+            <a:lnRef idx="2">
+              <a:schemeClr val="accent1">
+                <a:shade val="50000"/>
+              </a:schemeClr>
+            </a:lnRef>
+            <a:fillRef idx="1">
+              <a:schemeClr val="accent1"/>
+            </a:fillRef>
+            <a:effectRef idx="0">
+              <a:schemeClr val="accent1"/>
+            </a:effectRef>
+            <a:fontRef idx="minor">
+              <a:schemeClr val="lt1"/>
+            </a:fontRef>
+          </p:style>
+          <p:txBody>
+            <a:bodyPr rtlCol="0" anchor="ctr"/>
+            <a:lstStyle/>
+            <a:p>
+              <a:pPr algn="ctr"/>
+              <a:endParaRPr lang="en-US" altLang="ko-KR" sz="1200" dirty="0">
+                <a:solidFill>
+                  <a:schemeClr val="tx1"/>
+                </a:solidFill>
+              </a:endParaRPr>
+            </a:p>
+            <a:p>
+              <a:pPr algn="ctr"/>
+              <a:r>
+                <a:rPr lang="en-US" altLang="ko-KR" sz="1200">
+                  <a:solidFill>
+                    <a:schemeClr val="tx1"/>
+                  </a:solidFill>
+                </a:rPr>
+                <a:t>/main_dir</a:t>
+              </a:r>
+              <a:endParaRPr lang="ko-KR" altLang="en-US" sz="1200" dirty="0">
+                <a:solidFill>
+                  <a:schemeClr val="tx1"/>
+                </a:solidFill>
+              </a:endParaRPr>
+            </a:p>
+          </p:txBody>
+        </p:sp>
+      </p:grpSp>
+      <p:grpSp>
+        <p:nvGrpSpPr>
+          <p:cNvPr id="26" name="그룹 25">
+            <a:extLst>
+              <a:ext uri="{FF2B5EF4-FFF2-40B4-BE49-F238E27FC236}">
+                <a16:creationId xmlns:a16="http://schemas.microsoft.com/office/drawing/2014/main" id="{97ED044D-A1DF-58DA-6736-157E24303DEA}"/>
+              </a:ext>
+            </a:extLst>
+          </p:cNvPr>
+          <p:cNvGrpSpPr/>
+          <p:nvPr/>
+        </p:nvGrpSpPr>
+        <p:grpSpPr>
+          <a:xfrm>
+            <a:off x="5248446" y="3888640"/>
+            <a:ext cx="759724" cy="866400"/>
+            <a:chOff x="1803216" y="4681679"/>
+            <a:chExt cx="759724" cy="866400"/>
+          </a:xfrm>
+        </p:grpSpPr>
+        <p:sp>
+          <p:nvSpPr>
+            <p:cNvPr id="27" name="사각형: 잘린 한쪽 모서리 26">
+              <a:extLst>
+                <a:ext uri="{FF2B5EF4-FFF2-40B4-BE49-F238E27FC236}">
+                  <a16:creationId xmlns:a16="http://schemas.microsoft.com/office/drawing/2014/main" id="{AFF24665-441B-A28A-1AEA-390FB65478AE}"/>
+                </a:ext>
+              </a:extLst>
+            </p:cNvPr>
+            <p:cNvSpPr/>
+            <p:nvPr/>
+          </p:nvSpPr>
+          <p:spPr>
+            <a:xfrm>
+              <a:off x="1803216" y="4681679"/>
+              <a:ext cx="759724" cy="866400"/>
+            </a:xfrm>
+            <a:prstGeom prst="snip1Rect">
+              <a:avLst>
+                <a:gd name="adj" fmla="val 24772"/>
+              </a:avLst>
+            </a:prstGeom>
+            <a:noFill/>
+            <a:ln>
+              <a:solidFill>
+                <a:schemeClr val="tx1"/>
+              </a:solidFill>
+            </a:ln>
+          </p:spPr>
+          <p:style>
+            <a:lnRef idx="2">
+              <a:schemeClr val="accent1">
+                <a:shade val="50000"/>
+              </a:schemeClr>
+            </a:lnRef>
+            <a:fillRef idx="1">
+              <a:schemeClr val="accent1"/>
+            </a:fillRef>
+            <a:effectRef idx="0">
+              <a:schemeClr val="accent1"/>
+            </a:effectRef>
+            <a:fontRef idx="minor">
+              <a:schemeClr val="lt1"/>
+            </a:fontRef>
+          </p:style>
+          <p:txBody>
+            <a:bodyPr rtlCol="0" anchor="ctr"/>
+            <a:lstStyle/>
+            <a:p>
+              <a:pPr algn="ctr"/>
+              <a:r>
+                <a:rPr lang="en-US" altLang="ko-KR" sz="1200">
+                  <a:solidFill>
+                    <a:schemeClr val="tx1"/>
+                  </a:solidFill>
+                </a:rPr>
+                <a:t>ip3.xdc</a:t>
+              </a:r>
+              <a:endParaRPr lang="ko-KR" altLang="en-US" sz="1200" dirty="0">
+                <a:solidFill>
+                  <a:schemeClr val="tx1"/>
+                </a:solidFill>
+              </a:endParaRPr>
+            </a:p>
+          </p:txBody>
+        </p:sp>
+        <p:cxnSp>
+          <p:nvCxnSpPr>
+            <p:cNvPr id="28" name="직선 연결선 27">
+              <a:extLst>
+                <a:ext uri="{FF2B5EF4-FFF2-40B4-BE49-F238E27FC236}">
+                  <a16:creationId xmlns:a16="http://schemas.microsoft.com/office/drawing/2014/main" id="{57BD8F7F-4FF8-7D01-B78B-845FD69FB541}"/>
+                </a:ext>
+              </a:extLst>
+            </p:cNvPr>
+            <p:cNvCxnSpPr/>
+            <p:nvPr/>
+          </p:nvCxnSpPr>
+          <p:spPr>
+            <a:xfrm>
+              <a:off x="1853619" y="4816463"/>
+              <a:ext cx="576262" cy="0"/>
+            </a:xfrm>
+            <a:prstGeom prst="line">
+              <a:avLst/>
+            </a:prstGeom>
+            <a:ln w="15875"/>
+          </p:spPr>
+          <p:style>
+            <a:lnRef idx="1">
+              <a:schemeClr val="dk1"/>
+            </a:lnRef>
+            <a:fillRef idx="0">
+              <a:schemeClr val="dk1"/>
+            </a:fillRef>
+            <a:effectRef idx="0">
+              <a:schemeClr val="dk1"/>
+            </a:effectRef>
+            <a:fontRef idx="minor">
+              <a:schemeClr val="tx1"/>
+            </a:fontRef>
+          </p:style>
+        </p:cxnSp>
+        <p:cxnSp>
+          <p:nvCxnSpPr>
+            <p:cNvPr id="29" name="직선 연결선 28">
+              <a:extLst>
+                <a:ext uri="{FF2B5EF4-FFF2-40B4-BE49-F238E27FC236}">
+                  <a16:creationId xmlns:a16="http://schemas.microsoft.com/office/drawing/2014/main" id="{DFBB5C32-7399-7438-E15C-58E95CA08A42}"/>
+                </a:ext>
+              </a:extLst>
+            </p:cNvPr>
+            <p:cNvCxnSpPr/>
+            <p:nvPr/>
+          </p:nvCxnSpPr>
+          <p:spPr>
+            <a:xfrm>
+              <a:off x="1853619" y="4912573"/>
+              <a:ext cx="576262" cy="0"/>
+            </a:xfrm>
+            <a:prstGeom prst="line">
+              <a:avLst/>
+            </a:prstGeom>
+            <a:ln w="15875"/>
+          </p:spPr>
+          <p:style>
+            <a:lnRef idx="1">
+              <a:schemeClr val="dk1"/>
+            </a:lnRef>
+            <a:fillRef idx="0">
+              <a:schemeClr val="dk1"/>
+            </a:fillRef>
+            <a:effectRef idx="0">
+              <a:schemeClr val="dk1"/>
+            </a:effectRef>
+            <a:fontRef idx="minor">
+              <a:schemeClr val="tx1"/>
+            </a:fontRef>
+          </p:style>
+        </p:cxnSp>
+        <p:cxnSp>
+          <p:nvCxnSpPr>
+            <p:cNvPr id="30" name="직선 연결선 29">
+              <a:extLst>
+                <a:ext uri="{FF2B5EF4-FFF2-40B4-BE49-F238E27FC236}">
+                  <a16:creationId xmlns:a16="http://schemas.microsoft.com/office/drawing/2014/main" id="{6AD96F38-017F-4DFA-3A8F-AE959461BC9B}"/>
+                </a:ext>
+              </a:extLst>
+            </p:cNvPr>
+            <p:cNvCxnSpPr/>
+            <p:nvPr/>
+          </p:nvCxnSpPr>
+          <p:spPr>
+            <a:xfrm>
+              <a:off x="1853619" y="5003060"/>
+              <a:ext cx="576262" cy="0"/>
+            </a:xfrm>
+            <a:prstGeom prst="line">
+              <a:avLst/>
+            </a:prstGeom>
+            <a:ln w="15875"/>
+          </p:spPr>
+          <p:style>
+            <a:lnRef idx="1">
+              <a:schemeClr val="dk1"/>
+            </a:lnRef>
+            <a:fillRef idx="0">
+              <a:schemeClr val="dk1"/>
+            </a:fillRef>
+            <a:effectRef idx="0">
+              <a:schemeClr val="dk1"/>
+            </a:effectRef>
+            <a:fontRef idx="minor">
+              <a:schemeClr val="tx1"/>
+            </a:fontRef>
+          </p:style>
+        </p:cxnSp>
+      </p:grpSp>
+      <p:grpSp>
+        <p:nvGrpSpPr>
+          <p:cNvPr id="31" name="그룹 30">
+            <a:extLst>
+              <a:ext uri="{FF2B5EF4-FFF2-40B4-BE49-F238E27FC236}">
+                <a16:creationId xmlns:a16="http://schemas.microsoft.com/office/drawing/2014/main" id="{6E4FC3DA-2F56-1EE9-9478-8795B4788830}"/>
+              </a:ext>
+            </a:extLst>
+          </p:cNvPr>
+          <p:cNvGrpSpPr/>
+          <p:nvPr/>
+        </p:nvGrpSpPr>
+        <p:grpSpPr>
+          <a:xfrm>
+            <a:off x="8629190" y="4338460"/>
+            <a:ext cx="900113" cy="714375"/>
+            <a:chOff x="1600200" y="5600700"/>
+            <a:chExt cx="900113" cy="714375"/>
+          </a:xfrm>
+        </p:grpSpPr>
+        <p:sp>
+          <p:nvSpPr>
+            <p:cNvPr id="32" name="사각형: 잘린 한쪽 모서리 31">
+              <a:extLst>
+                <a:ext uri="{FF2B5EF4-FFF2-40B4-BE49-F238E27FC236}">
+                  <a16:creationId xmlns:a16="http://schemas.microsoft.com/office/drawing/2014/main" id="{DE88A558-DB05-089D-911B-69DDC271B687}"/>
+                </a:ext>
+              </a:extLst>
+            </p:cNvPr>
+            <p:cNvSpPr/>
+            <p:nvPr/>
+          </p:nvSpPr>
+          <p:spPr>
+            <a:xfrm>
+              <a:off x="1600200" y="5631475"/>
+              <a:ext cx="452438" cy="452438"/>
+            </a:xfrm>
+            <a:prstGeom prst="snip1Rect">
+              <a:avLst/>
+            </a:prstGeom>
+            <a:solidFill>
+              <a:schemeClr val="accent4">
+                <a:lumMod val="75000"/>
+              </a:schemeClr>
+            </a:solidFill>
+            <a:ln>
+              <a:solidFill>
+                <a:schemeClr val="tx1"/>
+              </a:solidFill>
+            </a:ln>
+          </p:spPr>
+          <p:style>
+            <a:lnRef idx="2">
+              <a:schemeClr val="accent1">
+                <a:shade val="50000"/>
+              </a:schemeClr>
+            </a:lnRef>
+            <a:fillRef idx="1">
+              <a:schemeClr val="accent1"/>
+            </a:fillRef>
+            <a:effectRef idx="0">
+              <a:schemeClr val="accent1"/>
+            </a:effectRef>
+            <a:fontRef idx="minor">
+              <a:schemeClr val="lt1"/>
+            </a:fontRef>
+          </p:style>
+          <p:txBody>
+            <a:bodyPr rtlCol="0" anchor="ctr"/>
+            <a:lstStyle/>
+            <a:p>
+              <a:pPr algn="ctr"/>
+              <a:endParaRPr lang="ko-KR" altLang="en-US" sz="1200">
+                <a:solidFill>
+                  <a:schemeClr val="tx1"/>
+                </a:solidFill>
+              </a:endParaRPr>
+            </a:p>
+          </p:txBody>
+        </p:sp>
+        <p:sp>
+          <p:nvSpPr>
+            <p:cNvPr id="33" name="자유형: 도형 32">
+              <a:extLst>
+                <a:ext uri="{FF2B5EF4-FFF2-40B4-BE49-F238E27FC236}">
+                  <a16:creationId xmlns:a16="http://schemas.microsoft.com/office/drawing/2014/main" id="{AA3900FC-F8B7-0064-2459-B42256E64E88}"/>
+                </a:ext>
+              </a:extLst>
+            </p:cNvPr>
+            <p:cNvSpPr/>
+            <p:nvPr/>
+          </p:nvSpPr>
+          <p:spPr>
+            <a:xfrm>
+              <a:off x="1600201" y="5600700"/>
+              <a:ext cx="900112" cy="714375"/>
+            </a:xfrm>
+            <a:custGeom>
+              <a:avLst/>
+              <a:gdLst>
+                <a:gd name="connsiteX0" fmla="*/ 533400 w 900112"/>
+                <a:gd name="connsiteY0" fmla="*/ 0 h 714375"/>
+                <a:gd name="connsiteX1" fmla="*/ 388143 w 900112"/>
+                <a:gd name="connsiteY1" fmla="*/ 145257 h 714375"/>
+                <a:gd name="connsiteX2" fmla="*/ 0 w 900112"/>
+                <a:gd name="connsiteY2" fmla="*/ 145257 h 714375"/>
+                <a:gd name="connsiteX3" fmla="*/ 0 w 900112"/>
+                <a:gd name="connsiteY3" fmla="*/ 714375 h 714375"/>
+                <a:gd name="connsiteX4" fmla="*/ 900112 w 900112"/>
+                <a:gd name="connsiteY4" fmla="*/ 714375 h 714375"/>
+                <a:gd name="connsiteX5" fmla="*/ 900112 w 900112"/>
+                <a:gd name="connsiteY5" fmla="*/ 4763 h 714375"/>
+                <a:gd name="connsiteX6" fmla="*/ 533400 w 900112"/>
+                <a:gd name="connsiteY6" fmla="*/ 0 h 714375"/>
+              </a:gdLst>
+              <a:ahLst/>
+              <a:cxnLst>
+                <a:cxn ang="0">
+                  <a:pos x="connsiteX0" y="connsiteY0"/>
+                </a:cxn>
+                <a:cxn ang="0">
+                  <a:pos x="connsiteX1" y="connsiteY1"/>
+                </a:cxn>
+                <a:cxn ang="0">
+                  <a:pos x="connsiteX2" y="connsiteY2"/>
+                </a:cxn>
+                <a:cxn ang="0">
+                  <a:pos x="connsiteX3" y="connsiteY3"/>
+                </a:cxn>
+                <a:cxn ang="0">
+                  <a:pos x="connsiteX4" y="connsiteY4"/>
+                </a:cxn>
+                <a:cxn ang="0">
+                  <a:pos x="connsiteX5" y="connsiteY5"/>
+                </a:cxn>
+                <a:cxn ang="0">
+                  <a:pos x="connsiteX6" y="connsiteY6"/>
+                </a:cxn>
+              </a:cxnLst>
+              <a:rect l="l" t="t" r="r" b="b"/>
+              <a:pathLst>
+                <a:path w="900112" h="714375">
+                  <a:moveTo>
+                    <a:pt x="533400" y="0"/>
+                  </a:moveTo>
+                  <a:lnTo>
+                    <a:pt x="388143" y="145257"/>
+                  </a:lnTo>
+                  <a:lnTo>
+                    <a:pt x="0" y="145257"/>
+                  </a:lnTo>
+                  <a:lnTo>
+                    <a:pt x="0" y="714375"/>
+                  </a:lnTo>
+                  <a:lnTo>
+                    <a:pt x="900112" y="714375"/>
+                  </a:lnTo>
+                  <a:lnTo>
+                    <a:pt x="900112" y="4763"/>
+                  </a:lnTo>
+                  <a:lnTo>
+                    <a:pt x="533400" y="0"/>
+                  </a:lnTo>
+                  <a:close/>
+                </a:path>
+              </a:pathLst>
+            </a:custGeom>
+            <a:solidFill>
+              <a:schemeClr val="accent4">
+                <a:lumMod val="60000"/>
+                <a:lumOff val="40000"/>
+              </a:schemeClr>
+            </a:solidFill>
+            <a:ln>
+              <a:solidFill>
+                <a:schemeClr val="tx1"/>
+              </a:solidFill>
+            </a:ln>
+          </p:spPr>
+          <p:style>
+            <a:lnRef idx="2">
+              <a:schemeClr val="accent1">
+                <a:shade val="50000"/>
+              </a:schemeClr>
+            </a:lnRef>
+            <a:fillRef idx="1">
+              <a:schemeClr val="accent1"/>
+            </a:fillRef>
+            <a:effectRef idx="0">
+              <a:schemeClr val="accent1"/>
+            </a:effectRef>
+            <a:fontRef idx="minor">
+              <a:schemeClr val="lt1"/>
+            </a:fontRef>
+          </p:style>
+          <p:txBody>
+            <a:bodyPr rtlCol="0" anchor="ctr"/>
+            <a:lstStyle/>
+            <a:p>
+              <a:pPr algn="ctr"/>
+              <a:endParaRPr lang="en-US" altLang="ko-KR" sz="1200" dirty="0">
+                <a:solidFill>
+                  <a:schemeClr val="tx1"/>
+                </a:solidFill>
+              </a:endParaRPr>
+            </a:p>
+            <a:p>
+              <a:pPr algn="ctr"/>
+              <a:r>
+                <a:rPr lang="en-US" altLang="ko-KR" sz="1200">
+                  <a:solidFill>
+                    <a:schemeClr val="tx1"/>
+                  </a:solidFill>
+                </a:rPr>
+                <a:t>/prj_dir</a:t>
+              </a:r>
+              <a:endParaRPr lang="ko-KR" altLang="en-US" sz="1200" dirty="0">
+                <a:solidFill>
+                  <a:schemeClr val="tx1"/>
+                </a:solidFill>
+              </a:endParaRPr>
+            </a:p>
+          </p:txBody>
+        </p:sp>
+      </p:grpSp>
+      <p:grpSp>
+        <p:nvGrpSpPr>
+          <p:cNvPr id="34" name="그룹 33">
+            <a:extLst>
+              <a:ext uri="{FF2B5EF4-FFF2-40B4-BE49-F238E27FC236}">
+                <a16:creationId xmlns:a16="http://schemas.microsoft.com/office/drawing/2014/main" id="{7C7D96B7-6757-62DE-4379-C2D36A7F7A2D}"/>
+              </a:ext>
+            </a:extLst>
+          </p:cNvPr>
+          <p:cNvGrpSpPr/>
+          <p:nvPr/>
+        </p:nvGrpSpPr>
+        <p:grpSpPr>
+          <a:xfrm>
+            <a:off x="9149441" y="5380941"/>
+            <a:ext cx="759724" cy="866400"/>
+            <a:chOff x="1803216" y="4681679"/>
+            <a:chExt cx="759724" cy="866400"/>
+          </a:xfrm>
+        </p:grpSpPr>
+        <p:sp>
+          <p:nvSpPr>
+            <p:cNvPr id="35" name="사각형: 잘린 한쪽 모서리 34">
+              <a:extLst>
+                <a:ext uri="{FF2B5EF4-FFF2-40B4-BE49-F238E27FC236}">
+                  <a16:creationId xmlns:a16="http://schemas.microsoft.com/office/drawing/2014/main" id="{7FE7330C-5899-2B74-8244-0D471B421BF3}"/>
+                </a:ext>
+              </a:extLst>
+            </p:cNvPr>
+            <p:cNvSpPr/>
+            <p:nvPr/>
+          </p:nvSpPr>
+          <p:spPr>
+            <a:xfrm>
+              <a:off x="1803216" y="4681679"/>
+              <a:ext cx="759724" cy="866400"/>
+            </a:xfrm>
+            <a:prstGeom prst="snip1Rect">
+              <a:avLst>
+                <a:gd name="adj" fmla="val 24772"/>
+              </a:avLst>
+            </a:prstGeom>
+            <a:noFill/>
+            <a:ln>
+              <a:solidFill>
+                <a:schemeClr val="tx1"/>
+              </a:solidFill>
+            </a:ln>
+          </p:spPr>
+          <p:style>
+            <a:lnRef idx="2">
+              <a:schemeClr val="accent1">
+                <a:shade val="50000"/>
+              </a:schemeClr>
+            </a:lnRef>
+            <a:fillRef idx="1">
+              <a:schemeClr val="accent1"/>
+            </a:fillRef>
+            <a:effectRef idx="0">
+              <a:schemeClr val="accent1"/>
+            </a:effectRef>
+            <a:fontRef idx="minor">
+              <a:schemeClr val="lt1"/>
+            </a:fontRef>
+          </p:style>
+          <p:txBody>
+            <a:bodyPr rtlCol="0" anchor="ctr"/>
+            <a:lstStyle/>
+            <a:p>
+              <a:pPr algn="ctr"/>
+              <a:r>
+                <a:rPr lang="en-US" altLang="ko-KR" sz="1200">
+                  <a:solidFill>
+                    <a:schemeClr val="tx1"/>
+                  </a:solidFill>
+                </a:rPr>
+                <a:t>prj.xpr</a:t>
+              </a:r>
+              <a:endParaRPr lang="ko-KR" altLang="en-US" sz="1200" dirty="0">
+                <a:solidFill>
+                  <a:schemeClr val="tx1"/>
+                </a:solidFill>
+              </a:endParaRPr>
+            </a:p>
+          </p:txBody>
+        </p:sp>
+        <p:cxnSp>
+          <p:nvCxnSpPr>
+            <p:cNvPr id="36" name="직선 연결선 35">
+              <a:extLst>
+                <a:ext uri="{FF2B5EF4-FFF2-40B4-BE49-F238E27FC236}">
+                  <a16:creationId xmlns:a16="http://schemas.microsoft.com/office/drawing/2014/main" id="{DE29B5FB-BDA4-E064-44D9-3E2484191CBF}"/>
+                </a:ext>
+              </a:extLst>
+            </p:cNvPr>
+            <p:cNvCxnSpPr/>
+            <p:nvPr/>
+          </p:nvCxnSpPr>
+          <p:spPr>
+            <a:xfrm>
+              <a:off x="1853619" y="4816463"/>
+              <a:ext cx="576262" cy="0"/>
+            </a:xfrm>
+            <a:prstGeom prst="line">
+              <a:avLst/>
+            </a:prstGeom>
+            <a:ln w="15875"/>
+          </p:spPr>
+          <p:style>
+            <a:lnRef idx="1">
+              <a:schemeClr val="dk1"/>
+            </a:lnRef>
+            <a:fillRef idx="0">
+              <a:schemeClr val="dk1"/>
+            </a:fillRef>
+            <a:effectRef idx="0">
+              <a:schemeClr val="dk1"/>
+            </a:effectRef>
+            <a:fontRef idx="minor">
+              <a:schemeClr val="tx1"/>
+            </a:fontRef>
+          </p:style>
+        </p:cxnSp>
+        <p:cxnSp>
+          <p:nvCxnSpPr>
+            <p:cNvPr id="37" name="직선 연결선 36">
+              <a:extLst>
+                <a:ext uri="{FF2B5EF4-FFF2-40B4-BE49-F238E27FC236}">
+                  <a16:creationId xmlns:a16="http://schemas.microsoft.com/office/drawing/2014/main" id="{F988BF40-3157-0129-C234-13667A2435E2}"/>
+                </a:ext>
+              </a:extLst>
+            </p:cNvPr>
+            <p:cNvCxnSpPr/>
+            <p:nvPr/>
+          </p:nvCxnSpPr>
+          <p:spPr>
+            <a:xfrm>
+              <a:off x="1853619" y="4912573"/>
+              <a:ext cx="576262" cy="0"/>
+            </a:xfrm>
+            <a:prstGeom prst="line">
+              <a:avLst/>
+            </a:prstGeom>
+            <a:ln w="15875"/>
+          </p:spPr>
+          <p:style>
+            <a:lnRef idx="1">
+              <a:schemeClr val="dk1"/>
+            </a:lnRef>
+            <a:fillRef idx="0">
+              <a:schemeClr val="dk1"/>
+            </a:fillRef>
+            <a:effectRef idx="0">
+              <a:schemeClr val="dk1"/>
+            </a:effectRef>
+            <a:fontRef idx="minor">
+              <a:schemeClr val="tx1"/>
+            </a:fontRef>
+          </p:style>
+        </p:cxnSp>
+        <p:cxnSp>
+          <p:nvCxnSpPr>
+            <p:cNvPr id="38" name="직선 연결선 37">
+              <a:extLst>
+                <a:ext uri="{FF2B5EF4-FFF2-40B4-BE49-F238E27FC236}">
+                  <a16:creationId xmlns:a16="http://schemas.microsoft.com/office/drawing/2014/main" id="{4BBD4D48-8293-1079-AB03-093D881D8CA1}"/>
+                </a:ext>
+              </a:extLst>
+            </p:cNvPr>
+            <p:cNvCxnSpPr/>
+            <p:nvPr/>
+          </p:nvCxnSpPr>
+          <p:spPr>
+            <a:xfrm>
+              <a:off x="1853619" y="5003060"/>
+              <a:ext cx="576262" cy="0"/>
+            </a:xfrm>
+            <a:prstGeom prst="line">
+              <a:avLst/>
+            </a:prstGeom>
+            <a:ln w="15875"/>
+          </p:spPr>
+          <p:style>
+            <a:lnRef idx="1">
+              <a:schemeClr val="dk1"/>
+            </a:lnRef>
+            <a:fillRef idx="0">
+              <a:schemeClr val="dk1"/>
+            </a:fillRef>
+            <a:effectRef idx="0">
+              <a:schemeClr val="dk1"/>
+            </a:effectRef>
+            <a:fontRef idx="minor">
+              <a:schemeClr val="tx1"/>
+            </a:fontRef>
+          </p:style>
+        </p:cxnSp>
+      </p:grpSp>
+      <p:grpSp>
+        <p:nvGrpSpPr>
+          <p:cNvPr id="39" name="그룹 38">
+            <a:extLst>
+              <a:ext uri="{FF2B5EF4-FFF2-40B4-BE49-F238E27FC236}">
+                <a16:creationId xmlns:a16="http://schemas.microsoft.com/office/drawing/2014/main" id="{0F124A1D-9FDF-F9D8-751C-2A95B07B75BC}"/>
+              </a:ext>
+            </a:extLst>
+          </p:cNvPr>
+          <p:cNvGrpSpPr/>
+          <p:nvPr/>
+        </p:nvGrpSpPr>
+        <p:grpSpPr>
+          <a:xfrm>
+            <a:off x="8319523" y="5380941"/>
+            <a:ext cx="759724" cy="866400"/>
+            <a:chOff x="1803216" y="4681679"/>
+            <a:chExt cx="759724" cy="866400"/>
+          </a:xfrm>
+        </p:grpSpPr>
+        <p:sp>
+          <p:nvSpPr>
+            <p:cNvPr id="40" name="사각형: 잘린 한쪽 모서리 39">
+              <a:extLst>
+                <a:ext uri="{FF2B5EF4-FFF2-40B4-BE49-F238E27FC236}">
+                  <a16:creationId xmlns:a16="http://schemas.microsoft.com/office/drawing/2014/main" id="{96ABD18E-BF7C-A8CE-91CD-9AB23080D626}"/>
+                </a:ext>
+              </a:extLst>
+            </p:cNvPr>
+            <p:cNvSpPr/>
+            <p:nvPr/>
+          </p:nvSpPr>
+          <p:spPr>
+            <a:xfrm>
+              <a:off x="1803216" y="4681679"/>
+              <a:ext cx="759724" cy="866400"/>
+            </a:xfrm>
+            <a:prstGeom prst="snip1Rect">
+              <a:avLst>
+                <a:gd name="adj" fmla="val 24772"/>
+              </a:avLst>
+            </a:prstGeom>
+            <a:noFill/>
+            <a:ln>
+              <a:solidFill>
+                <a:schemeClr val="tx1"/>
+              </a:solidFill>
+            </a:ln>
+          </p:spPr>
+          <p:style>
+            <a:lnRef idx="2">
+              <a:schemeClr val="accent1">
+                <a:shade val="50000"/>
+              </a:schemeClr>
+            </a:lnRef>
+            <a:fillRef idx="1">
+              <a:schemeClr val="accent1"/>
+            </a:fillRef>
+            <a:effectRef idx="0">
+              <a:schemeClr val="accent1"/>
+            </a:effectRef>
+            <a:fontRef idx="minor">
+              <a:schemeClr val="lt1"/>
+            </a:fontRef>
+          </p:style>
+          <p:txBody>
+            <a:bodyPr rtlCol="0" anchor="ctr"/>
+            <a:lstStyle/>
+            <a:p>
+              <a:pPr algn="ctr"/>
+              <a:r>
+                <a:rPr lang="en-US" altLang="ko-KR" sz="1200">
+                  <a:solidFill>
+                    <a:schemeClr val="tx1"/>
+                  </a:solidFill>
+                </a:rPr>
+                <a:t>blk.bd</a:t>
+              </a:r>
+              <a:endParaRPr lang="ko-KR" altLang="en-US" sz="1200" dirty="0">
+                <a:solidFill>
+                  <a:schemeClr val="tx1"/>
+                </a:solidFill>
+              </a:endParaRPr>
+            </a:p>
+          </p:txBody>
+        </p:sp>
+        <p:cxnSp>
+          <p:nvCxnSpPr>
+            <p:cNvPr id="41" name="직선 연결선 40">
+              <a:extLst>
+                <a:ext uri="{FF2B5EF4-FFF2-40B4-BE49-F238E27FC236}">
+                  <a16:creationId xmlns:a16="http://schemas.microsoft.com/office/drawing/2014/main" id="{685062D3-2B26-1CDE-5649-E0B4924F8A75}"/>
+                </a:ext>
+              </a:extLst>
+            </p:cNvPr>
+            <p:cNvCxnSpPr/>
+            <p:nvPr/>
+          </p:nvCxnSpPr>
+          <p:spPr>
+            <a:xfrm>
+              <a:off x="1853619" y="4816463"/>
+              <a:ext cx="576262" cy="0"/>
+            </a:xfrm>
+            <a:prstGeom prst="line">
+              <a:avLst/>
+            </a:prstGeom>
+            <a:ln w="15875"/>
+          </p:spPr>
+          <p:style>
+            <a:lnRef idx="1">
+              <a:schemeClr val="dk1"/>
+            </a:lnRef>
+            <a:fillRef idx="0">
+              <a:schemeClr val="dk1"/>
+            </a:fillRef>
+            <a:effectRef idx="0">
+              <a:schemeClr val="dk1"/>
+            </a:effectRef>
+            <a:fontRef idx="minor">
+              <a:schemeClr val="tx1"/>
+            </a:fontRef>
+          </p:style>
+        </p:cxnSp>
+        <p:cxnSp>
+          <p:nvCxnSpPr>
+            <p:cNvPr id="42" name="직선 연결선 41">
+              <a:extLst>
+                <a:ext uri="{FF2B5EF4-FFF2-40B4-BE49-F238E27FC236}">
+                  <a16:creationId xmlns:a16="http://schemas.microsoft.com/office/drawing/2014/main" id="{29CAE60C-3E6D-62D3-52CF-95B51CFA4E99}"/>
+                </a:ext>
+              </a:extLst>
+            </p:cNvPr>
+            <p:cNvCxnSpPr/>
+            <p:nvPr/>
+          </p:nvCxnSpPr>
+          <p:spPr>
+            <a:xfrm>
+              <a:off x="1853619" y="4912573"/>
+              <a:ext cx="576262" cy="0"/>
+            </a:xfrm>
+            <a:prstGeom prst="line">
+              <a:avLst/>
+            </a:prstGeom>
+            <a:ln w="15875"/>
+          </p:spPr>
+          <p:style>
+            <a:lnRef idx="1">
+              <a:schemeClr val="dk1"/>
+            </a:lnRef>
+            <a:fillRef idx="0">
+              <a:schemeClr val="dk1"/>
+            </a:fillRef>
+            <a:effectRef idx="0">
+              <a:schemeClr val="dk1"/>
+            </a:effectRef>
+            <a:fontRef idx="minor">
+              <a:schemeClr val="tx1"/>
+            </a:fontRef>
+          </p:style>
+        </p:cxnSp>
+        <p:cxnSp>
+          <p:nvCxnSpPr>
+            <p:cNvPr id="43" name="직선 연결선 42">
+              <a:extLst>
+                <a:ext uri="{FF2B5EF4-FFF2-40B4-BE49-F238E27FC236}">
+                  <a16:creationId xmlns:a16="http://schemas.microsoft.com/office/drawing/2014/main" id="{182FCF6B-6976-B19D-7DFD-1F2E0580AD2F}"/>
+                </a:ext>
+              </a:extLst>
+            </p:cNvPr>
+            <p:cNvCxnSpPr/>
+            <p:nvPr/>
+          </p:nvCxnSpPr>
+          <p:spPr>
+            <a:xfrm>
+              <a:off x="1853619" y="5003060"/>
+              <a:ext cx="576262" cy="0"/>
+            </a:xfrm>
+            <a:prstGeom prst="line">
+              <a:avLst/>
+            </a:prstGeom>
+            <a:ln w="15875"/>
+          </p:spPr>
+          <p:style>
+            <a:lnRef idx="1">
+              <a:schemeClr val="dk1"/>
+            </a:lnRef>
+            <a:fillRef idx="0">
+              <a:schemeClr val="dk1"/>
+            </a:fillRef>
+            <a:effectRef idx="0">
+              <a:schemeClr val="dk1"/>
+            </a:effectRef>
+            <a:fontRef idx="minor">
+              <a:schemeClr val="tx1"/>
+            </a:fontRef>
+          </p:style>
+        </p:cxnSp>
+      </p:grpSp>
+      <p:grpSp>
+        <p:nvGrpSpPr>
+          <p:cNvPr id="44" name="그룹 43">
+            <a:extLst>
+              <a:ext uri="{FF2B5EF4-FFF2-40B4-BE49-F238E27FC236}">
+                <a16:creationId xmlns:a16="http://schemas.microsoft.com/office/drawing/2014/main" id="{62D69BFC-C9B6-09EC-42F4-B6622A3ECA23}"/>
+              </a:ext>
+            </a:extLst>
+          </p:cNvPr>
+          <p:cNvGrpSpPr/>
+          <p:nvPr/>
+        </p:nvGrpSpPr>
+        <p:grpSpPr>
+          <a:xfrm>
+            <a:off x="1593619" y="4560585"/>
+            <a:ext cx="900113" cy="714375"/>
+            <a:chOff x="1600200" y="5600700"/>
+            <a:chExt cx="900113" cy="714375"/>
+          </a:xfrm>
+        </p:grpSpPr>
+        <p:sp>
+          <p:nvSpPr>
+            <p:cNvPr id="45" name="사각형: 잘린 한쪽 모서리 44">
+              <a:extLst>
+                <a:ext uri="{FF2B5EF4-FFF2-40B4-BE49-F238E27FC236}">
+                  <a16:creationId xmlns:a16="http://schemas.microsoft.com/office/drawing/2014/main" id="{5C5EACE2-2A2D-97E8-FD5A-DF5790139694}"/>
+                </a:ext>
+              </a:extLst>
+            </p:cNvPr>
+            <p:cNvSpPr/>
+            <p:nvPr/>
+          </p:nvSpPr>
+          <p:spPr>
+            <a:xfrm>
+              <a:off x="1600200" y="5631475"/>
+              <a:ext cx="452438" cy="452438"/>
+            </a:xfrm>
+            <a:prstGeom prst="snip1Rect">
+              <a:avLst/>
+            </a:prstGeom>
+            <a:solidFill>
+              <a:schemeClr val="accent4">
+                <a:lumMod val="75000"/>
+              </a:schemeClr>
+            </a:solidFill>
+            <a:ln>
+              <a:solidFill>
+                <a:schemeClr val="tx1"/>
+              </a:solidFill>
+            </a:ln>
+          </p:spPr>
+          <p:style>
+            <a:lnRef idx="2">
+              <a:schemeClr val="accent1">
+                <a:shade val="50000"/>
+              </a:schemeClr>
+            </a:lnRef>
+            <a:fillRef idx="1">
+              <a:schemeClr val="accent1"/>
+            </a:fillRef>
+            <a:effectRef idx="0">
+              <a:schemeClr val="accent1"/>
+            </a:effectRef>
+            <a:fontRef idx="minor">
+              <a:schemeClr val="lt1"/>
+            </a:fontRef>
+          </p:style>
+          <p:txBody>
+            <a:bodyPr rtlCol="0" anchor="ctr"/>
+            <a:lstStyle/>
+            <a:p>
+              <a:pPr algn="ctr"/>
+              <a:endParaRPr lang="ko-KR" altLang="en-US" sz="1200">
+                <a:solidFill>
+                  <a:schemeClr val="tx1"/>
+                </a:solidFill>
+              </a:endParaRPr>
+            </a:p>
+          </p:txBody>
+        </p:sp>
+        <p:sp>
+          <p:nvSpPr>
+            <p:cNvPr id="46" name="자유형: 도형 45">
+              <a:extLst>
+                <a:ext uri="{FF2B5EF4-FFF2-40B4-BE49-F238E27FC236}">
+                  <a16:creationId xmlns:a16="http://schemas.microsoft.com/office/drawing/2014/main" id="{4F7FFEBC-D1EF-CC13-CC93-E888E18D3839}"/>
+                </a:ext>
+              </a:extLst>
+            </p:cNvPr>
+            <p:cNvSpPr/>
+            <p:nvPr/>
+          </p:nvSpPr>
+          <p:spPr>
+            <a:xfrm>
+              <a:off x="1600201" y="5600700"/>
+              <a:ext cx="900112" cy="714375"/>
+            </a:xfrm>
+            <a:custGeom>
+              <a:avLst/>
+              <a:gdLst>
+                <a:gd name="connsiteX0" fmla="*/ 533400 w 900112"/>
+                <a:gd name="connsiteY0" fmla="*/ 0 h 714375"/>
+                <a:gd name="connsiteX1" fmla="*/ 388143 w 900112"/>
+                <a:gd name="connsiteY1" fmla="*/ 145257 h 714375"/>
+                <a:gd name="connsiteX2" fmla="*/ 0 w 900112"/>
+                <a:gd name="connsiteY2" fmla="*/ 145257 h 714375"/>
+                <a:gd name="connsiteX3" fmla="*/ 0 w 900112"/>
+                <a:gd name="connsiteY3" fmla="*/ 714375 h 714375"/>
+                <a:gd name="connsiteX4" fmla="*/ 900112 w 900112"/>
+                <a:gd name="connsiteY4" fmla="*/ 714375 h 714375"/>
+                <a:gd name="connsiteX5" fmla="*/ 900112 w 900112"/>
+                <a:gd name="connsiteY5" fmla="*/ 4763 h 714375"/>
+                <a:gd name="connsiteX6" fmla="*/ 533400 w 900112"/>
+                <a:gd name="connsiteY6" fmla="*/ 0 h 714375"/>
+              </a:gdLst>
+              <a:ahLst/>
+              <a:cxnLst>
+                <a:cxn ang="0">
+                  <a:pos x="connsiteX0" y="connsiteY0"/>
+                </a:cxn>
+                <a:cxn ang="0">
+                  <a:pos x="connsiteX1" y="connsiteY1"/>
+                </a:cxn>
+                <a:cxn ang="0">
+                  <a:pos x="connsiteX2" y="connsiteY2"/>
+                </a:cxn>
+                <a:cxn ang="0">
+                  <a:pos x="connsiteX3" y="connsiteY3"/>
+                </a:cxn>
+                <a:cxn ang="0">
+                  <a:pos x="connsiteX4" y="connsiteY4"/>
+                </a:cxn>
+                <a:cxn ang="0">
+                  <a:pos x="connsiteX5" y="connsiteY5"/>
+                </a:cxn>
+                <a:cxn ang="0">
+                  <a:pos x="connsiteX6" y="connsiteY6"/>
+                </a:cxn>
+              </a:cxnLst>
+              <a:rect l="l" t="t" r="r" b="b"/>
+              <a:pathLst>
+                <a:path w="900112" h="714375">
+                  <a:moveTo>
+                    <a:pt x="533400" y="0"/>
+                  </a:moveTo>
+                  <a:lnTo>
+                    <a:pt x="388143" y="145257"/>
+                  </a:lnTo>
+                  <a:lnTo>
+                    <a:pt x="0" y="145257"/>
+                  </a:lnTo>
+                  <a:lnTo>
+                    <a:pt x="0" y="714375"/>
+                  </a:lnTo>
+                  <a:lnTo>
+                    <a:pt x="900112" y="714375"/>
+                  </a:lnTo>
+                  <a:lnTo>
+                    <a:pt x="900112" y="4763"/>
+                  </a:lnTo>
+                  <a:lnTo>
+                    <a:pt x="533400" y="0"/>
+                  </a:lnTo>
+                  <a:close/>
+                </a:path>
+              </a:pathLst>
+            </a:custGeom>
+            <a:solidFill>
+              <a:schemeClr val="accent4">
+                <a:lumMod val="60000"/>
+                <a:lumOff val="40000"/>
+              </a:schemeClr>
+            </a:solidFill>
+            <a:ln>
+              <a:solidFill>
+                <a:schemeClr val="tx1"/>
+              </a:solidFill>
+            </a:ln>
+          </p:spPr>
+          <p:style>
+            <a:lnRef idx="2">
+              <a:schemeClr val="accent1">
+                <a:shade val="50000"/>
+              </a:schemeClr>
+            </a:lnRef>
+            <a:fillRef idx="1">
+              <a:schemeClr val="accent1"/>
+            </a:fillRef>
+            <a:effectRef idx="0">
+              <a:schemeClr val="accent1"/>
+            </a:effectRef>
+            <a:fontRef idx="minor">
+              <a:schemeClr val="lt1"/>
+            </a:fontRef>
+          </p:style>
+          <p:txBody>
+            <a:bodyPr rtlCol="0" anchor="ctr"/>
+            <a:lstStyle/>
+            <a:p>
+              <a:pPr algn="ctr"/>
+              <a:endParaRPr lang="en-US" altLang="ko-KR" sz="1200" dirty="0">
+                <a:solidFill>
+                  <a:schemeClr val="tx1"/>
+                </a:solidFill>
+              </a:endParaRPr>
+            </a:p>
+            <a:p>
+              <a:pPr algn="ctr"/>
+              <a:r>
+                <a:rPr lang="en-US" altLang="ko-KR" sz="1200">
+                  <a:solidFill>
+                    <a:schemeClr val="tx1"/>
+                  </a:solidFill>
+                </a:rPr>
+                <a:t>/ip_out_dir</a:t>
+              </a:r>
+              <a:endParaRPr lang="ko-KR" altLang="en-US" sz="1200" dirty="0">
+                <a:solidFill>
+                  <a:schemeClr val="tx1"/>
+                </a:solidFill>
+              </a:endParaRPr>
+            </a:p>
+          </p:txBody>
+        </p:sp>
+      </p:grpSp>
+      <p:grpSp>
+        <p:nvGrpSpPr>
+          <p:cNvPr id="47" name="그룹 46">
+            <a:extLst>
+              <a:ext uri="{FF2B5EF4-FFF2-40B4-BE49-F238E27FC236}">
+                <a16:creationId xmlns:a16="http://schemas.microsoft.com/office/drawing/2014/main" id="{6BDE48FA-7927-9DDE-991C-C72BB1D7666A}"/>
+              </a:ext>
+            </a:extLst>
+          </p:cNvPr>
+          <p:cNvGrpSpPr/>
+          <p:nvPr/>
+        </p:nvGrpSpPr>
+        <p:grpSpPr>
+          <a:xfrm>
+            <a:off x="1661432" y="5538946"/>
+            <a:ext cx="759724" cy="866400"/>
+            <a:chOff x="1803216" y="4681679"/>
+            <a:chExt cx="759724" cy="866400"/>
+          </a:xfrm>
+        </p:grpSpPr>
+        <p:sp>
+          <p:nvSpPr>
+            <p:cNvPr id="48" name="사각형: 잘린 한쪽 모서리 47">
+              <a:extLst>
+                <a:ext uri="{FF2B5EF4-FFF2-40B4-BE49-F238E27FC236}">
+                  <a16:creationId xmlns:a16="http://schemas.microsoft.com/office/drawing/2014/main" id="{0B844819-DBEF-2D93-CA11-EC080A9544B8}"/>
+                </a:ext>
+              </a:extLst>
+            </p:cNvPr>
+            <p:cNvSpPr/>
+            <p:nvPr/>
+          </p:nvSpPr>
+          <p:spPr>
+            <a:xfrm>
+              <a:off x="1803216" y="4681679"/>
+              <a:ext cx="759724" cy="866400"/>
+            </a:xfrm>
+            <a:prstGeom prst="snip1Rect">
+              <a:avLst>
+                <a:gd name="adj" fmla="val 24772"/>
+              </a:avLst>
+            </a:prstGeom>
+            <a:noFill/>
+            <a:ln>
+              <a:solidFill>
+                <a:schemeClr val="tx1"/>
+              </a:solidFill>
+            </a:ln>
+          </p:spPr>
+          <p:style>
+            <a:lnRef idx="2">
+              <a:schemeClr val="accent1">
+                <a:shade val="50000"/>
+              </a:schemeClr>
+            </a:lnRef>
+            <a:fillRef idx="1">
+              <a:schemeClr val="accent1"/>
+            </a:fillRef>
+            <a:effectRef idx="0">
+              <a:schemeClr val="accent1"/>
+            </a:effectRef>
+            <a:fontRef idx="minor">
+              <a:schemeClr val="lt1"/>
+            </a:fontRef>
+          </p:style>
+          <p:txBody>
+            <a:bodyPr rtlCol="0" anchor="ctr"/>
+            <a:lstStyle/>
+            <a:p>
+              <a:pPr algn="ctr"/>
+              <a:r>
+                <a:rPr lang="en-US" altLang="ko-KR" sz="1200">
+                  <a:solidFill>
+                    <a:schemeClr val="tx1"/>
+                  </a:solidFill>
+                </a:rPr>
+                <a:t>ip.xml</a:t>
+              </a:r>
+              <a:endParaRPr lang="ko-KR" altLang="en-US" sz="1200" dirty="0">
+                <a:solidFill>
+                  <a:schemeClr val="tx1"/>
+                </a:solidFill>
+              </a:endParaRPr>
+            </a:p>
+          </p:txBody>
+        </p:sp>
+        <p:cxnSp>
+          <p:nvCxnSpPr>
+            <p:cNvPr id="49" name="직선 연결선 48">
+              <a:extLst>
+                <a:ext uri="{FF2B5EF4-FFF2-40B4-BE49-F238E27FC236}">
+                  <a16:creationId xmlns:a16="http://schemas.microsoft.com/office/drawing/2014/main" id="{5E648FB8-84AC-69D2-9B2B-524C1B23AE2B}"/>
+                </a:ext>
+              </a:extLst>
+            </p:cNvPr>
+            <p:cNvCxnSpPr/>
+            <p:nvPr/>
+          </p:nvCxnSpPr>
+          <p:spPr>
+            <a:xfrm>
+              <a:off x="1853619" y="4816463"/>
+              <a:ext cx="576262" cy="0"/>
+            </a:xfrm>
+            <a:prstGeom prst="line">
+              <a:avLst/>
+            </a:prstGeom>
+            <a:ln w="15875"/>
+          </p:spPr>
+          <p:style>
+            <a:lnRef idx="1">
+              <a:schemeClr val="dk1"/>
+            </a:lnRef>
+            <a:fillRef idx="0">
+              <a:schemeClr val="dk1"/>
+            </a:fillRef>
+            <a:effectRef idx="0">
+              <a:schemeClr val="dk1"/>
+            </a:effectRef>
+            <a:fontRef idx="minor">
+              <a:schemeClr val="tx1"/>
+            </a:fontRef>
+          </p:style>
+        </p:cxnSp>
+        <p:cxnSp>
+          <p:nvCxnSpPr>
+            <p:cNvPr id="50" name="직선 연결선 49">
+              <a:extLst>
+                <a:ext uri="{FF2B5EF4-FFF2-40B4-BE49-F238E27FC236}">
+                  <a16:creationId xmlns:a16="http://schemas.microsoft.com/office/drawing/2014/main" id="{BA634611-D842-61F0-1B10-2ECD7323A9A5}"/>
+                </a:ext>
+              </a:extLst>
+            </p:cNvPr>
+            <p:cNvCxnSpPr/>
+            <p:nvPr/>
+          </p:nvCxnSpPr>
+          <p:spPr>
+            <a:xfrm>
+              <a:off x="1853619" y="4912573"/>
+              <a:ext cx="576262" cy="0"/>
+            </a:xfrm>
+            <a:prstGeom prst="line">
+              <a:avLst/>
+            </a:prstGeom>
+            <a:ln w="15875"/>
+          </p:spPr>
+          <p:style>
+            <a:lnRef idx="1">
+              <a:schemeClr val="dk1"/>
+            </a:lnRef>
+            <a:fillRef idx="0">
+              <a:schemeClr val="dk1"/>
+            </a:fillRef>
+            <a:effectRef idx="0">
+              <a:schemeClr val="dk1"/>
+            </a:effectRef>
+            <a:fontRef idx="minor">
+              <a:schemeClr val="tx1"/>
+            </a:fontRef>
+          </p:style>
+        </p:cxnSp>
+        <p:cxnSp>
+          <p:nvCxnSpPr>
+            <p:cNvPr id="51" name="직선 연결선 50">
+              <a:extLst>
+                <a:ext uri="{FF2B5EF4-FFF2-40B4-BE49-F238E27FC236}">
+                  <a16:creationId xmlns:a16="http://schemas.microsoft.com/office/drawing/2014/main" id="{40A445F8-2C23-D19C-D48F-B582A10C04A3}"/>
+                </a:ext>
+              </a:extLst>
+            </p:cNvPr>
+            <p:cNvCxnSpPr/>
+            <p:nvPr/>
+          </p:nvCxnSpPr>
+          <p:spPr>
+            <a:xfrm>
+              <a:off x="1853619" y="5003060"/>
+              <a:ext cx="576262" cy="0"/>
+            </a:xfrm>
+            <a:prstGeom prst="line">
+              <a:avLst/>
+            </a:prstGeom>
+            <a:ln w="15875"/>
+          </p:spPr>
+          <p:style>
+            <a:lnRef idx="1">
+              <a:schemeClr val="dk1"/>
+            </a:lnRef>
+            <a:fillRef idx="0">
+              <a:schemeClr val="dk1"/>
+            </a:fillRef>
+            <a:effectRef idx="0">
+              <a:schemeClr val="dk1"/>
+            </a:effectRef>
+            <a:fontRef idx="minor">
+              <a:schemeClr val="tx1"/>
+            </a:fontRef>
+          </p:style>
+        </p:cxnSp>
+      </p:grpSp>
+      <p:grpSp>
+        <p:nvGrpSpPr>
+          <p:cNvPr id="52" name="그룹 51">
+            <a:extLst>
+              <a:ext uri="{FF2B5EF4-FFF2-40B4-BE49-F238E27FC236}">
+                <a16:creationId xmlns:a16="http://schemas.microsoft.com/office/drawing/2014/main" id="{E2EEF8C7-B903-83FD-9DAF-EA882E9C46BA}"/>
+              </a:ext>
+            </a:extLst>
+          </p:cNvPr>
+          <p:cNvGrpSpPr/>
+          <p:nvPr/>
+        </p:nvGrpSpPr>
+        <p:grpSpPr>
+          <a:xfrm>
+            <a:off x="831514" y="5538946"/>
+            <a:ext cx="759724" cy="866400"/>
+            <a:chOff x="1803216" y="4681679"/>
+            <a:chExt cx="759724" cy="866400"/>
+          </a:xfrm>
+        </p:grpSpPr>
+        <p:sp>
+          <p:nvSpPr>
+            <p:cNvPr id="53" name="사각형: 잘린 한쪽 모서리 52">
+              <a:extLst>
+                <a:ext uri="{FF2B5EF4-FFF2-40B4-BE49-F238E27FC236}">
+                  <a16:creationId xmlns:a16="http://schemas.microsoft.com/office/drawing/2014/main" id="{A3B955E7-F53C-8C46-68E6-3F7A375F4B42}"/>
+                </a:ext>
+              </a:extLst>
+            </p:cNvPr>
+            <p:cNvSpPr/>
+            <p:nvPr/>
+          </p:nvSpPr>
+          <p:spPr>
+            <a:xfrm>
+              <a:off x="1803216" y="4681679"/>
+              <a:ext cx="759724" cy="866400"/>
+            </a:xfrm>
+            <a:prstGeom prst="snip1Rect">
+              <a:avLst>
+                <a:gd name="adj" fmla="val 24772"/>
+              </a:avLst>
+            </a:prstGeom>
+            <a:noFill/>
+            <a:ln>
+              <a:solidFill>
+                <a:schemeClr val="tx1"/>
+              </a:solidFill>
+            </a:ln>
+          </p:spPr>
+          <p:style>
+            <a:lnRef idx="2">
+              <a:schemeClr val="accent1">
+                <a:shade val="50000"/>
+              </a:schemeClr>
+            </a:lnRef>
+            <a:fillRef idx="1">
+              <a:schemeClr val="accent1"/>
+            </a:fillRef>
+            <a:effectRef idx="0">
+              <a:schemeClr val="accent1"/>
+            </a:effectRef>
+            <a:fontRef idx="minor">
+              <a:schemeClr val="lt1"/>
+            </a:fontRef>
+          </p:style>
+          <p:txBody>
+            <a:bodyPr rtlCol="0" anchor="ctr"/>
+            <a:lstStyle/>
+            <a:p>
+              <a:pPr algn="ctr"/>
+              <a:r>
+                <a:rPr lang="en-US" altLang="ko-KR" sz="1200">
+                  <a:solidFill>
+                    <a:schemeClr val="tx1"/>
+                  </a:solidFill>
+                </a:rPr>
+                <a:t>ip.xic</a:t>
+              </a:r>
+              <a:endParaRPr lang="ko-KR" altLang="en-US" sz="1200" dirty="0">
+                <a:solidFill>
+                  <a:schemeClr val="tx1"/>
+                </a:solidFill>
+              </a:endParaRPr>
+            </a:p>
+          </p:txBody>
+        </p:sp>
+        <p:cxnSp>
+          <p:nvCxnSpPr>
+            <p:cNvPr id="54" name="직선 연결선 53">
+              <a:extLst>
+                <a:ext uri="{FF2B5EF4-FFF2-40B4-BE49-F238E27FC236}">
+                  <a16:creationId xmlns:a16="http://schemas.microsoft.com/office/drawing/2014/main" id="{B96F20BD-BAD3-8BF1-4076-02204BBBF222}"/>
+                </a:ext>
+              </a:extLst>
+            </p:cNvPr>
+            <p:cNvCxnSpPr/>
+            <p:nvPr/>
+          </p:nvCxnSpPr>
+          <p:spPr>
+            <a:xfrm>
+              <a:off x="1853619" y="4816463"/>
+              <a:ext cx="576262" cy="0"/>
+            </a:xfrm>
+            <a:prstGeom prst="line">
+              <a:avLst/>
+            </a:prstGeom>
+            <a:ln w="15875"/>
+          </p:spPr>
+          <p:style>
+            <a:lnRef idx="1">
+              <a:schemeClr val="dk1"/>
+            </a:lnRef>
+            <a:fillRef idx="0">
+              <a:schemeClr val="dk1"/>
+            </a:fillRef>
+            <a:effectRef idx="0">
+              <a:schemeClr val="dk1"/>
+            </a:effectRef>
+            <a:fontRef idx="minor">
+              <a:schemeClr val="tx1"/>
+            </a:fontRef>
+          </p:style>
+        </p:cxnSp>
+        <p:cxnSp>
+          <p:nvCxnSpPr>
+            <p:cNvPr id="55" name="직선 연결선 54">
+              <a:extLst>
+                <a:ext uri="{FF2B5EF4-FFF2-40B4-BE49-F238E27FC236}">
+                  <a16:creationId xmlns:a16="http://schemas.microsoft.com/office/drawing/2014/main" id="{013E0BD3-952E-A31B-F53A-EEBA46DBAC54}"/>
+                </a:ext>
+              </a:extLst>
+            </p:cNvPr>
+            <p:cNvCxnSpPr/>
+            <p:nvPr/>
+          </p:nvCxnSpPr>
+          <p:spPr>
+            <a:xfrm>
+              <a:off x="1853619" y="4912573"/>
+              <a:ext cx="576262" cy="0"/>
+            </a:xfrm>
+            <a:prstGeom prst="line">
+              <a:avLst/>
+            </a:prstGeom>
+            <a:ln w="15875"/>
+          </p:spPr>
+          <p:style>
+            <a:lnRef idx="1">
+              <a:schemeClr val="dk1"/>
+            </a:lnRef>
+            <a:fillRef idx="0">
+              <a:schemeClr val="dk1"/>
+            </a:fillRef>
+            <a:effectRef idx="0">
+              <a:schemeClr val="dk1"/>
+            </a:effectRef>
+            <a:fontRef idx="minor">
+              <a:schemeClr val="tx1"/>
+            </a:fontRef>
+          </p:style>
+        </p:cxnSp>
+        <p:cxnSp>
+          <p:nvCxnSpPr>
+            <p:cNvPr id="56" name="직선 연결선 55">
+              <a:extLst>
+                <a:ext uri="{FF2B5EF4-FFF2-40B4-BE49-F238E27FC236}">
+                  <a16:creationId xmlns:a16="http://schemas.microsoft.com/office/drawing/2014/main" id="{C8B89C54-AB58-AFE7-8D62-A851B54F6595}"/>
+                </a:ext>
+              </a:extLst>
+            </p:cNvPr>
+            <p:cNvCxnSpPr/>
+            <p:nvPr/>
+          </p:nvCxnSpPr>
+          <p:spPr>
+            <a:xfrm>
+              <a:off x="1853619" y="5003060"/>
+              <a:ext cx="576262" cy="0"/>
+            </a:xfrm>
+            <a:prstGeom prst="line">
+              <a:avLst/>
+            </a:prstGeom>
+            <a:ln w="15875"/>
+          </p:spPr>
+          <p:style>
+            <a:lnRef idx="1">
+              <a:schemeClr val="dk1"/>
+            </a:lnRef>
+            <a:fillRef idx="0">
+              <a:schemeClr val="dk1"/>
+            </a:fillRef>
+            <a:effectRef idx="0">
+              <a:schemeClr val="dk1"/>
+            </a:effectRef>
+            <a:fontRef idx="minor">
+              <a:schemeClr val="tx1"/>
+            </a:fontRef>
+          </p:style>
+        </p:cxnSp>
+      </p:grpSp>
+      <p:sp>
+        <p:nvSpPr>
+          <p:cNvPr id="57" name="화살표: 아래쪽 56">
+            <a:extLst>
+              <a:ext uri="{FF2B5EF4-FFF2-40B4-BE49-F238E27FC236}">
+                <a16:creationId xmlns:a16="http://schemas.microsoft.com/office/drawing/2014/main" id="{963C6806-690E-D03C-F02F-E622E5AB9F68}"/>
+              </a:ext>
+            </a:extLst>
+          </p:cNvPr>
+          <p:cNvSpPr/>
+          <p:nvPr/>
+        </p:nvSpPr>
+        <p:spPr>
+          <a:xfrm>
+            <a:off x="1828800" y="3747933"/>
+            <a:ext cx="459298" cy="491227"/>
+          </a:xfrm>
+          <a:prstGeom prst="downArrow">
+            <a:avLst/>
+          </a:prstGeom>
+          <a:solidFill>
+            <a:schemeClr val="tx2"/>
+          </a:solidFill>
+          <a:ln>
+            <a:solidFill>
+              <a:schemeClr val="tx2"/>
+            </a:solidFill>
+          </a:ln>
+        </p:spPr>
+        <p:style>
+          <a:lnRef idx="2">
+            <a:schemeClr val="accent1">
+              <a:shade val="15000"/>
+            </a:schemeClr>
+          </a:lnRef>
+          <a:fillRef idx="1">
+            <a:schemeClr val="accent1"/>
+          </a:fillRef>
+          <a:effectRef idx="0">
+            <a:schemeClr val="accent1"/>
+          </a:effectRef>
+          <a:fontRef idx="minor">
+            <a:schemeClr val="lt1"/>
+          </a:fontRef>
+        </p:style>
+        <p:txBody>
+          <a:bodyPr rtlCol="0" anchor="ctr"/>
+          <a:lstStyle/>
+          <a:p>
+            <a:pPr algn="ctr"/>
+            <a:endParaRPr lang="ko-KR" altLang="en-US"/>
+          </a:p>
+        </p:txBody>
+      </p:sp>
+      <p:grpSp>
+        <p:nvGrpSpPr>
+          <p:cNvPr id="58" name="그룹 57">
+            <a:extLst>
+              <a:ext uri="{FF2B5EF4-FFF2-40B4-BE49-F238E27FC236}">
+                <a16:creationId xmlns:a16="http://schemas.microsoft.com/office/drawing/2014/main" id="{FEFFA41C-E776-A7EE-F279-D6CF0C01D0B7}"/>
+              </a:ext>
+            </a:extLst>
+          </p:cNvPr>
+          <p:cNvGrpSpPr/>
+          <p:nvPr/>
+        </p:nvGrpSpPr>
+        <p:grpSpPr>
+          <a:xfrm>
+            <a:off x="2658383" y="3567259"/>
+            <a:ext cx="759724" cy="866400"/>
+            <a:chOff x="1803216" y="4681679"/>
+            <a:chExt cx="759724" cy="866400"/>
+          </a:xfrm>
+        </p:grpSpPr>
+        <p:sp>
+          <p:nvSpPr>
+            <p:cNvPr id="59" name="사각형: 잘린 한쪽 모서리 58">
+              <a:extLst>
+                <a:ext uri="{FF2B5EF4-FFF2-40B4-BE49-F238E27FC236}">
+                  <a16:creationId xmlns:a16="http://schemas.microsoft.com/office/drawing/2014/main" id="{4DC6D5CF-D962-38F8-BD2F-C4148F817694}"/>
+                </a:ext>
+              </a:extLst>
+            </p:cNvPr>
+            <p:cNvSpPr/>
+            <p:nvPr/>
+          </p:nvSpPr>
+          <p:spPr>
+            <a:xfrm>
+              <a:off x="1803216" y="4681679"/>
+              <a:ext cx="759724" cy="866400"/>
+            </a:xfrm>
+            <a:prstGeom prst="snip1Rect">
+              <a:avLst>
+                <a:gd name="adj" fmla="val 24772"/>
+              </a:avLst>
+            </a:prstGeom>
+            <a:noFill/>
+            <a:ln>
+              <a:solidFill>
+                <a:schemeClr val="tx1"/>
+              </a:solidFill>
+            </a:ln>
+          </p:spPr>
+          <p:style>
+            <a:lnRef idx="2">
+              <a:schemeClr val="accent1">
+                <a:shade val="50000"/>
+              </a:schemeClr>
+            </a:lnRef>
+            <a:fillRef idx="1">
+              <a:schemeClr val="accent1"/>
+            </a:fillRef>
+            <a:effectRef idx="0">
+              <a:schemeClr val="accent1"/>
+            </a:effectRef>
+            <a:fontRef idx="minor">
+              <a:schemeClr val="lt1"/>
+            </a:fontRef>
+          </p:style>
+          <p:txBody>
+            <a:bodyPr rtlCol="0" anchor="ctr"/>
+            <a:lstStyle/>
+            <a:p>
+              <a:pPr algn="ctr"/>
+              <a:r>
+                <a:rPr lang="en-US" altLang="ko-KR" sz="1200">
+                  <a:solidFill>
+                    <a:schemeClr val="tx1"/>
+                  </a:solidFill>
+                </a:rPr>
+                <a:t>ip.tcl</a:t>
+              </a:r>
+              <a:endParaRPr lang="ko-KR" altLang="en-US" sz="1200" dirty="0">
+                <a:solidFill>
+                  <a:schemeClr val="tx1"/>
+                </a:solidFill>
+              </a:endParaRPr>
+            </a:p>
+          </p:txBody>
+        </p:sp>
+        <p:cxnSp>
+          <p:nvCxnSpPr>
+            <p:cNvPr id="60" name="직선 연결선 59">
+              <a:extLst>
+                <a:ext uri="{FF2B5EF4-FFF2-40B4-BE49-F238E27FC236}">
+                  <a16:creationId xmlns:a16="http://schemas.microsoft.com/office/drawing/2014/main" id="{3EFBFA2F-9504-8211-483D-DE00019F7B3B}"/>
+                </a:ext>
+              </a:extLst>
+            </p:cNvPr>
+            <p:cNvCxnSpPr/>
+            <p:nvPr/>
+          </p:nvCxnSpPr>
+          <p:spPr>
+            <a:xfrm>
+              <a:off x="1853619" y="4816463"/>
+              <a:ext cx="576262" cy="0"/>
+            </a:xfrm>
+            <a:prstGeom prst="line">
+              <a:avLst/>
+            </a:prstGeom>
+            <a:ln w="15875"/>
+          </p:spPr>
+          <p:style>
+            <a:lnRef idx="1">
+              <a:schemeClr val="dk1"/>
+            </a:lnRef>
+            <a:fillRef idx="0">
+              <a:schemeClr val="dk1"/>
+            </a:fillRef>
+            <a:effectRef idx="0">
+              <a:schemeClr val="dk1"/>
+            </a:effectRef>
+            <a:fontRef idx="minor">
+              <a:schemeClr val="tx1"/>
+            </a:fontRef>
+          </p:style>
+        </p:cxnSp>
+        <p:cxnSp>
+          <p:nvCxnSpPr>
+            <p:cNvPr id="61" name="직선 연결선 60">
+              <a:extLst>
+                <a:ext uri="{FF2B5EF4-FFF2-40B4-BE49-F238E27FC236}">
+                  <a16:creationId xmlns:a16="http://schemas.microsoft.com/office/drawing/2014/main" id="{577C51D0-065F-4152-CE65-206E8ACD7E1F}"/>
+                </a:ext>
+              </a:extLst>
+            </p:cNvPr>
+            <p:cNvCxnSpPr/>
+            <p:nvPr/>
+          </p:nvCxnSpPr>
+          <p:spPr>
+            <a:xfrm>
+              <a:off x="1853619" y="4912573"/>
+              <a:ext cx="576262" cy="0"/>
+            </a:xfrm>
+            <a:prstGeom prst="line">
+              <a:avLst/>
+            </a:prstGeom>
+            <a:ln w="15875"/>
+          </p:spPr>
+          <p:style>
+            <a:lnRef idx="1">
+              <a:schemeClr val="dk1"/>
+            </a:lnRef>
+            <a:fillRef idx="0">
+              <a:schemeClr val="dk1"/>
+            </a:fillRef>
+            <a:effectRef idx="0">
+              <a:schemeClr val="dk1"/>
+            </a:effectRef>
+            <a:fontRef idx="minor">
+              <a:schemeClr val="tx1"/>
+            </a:fontRef>
+          </p:style>
+        </p:cxnSp>
+        <p:cxnSp>
+          <p:nvCxnSpPr>
+            <p:cNvPr id="62" name="직선 연결선 61">
+              <a:extLst>
+                <a:ext uri="{FF2B5EF4-FFF2-40B4-BE49-F238E27FC236}">
+                  <a16:creationId xmlns:a16="http://schemas.microsoft.com/office/drawing/2014/main" id="{6F50BB62-3CD0-EF30-CB9D-AE58C1B1585C}"/>
+                </a:ext>
+              </a:extLst>
+            </p:cNvPr>
+            <p:cNvCxnSpPr/>
+            <p:nvPr/>
+          </p:nvCxnSpPr>
+          <p:spPr>
+            <a:xfrm>
+              <a:off x="1853619" y="5003060"/>
+              <a:ext cx="576262" cy="0"/>
+            </a:xfrm>
+            <a:prstGeom prst="line">
+              <a:avLst/>
+            </a:prstGeom>
+            <a:ln w="15875"/>
+          </p:spPr>
+          <p:style>
+            <a:lnRef idx="1">
+              <a:schemeClr val="dk1"/>
+            </a:lnRef>
+            <a:fillRef idx="0">
+              <a:schemeClr val="dk1"/>
+            </a:fillRef>
+            <a:effectRef idx="0">
+              <a:schemeClr val="dk1"/>
+            </a:effectRef>
+            <a:fontRef idx="minor">
+              <a:schemeClr val="tx1"/>
+            </a:fontRef>
+          </p:style>
+        </p:cxnSp>
+      </p:grpSp>
+      <p:grpSp>
+        <p:nvGrpSpPr>
+          <p:cNvPr id="63" name="그룹 62">
+            <a:extLst>
+              <a:ext uri="{FF2B5EF4-FFF2-40B4-BE49-F238E27FC236}">
+                <a16:creationId xmlns:a16="http://schemas.microsoft.com/office/drawing/2014/main" id="{1558AE4F-DCC9-61AF-0E49-179019AC3FA8}"/>
+              </a:ext>
+            </a:extLst>
+          </p:cNvPr>
+          <p:cNvGrpSpPr/>
+          <p:nvPr/>
+        </p:nvGrpSpPr>
+        <p:grpSpPr>
+          <a:xfrm>
+            <a:off x="5248446" y="5492760"/>
+            <a:ext cx="813148" cy="866400"/>
+            <a:chOff x="1776504" y="4681679"/>
+            <a:chExt cx="813148" cy="866400"/>
+          </a:xfrm>
+        </p:grpSpPr>
+        <p:sp>
+          <p:nvSpPr>
+            <p:cNvPr id="64" name="사각형: 잘린 한쪽 모서리 63">
+              <a:extLst>
+                <a:ext uri="{FF2B5EF4-FFF2-40B4-BE49-F238E27FC236}">
+                  <a16:creationId xmlns:a16="http://schemas.microsoft.com/office/drawing/2014/main" id="{FB0A9A4F-6916-AAD9-6AC2-72B3A0FB8C9D}"/>
+                </a:ext>
+              </a:extLst>
+            </p:cNvPr>
+            <p:cNvSpPr/>
+            <p:nvPr/>
+          </p:nvSpPr>
+          <p:spPr>
+            <a:xfrm>
+              <a:off x="1776504" y="4681679"/>
+              <a:ext cx="813148" cy="866400"/>
+            </a:xfrm>
+            <a:prstGeom prst="snip1Rect">
+              <a:avLst>
+                <a:gd name="adj" fmla="val 24772"/>
+              </a:avLst>
+            </a:prstGeom>
+            <a:noFill/>
+            <a:ln>
+              <a:solidFill>
+                <a:schemeClr val="tx1"/>
+              </a:solidFill>
+            </a:ln>
+          </p:spPr>
+          <p:style>
+            <a:lnRef idx="2">
+              <a:schemeClr val="accent1">
+                <a:shade val="50000"/>
+              </a:schemeClr>
+            </a:lnRef>
+            <a:fillRef idx="1">
+              <a:schemeClr val="accent1"/>
+            </a:fillRef>
+            <a:effectRef idx="0">
+              <a:schemeClr val="accent1"/>
+            </a:effectRef>
+            <a:fontRef idx="minor">
+              <a:schemeClr val="lt1"/>
+            </a:fontRef>
+          </p:style>
+          <p:txBody>
+            <a:bodyPr rtlCol="0" anchor="ctr"/>
+            <a:lstStyle/>
+            <a:p>
+              <a:pPr algn="ctr"/>
+              <a:r>
+                <a:rPr lang="en-US" altLang="ko-KR" sz="1200">
+                  <a:solidFill>
+                    <a:schemeClr val="tx1"/>
+                  </a:solidFill>
+                </a:rPr>
+                <a:t>main.tcl</a:t>
+              </a:r>
+              <a:endParaRPr lang="ko-KR" altLang="en-US" sz="1200" dirty="0">
+                <a:solidFill>
+                  <a:schemeClr val="tx1"/>
+                </a:solidFill>
+              </a:endParaRPr>
+            </a:p>
+          </p:txBody>
+        </p:sp>
+        <p:cxnSp>
+          <p:nvCxnSpPr>
+            <p:cNvPr id="65" name="직선 연결선 64">
+              <a:extLst>
+                <a:ext uri="{FF2B5EF4-FFF2-40B4-BE49-F238E27FC236}">
+                  <a16:creationId xmlns:a16="http://schemas.microsoft.com/office/drawing/2014/main" id="{91B34E44-BD50-D35A-BDC6-6CFE26C445DC}"/>
+                </a:ext>
+              </a:extLst>
+            </p:cNvPr>
+            <p:cNvCxnSpPr/>
+            <p:nvPr/>
+          </p:nvCxnSpPr>
+          <p:spPr>
+            <a:xfrm>
+              <a:off x="1853619" y="4816463"/>
+              <a:ext cx="576262" cy="0"/>
+            </a:xfrm>
+            <a:prstGeom prst="line">
+              <a:avLst/>
+            </a:prstGeom>
+            <a:ln w="15875"/>
+          </p:spPr>
+          <p:style>
+            <a:lnRef idx="1">
+              <a:schemeClr val="dk1"/>
+            </a:lnRef>
+            <a:fillRef idx="0">
+              <a:schemeClr val="dk1"/>
+            </a:fillRef>
+            <a:effectRef idx="0">
+              <a:schemeClr val="dk1"/>
+            </a:effectRef>
+            <a:fontRef idx="minor">
+              <a:schemeClr val="tx1"/>
+            </a:fontRef>
+          </p:style>
+        </p:cxnSp>
+        <p:cxnSp>
+          <p:nvCxnSpPr>
+            <p:cNvPr id="66" name="직선 연결선 65">
+              <a:extLst>
+                <a:ext uri="{FF2B5EF4-FFF2-40B4-BE49-F238E27FC236}">
+                  <a16:creationId xmlns:a16="http://schemas.microsoft.com/office/drawing/2014/main" id="{B1706AEB-2833-9400-E00F-0B03FB5D7987}"/>
+                </a:ext>
+              </a:extLst>
+            </p:cNvPr>
+            <p:cNvCxnSpPr/>
+            <p:nvPr/>
+          </p:nvCxnSpPr>
+          <p:spPr>
+            <a:xfrm>
+              <a:off x="1853619" y="4912573"/>
+              <a:ext cx="576262" cy="0"/>
+            </a:xfrm>
+            <a:prstGeom prst="line">
+              <a:avLst/>
+            </a:prstGeom>
+            <a:ln w="15875"/>
+          </p:spPr>
+          <p:style>
+            <a:lnRef idx="1">
+              <a:schemeClr val="dk1"/>
+            </a:lnRef>
+            <a:fillRef idx="0">
+              <a:schemeClr val="dk1"/>
+            </a:fillRef>
+            <a:effectRef idx="0">
+              <a:schemeClr val="dk1"/>
+            </a:effectRef>
+            <a:fontRef idx="minor">
+              <a:schemeClr val="tx1"/>
+            </a:fontRef>
+          </p:style>
+        </p:cxnSp>
+        <p:cxnSp>
+          <p:nvCxnSpPr>
+            <p:cNvPr id="67" name="직선 연결선 66">
+              <a:extLst>
+                <a:ext uri="{FF2B5EF4-FFF2-40B4-BE49-F238E27FC236}">
+                  <a16:creationId xmlns:a16="http://schemas.microsoft.com/office/drawing/2014/main" id="{F43E6626-0CEB-59F1-24DD-6E501B21C76D}"/>
+                </a:ext>
+              </a:extLst>
+            </p:cNvPr>
+            <p:cNvCxnSpPr/>
+            <p:nvPr/>
+          </p:nvCxnSpPr>
+          <p:spPr>
+            <a:xfrm>
+              <a:off x="1853619" y="5003060"/>
+              <a:ext cx="576262" cy="0"/>
+            </a:xfrm>
+            <a:prstGeom prst="line">
+              <a:avLst/>
+            </a:prstGeom>
+            <a:ln w="15875"/>
+          </p:spPr>
+          <p:style>
+            <a:lnRef idx="1">
+              <a:schemeClr val="dk1"/>
+            </a:lnRef>
+            <a:fillRef idx="0">
+              <a:schemeClr val="dk1"/>
+            </a:fillRef>
+            <a:effectRef idx="0">
+              <a:schemeClr val="dk1"/>
+            </a:effectRef>
+            <a:fontRef idx="minor">
+              <a:schemeClr val="tx1"/>
+            </a:fontRef>
+          </p:style>
+        </p:cxnSp>
+      </p:grpSp>
+      <p:grpSp>
+        <p:nvGrpSpPr>
+          <p:cNvPr id="68" name="그룹 67">
+            <a:extLst>
+              <a:ext uri="{FF2B5EF4-FFF2-40B4-BE49-F238E27FC236}">
+                <a16:creationId xmlns:a16="http://schemas.microsoft.com/office/drawing/2014/main" id="{D5AFC6E5-2646-2A74-C181-8394CA04D123}"/>
+              </a:ext>
+            </a:extLst>
+          </p:cNvPr>
+          <p:cNvGrpSpPr/>
+          <p:nvPr/>
+        </p:nvGrpSpPr>
+        <p:grpSpPr>
+          <a:xfrm>
+            <a:off x="2502437" y="5538946"/>
+            <a:ext cx="759724" cy="866400"/>
+            <a:chOff x="1803216" y="4681679"/>
+            <a:chExt cx="759724" cy="866400"/>
+          </a:xfrm>
+        </p:grpSpPr>
+        <p:sp>
+          <p:nvSpPr>
+            <p:cNvPr id="69" name="사각형: 잘린 한쪽 모서리 68">
+              <a:extLst>
+                <a:ext uri="{FF2B5EF4-FFF2-40B4-BE49-F238E27FC236}">
+                  <a16:creationId xmlns:a16="http://schemas.microsoft.com/office/drawing/2014/main" id="{71719C79-077E-692D-C258-DEFC667015B0}"/>
+                </a:ext>
+              </a:extLst>
+            </p:cNvPr>
+            <p:cNvSpPr/>
+            <p:nvPr/>
+          </p:nvSpPr>
+          <p:spPr>
+            <a:xfrm>
+              <a:off x="1803216" y="4681679"/>
+              <a:ext cx="759724" cy="866400"/>
+            </a:xfrm>
+            <a:prstGeom prst="snip1Rect">
+              <a:avLst>
+                <a:gd name="adj" fmla="val 24772"/>
+              </a:avLst>
+            </a:prstGeom>
+            <a:noFill/>
+            <a:ln>
+              <a:solidFill>
+                <a:schemeClr val="tx1"/>
+              </a:solidFill>
+            </a:ln>
+          </p:spPr>
+          <p:style>
+            <a:lnRef idx="2">
+              <a:schemeClr val="accent1">
+                <a:shade val="50000"/>
+              </a:schemeClr>
+            </a:lnRef>
+            <a:fillRef idx="1">
+              <a:schemeClr val="accent1"/>
+            </a:fillRef>
+            <a:effectRef idx="0">
+              <a:schemeClr val="accent1"/>
+            </a:effectRef>
+            <a:fontRef idx="minor">
+              <a:schemeClr val="lt1"/>
+            </a:fontRef>
+          </p:style>
+          <p:txBody>
+            <a:bodyPr rtlCol="0" anchor="ctr"/>
+            <a:lstStyle/>
+            <a:p>
+              <a:pPr algn="ctr"/>
+              <a:r>
+                <a:rPr lang="en-US" altLang="ko-KR" sz="1200">
+                  <a:solidFill>
+                    <a:schemeClr val="tx1"/>
+                  </a:solidFill>
+                </a:rPr>
+                <a:t>ip.xpr</a:t>
+              </a:r>
+              <a:endParaRPr lang="ko-KR" altLang="en-US" sz="1200" dirty="0">
+                <a:solidFill>
+                  <a:schemeClr val="tx1"/>
+                </a:solidFill>
+              </a:endParaRPr>
+            </a:p>
+          </p:txBody>
+        </p:sp>
+        <p:cxnSp>
+          <p:nvCxnSpPr>
+            <p:cNvPr id="70" name="직선 연결선 69">
+              <a:extLst>
+                <a:ext uri="{FF2B5EF4-FFF2-40B4-BE49-F238E27FC236}">
+                  <a16:creationId xmlns:a16="http://schemas.microsoft.com/office/drawing/2014/main" id="{08DDE4F3-63BC-2B29-B9B7-E63517C299DF}"/>
+                </a:ext>
+              </a:extLst>
+            </p:cNvPr>
+            <p:cNvCxnSpPr/>
+            <p:nvPr/>
+          </p:nvCxnSpPr>
+          <p:spPr>
+            <a:xfrm>
+              <a:off x="1853619" y="4816463"/>
+              <a:ext cx="576262" cy="0"/>
+            </a:xfrm>
+            <a:prstGeom prst="line">
+              <a:avLst/>
+            </a:prstGeom>
+            <a:ln w="15875"/>
+          </p:spPr>
+          <p:style>
+            <a:lnRef idx="1">
+              <a:schemeClr val="dk1"/>
+            </a:lnRef>
+            <a:fillRef idx="0">
+              <a:schemeClr val="dk1"/>
+            </a:fillRef>
+            <a:effectRef idx="0">
+              <a:schemeClr val="dk1"/>
+            </a:effectRef>
+            <a:fontRef idx="minor">
+              <a:schemeClr val="tx1"/>
+            </a:fontRef>
+          </p:style>
+        </p:cxnSp>
+        <p:cxnSp>
+          <p:nvCxnSpPr>
+            <p:cNvPr id="71" name="직선 연결선 70">
+              <a:extLst>
+                <a:ext uri="{FF2B5EF4-FFF2-40B4-BE49-F238E27FC236}">
+                  <a16:creationId xmlns:a16="http://schemas.microsoft.com/office/drawing/2014/main" id="{630DFF68-D1CE-6B8B-1054-3E8D3241F89C}"/>
+                </a:ext>
+              </a:extLst>
+            </p:cNvPr>
+            <p:cNvCxnSpPr/>
+            <p:nvPr/>
+          </p:nvCxnSpPr>
+          <p:spPr>
+            <a:xfrm>
+              <a:off x="1853619" y="4912573"/>
+              <a:ext cx="576262" cy="0"/>
+            </a:xfrm>
+            <a:prstGeom prst="line">
+              <a:avLst/>
+            </a:prstGeom>
+            <a:ln w="15875"/>
+          </p:spPr>
+          <p:style>
+            <a:lnRef idx="1">
+              <a:schemeClr val="dk1"/>
+            </a:lnRef>
+            <a:fillRef idx="0">
+              <a:schemeClr val="dk1"/>
+            </a:fillRef>
+            <a:effectRef idx="0">
+              <a:schemeClr val="dk1"/>
+            </a:effectRef>
+            <a:fontRef idx="minor">
+              <a:schemeClr val="tx1"/>
+            </a:fontRef>
+          </p:style>
+        </p:cxnSp>
+        <p:cxnSp>
+          <p:nvCxnSpPr>
+            <p:cNvPr id="72" name="직선 연결선 71">
+              <a:extLst>
+                <a:ext uri="{FF2B5EF4-FFF2-40B4-BE49-F238E27FC236}">
+                  <a16:creationId xmlns:a16="http://schemas.microsoft.com/office/drawing/2014/main" id="{3C324259-3359-6CC7-989F-A01E324E2E44}"/>
+                </a:ext>
+              </a:extLst>
+            </p:cNvPr>
+            <p:cNvCxnSpPr/>
+            <p:nvPr/>
+          </p:nvCxnSpPr>
+          <p:spPr>
+            <a:xfrm>
+              <a:off x="1853619" y="5003060"/>
+              <a:ext cx="576262" cy="0"/>
+            </a:xfrm>
+            <a:prstGeom prst="line">
+              <a:avLst/>
+            </a:prstGeom>
+            <a:ln w="15875"/>
+          </p:spPr>
+          <p:style>
+            <a:lnRef idx="1">
+              <a:schemeClr val="dk1"/>
+            </a:lnRef>
+            <a:fillRef idx="0">
+              <a:schemeClr val="dk1"/>
+            </a:fillRef>
+            <a:effectRef idx="0">
+              <a:schemeClr val="dk1"/>
+            </a:effectRef>
+            <a:fontRef idx="minor">
+              <a:schemeClr val="tx1"/>
+            </a:fontRef>
+          </p:style>
+        </p:cxnSp>
+      </p:grpSp>
+      <p:sp>
+        <p:nvSpPr>
+          <p:cNvPr id="73" name="화살표: 아래쪽 72">
+            <a:extLst>
+              <a:ext uri="{FF2B5EF4-FFF2-40B4-BE49-F238E27FC236}">
+                <a16:creationId xmlns:a16="http://schemas.microsoft.com/office/drawing/2014/main" id="{B57DA4CC-5667-171D-1FB7-C17A7B32D553}"/>
+              </a:ext>
+            </a:extLst>
+          </p:cNvPr>
+          <p:cNvSpPr/>
+          <p:nvPr/>
+        </p:nvSpPr>
+        <p:spPr>
+          <a:xfrm rot="16200000">
+            <a:off x="5854129" y="3445223"/>
+            <a:ext cx="459298" cy="3659473"/>
+          </a:xfrm>
+          <a:prstGeom prst="downArrow">
+            <a:avLst/>
+          </a:prstGeom>
+          <a:solidFill>
+            <a:schemeClr val="tx2"/>
+          </a:solidFill>
+          <a:ln>
+            <a:solidFill>
+              <a:schemeClr val="tx2"/>
+            </a:solidFill>
+          </a:ln>
+        </p:spPr>
+        <p:style>
+          <a:lnRef idx="2">
+            <a:schemeClr val="accent1">
+              <a:shade val="15000"/>
+            </a:schemeClr>
+          </a:lnRef>
+          <a:fillRef idx="1">
+            <a:schemeClr val="accent1"/>
+          </a:fillRef>
+          <a:effectRef idx="0">
+            <a:schemeClr val="accent1"/>
+          </a:effectRef>
+          <a:fontRef idx="minor">
+            <a:schemeClr val="lt1"/>
+          </a:fontRef>
+        </p:style>
+        <p:txBody>
+          <a:bodyPr rtlCol="0" anchor="ctr"/>
+          <a:lstStyle/>
+          <a:p>
+            <a:pPr algn="ctr"/>
+            <a:endParaRPr lang="ko-KR" altLang="en-US"/>
+          </a:p>
+        </p:txBody>
+      </p:sp>
+    </p:spTree>
+    <p:extLst>
+      <p:ext uri="{BB962C8B-B14F-4D97-AF65-F5344CB8AC3E}">
+        <p14:creationId xmlns:p14="http://schemas.microsoft.com/office/powerpoint/2010/main" val="3503201839"/>
+      </p:ext>
+    </p:extLst>
+  </p:cSld>
+  <p:clrMapOvr>
+    <a:masterClrMapping/>
+  </p:clrMapOvr>
+</p:sld>
+</file>
+
+<file path=ppt/slides/slide7.xml><?xml version="1.0" encoding="utf-8"?>
+<p:sld xmlns:a="http://schemas.openxmlformats.org/drawingml/2006/main" xmlns:r="http://schemas.openxmlformats.org/officeDocument/2006/relationships" xmlns:p="http://schemas.openxmlformats.org/presentationml/2006/main">
+  <p:cSld>
+    <p:spTree>
+      <p:nvGrpSpPr>
+        <p:cNvPr id="1" name=""/>
+        <p:cNvGrpSpPr/>
+        <p:nvPr/>
+      </p:nvGrpSpPr>
+      <p:grpSpPr>
+        <a:xfrm>
+          <a:off x="0" y="0"/>
+          <a:ext cx="0" cy="0"/>
+          <a:chOff x="0" y="0"/>
+          <a:chExt cx="0" cy="0"/>
+        </a:xfrm>
+      </p:grpSpPr>
+      <p:sp>
+        <p:nvSpPr>
+          <p:cNvPr id="2" name="제목 1">
+            <a:extLst>
+              <a:ext uri="{FF2B5EF4-FFF2-40B4-BE49-F238E27FC236}">
+                <a16:creationId xmlns:a16="http://schemas.microsoft.com/office/drawing/2014/main" id="{ACB69391-E7A8-00AC-E466-91143C5A38EA}"/>
+              </a:ext>
+            </a:extLst>
+          </p:cNvPr>
+          <p:cNvSpPr>
+            <a:spLocks noGrp="1"/>
+          </p:cNvSpPr>
+          <p:nvPr>
+            <p:ph type="title"/>
+          </p:nvPr>
+        </p:nvSpPr>
+        <p:spPr/>
+        <p:txBody>
+          <a:bodyPr/>
+          <a:lstStyle/>
+          <a:p>
+            <a:r>
+              <a:rPr lang="en-US" altLang="ko-KR"/>
+              <a:t>Custom IP Creation</a:t>
+            </a:r>
+            <a:endParaRPr lang="ko-KR" altLang="en-US"/>
+          </a:p>
+        </p:txBody>
+      </p:sp>
+      <p:sp>
+        <p:nvSpPr>
+          <p:cNvPr id="4" name="날짜 개체 틀 3">
+            <a:extLst>
+              <a:ext uri="{FF2B5EF4-FFF2-40B4-BE49-F238E27FC236}">
+                <a16:creationId xmlns:a16="http://schemas.microsoft.com/office/drawing/2014/main" id="{A9EC7347-C8B0-48F0-3A09-A062690BC6FD}"/>
+              </a:ext>
+            </a:extLst>
+          </p:cNvPr>
+          <p:cNvSpPr>
+            <a:spLocks noGrp="1"/>
+          </p:cNvSpPr>
+          <p:nvPr>
+            <p:ph type="dt" sz="half" idx="10"/>
+          </p:nvPr>
+        </p:nvSpPr>
+        <p:spPr/>
+        <p:txBody>
+          <a:bodyPr/>
+          <a:lstStyle/>
+          <a:p>
+            <a:r>
+              <a:rPr kumimoji="1" lang="en-US" altLang="ko-KR">
+                <a:ea typeface="Verdana" panose="020B0604030504040204" pitchFamily="34" charset="0"/>
+              </a:rPr>
+              <a:t>2023. 3. 29.</a:t>
+            </a:r>
+            <a:endParaRPr kumimoji="1" lang="ko-Kore-KR" altLang="en-US" dirty="0"/>
+          </a:p>
+        </p:txBody>
+      </p:sp>
+      <p:pic>
+        <p:nvPicPr>
+          <p:cNvPr id="6" name="그림 5">
+            <a:extLst>
+              <a:ext uri="{FF2B5EF4-FFF2-40B4-BE49-F238E27FC236}">
+                <a16:creationId xmlns:a16="http://schemas.microsoft.com/office/drawing/2014/main" id="{96A5C1D1-D530-A01C-2624-04A235660F3A}"/>
+              </a:ext>
+            </a:extLst>
+          </p:cNvPr>
+          <p:cNvPicPr>
+            <a:picLocks noChangeAspect="1"/>
+          </p:cNvPicPr>
+          <p:nvPr/>
+        </p:nvPicPr>
+        <p:blipFill>
+          <a:blip r:embed="rId2"/>
+          <a:stretch>
+            <a:fillRect/>
+          </a:stretch>
+        </p:blipFill>
+        <p:spPr>
+          <a:xfrm>
+            <a:off x="276577" y="1279141"/>
+            <a:ext cx="4001912" cy="5228230"/>
+          </a:xfrm>
+          <a:prstGeom prst="rect">
+            <a:avLst/>
+          </a:prstGeom>
+        </p:spPr>
+      </p:pic>
+      <p:grpSp>
+        <p:nvGrpSpPr>
+          <p:cNvPr id="7" name="그룹 6">
+            <a:extLst>
+              <a:ext uri="{FF2B5EF4-FFF2-40B4-BE49-F238E27FC236}">
+                <a16:creationId xmlns:a16="http://schemas.microsoft.com/office/drawing/2014/main" id="{8B4F8876-547C-C5B2-E424-1B78F979DF50}"/>
+              </a:ext>
+            </a:extLst>
+          </p:cNvPr>
+          <p:cNvGrpSpPr/>
+          <p:nvPr/>
+        </p:nvGrpSpPr>
+        <p:grpSpPr>
+          <a:xfrm>
+            <a:off x="8523698" y="1486794"/>
+            <a:ext cx="900113" cy="714375"/>
+            <a:chOff x="1600200" y="5600700"/>
+            <a:chExt cx="900113" cy="714375"/>
+          </a:xfrm>
+        </p:grpSpPr>
+        <p:sp>
+          <p:nvSpPr>
+            <p:cNvPr id="8" name="사각형: 잘린 한쪽 모서리 7">
+              <a:extLst>
+                <a:ext uri="{FF2B5EF4-FFF2-40B4-BE49-F238E27FC236}">
+                  <a16:creationId xmlns:a16="http://schemas.microsoft.com/office/drawing/2014/main" id="{E4EC3BF0-C080-11C5-D032-1E64D3B44E7A}"/>
+                </a:ext>
+              </a:extLst>
+            </p:cNvPr>
+            <p:cNvSpPr/>
+            <p:nvPr/>
+          </p:nvSpPr>
+          <p:spPr>
+            <a:xfrm>
+              <a:off x="1600200" y="5631475"/>
+              <a:ext cx="452438" cy="452438"/>
+            </a:xfrm>
+            <a:prstGeom prst="snip1Rect">
+              <a:avLst/>
+            </a:prstGeom>
+            <a:solidFill>
+              <a:schemeClr val="accent4">
+                <a:lumMod val="75000"/>
+              </a:schemeClr>
+            </a:solidFill>
+            <a:ln>
+              <a:solidFill>
+                <a:schemeClr val="tx1"/>
+              </a:solidFill>
+            </a:ln>
+          </p:spPr>
+          <p:style>
+            <a:lnRef idx="2">
+              <a:schemeClr val="accent1">
+                <a:shade val="50000"/>
+              </a:schemeClr>
+            </a:lnRef>
+            <a:fillRef idx="1">
+              <a:schemeClr val="accent1"/>
+            </a:fillRef>
+            <a:effectRef idx="0">
+              <a:schemeClr val="accent1"/>
+            </a:effectRef>
+            <a:fontRef idx="minor">
+              <a:schemeClr val="lt1"/>
+            </a:fontRef>
+          </p:style>
+          <p:txBody>
+            <a:bodyPr rtlCol="0" anchor="ctr"/>
+            <a:lstStyle/>
+            <a:p>
+              <a:pPr algn="ctr"/>
+              <a:endParaRPr lang="ko-KR" altLang="en-US" sz="1200">
+                <a:solidFill>
+                  <a:schemeClr val="tx1"/>
+                </a:solidFill>
+              </a:endParaRPr>
+            </a:p>
+          </p:txBody>
+        </p:sp>
+        <p:sp>
+          <p:nvSpPr>
+            <p:cNvPr id="9" name="자유형: 도형 8">
+              <a:extLst>
+                <a:ext uri="{FF2B5EF4-FFF2-40B4-BE49-F238E27FC236}">
+                  <a16:creationId xmlns:a16="http://schemas.microsoft.com/office/drawing/2014/main" id="{86F1C505-A8CB-54D5-75C2-D80134854EAF}"/>
+                </a:ext>
+              </a:extLst>
+            </p:cNvPr>
+            <p:cNvSpPr/>
+            <p:nvPr/>
+          </p:nvSpPr>
+          <p:spPr>
+            <a:xfrm>
+              <a:off x="1600201" y="5600700"/>
+              <a:ext cx="900112" cy="714375"/>
+            </a:xfrm>
+            <a:custGeom>
+              <a:avLst/>
+              <a:gdLst>
+                <a:gd name="connsiteX0" fmla="*/ 533400 w 900112"/>
+                <a:gd name="connsiteY0" fmla="*/ 0 h 714375"/>
+                <a:gd name="connsiteX1" fmla="*/ 388143 w 900112"/>
+                <a:gd name="connsiteY1" fmla="*/ 145257 h 714375"/>
+                <a:gd name="connsiteX2" fmla="*/ 0 w 900112"/>
+                <a:gd name="connsiteY2" fmla="*/ 145257 h 714375"/>
+                <a:gd name="connsiteX3" fmla="*/ 0 w 900112"/>
+                <a:gd name="connsiteY3" fmla="*/ 714375 h 714375"/>
+                <a:gd name="connsiteX4" fmla="*/ 900112 w 900112"/>
+                <a:gd name="connsiteY4" fmla="*/ 714375 h 714375"/>
+                <a:gd name="connsiteX5" fmla="*/ 900112 w 900112"/>
+                <a:gd name="connsiteY5" fmla="*/ 4763 h 714375"/>
+                <a:gd name="connsiteX6" fmla="*/ 533400 w 900112"/>
+                <a:gd name="connsiteY6" fmla="*/ 0 h 714375"/>
+              </a:gdLst>
+              <a:ahLst/>
+              <a:cxnLst>
+                <a:cxn ang="0">
+                  <a:pos x="connsiteX0" y="connsiteY0"/>
+                </a:cxn>
+                <a:cxn ang="0">
+                  <a:pos x="connsiteX1" y="connsiteY1"/>
+                </a:cxn>
+                <a:cxn ang="0">
+                  <a:pos x="connsiteX2" y="connsiteY2"/>
+                </a:cxn>
+                <a:cxn ang="0">
+                  <a:pos x="connsiteX3" y="connsiteY3"/>
+                </a:cxn>
+                <a:cxn ang="0">
+                  <a:pos x="connsiteX4" y="connsiteY4"/>
+                </a:cxn>
+                <a:cxn ang="0">
+                  <a:pos x="connsiteX5" y="connsiteY5"/>
+                </a:cxn>
+                <a:cxn ang="0">
+                  <a:pos x="connsiteX6" y="connsiteY6"/>
+                </a:cxn>
+              </a:cxnLst>
+              <a:rect l="l" t="t" r="r" b="b"/>
+              <a:pathLst>
+                <a:path w="900112" h="714375">
+                  <a:moveTo>
+                    <a:pt x="533400" y="0"/>
+                  </a:moveTo>
+                  <a:lnTo>
+                    <a:pt x="388143" y="145257"/>
+                  </a:lnTo>
+                  <a:lnTo>
+                    <a:pt x="0" y="145257"/>
+                  </a:lnTo>
+                  <a:lnTo>
+                    <a:pt x="0" y="714375"/>
+                  </a:lnTo>
+                  <a:lnTo>
+                    <a:pt x="900112" y="714375"/>
+                  </a:lnTo>
+                  <a:lnTo>
+                    <a:pt x="900112" y="4763"/>
+                  </a:lnTo>
+                  <a:lnTo>
+                    <a:pt x="533400" y="0"/>
+                  </a:lnTo>
+                  <a:close/>
+                </a:path>
+              </a:pathLst>
+            </a:custGeom>
+            <a:solidFill>
+              <a:schemeClr val="accent4">
+                <a:lumMod val="60000"/>
+                <a:lumOff val="40000"/>
+              </a:schemeClr>
+            </a:solidFill>
+            <a:ln>
+              <a:solidFill>
+                <a:schemeClr val="tx1"/>
+              </a:solidFill>
+            </a:ln>
+          </p:spPr>
+          <p:style>
+            <a:lnRef idx="2">
+              <a:schemeClr val="accent1">
+                <a:shade val="50000"/>
+              </a:schemeClr>
+            </a:lnRef>
+            <a:fillRef idx="1">
+              <a:schemeClr val="accent1"/>
+            </a:fillRef>
+            <a:effectRef idx="0">
+              <a:schemeClr val="accent1"/>
+            </a:effectRef>
+            <a:fontRef idx="minor">
+              <a:schemeClr val="lt1"/>
+            </a:fontRef>
+          </p:style>
+          <p:txBody>
+            <a:bodyPr rtlCol="0" anchor="ctr"/>
+            <a:lstStyle/>
+            <a:p>
+              <a:pPr algn="ctr"/>
+              <a:endParaRPr lang="en-US" altLang="ko-KR" sz="1200" dirty="0">
+                <a:solidFill>
+                  <a:schemeClr val="tx1"/>
+                </a:solidFill>
+              </a:endParaRPr>
+            </a:p>
+            <a:p>
+              <a:pPr algn="ctr"/>
+              <a:r>
+                <a:rPr lang="en-US" altLang="ko-KR" sz="1200">
+                  <a:solidFill>
+                    <a:schemeClr val="tx1"/>
+                  </a:solidFill>
+                </a:rPr>
+                <a:t>/ip_src_dir</a:t>
+              </a:r>
+              <a:endParaRPr lang="ko-KR" altLang="en-US" sz="1200" dirty="0">
+                <a:solidFill>
+                  <a:schemeClr val="tx1"/>
+                </a:solidFill>
+              </a:endParaRPr>
+            </a:p>
+          </p:txBody>
+        </p:sp>
+      </p:grpSp>
+      <p:grpSp>
+        <p:nvGrpSpPr>
+          <p:cNvPr id="10" name="그룹 9">
+            <a:extLst>
+              <a:ext uri="{FF2B5EF4-FFF2-40B4-BE49-F238E27FC236}">
+                <a16:creationId xmlns:a16="http://schemas.microsoft.com/office/drawing/2014/main" id="{3128EFAB-95A3-9569-7AFC-3D80946606C2}"/>
+              </a:ext>
+            </a:extLst>
+          </p:cNvPr>
+          <p:cNvGrpSpPr/>
+          <p:nvPr/>
+        </p:nvGrpSpPr>
+        <p:grpSpPr>
+          <a:xfrm>
+            <a:off x="7579976" y="2529275"/>
+            <a:ext cx="759724" cy="866400"/>
+            <a:chOff x="1803216" y="4681679"/>
+            <a:chExt cx="759724" cy="866400"/>
+          </a:xfrm>
+        </p:grpSpPr>
+        <p:sp>
+          <p:nvSpPr>
+            <p:cNvPr id="11" name="사각형: 잘린 한쪽 모서리 10">
+              <a:extLst>
+                <a:ext uri="{FF2B5EF4-FFF2-40B4-BE49-F238E27FC236}">
+                  <a16:creationId xmlns:a16="http://schemas.microsoft.com/office/drawing/2014/main" id="{34115DDD-980A-3A8E-31F5-5A647BD8402B}"/>
+                </a:ext>
+              </a:extLst>
+            </p:cNvPr>
+            <p:cNvSpPr/>
+            <p:nvPr/>
+          </p:nvSpPr>
+          <p:spPr>
+            <a:xfrm>
+              <a:off x="1803216" y="4681679"/>
+              <a:ext cx="759724" cy="866400"/>
+            </a:xfrm>
+            <a:prstGeom prst="snip1Rect">
+              <a:avLst>
+                <a:gd name="adj" fmla="val 24772"/>
+              </a:avLst>
+            </a:prstGeom>
+            <a:noFill/>
+            <a:ln>
+              <a:solidFill>
+                <a:schemeClr val="tx1"/>
+              </a:solidFill>
+            </a:ln>
+          </p:spPr>
+          <p:style>
+            <a:lnRef idx="2">
+              <a:schemeClr val="accent1">
+                <a:shade val="50000"/>
+              </a:schemeClr>
+            </a:lnRef>
+            <a:fillRef idx="1">
+              <a:schemeClr val="accent1"/>
+            </a:fillRef>
+            <a:effectRef idx="0">
+              <a:schemeClr val="accent1"/>
+            </a:effectRef>
+            <a:fontRef idx="minor">
+              <a:schemeClr val="lt1"/>
+            </a:fontRef>
+          </p:style>
+          <p:txBody>
+            <a:bodyPr rtlCol="0" anchor="ctr"/>
+            <a:lstStyle/>
+            <a:p>
+              <a:pPr algn="ctr"/>
+              <a:r>
+                <a:rPr lang="en-US" altLang="ko-KR" sz="1200">
+                  <a:solidFill>
+                    <a:schemeClr val="tx1"/>
+                  </a:solidFill>
+                </a:rPr>
+                <a:t>ip1.sv</a:t>
+              </a:r>
+              <a:endParaRPr lang="ko-KR" altLang="en-US" sz="1200" dirty="0">
+                <a:solidFill>
+                  <a:schemeClr val="tx1"/>
+                </a:solidFill>
+              </a:endParaRPr>
+            </a:p>
+          </p:txBody>
+        </p:sp>
+        <p:cxnSp>
+          <p:nvCxnSpPr>
+            <p:cNvPr id="12" name="직선 연결선 11">
+              <a:extLst>
+                <a:ext uri="{FF2B5EF4-FFF2-40B4-BE49-F238E27FC236}">
+                  <a16:creationId xmlns:a16="http://schemas.microsoft.com/office/drawing/2014/main" id="{56BFB86E-A421-4B7E-7A01-CAC7C29C005C}"/>
+                </a:ext>
+              </a:extLst>
+            </p:cNvPr>
+            <p:cNvCxnSpPr/>
+            <p:nvPr/>
+          </p:nvCxnSpPr>
+          <p:spPr>
+            <a:xfrm>
+              <a:off x="1853619" y="4816463"/>
+              <a:ext cx="576262" cy="0"/>
+            </a:xfrm>
+            <a:prstGeom prst="line">
+              <a:avLst/>
+            </a:prstGeom>
+            <a:ln w="15875"/>
+          </p:spPr>
+          <p:style>
+            <a:lnRef idx="1">
+              <a:schemeClr val="dk1"/>
+            </a:lnRef>
+            <a:fillRef idx="0">
+              <a:schemeClr val="dk1"/>
+            </a:fillRef>
+            <a:effectRef idx="0">
+              <a:schemeClr val="dk1"/>
+            </a:effectRef>
+            <a:fontRef idx="minor">
+              <a:schemeClr val="tx1"/>
+            </a:fontRef>
+          </p:style>
+        </p:cxnSp>
+        <p:cxnSp>
+          <p:nvCxnSpPr>
+            <p:cNvPr id="13" name="직선 연결선 12">
+              <a:extLst>
+                <a:ext uri="{FF2B5EF4-FFF2-40B4-BE49-F238E27FC236}">
+                  <a16:creationId xmlns:a16="http://schemas.microsoft.com/office/drawing/2014/main" id="{E6BDC502-CA0F-4A31-4B21-6CDBAD3F29ED}"/>
+                </a:ext>
+              </a:extLst>
+            </p:cNvPr>
+            <p:cNvCxnSpPr/>
+            <p:nvPr/>
+          </p:nvCxnSpPr>
+          <p:spPr>
+            <a:xfrm>
+              <a:off x="1853619" y="4912573"/>
+              <a:ext cx="576262" cy="0"/>
+            </a:xfrm>
+            <a:prstGeom prst="line">
+              <a:avLst/>
+            </a:prstGeom>
+            <a:ln w="15875"/>
+          </p:spPr>
+          <p:style>
+            <a:lnRef idx="1">
+              <a:schemeClr val="dk1"/>
+            </a:lnRef>
+            <a:fillRef idx="0">
+              <a:schemeClr val="dk1"/>
+            </a:fillRef>
+            <a:effectRef idx="0">
+              <a:schemeClr val="dk1"/>
+            </a:effectRef>
+            <a:fontRef idx="minor">
+              <a:schemeClr val="tx1"/>
+            </a:fontRef>
+          </p:style>
+        </p:cxnSp>
+        <p:cxnSp>
+          <p:nvCxnSpPr>
+            <p:cNvPr id="14" name="직선 연결선 13">
+              <a:extLst>
+                <a:ext uri="{FF2B5EF4-FFF2-40B4-BE49-F238E27FC236}">
+                  <a16:creationId xmlns:a16="http://schemas.microsoft.com/office/drawing/2014/main" id="{1C59C572-9355-29FA-B72C-6EBFC799A09C}"/>
+                </a:ext>
+              </a:extLst>
+            </p:cNvPr>
+            <p:cNvCxnSpPr/>
+            <p:nvPr/>
+          </p:nvCxnSpPr>
+          <p:spPr>
+            <a:xfrm>
+              <a:off x="1853619" y="5003060"/>
+              <a:ext cx="576262" cy="0"/>
+            </a:xfrm>
+            <a:prstGeom prst="line">
+              <a:avLst/>
+            </a:prstGeom>
+            <a:ln w="15875"/>
+          </p:spPr>
+          <p:style>
+            <a:lnRef idx="1">
+              <a:schemeClr val="dk1"/>
+            </a:lnRef>
+            <a:fillRef idx="0">
+              <a:schemeClr val="dk1"/>
+            </a:fillRef>
+            <a:effectRef idx="0">
+              <a:schemeClr val="dk1"/>
+            </a:effectRef>
+            <a:fontRef idx="minor">
+              <a:schemeClr val="tx1"/>
+            </a:fontRef>
+          </p:style>
+        </p:cxnSp>
+      </p:grpSp>
+      <p:grpSp>
+        <p:nvGrpSpPr>
+          <p:cNvPr id="15" name="그룹 14">
+            <a:extLst>
+              <a:ext uri="{FF2B5EF4-FFF2-40B4-BE49-F238E27FC236}">
+                <a16:creationId xmlns:a16="http://schemas.microsoft.com/office/drawing/2014/main" id="{FE444EF1-BA5C-2C8F-462C-1D931BFC15FA}"/>
+              </a:ext>
+            </a:extLst>
+          </p:cNvPr>
+          <p:cNvGrpSpPr/>
+          <p:nvPr/>
+        </p:nvGrpSpPr>
+        <p:grpSpPr>
+          <a:xfrm>
+            <a:off x="8593893" y="2529275"/>
+            <a:ext cx="759724" cy="866400"/>
+            <a:chOff x="1803216" y="4681679"/>
+            <a:chExt cx="759724" cy="866400"/>
+          </a:xfrm>
+        </p:grpSpPr>
+        <p:sp>
+          <p:nvSpPr>
+            <p:cNvPr id="16" name="사각형: 잘린 한쪽 모서리 15">
+              <a:extLst>
+                <a:ext uri="{FF2B5EF4-FFF2-40B4-BE49-F238E27FC236}">
+                  <a16:creationId xmlns:a16="http://schemas.microsoft.com/office/drawing/2014/main" id="{C1380E5F-F941-EC7A-F115-32BD88517FE2}"/>
+                </a:ext>
+              </a:extLst>
+            </p:cNvPr>
+            <p:cNvSpPr/>
+            <p:nvPr/>
+          </p:nvSpPr>
+          <p:spPr>
+            <a:xfrm>
+              <a:off x="1803216" y="4681679"/>
+              <a:ext cx="759724" cy="866400"/>
+            </a:xfrm>
+            <a:prstGeom prst="snip1Rect">
+              <a:avLst>
+                <a:gd name="adj" fmla="val 24772"/>
+              </a:avLst>
+            </a:prstGeom>
+            <a:noFill/>
+            <a:ln>
+              <a:solidFill>
+                <a:schemeClr val="tx1"/>
+              </a:solidFill>
+            </a:ln>
+          </p:spPr>
+          <p:style>
+            <a:lnRef idx="2">
+              <a:schemeClr val="accent1">
+                <a:shade val="50000"/>
+              </a:schemeClr>
+            </a:lnRef>
+            <a:fillRef idx="1">
+              <a:schemeClr val="accent1"/>
+            </a:fillRef>
+            <a:effectRef idx="0">
+              <a:schemeClr val="accent1"/>
+            </a:effectRef>
+            <a:fontRef idx="minor">
+              <a:schemeClr val="lt1"/>
+            </a:fontRef>
+          </p:style>
+          <p:txBody>
+            <a:bodyPr rtlCol="0" anchor="ctr"/>
+            <a:lstStyle/>
+            <a:p>
+              <a:pPr algn="ctr"/>
+              <a:r>
+                <a:rPr lang="en-US" altLang="ko-KR" sz="1200">
+                  <a:solidFill>
+                    <a:schemeClr val="tx1"/>
+                  </a:solidFill>
+                </a:rPr>
+                <a:t>ip2.sv</a:t>
+              </a:r>
+              <a:endParaRPr lang="ko-KR" altLang="en-US" sz="1200" dirty="0">
+                <a:solidFill>
+                  <a:schemeClr val="tx1"/>
+                </a:solidFill>
+              </a:endParaRPr>
+            </a:p>
+          </p:txBody>
+        </p:sp>
+        <p:cxnSp>
+          <p:nvCxnSpPr>
+            <p:cNvPr id="17" name="직선 연결선 16">
+              <a:extLst>
+                <a:ext uri="{FF2B5EF4-FFF2-40B4-BE49-F238E27FC236}">
+                  <a16:creationId xmlns:a16="http://schemas.microsoft.com/office/drawing/2014/main" id="{5E7A49B8-CF49-D72F-F741-B00B2EC99206}"/>
+                </a:ext>
+              </a:extLst>
+            </p:cNvPr>
+            <p:cNvCxnSpPr/>
+            <p:nvPr/>
+          </p:nvCxnSpPr>
+          <p:spPr>
+            <a:xfrm>
+              <a:off x="1853619" y="4816463"/>
+              <a:ext cx="576262" cy="0"/>
+            </a:xfrm>
+            <a:prstGeom prst="line">
+              <a:avLst/>
+            </a:prstGeom>
+            <a:ln w="15875"/>
+          </p:spPr>
+          <p:style>
+            <a:lnRef idx="1">
+              <a:schemeClr val="dk1"/>
+            </a:lnRef>
+            <a:fillRef idx="0">
+              <a:schemeClr val="dk1"/>
+            </a:fillRef>
+            <a:effectRef idx="0">
+              <a:schemeClr val="dk1"/>
+            </a:effectRef>
+            <a:fontRef idx="minor">
+              <a:schemeClr val="tx1"/>
+            </a:fontRef>
+          </p:style>
+        </p:cxnSp>
+        <p:cxnSp>
+          <p:nvCxnSpPr>
+            <p:cNvPr id="18" name="직선 연결선 17">
+              <a:extLst>
+                <a:ext uri="{FF2B5EF4-FFF2-40B4-BE49-F238E27FC236}">
+                  <a16:creationId xmlns:a16="http://schemas.microsoft.com/office/drawing/2014/main" id="{A3C2DF6C-B5D7-CF9F-769E-0B3371349550}"/>
+                </a:ext>
+              </a:extLst>
+            </p:cNvPr>
+            <p:cNvCxnSpPr/>
+            <p:nvPr/>
+          </p:nvCxnSpPr>
+          <p:spPr>
+            <a:xfrm>
+              <a:off x="1853619" y="4912573"/>
+              <a:ext cx="576262" cy="0"/>
+            </a:xfrm>
+            <a:prstGeom prst="line">
+              <a:avLst/>
+            </a:prstGeom>
+            <a:ln w="15875"/>
+          </p:spPr>
+          <p:style>
+            <a:lnRef idx="1">
+              <a:schemeClr val="dk1"/>
+            </a:lnRef>
+            <a:fillRef idx="0">
+              <a:schemeClr val="dk1"/>
+            </a:fillRef>
+            <a:effectRef idx="0">
+              <a:schemeClr val="dk1"/>
+            </a:effectRef>
+            <a:fontRef idx="minor">
+              <a:schemeClr val="tx1"/>
+            </a:fontRef>
+          </p:style>
+        </p:cxnSp>
+        <p:cxnSp>
+          <p:nvCxnSpPr>
+            <p:cNvPr id="19" name="직선 연결선 18">
+              <a:extLst>
+                <a:ext uri="{FF2B5EF4-FFF2-40B4-BE49-F238E27FC236}">
+                  <a16:creationId xmlns:a16="http://schemas.microsoft.com/office/drawing/2014/main" id="{53B6AA52-836F-C082-5188-9FB1235F4E18}"/>
+                </a:ext>
+              </a:extLst>
+            </p:cNvPr>
+            <p:cNvCxnSpPr/>
+            <p:nvPr/>
+          </p:nvCxnSpPr>
+          <p:spPr>
+            <a:xfrm>
+              <a:off x="1853619" y="5003060"/>
+              <a:ext cx="576262" cy="0"/>
+            </a:xfrm>
+            <a:prstGeom prst="line">
+              <a:avLst/>
+            </a:prstGeom>
+            <a:ln w="15875"/>
+          </p:spPr>
+          <p:style>
+            <a:lnRef idx="1">
+              <a:schemeClr val="dk1"/>
+            </a:lnRef>
+            <a:fillRef idx="0">
+              <a:schemeClr val="dk1"/>
+            </a:fillRef>
+            <a:effectRef idx="0">
+              <a:schemeClr val="dk1"/>
+            </a:effectRef>
+            <a:fontRef idx="minor">
+              <a:schemeClr val="tx1"/>
+            </a:fontRef>
+          </p:style>
+        </p:cxnSp>
+      </p:grpSp>
+      <p:grpSp>
+        <p:nvGrpSpPr>
+          <p:cNvPr id="20" name="그룹 19">
+            <a:extLst>
+              <a:ext uri="{FF2B5EF4-FFF2-40B4-BE49-F238E27FC236}">
+                <a16:creationId xmlns:a16="http://schemas.microsoft.com/office/drawing/2014/main" id="{B9171AED-996B-8631-A82D-C23E8A569A78}"/>
+              </a:ext>
+            </a:extLst>
+          </p:cNvPr>
+          <p:cNvGrpSpPr/>
+          <p:nvPr/>
+        </p:nvGrpSpPr>
+        <p:grpSpPr>
+          <a:xfrm>
+            <a:off x="9590843" y="2529275"/>
+            <a:ext cx="759724" cy="866400"/>
+            <a:chOff x="1803216" y="4681679"/>
+            <a:chExt cx="759724" cy="866400"/>
+          </a:xfrm>
+        </p:grpSpPr>
+        <p:sp>
+          <p:nvSpPr>
+            <p:cNvPr id="21" name="사각형: 잘린 한쪽 모서리 20">
+              <a:extLst>
+                <a:ext uri="{FF2B5EF4-FFF2-40B4-BE49-F238E27FC236}">
+                  <a16:creationId xmlns:a16="http://schemas.microsoft.com/office/drawing/2014/main" id="{D9E9EC8B-988D-7436-FBDA-13B7C2A24BBC}"/>
+                </a:ext>
+              </a:extLst>
+            </p:cNvPr>
+            <p:cNvSpPr/>
+            <p:nvPr/>
+          </p:nvSpPr>
+          <p:spPr>
+            <a:xfrm>
+              <a:off x="1803216" y="4681679"/>
+              <a:ext cx="759724" cy="866400"/>
+            </a:xfrm>
+            <a:prstGeom prst="snip1Rect">
+              <a:avLst>
+                <a:gd name="adj" fmla="val 24772"/>
+              </a:avLst>
+            </a:prstGeom>
+            <a:noFill/>
+            <a:ln>
+              <a:solidFill>
+                <a:schemeClr val="tx1"/>
+              </a:solidFill>
+            </a:ln>
+          </p:spPr>
+          <p:style>
+            <a:lnRef idx="2">
+              <a:schemeClr val="accent1">
+                <a:shade val="50000"/>
+              </a:schemeClr>
+            </a:lnRef>
+            <a:fillRef idx="1">
+              <a:schemeClr val="accent1"/>
+            </a:fillRef>
+            <a:effectRef idx="0">
+              <a:schemeClr val="accent1"/>
+            </a:effectRef>
+            <a:fontRef idx="minor">
+              <a:schemeClr val="lt1"/>
+            </a:fontRef>
+          </p:style>
+          <p:txBody>
+            <a:bodyPr rtlCol="0" anchor="ctr"/>
+            <a:lstStyle/>
+            <a:p>
+              <a:pPr algn="ctr"/>
+              <a:r>
+                <a:rPr lang="en-US" altLang="ko-KR" sz="1200">
+                  <a:solidFill>
+                    <a:schemeClr val="tx1"/>
+                  </a:solidFill>
+                </a:rPr>
+                <a:t>ip3.sv</a:t>
+              </a:r>
+              <a:endParaRPr lang="ko-KR" altLang="en-US" sz="1200" dirty="0">
+                <a:solidFill>
+                  <a:schemeClr val="tx1"/>
+                </a:solidFill>
+              </a:endParaRPr>
+            </a:p>
+          </p:txBody>
+        </p:sp>
+        <p:cxnSp>
+          <p:nvCxnSpPr>
+            <p:cNvPr id="22" name="직선 연결선 21">
+              <a:extLst>
+                <a:ext uri="{FF2B5EF4-FFF2-40B4-BE49-F238E27FC236}">
+                  <a16:creationId xmlns:a16="http://schemas.microsoft.com/office/drawing/2014/main" id="{5C4BA7F5-8C9B-F103-2572-B19C742B433B}"/>
+                </a:ext>
+              </a:extLst>
+            </p:cNvPr>
+            <p:cNvCxnSpPr/>
+            <p:nvPr/>
+          </p:nvCxnSpPr>
+          <p:spPr>
+            <a:xfrm>
+              <a:off x="1853619" y="4816463"/>
+              <a:ext cx="576262" cy="0"/>
+            </a:xfrm>
+            <a:prstGeom prst="line">
+              <a:avLst/>
+            </a:prstGeom>
+            <a:ln w="15875"/>
+          </p:spPr>
+          <p:style>
+            <a:lnRef idx="1">
+              <a:schemeClr val="dk1"/>
+            </a:lnRef>
+            <a:fillRef idx="0">
+              <a:schemeClr val="dk1"/>
+            </a:fillRef>
+            <a:effectRef idx="0">
+              <a:schemeClr val="dk1"/>
+            </a:effectRef>
+            <a:fontRef idx="minor">
+              <a:schemeClr val="tx1"/>
+            </a:fontRef>
+          </p:style>
+        </p:cxnSp>
+        <p:cxnSp>
+          <p:nvCxnSpPr>
+            <p:cNvPr id="23" name="직선 연결선 22">
+              <a:extLst>
+                <a:ext uri="{FF2B5EF4-FFF2-40B4-BE49-F238E27FC236}">
+                  <a16:creationId xmlns:a16="http://schemas.microsoft.com/office/drawing/2014/main" id="{7BC031B8-B92E-133E-0023-A09BFC3EB0BE}"/>
+                </a:ext>
+              </a:extLst>
+            </p:cNvPr>
+            <p:cNvCxnSpPr/>
+            <p:nvPr/>
+          </p:nvCxnSpPr>
+          <p:spPr>
+            <a:xfrm>
+              <a:off x="1853619" y="4912573"/>
+              <a:ext cx="576262" cy="0"/>
+            </a:xfrm>
+            <a:prstGeom prst="line">
+              <a:avLst/>
+            </a:prstGeom>
+            <a:ln w="15875"/>
+          </p:spPr>
+          <p:style>
+            <a:lnRef idx="1">
+              <a:schemeClr val="dk1"/>
+            </a:lnRef>
+            <a:fillRef idx="0">
+              <a:schemeClr val="dk1"/>
+            </a:fillRef>
+            <a:effectRef idx="0">
+              <a:schemeClr val="dk1"/>
+            </a:effectRef>
+            <a:fontRef idx="minor">
+              <a:schemeClr val="tx1"/>
+            </a:fontRef>
+          </p:style>
+        </p:cxnSp>
+        <p:cxnSp>
+          <p:nvCxnSpPr>
+            <p:cNvPr id="24" name="직선 연결선 23">
+              <a:extLst>
+                <a:ext uri="{FF2B5EF4-FFF2-40B4-BE49-F238E27FC236}">
+                  <a16:creationId xmlns:a16="http://schemas.microsoft.com/office/drawing/2014/main" id="{E39C0A3B-0A1F-8490-E409-18C1982E21A2}"/>
+                </a:ext>
+              </a:extLst>
+            </p:cNvPr>
+            <p:cNvCxnSpPr/>
+            <p:nvPr/>
+          </p:nvCxnSpPr>
+          <p:spPr>
+            <a:xfrm>
+              <a:off x="1853619" y="5003060"/>
+              <a:ext cx="576262" cy="0"/>
+            </a:xfrm>
+            <a:prstGeom prst="line">
+              <a:avLst/>
+            </a:prstGeom>
+            <a:ln w="15875"/>
+          </p:spPr>
+          <p:style>
+            <a:lnRef idx="1">
+              <a:schemeClr val="dk1"/>
+            </a:lnRef>
+            <a:fillRef idx="0">
+              <a:schemeClr val="dk1"/>
+            </a:fillRef>
+            <a:effectRef idx="0">
+              <a:schemeClr val="dk1"/>
+            </a:effectRef>
+            <a:fontRef idx="minor">
+              <a:schemeClr val="tx1"/>
+            </a:fontRef>
+          </p:style>
+        </p:cxnSp>
+      </p:grpSp>
+      <p:grpSp>
+        <p:nvGrpSpPr>
+          <p:cNvPr id="25" name="그룹 24">
+            <a:extLst>
+              <a:ext uri="{FF2B5EF4-FFF2-40B4-BE49-F238E27FC236}">
+                <a16:creationId xmlns:a16="http://schemas.microsoft.com/office/drawing/2014/main" id="{0915B36C-1A8B-B16E-D70E-2AF21387E999}"/>
+              </a:ext>
+            </a:extLst>
+          </p:cNvPr>
+          <p:cNvGrpSpPr/>
+          <p:nvPr/>
+        </p:nvGrpSpPr>
+        <p:grpSpPr>
+          <a:xfrm>
+            <a:off x="8526079" y="4560585"/>
+            <a:ext cx="900113" cy="714375"/>
+            <a:chOff x="1600200" y="5600700"/>
+            <a:chExt cx="900113" cy="714375"/>
+          </a:xfrm>
+        </p:grpSpPr>
+        <p:sp>
+          <p:nvSpPr>
+            <p:cNvPr id="26" name="사각형: 잘린 한쪽 모서리 25">
+              <a:extLst>
+                <a:ext uri="{FF2B5EF4-FFF2-40B4-BE49-F238E27FC236}">
+                  <a16:creationId xmlns:a16="http://schemas.microsoft.com/office/drawing/2014/main" id="{C377D499-0C28-F219-D4FC-03889D726517}"/>
+                </a:ext>
+              </a:extLst>
+            </p:cNvPr>
+            <p:cNvSpPr/>
+            <p:nvPr/>
+          </p:nvSpPr>
+          <p:spPr>
+            <a:xfrm>
+              <a:off x="1600200" y="5631475"/>
+              <a:ext cx="452438" cy="452438"/>
+            </a:xfrm>
+            <a:prstGeom prst="snip1Rect">
+              <a:avLst/>
+            </a:prstGeom>
+            <a:solidFill>
+              <a:schemeClr val="accent4">
+                <a:lumMod val="75000"/>
+              </a:schemeClr>
+            </a:solidFill>
+            <a:ln>
+              <a:solidFill>
+                <a:schemeClr val="tx1"/>
+              </a:solidFill>
+            </a:ln>
+          </p:spPr>
+          <p:style>
+            <a:lnRef idx="2">
+              <a:schemeClr val="accent1">
+                <a:shade val="50000"/>
+              </a:schemeClr>
+            </a:lnRef>
+            <a:fillRef idx="1">
+              <a:schemeClr val="accent1"/>
+            </a:fillRef>
+            <a:effectRef idx="0">
+              <a:schemeClr val="accent1"/>
+            </a:effectRef>
+            <a:fontRef idx="minor">
+              <a:schemeClr val="lt1"/>
+            </a:fontRef>
+          </p:style>
+          <p:txBody>
+            <a:bodyPr rtlCol="0" anchor="ctr"/>
+            <a:lstStyle/>
+            <a:p>
+              <a:pPr algn="ctr"/>
+              <a:endParaRPr lang="ko-KR" altLang="en-US" sz="1200">
+                <a:solidFill>
+                  <a:schemeClr val="tx1"/>
+                </a:solidFill>
+              </a:endParaRPr>
+            </a:p>
+          </p:txBody>
+        </p:sp>
+        <p:sp>
+          <p:nvSpPr>
+            <p:cNvPr id="27" name="자유형: 도형 26">
+              <a:extLst>
+                <a:ext uri="{FF2B5EF4-FFF2-40B4-BE49-F238E27FC236}">
+                  <a16:creationId xmlns:a16="http://schemas.microsoft.com/office/drawing/2014/main" id="{3FF1147C-7C20-4F2D-C8F5-D4F4BA9239EE}"/>
+                </a:ext>
+              </a:extLst>
+            </p:cNvPr>
+            <p:cNvSpPr/>
+            <p:nvPr/>
+          </p:nvSpPr>
+          <p:spPr>
+            <a:xfrm>
+              <a:off x="1600201" y="5600700"/>
+              <a:ext cx="900112" cy="714375"/>
+            </a:xfrm>
+            <a:custGeom>
+              <a:avLst/>
+              <a:gdLst>
+                <a:gd name="connsiteX0" fmla="*/ 533400 w 900112"/>
+                <a:gd name="connsiteY0" fmla="*/ 0 h 714375"/>
+                <a:gd name="connsiteX1" fmla="*/ 388143 w 900112"/>
+                <a:gd name="connsiteY1" fmla="*/ 145257 h 714375"/>
+                <a:gd name="connsiteX2" fmla="*/ 0 w 900112"/>
+                <a:gd name="connsiteY2" fmla="*/ 145257 h 714375"/>
+                <a:gd name="connsiteX3" fmla="*/ 0 w 900112"/>
+                <a:gd name="connsiteY3" fmla="*/ 714375 h 714375"/>
+                <a:gd name="connsiteX4" fmla="*/ 900112 w 900112"/>
+                <a:gd name="connsiteY4" fmla="*/ 714375 h 714375"/>
+                <a:gd name="connsiteX5" fmla="*/ 900112 w 900112"/>
+                <a:gd name="connsiteY5" fmla="*/ 4763 h 714375"/>
+                <a:gd name="connsiteX6" fmla="*/ 533400 w 900112"/>
+                <a:gd name="connsiteY6" fmla="*/ 0 h 714375"/>
+              </a:gdLst>
+              <a:ahLst/>
+              <a:cxnLst>
+                <a:cxn ang="0">
+                  <a:pos x="connsiteX0" y="connsiteY0"/>
+                </a:cxn>
+                <a:cxn ang="0">
+                  <a:pos x="connsiteX1" y="connsiteY1"/>
+                </a:cxn>
+                <a:cxn ang="0">
+                  <a:pos x="connsiteX2" y="connsiteY2"/>
+                </a:cxn>
+                <a:cxn ang="0">
+                  <a:pos x="connsiteX3" y="connsiteY3"/>
+                </a:cxn>
+                <a:cxn ang="0">
+                  <a:pos x="connsiteX4" y="connsiteY4"/>
+                </a:cxn>
+                <a:cxn ang="0">
+                  <a:pos x="connsiteX5" y="connsiteY5"/>
+                </a:cxn>
+                <a:cxn ang="0">
+                  <a:pos x="connsiteX6" y="connsiteY6"/>
+                </a:cxn>
+              </a:cxnLst>
+              <a:rect l="l" t="t" r="r" b="b"/>
+              <a:pathLst>
+                <a:path w="900112" h="714375">
+                  <a:moveTo>
+                    <a:pt x="533400" y="0"/>
+                  </a:moveTo>
+                  <a:lnTo>
+                    <a:pt x="388143" y="145257"/>
+                  </a:lnTo>
+                  <a:lnTo>
+                    <a:pt x="0" y="145257"/>
+                  </a:lnTo>
+                  <a:lnTo>
+                    <a:pt x="0" y="714375"/>
+                  </a:lnTo>
+                  <a:lnTo>
+                    <a:pt x="900112" y="714375"/>
+                  </a:lnTo>
+                  <a:lnTo>
+                    <a:pt x="900112" y="4763"/>
+                  </a:lnTo>
+                  <a:lnTo>
+                    <a:pt x="533400" y="0"/>
+                  </a:lnTo>
+                  <a:close/>
+                </a:path>
+              </a:pathLst>
+            </a:custGeom>
+            <a:solidFill>
+              <a:schemeClr val="accent4">
+                <a:lumMod val="60000"/>
+                <a:lumOff val="40000"/>
+              </a:schemeClr>
+            </a:solidFill>
+            <a:ln>
+              <a:solidFill>
+                <a:schemeClr val="tx1"/>
+              </a:solidFill>
+            </a:ln>
+          </p:spPr>
+          <p:style>
+            <a:lnRef idx="2">
+              <a:schemeClr val="accent1">
+                <a:shade val="50000"/>
+              </a:schemeClr>
+            </a:lnRef>
+            <a:fillRef idx="1">
+              <a:schemeClr val="accent1"/>
+            </a:fillRef>
+            <a:effectRef idx="0">
+              <a:schemeClr val="accent1"/>
+            </a:effectRef>
+            <a:fontRef idx="minor">
+              <a:schemeClr val="lt1"/>
+            </a:fontRef>
+          </p:style>
+          <p:txBody>
+            <a:bodyPr rtlCol="0" anchor="ctr"/>
+            <a:lstStyle/>
+            <a:p>
+              <a:pPr algn="ctr"/>
+              <a:endParaRPr lang="en-US" altLang="ko-KR" sz="1200" dirty="0">
+                <a:solidFill>
+                  <a:schemeClr val="tx1"/>
+                </a:solidFill>
+              </a:endParaRPr>
+            </a:p>
+            <a:p>
+              <a:pPr algn="ctr"/>
+              <a:r>
+                <a:rPr lang="en-US" altLang="ko-KR" sz="1200">
+                  <a:solidFill>
+                    <a:schemeClr val="tx1"/>
+                  </a:solidFill>
+                </a:rPr>
+                <a:t>/ip_out_dir</a:t>
+              </a:r>
+              <a:endParaRPr lang="ko-KR" altLang="en-US" sz="1200" dirty="0">
+                <a:solidFill>
+                  <a:schemeClr val="tx1"/>
+                </a:solidFill>
+              </a:endParaRPr>
+            </a:p>
+          </p:txBody>
+        </p:sp>
+      </p:grpSp>
+      <p:grpSp>
+        <p:nvGrpSpPr>
+          <p:cNvPr id="28" name="그룹 27">
+            <a:extLst>
+              <a:ext uri="{FF2B5EF4-FFF2-40B4-BE49-F238E27FC236}">
+                <a16:creationId xmlns:a16="http://schemas.microsoft.com/office/drawing/2014/main" id="{1B35570D-1675-C44A-88C7-8CEF8AACBFBD}"/>
+              </a:ext>
+            </a:extLst>
+          </p:cNvPr>
+          <p:cNvGrpSpPr/>
+          <p:nvPr/>
+        </p:nvGrpSpPr>
+        <p:grpSpPr>
+          <a:xfrm>
+            <a:off x="8593892" y="5538946"/>
+            <a:ext cx="759724" cy="866400"/>
+            <a:chOff x="1803216" y="4681679"/>
+            <a:chExt cx="759724" cy="866400"/>
+          </a:xfrm>
+        </p:grpSpPr>
+        <p:sp>
+          <p:nvSpPr>
+            <p:cNvPr id="29" name="사각형: 잘린 한쪽 모서리 28">
+              <a:extLst>
+                <a:ext uri="{FF2B5EF4-FFF2-40B4-BE49-F238E27FC236}">
+                  <a16:creationId xmlns:a16="http://schemas.microsoft.com/office/drawing/2014/main" id="{71732786-121D-312D-E227-F69CC0916E4F}"/>
+                </a:ext>
+              </a:extLst>
+            </p:cNvPr>
+            <p:cNvSpPr/>
+            <p:nvPr/>
+          </p:nvSpPr>
+          <p:spPr>
+            <a:xfrm>
+              <a:off x="1803216" y="4681679"/>
+              <a:ext cx="759724" cy="866400"/>
+            </a:xfrm>
+            <a:prstGeom prst="snip1Rect">
+              <a:avLst>
+                <a:gd name="adj" fmla="val 24772"/>
+              </a:avLst>
+            </a:prstGeom>
+            <a:noFill/>
+            <a:ln>
+              <a:solidFill>
+                <a:schemeClr val="tx1"/>
+              </a:solidFill>
+            </a:ln>
+          </p:spPr>
+          <p:style>
+            <a:lnRef idx="2">
+              <a:schemeClr val="accent1">
+                <a:shade val="50000"/>
+              </a:schemeClr>
+            </a:lnRef>
+            <a:fillRef idx="1">
+              <a:schemeClr val="accent1"/>
+            </a:fillRef>
+            <a:effectRef idx="0">
+              <a:schemeClr val="accent1"/>
+            </a:effectRef>
+            <a:fontRef idx="minor">
+              <a:schemeClr val="lt1"/>
+            </a:fontRef>
+          </p:style>
+          <p:txBody>
+            <a:bodyPr rtlCol="0" anchor="ctr"/>
+            <a:lstStyle/>
+            <a:p>
+              <a:pPr algn="ctr"/>
+              <a:r>
+                <a:rPr lang="en-US" altLang="ko-KR" sz="1200">
+                  <a:solidFill>
+                    <a:schemeClr val="tx1"/>
+                  </a:solidFill>
+                </a:rPr>
+                <a:t>ip.xml</a:t>
+              </a:r>
+              <a:endParaRPr lang="ko-KR" altLang="en-US" sz="1200" dirty="0">
+                <a:solidFill>
+                  <a:schemeClr val="tx1"/>
+                </a:solidFill>
+              </a:endParaRPr>
+            </a:p>
+          </p:txBody>
+        </p:sp>
+        <p:cxnSp>
+          <p:nvCxnSpPr>
+            <p:cNvPr id="30" name="직선 연결선 29">
+              <a:extLst>
+                <a:ext uri="{FF2B5EF4-FFF2-40B4-BE49-F238E27FC236}">
+                  <a16:creationId xmlns:a16="http://schemas.microsoft.com/office/drawing/2014/main" id="{E275D12C-9382-4883-0584-F2E977F7F331}"/>
+                </a:ext>
+              </a:extLst>
+            </p:cNvPr>
+            <p:cNvCxnSpPr/>
+            <p:nvPr/>
+          </p:nvCxnSpPr>
+          <p:spPr>
+            <a:xfrm>
+              <a:off x="1853619" y="4816463"/>
+              <a:ext cx="576262" cy="0"/>
+            </a:xfrm>
+            <a:prstGeom prst="line">
+              <a:avLst/>
+            </a:prstGeom>
+            <a:ln w="15875"/>
+          </p:spPr>
+          <p:style>
+            <a:lnRef idx="1">
+              <a:schemeClr val="dk1"/>
+            </a:lnRef>
+            <a:fillRef idx="0">
+              <a:schemeClr val="dk1"/>
+            </a:fillRef>
+            <a:effectRef idx="0">
+              <a:schemeClr val="dk1"/>
+            </a:effectRef>
+            <a:fontRef idx="minor">
+              <a:schemeClr val="tx1"/>
+            </a:fontRef>
+          </p:style>
+        </p:cxnSp>
+        <p:cxnSp>
+          <p:nvCxnSpPr>
+            <p:cNvPr id="31" name="직선 연결선 30">
+              <a:extLst>
+                <a:ext uri="{FF2B5EF4-FFF2-40B4-BE49-F238E27FC236}">
+                  <a16:creationId xmlns:a16="http://schemas.microsoft.com/office/drawing/2014/main" id="{421B7CBE-06B4-B574-2525-971ACE8DB843}"/>
+                </a:ext>
+              </a:extLst>
+            </p:cNvPr>
+            <p:cNvCxnSpPr/>
+            <p:nvPr/>
+          </p:nvCxnSpPr>
+          <p:spPr>
+            <a:xfrm>
+              <a:off x="1853619" y="4912573"/>
+              <a:ext cx="576262" cy="0"/>
+            </a:xfrm>
+            <a:prstGeom prst="line">
+              <a:avLst/>
+            </a:prstGeom>
+            <a:ln w="15875"/>
+          </p:spPr>
+          <p:style>
+            <a:lnRef idx="1">
+              <a:schemeClr val="dk1"/>
+            </a:lnRef>
+            <a:fillRef idx="0">
+              <a:schemeClr val="dk1"/>
+            </a:fillRef>
+            <a:effectRef idx="0">
+              <a:schemeClr val="dk1"/>
+            </a:effectRef>
+            <a:fontRef idx="minor">
+              <a:schemeClr val="tx1"/>
+            </a:fontRef>
+          </p:style>
+        </p:cxnSp>
+        <p:cxnSp>
+          <p:nvCxnSpPr>
+            <p:cNvPr id="32" name="직선 연결선 31">
+              <a:extLst>
+                <a:ext uri="{FF2B5EF4-FFF2-40B4-BE49-F238E27FC236}">
+                  <a16:creationId xmlns:a16="http://schemas.microsoft.com/office/drawing/2014/main" id="{3FAA0376-3351-1665-31DA-A60ABE730CF7}"/>
+                </a:ext>
+              </a:extLst>
+            </p:cNvPr>
+            <p:cNvCxnSpPr/>
+            <p:nvPr/>
+          </p:nvCxnSpPr>
+          <p:spPr>
+            <a:xfrm>
+              <a:off x="1853619" y="5003060"/>
+              <a:ext cx="576262" cy="0"/>
+            </a:xfrm>
+            <a:prstGeom prst="line">
+              <a:avLst/>
+            </a:prstGeom>
+            <a:ln w="15875"/>
+          </p:spPr>
+          <p:style>
+            <a:lnRef idx="1">
+              <a:schemeClr val="dk1"/>
+            </a:lnRef>
+            <a:fillRef idx="0">
+              <a:schemeClr val="dk1"/>
+            </a:fillRef>
+            <a:effectRef idx="0">
+              <a:schemeClr val="dk1"/>
+            </a:effectRef>
+            <a:fontRef idx="minor">
+              <a:schemeClr val="tx1"/>
+            </a:fontRef>
+          </p:style>
+        </p:cxnSp>
+      </p:grpSp>
+      <p:grpSp>
+        <p:nvGrpSpPr>
+          <p:cNvPr id="33" name="그룹 32">
+            <a:extLst>
+              <a:ext uri="{FF2B5EF4-FFF2-40B4-BE49-F238E27FC236}">
+                <a16:creationId xmlns:a16="http://schemas.microsoft.com/office/drawing/2014/main" id="{E77CCCCC-6B8B-F49F-2FA3-B344BD3EA6A1}"/>
+              </a:ext>
+            </a:extLst>
+          </p:cNvPr>
+          <p:cNvGrpSpPr/>
+          <p:nvPr/>
+        </p:nvGrpSpPr>
+        <p:grpSpPr>
+          <a:xfrm>
+            <a:off x="7763974" y="5538946"/>
+            <a:ext cx="759724" cy="866400"/>
+            <a:chOff x="1803216" y="4681679"/>
+            <a:chExt cx="759724" cy="866400"/>
+          </a:xfrm>
+        </p:grpSpPr>
+        <p:sp>
+          <p:nvSpPr>
+            <p:cNvPr id="34" name="사각형: 잘린 한쪽 모서리 33">
+              <a:extLst>
+                <a:ext uri="{FF2B5EF4-FFF2-40B4-BE49-F238E27FC236}">
+                  <a16:creationId xmlns:a16="http://schemas.microsoft.com/office/drawing/2014/main" id="{E98B0F47-BFE7-D8E0-CC00-8590D9CE4DB2}"/>
+                </a:ext>
+              </a:extLst>
+            </p:cNvPr>
+            <p:cNvSpPr/>
+            <p:nvPr/>
+          </p:nvSpPr>
+          <p:spPr>
+            <a:xfrm>
+              <a:off x="1803216" y="4681679"/>
+              <a:ext cx="759724" cy="866400"/>
+            </a:xfrm>
+            <a:prstGeom prst="snip1Rect">
+              <a:avLst>
+                <a:gd name="adj" fmla="val 24772"/>
+              </a:avLst>
+            </a:prstGeom>
+            <a:noFill/>
+            <a:ln>
+              <a:solidFill>
+                <a:schemeClr val="tx1"/>
+              </a:solidFill>
+            </a:ln>
+          </p:spPr>
+          <p:style>
+            <a:lnRef idx="2">
+              <a:schemeClr val="accent1">
+                <a:shade val="50000"/>
+              </a:schemeClr>
+            </a:lnRef>
+            <a:fillRef idx="1">
+              <a:schemeClr val="accent1"/>
+            </a:fillRef>
+            <a:effectRef idx="0">
+              <a:schemeClr val="accent1"/>
+            </a:effectRef>
+            <a:fontRef idx="minor">
+              <a:schemeClr val="lt1"/>
+            </a:fontRef>
+          </p:style>
+          <p:txBody>
+            <a:bodyPr rtlCol="0" anchor="ctr"/>
+            <a:lstStyle/>
+            <a:p>
+              <a:pPr algn="ctr"/>
+              <a:r>
+                <a:rPr lang="en-US" altLang="ko-KR" sz="1200">
+                  <a:solidFill>
+                    <a:schemeClr val="tx1"/>
+                  </a:solidFill>
+                </a:rPr>
+                <a:t>ip.xic</a:t>
+              </a:r>
+              <a:endParaRPr lang="ko-KR" altLang="en-US" sz="1200" dirty="0">
+                <a:solidFill>
+                  <a:schemeClr val="tx1"/>
+                </a:solidFill>
+              </a:endParaRPr>
+            </a:p>
+          </p:txBody>
+        </p:sp>
+        <p:cxnSp>
+          <p:nvCxnSpPr>
+            <p:cNvPr id="35" name="직선 연결선 34">
+              <a:extLst>
+                <a:ext uri="{FF2B5EF4-FFF2-40B4-BE49-F238E27FC236}">
+                  <a16:creationId xmlns:a16="http://schemas.microsoft.com/office/drawing/2014/main" id="{5FCED8D6-C1C2-1870-7102-5909C5029B32}"/>
+                </a:ext>
+              </a:extLst>
+            </p:cNvPr>
+            <p:cNvCxnSpPr/>
+            <p:nvPr/>
+          </p:nvCxnSpPr>
+          <p:spPr>
+            <a:xfrm>
+              <a:off x="1853619" y="4816463"/>
+              <a:ext cx="576262" cy="0"/>
+            </a:xfrm>
+            <a:prstGeom prst="line">
+              <a:avLst/>
+            </a:prstGeom>
+            <a:ln w="15875"/>
+          </p:spPr>
+          <p:style>
+            <a:lnRef idx="1">
+              <a:schemeClr val="dk1"/>
+            </a:lnRef>
+            <a:fillRef idx="0">
+              <a:schemeClr val="dk1"/>
+            </a:fillRef>
+            <a:effectRef idx="0">
+              <a:schemeClr val="dk1"/>
+            </a:effectRef>
+            <a:fontRef idx="minor">
+              <a:schemeClr val="tx1"/>
+            </a:fontRef>
+          </p:style>
+        </p:cxnSp>
+        <p:cxnSp>
+          <p:nvCxnSpPr>
+            <p:cNvPr id="36" name="직선 연결선 35">
+              <a:extLst>
+                <a:ext uri="{FF2B5EF4-FFF2-40B4-BE49-F238E27FC236}">
+                  <a16:creationId xmlns:a16="http://schemas.microsoft.com/office/drawing/2014/main" id="{23332AEB-2963-DA11-933D-328FBEFA7062}"/>
+                </a:ext>
+              </a:extLst>
+            </p:cNvPr>
+            <p:cNvCxnSpPr/>
+            <p:nvPr/>
+          </p:nvCxnSpPr>
+          <p:spPr>
+            <a:xfrm>
+              <a:off x="1853619" y="4912573"/>
+              <a:ext cx="576262" cy="0"/>
+            </a:xfrm>
+            <a:prstGeom prst="line">
+              <a:avLst/>
+            </a:prstGeom>
+            <a:ln w="15875"/>
+          </p:spPr>
+          <p:style>
+            <a:lnRef idx="1">
+              <a:schemeClr val="dk1"/>
+            </a:lnRef>
+            <a:fillRef idx="0">
+              <a:schemeClr val="dk1"/>
+            </a:fillRef>
+            <a:effectRef idx="0">
+              <a:schemeClr val="dk1"/>
+            </a:effectRef>
+            <a:fontRef idx="minor">
+              <a:schemeClr val="tx1"/>
+            </a:fontRef>
+          </p:style>
+        </p:cxnSp>
+        <p:cxnSp>
+          <p:nvCxnSpPr>
+            <p:cNvPr id="37" name="직선 연결선 36">
+              <a:extLst>
+                <a:ext uri="{FF2B5EF4-FFF2-40B4-BE49-F238E27FC236}">
+                  <a16:creationId xmlns:a16="http://schemas.microsoft.com/office/drawing/2014/main" id="{7F1465C4-06FC-2750-F976-F26601761CB2}"/>
+                </a:ext>
+              </a:extLst>
+            </p:cNvPr>
+            <p:cNvCxnSpPr/>
+            <p:nvPr/>
+          </p:nvCxnSpPr>
+          <p:spPr>
+            <a:xfrm>
+              <a:off x="1853619" y="5003060"/>
+              <a:ext cx="576262" cy="0"/>
+            </a:xfrm>
+            <a:prstGeom prst="line">
+              <a:avLst/>
+            </a:prstGeom>
+            <a:ln w="15875"/>
+          </p:spPr>
+          <p:style>
+            <a:lnRef idx="1">
+              <a:schemeClr val="dk1"/>
+            </a:lnRef>
+            <a:fillRef idx="0">
+              <a:schemeClr val="dk1"/>
+            </a:fillRef>
+            <a:effectRef idx="0">
+              <a:schemeClr val="dk1"/>
+            </a:effectRef>
+            <a:fontRef idx="minor">
+              <a:schemeClr val="tx1"/>
+            </a:fontRef>
+          </p:style>
+        </p:cxnSp>
+      </p:grpSp>
+      <p:sp>
+        <p:nvSpPr>
+          <p:cNvPr id="38" name="화살표: 아래쪽 37">
+            <a:extLst>
+              <a:ext uri="{FF2B5EF4-FFF2-40B4-BE49-F238E27FC236}">
+                <a16:creationId xmlns:a16="http://schemas.microsoft.com/office/drawing/2014/main" id="{1B2593AB-F020-EA57-E08C-A73679C308CF}"/>
+              </a:ext>
+            </a:extLst>
+          </p:cNvPr>
+          <p:cNvSpPr/>
+          <p:nvPr/>
+        </p:nvSpPr>
+        <p:spPr>
+          <a:xfrm>
+            <a:off x="8761260" y="3747933"/>
+            <a:ext cx="459298" cy="491227"/>
+          </a:xfrm>
+          <a:prstGeom prst="downArrow">
+            <a:avLst/>
+          </a:prstGeom>
+          <a:solidFill>
+            <a:schemeClr val="tx2"/>
+          </a:solidFill>
+          <a:ln>
+            <a:solidFill>
+              <a:schemeClr val="tx2"/>
+            </a:solidFill>
+          </a:ln>
+        </p:spPr>
+        <p:style>
+          <a:lnRef idx="2">
+            <a:schemeClr val="accent1">
+              <a:shade val="15000"/>
+            </a:schemeClr>
+          </a:lnRef>
+          <a:fillRef idx="1">
+            <a:schemeClr val="accent1"/>
+          </a:fillRef>
+          <a:effectRef idx="0">
+            <a:schemeClr val="accent1"/>
+          </a:effectRef>
+          <a:fontRef idx="minor">
+            <a:schemeClr val="lt1"/>
+          </a:fontRef>
+        </p:style>
+        <p:txBody>
+          <a:bodyPr rtlCol="0" anchor="ctr"/>
+          <a:lstStyle/>
+          <a:p>
+            <a:pPr algn="ctr"/>
+            <a:endParaRPr lang="ko-KR" altLang="en-US"/>
+          </a:p>
+        </p:txBody>
+      </p:sp>
+      <p:grpSp>
+        <p:nvGrpSpPr>
+          <p:cNvPr id="39" name="그룹 38">
+            <a:extLst>
+              <a:ext uri="{FF2B5EF4-FFF2-40B4-BE49-F238E27FC236}">
+                <a16:creationId xmlns:a16="http://schemas.microsoft.com/office/drawing/2014/main" id="{EEC1C95E-8C70-6244-3DA8-0929B384DDC3}"/>
+              </a:ext>
+            </a:extLst>
+          </p:cNvPr>
+          <p:cNvGrpSpPr/>
+          <p:nvPr/>
+        </p:nvGrpSpPr>
+        <p:grpSpPr>
+          <a:xfrm>
+            <a:off x="4943134" y="3314733"/>
+            <a:ext cx="759724" cy="866400"/>
+            <a:chOff x="1803216" y="4681679"/>
+            <a:chExt cx="759724" cy="866400"/>
+          </a:xfrm>
+        </p:grpSpPr>
+        <p:sp>
+          <p:nvSpPr>
+            <p:cNvPr id="40" name="사각형: 잘린 한쪽 모서리 39">
+              <a:extLst>
+                <a:ext uri="{FF2B5EF4-FFF2-40B4-BE49-F238E27FC236}">
+                  <a16:creationId xmlns:a16="http://schemas.microsoft.com/office/drawing/2014/main" id="{013BEE9D-B1C0-B472-5C90-A89D34B3887A}"/>
+                </a:ext>
+              </a:extLst>
+            </p:cNvPr>
+            <p:cNvSpPr/>
+            <p:nvPr/>
+          </p:nvSpPr>
+          <p:spPr>
+            <a:xfrm>
+              <a:off x="1803216" y="4681679"/>
+              <a:ext cx="759724" cy="866400"/>
+            </a:xfrm>
+            <a:prstGeom prst="snip1Rect">
+              <a:avLst>
+                <a:gd name="adj" fmla="val 24772"/>
+              </a:avLst>
+            </a:prstGeom>
+            <a:noFill/>
+            <a:ln>
+              <a:solidFill>
+                <a:schemeClr val="tx1"/>
+              </a:solidFill>
+            </a:ln>
+          </p:spPr>
+          <p:style>
+            <a:lnRef idx="2">
+              <a:schemeClr val="accent1">
+                <a:shade val="50000"/>
+              </a:schemeClr>
+            </a:lnRef>
+            <a:fillRef idx="1">
+              <a:schemeClr val="accent1"/>
+            </a:fillRef>
+            <a:effectRef idx="0">
+              <a:schemeClr val="accent1"/>
+            </a:effectRef>
+            <a:fontRef idx="minor">
+              <a:schemeClr val="lt1"/>
+            </a:fontRef>
+          </p:style>
+          <p:txBody>
+            <a:bodyPr rtlCol="0" anchor="ctr"/>
+            <a:lstStyle/>
+            <a:p>
+              <a:pPr algn="ctr"/>
+              <a:r>
+                <a:rPr lang="en-US" altLang="ko-KR" sz="1200">
+                  <a:solidFill>
+                    <a:schemeClr val="tx1"/>
+                  </a:solidFill>
+                </a:rPr>
+                <a:t>ip.tcl</a:t>
+              </a:r>
+              <a:endParaRPr lang="ko-KR" altLang="en-US" sz="1200" dirty="0">
+                <a:solidFill>
+                  <a:schemeClr val="tx1"/>
+                </a:solidFill>
+              </a:endParaRPr>
+            </a:p>
+          </p:txBody>
+        </p:sp>
+        <p:cxnSp>
+          <p:nvCxnSpPr>
+            <p:cNvPr id="41" name="직선 연결선 40">
+              <a:extLst>
+                <a:ext uri="{FF2B5EF4-FFF2-40B4-BE49-F238E27FC236}">
+                  <a16:creationId xmlns:a16="http://schemas.microsoft.com/office/drawing/2014/main" id="{27BEF9E5-A17C-FE05-D0B4-616F6A1809C7}"/>
+                </a:ext>
+              </a:extLst>
+            </p:cNvPr>
+            <p:cNvCxnSpPr/>
+            <p:nvPr/>
+          </p:nvCxnSpPr>
+          <p:spPr>
+            <a:xfrm>
+              <a:off x="1853619" y="4816463"/>
+              <a:ext cx="576262" cy="0"/>
+            </a:xfrm>
+            <a:prstGeom prst="line">
+              <a:avLst/>
+            </a:prstGeom>
+            <a:ln w="15875"/>
+          </p:spPr>
+          <p:style>
+            <a:lnRef idx="1">
+              <a:schemeClr val="dk1"/>
+            </a:lnRef>
+            <a:fillRef idx="0">
+              <a:schemeClr val="dk1"/>
+            </a:fillRef>
+            <a:effectRef idx="0">
+              <a:schemeClr val="dk1"/>
+            </a:effectRef>
+            <a:fontRef idx="minor">
+              <a:schemeClr val="tx1"/>
+            </a:fontRef>
+          </p:style>
+        </p:cxnSp>
+        <p:cxnSp>
+          <p:nvCxnSpPr>
+            <p:cNvPr id="42" name="직선 연결선 41">
+              <a:extLst>
+                <a:ext uri="{FF2B5EF4-FFF2-40B4-BE49-F238E27FC236}">
+                  <a16:creationId xmlns:a16="http://schemas.microsoft.com/office/drawing/2014/main" id="{F1A36BCB-572E-F6A2-24F6-3026EFAF9B41}"/>
+                </a:ext>
+              </a:extLst>
+            </p:cNvPr>
+            <p:cNvCxnSpPr/>
+            <p:nvPr/>
+          </p:nvCxnSpPr>
+          <p:spPr>
+            <a:xfrm>
+              <a:off x="1853619" y="4912573"/>
+              <a:ext cx="576262" cy="0"/>
+            </a:xfrm>
+            <a:prstGeom prst="line">
+              <a:avLst/>
+            </a:prstGeom>
+            <a:ln w="15875"/>
+          </p:spPr>
+          <p:style>
+            <a:lnRef idx="1">
+              <a:schemeClr val="dk1"/>
+            </a:lnRef>
+            <a:fillRef idx="0">
+              <a:schemeClr val="dk1"/>
+            </a:fillRef>
+            <a:effectRef idx="0">
+              <a:schemeClr val="dk1"/>
+            </a:effectRef>
+            <a:fontRef idx="minor">
+              <a:schemeClr val="tx1"/>
+            </a:fontRef>
+          </p:style>
+        </p:cxnSp>
+        <p:cxnSp>
+          <p:nvCxnSpPr>
+            <p:cNvPr id="43" name="직선 연결선 42">
+              <a:extLst>
+                <a:ext uri="{FF2B5EF4-FFF2-40B4-BE49-F238E27FC236}">
+                  <a16:creationId xmlns:a16="http://schemas.microsoft.com/office/drawing/2014/main" id="{D9F95061-53A5-C696-FCC5-008892BEAFB2}"/>
+                </a:ext>
+              </a:extLst>
+            </p:cNvPr>
+            <p:cNvCxnSpPr/>
+            <p:nvPr/>
+          </p:nvCxnSpPr>
+          <p:spPr>
+            <a:xfrm>
+              <a:off x="1853619" y="5003060"/>
+              <a:ext cx="576262" cy="0"/>
+            </a:xfrm>
+            <a:prstGeom prst="line">
+              <a:avLst/>
+            </a:prstGeom>
+            <a:ln w="15875"/>
+          </p:spPr>
+          <p:style>
+            <a:lnRef idx="1">
+              <a:schemeClr val="dk1"/>
+            </a:lnRef>
+            <a:fillRef idx="0">
+              <a:schemeClr val="dk1"/>
+            </a:fillRef>
+            <a:effectRef idx="0">
+              <a:schemeClr val="dk1"/>
+            </a:effectRef>
+            <a:fontRef idx="minor">
+              <a:schemeClr val="tx1"/>
+            </a:fontRef>
+          </p:style>
+        </p:cxnSp>
+      </p:grpSp>
+      <p:grpSp>
+        <p:nvGrpSpPr>
+          <p:cNvPr id="44" name="그룹 43">
+            <a:extLst>
+              <a:ext uri="{FF2B5EF4-FFF2-40B4-BE49-F238E27FC236}">
+                <a16:creationId xmlns:a16="http://schemas.microsoft.com/office/drawing/2014/main" id="{D8B6060A-11DC-9CF7-8076-0D2FABBAC44B}"/>
+              </a:ext>
+            </a:extLst>
+          </p:cNvPr>
+          <p:cNvGrpSpPr/>
+          <p:nvPr/>
+        </p:nvGrpSpPr>
+        <p:grpSpPr>
+          <a:xfrm>
+            <a:off x="9434897" y="5538946"/>
+            <a:ext cx="759724" cy="866400"/>
+            <a:chOff x="1803216" y="4681679"/>
+            <a:chExt cx="759724" cy="866400"/>
+          </a:xfrm>
+        </p:grpSpPr>
+        <p:sp>
+          <p:nvSpPr>
+            <p:cNvPr id="45" name="사각형: 잘린 한쪽 모서리 44">
+              <a:extLst>
+                <a:ext uri="{FF2B5EF4-FFF2-40B4-BE49-F238E27FC236}">
+                  <a16:creationId xmlns:a16="http://schemas.microsoft.com/office/drawing/2014/main" id="{433F667D-40B7-D05E-CB95-80029D6B7763}"/>
+                </a:ext>
+              </a:extLst>
+            </p:cNvPr>
+            <p:cNvSpPr/>
+            <p:nvPr/>
+          </p:nvSpPr>
+          <p:spPr>
+            <a:xfrm>
+              <a:off x="1803216" y="4681679"/>
+              <a:ext cx="759724" cy="866400"/>
+            </a:xfrm>
+            <a:prstGeom prst="snip1Rect">
+              <a:avLst>
+                <a:gd name="adj" fmla="val 24772"/>
+              </a:avLst>
+            </a:prstGeom>
+            <a:noFill/>
+            <a:ln>
+              <a:solidFill>
+                <a:schemeClr val="tx1"/>
+              </a:solidFill>
+            </a:ln>
+          </p:spPr>
+          <p:style>
+            <a:lnRef idx="2">
+              <a:schemeClr val="accent1">
+                <a:shade val="50000"/>
+              </a:schemeClr>
+            </a:lnRef>
+            <a:fillRef idx="1">
+              <a:schemeClr val="accent1"/>
+            </a:fillRef>
+            <a:effectRef idx="0">
+              <a:schemeClr val="accent1"/>
+            </a:effectRef>
+            <a:fontRef idx="minor">
+              <a:schemeClr val="lt1"/>
+            </a:fontRef>
+          </p:style>
+          <p:txBody>
+            <a:bodyPr rtlCol="0" anchor="ctr"/>
+            <a:lstStyle/>
+            <a:p>
+              <a:pPr algn="ctr"/>
+              <a:r>
+                <a:rPr lang="en-US" altLang="ko-KR" sz="1200">
+                  <a:solidFill>
+                    <a:schemeClr val="tx1"/>
+                  </a:solidFill>
+                </a:rPr>
+                <a:t>ip.xpr</a:t>
+              </a:r>
+              <a:endParaRPr lang="ko-KR" altLang="en-US" sz="1200" dirty="0">
+                <a:solidFill>
+                  <a:schemeClr val="tx1"/>
+                </a:solidFill>
+              </a:endParaRPr>
+            </a:p>
+          </p:txBody>
+        </p:sp>
+        <p:cxnSp>
+          <p:nvCxnSpPr>
+            <p:cNvPr id="46" name="직선 연결선 45">
+              <a:extLst>
+                <a:ext uri="{FF2B5EF4-FFF2-40B4-BE49-F238E27FC236}">
+                  <a16:creationId xmlns:a16="http://schemas.microsoft.com/office/drawing/2014/main" id="{0C0C763B-B4CE-0C75-1C65-9B44771A606C}"/>
+                </a:ext>
+              </a:extLst>
+            </p:cNvPr>
+            <p:cNvCxnSpPr/>
+            <p:nvPr/>
+          </p:nvCxnSpPr>
+          <p:spPr>
+            <a:xfrm>
+              <a:off x="1853619" y="4816463"/>
+              <a:ext cx="576262" cy="0"/>
+            </a:xfrm>
+            <a:prstGeom prst="line">
+              <a:avLst/>
+            </a:prstGeom>
+            <a:ln w="15875"/>
+          </p:spPr>
+          <p:style>
+            <a:lnRef idx="1">
+              <a:schemeClr val="dk1"/>
+            </a:lnRef>
+            <a:fillRef idx="0">
+              <a:schemeClr val="dk1"/>
+            </a:fillRef>
+            <a:effectRef idx="0">
+              <a:schemeClr val="dk1"/>
+            </a:effectRef>
+            <a:fontRef idx="minor">
+              <a:schemeClr val="tx1"/>
+            </a:fontRef>
+          </p:style>
+        </p:cxnSp>
+        <p:cxnSp>
+          <p:nvCxnSpPr>
+            <p:cNvPr id="47" name="직선 연결선 46">
+              <a:extLst>
+                <a:ext uri="{FF2B5EF4-FFF2-40B4-BE49-F238E27FC236}">
+                  <a16:creationId xmlns:a16="http://schemas.microsoft.com/office/drawing/2014/main" id="{D73F8116-9213-933D-321E-1A9EF70DEF80}"/>
+                </a:ext>
+              </a:extLst>
+            </p:cNvPr>
+            <p:cNvCxnSpPr/>
+            <p:nvPr/>
+          </p:nvCxnSpPr>
+          <p:spPr>
+            <a:xfrm>
+              <a:off x="1853619" y="4912573"/>
+              <a:ext cx="576262" cy="0"/>
+            </a:xfrm>
+            <a:prstGeom prst="line">
+              <a:avLst/>
+            </a:prstGeom>
+            <a:ln w="15875"/>
+          </p:spPr>
+          <p:style>
+            <a:lnRef idx="1">
+              <a:schemeClr val="dk1"/>
+            </a:lnRef>
+            <a:fillRef idx="0">
+              <a:schemeClr val="dk1"/>
+            </a:fillRef>
+            <a:effectRef idx="0">
+              <a:schemeClr val="dk1"/>
+            </a:effectRef>
+            <a:fontRef idx="minor">
+              <a:schemeClr val="tx1"/>
+            </a:fontRef>
+          </p:style>
+        </p:cxnSp>
+        <p:cxnSp>
+          <p:nvCxnSpPr>
+            <p:cNvPr id="48" name="직선 연결선 47">
+              <a:extLst>
+                <a:ext uri="{FF2B5EF4-FFF2-40B4-BE49-F238E27FC236}">
+                  <a16:creationId xmlns:a16="http://schemas.microsoft.com/office/drawing/2014/main" id="{FA25D729-FC69-194B-963C-3BA3ED4079C2}"/>
+                </a:ext>
+              </a:extLst>
+            </p:cNvPr>
+            <p:cNvCxnSpPr/>
+            <p:nvPr/>
+          </p:nvCxnSpPr>
+          <p:spPr>
+            <a:xfrm>
+              <a:off x="1853619" y="5003060"/>
+              <a:ext cx="576262" cy="0"/>
+            </a:xfrm>
+            <a:prstGeom prst="line">
+              <a:avLst/>
+            </a:prstGeom>
+            <a:ln w="15875"/>
+          </p:spPr>
+          <p:style>
+            <a:lnRef idx="1">
+              <a:schemeClr val="dk1"/>
+            </a:lnRef>
+            <a:fillRef idx="0">
+              <a:schemeClr val="dk1"/>
+            </a:fillRef>
+            <a:effectRef idx="0">
+              <a:schemeClr val="dk1"/>
+            </a:effectRef>
+            <a:fontRef idx="minor">
+              <a:schemeClr val="tx1"/>
+            </a:fontRef>
+          </p:style>
+        </p:cxnSp>
+      </p:grpSp>
+      <p:sp>
+        <p:nvSpPr>
+          <p:cNvPr id="49" name="화살표: 아래쪽 48">
+            <a:extLst>
+              <a:ext uri="{FF2B5EF4-FFF2-40B4-BE49-F238E27FC236}">
+                <a16:creationId xmlns:a16="http://schemas.microsoft.com/office/drawing/2014/main" id="{BD752CC2-98CD-DDEC-BE80-E2EB8D74DEA1}"/>
+              </a:ext>
+            </a:extLst>
+          </p:cNvPr>
+          <p:cNvSpPr/>
+          <p:nvPr/>
+        </p:nvSpPr>
+        <p:spPr>
+          <a:xfrm rot="16200000">
+            <a:off x="4364683" y="3567912"/>
+            <a:ext cx="459298" cy="491227"/>
+          </a:xfrm>
+          <a:prstGeom prst="downArrow">
+            <a:avLst/>
+          </a:prstGeom>
+          <a:solidFill>
+            <a:schemeClr val="tx2"/>
+          </a:solidFill>
+          <a:ln>
+            <a:solidFill>
+              <a:schemeClr val="tx2"/>
+            </a:solidFill>
+          </a:ln>
+        </p:spPr>
+        <p:style>
+          <a:lnRef idx="2">
+            <a:schemeClr val="accent1">
+              <a:shade val="15000"/>
+            </a:schemeClr>
+          </a:lnRef>
+          <a:fillRef idx="1">
+            <a:schemeClr val="accent1"/>
+          </a:fillRef>
+          <a:effectRef idx="0">
+            <a:schemeClr val="accent1"/>
+          </a:effectRef>
+          <a:fontRef idx="minor">
+            <a:schemeClr val="lt1"/>
+          </a:fontRef>
+        </p:style>
+        <p:txBody>
+          <a:bodyPr rtlCol="0" anchor="ctr"/>
+          <a:lstStyle/>
+          <a:p>
+            <a:pPr algn="ctr"/>
+            <a:endParaRPr lang="ko-KR" altLang="en-US"/>
+          </a:p>
+        </p:txBody>
+      </p:sp>
+      <p:sp>
+        <p:nvSpPr>
+          <p:cNvPr id="50" name="화살표: 아래쪽 49">
+            <a:extLst>
+              <a:ext uri="{FF2B5EF4-FFF2-40B4-BE49-F238E27FC236}">
+                <a16:creationId xmlns:a16="http://schemas.microsoft.com/office/drawing/2014/main" id="{B3357E3E-70A1-89E8-3511-4360094A5421}"/>
+              </a:ext>
+            </a:extLst>
+          </p:cNvPr>
+          <p:cNvSpPr/>
+          <p:nvPr/>
+        </p:nvSpPr>
+        <p:spPr>
+          <a:xfrm rot="16200000">
+            <a:off x="6254997" y="3567912"/>
+            <a:ext cx="459298" cy="491227"/>
+          </a:xfrm>
+          <a:prstGeom prst="downArrow">
+            <a:avLst/>
+          </a:prstGeom>
+          <a:solidFill>
+            <a:schemeClr val="tx2"/>
+          </a:solidFill>
+          <a:ln>
+            <a:solidFill>
+              <a:schemeClr val="tx2"/>
+            </a:solidFill>
+          </a:ln>
+        </p:spPr>
+        <p:style>
+          <a:lnRef idx="2">
+            <a:schemeClr val="accent1">
+              <a:shade val="15000"/>
+            </a:schemeClr>
+          </a:lnRef>
+          <a:fillRef idx="1">
+            <a:schemeClr val="accent1"/>
+          </a:fillRef>
+          <a:effectRef idx="0">
+            <a:schemeClr val="accent1"/>
+          </a:effectRef>
+          <a:fontRef idx="minor">
+            <a:schemeClr val="lt1"/>
+          </a:fontRef>
+        </p:style>
+        <p:txBody>
+          <a:bodyPr rtlCol="0" anchor="ctr"/>
+          <a:lstStyle/>
+          <a:p>
+            <a:pPr algn="ctr"/>
+            <a:endParaRPr lang="ko-KR" altLang="en-US"/>
+          </a:p>
+        </p:txBody>
+      </p:sp>
+      <p:pic>
+        <p:nvPicPr>
+          <p:cNvPr id="1026" name="Picture 2" descr="비바도 리눅스 환경 설치 후 실행 법">
+            <a:extLst>
+              <a:ext uri="{FF2B5EF4-FFF2-40B4-BE49-F238E27FC236}">
+                <a16:creationId xmlns:a16="http://schemas.microsoft.com/office/drawing/2014/main" id="{06D472DA-6E84-8617-8E86-37A1D3DEA59C}"/>
+              </a:ext>
+            </a:extLst>
+          </p:cNvPr>
+          <p:cNvPicPr>
+            <a:picLocks noChangeAspect="1" noChangeArrowheads="1"/>
+          </p:cNvPicPr>
+          <p:nvPr/>
+        </p:nvPicPr>
+        <p:blipFill>
+          <a:blip r:embed="rId3">
+            <a:extLst>
+              <a:ext uri="{28A0092B-C50C-407E-A947-70E740481C1C}">
+                <a14:useLocalDpi xmlns:a14="http://schemas.microsoft.com/office/drawing/2010/main" val="0"/>
+              </a:ext>
+            </a:extLst>
+          </a:blip>
+          <a:srcRect/>
+          <a:stretch>
+            <a:fillRect/>
+          </a:stretch>
+        </p:blipFill>
+        <p:spPr bwMode="auto">
+          <a:xfrm>
+            <a:off x="6876872" y="3431054"/>
+            <a:ext cx="1713971" cy="559399"/>
+          </a:xfrm>
+          <a:prstGeom prst="rect">
+            <a:avLst/>
+          </a:prstGeom>
+          <a:noFill/>
+          <a:extLst>
+            <a:ext uri="{909E8E84-426E-40DD-AFC4-6F175D3DCCD1}">
+              <a14:hiddenFill xmlns:a14="http://schemas.microsoft.com/office/drawing/2010/main">
+                <a:solidFill>
+                  <a:srgbClr val="FFFFFF"/>
+                </a:solidFill>
+              </a14:hiddenFill>
+            </a:ext>
+          </a:extLst>
+        </p:spPr>
+      </p:pic>
+      <p:sp>
+        <p:nvSpPr>
+          <p:cNvPr id="51" name="TextBox 50">
+            <a:extLst>
+              <a:ext uri="{FF2B5EF4-FFF2-40B4-BE49-F238E27FC236}">
+                <a16:creationId xmlns:a16="http://schemas.microsoft.com/office/drawing/2014/main" id="{B112A422-0147-BD44-17E1-F89151B903A7}"/>
+              </a:ext>
+            </a:extLst>
+          </p:cNvPr>
+          <p:cNvSpPr txBox="1"/>
+          <p:nvPr/>
+        </p:nvSpPr>
+        <p:spPr>
+          <a:xfrm>
+            <a:off x="5481064" y="4195913"/>
+            <a:ext cx="2165786" cy="369332"/>
+          </a:xfrm>
+          <a:prstGeom prst="rect">
+            <a:avLst/>
+          </a:prstGeom>
+          <a:noFill/>
+        </p:spPr>
+        <p:txBody>
+          <a:bodyPr wrap="none" rtlCol="0">
+            <a:spAutoFit/>
+          </a:bodyPr>
+          <a:lstStyle/>
+          <a:p>
+            <a:pPr algn="ctr"/>
+            <a:r>
+              <a:rPr lang="en-US" altLang="ko-KR"/>
+              <a:t>Call Vivado in python</a:t>
+            </a:r>
+            <a:endParaRPr lang="ko-KR" altLang="en-US"/>
+          </a:p>
+        </p:txBody>
+      </p:sp>
+    </p:spTree>
+    <p:extLst>
+      <p:ext uri="{BB962C8B-B14F-4D97-AF65-F5344CB8AC3E}">
+        <p14:creationId xmlns:p14="http://schemas.microsoft.com/office/powerpoint/2010/main" val="3977183687"/>
+      </p:ext>
+    </p:extLst>
+  </p:cSld>
+  <p:clrMapOvr>
+    <a:masterClrMapping/>
+  </p:clrMapOvr>
+</p:sld>
+</file>
+
+<file path=ppt/slides/slide8.xml><?xml version="1.0" encoding="utf-8"?>
+<p:sld xmlns:a="http://schemas.openxmlformats.org/drawingml/2006/main" xmlns:r="http://schemas.openxmlformats.org/officeDocument/2006/relationships" xmlns:p="http://schemas.openxmlformats.org/presentationml/2006/main">
+  <p:cSld>
+    <p:spTree>
+      <p:nvGrpSpPr>
+        <p:cNvPr id="1" name=""/>
+        <p:cNvGrpSpPr/>
+        <p:nvPr/>
+      </p:nvGrpSpPr>
+      <p:grpSpPr>
+        <a:xfrm>
+          <a:off x="0" y="0"/>
+          <a:ext cx="0" cy="0"/>
+          <a:chOff x="0" y="0"/>
+          <a:chExt cx="0" cy="0"/>
+        </a:xfrm>
+      </p:grpSpPr>
+      <p:sp>
+        <p:nvSpPr>
+          <p:cNvPr id="2" name="제목 1">
+            <a:extLst>
+              <a:ext uri="{FF2B5EF4-FFF2-40B4-BE49-F238E27FC236}">
+                <a16:creationId xmlns:a16="http://schemas.microsoft.com/office/drawing/2014/main" id="{44F4DE17-88C9-271B-8E67-9BB5ACE567FE}"/>
+              </a:ext>
+            </a:extLst>
+          </p:cNvPr>
+          <p:cNvSpPr>
+            <a:spLocks noGrp="1"/>
+          </p:cNvSpPr>
+          <p:nvPr>
+            <p:ph type="title"/>
+          </p:nvPr>
+        </p:nvSpPr>
+        <p:spPr/>
+        <p:txBody>
+          <a:bodyPr/>
+          <a:lstStyle/>
+          <a:p>
+            <a:r>
+              <a:rPr lang="en-US" altLang="ko-KR"/>
+              <a:t>Block Design Creation</a:t>
+            </a:r>
+            <a:endParaRPr lang="ko-KR" altLang="en-US"/>
+          </a:p>
+        </p:txBody>
+      </p:sp>
+      <p:sp>
+        <p:nvSpPr>
+          <p:cNvPr id="4" name="날짜 개체 틀 3">
+            <a:extLst>
+              <a:ext uri="{FF2B5EF4-FFF2-40B4-BE49-F238E27FC236}">
+                <a16:creationId xmlns:a16="http://schemas.microsoft.com/office/drawing/2014/main" id="{BF4BD4B3-4DD2-21A5-A25A-DB9ED0F9E0E5}"/>
+              </a:ext>
+            </a:extLst>
+          </p:cNvPr>
+          <p:cNvSpPr>
+            <a:spLocks noGrp="1"/>
+          </p:cNvSpPr>
+          <p:nvPr>
+            <p:ph type="dt" sz="half" idx="10"/>
+          </p:nvPr>
+        </p:nvSpPr>
+        <p:spPr/>
+        <p:txBody>
+          <a:bodyPr/>
+          <a:lstStyle/>
+          <a:p>
+            <a:r>
+              <a:rPr kumimoji="1" lang="en-US" altLang="ko-KR">
+                <a:ea typeface="Verdana" panose="020B0604030504040204" pitchFamily="34" charset="0"/>
+              </a:rPr>
+              <a:t>2023. 3. 29.</a:t>
+            </a:r>
+            <a:endParaRPr kumimoji="1" lang="ko-Kore-KR" altLang="en-US" dirty="0"/>
+          </a:p>
+        </p:txBody>
+      </p:sp>
+      <p:pic>
+        <p:nvPicPr>
+          <p:cNvPr id="6" name="그림 5">
+            <a:extLst>
+              <a:ext uri="{FF2B5EF4-FFF2-40B4-BE49-F238E27FC236}">
+                <a16:creationId xmlns:a16="http://schemas.microsoft.com/office/drawing/2014/main" id="{0D24897E-5209-B838-75A1-985B17362C54}"/>
+              </a:ext>
+            </a:extLst>
+          </p:cNvPr>
+          <p:cNvPicPr>
+            <a:picLocks noChangeAspect="1"/>
+          </p:cNvPicPr>
+          <p:nvPr/>
+        </p:nvPicPr>
+        <p:blipFill>
+          <a:blip r:embed="rId2"/>
+          <a:stretch>
+            <a:fillRect/>
+          </a:stretch>
+        </p:blipFill>
+        <p:spPr>
+          <a:xfrm>
+            <a:off x="85344" y="1622589"/>
+            <a:ext cx="5565374" cy="4158310"/>
+          </a:xfrm>
+          <a:prstGeom prst="rect">
+            <a:avLst/>
+          </a:prstGeom>
+        </p:spPr>
+      </p:pic>
+      <p:grpSp>
+        <p:nvGrpSpPr>
+          <p:cNvPr id="7" name="그룹 6">
+            <a:extLst>
+              <a:ext uri="{FF2B5EF4-FFF2-40B4-BE49-F238E27FC236}">
+                <a16:creationId xmlns:a16="http://schemas.microsoft.com/office/drawing/2014/main" id="{36D58A9C-89B8-7B7D-CD21-187AD7ECD927}"/>
+              </a:ext>
+            </a:extLst>
+          </p:cNvPr>
+          <p:cNvGrpSpPr/>
+          <p:nvPr/>
+        </p:nvGrpSpPr>
+        <p:grpSpPr>
+          <a:xfrm>
+            <a:off x="8089599" y="1342274"/>
+            <a:ext cx="900113" cy="714375"/>
+            <a:chOff x="1600200" y="5600700"/>
+            <a:chExt cx="900113" cy="714375"/>
+          </a:xfrm>
+        </p:grpSpPr>
+        <p:sp>
+          <p:nvSpPr>
+            <p:cNvPr id="8" name="사각형: 잘린 한쪽 모서리 7">
+              <a:extLst>
+                <a:ext uri="{FF2B5EF4-FFF2-40B4-BE49-F238E27FC236}">
+                  <a16:creationId xmlns:a16="http://schemas.microsoft.com/office/drawing/2014/main" id="{6B636981-7CA2-4806-A6A2-24AF08E8E524}"/>
+                </a:ext>
+              </a:extLst>
+            </p:cNvPr>
+            <p:cNvSpPr/>
+            <p:nvPr/>
+          </p:nvSpPr>
+          <p:spPr>
+            <a:xfrm>
+              <a:off x="1600200" y="5631475"/>
+              <a:ext cx="452438" cy="452438"/>
+            </a:xfrm>
+            <a:prstGeom prst="snip1Rect">
+              <a:avLst/>
+            </a:prstGeom>
+            <a:solidFill>
+              <a:schemeClr val="accent4">
+                <a:lumMod val="75000"/>
+              </a:schemeClr>
+            </a:solidFill>
+            <a:ln>
+              <a:solidFill>
+                <a:schemeClr val="tx1"/>
+              </a:solidFill>
+            </a:ln>
+          </p:spPr>
+          <p:style>
+            <a:lnRef idx="2">
+              <a:schemeClr val="accent1">
+                <a:shade val="50000"/>
+              </a:schemeClr>
+            </a:lnRef>
+            <a:fillRef idx="1">
+              <a:schemeClr val="accent1"/>
+            </a:fillRef>
+            <a:effectRef idx="0">
+              <a:schemeClr val="accent1"/>
+            </a:effectRef>
+            <a:fontRef idx="minor">
+              <a:schemeClr val="lt1"/>
+            </a:fontRef>
+          </p:style>
+          <p:txBody>
+            <a:bodyPr rtlCol="0" anchor="ctr"/>
+            <a:lstStyle/>
+            <a:p>
+              <a:pPr algn="ctr"/>
+              <a:endParaRPr lang="ko-KR" altLang="en-US" sz="1200">
+                <a:solidFill>
+                  <a:schemeClr val="tx1"/>
+                </a:solidFill>
+              </a:endParaRPr>
+            </a:p>
+          </p:txBody>
+        </p:sp>
+        <p:sp>
+          <p:nvSpPr>
+            <p:cNvPr id="9" name="자유형: 도형 8">
+              <a:extLst>
+                <a:ext uri="{FF2B5EF4-FFF2-40B4-BE49-F238E27FC236}">
+                  <a16:creationId xmlns:a16="http://schemas.microsoft.com/office/drawing/2014/main" id="{46949507-BC44-3E57-3CC5-B6B306D087B1}"/>
+                </a:ext>
+              </a:extLst>
+            </p:cNvPr>
+            <p:cNvSpPr/>
+            <p:nvPr/>
+          </p:nvSpPr>
+          <p:spPr>
+            <a:xfrm>
+              <a:off x="1600201" y="5600700"/>
+              <a:ext cx="900112" cy="714375"/>
+            </a:xfrm>
+            <a:custGeom>
+              <a:avLst/>
+              <a:gdLst>
+                <a:gd name="connsiteX0" fmla="*/ 533400 w 900112"/>
+                <a:gd name="connsiteY0" fmla="*/ 0 h 714375"/>
+                <a:gd name="connsiteX1" fmla="*/ 388143 w 900112"/>
+                <a:gd name="connsiteY1" fmla="*/ 145257 h 714375"/>
+                <a:gd name="connsiteX2" fmla="*/ 0 w 900112"/>
+                <a:gd name="connsiteY2" fmla="*/ 145257 h 714375"/>
+                <a:gd name="connsiteX3" fmla="*/ 0 w 900112"/>
+                <a:gd name="connsiteY3" fmla="*/ 714375 h 714375"/>
+                <a:gd name="connsiteX4" fmla="*/ 900112 w 900112"/>
+                <a:gd name="connsiteY4" fmla="*/ 714375 h 714375"/>
+                <a:gd name="connsiteX5" fmla="*/ 900112 w 900112"/>
+                <a:gd name="connsiteY5" fmla="*/ 4763 h 714375"/>
+                <a:gd name="connsiteX6" fmla="*/ 533400 w 900112"/>
+                <a:gd name="connsiteY6" fmla="*/ 0 h 714375"/>
+              </a:gdLst>
+              <a:ahLst/>
+              <a:cxnLst>
+                <a:cxn ang="0">
+                  <a:pos x="connsiteX0" y="connsiteY0"/>
+                </a:cxn>
+                <a:cxn ang="0">
+                  <a:pos x="connsiteX1" y="connsiteY1"/>
+                </a:cxn>
+                <a:cxn ang="0">
+                  <a:pos x="connsiteX2" y="connsiteY2"/>
+                </a:cxn>
+                <a:cxn ang="0">
+                  <a:pos x="connsiteX3" y="connsiteY3"/>
+                </a:cxn>
+                <a:cxn ang="0">
+                  <a:pos x="connsiteX4" y="connsiteY4"/>
+                </a:cxn>
+                <a:cxn ang="0">
+                  <a:pos x="connsiteX5" y="connsiteY5"/>
+                </a:cxn>
+                <a:cxn ang="0">
+                  <a:pos x="connsiteX6" y="connsiteY6"/>
+                </a:cxn>
+              </a:cxnLst>
+              <a:rect l="l" t="t" r="r" b="b"/>
+              <a:pathLst>
+                <a:path w="900112" h="714375">
+                  <a:moveTo>
+                    <a:pt x="533400" y="0"/>
+                  </a:moveTo>
+                  <a:lnTo>
+                    <a:pt x="388143" y="145257"/>
+                  </a:lnTo>
+                  <a:lnTo>
+                    <a:pt x="0" y="145257"/>
+                  </a:lnTo>
+                  <a:lnTo>
+                    <a:pt x="0" y="714375"/>
+                  </a:lnTo>
+                  <a:lnTo>
+                    <a:pt x="900112" y="714375"/>
+                  </a:lnTo>
+                  <a:lnTo>
+                    <a:pt x="900112" y="4763"/>
+                  </a:lnTo>
+                  <a:lnTo>
+                    <a:pt x="533400" y="0"/>
+                  </a:lnTo>
+                  <a:close/>
+                </a:path>
+              </a:pathLst>
+            </a:custGeom>
+            <a:solidFill>
+              <a:schemeClr val="accent4">
+                <a:lumMod val="60000"/>
+                <a:lumOff val="40000"/>
+              </a:schemeClr>
+            </a:solidFill>
+            <a:ln>
+              <a:solidFill>
+                <a:schemeClr val="tx1"/>
+              </a:solidFill>
+            </a:ln>
+          </p:spPr>
+          <p:style>
+            <a:lnRef idx="2">
+              <a:schemeClr val="accent1">
+                <a:shade val="50000"/>
+              </a:schemeClr>
+            </a:lnRef>
+            <a:fillRef idx="1">
+              <a:schemeClr val="accent1"/>
+            </a:fillRef>
+            <a:effectRef idx="0">
+              <a:schemeClr val="accent1"/>
+            </a:effectRef>
+            <a:fontRef idx="minor">
+              <a:schemeClr val="lt1"/>
+            </a:fontRef>
+          </p:style>
+          <p:txBody>
+            <a:bodyPr rtlCol="0" anchor="ctr"/>
+            <a:lstStyle/>
+            <a:p>
+              <a:pPr algn="ctr"/>
+              <a:endParaRPr lang="en-US" altLang="ko-KR" sz="1200" dirty="0">
+                <a:solidFill>
+                  <a:schemeClr val="tx1"/>
+                </a:solidFill>
+              </a:endParaRPr>
+            </a:p>
+            <a:p>
+              <a:pPr algn="ctr"/>
+              <a:r>
+                <a:rPr lang="en-US" altLang="ko-KR" sz="1200">
+                  <a:solidFill>
+                    <a:schemeClr val="tx1"/>
+                  </a:solidFill>
+                </a:rPr>
+                <a:t>/main_dir</a:t>
+              </a:r>
+              <a:endParaRPr lang="ko-KR" altLang="en-US" sz="1200" dirty="0">
+                <a:solidFill>
+                  <a:schemeClr val="tx1"/>
+                </a:solidFill>
+              </a:endParaRPr>
+            </a:p>
+          </p:txBody>
+        </p:sp>
+      </p:grpSp>
+      <p:grpSp>
+        <p:nvGrpSpPr>
+          <p:cNvPr id="10" name="그룹 9">
+            <a:extLst>
+              <a:ext uri="{FF2B5EF4-FFF2-40B4-BE49-F238E27FC236}">
+                <a16:creationId xmlns:a16="http://schemas.microsoft.com/office/drawing/2014/main" id="{DDB390AC-59B2-ACA3-0A26-91FE6D40CEDD}"/>
+              </a:ext>
+            </a:extLst>
+          </p:cNvPr>
+          <p:cNvGrpSpPr/>
+          <p:nvPr/>
+        </p:nvGrpSpPr>
+        <p:grpSpPr>
+          <a:xfrm>
+            <a:off x="8159794" y="2384755"/>
+            <a:ext cx="759724" cy="866400"/>
+            <a:chOff x="1803216" y="4681679"/>
+            <a:chExt cx="759724" cy="866400"/>
+          </a:xfrm>
+        </p:grpSpPr>
+        <p:sp>
+          <p:nvSpPr>
+            <p:cNvPr id="11" name="사각형: 잘린 한쪽 모서리 10">
+              <a:extLst>
+                <a:ext uri="{FF2B5EF4-FFF2-40B4-BE49-F238E27FC236}">
+                  <a16:creationId xmlns:a16="http://schemas.microsoft.com/office/drawing/2014/main" id="{EE408B63-9426-B20E-D6B8-079A3F5058B0}"/>
+                </a:ext>
+              </a:extLst>
+            </p:cNvPr>
+            <p:cNvSpPr/>
+            <p:nvPr/>
+          </p:nvSpPr>
+          <p:spPr>
+            <a:xfrm>
+              <a:off x="1803216" y="4681679"/>
+              <a:ext cx="759724" cy="866400"/>
+            </a:xfrm>
+            <a:prstGeom prst="snip1Rect">
+              <a:avLst>
+                <a:gd name="adj" fmla="val 24772"/>
+              </a:avLst>
+            </a:prstGeom>
+            <a:noFill/>
+            <a:ln>
+              <a:solidFill>
+                <a:schemeClr val="tx1"/>
+              </a:solidFill>
+            </a:ln>
+          </p:spPr>
+          <p:style>
+            <a:lnRef idx="2">
+              <a:schemeClr val="accent1">
+                <a:shade val="50000"/>
+              </a:schemeClr>
+            </a:lnRef>
+            <a:fillRef idx="1">
+              <a:schemeClr val="accent1"/>
+            </a:fillRef>
+            <a:effectRef idx="0">
+              <a:schemeClr val="accent1"/>
+            </a:effectRef>
+            <a:fontRef idx="minor">
+              <a:schemeClr val="lt1"/>
+            </a:fontRef>
+          </p:style>
+          <p:txBody>
+            <a:bodyPr rtlCol="0" anchor="ctr"/>
+            <a:lstStyle/>
+            <a:p>
+              <a:pPr algn="ctr"/>
+              <a:r>
+                <a:rPr lang="en-US" altLang="ko-KR" sz="1200">
+                  <a:solidFill>
+                    <a:schemeClr val="tx1"/>
+                  </a:solidFill>
+                </a:rPr>
+                <a:t>ip3.xdc</a:t>
+              </a:r>
+              <a:endParaRPr lang="ko-KR" altLang="en-US" sz="1200" dirty="0">
+                <a:solidFill>
+                  <a:schemeClr val="tx1"/>
+                </a:solidFill>
+              </a:endParaRPr>
+            </a:p>
+          </p:txBody>
+        </p:sp>
+        <p:cxnSp>
+          <p:nvCxnSpPr>
+            <p:cNvPr id="12" name="직선 연결선 11">
+              <a:extLst>
+                <a:ext uri="{FF2B5EF4-FFF2-40B4-BE49-F238E27FC236}">
+                  <a16:creationId xmlns:a16="http://schemas.microsoft.com/office/drawing/2014/main" id="{EAE5F552-82BD-6BE9-8F2D-450D067C361B}"/>
+                </a:ext>
+              </a:extLst>
+            </p:cNvPr>
+            <p:cNvCxnSpPr/>
+            <p:nvPr/>
+          </p:nvCxnSpPr>
+          <p:spPr>
+            <a:xfrm>
+              <a:off x="1853619" y="4816463"/>
+              <a:ext cx="576262" cy="0"/>
+            </a:xfrm>
+            <a:prstGeom prst="line">
+              <a:avLst/>
+            </a:prstGeom>
+            <a:ln w="15875"/>
+          </p:spPr>
+          <p:style>
+            <a:lnRef idx="1">
+              <a:schemeClr val="dk1"/>
+            </a:lnRef>
+            <a:fillRef idx="0">
+              <a:schemeClr val="dk1"/>
+            </a:fillRef>
+            <a:effectRef idx="0">
+              <a:schemeClr val="dk1"/>
+            </a:effectRef>
+            <a:fontRef idx="minor">
+              <a:schemeClr val="tx1"/>
+            </a:fontRef>
+          </p:style>
+        </p:cxnSp>
+        <p:cxnSp>
+          <p:nvCxnSpPr>
+            <p:cNvPr id="13" name="직선 연결선 12">
+              <a:extLst>
+                <a:ext uri="{FF2B5EF4-FFF2-40B4-BE49-F238E27FC236}">
+                  <a16:creationId xmlns:a16="http://schemas.microsoft.com/office/drawing/2014/main" id="{4DB07635-4AE2-8B76-0B49-5DE9E5127CCD}"/>
+                </a:ext>
+              </a:extLst>
+            </p:cNvPr>
+            <p:cNvCxnSpPr/>
+            <p:nvPr/>
+          </p:nvCxnSpPr>
+          <p:spPr>
+            <a:xfrm>
+              <a:off x="1853619" y="4912573"/>
+              <a:ext cx="576262" cy="0"/>
+            </a:xfrm>
+            <a:prstGeom prst="line">
+              <a:avLst/>
+            </a:prstGeom>
+            <a:ln w="15875"/>
+          </p:spPr>
+          <p:style>
+            <a:lnRef idx="1">
+              <a:schemeClr val="dk1"/>
+            </a:lnRef>
+            <a:fillRef idx="0">
+              <a:schemeClr val="dk1"/>
+            </a:fillRef>
+            <a:effectRef idx="0">
+              <a:schemeClr val="dk1"/>
+            </a:effectRef>
+            <a:fontRef idx="minor">
+              <a:schemeClr val="tx1"/>
+            </a:fontRef>
+          </p:style>
+        </p:cxnSp>
+        <p:cxnSp>
+          <p:nvCxnSpPr>
+            <p:cNvPr id="14" name="직선 연결선 13">
+              <a:extLst>
+                <a:ext uri="{FF2B5EF4-FFF2-40B4-BE49-F238E27FC236}">
+                  <a16:creationId xmlns:a16="http://schemas.microsoft.com/office/drawing/2014/main" id="{EB9136CA-F565-F155-D92D-455C53A66DA8}"/>
+                </a:ext>
+              </a:extLst>
+            </p:cNvPr>
+            <p:cNvCxnSpPr/>
+            <p:nvPr/>
+          </p:nvCxnSpPr>
+          <p:spPr>
+            <a:xfrm>
+              <a:off x="1853619" y="5003060"/>
+              <a:ext cx="576262" cy="0"/>
+            </a:xfrm>
+            <a:prstGeom prst="line">
+              <a:avLst/>
+            </a:prstGeom>
+            <a:ln w="15875"/>
+          </p:spPr>
+          <p:style>
+            <a:lnRef idx="1">
+              <a:schemeClr val="dk1"/>
+            </a:lnRef>
+            <a:fillRef idx="0">
+              <a:schemeClr val="dk1"/>
+            </a:fillRef>
+            <a:effectRef idx="0">
+              <a:schemeClr val="dk1"/>
+            </a:effectRef>
+            <a:fontRef idx="minor">
+              <a:schemeClr val="tx1"/>
+            </a:fontRef>
+          </p:style>
+        </p:cxnSp>
+      </p:grpSp>
+      <p:grpSp>
+        <p:nvGrpSpPr>
+          <p:cNvPr id="15" name="그룹 14">
+            <a:extLst>
+              <a:ext uri="{FF2B5EF4-FFF2-40B4-BE49-F238E27FC236}">
+                <a16:creationId xmlns:a16="http://schemas.microsoft.com/office/drawing/2014/main" id="{A75ABF18-6D9E-955C-6C01-D5B68105DC7C}"/>
+              </a:ext>
+            </a:extLst>
+          </p:cNvPr>
+          <p:cNvGrpSpPr/>
+          <p:nvPr/>
+        </p:nvGrpSpPr>
+        <p:grpSpPr>
+          <a:xfrm>
+            <a:off x="10168951" y="4338460"/>
+            <a:ext cx="900113" cy="714375"/>
+            <a:chOff x="1600200" y="5600700"/>
+            <a:chExt cx="900113" cy="714375"/>
+          </a:xfrm>
+        </p:grpSpPr>
+        <p:sp>
+          <p:nvSpPr>
+            <p:cNvPr id="16" name="사각형: 잘린 한쪽 모서리 15">
+              <a:extLst>
+                <a:ext uri="{FF2B5EF4-FFF2-40B4-BE49-F238E27FC236}">
+                  <a16:creationId xmlns:a16="http://schemas.microsoft.com/office/drawing/2014/main" id="{A3FC71F0-392C-8FAC-DA87-E89F2F978532}"/>
+                </a:ext>
+              </a:extLst>
+            </p:cNvPr>
+            <p:cNvSpPr/>
+            <p:nvPr/>
+          </p:nvSpPr>
+          <p:spPr>
+            <a:xfrm>
+              <a:off x="1600200" y="5631475"/>
+              <a:ext cx="452438" cy="452438"/>
+            </a:xfrm>
+            <a:prstGeom prst="snip1Rect">
+              <a:avLst/>
+            </a:prstGeom>
+            <a:solidFill>
+              <a:schemeClr val="accent4">
+                <a:lumMod val="75000"/>
+              </a:schemeClr>
+            </a:solidFill>
+            <a:ln>
+              <a:solidFill>
+                <a:schemeClr val="tx1"/>
+              </a:solidFill>
+            </a:ln>
+          </p:spPr>
+          <p:style>
+            <a:lnRef idx="2">
+              <a:schemeClr val="accent1">
+                <a:shade val="50000"/>
+              </a:schemeClr>
+            </a:lnRef>
+            <a:fillRef idx="1">
+              <a:schemeClr val="accent1"/>
+            </a:fillRef>
+            <a:effectRef idx="0">
+              <a:schemeClr val="accent1"/>
+            </a:effectRef>
+            <a:fontRef idx="minor">
+              <a:schemeClr val="lt1"/>
+            </a:fontRef>
+          </p:style>
+          <p:txBody>
+            <a:bodyPr rtlCol="0" anchor="ctr"/>
+            <a:lstStyle/>
+            <a:p>
+              <a:pPr algn="ctr"/>
+              <a:endParaRPr lang="ko-KR" altLang="en-US" sz="1200">
+                <a:solidFill>
+                  <a:schemeClr val="tx1"/>
+                </a:solidFill>
+              </a:endParaRPr>
+            </a:p>
+          </p:txBody>
+        </p:sp>
+        <p:sp>
+          <p:nvSpPr>
+            <p:cNvPr id="17" name="자유형: 도형 16">
+              <a:extLst>
+                <a:ext uri="{FF2B5EF4-FFF2-40B4-BE49-F238E27FC236}">
+                  <a16:creationId xmlns:a16="http://schemas.microsoft.com/office/drawing/2014/main" id="{49BDF792-E8BF-8087-37EE-853A8CCF9790}"/>
+                </a:ext>
+              </a:extLst>
+            </p:cNvPr>
+            <p:cNvSpPr/>
+            <p:nvPr/>
+          </p:nvSpPr>
+          <p:spPr>
+            <a:xfrm>
+              <a:off x="1600201" y="5600700"/>
+              <a:ext cx="900112" cy="714375"/>
+            </a:xfrm>
+            <a:custGeom>
+              <a:avLst/>
+              <a:gdLst>
+                <a:gd name="connsiteX0" fmla="*/ 533400 w 900112"/>
+                <a:gd name="connsiteY0" fmla="*/ 0 h 714375"/>
+                <a:gd name="connsiteX1" fmla="*/ 388143 w 900112"/>
+                <a:gd name="connsiteY1" fmla="*/ 145257 h 714375"/>
+                <a:gd name="connsiteX2" fmla="*/ 0 w 900112"/>
+                <a:gd name="connsiteY2" fmla="*/ 145257 h 714375"/>
+                <a:gd name="connsiteX3" fmla="*/ 0 w 900112"/>
+                <a:gd name="connsiteY3" fmla="*/ 714375 h 714375"/>
+                <a:gd name="connsiteX4" fmla="*/ 900112 w 900112"/>
+                <a:gd name="connsiteY4" fmla="*/ 714375 h 714375"/>
+                <a:gd name="connsiteX5" fmla="*/ 900112 w 900112"/>
+                <a:gd name="connsiteY5" fmla="*/ 4763 h 714375"/>
+                <a:gd name="connsiteX6" fmla="*/ 533400 w 900112"/>
+                <a:gd name="connsiteY6" fmla="*/ 0 h 714375"/>
+              </a:gdLst>
+              <a:ahLst/>
+              <a:cxnLst>
+                <a:cxn ang="0">
+                  <a:pos x="connsiteX0" y="connsiteY0"/>
+                </a:cxn>
+                <a:cxn ang="0">
+                  <a:pos x="connsiteX1" y="connsiteY1"/>
+                </a:cxn>
+                <a:cxn ang="0">
+                  <a:pos x="connsiteX2" y="connsiteY2"/>
+                </a:cxn>
+                <a:cxn ang="0">
+                  <a:pos x="connsiteX3" y="connsiteY3"/>
+                </a:cxn>
+                <a:cxn ang="0">
+                  <a:pos x="connsiteX4" y="connsiteY4"/>
+                </a:cxn>
+                <a:cxn ang="0">
+                  <a:pos x="connsiteX5" y="connsiteY5"/>
+                </a:cxn>
+                <a:cxn ang="0">
+                  <a:pos x="connsiteX6" y="connsiteY6"/>
+                </a:cxn>
+              </a:cxnLst>
+              <a:rect l="l" t="t" r="r" b="b"/>
+              <a:pathLst>
+                <a:path w="900112" h="714375">
+                  <a:moveTo>
+                    <a:pt x="533400" y="0"/>
+                  </a:moveTo>
+                  <a:lnTo>
+                    <a:pt x="388143" y="145257"/>
+                  </a:lnTo>
+                  <a:lnTo>
+                    <a:pt x="0" y="145257"/>
+                  </a:lnTo>
+                  <a:lnTo>
+                    <a:pt x="0" y="714375"/>
+                  </a:lnTo>
+                  <a:lnTo>
+                    <a:pt x="900112" y="714375"/>
+                  </a:lnTo>
+                  <a:lnTo>
+                    <a:pt x="900112" y="4763"/>
+                  </a:lnTo>
+                  <a:lnTo>
+                    <a:pt x="533400" y="0"/>
+                  </a:lnTo>
+                  <a:close/>
+                </a:path>
+              </a:pathLst>
+            </a:custGeom>
+            <a:solidFill>
+              <a:schemeClr val="accent4">
+                <a:lumMod val="60000"/>
+                <a:lumOff val="40000"/>
+              </a:schemeClr>
+            </a:solidFill>
+            <a:ln>
+              <a:solidFill>
+                <a:schemeClr val="tx1"/>
+              </a:solidFill>
+            </a:ln>
+          </p:spPr>
+          <p:style>
+            <a:lnRef idx="2">
+              <a:schemeClr val="accent1">
+                <a:shade val="50000"/>
+              </a:schemeClr>
+            </a:lnRef>
+            <a:fillRef idx="1">
+              <a:schemeClr val="accent1"/>
+            </a:fillRef>
+            <a:effectRef idx="0">
+              <a:schemeClr val="accent1"/>
+            </a:effectRef>
+            <a:fontRef idx="minor">
+              <a:schemeClr val="lt1"/>
+            </a:fontRef>
+          </p:style>
+          <p:txBody>
+            <a:bodyPr rtlCol="0" anchor="ctr"/>
+            <a:lstStyle/>
+            <a:p>
+              <a:pPr algn="ctr"/>
+              <a:endParaRPr lang="en-US" altLang="ko-KR" sz="1200" dirty="0">
+                <a:solidFill>
+                  <a:schemeClr val="tx1"/>
+                </a:solidFill>
+              </a:endParaRPr>
+            </a:p>
+            <a:p>
+              <a:pPr algn="ctr"/>
+              <a:r>
+                <a:rPr lang="en-US" altLang="ko-KR" sz="1200">
+                  <a:solidFill>
+                    <a:schemeClr val="tx1"/>
+                  </a:solidFill>
+                </a:rPr>
+                <a:t>/prj_dir</a:t>
+              </a:r>
+              <a:endParaRPr lang="ko-KR" altLang="en-US" sz="1200" dirty="0">
+                <a:solidFill>
+                  <a:schemeClr val="tx1"/>
+                </a:solidFill>
+              </a:endParaRPr>
+            </a:p>
+          </p:txBody>
+        </p:sp>
+      </p:grpSp>
+      <p:grpSp>
+        <p:nvGrpSpPr>
+          <p:cNvPr id="18" name="그룹 17">
+            <a:extLst>
+              <a:ext uri="{FF2B5EF4-FFF2-40B4-BE49-F238E27FC236}">
+                <a16:creationId xmlns:a16="http://schemas.microsoft.com/office/drawing/2014/main" id="{80F772B2-6A71-A265-3D44-8BAF600E716D}"/>
+              </a:ext>
+            </a:extLst>
+          </p:cNvPr>
+          <p:cNvGrpSpPr/>
+          <p:nvPr/>
+        </p:nvGrpSpPr>
+        <p:grpSpPr>
+          <a:xfrm>
+            <a:off x="10689202" y="5380941"/>
+            <a:ext cx="759724" cy="866400"/>
+            <a:chOff x="1803216" y="4681679"/>
+            <a:chExt cx="759724" cy="866400"/>
+          </a:xfrm>
+        </p:grpSpPr>
+        <p:sp>
+          <p:nvSpPr>
+            <p:cNvPr id="19" name="사각형: 잘린 한쪽 모서리 18">
+              <a:extLst>
+                <a:ext uri="{FF2B5EF4-FFF2-40B4-BE49-F238E27FC236}">
+                  <a16:creationId xmlns:a16="http://schemas.microsoft.com/office/drawing/2014/main" id="{B5BD0A0C-01A3-6D98-F9E6-A62E2B3599EA}"/>
+                </a:ext>
+              </a:extLst>
+            </p:cNvPr>
+            <p:cNvSpPr/>
+            <p:nvPr/>
+          </p:nvSpPr>
+          <p:spPr>
+            <a:xfrm>
+              <a:off x="1803216" y="4681679"/>
+              <a:ext cx="759724" cy="866400"/>
+            </a:xfrm>
+            <a:prstGeom prst="snip1Rect">
+              <a:avLst>
+                <a:gd name="adj" fmla="val 24772"/>
+              </a:avLst>
+            </a:prstGeom>
+            <a:noFill/>
+            <a:ln>
+              <a:solidFill>
+                <a:schemeClr val="tx1"/>
+              </a:solidFill>
+            </a:ln>
+          </p:spPr>
+          <p:style>
+            <a:lnRef idx="2">
+              <a:schemeClr val="accent1">
+                <a:shade val="50000"/>
+              </a:schemeClr>
+            </a:lnRef>
+            <a:fillRef idx="1">
+              <a:schemeClr val="accent1"/>
+            </a:fillRef>
+            <a:effectRef idx="0">
+              <a:schemeClr val="accent1"/>
+            </a:effectRef>
+            <a:fontRef idx="minor">
+              <a:schemeClr val="lt1"/>
+            </a:fontRef>
+          </p:style>
+          <p:txBody>
+            <a:bodyPr rtlCol="0" anchor="ctr"/>
+            <a:lstStyle/>
+            <a:p>
+              <a:pPr algn="ctr"/>
+              <a:r>
+                <a:rPr lang="en-US" altLang="ko-KR" sz="1200">
+                  <a:solidFill>
+                    <a:schemeClr val="tx1"/>
+                  </a:solidFill>
+                </a:rPr>
+                <a:t>prj.xpr</a:t>
+              </a:r>
+              <a:endParaRPr lang="ko-KR" altLang="en-US" sz="1200" dirty="0">
+                <a:solidFill>
+                  <a:schemeClr val="tx1"/>
+                </a:solidFill>
+              </a:endParaRPr>
+            </a:p>
+          </p:txBody>
+        </p:sp>
+        <p:cxnSp>
+          <p:nvCxnSpPr>
+            <p:cNvPr id="20" name="직선 연결선 19">
+              <a:extLst>
+                <a:ext uri="{FF2B5EF4-FFF2-40B4-BE49-F238E27FC236}">
+                  <a16:creationId xmlns:a16="http://schemas.microsoft.com/office/drawing/2014/main" id="{B89CA45A-E76D-FE4D-780F-636DD47750AE}"/>
+                </a:ext>
+              </a:extLst>
+            </p:cNvPr>
+            <p:cNvCxnSpPr/>
+            <p:nvPr/>
+          </p:nvCxnSpPr>
+          <p:spPr>
+            <a:xfrm>
+              <a:off x="1853619" y="4816463"/>
+              <a:ext cx="576262" cy="0"/>
+            </a:xfrm>
+            <a:prstGeom prst="line">
+              <a:avLst/>
+            </a:prstGeom>
+            <a:ln w="15875"/>
+          </p:spPr>
+          <p:style>
+            <a:lnRef idx="1">
+              <a:schemeClr val="dk1"/>
+            </a:lnRef>
+            <a:fillRef idx="0">
+              <a:schemeClr val="dk1"/>
+            </a:fillRef>
+            <a:effectRef idx="0">
+              <a:schemeClr val="dk1"/>
+            </a:effectRef>
+            <a:fontRef idx="minor">
+              <a:schemeClr val="tx1"/>
+            </a:fontRef>
+          </p:style>
+        </p:cxnSp>
+        <p:cxnSp>
+          <p:nvCxnSpPr>
+            <p:cNvPr id="21" name="직선 연결선 20">
+              <a:extLst>
+                <a:ext uri="{FF2B5EF4-FFF2-40B4-BE49-F238E27FC236}">
+                  <a16:creationId xmlns:a16="http://schemas.microsoft.com/office/drawing/2014/main" id="{6AC0774C-8469-4F54-6038-26DBF4026F46}"/>
+                </a:ext>
+              </a:extLst>
+            </p:cNvPr>
+            <p:cNvCxnSpPr/>
+            <p:nvPr/>
+          </p:nvCxnSpPr>
+          <p:spPr>
+            <a:xfrm>
+              <a:off x="1853619" y="4912573"/>
+              <a:ext cx="576262" cy="0"/>
+            </a:xfrm>
+            <a:prstGeom prst="line">
+              <a:avLst/>
+            </a:prstGeom>
+            <a:ln w="15875"/>
+          </p:spPr>
+          <p:style>
+            <a:lnRef idx="1">
+              <a:schemeClr val="dk1"/>
+            </a:lnRef>
+            <a:fillRef idx="0">
+              <a:schemeClr val="dk1"/>
+            </a:fillRef>
+            <a:effectRef idx="0">
+              <a:schemeClr val="dk1"/>
+            </a:effectRef>
+            <a:fontRef idx="minor">
+              <a:schemeClr val="tx1"/>
+            </a:fontRef>
+          </p:style>
+        </p:cxnSp>
+        <p:cxnSp>
+          <p:nvCxnSpPr>
+            <p:cNvPr id="22" name="직선 연결선 21">
+              <a:extLst>
+                <a:ext uri="{FF2B5EF4-FFF2-40B4-BE49-F238E27FC236}">
+                  <a16:creationId xmlns:a16="http://schemas.microsoft.com/office/drawing/2014/main" id="{DD69A604-3666-694D-3AD4-989FDF471B91}"/>
+                </a:ext>
+              </a:extLst>
+            </p:cNvPr>
+            <p:cNvCxnSpPr/>
+            <p:nvPr/>
+          </p:nvCxnSpPr>
+          <p:spPr>
+            <a:xfrm>
+              <a:off x="1853619" y="5003060"/>
+              <a:ext cx="576262" cy="0"/>
+            </a:xfrm>
+            <a:prstGeom prst="line">
+              <a:avLst/>
+            </a:prstGeom>
+            <a:ln w="15875"/>
+          </p:spPr>
+          <p:style>
+            <a:lnRef idx="1">
+              <a:schemeClr val="dk1"/>
+            </a:lnRef>
+            <a:fillRef idx="0">
+              <a:schemeClr val="dk1"/>
+            </a:fillRef>
+            <a:effectRef idx="0">
+              <a:schemeClr val="dk1"/>
+            </a:effectRef>
+            <a:fontRef idx="minor">
+              <a:schemeClr val="tx1"/>
+            </a:fontRef>
+          </p:style>
+        </p:cxnSp>
+      </p:grpSp>
+      <p:grpSp>
+        <p:nvGrpSpPr>
+          <p:cNvPr id="23" name="그룹 22">
+            <a:extLst>
+              <a:ext uri="{FF2B5EF4-FFF2-40B4-BE49-F238E27FC236}">
+                <a16:creationId xmlns:a16="http://schemas.microsoft.com/office/drawing/2014/main" id="{7B171325-4ED7-CC52-9DF8-82F0A1A86D06}"/>
+              </a:ext>
+            </a:extLst>
+          </p:cNvPr>
+          <p:cNvGrpSpPr/>
+          <p:nvPr/>
+        </p:nvGrpSpPr>
+        <p:grpSpPr>
+          <a:xfrm>
+            <a:off x="9859284" y="5380941"/>
+            <a:ext cx="759724" cy="866400"/>
+            <a:chOff x="1803216" y="4681679"/>
+            <a:chExt cx="759724" cy="866400"/>
+          </a:xfrm>
+        </p:grpSpPr>
+        <p:sp>
+          <p:nvSpPr>
+            <p:cNvPr id="24" name="사각형: 잘린 한쪽 모서리 23">
+              <a:extLst>
+                <a:ext uri="{FF2B5EF4-FFF2-40B4-BE49-F238E27FC236}">
+                  <a16:creationId xmlns:a16="http://schemas.microsoft.com/office/drawing/2014/main" id="{5E5AD3C9-4807-7A7D-C6D0-9849512BCC4E}"/>
+                </a:ext>
+              </a:extLst>
+            </p:cNvPr>
+            <p:cNvSpPr/>
+            <p:nvPr/>
+          </p:nvSpPr>
+          <p:spPr>
+            <a:xfrm>
+              <a:off x="1803216" y="4681679"/>
+              <a:ext cx="759724" cy="866400"/>
+            </a:xfrm>
+            <a:prstGeom prst="snip1Rect">
+              <a:avLst>
+                <a:gd name="adj" fmla="val 24772"/>
+              </a:avLst>
+            </a:prstGeom>
+            <a:noFill/>
+            <a:ln>
+              <a:solidFill>
+                <a:schemeClr val="tx1"/>
+              </a:solidFill>
+            </a:ln>
+          </p:spPr>
+          <p:style>
+            <a:lnRef idx="2">
+              <a:schemeClr val="accent1">
+                <a:shade val="50000"/>
+              </a:schemeClr>
+            </a:lnRef>
+            <a:fillRef idx="1">
+              <a:schemeClr val="accent1"/>
+            </a:fillRef>
+            <a:effectRef idx="0">
+              <a:schemeClr val="accent1"/>
+            </a:effectRef>
+            <a:fontRef idx="minor">
+              <a:schemeClr val="lt1"/>
+            </a:fontRef>
+          </p:style>
+          <p:txBody>
+            <a:bodyPr rtlCol="0" anchor="ctr"/>
+            <a:lstStyle/>
+            <a:p>
+              <a:pPr algn="ctr"/>
+              <a:r>
+                <a:rPr lang="en-US" altLang="ko-KR" sz="1200">
+                  <a:solidFill>
+                    <a:schemeClr val="tx1"/>
+                  </a:solidFill>
+                </a:rPr>
+                <a:t>blk.bd</a:t>
+              </a:r>
+              <a:endParaRPr lang="ko-KR" altLang="en-US" sz="1200" dirty="0">
+                <a:solidFill>
+                  <a:schemeClr val="tx1"/>
+                </a:solidFill>
+              </a:endParaRPr>
+            </a:p>
+          </p:txBody>
+        </p:sp>
+        <p:cxnSp>
+          <p:nvCxnSpPr>
+            <p:cNvPr id="25" name="직선 연결선 24">
+              <a:extLst>
+                <a:ext uri="{FF2B5EF4-FFF2-40B4-BE49-F238E27FC236}">
+                  <a16:creationId xmlns:a16="http://schemas.microsoft.com/office/drawing/2014/main" id="{47487E0F-9F7D-8C75-BC12-A95DF35E99C3}"/>
+                </a:ext>
+              </a:extLst>
+            </p:cNvPr>
+            <p:cNvCxnSpPr/>
+            <p:nvPr/>
+          </p:nvCxnSpPr>
+          <p:spPr>
+            <a:xfrm>
+              <a:off x="1853619" y="4816463"/>
+              <a:ext cx="576262" cy="0"/>
+            </a:xfrm>
+            <a:prstGeom prst="line">
+              <a:avLst/>
+            </a:prstGeom>
+            <a:ln w="15875"/>
+          </p:spPr>
+          <p:style>
+            <a:lnRef idx="1">
+              <a:schemeClr val="dk1"/>
+            </a:lnRef>
+            <a:fillRef idx="0">
+              <a:schemeClr val="dk1"/>
+            </a:fillRef>
+            <a:effectRef idx="0">
+              <a:schemeClr val="dk1"/>
+            </a:effectRef>
+            <a:fontRef idx="minor">
+              <a:schemeClr val="tx1"/>
+            </a:fontRef>
+          </p:style>
+        </p:cxnSp>
+        <p:cxnSp>
+          <p:nvCxnSpPr>
+            <p:cNvPr id="26" name="직선 연결선 25">
+              <a:extLst>
+                <a:ext uri="{FF2B5EF4-FFF2-40B4-BE49-F238E27FC236}">
+                  <a16:creationId xmlns:a16="http://schemas.microsoft.com/office/drawing/2014/main" id="{4EBA63F6-4D89-3AF8-6F29-E58ECBF0C8C9}"/>
+                </a:ext>
+              </a:extLst>
+            </p:cNvPr>
+            <p:cNvCxnSpPr/>
+            <p:nvPr/>
+          </p:nvCxnSpPr>
+          <p:spPr>
+            <a:xfrm>
+              <a:off x="1853619" y="4912573"/>
+              <a:ext cx="576262" cy="0"/>
+            </a:xfrm>
+            <a:prstGeom prst="line">
+              <a:avLst/>
+            </a:prstGeom>
+            <a:ln w="15875"/>
+          </p:spPr>
+          <p:style>
+            <a:lnRef idx="1">
+              <a:schemeClr val="dk1"/>
+            </a:lnRef>
+            <a:fillRef idx="0">
+              <a:schemeClr val="dk1"/>
+            </a:fillRef>
+            <a:effectRef idx="0">
+              <a:schemeClr val="dk1"/>
+            </a:effectRef>
+            <a:fontRef idx="minor">
+              <a:schemeClr val="tx1"/>
+            </a:fontRef>
+          </p:style>
+        </p:cxnSp>
+        <p:cxnSp>
+          <p:nvCxnSpPr>
+            <p:cNvPr id="27" name="직선 연결선 26">
+              <a:extLst>
+                <a:ext uri="{FF2B5EF4-FFF2-40B4-BE49-F238E27FC236}">
+                  <a16:creationId xmlns:a16="http://schemas.microsoft.com/office/drawing/2014/main" id="{72B24C5F-AD5B-542E-AB07-0F8EE6612D6B}"/>
+                </a:ext>
+              </a:extLst>
+            </p:cNvPr>
+            <p:cNvCxnSpPr/>
+            <p:nvPr/>
+          </p:nvCxnSpPr>
+          <p:spPr>
+            <a:xfrm>
+              <a:off x="1853619" y="5003060"/>
+              <a:ext cx="576262" cy="0"/>
+            </a:xfrm>
+            <a:prstGeom prst="line">
+              <a:avLst/>
+            </a:prstGeom>
+            <a:ln w="15875"/>
+          </p:spPr>
+          <p:style>
+            <a:lnRef idx="1">
+              <a:schemeClr val="dk1"/>
+            </a:lnRef>
+            <a:fillRef idx="0">
+              <a:schemeClr val="dk1"/>
+            </a:fillRef>
+            <a:effectRef idx="0">
+              <a:schemeClr val="dk1"/>
+            </a:effectRef>
+            <a:fontRef idx="minor">
+              <a:schemeClr val="tx1"/>
+            </a:fontRef>
+          </p:style>
+        </p:cxnSp>
+      </p:grpSp>
+      <p:grpSp>
+        <p:nvGrpSpPr>
+          <p:cNvPr id="28" name="그룹 27">
+            <a:extLst>
+              <a:ext uri="{FF2B5EF4-FFF2-40B4-BE49-F238E27FC236}">
+                <a16:creationId xmlns:a16="http://schemas.microsoft.com/office/drawing/2014/main" id="{B1FF51C3-A8F1-3F59-FECE-5E90672847A9}"/>
+              </a:ext>
+            </a:extLst>
+          </p:cNvPr>
+          <p:cNvGrpSpPr/>
+          <p:nvPr/>
+        </p:nvGrpSpPr>
+        <p:grpSpPr>
+          <a:xfrm>
+            <a:off x="6635198" y="3268543"/>
+            <a:ext cx="813148" cy="866400"/>
+            <a:chOff x="1776504" y="4681679"/>
+            <a:chExt cx="813148" cy="866400"/>
+          </a:xfrm>
+        </p:grpSpPr>
+        <p:sp>
+          <p:nvSpPr>
+            <p:cNvPr id="29" name="사각형: 잘린 한쪽 모서리 28">
+              <a:extLst>
+                <a:ext uri="{FF2B5EF4-FFF2-40B4-BE49-F238E27FC236}">
+                  <a16:creationId xmlns:a16="http://schemas.microsoft.com/office/drawing/2014/main" id="{41927574-C4C0-2BF9-D28A-253480DA4D63}"/>
+                </a:ext>
+              </a:extLst>
+            </p:cNvPr>
+            <p:cNvSpPr/>
+            <p:nvPr/>
+          </p:nvSpPr>
+          <p:spPr>
+            <a:xfrm>
+              <a:off x="1776504" y="4681679"/>
+              <a:ext cx="813148" cy="866400"/>
+            </a:xfrm>
+            <a:prstGeom prst="snip1Rect">
+              <a:avLst>
+                <a:gd name="adj" fmla="val 24772"/>
+              </a:avLst>
+            </a:prstGeom>
+            <a:noFill/>
+            <a:ln>
+              <a:solidFill>
+                <a:schemeClr val="tx1"/>
+              </a:solidFill>
+            </a:ln>
+          </p:spPr>
+          <p:style>
+            <a:lnRef idx="2">
+              <a:schemeClr val="accent1">
+                <a:shade val="50000"/>
+              </a:schemeClr>
+            </a:lnRef>
+            <a:fillRef idx="1">
+              <a:schemeClr val="accent1"/>
+            </a:fillRef>
+            <a:effectRef idx="0">
+              <a:schemeClr val="accent1"/>
+            </a:effectRef>
+            <a:fontRef idx="minor">
+              <a:schemeClr val="lt1"/>
+            </a:fontRef>
+          </p:style>
+          <p:txBody>
+            <a:bodyPr rtlCol="0" anchor="ctr"/>
+            <a:lstStyle/>
+            <a:p>
+              <a:pPr algn="ctr"/>
+              <a:r>
+                <a:rPr lang="en-US" altLang="ko-KR" sz="1200">
+                  <a:solidFill>
+                    <a:schemeClr val="tx1"/>
+                  </a:solidFill>
+                </a:rPr>
+                <a:t>main.tcl</a:t>
+              </a:r>
+              <a:endParaRPr lang="ko-KR" altLang="en-US" sz="1200" dirty="0">
+                <a:solidFill>
+                  <a:schemeClr val="tx1"/>
+                </a:solidFill>
+              </a:endParaRPr>
+            </a:p>
+          </p:txBody>
+        </p:sp>
+        <p:cxnSp>
+          <p:nvCxnSpPr>
+            <p:cNvPr id="30" name="직선 연결선 29">
+              <a:extLst>
+                <a:ext uri="{FF2B5EF4-FFF2-40B4-BE49-F238E27FC236}">
+                  <a16:creationId xmlns:a16="http://schemas.microsoft.com/office/drawing/2014/main" id="{EC154A4C-EDA9-585C-52A9-DB35490F5108}"/>
+                </a:ext>
+              </a:extLst>
+            </p:cNvPr>
+            <p:cNvCxnSpPr/>
+            <p:nvPr/>
+          </p:nvCxnSpPr>
+          <p:spPr>
+            <a:xfrm>
+              <a:off x="1853619" y="4816463"/>
+              <a:ext cx="576262" cy="0"/>
+            </a:xfrm>
+            <a:prstGeom prst="line">
+              <a:avLst/>
+            </a:prstGeom>
+            <a:ln w="15875"/>
+          </p:spPr>
+          <p:style>
+            <a:lnRef idx="1">
+              <a:schemeClr val="dk1"/>
+            </a:lnRef>
+            <a:fillRef idx="0">
+              <a:schemeClr val="dk1"/>
+            </a:fillRef>
+            <a:effectRef idx="0">
+              <a:schemeClr val="dk1"/>
+            </a:effectRef>
+            <a:fontRef idx="minor">
+              <a:schemeClr val="tx1"/>
+            </a:fontRef>
+          </p:style>
+        </p:cxnSp>
+        <p:cxnSp>
+          <p:nvCxnSpPr>
+            <p:cNvPr id="31" name="직선 연결선 30">
+              <a:extLst>
+                <a:ext uri="{FF2B5EF4-FFF2-40B4-BE49-F238E27FC236}">
+                  <a16:creationId xmlns:a16="http://schemas.microsoft.com/office/drawing/2014/main" id="{6BE196C7-6FA0-F639-988C-CD7F78E91639}"/>
+                </a:ext>
+              </a:extLst>
+            </p:cNvPr>
+            <p:cNvCxnSpPr/>
+            <p:nvPr/>
+          </p:nvCxnSpPr>
+          <p:spPr>
+            <a:xfrm>
+              <a:off x="1853619" y="4912573"/>
+              <a:ext cx="576262" cy="0"/>
+            </a:xfrm>
+            <a:prstGeom prst="line">
+              <a:avLst/>
+            </a:prstGeom>
+            <a:ln w="15875"/>
+          </p:spPr>
+          <p:style>
+            <a:lnRef idx="1">
+              <a:schemeClr val="dk1"/>
+            </a:lnRef>
+            <a:fillRef idx="0">
+              <a:schemeClr val="dk1"/>
+            </a:fillRef>
+            <a:effectRef idx="0">
+              <a:schemeClr val="dk1"/>
+            </a:effectRef>
+            <a:fontRef idx="minor">
+              <a:schemeClr val="tx1"/>
+            </a:fontRef>
+          </p:style>
+        </p:cxnSp>
+        <p:cxnSp>
+          <p:nvCxnSpPr>
+            <p:cNvPr id="32" name="직선 연결선 31">
+              <a:extLst>
+                <a:ext uri="{FF2B5EF4-FFF2-40B4-BE49-F238E27FC236}">
+                  <a16:creationId xmlns:a16="http://schemas.microsoft.com/office/drawing/2014/main" id="{65BD8940-9A63-8BCF-E51B-A88B7F2EF2C0}"/>
+                </a:ext>
+              </a:extLst>
+            </p:cNvPr>
+            <p:cNvCxnSpPr/>
+            <p:nvPr/>
+          </p:nvCxnSpPr>
+          <p:spPr>
+            <a:xfrm>
+              <a:off x="1853619" y="5003060"/>
+              <a:ext cx="576262" cy="0"/>
+            </a:xfrm>
+            <a:prstGeom prst="line">
+              <a:avLst/>
+            </a:prstGeom>
+            <a:ln w="15875"/>
+          </p:spPr>
+          <p:style>
+            <a:lnRef idx="1">
+              <a:schemeClr val="dk1"/>
+            </a:lnRef>
+            <a:fillRef idx="0">
+              <a:schemeClr val="dk1"/>
+            </a:fillRef>
+            <a:effectRef idx="0">
+              <a:schemeClr val="dk1"/>
+            </a:effectRef>
+            <a:fontRef idx="minor">
+              <a:schemeClr val="tx1"/>
+            </a:fontRef>
+          </p:style>
+        </p:cxnSp>
+      </p:grpSp>
+      <p:sp>
+        <p:nvSpPr>
+          <p:cNvPr id="33" name="화살표: 아래쪽 32">
+            <a:extLst>
+              <a:ext uri="{FF2B5EF4-FFF2-40B4-BE49-F238E27FC236}">
+                <a16:creationId xmlns:a16="http://schemas.microsoft.com/office/drawing/2014/main" id="{DC2FA9E6-C3BB-A9D5-92A9-4125D48FBEF4}"/>
+              </a:ext>
+            </a:extLst>
+          </p:cNvPr>
+          <p:cNvSpPr/>
+          <p:nvPr/>
+        </p:nvSpPr>
+        <p:spPr>
+          <a:xfrm rot="16200000">
+            <a:off x="5866351" y="3359319"/>
+            <a:ext cx="459298" cy="684850"/>
+          </a:xfrm>
+          <a:prstGeom prst="downArrow">
+            <a:avLst/>
+          </a:prstGeom>
+          <a:solidFill>
+            <a:schemeClr val="tx2"/>
+          </a:solidFill>
+          <a:ln>
+            <a:solidFill>
+              <a:schemeClr val="tx2"/>
+            </a:solidFill>
+          </a:ln>
+        </p:spPr>
+        <p:style>
+          <a:lnRef idx="2">
+            <a:schemeClr val="accent1">
+              <a:shade val="15000"/>
+            </a:schemeClr>
+          </a:lnRef>
+          <a:fillRef idx="1">
+            <a:schemeClr val="accent1"/>
+          </a:fillRef>
+          <a:effectRef idx="0">
+            <a:schemeClr val="accent1"/>
+          </a:effectRef>
+          <a:fontRef idx="minor">
+            <a:schemeClr val="lt1"/>
+          </a:fontRef>
+        </p:style>
+        <p:txBody>
+          <a:bodyPr rtlCol="0" anchor="ctr"/>
+          <a:lstStyle/>
+          <a:p>
+            <a:pPr algn="ctr"/>
+            <a:endParaRPr lang="ko-KR" altLang="en-US"/>
+          </a:p>
+        </p:txBody>
+      </p:sp>
+      <p:grpSp>
+        <p:nvGrpSpPr>
+          <p:cNvPr id="34" name="그룹 33">
+            <a:extLst>
+              <a:ext uri="{FF2B5EF4-FFF2-40B4-BE49-F238E27FC236}">
+                <a16:creationId xmlns:a16="http://schemas.microsoft.com/office/drawing/2014/main" id="{4966BE42-DE8C-F62F-BFFB-E9FA78D65104}"/>
+              </a:ext>
+            </a:extLst>
+          </p:cNvPr>
+          <p:cNvGrpSpPr/>
+          <p:nvPr/>
+        </p:nvGrpSpPr>
+        <p:grpSpPr>
+          <a:xfrm>
+            <a:off x="10218813" y="1342274"/>
+            <a:ext cx="900113" cy="714375"/>
+            <a:chOff x="1600200" y="5600700"/>
+            <a:chExt cx="900113" cy="714375"/>
+          </a:xfrm>
+        </p:grpSpPr>
+        <p:sp>
+          <p:nvSpPr>
+            <p:cNvPr id="35" name="사각형: 잘린 한쪽 모서리 34">
+              <a:extLst>
+                <a:ext uri="{FF2B5EF4-FFF2-40B4-BE49-F238E27FC236}">
+                  <a16:creationId xmlns:a16="http://schemas.microsoft.com/office/drawing/2014/main" id="{D16D8D77-BE4B-C268-A077-48B79EE14BF9}"/>
+                </a:ext>
+              </a:extLst>
+            </p:cNvPr>
+            <p:cNvSpPr/>
+            <p:nvPr/>
+          </p:nvSpPr>
+          <p:spPr>
+            <a:xfrm>
+              <a:off x="1600200" y="5631475"/>
+              <a:ext cx="452438" cy="452438"/>
+            </a:xfrm>
+            <a:prstGeom prst="snip1Rect">
+              <a:avLst/>
+            </a:prstGeom>
+            <a:solidFill>
+              <a:schemeClr val="accent4">
+                <a:lumMod val="75000"/>
+              </a:schemeClr>
+            </a:solidFill>
+            <a:ln>
+              <a:solidFill>
+                <a:schemeClr val="tx1"/>
+              </a:solidFill>
+            </a:ln>
+          </p:spPr>
+          <p:style>
+            <a:lnRef idx="2">
+              <a:schemeClr val="accent1">
+                <a:shade val="50000"/>
+              </a:schemeClr>
+            </a:lnRef>
+            <a:fillRef idx="1">
+              <a:schemeClr val="accent1"/>
+            </a:fillRef>
+            <a:effectRef idx="0">
+              <a:schemeClr val="accent1"/>
+            </a:effectRef>
+            <a:fontRef idx="minor">
+              <a:schemeClr val="lt1"/>
+            </a:fontRef>
+          </p:style>
+          <p:txBody>
+            <a:bodyPr rtlCol="0" anchor="ctr"/>
+            <a:lstStyle/>
+            <a:p>
+              <a:pPr algn="ctr"/>
+              <a:endParaRPr lang="ko-KR" altLang="en-US" sz="1200">
+                <a:solidFill>
+                  <a:schemeClr val="tx1"/>
+                </a:solidFill>
+              </a:endParaRPr>
+            </a:p>
+          </p:txBody>
+        </p:sp>
+        <p:sp>
+          <p:nvSpPr>
+            <p:cNvPr id="36" name="자유형: 도형 35">
+              <a:extLst>
+                <a:ext uri="{FF2B5EF4-FFF2-40B4-BE49-F238E27FC236}">
+                  <a16:creationId xmlns:a16="http://schemas.microsoft.com/office/drawing/2014/main" id="{E7E1002E-679A-C24A-A73A-EEB364098E72}"/>
+                </a:ext>
+              </a:extLst>
+            </p:cNvPr>
+            <p:cNvSpPr/>
+            <p:nvPr/>
+          </p:nvSpPr>
+          <p:spPr>
+            <a:xfrm>
+              <a:off x="1600201" y="5600700"/>
+              <a:ext cx="900112" cy="714375"/>
+            </a:xfrm>
+            <a:custGeom>
+              <a:avLst/>
+              <a:gdLst>
+                <a:gd name="connsiteX0" fmla="*/ 533400 w 900112"/>
+                <a:gd name="connsiteY0" fmla="*/ 0 h 714375"/>
+                <a:gd name="connsiteX1" fmla="*/ 388143 w 900112"/>
+                <a:gd name="connsiteY1" fmla="*/ 145257 h 714375"/>
+                <a:gd name="connsiteX2" fmla="*/ 0 w 900112"/>
+                <a:gd name="connsiteY2" fmla="*/ 145257 h 714375"/>
+                <a:gd name="connsiteX3" fmla="*/ 0 w 900112"/>
+                <a:gd name="connsiteY3" fmla="*/ 714375 h 714375"/>
+                <a:gd name="connsiteX4" fmla="*/ 900112 w 900112"/>
+                <a:gd name="connsiteY4" fmla="*/ 714375 h 714375"/>
+                <a:gd name="connsiteX5" fmla="*/ 900112 w 900112"/>
+                <a:gd name="connsiteY5" fmla="*/ 4763 h 714375"/>
+                <a:gd name="connsiteX6" fmla="*/ 533400 w 900112"/>
+                <a:gd name="connsiteY6" fmla="*/ 0 h 714375"/>
+              </a:gdLst>
+              <a:ahLst/>
+              <a:cxnLst>
+                <a:cxn ang="0">
+                  <a:pos x="connsiteX0" y="connsiteY0"/>
+                </a:cxn>
+                <a:cxn ang="0">
+                  <a:pos x="connsiteX1" y="connsiteY1"/>
+                </a:cxn>
+                <a:cxn ang="0">
+                  <a:pos x="connsiteX2" y="connsiteY2"/>
+                </a:cxn>
+                <a:cxn ang="0">
+                  <a:pos x="connsiteX3" y="connsiteY3"/>
+                </a:cxn>
+                <a:cxn ang="0">
+                  <a:pos x="connsiteX4" y="connsiteY4"/>
+                </a:cxn>
+                <a:cxn ang="0">
+                  <a:pos x="connsiteX5" y="connsiteY5"/>
+                </a:cxn>
+                <a:cxn ang="0">
+                  <a:pos x="connsiteX6" y="connsiteY6"/>
+                </a:cxn>
+              </a:cxnLst>
+              <a:rect l="l" t="t" r="r" b="b"/>
+              <a:pathLst>
+                <a:path w="900112" h="714375">
+                  <a:moveTo>
+                    <a:pt x="533400" y="0"/>
+                  </a:moveTo>
+                  <a:lnTo>
+                    <a:pt x="388143" y="145257"/>
+                  </a:lnTo>
+                  <a:lnTo>
+                    <a:pt x="0" y="145257"/>
+                  </a:lnTo>
+                  <a:lnTo>
+                    <a:pt x="0" y="714375"/>
+                  </a:lnTo>
+                  <a:lnTo>
+                    <a:pt x="900112" y="714375"/>
+                  </a:lnTo>
+                  <a:lnTo>
+                    <a:pt x="900112" y="4763"/>
+                  </a:lnTo>
+                  <a:lnTo>
+                    <a:pt x="533400" y="0"/>
+                  </a:lnTo>
+                  <a:close/>
+                </a:path>
+              </a:pathLst>
+            </a:custGeom>
+            <a:solidFill>
+              <a:schemeClr val="accent4">
+                <a:lumMod val="60000"/>
+                <a:lumOff val="40000"/>
+              </a:schemeClr>
+            </a:solidFill>
+            <a:ln>
+              <a:solidFill>
+                <a:schemeClr val="tx1"/>
+              </a:solidFill>
+            </a:ln>
+          </p:spPr>
+          <p:style>
+            <a:lnRef idx="2">
+              <a:schemeClr val="accent1">
+                <a:shade val="50000"/>
+              </a:schemeClr>
+            </a:lnRef>
+            <a:fillRef idx="1">
+              <a:schemeClr val="accent1"/>
+            </a:fillRef>
+            <a:effectRef idx="0">
+              <a:schemeClr val="accent1"/>
+            </a:effectRef>
+            <a:fontRef idx="minor">
+              <a:schemeClr val="lt1"/>
+            </a:fontRef>
+          </p:style>
+          <p:txBody>
+            <a:bodyPr rtlCol="0" anchor="ctr"/>
+            <a:lstStyle/>
+            <a:p>
+              <a:pPr algn="ctr"/>
+              <a:endParaRPr lang="en-US" altLang="ko-KR" sz="1200" dirty="0">
+                <a:solidFill>
+                  <a:schemeClr val="tx1"/>
+                </a:solidFill>
+              </a:endParaRPr>
+            </a:p>
+            <a:p>
+              <a:pPr algn="ctr"/>
+              <a:r>
+                <a:rPr lang="en-US" altLang="ko-KR" sz="1200">
+                  <a:solidFill>
+                    <a:schemeClr val="tx1"/>
+                  </a:solidFill>
+                </a:rPr>
+                <a:t>/ip_out_dir</a:t>
+              </a:r>
+              <a:endParaRPr lang="ko-KR" altLang="en-US" sz="1200" dirty="0">
+                <a:solidFill>
+                  <a:schemeClr val="tx1"/>
+                </a:solidFill>
+              </a:endParaRPr>
+            </a:p>
+          </p:txBody>
+        </p:sp>
+      </p:grpSp>
+      <p:grpSp>
+        <p:nvGrpSpPr>
+          <p:cNvPr id="37" name="그룹 36">
+            <a:extLst>
+              <a:ext uri="{FF2B5EF4-FFF2-40B4-BE49-F238E27FC236}">
+                <a16:creationId xmlns:a16="http://schemas.microsoft.com/office/drawing/2014/main" id="{E3B4FBAC-22AF-5F5D-C94D-3F85073E05C5}"/>
+              </a:ext>
+            </a:extLst>
+          </p:cNvPr>
+          <p:cNvGrpSpPr/>
+          <p:nvPr/>
+        </p:nvGrpSpPr>
+        <p:grpSpPr>
+          <a:xfrm>
+            <a:off x="10277921" y="2381662"/>
+            <a:ext cx="759724" cy="866400"/>
+            <a:chOff x="1803216" y="4681679"/>
+            <a:chExt cx="759724" cy="866400"/>
+          </a:xfrm>
+        </p:grpSpPr>
+        <p:sp>
+          <p:nvSpPr>
+            <p:cNvPr id="38" name="사각형: 잘린 한쪽 모서리 37">
+              <a:extLst>
+                <a:ext uri="{FF2B5EF4-FFF2-40B4-BE49-F238E27FC236}">
+                  <a16:creationId xmlns:a16="http://schemas.microsoft.com/office/drawing/2014/main" id="{8D06DBA7-71AC-38D9-5C71-9F90A230B5C9}"/>
+                </a:ext>
+              </a:extLst>
+            </p:cNvPr>
+            <p:cNvSpPr/>
+            <p:nvPr/>
+          </p:nvSpPr>
+          <p:spPr>
+            <a:xfrm>
+              <a:off x="1803216" y="4681679"/>
+              <a:ext cx="759724" cy="866400"/>
+            </a:xfrm>
+            <a:prstGeom prst="snip1Rect">
+              <a:avLst>
+                <a:gd name="adj" fmla="val 24772"/>
+              </a:avLst>
+            </a:prstGeom>
+            <a:noFill/>
+            <a:ln>
+              <a:solidFill>
+                <a:schemeClr val="tx1"/>
+              </a:solidFill>
+            </a:ln>
+          </p:spPr>
+          <p:style>
+            <a:lnRef idx="2">
+              <a:schemeClr val="accent1">
+                <a:shade val="50000"/>
+              </a:schemeClr>
+            </a:lnRef>
+            <a:fillRef idx="1">
+              <a:schemeClr val="accent1"/>
+            </a:fillRef>
+            <a:effectRef idx="0">
+              <a:schemeClr val="accent1"/>
+            </a:effectRef>
+            <a:fontRef idx="minor">
+              <a:schemeClr val="lt1"/>
+            </a:fontRef>
+          </p:style>
+          <p:txBody>
+            <a:bodyPr rtlCol="0" anchor="ctr"/>
+            <a:lstStyle/>
+            <a:p>
+              <a:pPr algn="ctr"/>
+              <a:r>
+                <a:rPr lang="en-US" altLang="ko-KR" sz="1200">
+                  <a:solidFill>
+                    <a:schemeClr val="tx1"/>
+                  </a:solidFill>
+                </a:rPr>
+                <a:t>ip.xml</a:t>
+              </a:r>
+              <a:endParaRPr lang="ko-KR" altLang="en-US" sz="1200" dirty="0">
+                <a:solidFill>
+                  <a:schemeClr val="tx1"/>
+                </a:solidFill>
+              </a:endParaRPr>
+            </a:p>
+          </p:txBody>
+        </p:sp>
+        <p:cxnSp>
+          <p:nvCxnSpPr>
+            <p:cNvPr id="39" name="직선 연결선 38">
+              <a:extLst>
+                <a:ext uri="{FF2B5EF4-FFF2-40B4-BE49-F238E27FC236}">
+                  <a16:creationId xmlns:a16="http://schemas.microsoft.com/office/drawing/2014/main" id="{18A3B808-0813-CA82-0056-A921B38F1C31}"/>
+                </a:ext>
+              </a:extLst>
+            </p:cNvPr>
+            <p:cNvCxnSpPr/>
+            <p:nvPr/>
+          </p:nvCxnSpPr>
+          <p:spPr>
+            <a:xfrm>
+              <a:off x="1853619" y="4816463"/>
+              <a:ext cx="576262" cy="0"/>
+            </a:xfrm>
+            <a:prstGeom prst="line">
+              <a:avLst/>
+            </a:prstGeom>
+            <a:ln w="15875"/>
+          </p:spPr>
+          <p:style>
+            <a:lnRef idx="1">
+              <a:schemeClr val="dk1"/>
+            </a:lnRef>
+            <a:fillRef idx="0">
+              <a:schemeClr val="dk1"/>
+            </a:fillRef>
+            <a:effectRef idx="0">
+              <a:schemeClr val="dk1"/>
+            </a:effectRef>
+            <a:fontRef idx="minor">
+              <a:schemeClr val="tx1"/>
+            </a:fontRef>
+          </p:style>
+        </p:cxnSp>
+        <p:cxnSp>
+          <p:nvCxnSpPr>
+            <p:cNvPr id="40" name="직선 연결선 39">
+              <a:extLst>
+                <a:ext uri="{FF2B5EF4-FFF2-40B4-BE49-F238E27FC236}">
+                  <a16:creationId xmlns:a16="http://schemas.microsoft.com/office/drawing/2014/main" id="{2E951950-CC26-75B6-ACF1-09218814F518}"/>
+                </a:ext>
+              </a:extLst>
+            </p:cNvPr>
+            <p:cNvCxnSpPr/>
+            <p:nvPr/>
+          </p:nvCxnSpPr>
+          <p:spPr>
+            <a:xfrm>
+              <a:off x="1853619" y="4912573"/>
+              <a:ext cx="576262" cy="0"/>
+            </a:xfrm>
+            <a:prstGeom prst="line">
+              <a:avLst/>
+            </a:prstGeom>
+            <a:ln w="15875"/>
+          </p:spPr>
+          <p:style>
+            <a:lnRef idx="1">
+              <a:schemeClr val="dk1"/>
+            </a:lnRef>
+            <a:fillRef idx="0">
+              <a:schemeClr val="dk1"/>
+            </a:fillRef>
+            <a:effectRef idx="0">
+              <a:schemeClr val="dk1"/>
+            </a:effectRef>
+            <a:fontRef idx="minor">
+              <a:schemeClr val="tx1"/>
+            </a:fontRef>
+          </p:style>
+        </p:cxnSp>
+        <p:cxnSp>
+          <p:nvCxnSpPr>
+            <p:cNvPr id="41" name="직선 연결선 40">
+              <a:extLst>
+                <a:ext uri="{FF2B5EF4-FFF2-40B4-BE49-F238E27FC236}">
+                  <a16:creationId xmlns:a16="http://schemas.microsoft.com/office/drawing/2014/main" id="{2792BC10-0EB7-BF53-E9AA-C23D16577852}"/>
+                </a:ext>
+              </a:extLst>
+            </p:cNvPr>
+            <p:cNvCxnSpPr/>
+            <p:nvPr/>
+          </p:nvCxnSpPr>
+          <p:spPr>
+            <a:xfrm>
+              <a:off x="1853619" y="5003060"/>
+              <a:ext cx="576262" cy="0"/>
+            </a:xfrm>
+            <a:prstGeom prst="line">
+              <a:avLst/>
+            </a:prstGeom>
+            <a:ln w="15875"/>
+          </p:spPr>
+          <p:style>
+            <a:lnRef idx="1">
+              <a:schemeClr val="dk1"/>
+            </a:lnRef>
+            <a:fillRef idx="0">
+              <a:schemeClr val="dk1"/>
+            </a:fillRef>
+            <a:effectRef idx="0">
+              <a:schemeClr val="dk1"/>
+            </a:effectRef>
+            <a:fontRef idx="minor">
+              <a:schemeClr val="tx1"/>
+            </a:fontRef>
+          </p:style>
+        </p:cxnSp>
+      </p:grpSp>
+      <p:grpSp>
+        <p:nvGrpSpPr>
+          <p:cNvPr id="42" name="그룹 41">
+            <a:extLst>
+              <a:ext uri="{FF2B5EF4-FFF2-40B4-BE49-F238E27FC236}">
+                <a16:creationId xmlns:a16="http://schemas.microsoft.com/office/drawing/2014/main" id="{B095D6D1-85B6-B9D8-01B8-0E765DBDBE88}"/>
+              </a:ext>
+            </a:extLst>
+          </p:cNvPr>
+          <p:cNvGrpSpPr/>
+          <p:nvPr/>
+        </p:nvGrpSpPr>
+        <p:grpSpPr>
+          <a:xfrm>
+            <a:off x="9448003" y="2381662"/>
+            <a:ext cx="759724" cy="866400"/>
+            <a:chOff x="1803216" y="4681679"/>
+            <a:chExt cx="759724" cy="866400"/>
+          </a:xfrm>
+        </p:grpSpPr>
+        <p:sp>
+          <p:nvSpPr>
+            <p:cNvPr id="43" name="사각형: 잘린 한쪽 모서리 42">
+              <a:extLst>
+                <a:ext uri="{FF2B5EF4-FFF2-40B4-BE49-F238E27FC236}">
+                  <a16:creationId xmlns:a16="http://schemas.microsoft.com/office/drawing/2014/main" id="{1D30E4DC-BF3D-1F4B-B4D1-5FDBB0FD6035}"/>
+                </a:ext>
+              </a:extLst>
+            </p:cNvPr>
+            <p:cNvSpPr/>
+            <p:nvPr/>
+          </p:nvSpPr>
+          <p:spPr>
+            <a:xfrm>
+              <a:off x="1803216" y="4681679"/>
+              <a:ext cx="759724" cy="866400"/>
+            </a:xfrm>
+            <a:prstGeom prst="snip1Rect">
+              <a:avLst>
+                <a:gd name="adj" fmla="val 24772"/>
+              </a:avLst>
+            </a:prstGeom>
+            <a:noFill/>
+            <a:ln>
+              <a:solidFill>
+                <a:schemeClr val="tx1"/>
+              </a:solidFill>
+            </a:ln>
+          </p:spPr>
+          <p:style>
+            <a:lnRef idx="2">
+              <a:schemeClr val="accent1">
+                <a:shade val="50000"/>
+              </a:schemeClr>
+            </a:lnRef>
+            <a:fillRef idx="1">
+              <a:schemeClr val="accent1"/>
+            </a:fillRef>
+            <a:effectRef idx="0">
+              <a:schemeClr val="accent1"/>
+            </a:effectRef>
+            <a:fontRef idx="minor">
+              <a:schemeClr val="lt1"/>
+            </a:fontRef>
+          </p:style>
+          <p:txBody>
+            <a:bodyPr rtlCol="0" anchor="ctr"/>
+            <a:lstStyle/>
+            <a:p>
+              <a:pPr algn="ctr"/>
+              <a:r>
+                <a:rPr lang="en-US" altLang="ko-KR" sz="1200">
+                  <a:solidFill>
+                    <a:schemeClr val="tx1"/>
+                  </a:solidFill>
+                </a:rPr>
+                <a:t>ip.xic</a:t>
+              </a:r>
+              <a:endParaRPr lang="ko-KR" altLang="en-US" sz="1200" dirty="0">
+                <a:solidFill>
+                  <a:schemeClr val="tx1"/>
+                </a:solidFill>
+              </a:endParaRPr>
+            </a:p>
+          </p:txBody>
+        </p:sp>
+        <p:cxnSp>
+          <p:nvCxnSpPr>
+            <p:cNvPr id="44" name="직선 연결선 43">
+              <a:extLst>
+                <a:ext uri="{FF2B5EF4-FFF2-40B4-BE49-F238E27FC236}">
+                  <a16:creationId xmlns:a16="http://schemas.microsoft.com/office/drawing/2014/main" id="{856FF55E-BBDF-F9E3-6A20-2B6AE994C393}"/>
+                </a:ext>
+              </a:extLst>
+            </p:cNvPr>
+            <p:cNvCxnSpPr/>
+            <p:nvPr/>
+          </p:nvCxnSpPr>
+          <p:spPr>
+            <a:xfrm>
+              <a:off x="1853619" y="4816463"/>
+              <a:ext cx="576262" cy="0"/>
+            </a:xfrm>
+            <a:prstGeom prst="line">
+              <a:avLst/>
+            </a:prstGeom>
+            <a:ln w="15875"/>
+          </p:spPr>
+          <p:style>
+            <a:lnRef idx="1">
+              <a:schemeClr val="dk1"/>
+            </a:lnRef>
+            <a:fillRef idx="0">
+              <a:schemeClr val="dk1"/>
+            </a:fillRef>
+            <a:effectRef idx="0">
+              <a:schemeClr val="dk1"/>
+            </a:effectRef>
+            <a:fontRef idx="minor">
+              <a:schemeClr val="tx1"/>
+            </a:fontRef>
+          </p:style>
+        </p:cxnSp>
+        <p:cxnSp>
+          <p:nvCxnSpPr>
+            <p:cNvPr id="45" name="직선 연결선 44">
+              <a:extLst>
+                <a:ext uri="{FF2B5EF4-FFF2-40B4-BE49-F238E27FC236}">
+                  <a16:creationId xmlns:a16="http://schemas.microsoft.com/office/drawing/2014/main" id="{D85A9035-BDEA-2A33-1B8C-703E4F18ED07}"/>
+                </a:ext>
+              </a:extLst>
+            </p:cNvPr>
+            <p:cNvCxnSpPr/>
+            <p:nvPr/>
+          </p:nvCxnSpPr>
+          <p:spPr>
+            <a:xfrm>
+              <a:off x="1853619" y="4912573"/>
+              <a:ext cx="576262" cy="0"/>
+            </a:xfrm>
+            <a:prstGeom prst="line">
+              <a:avLst/>
+            </a:prstGeom>
+            <a:ln w="15875"/>
+          </p:spPr>
+          <p:style>
+            <a:lnRef idx="1">
+              <a:schemeClr val="dk1"/>
+            </a:lnRef>
+            <a:fillRef idx="0">
+              <a:schemeClr val="dk1"/>
+            </a:fillRef>
+            <a:effectRef idx="0">
+              <a:schemeClr val="dk1"/>
+            </a:effectRef>
+            <a:fontRef idx="minor">
+              <a:schemeClr val="tx1"/>
+            </a:fontRef>
+          </p:style>
+        </p:cxnSp>
+        <p:cxnSp>
+          <p:nvCxnSpPr>
+            <p:cNvPr id="46" name="직선 연결선 45">
+              <a:extLst>
+                <a:ext uri="{FF2B5EF4-FFF2-40B4-BE49-F238E27FC236}">
+                  <a16:creationId xmlns:a16="http://schemas.microsoft.com/office/drawing/2014/main" id="{562864DD-2EBC-5678-16CD-2C06AE60E510}"/>
+                </a:ext>
+              </a:extLst>
+            </p:cNvPr>
+            <p:cNvCxnSpPr/>
+            <p:nvPr/>
+          </p:nvCxnSpPr>
+          <p:spPr>
+            <a:xfrm>
+              <a:off x="1853619" y="5003060"/>
+              <a:ext cx="576262" cy="0"/>
+            </a:xfrm>
+            <a:prstGeom prst="line">
+              <a:avLst/>
+            </a:prstGeom>
+            <a:ln w="15875"/>
+          </p:spPr>
+          <p:style>
+            <a:lnRef idx="1">
+              <a:schemeClr val="dk1"/>
+            </a:lnRef>
+            <a:fillRef idx="0">
+              <a:schemeClr val="dk1"/>
+            </a:fillRef>
+            <a:effectRef idx="0">
+              <a:schemeClr val="dk1"/>
+            </a:effectRef>
+            <a:fontRef idx="minor">
+              <a:schemeClr val="tx1"/>
+            </a:fontRef>
+          </p:style>
+        </p:cxnSp>
+      </p:grpSp>
+      <p:grpSp>
+        <p:nvGrpSpPr>
+          <p:cNvPr id="47" name="그룹 46">
+            <a:extLst>
+              <a:ext uri="{FF2B5EF4-FFF2-40B4-BE49-F238E27FC236}">
+                <a16:creationId xmlns:a16="http://schemas.microsoft.com/office/drawing/2014/main" id="{10C6281D-E5EA-7212-5D00-325D1FBBF30F}"/>
+              </a:ext>
+            </a:extLst>
+          </p:cNvPr>
+          <p:cNvGrpSpPr/>
+          <p:nvPr/>
+        </p:nvGrpSpPr>
+        <p:grpSpPr>
+          <a:xfrm>
+            <a:off x="11118926" y="2381662"/>
+            <a:ext cx="759724" cy="866400"/>
+            <a:chOff x="1803216" y="4681679"/>
+            <a:chExt cx="759724" cy="866400"/>
+          </a:xfrm>
+        </p:grpSpPr>
+        <p:sp>
+          <p:nvSpPr>
+            <p:cNvPr id="48" name="사각형: 잘린 한쪽 모서리 47">
+              <a:extLst>
+                <a:ext uri="{FF2B5EF4-FFF2-40B4-BE49-F238E27FC236}">
+                  <a16:creationId xmlns:a16="http://schemas.microsoft.com/office/drawing/2014/main" id="{9C0B183A-BB62-BC29-F411-6924BBFB18C7}"/>
+                </a:ext>
+              </a:extLst>
+            </p:cNvPr>
+            <p:cNvSpPr/>
+            <p:nvPr/>
+          </p:nvSpPr>
+          <p:spPr>
+            <a:xfrm>
+              <a:off x="1803216" y="4681679"/>
+              <a:ext cx="759724" cy="866400"/>
+            </a:xfrm>
+            <a:prstGeom prst="snip1Rect">
+              <a:avLst>
+                <a:gd name="adj" fmla="val 24772"/>
+              </a:avLst>
+            </a:prstGeom>
+            <a:noFill/>
+            <a:ln>
+              <a:solidFill>
+                <a:schemeClr val="tx1"/>
+              </a:solidFill>
+            </a:ln>
+          </p:spPr>
+          <p:style>
+            <a:lnRef idx="2">
+              <a:schemeClr val="accent1">
+                <a:shade val="50000"/>
+              </a:schemeClr>
+            </a:lnRef>
+            <a:fillRef idx="1">
+              <a:schemeClr val="accent1"/>
+            </a:fillRef>
+            <a:effectRef idx="0">
+              <a:schemeClr val="accent1"/>
+            </a:effectRef>
+            <a:fontRef idx="minor">
+              <a:schemeClr val="lt1"/>
+            </a:fontRef>
+          </p:style>
+          <p:txBody>
+            <a:bodyPr rtlCol="0" anchor="ctr"/>
+            <a:lstStyle/>
+            <a:p>
+              <a:pPr algn="ctr"/>
+              <a:r>
+                <a:rPr lang="en-US" altLang="ko-KR" sz="1200">
+                  <a:solidFill>
+                    <a:schemeClr val="tx1"/>
+                  </a:solidFill>
+                </a:rPr>
+                <a:t>ip.xpr</a:t>
+              </a:r>
+              <a:endParaRPr lang="ko-KR" altLang="en-US" sz="1200" dirty="0">
+                <a:solidFill>
+                  <a:schemeClr val="tx1"/>
+                </a:solidFill>
+              </a:endParaRPr>
+            </a:p>
+          </p:txBody>
+        </p:sp>
+        <p:cxnSp>
+          <p:nvCxnSpPr>
+            <p:cNvPr id="49" name="직선 연결선 48">
+              <a:extLst>
+                <a:ext uri="{FF2B5EF4-FFF2-40B4-BE49-F238E27FC236}">
+                  <a16:creationId xmlns:a16="http://schemas.microsoft.com/office/drawing/2014/main" id="{3B464D6B-BFC3-781B-3447-5FF2B4F835C6}"/>
+                </a:ext>
+              </a:extLst>
+            </p:cNvPr>
+            <p:cNvCxnSpPr/>
+            <p:nvPr/>
+          </p:nvCxnSpPr>
+          <p:spPr>
+            <a:xfrm>
+              <a:off x="1853619" y="4816463"/>
+              <a:ext cx="576262" cy="0"/>
+            </a:xfrm>
+            <a:prstGeom prst="line">
+              <a:avLst/>
+            </a:prstGeom>
+            <a:ln w="15875"/>
+          </p:spPr>
+          <p:style>
+            <a:lnRef idx="1">
+              <a:schemeClr val="dk1"/>
+            </a:lnRef>
+            <a:fillRef idx="0">
+              <a:schemeClr val="dk1"/>
+            </a:fillRef>
+            <a:effectRef idx="0">
+              <a:schemeClr val="dk1"/>
+            </a:effectRef>
+            <a:fontRef idx="minor">
+              <a:schemeClr val="tx1"/>
+            </a:fontRef>
+          </p:style>
+        </p:cxnSp>
+        <p:cxnSp>
+          <p:nvCxnSpPr>
+            <p:cNvPr id="50" name="직선 연결선 49">
+              <a:extLst>
+                <a:ext uri="{FF2B5EF4-FFF2-40B4-BE49-F238E27FC236}">
+                  <a16:creationId xmlns:a16="http://schemas.microsoft.com/office/drawing/2014/main" id="{1C9F16B9-D900-5AC6-C0B6-B5A0A6D57345}"/>
+                </a:ext>
+              </a:extLst>
+            </p:cNvPr>
+            <p:cNvCxnSpPr/>
+            <p:nvPr/>
+          </p:nvCxnSpPr>
+          <p:spPr>
+            <a:xfrm>
+              <a:off x="1853619" y="4912573"/>
+              <a:ext cx="576262" cy="0"/>
+            </a:xfrm>
+            <a:prstGeom prst="line">
+              <a:avLst/>
+            </a:prstGeom>
+            <a:ln w="15875"/>
+          </p:spPr>
+          <p:style>
+            <a:lnRef idx="1">
+              <a:schemeClr val="dk1"/>
+            </a:lnRef>
+            <a:fillRef idx="0">
+              <a:schemeClr val="dk1"/>
+            </a:fillRef>
+            <a:effectRef idx="0">
+              <a:schemeClr val="dk1"/>
+            </a:effectRef>
+            <a:fontRef idx="minor">
+              <a:schemeClr val="tx1"/>
+            </a:fontRef>
+          </p:style>
+        </p:cxnSp>
+        <p:cxnSp>
+          <p:nvCxnSpPr>
+            <p:cNvPr id="51" name="직선 연결선 50">
+              <a:extLst>
+                <a:ext uri="{FF2B5EF4-FFF2-40B4-BE49-F238E27FC236}">
+                  <a16:creationId xmlns:a16="http://schemas.microsoft.com/office/drawing/2014/main" id="{952FB17D-357E-4EED-9754-9ED8A9D0E1FE}"/>
+                </a:ext>
+              </a:extLst>
+            </p:cNvPr>
+            <p:cNvCxnSpPr/>
+            <p:nvPr/>
+          </p:nvCxnSpPr>
+          <p:spPr>
+            <a:xfrm>
+              <a:off x="1853619" y="5003060"/>
+              <a:ext cx="576262" cy="0"/>
+            </a:xfrm>
+            <a:prstGeom prst="line">
+              <a:avLst/>
+            </a:prstGeom>
+            <a:ln w="15875"/>
+          </p:spPr>
+          <p:style>
+            <a:lnRef idx="1">
+              <a:schemeClr val="dk1"/>
+            </a:lnRef>
+            <a:fillRef idx="0">
+              <a:schemeClr val="dk1"/>
+            </a:fillRef>
+            <a:effectRef idx="0">
+              <a:schemeClr val="dk1"/>
+            </a:effectRef>
+            <a:fontRef idx="minor">
+              <a:schemeClr val="tx1"/>
+            </a:fontRef>
+          </p:style>
+        </p:cxnSp>
+      </p:grpSp>
+      <p:sp>
+        <p:nvSpPr>
+          <p:cNvPr id="52" name="화살표: 아래쪽 51">
+            <a:extLst>
+              <a:ext uri="{FF2B5EF4-FFF2-40B4-BE49-F238E27FC236}">
+                <a16:creationId xmlns:a16="http://schemas.microsoft.com/office/drawing/2014/main" id="{E962F605-DC0C-3D96-FD15-B2B1B8066783}"/>
+              </a:ext>
+            </a:extLst>
+          </p:cNvPr>
+          <p:cNvSpPr/>
+          <p:nvPr/>
+        </p:nvSpPr>
+        <p:spPr>
+          <a:xfrm>
+            <a:off x="9218354" y="3359319"/>
+            <a:ext cx="459298" cy="684850"/>
+          </a:xfrm>
+          <a:prstGeom prst="downArrow">
+            <a:avLst/>
+          </a:prstGeom>
+          <a:solidFill>
+            <a:schemeClr val="tx2"/>
+          </a:solidFill>
+          <a:ln>
+            <a:solidFill>
+              <a:schemeClr val="tx2"/>
+            </a:solidFill>
+          </a:ln>
+        </p:spPr>
+        <p:style>
+          <a:lnRef idx="2">
+            <a:schemeClr val="accent1">
+              <a:shade val="15000"/>
+            </a:schemeClr>
+          </a:lnRef>
+          <a:fillRef idx="1">
+            <a:schemeClr val="accent1"/>
+          </a:fillRef>
+          <a:effectRef idx="0">
+            <a:schemeClr val="accent1"/>
+          </a:effectRef>
+          <a:fontRef idx="minor">
+            <a:schemeClr val="lt1"/>
+          </a:fontRef>
+        </p:style>
+        <p:txBody>
+          <a:bodyPr rtlCol="0" anchor="ctr"/>
+          <a:lstStyle/>
+          <a:p>
+            <a:pPr algn="ctr"/>
+            <a:endParaRPr lang="ko-KR" altLang="en-US"/>
+          </a:p>
+        </p:txBody>
+      </p:sp>
+      <p:pic>
+        <p:nvPicPr>
+          <p:cNvPr id="54" name="그림 53">
+            <a:extLst>
+              <a:ext uri="{FF2B5EF4-FFF2-40B4-BE49-F238E27FC236}">
+                <a16:creationId xmlns:a16="http://schemas.microsoft.com/office/drawing/2014/main" id="{00F60B1A-1EA9-4E33-88F8-2DDDEA726B95}"/>
+              </a:ext>
+            </a:extLst>
+          </p:cNvPr>
+          <p:cNvPicPr>
+            <a:picLocks noChangeAspect="1"/>
+          </p:cNvPicPr>
+          <p:nvPr/>
+        </p:nvPicPr>
+        <p:blipFill>
+          <a:blip r:embed="rId3"/>
+          <a:stretch>
+            <a:fillRect/>
+          </a:stretch>
+        </p:blipFill>
+        <p:spPr>
+          <a:xfrm>
+            <a:off x="5720912" y="5338572"/>
+            <a:ext cx="3956740" cy="1250054"/>
+          </a:xfrm>
+          <a:prstGeom prst="rect">
+            <a:avLst/>
+          </a:prstGeom>
+        </p:spPr>
+      </p:pic>
+      <p:sp>
+        <p:nvSpPr>
+          <p:cNvPr id="56" name="화살표: 아래쪽 55">
+            <a:extLst>
+              <a:ext uri="{FF2B5EF4-FFF2-40B4-BE49-F238E27FC236}">
+                <a16:creationId xmlns:a16="http://schemas.microsoft.com/office/drawing/2014/main" id="{CC04BD6C-90CF-973D-24E1-C1428C0DB239}"/>
+              </a:ext>
+            </a:extLst>
+          </p:cNvPr>
+          <p:cNvSpPr/>
+          <p:nvPr/>
+        </p:nvSpPr>
+        <p:spPr>
+          <a:xfrm rot="16200000">
+            <a:off x="7739493" y="3473060"/>
+            <a:ext cx="459298" cy="491227"/>
+          </a:xfrm>
+          <a:prstGeom prst="downArrow">
+            <a:avLst/>
+          </a:prstGeom>
+          <a:solidFill>
+            <a:schemeClr val="tx2"/>
+          </a:solidFill>
+          <a:ln>
+            <a:solidFill>
+              <a:schemeClr val="tx2"/>
+            </a:solidFill>
+          </a:ln>
+        </p:spPr>
+        <p:style>
+          <a:lnRef idx="2">
+            <a:schemeClr val="accent1">
+              <a:shade val="15000"/>
+            </a:schemeClr>
+          </a:lnRef>
+          <a:fillRef idx="1">
+            <a:schemeClr val="accent1"/>
+          </a:fillRef>
+          <a:effectRef idx="0">
+            <a:schemeClr val="accent1"/>
+          </a:effectRef>
+          <a:fontRef idx="minor">
+            <a:schemeClr val="lt1"/>
+          </a:fontRef>
+        </p:style>
+        <p:txBody>
+          <a:bodyPr rtlCol="0" anchor="ctr"/>
+          <a:lstStyle/>
+          <a:p>
+            <a:pPr algn="ctr"/>
+            <a:endParaRPr lang="ko-KR" altLang="en-US"/>
+          </a:p>
+        </p:txBody>
+      </p:sp>
+      <p:pic>
+        <p:nvPicPr>
+          <p:cNvPr id="57" name="Picture 2" descr="비바도 리눅스 환경 설치 후 실행 법">
+            <a:extLst>
+              <a:ext uri="{FF2B5EF4-FFF2-40B4-BE49-F238E27FC236}">
+                <a16:creationId xmlns:a16="http://schemas.microsoft.com/office/drawing/2014/main" id="{3941E49D-6557-07DC-BC79-B3EFFA817E1E}"/>
+              </a:ext>
+            </a:extLst>
+          </p:cNvPr>
+          <p:cNvPicPr>
+            <a:picLocks noChangeAspect="1" noChangeArrowheads="1"/>
+          </p:cNvPicPr>
+          <p:nvPr/>
+        </p:nvPicPr>
+        <p:blipFill>
+          <a:blip r:embed="rId4">
+            <a:extLst>
+              <a:ext uri="{28A0092B-C50C-407E-A947-70E740481C1C}">
+                <a14:useLocalDpi xmlns:a14="http://schemas.microsoft.com/office/drawing/2010/main" val="0"/>
+              </a:ext>
+            </a:extLst>
+          </a:blip>
+          <a:srcRect/>
+          <a:stretch>
+            <a:fillRect/>
+          </a:stretch>
+        </p:blipFill>
+        <p:spPr bwMode="auto">
+          <a:xfrm>
+            <a:off x="9859284" y="3393032"/>
+            <a:ext cx="1713971" cy="559399"/>
+          </a:xfrm>
+          <a:prstGeom prst="rect">
+            <a:avLst/>
+          </a:prstGeom>
+          <a:noFill/>
+          <a:extLst>
+            <a:ext uri="{909E8E84-426E-40DD-AFC4-6F175D3DCCD1}">
+              <a14:hiddenFill xmlns:a14="http://schemas.microsoft.com/office/drawing/2010/main">
+                <a:solidFill>
+                  <a:srgbClr val="FFFFFF"/>
+                </a:solidFill>
+              </a14:hiddenFill>
+            </a:ext>
+          </a:extLst>
+        </p:spPr>
+      </p:pic>
+      <p:sp>
+        <p:nvSpPr>
+          <p:cNvPr id="58" name="TextBox 57">
+            <a:extLst>
+              <a:ext uri="{FF2B5EF4-FFF2-40B4-BE49-F238E27FC236}">
+                <a16:creationId xmlns:a16="http://schemas.microsoft.com/office/drawing/2014/main" id="{23DEDF62-79BB-9D83-08C7-D8D30B549260}"/>
+              </a:ext>
+            </a:extLst>
+          </p:cNvPr>
+          <p:cNvSpPr txBox="1"/>
+          <p:nvPr/>
+        </p:nvSpPr>
+        <p:spPr>
+          <a:xfrm>
+            <a:off x="6965560" y="4101061"/>
+            <a:ext cx="2165786" cy="369332"/>
+          </a:xfrm>
+          <a:prstGeom prst="rect">
+            <a:avLst/>
+          </a:prstGeom>
+          <a:noFill/>
+        </p:spPr>
+        <p:txBody>
+          <a:bodyPr wrap="none" rtlCol="0">
+            <a:spAutoFit/>
+          </a:bodyPr>
+          <a:lstStyle/>
+          <a:p>
+            <a:pPr algn="ctr"/>
+            <a:r>
+              <a:rPr lang="en-US" altLang="ko-KR"/>
+              <a:t>Call Vivado in python</a:t>
+            </a:r>
+            <a:endParaRPr lang="ko-KR" altLang="en-US"/>
+          </a:p>
+        </p:txBody>
+      </p:sp>
+    </p:spTree>
+    <p:extLst>
+      <p:ext uri="{BB962C8B-B14F-4D97-AF65-F5344CB8AC3E}">
+        <p14:creationId xmlns:p14="http://schemas.microsoft.com/office/powerpoint/2010/main" val="303847887"/>
+      </p:ext>
+    </p:extLst>
+  </p:cSld>
+  <p:clrMapOvr>
+    <a:masterClrMapping/>
+  </p:clrMapOvr>
+</p:sld>
+</file>
+
+<file path=ppt/slides/slide9.xml><?xml version="1.0" encoding="utf-8"?>
+<p:sld xmlns:a="http://schemas.openxmlformats.org/drawingml/2006/main" xmlns:r="http://schemas.openxmlformats.org/officeDocument/2006/relationships" xmlns:p="http://schemas.openxmlformats.org/presentationml/2006/main">
+  <p:cSld>
+    <p:spTree>
+      <p:nvGrpSpPr>
+        <p:cNvPr id="1" name=""/>
+        <p:cNvGrpSpPr/>
+        <p:nvPr/>
+      </p:nvGrpSpPr>
+      <p:grpSpPr>
+        <a:xfrm>
+          <a:off x="0" y="0"/>
+          <a:ext cx="0" cy="0"/>
+          <a:chOff x="0" y="0"/>
+          <a:chExt cx="0" cy="0"/>
+        </a:xfrm>
+      </p:grpSpPr>
+      <p:sp>
+        <p:nvSpPr>
+          <p:cNvPr id="2" name="제목 1">
+            <a:extLst>
+              <a:ext uri="{FF2B5EF4-FFF2-40B4-BE49-F238E27FC236}">
+                <a16:creationId xmlns:a16="http://schemas.microsoft.com/office/drawing/2014/main" id="{5722B2CA-1DFC-56B4-CA7D-A7D3D3901721}"/>
+              </a:ext>
+            </a:extLst>
+          </p:cNvPr>
+          <p:cNvSpPr>
+            <a:spLocks noGrp="1"/>
+          </p:cNvSpPr>
+          <p:nvPr>
+            <p:ph type="title"/>
+          </p:nvPr>
+        </p:nvSpPr>
+        <p:spPr/>
+        <p:txBody>
+          <a:bodyPr/>
+          <a:lstStyle/>
+          <a:p>
+            <a:r>
+              <a:rPr lang="en-US" altLang="ko-KR"/>
+              <a:t>Created Block Design Example</a:t>
+            </a:r>
+            <a:endParaRPr lang="ko-KR" altLang="en-US"/>
+          </a:p>
+        </p:txBody>
+      </p:sp>
+      <p:sp>
+        <p:nvSpPr>
+          <p:cNvPr id="4" name="날짜 개체 틀 3">
+            <a:extLst>
+              <a:ext uri="{FF2B5EF4-FFF2-40B4-BE49-F238E27FC236}">
+                <a16:creationId xmlns:a16="http://schemas.microsoft.com/office/drawing/2014/main" id="{15D1B0E7-E56C-FD39-445D-1E7B12B837EF}"/>
+              </a:ext>
+            </a:extLst>
+          </p:cNvPr>
+          <p:cNvSpPr>
+            <a:spLocks noGrp="1"/>
+          </p:cNvSpPr>
+          <p:nvPr>
+            <p:ph type="dt" sz="half" idx="10"/>
+          </p:nvPr>
+        </p:nvSpPr>
+        <p:spPr/>
+        <p:txBody>
+          <a:bodyPr/>
+          <a:lstStyle/>
+          <a:p>
+            <a:r>
+              <a:rPr kumimoji="1" lang="en-US" altLang="ko-KR">
+                <a:ea typeface="Verdana" panose="020B0604030504040204" pitchFamily="34" charset="0"/>
+              </a:rPr>
+              <a:t>2023. 3. 29.</a:t>
+            </a:r>
+            <a:endParaRPr kumimoji="1" lang="ko-Kore-KR" altLang="en-US" dirty="0"/>
+          </a:p>
+        </p:txBody>
+      </p:sp>
+      <p:pic>
+        <p:nvPicPr>
+          <p:cNvPr id="6" name="그림 5">
+            <a:extLst>
+              <a:ext uri="{FF2B5EF4-FFF2-40B4-BE49-F238E27FC236}">
+                <a16:creationId xmlns:a16="http://schemas.microsoft.com/office/drawing/2014/main" id="{83697F14-AABB-4288-3175-33244ED9516D}"/>
+              </a:ext>
+            </a:extLst>
+          </p:cNvPr>
+          <p:cNvPicPr>
+            <a:picLocks noChangeAspect="1"/>
+          </p:cNvPicPr>
+          <p:nvPr/>
+        </p:nvPicPr>
+        <p:blipFill>
+          <a:blip r:embed="rId2"/>
+          <a:stretch>
+            <a:fillRect/>
+          </a:stretch>
+        </p:blipFill>
+        <p:spPr>
+          <a:xfrm>
+            <a:off x="0" y="1503088"/>
+            <a:ext cx="12192000" cy="3851823"/>
+          </a:xfrm>
+          <a:prstGeom prst="rect">
+            <a:avLst/>
+          </a:prstGeom>
+        </p:spPr>
+      </p:pic>
+    </p:spTree>
+    <p:extLst>
+      <p:ext uri="{BB962C8B-B14F-4D97-AF65-F5344CB8AC3E}">
+        <p14:creationId xmlns:p14="http://schemas.microsoft.com/office/powerpoint/2010/main" val="4049620156"/>
+      </p:ext>
+    </p:extLst>
+  </p:cSld>
+  <p:clrMapOvr>
+    <a:masterClrMapping/>
+  </p:clrMapOvr>
+</p:sld>
+</file>
+
+<file path=ppt/tags/tag1.xml><?xml version="1.0" encoding="utf-8"?>
+<p:tagLst xmlns:a="http://schemas.openxmlformats.org/drawingml/2006/main" xmlns:r="http://schemas.openxmlformats.org/officeDocument/2006/relationships" xmlns:p="http://schemas.openxmlformats.org/presentationml/2006/main">
+  <p:tag name="OUTPUTDPI" val="1200"/>
+  <p:tag name="ORIGINALHEIGHT" val="2203.225"/>
+  <p:tag name="ORIGINALWIDTH" val="3921.26"/>
+  <p:tag name="LATEXADDIN" val="\documentclass{article}&#10;\usepackage{amsmath}&#10;\pagestyle{empty}&#10;\begin{document}&#10;&#10;\noindent For 16 dds\_compiler \\&#10;0 to 15 $= 2^{4} – 1 = [3:0] fine\_timestamp$\\&#10;so, $\{timestamp[63:0],fine\_timestampe[3:0]\}$\\&#10;&#10;\noindent Xilinx dds\_compiler v6.0 input Phase : $(2\pi/(2^{14} - 1)) \times input$\\&#10;so, $(input\_incr/(2^{14} - 1)) \times (16 F_{sys}) = F_{actual}$\\&#10;One period of timestamp $= (1/F_{actual}) \times 10^{8} $(due to its 10ns resolution)\\&#10;Input\_incr: $freq \times timestamp$\\&#10;so, $[(freq\_bin) \times (1/F_{actual}) \times (10^{8}) ][n+13:n] = 2^{14} - 1$\\&#10;$F_{actual} = (freq\_bin/(2^{48} – 2^{34})) \times 16 \times 10^{8} Hz$\\&#10;so, $[(2^{48} – 2^{34})][n+13:n] = 2^{14} – 1&#10;= [2^{14} – 1][n-21:n-34]$\\&#10;Therefore,  n = 34&#10;&#10;DSP : $27 \times 18$ two’s complement\\&#10;$72 bit \times 48 bit$  3DSP\\&#10;$Unsigned 72 \times  Unsigned 48 bit = $  120 bit&#10;&#10;\end{document}&#10;"/>
+  <p:tag name="IGUANATEXSIZE" val="20"/>
+  <p:tag name="IGUANATEXCURSOR" val="884"/>
+  <p:tag name="TRANSPARENCY" val="True"/>
+  <p:tag name="LATEXENGINEID" val="0"/>
+  <p:tag name="TEMPFOLDER" val="c:\temp\"/>
+  <p:tag name="LATEXFORMHEIGHT" val="312"/>
+  <p:tag name="LATEXFORMWIDTH" val="384"/>
+  <p:tag name="LATEXFORMWRAP" val="True"/>
+  <p:tag name="BITMAPVECTOR" val="0"/>
+</p:tagLst>
+</file>
+
+<file path=ppt/tags/tag2.xml><?xml version="1.0" encoding="utf-8"?>
+<p:tagLst xmlns:a="http://schemas.openxmlformats.org/drawingml/2006/main" xmlns:r="http://schemas.openxmlformats.org/officeDocument/2006/relationships" xmlns:p="http://schemas.openxmlformats.org/presentationml/2006/main">
+  <p:tag name="OUTPUTDPI" val="1200"/>
+  <p:tag name="ORIGINALHEIGHT" val="2051.744"/>
+  <p:tag name="ORIGINALWIDTH" val="4146.981"/>
+  <p:tag name="LATEXADDIN" val="\documentclass{article}&#10;\usepackage{amsmath}&#10;\pagestyle{empty}&#10;\begin{document}&#10;&#10;\noindent For 14 bit unsigned amplitude scaling\\&#10;&#10;\noindent $amp[13:0] * dds\_output[15:0] = amp\_full\_product[31:0]$\\&#10;for full amp $2^{14} - 1$\\&#10;for full dds\_output $2^{14} - 1$\\&#10;product becomes $2^{28} - 2^{15} + 1 = 2^{14}(2^{14} - 2) + \varepsilon$\\&#10;&#10;\noindent other choice&#10;$(amp[13:0]+1) * dds\_output[15:0] = amp\_full\_product[31:0]$\\&#10;for full amp $2^{14} - 1 + 1$\\&#10;for full dds\_output $2^{14} - 1$\\&#10;product becomes $2^{14}(2^{14} - 1)$\\&#10;But, for zero amp,\\&#10;$2^{14} - 1$\\&#10;So, zero has to be conducted in exception case&#10;&#10;&#10;&#10;\end{document}"/>
+  <p:tag name="IGUANATEXSIZE" val="20"/>
+  <p:tag name="IGUANATEXCURSOR" val="621"/>
+  <p:tag name="TRANSPARENCY" val="True"/>
+  <p:tag name="LATEXENGINEID" val="0"/>
+  <p:tag name="TEMPFOLDER" val="c:\temp\"/>
+  <p:tag name="LATEXFORMHEIGHT" val="312"/>
+  <p:tag name="LATEXFORMWIDTH" val="384"/>
+  <p:tag name="LATEXFORMWRAP" val="True"/>
+  <p:tag name="BITMAPVECTOR" val="0"/>
+</p:tagLst>
 </file>
 
 <file path=ppt/theme/theme1.xml><?xml version="1.0" encoding="utf-8"?>

--- a/Documents/PPT/LabMeeting/2023_TEMP/TEMP_RFSoC_Meeting.pptx
+++ b/Documents/PPT/LabMeeting/2023_TEMP/TEMP_RFSoC_Meeting.pptx
@@ -5,21 +5,22 @@
     <p:sldMasterId id="2147483648" r:id="rId1"/>
   </p:sldMasterIdLst>
   <p:notesMasterIdLst>
-    <p:notesMasterId r:id="rId14"/>
+    <p:notesMasterId r:id="rId15"/>
   </p:notesMasterIdLst>
   <p:sldIdLst>
     <p:sldId id="256" r:id="rId2"/>
     <p:sldId id="258" r:id="rId3"/>
     <p:sldId id="259" r:id="rId4"/>
-    <p:sldId id="265" r:id="rId5"/>
-    <p:sldId id="264" r:id="rId6"/>
-    <p:sldId id="260" r:id="rId7"/>
-    <p:sldId id="261" r:id="rId8"/>
-    <p:sldId id="262" r:id="rId9"/>
-    <p:sldId id="263" r:id="rId10"/>
-    <p:sldId id="266" r:id="rId11"/>
-    <p:sldId id="267" r:id="rId12"/>
-    <p:sldId id="268" r:id="rId13"/>
+    <p:sldId id="269" r:id="rId5"/>
+    <p:sldId id="266" r:id="rId6"/>
+    <p:sldId id="267" r:id="rId7"/>
+    <p:sldId id="265" r:id="rId8"/>
+    <p:sldId id="264" r:id="rId9"/>
+    <p:sldId id="260" r:id="rId10"/>
+    <p:sldId id="261" r:id="rId11"/>
+    <p:sldId id="262" r:id="rId12"/>
+    <p:sldId id="263" r:id="rId13"/>
+    <p:sldId id="268" r:id="rId14"/>
   </p:sldIdLst>
   <p:sldSz cx="12192000" cy="6858000"/>
   <p:notesSz cx="6858000" cy="9144000"/>
@@ -208,7 +209,7 @@
           <a:p>
             <a:fld id="{8ECD4658-FC5F-4C4A-9C84-93B50C1C7551}" type="datetimeFigureOut">
               <a:rPr kumimoji="1" lang="ko-Kore-KR" altLang="en-US" smtClean="0"/>
-              <a:t>08/31/2023</a:t>
+              <a:t>09/01/2023</a:t>
             </a:fld>
             <a:endParaRPr kumimoji="1" lang="ko-Kore-KR" altLang="en-US"/>
           </a:p>
@@ -4154,7 +4155,7 @@
           <p:cNvPr id="2" name="제목 1">
             <a:extLst>
               <a:ext uri="{FF2B5EF4-FFF2-40B4-BE49-F238E27FC236}">
-                <a16:creationId xmlns:a16="http://schemas.microsoft.com/office/drawing/2014/main" id="{F7D90AA4-352B-F447-9067-89676F840827}"/>
+                <a16:creationId xmlns:a16="http://schemas.microsoft.com/office/drawing/2014/main" id="{ACB69391-E7A8-00AC-E466-91143C5A38EA}"/>
               </a:ext>
             </a:extLst>
           </p:cNvPr>
@@ -4172,7 +4173,7 @@
           <a:p>
             <a:r>
               <a:rPr lang="en-US" altLang="ko-KR"/>
-              <a:t>DDS in Verilog</a:t>
+              <a:t>Custom IP Creation</a:t>
             </a:r>
             <a:endParaRPr lang="ko-KR" altLang="en-US"/>
           </a:p>
@@ -4183,7 +4184,7 @@
           <p:cNvPr id="4" name="날짜 개체 틀 3">
             <a:extLst>
               <a:ext uri="{FF2B5EF4-FFF2-40B4-BE49-F238E27FC236}">
-                <a16:creationId xmlns:a16="http://schemas.microsoft.com/office/drawing/2014/main" id="{BADAA1AE-F94D-91A7-FFAB-7A6C76CF9472}"/>
+                <a16:creationId xmlns:a16="http://schemas.microsoft.com/office/drawing/2014/main" id="{A9EC7347-C8B0-48F0-3A09-A062690BC6FD}"/>
               </a:ext>
             </a:extLst>
           </p:cNvPr>
@@ -4211,48 +4212,2120 @@
       </p:sp>
       <p:pic>
         <p:nvPicPr>
-          <p:cNvPr id="6" name="그림 5" descr="\documentclass{article}&#10;\usepackage{amsmath}&#10;\pagestyle{empty}&#10;\begin{document}&#10;&#10;\noindent For 16 dds\_compiler \\&#10;0 to 15 $= 2^{4} – 1 = [3:0] fine\_timestamp$\\&#10;so, $\{timestamp[63:0],fine\_timestampe[3:0]\}$\\&#10;&#10;\noindent Xilinx dds\_compiler v6.0 input Phase : $(2\pi/(2^{14} - 1)) \times input$\\&#10;so, $(input\_incr/(2^{14} - 1)) \times (16 F_{sys}) = F_{actual}$\\&#10;One period of timestamp $= (1/F_{actual}) \times 10^{8} $(due to its 10ns resolution)\\&#10;Input\_incr: $freq \times timestamp$\\&#10;so, $[(freq\_bin) \times (1/F_{actual}) \times (10^{8}) ][n+13:n] = 2^{14} - 1$\\&#10;$F_{actual} = (freq\_bin/(2^{48} – 2^{34})) \times 16 \times 10^{8} Hz$\\&#10;so, $[(2^{48} – 2^{34})][n+13:n] = 2^{14} – 1&#10;= [2^{14} – 1][n-21:n-34]$\\&#10;Therefore,  n = 34&#10;&#10;DSP : $27 \times 18$ two’s complement\\&#10;$72 bit \times 48 bit$  3DSP\\&#10;$Unsigned 72 \times  Unsigned 48 bit = $  120 bit&#10;&#10;\end{document}&#10;" title="IguanaTex Bitmap Display">
-            <a:extLst>
-              <a:ext uri="{FF2B5EF4-FFF2-40B4-BE49-F238E27FC236}">
-                <a16:creationId xmlns:a16="http://schemas.microsoft.com/office/drawing/2014/main" id="{9D497717-7825-A5EA-2D56-BB9D69FB7F3D}"/>
+          <p:cNvPr id="6" name="그림 5">
+            <a:extLst>
+              <a:ext uri="{FF2B5EF4-FFF2-40B4-BE49-F238E27FC236}">
+                <a16:creationId xmlns:a16="http://schemas.microsoft.com/office/drawing/2014/main" id="{96A5C1D1-D530-A01C-2624-04A235660F3A}"/>
               </a:ext>
             </a:extLst>
           </p:cNvPr>
           <p:cNvPicPr>
             <a:picLocks noChangeAspect="1"/>
           </p:cNvPicPr>
-          <p:nvPr>
-            <p:custDataLst>
-              <p:tags r:id="rId1"/>
-            </p:custDataLst>
-          </p:nvPr>
+          <p:nvPr/>
         </p:nvPicPr>
         <p:blipFill>
-          <a:blip r:embed="rId3">
-            <a:extLst>
-              <a:ext uri="{28A0092B-C50C-407E-A947-70E740481C1C}">
-                <a14:useLocalDpi xmlns:a14="http://schemas.microsoft.com/office/drawing/2010/main" val="0"/>
-              </a:ext>
-            </a:extLst>
-          </a:blip>
+          <a:blip r:embed="rId2"/>
           <a:stretch>
             <a:fillRect/>
           </a:stretch>
         </p:blipFill>
         <p:spPr>
           <a:xfrm>
-            <a:off x="2455333" y="1405465"/>
-            <a:ext cx="7968000" cy="4476952"/>
+            <a:off x="276577" y="1279141"/>
+            <a:ext cx="4001912" cy="5228230"/>
           </a:xfrm>
           <a:prstGeom prst="rect">
             <a:avLst/>
           </a:prstGeom>
         </p:spPr>
       </p:pic>
+      <p:grpSp>
+        <p:nvGrpSpPr>
+          <p:cNvPr id="7" name="그룹 6">
+            <a:extLst>
+              <a:ext uri="{FF2B5EF4-FFF2-40B4-BE49-F238E27FC236}">
+                <a16:creationId xmlns:a16="http://schemas.microsoft.com/office/drawing/2014/main" id="{8B4F8876-547C-C5B2-E424-1B78F979DF50}"/>
+              </a:ext>
+            </a:extLst>
+          </p:cNvPr>
+          <p:cNvGrpSpPr/>
+          <p:nvPr/>
+        </p:nvGrpSpPr>
+        <p:grpSpPr>
+          <a:xfrm>
+            <a:off x="8523698" y="1486794"/>
+            <a:ext cx="900113" cy="714375"/>
+            <a:chOff x="1600200" y="5600700"/>
+            <a:chExt cx="900113" cy="714375"/>
+          </a:xfrm>
+        </p:grpSpPr>
+        <p:sp>
+          <p:nvSpPr>
+            <p:cNvPr id="8" name="사각형: 잘린 한쪽 모서리 7">
+              <a:extLst>
+                <a:ext uri="{FF2B5EF4-FFF2-40B4-BE49-F238E27FC236}">
+                  <a16:creationId xmlns:a16="http://schemas.microsoft.com/office/drawing/2014/main" id="{E4EC3BF0-C080-11C5-D032-1E64D3B44E7A}"/>
+                </a:ext>
+              </a:extLst>
+            </p:cNvPr>
+            <p:cNvSpPr/>
+            <p:nvPr/>
+          </p:nvSpPr>
+          <p:spPr>
+            <a:xfrm>
+              <a:off x="1600200" y="5631475"/>
+              <a:ext cx="452438" cy="452438"/>
+            </a:xfrm>
+            <a:prstGeom prst="snip1Rect">
+              <a:avLst/>
+            </a:prstGeom>
+            <a:solidFill>
+              <a:schemeClr val="accent4">
+                <a:lumMod val="75000"/>
+              </a:schemeClr>
+            </a:solidFill>
+            <a:ln>
+              <a:solidFill>
+                <a:schemeClr val="tx1"/>
+              </a:solidFill>
+            </a:ln>
+          </p:spPr>
+          <p:style>
+            <a:lnRef idx="2">
+              <a:schemeClr val="accent1">
+                <a:shade val="50000"/>
+              </a:schemeClr>
+            </a:lnRef>
+            <a:fillRef idx="1">
+              <a:schemeClr val="accent1"/>
+            </a:fillRef>
+            <a:effectRef idx="0">
+              <a:schemeClr val="accent1"/>
+            </a:effectRef>
+            <a:fontRef idx="minor">
+              <a:schemeClr val="lt1"/>
+            </a:fontRef>
+          </p:style>
+          <p:txBody>
+            <a:bodyPr rtlCol="0" anchor="ctr"/>
+            <a:lstStyle/>
+            <a:p>
+              <a:pPr algn="ctr"/>
+              <a:endParaRPr lang="ko-KR" altLang="en-US" sz="1200">
+                <a:solidFill>
+                  <a:schemeClr val="tx1"/>
+                </a:solidFill>
+              </a:endParaRPr>
+            </a:p>
+          </p:txBody>
+        </p:sp>
+        <p:sp>
+          <p:nvSpPr>
+            <p:cNvPr id="9" name="자유형: 도형 8">
+              <a:extLst>
+                <a:ext uri="{FF2B5EF4-FFF2-40B4-BE49-F238E27FC236}">
+                  <a16:creationId xmlns:a16="http://schemas.microsoft.com/office/drawing/2014/main" id="{86F1C505-A8CB-54D5-75C2-D80134854EAF}"/>
+                </a:ext>
+              </a:extLst>
+            </p:cNvPr>
+            <p:cNvSpPr/>
+            <p:nvPr/>
+          </p:nvSpPr>
+          <p:spPr>
+            <a:xfrm>
+              <a:off x="1600201" y="5600700"/>
+              <a:ext cx="900112" cy="714375"/>
+            </a:xfrm>
+            <a:custGeom>
+              <a:avLst/>
+              <a:gdLst>
+                <a:gd name="connsiteX0" fmla="*/ 533400 w 900112"/>
+                <a:gd name="connsiteY0" fmla="*/ 0 h 714375"/>
+                <a:gd name="connsiteX1" fmla="*/ 388143 w 900112"/>
+                <a:gd name="connsiteY1" fmla="*/ 145257 h 714375"/>
+                <a:gd name="connsiteX2" fmla="*/ 0 w 900112"/>
+                <a:gd name="connsiteY2" fmla="*/ 145257 h 714375"/>
+                <a:gd name="connsiteX3" fmla="*/ 0 w 900112"/>
+                <a:gd name="connsiteY3" fmla="*/ 714375 h 714375"/>
+                <a:gd name="connsiteX4" fmla="*/ 900112 w 900112"/>
+                <a:gd name="connsiteY4" fmla="*/ 714375 h 714375"/>
+                <a:gd name="connsiteX5" fmla="*/ 900112 w 900112"/>
+                <a:gd name="connsiteY5" fmla="*/ 4763 h 714375"/>
+                <a:gd name="connsiteX6" fmla="*/ 533400 w 900112"/>
+                <a:gd name="connsiteY6" fmla="*/ 0 h 714375"/>
+              </a:gdLst>
+              <a:ahLst/>
+              <a:cxnLst>
+                <a:cxn ang="0">
+                  <a:pos x="connsiteX0" y="connsiteY0"/>
+                </a:cxn>
+                <a:cxn ang="0">
+                  <a:pos x="connsiteX1" y="connsiteY1"/>
+                </a:cxn>
+                <a:cxn ang="0">
+                  <a:pos x="connsiteX2" y="connsiteY2"/>
+                </a:cxn>
+                <a:cxn ang="0">
+                  <a:pos x="connsiteX3" y="connsiteY3"/>
+                </a:cxn>
+                <a:cxn ang="0">
+                  <a:pos x="connsiteX4" y="connsiteY4"/>
+                </a:cxn>
+                <a:cxn ang="0">
+                  <a:pos x="connsiteX5" y="connsiteY5"/>
+                </a:cxn>
+                <a:cxn ang="0">
+                  <a:pos x="connsiteX6" y="connsiteY6"/>
+                </a:cxn>
+              </a:cxnLst>
+              <a:rect l="l" t="t" r="r" b="b"/>
+              <a:pathLst>
+                <a:path w="900112" h="714375">
+                  <a:moveTo>
+                    <a:pt x="533400" y="0"/>
+                  </a:moveTo>
+                  <a:lnTo>
+                    <a:pt x="388143" y="145257"/>
+                  </a:lnTo>
+                  <a:lnTo>
+                    <a:pt x="0" y="145257"/>
+                  </a:lnTo>
+                  <a:lnTo>
+                    <a:pt x="0" y="714375"/>
+                  </a:lnTo>
+                  <a:lnTo>
+                    <a:pt x="900112" y="714375"/>
+                  </a:lnTo>
+                  <a:lnTo>
+                    <a:pt x="900112" y="4763"/>
+                  </a:lnTo>
+                  <a:lnTo>
+                    <a:pt x="533400" y="0"/>
+                  </a:lnTo>
+                  <a:close/>
+                </a:path>
+              </a:pathLst>
+            </a:custGeom>
+            <a:solidFill>
+              <a:schemeClr val="accent4">
+                <a:lumMod val="60000"/>
+                <a:lumOff val="40000"/>
+              </a:schemeClr>
+            </a:solidFill>
+            <a:ln>
+              <a:solidFill>
+                <a:schemeClr val="tx1"/>
+              </a:solidFill>
+            </a:ln>
+          </p:spPr>
+          <p:style>
+            <a:lnRef idx="2">
+              <a:schemeClr val="accent1">
+                <a:shade val="50000"/>
+              </a:schemeClr>
+            </a:lnRef>
+            <a:fillRef idx="1">
+              <a:schemeClr val="accent1"/>
+            </a:fillRef>
+            <a:effectRef idx="0">
+              <a:schemeClr val="accent1"/>
+            </a:effectRef>
+            <a:fontRef idx="minor">
+              <a:schemeClr val="lt1"/>
+            </a:fontRef>
+          </p:style>
+          <p:txBody>
+            <a:bodyPr rtlCol="0" anchor="ctr"/>
+            <a:lstStyle/>
+            <a:p>
+              <a:pPr algn="ctr"/>
+              <a:endParaRPr lang="en-US" altLang="ko-KR" sz="1200" dirty="0">
+                <a:solidFill>
+                  <a:schemeClr val="tx1"/>
+                </a:solidFill>
+              </a:endParaRPr>
+            </a:p>
+            <a:p>
+              <a:pPr algn="ctr"/>
+              <a:r>
+                <a:rPr lang="en-US" altLang="ko-KR" sz="1200">
+                  <a:solidFill>
+                    <a:schemeClr val="tx1"/>
+                  </a:solidFill>
+                </a:rPr>
+                <a:t>/ip_src_dir</a:t>
+              </a:r>
+              <a:endParaRPr lang="ko-KR" altLang="en-US" sz="1200" dirty="0">
+                <a:solidFill>
+                  <a:schemeClr val="tx1"/>
+                </a:solidFill>
+              </a:endParaRPr>
+            </a:p>
+          </p:txBody>
+        </p:sp>
+      </p:grpSp>
+      <p:grpSp>
+        <p:nvGrpSpPr>
+          <p:cNvPr id="10" name="그룹 9">
+            <a:extLst>
+              <a:ext uri="{FF2B5EF4-FFF2-40B4-BE49-F238E27FC236}">
+                <a16:creationId xmlns:a16="http://schemas.microsoft.com/office/drawing/2014/main" id="{3128EFAB-95A3-9569-7AFC-3D80946606C2}"/>
+              </a:ext>
+            </a:extLst>
+          </p:cNvPr>
+          <p:cNvGrpSpPr/>
+          <p:nvPr/>
+        </p:nvGrpSpPr>
+        <p:grpSpPr>
+          <a:xfrm>
+            <a:off x="7579976" y="2529275"/>
+            <a:ext cx="759724" cy="866400"/>
+            <a:chOff x="1803216" y="4681679"/>
+            <a:chExt cx="759724" cy="866400"/>
+          </a:xfrm>
+        </p:grpSpPr>
+        <p:sp>
+          <p:nvSpPr>
+            <p:cNvPr id="11" name="사각형: 잘린 한쪽 모서리 10">
+              <a:extLst>
+                <a:ext uri="{FF2B5EF4-FFF2-40B4-BE49-F238E27FC236}">
+                  <a16:creationId xmlns:a16="http://schemas.microsoft.com/office/drawing/2014/main" id="{34115DDD-980A-3A8E-31F5-5A647BD8402B}"/>
+                </a:ext>
+              </a:extLst>
+            </p:cNvPr>
+            <p:cNvSpPr/>
+            <p:nvPr/>
+          </p:nvSpPr>
+          <p:spPr>
+            <a:xfrm>
+              <a:off x="1803216" y="4681679"/>
+              <a:ext cx="759724" cy="866400"/>
+            </a:xfrm>
+            <a:prstGeom prst="snip1Rect">
+              <a:avLst>
+                <a:gd name="adj" fmla="val 24772"/>
+              </a:avLst>
+            </a:prstGeom>
+            <a:noFill/>
+            <a:ln>
+              <a:solidFill>
+                <a:schemeClr val="tx1"/>
+              </a:solidFill>
+            </a:ln>
+          </p:spPr>
+          <p:style>
+            <a:lnRef idx="2">
+              <a:schemeClr val="accent1">
+                <a:shade val="50000"/>
+              </a:schemeClr>
+            </a:lnRef>
+            <a:fillRef idx="1">
+              <a:schemeClr val="accent1"/>
+            </a:fillRef>
+            <a:effectRef idx="0">
+              <a:schemeClr val="accent1"/>
+            </a:effectRef>
+            <a:fontRef idx="minor">
+              <a:schemeClr val="lt1"/>
+            </a:fontRef>
+          </p:style>
+          <p:txBody>
+            <a:bodyPr rtlCol="0" anchor="ctr"/>
+            <a:lstStyle/>
+            <a:p>
+              <a:pPr algn="ctr"/>
+              <a:r>
+                <a:rPr lang="en-US" altLang="ko-KR" sz="1200">
+                  <a:solidFill>
+                    <a:schemeClr val="tx1"/>
+                  </a:solidFill>
+                </a:rPr>
+                <a:t>ip1.sv</a:t>
+              </a:r>
+              <a:endParaRPr lang="ko-KR" altLang="en-US" sz="1200" dirty="0">
+                <a:solidFill>
+                  <a:schemeClr val="tx1"/>
+                </a:solidFill>
+              </a:endParaRPr>
+            </a:p>
+          </p:txBody>
+        </p:sp>
+        <p:cxnSp>
+          <p:nvCxnSpPr>
+            <p:cNvPr id="12" name="직선 연결선 11">
+              <a:extLst>
+                <a:ext uri="{FF2B5EF4-FFF2-40B4-BE49-F238E27FC236}">
+                  <a16:creationId xmlns:a16="http://schemas.microsoft.com/office/drawing/2014/main" id="{56BFB86E-A421-4B7E-7A01-CAC7C29C005C}"/>
+                </a:ext>
+              </a:extLst>
+            </p:cNvPr>
+            <p:cNvCxnSpPr/>
+            <p:nvPr/>
+          </p:nvCxnSpPr>
+          <p:spPr>
+            <a:xfrm>
+              <a:off x="1853619" y="4816463"/>
+              <a:ext cx="576262" cy="0"/>
+            </a:xfrm>
+            <a:prstGeom prst="line">
+              <a:avLst/>
+            </a:prstGeom>
+            <a:ln w="15875"/>
+          </p:spPr>
+          <p:style>
+            <a:lnRef idx="1">
+              <a:schemeClr val="dk1"/>
+            </a:lnRef>
+            <a:fillRef idx="0">
+              <a:schemeClr val="dk1"/>
+            </a:fillRef>
+            <a:effectRef idx="0">
+              <a:schemeClr val="dk1"/>
+            </a:effectRef>
+            <a:fontRef idx="minor">
+              <a:schemeClr val="tx1"/>
+            </a:fontRef>
+          </p:style>
+        </p:cxnSp>
+        <p:cxnSp>
+          <p:nvCxnSpPr>
+            <p:cNvPr id="13" name="직선 연결선 12">
+              <a:extLst>
+                <a:ext uri="{FF2B5EF4-FFF2-40B4-BE49-F238E27FC236}">
+                  <a16:creationId xmlns:a16="http://schemas.microsoft.com/office/drawing/2014/main" id="{E6BDC502-CA0F-4A31-4B21-6CDBAD3F29ED}"/>
+                </a:ext>
+              </a:extLst>
+            </p:cNvPr>
+            <p:cNvCxnSpPr/>
+            <p:nvPr/>
+          </p:nvCxnSpPr>
+          <p:spPr>
+            <a:xfrm>
+              <a:off x="1853619" y="4912573"/>
+              <a:ext cx="576262" cy="0"/>
+            </a:xfrm>
+            <a:prstGeom prst="line">
+              <a:avLst/>
+            </a:prstGeom>
+            <a:ln w="15875"/>
+          </p:spPr>
+          <p:style>
+            <a:lnRef idx="1">
+              <a:schemeClr val="dk1"/>
+            </a:lnRef>
+            <a:fillRef idx="0">
+              <a:schemeClr val="dk1"/>
+            </a:fillRef>
+            <a:effectRef idx="0">
+              <a:schemeClr val="dk1"/>
+            </a:effectRef>
+            <a:fontRef idx="minor">
+              <a:schemeClr val="tx1"/>
+            </a:fontRef>
+          </p:style>
+        </p:cxnSp>
+        <p:cxnSp>
+          <p:nvCxnSpPr>
+            <p:cNvPr id="14" name="직선 연결선 13">
+              <a:extLst>
+                <a:ext uri="{FF2B5EF4-FFF2-40B4-BE49-F238E27FC236}">
+                  <a16:creationId xmlns:a16="http://schemas.microsoft.com/office/drawing/2014/main" id="{1C59C572-9355-29FA-B72C-6EBFC799A09C}"/>
+                </a:ext>
+              </a:extLst>
+            </p:cNvPr>
+            <p:cNvCxnSpPr/>
+            <p:nvPr/>
+          </p:nvCxnSpPr>
+          <p:spPr>
+            <a:xfrm>
+              <a:off x="1853619" y="5003060"/>
+              <a:ext cx="576262" cy="0"/>
+            </a:xfrm>
+            <a:prstGeom prst="line">
+              <a:avLst/>
+            </a:prstGeom>
+            <a:ln w="15875"/>
+          </p:spPr>
+          <p:style>
+            <a:lnRef idx="1">
+              <a:schemeClr val="dk1"/>
+            </a:lnRef>
+            <a:fillRef idx="0">
+              <a:schemeClr val="dk1"/>
+            </a:fillRef>
+            <a:effectRef idx="0">
+              <a:schemeClr val="dk1"/>
+            </a:effectRef>
+            <a:fontRef idx="minor">
+              <a:schemeClr val="tx1"/>
+            </a:fontRef>
+          </p:style>
+        </p:cxnSp>
+      </p:grpSp>
+      <p:grpSp>
+        <p:nvGrpSpPr>
+          <p:cNvPr id="15" name="그룹 14">
+            <a:extLst>
+              <a:ext uri="{FF2B5EF4-FFF2-40B4-BE49-F238E27FC236}">
+                <a16:creationId xmlns:a16="http://schemas.microsoft.com/office/drawing/2014/main" id="{FE444EF1-BA5C-2C8F-462C-1D931BFC15FA}"/>
+              </a:ext>
+            </a:extLst>
+          </p:cNvPr>
+          <p:cNvGrpSpPr/>
+          <p:nvPr/>
+        </p:nvGrpSpPr>
+        <p:grpSpPr>
+          <a:xfrm>
+            <a:off x="8593893" y="2529275"/>
+            <a:ext cx="759724" cy="866400"/>
+            <a:chOff x="1803216" y="4681679"/>
+            <a:chExt cx="759724" cy="866400"/>
+          </a:xfrm>
+        </p:grpSpPr>
+        <p:sp>
+          <p:nvSpPr>
+            <p:cNvPr id="16" name="사각형: 잘린 한쪽 모서리 15">
+              <a:extLst>
+                <a:ext uri="{FF2B5EF4-FFF2-40B4-BE49-F238E27FC236}">
+                  <a16:creationId xmlns:a16="http://schemas.microsoft.com/office/drawing/2014/main" id="{C1380E5F-F941-EC7A-F115-32BD88517FE2}"/>
+                </a:ext>
+              </a:extLst>
+            </p:cNvPr>
+            <p:cNvSpPr/>
+            <p:nvPr/>
+          </p:nvSpPr>
+          <p:spPr>
+            <a:xfrm>
+              <a:off x="1803216" y="4681679"/>
+              <a:ext cx="759724" cy="866400"/>
+            </a:xfrm>
+            <a:prstGeom prst="snip1Rect">
+              <a:avLst>
+                <a:gd name="adj" fmla="val 24772"/>
+              </a:avLst>
+            </a:prstGeom>
+            <a:noFill/>
+            <a:ln>
+              <a:solidFill>
+                <a:schemeClr val="tx1"/>
+              </a:solidFill>
+            </a:ln>
+          </p:spPr>
+          <p:style>
+            <a:lnRef idx="2">
+              <a:schemeClr val="accent1">
+                <a:shade val="50000"/>
+              </a:schemeClr>
+            </a:lnRef>
+            <a:fillRef idx="1">
+              <a:schemeClr val="accent1"/>
+            </a:fillRef>
+            <a:effectRef idx="0">
+              <a:schemeClr val="accent1"/>
+            </a:effectRef>
+            <a:fontRef idx="minor">
+              <a:schemeClr val="lt1"/>
+            </a:fontRef>
+          </p:style>
+          <p:txBody>
+            <a:bodyPr rtlCol="0" anchor="ctr"/>
+            <a:lstStyle/>
+            <a:p>
+              <a:pPr algn="ctr"/>
+              <a:r>
+                <a:rPr lang="en-US" altLang="ko-KR" sz="1200">
+                  <a:solidFill>
+                    <a:schemeClr val="tx1"/>
+                  </a:solidFill>
+                </a:rPr>
+                <a:t>ip2.sv</a:t>
+              </a:r>
+              <a:endParaRPr lang="ko-KR" altLang="en-US" sz="1200" dirty="0">
+                <a:solidFill>
+                  <a:schemeClr val="tx1"/>
+                </a:solidFill>
+              </a:endParaRPr>
+            </a:p>
+          </p:txBody>
+        </p:sp>
+        <p:cxnSp>
+          <p:nvCxnSpPr>
+            <p:cNvPr id="17" name="직선 연결선 16">
+              <a:extLst>
+                <a:ext uri="{FF2B5EF4-FFF2-40B4-BE49-F238E27FC236}">
+                  <a16:creationId xmlns:a16="http://schemas.microsoft.com/office/drawing/2014/main" id="{5E7A49B8-CF49-D72F-F741-B00B2EC99206}"/>
+                </a:ext>
+              </a:extLst>
+            </p:cNvPr>
+            <p:cNvCxnSpPr/>
+            <p:nvPr/>
+          </p:nvCxnSpPr>
+          <p:spPr>
+            <a:xfrm>
+              <a:off x="1853619" y="4816463"/>
+              <a:ext cx="576262" cy="0"/>
+            </a:xfrm>
+            <a:prstGeom prst="line">
+              <a:avLst/>
+            </a:prstGeom>
+            <a:ln w="15875"/>
+          </p:spPr>
+          <p:style>
+            <a:lnRef idx="1">
+              <a:schemeClr val="dk1"/>
+            </a:lnRef>
+            <a:fillRef idx="0">
+              <a:schemeClr val="dk1"/>
+            </a:fillRef>
+            <a:effectRef idx="0">
+              <a:schemeClr val="dk1"/>
+            </a:effectRef>
+            <a:fontRef idx="minor">
+              <a:schemeClr val="tx1"/>
+            </a:fontRef>
+          </p:style>
+        </p:cxnSp>
+        <p:cxnSp>
+          <p:nvCxnSpPr>
+            <p:cNvPr id="18" name="직선 연결선 17">
+              <a:extLst>
+                <a:ext uri="{FF2B5EF4-FFF2-40B4-BE49-F238E27FC236}">
+                  <a16:creationId xmlns:a16="http://schemas.microsoft.com/office/drawing/2014/main" id="{A3C2DF6C-B5D7-CF9F-769E-0B3371349550}"/>
+                </a:ext>
+              </a:extLst>
+            </p:cNvPr>
+            <p:cNvCxnSpPr/>
+            <p:nvPr/>
+          </p:nvCxnSpPr>
+          <p:spPr>
+            <a:xfrm>
+              <a:off x="1853619" y="4912573"/>
+              <a:ext cx="576262" cy="0"/>
+            </a:xfrm>
+            <a:prstGeom prst="line">
+              <a:avLst/>
+            </a:prstGeom>
+            <a:ln w="15875"/>
+          </p:spPr>
+          <p:style>
+            <a:lnRef idx="1">
+              <a:schemeClr val="dk1"/>
+            </a:lnRef>
+            <a:fillRef idx="0">
+              <a:schemeClr val="dk1"/>
+            </a:fillRef>
+            <a:effectRef idx="0">
+              <a:schemeClr val="dk1"/>
+            </a:effectRef>
+            <a:fontRef idx="minor">
+              <a:schemeClr val="tx1"/>
+            </a:fontRef>
+          </p:style>
+        </p:cxnSp>
+        <p:cxnSp>
+          <p:nvCxnSpPr>
+            <p:cNvPr id="19" name="직선 연결선 18">
+              <a:extLst>
+                <a:ext uri="{FF2B5EF4-FFF2-40B4-BE49-F238E27FC236}">
+                  <a16:creationId xmlns:a16="http://schemas.microsoft.com/office/drawing/2014/main" id="{53B6AA52-836F-C082-5188-9FB1235F4E18}"/>
+                </a:ext>
+              </a:extLst>
+            </p:cNvPr>
+            <p:cNvCxnSpPr/>
+            <p:nvPr/>
+          </p:nvCxnSpPr>
+          <p:spPr>
+            <a:xfrm>
+              <a:off x="1853619" y="5003060"/>
+              <a:ext cx="576262" cy="0"/>
+            </a:xfrm>
+            <a:prstGeom prst="line">
+              <a:avLst/>
+            </a:prstGeom>
+            <a:ln w="15875"/>
+          </p:spPr>
+          <p:style>
+            <a:lnRef idx="1">
+              <a:schemeClr val="dk1"/>
+            </a:lnRef>
+            <a:fillRef idx="0">
+              <a:schemeClr val="dk1"/>
+            </a:fillRef>
+            <a:effectRef idx="0">
+              <a:schemeClr val="dk1"/>
+            </a:effectRef>
+            <a:fontRef idx="minor">
+              <a:schemeClr val="tx1"/>
+            </a:fontRef>
+          </p:style>
+        </p:cxnSp>
+      </p:grpSp>
+      <p:grpSp>
+        <p:nvGrpSpPr>
+          <p:cNvPr id="20" name="그룹 19">
+            <a:extLst>
+              <a:ext uri="{FF2B5EF4-FFF2-40B4-BE49-F238E27FC236}">
+                <a16:creationId xmlns:a16="http://schemas.microsoft.com/office/drawing/2014/main" id="{B9171AED-996B-8631-A82D-C23E8A569A78}"/>
+              </a:ext>
+            </a:extLst>
+          </p:cNvPr>
+          <p:cNvGrpSpPr/>
+          <p:nvPr/>
+        </p:nvGrpSpPr>
+        <p:grpSpPr>
+          <a:xfrm>
+            <a:off x="9590843" y="2529275"/>
+            <a:ext cx="759724" cy="866400"/>
+            <a:chOff x="1803216" y="4681679"/>
+            <a:chExt cx="759724" cy="866400"/>
+          </a:xfrm>
+        </p:grpSpPr>
+        <p:sp>
+          <p:nvSpPr>
+            <p:cNvPr id="21" name="사각형: 잘린 한쪽 모서리 20">
+              <a:extLst>
+                <a:ext uri="{FF2B5EF4-FFF2-40B4-BE49-F238E27FC236}">
+                  <a16:creationId xmlns:a16="http://schemas.microsoft.com/office/drawing/2014/main" id="{D9E9EC8B-988D-7436-FBDA-13B7C2A24BBC}"/>
+                </a:ext>
+              </a:extLst>
+            </p:cNvPr>
+            <p:cNvSpPr/>
+            <p:nvPr/>
+          </p:nvSpPr>
+          <p:spPr>
+            <a:xfrm>
+              <a:off x="1803216" y="4681679"/>
+              <a:ext cx="759724" cy="866400"/>
+            </a:xfrm>
+            <a:prstGeom prst="snip1Rect">
+              <a:avLst>
+                <a:gd name="adj" fmla="val 24772"/>
+              </a:avLst>
+            </a:prstGeom>
+            <a:noFill/>
+            <a:ln>
+              <a:solidFill>
+                <a:schemeClr val="tx1"/>
+              </a:solidFill>
+            </a:ln>
+          </p:spPr>
+          <p:style>
+            <a:lnRef idx="2">
+              <a:schemeClr val="accent1">
+                <a:shade val="50000"/>
+              </a:schemeClr>
+            </a:lnRef>
+            <a:fillRef idx="1">
+              <a:schemeClr val="accent1"/>
+            </a:fillRef>
+            <a:effectRef idx="0">
+              <a:schemeClr val="accent1"/>
+            </a:effectRef>
+            <a:fontRef idx="minor">
+              <a:schemeClr val="lt1"/>
+            </a:fontRef>
+          </p:style>
+          <p:txBody>
+            <a:bodyPr rtlCol="0" anchor="ctr"/>
+            <a:lstStyle/>
+            <a:p>
+              <a:pPr algn="ctr"/>
+              <a:r>
+                <a:rPr lang="en-US" altLang="ko-KR" sz="1200">
+                  <a:solidFill>
+                    <a:schemeClr val="tx1"/>
+                  </a:solidFill>
+                </a:rPr>
+                <a:t>ip3.sv</a:t>
+              </a:r>
+              <a:endParaRPr lang="ko-KR" altLang="en-US" sz="1200" dirty="0">
+                <a:solidFill>
+                  <a:schemeClr val="tx1"/>
+                </a:solidFill>
+              </a:endParaRPr>
+            </a:p>
+          </p:txBody>
+        </p:sp>
+        <p:cxnSp>
+          <p:nvCxnSpPr>
+            <p:cNvPr id="22" name="직선 연결선 21">
+              <a:extLst>
+                <a:ext uri="{FF2B5EF4-FFF2-40B4-BE49-F238E27FC236}">
+                  <a16:creationId xmlns:a16="http://schemas.microsoft.com/office/drawing/2014/main" id="{5C4BA7F5-8C9B-F103-2572-B19C742B433B}"/>
+                </a:ext>
+              </a:extLst>
+            </p:cNvPr>
+            <p:cNvCxnSpPr/>
+            <p:nvPr/>
+          </p:nvCxnSpPr>
+          <p:spPr>
+            <a:xfrm>
+              <a:off x="1853619" y="4816463"/>
+              <a:ext cx="576262" cy="0"/>
+            </a:xfrm>
+            <a:prstGeom prst="line">
+              <a:avLst/>
+            </a:prstGeom>
+            <a:ln w="15875"/>
+          </p:spPr>
+          <p:style>
+            <a:lnRef idx="1">
+              <a:schemeClr val="dk1"/>
+            </a:lnRef>
+            <a:fillRef idx="0">
+              <a:schemeClr val="dk1"/>
+            </a:fillRef>
+            <a:effectRef idx="0">
+              <a:schemeClr val="dk1"/>
+            </a:effectRef>
+            <a:fontRef idx="minor">
+              <a:schemeClr val="tx1"/>
+            </a:fontRef>
+          </p:style>
+        </p:cxnSp>
+        <p:cxnSp>
+          <p:nvCxnSpPr>
+            <p:cNvPr id="23" name="직선 연결선 22">
+              <a:extLst>
+                <a:ext uri="{FF2B5EF4-FFF2-40B4-BE49-F238E27FC236}">
+                  <a16:creationId xmlns:a16="http://schemas.microsoft.com/office/drawing/2014/main" id="{7BC031B8-B92E-133E-0023-A09BFC3EB0BE}"/>
+                </a:ext>
+              </a:extLst>
+            </p:cNvPr>
+            <p:cNvCxnSpPr/>
+            <p:nvPr/>
+          </p:nvCxnSpPr>
+          <p:spPr>
+            <a:xfrm>
+              <a:off x="1853619" y="4912573"/>
+              <a:ext cx="576262" cy="0"/>
+            </a:xfrm>
+            <a:prstGeom prst="line">
+              <a:avLst/>
+            </a:prstGeom>
+            <a:ln w="15875"/>
+          </p:spPr>
+          <p:style>
+            <a:lnRef idx="1">
+              <a:schemeClr val="dk1"/>
+            </a:lnRef>
+            <a:fillRef idx="0">
+              <a:schemeClr val="dk1"/>
+            </a:fillRef>
+            <a:effectRef idx="0">
+              <a:schemeClr val="dk1"/>
+            </a:effectRef>
+            <a:fontRef idx="minor">
+              <a:schemeClr val="tx1"/>
+            </a:fontRef>
+          </p:style>
+        </p:cxnSp>
+        <p:cxnSp>
+          <p:nvCxnSpPr>
+            <p:cNvPr id="24" name="직선 연결선 23">
+              <a:extLst>
+                <a:ext uri="{FF2B5EF4-FFF2-40B4-BE49-F238E27FC236}">
+                  <a16:creationId xmlns:a16="http://schemas.microsoft.com/office/drawing/2014/main" id="{E39C0A3B-0A1F-8490-E409-18C1982E21A2}"/>
+                </a:ext>
+              </a:extLst>
+            </p:cNvPr>
+            <p:cNvCxnSpPr/>
+            <p:nvPr/>
+          </p:nvCxnSpPr>
+          <p:spPr>
+            <a:xfrm>
+              <a:off x="1853619" y="5003060"/>
+              <a:ext cx="576262" cy="0"/>
+            </a:xfrm>
+            <a:prstGeom prst="line">
+              <a:avLst/>
+            </a:prstGeom>
+            <a:ln w="15875"/>
+          </p:spPr>
+          <p:style>
+            <a:lnRef idx="1">
+              <a:schemeClr val="dk1"/>
+            </a:lnRef>
+            <a:fillRef idx="0">
+              <a:schemeClr val="dk1"/>
+            </a:fillRef>
+            <a:effectRef idx="0">
+              <a:schemeClr val="dk1"/>
+            </a:effectRef>
+            <a:fontRef idx="minor">
+              <a:schemeClr val="tx1"/>
+            </a:fontRef>
+          </p:style>
+        </p:cxnSp>
+      </p:grpSp>
+      <p:grpSp>
+        <p:nvGrpSpPr>
+          <p:cNvPr id="25" name="그룹 24">
+            <a:extLst>
+              <a:ext uri="{FF2B5EF4-FFF2-40B4-BE49-F238E27FC236}">
+                <a16:creationId xmlns:a16="http://schemas.microsoft.com/office/drawing/2014/main" id="{0915B36C-1A8B-B16E-D70E-2AF21387E999}"/>
+              </a:ext>
+            </a:extLst>
+          </p:cNvPr>
+          <p:cNvGrpSpPr/>
+          <p:nvPr/>
+        </p:nvGrpSpPr>
+        <p:grpSpPr>
+          <a:xfrm>
+            <a:off x="8526079" y="4560585"/>
+            <a:ext cx="900113" cy="714375"/>
+            <a:chOff x="1600200" y="5600700"/>
+            <a:chExt cx="900113" cy="714375"/>
+          </a:xfrm>
+        </p:grpSpPr>
+        <p:sp>
+          <p:nvSpPr>
+            <p:cNvPr id="26" name="사각형: 잘린 한쪽 모서리 25">
+              <a:extLst>
+                <a:ext uri="{FF2B5EF4-FFF2-40B4-BE49-F238E27FC236}">
+                  <a16:creationId xmlns:a16="http://schemas.microsoft.com/office/drawing/2014/main" id="{C377D499-0C28-F219-D4FC-03889D726517}"/>
+                </a:ext>
+              </a:extLst>
+            </p:cNvPr>
+            <p:cNvSpPr/>
+            <p:nvPr/>
+          </p:nvSpPr>
+          <p:spPr>
+            <a:xfrm>
+              <a:off x="1600200" y="5631475"/>
+              <a:ext cx="452438" cy="452438"/>
+            </a:xfrm>
+            <a:prstGeom prst="snip1Rect">
+              <a:avLst/>
+            </a:prstGeom>
+            <a:solidFill>
+              <a:schemeClr val="accent4">
+                <a:lumMod val="75000"/>
+              </a:schemeClr>
+            </a:solidFill>
+            <a:ln>
+              <a:solidFill>
+                <a:schemeClr val="tx1"/>
+              </a:solidFill>
+            </a:ln>
+          </p:spPr>
+          <p:style>
+            <a:lnRef idx="2">
+              <a:schemeClr val="accent1">
+                <a:shade val="50000"/>
+              </a:schemeClr>
+            </a:lnRef>
+            <a:fillRef idx="1">
+              <a:schemeClr val="accent1"/>
+            </a:fillRef>
+            <a:effectRef idx="0">
+              <a:schemeClr val="accent1"/>
+            </a:effectRef>
+            <a:fontRef idx="minor">
+              <a:schemeClr val="lt1"/>
+            </a:fontRef>
+          </p:style>
+          <p:txBody>
+            <a:bodyPr rtlCol="0" anchor="ctr"/>
+            <a:lstStyle/>
+            <a:p>
+              <a:pPr algn="ctr"/>
+              <a:endParaRPr lang="ko-KR" altLang="en-US" sz="1200">
+                <a:solidFill>
+                  <a:schemeClr val="tx1"/>
+                </a:solidFill>
+              </a:endParaRPr>
+            </a:p>
+          </p:txBody>
+        </p:sp>
+        <p:sp>
+          <p:nvSpPr>
+            <p:cNvPr id="27" name="자유형: 도형 26">
+              <a:extLst>
+                <a:ext uri="{FF2B5EF4-FFF2-40B4-BE49-F238E27FC236}">
+                  <a16:creationId xmlns:a16="http://schemas.microsoft.com/office/drawing/2014/main" id="{3FF1147C-7C20-4F2D-C8F5-D4F4BA9239EE}"/>
+                </a:ext>
+              </a:extLst>
+            </p:cNvPr>
+            <p:cNvSpPr/>
+            <p:nvPr/>
+          </p:nvSpPr>
+          <p:spPr>
+            <a:xfrm>
+              <a:off x="1600201" y="5600700"/>
+              <a:ext cx="900112" cy="714375"/>
+            </a:xfrm>
+            <a:custGeom>
+              <a:avLst/>
+              <a:gdLst>
+                <a:gd name="connsiteX0" fmla="*/ 533400 w 900112"/>
+                <a:gd name="connsiteY0" fmla="*/ 0 h 714375"/>
+                <a:gd name="connsiteX1" fmla="*/ 388143 w 900112"/>
+                <a:gd name="connsiteY1" fmla="*/ 145257 h 714375"/>
+                <a:gd name="connsiteX2" fmla="*/ 0 w 900112"/>
+                <a:gd name="connsiteY2" fmla="*/ 145257 h 714375"/>
+                <a:gd name="connsiteX3" fmla="*/ 0 w 900112"/>
+                <a:gd name="connsiteY3" fmla="*/ 714375 h 714375"/>
+                <a:gd name="connsiteX4" fmla="*/ 900112 w 900112"/>
+                <a:gd name="connsiteY4" fmla="*/ 714375 h 714375"/>
+                <a:gd name="connsiteX5" fmla="*/ 900112 w 900112"/>
+                <a:gd name="connsiteY5" fmla="*/ 4763 h 714375"/>
+                <a:gd name="connsiteX6" fmla="*/ 533400 w 900112"/>
+                <a:gd name="connsiteY6" fmla="*/ 0 h 714375"/>
+              </a:gdLst>
+              <a:ahLst/>
+              <a:cxnLst>
+                <a:cxn ang="0">
+                  <a:pos x="connsiteX0" y="connsiteY0"/>
+                </a:cxn>
+                <a:cxn ang="0">
+                  <a:pos x="connsiteX1" y="connsiteY1"/>
+                </a:cxn>
+                <a:cxn ang="0">
+                  <a:pos x="connsiteX2" y="connsiteY2"/>
+                </a:cxn>
+                <a:cxn ang="0">
+                  <a:pos x="connsiteX3" y="connsiteY3"/>
+                </a:cxn>
+                <a:cxn ang="0">
+                  <a:pos x="connsiteX4" y="connsiteY4"/>
+                </a:cxn>
+                <a:cxn ang="0">
+                  <a:pos x="connsiteX5" y="connsiteY5"/>
+                </a:cxn>
+                <a:cxn ang="0">
+                  <a:pos x="connsiteX6" y="connsiteY6"/>
+                </a:cxn>
+              </a:cxnLst>
+              <a:rect l="l" t="t" r="r" b="b"/>
+              <a:pathLst>
+                <a:path w="900112" h="714375">
+                  <a:moveTo>
+                    <a:pt x="533400" y="0"/>
+                  </a:moveTo>
+                  <a:lnTo>
+                    <a:pt x="388143" y="145257"/>
+                  </a:lnTo>
+                  <a:lnTo>
+                    <a:pt x="0" y="145257"/>
+                  </a:lnTo>
+                  <a:lnTo>
+                    <a:pt x="0" y="714375"/>
+                  </a:lnTo>
+                  <a:lnTo>
+                    <a:pt x="900112" y="714375"/>
+                  </a:lnTo>
+                  <a:lnTo>
+                    <a:pt x="900112" y="4763"/>
+                  </a:lnTo>
+                  <a:lnTo>
+                    <a:pt x="533400" y="0"/>
+                  </a:lnTo>
+                  <a:close/>
+                </a:path>
+              </a:pathLst>
+            </a:custGeom>
+            <a:solidFill>
+              <a:schemeClr val="accent4">
+                <a:lumMod val="60000"/>
+                <a:lumOff val="40000"/>
+              </a:schemeClr>
+            </a:solidFill>
+            <a:ln>
+              <a:solidFill>
+                <a:schemeClr val="tx1"/>
+              </a:solidFill>
+            </a:ln>
+          </p:spPr>
+          <p:style>
+            <a:lnRef idx="2">
+              <a:schemeClr val="accent1">
+                <a:shade val="50000"/>
+              </a:schemeClr>
+            </a:lnRef>
+            <a:fillRef idx="1">
+              <a:schemeClr val="accent1"/>
+            </a:fillRef>
+            <a:effectRef idx="0">
+              <a:schemeClr val="accent1"/>
+            </a:effectRef>
+            <a:fontRef idx="minor">
+              <a:schemeClr val="lt1"/>
+            </a:fontRef>
+          </p:style>
+          <p:txBody>
+            <a:bodyPr rtlCol="0" anchor="ctr"/>
+            <a:lstStyle/>
+            <a:p>
+              <a:pPr algn="ctr"/>
+              <a:endParaRPr lang="en-US" altLang="ko-KR" sz="1200" dirty="0">
+                <a:solidFill>
+                  <a:schemeClr val="tx1"/>
+                </a:solidFill>
+              </a:endParaRPr>
+            </a:p>
+            <a:p>
+              <a:pPr algn="ctr"/>
+              <a:r>
+                <a:rPr lang="en-US" altLang="ko-KR" sz="1200">
+                  <a:solidFill>
+                    <a:schemeClr val="tx1"/>
+                  </a:solidFill>
+                </a:rPr>
+                <a:t>/ip_out_dir</a:t>
+              </a:r>
+              <a:endParaRPr lang="ko-KR" altLang="en-US" sz="1200" dirty="0">
+                <a:solidFill>
+                  <a:schemeClr val="tx1"/>
+                </a:solidFill>
+              </a:endParaRPr>
+            </a:p>
+          </p:txBody>
+        </p:sp>
+      </p:grpSp>
+      <p:grpSp>
+        <p:nvGrpSpPr>
+          <p:cNvPr id="28" name="그룹 27">
+            <a:extLst>
+              <a:ext uri="{FF2B5EF4-FFF2-40B4-BE49-F238E27FC236}">
+                <a16:creationId xmlns:a16="http://schemas.microsoft.com/office/drawing/2014/main" id="{1B35570D-1675-C44A-88C7-8CEF8AACBFBD}"/>
+              </a:ext>
+            </a:extLst>
+          </p:cNvPr>
+          <p:cNvGrpSpPr/>
+          <p:nvPr/>
+        </p:nvGrpSpPr>
+        <p:grpSpPr>
+          <a:xfrm>
+            <a:off x="8593892" y="5538946"/>
+            <a:ext cx="759724" cy="866400"/>
+            <a:chOff x="1803216" y="4681679"/>
+            <a:chExt cx="759724" cy="866400"/>
+          </a:xfrm>
+        </p:grpSpPr>
+        <p:sp>
+          <p:nvSpPr>
+            <p:cNvPr id="29" name="사각형: 잘린 한쪽 모서리 28">
+              <a:extLst>
+                <a:ext uri="{FF2B5EF4-FFF2-40B4-BE49-F238E27FC236}">
+                  <a16:creationId xmlns:a16="http://schemas.microsoft.com/office/drawing/2014/main" id="{71732786-121D-312D-E227-F69CC0916E4F}"/>
+                </a:ext>
+              </a:extLst>
+            </p:cNvPr>
+            <p:cNvSpPr/>
+            <p:nvPr/>
+          </p:nvSpPr>
+          <p:spPr>
+            <a:xfrm>
+              <a:off x="1803216" y="4681679"/>
+              <a:ext cx="759724" cy="866400"/>
+            </a:xfrm>
+            <a:prstGeom prst="snip1Rect">
+              <a:avLst>
+                <a:gd name="adj" fmla="val 24772"/>
+              </a:avLst>
+            </a:prstGeom>
+            <a:noFill/>
+            <a:ln>
+              <a:solidFill>
+                <a:schemeClr val="tx1"/>
+              </a:solidFill>
+            </a:ln>
+          </p:spPr>
+          <p:style>
+            <a:lnRef idx="2">
+              <a:schemeClr val="accent1">
+                <a:shade val="50000"/>
+              </a:schemeClr>
+            </a:lnRef>
+            <a:fillRef idx="1">
+              <a:schemeClr val="accent1"/>
+            </a:fillRef>
+            <a:effectRef idx="0">
+              <a:schemeClr val="accent1"/>
+            </a:effectRef>
+            <a:fontRef idx="minor">
+              <a:schemeClr val="lt1"/>
+            </a:fontRef>
+          </p:style>
+          <p:txBody>
+            <a:bodyPr rtlCol="0" anchor="ctr"/>
+            <a:lstStyle/>
+            <a:p>
+              <a:pPr algn="ctr"/>
+              <a:r>
+                <a:rPr lang="en-US" altLang="ko-KR" sz="1200">
+                  <a:solidFill>
+                    <a:schemeClr val="tx1"/>
+                  </a:solidFill>
+                </a:rPr>
+                <a:t>ip.xml</a:t>
+              </a:r>
+              <a:endParaRPr lang="ko-KR" altLang="en-US" sz="1200" dirty="0">
+                <a:solidFill>
+                  <a:schemeClr val="tx1"/>
+                </a:solidFill>
+              </a:endParaRPr>
+            </a:p>
+          </p:txBody>
+        </p:sp>
+        <p:cxnSp>
+          <p:nvCxnSpPr>
+            <p:cNvPr id="30" name="직선 연결선 29">
+              <a:extLst>
+                <a:ext uri="{FF2B5EF4-FFF2-40B4-BE49-F238E27FC236}">
+                  <a16:creationId xmlns:a16="http://schemas.microsoft.com/office/drawing/2014/main" id="{E275D12C-9382-4883-0584-F2E977F7F331}"/>
+                </a:ext>
+              </a:extLst>
+            </p:cNvPr>
+            <p:cNvCxnSpPr/>
+            <p:nvPr/>
+          </p:nvCxnSpPr>
+          <p:spPr>
+            <a:xfrm>
+              <a:off x="1853619" y="4816463"/>
+              <a:ext cx="576262" cy="0"/>
+            </a:xfrm>
+            <a:prstGeom prst="line">
+              <a:avLst/>
+            </a:prstGeom>
+            <a:ln w="15875"/>
+          </p:spPr>
+          <p:style>
+            <a:lnRef idx="1">
+              <a:schemeClr val="dk1"/>
+            </a:lnRef>
+            <a:fillRef idx="0">
+              <a:schemeClr val="dk1"/>
+            </a:fillRef>
+            <a:effectRef idx="0">
+              <a:schemeClr val="dk1"/>
+            </a:effectRef>
+            <a:fontRef idx="minor">
+              <a:schemeClr val="tx1"/>
+            </a:fontRef>
+          </p:style>
+        </p:cxnSp>
+        <p:cxnSp>
+          <p:nvCxnSpPr>
+            <p:cNvPr id="31" name="직선 연결선 30">
+              <a:extLst>
+                <a:ext uri="{FF2B5EF4-FFF2-40B4-BE49-F238E27FC236}">
+                  <a16:creationId xmlns:a16="http://schemas.microsoft.com/office/drawing/2014/main" id="{421B7CBE-06B4-B574-2525-971ACE8DB843}"/>
+                </a:ext>
+              </a:extLst>
+            </p:cNvPr>
+            <p:cNvCxnSpPr/>
+            <p:nvPr/>
+          </p:nvCxnSpPr>
+          <p:spPr>
+            <a:xfrm>
+              <a:off x="1853619" y="4912573"/>
+              <a:ext cx="576262" cy="0"/>
+            </a:xfrm>
+            <a:prstGeom prst="line">
+              <a:avLst/>
+            </a:prstGeom>
+            <a:ln w="15875"/>
+          </p:spPr>
+          <p:style>
+            <a:lnRef idx="1">
+              <a:schemeClr val="dk1"/>
+            </a:lnRef>
+            <a:fillRef idx="0">
+              <a:schemeClr val="dk1"/>
+            </a:fillRef>
+            <a:effectRef idx="0">
+              <a:schemeClr val="dk1"/>
+            </a:effectRef>
+            <a:fontRef idx="minor">
+              <a:schemeClr val="tx1"/>
+            </a:fontRef>
+          </p:style>
+        </p:cxnSp>
+        <p:cxnSp>
+          <p:nvCxnSpPr>
+            <p:cNvPr id="32" name="직선 연결선 31">
+              <a:extLst>
+                <a:ext uri="{FF2B5EF4-FFF2-40B4-BE49-F238E27FC236}">
+                  <a16:creationId xmlns:a16="http://schemas.microsoft.com/office/drawing/2014/main" id="{3FAA0376-3351-1665-31DA-A60ABE730CF7}"/>
+                </a:ext>
+              </a:extLst>
+            </p:cNvPr>
+            <p:cNvCxnSpPr/>
+            <p:nvPr/>
+          </p:nvCxnSpPr>
+          <p:spPr>
+            <a:xfrm>
+              <a:off x="1853619" y="5003060"/>
+              <a:ext cx="576262" cy="0"/>
+            </a:xfrm>
+            <a:prstGeom prst="line">
+              <a:avLst/>
+            </a:prstGeom>
+            <a:ln w="15875"/>
+          </p:spPr>
+          <p:style>
+            <a:lnRef idx="1">
+              <a:schemeClr val="dk1"/>
+            </a:lnRef>
+            <a:fillRef idx="0">
+              <a:schemeClr val="dk1"/>
+            </a:fillRef>
+            <a:effectRef idx="0">
+              <a:schemeClr val="dk1"/>
+            </a:effectRef>
+            <a:fontRef idx="minor">
+              <a:schemeClr val="tx1"/>
+            </a:fontRef>
+          </p:style>
+        </p:cxnSp>
+      </p:grpSp>
+      <p:grpSp>
+        <p:nvGrpSpPr>
+          <p:cNvPr id="33" name="그룹 32">
+            <a:extLst>
+              <a:ext uri="{FF2B5EF4-FFF2-40B4-BE49-F238E27FC236}">
+                <a16:creationId xmlns:a16="http://schemas.microsoft.com/office/drawing/2014/main" id="{E77CCCCC-6B8B-F49F-2FA3-B344BD3EA6A1}"/>
+              </a:ext>
+            </a:extLst>
+          </p:cNvPr>
+          <p:cNvGrpSpPr/>
+          <p:nvPr/>
+        </p:nvGrpSpPr>
+        <p:grpSpPr>
+          <a:xfrm>
+            <a:off x="7763974" y="5538946"/>
+            <a:ext cx="759724" cy="866400"/>
+            <a:chOff x="1803216" y="4681679"/>
+            <a:chExt cx="759724" cy="866400"/>
+          </a:xfrm>
+        </p:grpSpPr>
+        <p:sp>
+          <p:nvSpPr>
+            <p:cNvPr id="34" name="사각형: 잘린 한쪽 모서리 33">
+              <a:extLst>
+                <a:ext uri="{FF2B5EF4-FFF2-40B4-BE49-F238E27FC236}">
+                  <a16:creationId xmlns:a16="http://schemas.microsoft.com/office/drawing/2014/main" id="{E98B0F47-BFE7-D8E0-CC00-8590D9CE4DB2}"/>
+                </a:ext>
+              </a:extLst>
+            </p:cNvPr>
+            <p:cNvSpPr/>
+            <p:nvPr/>
+          </p:nvSpPr>
+          <p:spPr>
+            <a:xfrm>
+              <a:off x="1803216" y="4681679"/>
+              <a:ext cx="759724" cy="866400"/>
+            </a:xfrm>
+            <a:prstGeom prst="snip1Rect">
+              <a:avLst>
+                <a:gd name="adj" fmla="val 24772"/>
+              </a:avLst>
+            </a:prstGeom>
+            <a:noFill/>
+            <a:ln>
+              <a:solidFill>
+                <a:schemeClr val="tx1"/>
+              </a:solidFill>
+            </a:ln>
+          </p:spPr>
+          <p:style>
+            <a:lnRef idx="2">
+              <a:schemeClr val="accent1">
+                <a:shade val="50000"/>
+              </a:schemeClr>
+            </a:lnRef>
+            <a:fillRef idx="1">
+              <a:schemeClr val="accent1"/>
+            </a:fillRef>
+            <a:effectRef idx="0">
+              <a:schemeClr val="accent1"/>
+            </a:effectRef>
+            <a:fontRef idx="minor">
+              <a:schemeClr val="lt1"/>
+            </a:fontRef>
+          </p:style>
+          <p:txBody>
+            <a:bodyPr rtlCol="0" anchor="ctr"/>
+            <a:lstStyle/>
+            <a:p>
+              <a:pPr algn="ctr"/>
+              <a:r>
+                <a:rPr lang="en-US" altLang="ko-KR" sz="1200">
+                  <a:solidFill>
+                    <a:schemeClr val="tx1"/>
+                  </a:solidFill>
+                </a:rPr>
+                <a:t>ip.xic</a:t>
+              </a:r>
+              <a:endParaRPr lang="ko-KR" altLang="en-US" sz="1200" dirty="0">
+                <a:solidFill>
+                  <a:schemeClr val="tx1"/>
+                </a:solidFill>
+              </a:endParaRPr>
+            </a:p>
+          </p:txBody>
+        </p:sp>
+        <p:cxnSp>
+          <p:nvCxnSpPr>
+            <p:cNvPr id="35" name="직선 연결선 34">
+              <a:extLst>
+                <a:ext uri="{FF2B5EF4-FFF2-40B4-BE49-F238E27FC236}">
+                  <a16:creationId xmlns:a16="http://schemas.microsoft.com/office/drawing/2014/main" id="{5FCED8D6-C1C2-1870-7102-5909C5029B32}"/>
+                </a:ext>
+              </a:extLst>
+            </p:cNvPr>
+            <p:cNvCxnSpPr/>
+            <p:nvPr/>
+          </p:nvCxnSpPr>
+          <p:spPr>
+            <a:xfrm>
+              <a:off x="1853619" y="4816463"/>
+              <a:ext cx="576262" cy="0"/>
+            </a:xfrm>
+            <a:prstGeom prst="line">
+              <a:avLst/>
+            </a:prstGeom>
+            <a:ln w="15875"/>
+          </p:spPr>
+          <p:style>
+            <a:lnRef idx="1">
+              <a:schemeClr val="dk1"/>
+            </a:lnRef>
+            <a:fillRef idx="0">
+              <a:schemeClr val="dk1"/>
+            </a:fillRef>
+            <a:effectRef idx="0">
+              <a:schemeClr val="dk1"/>
+            </a:effectRef>
+            <a:fontRef idx="minor">
+              <a:schemeClr val="tx1"/>
+            </a:fontRef>
+          </p:style>
+        </p:cxnSp>
+        <p:cxnSp>
+          <p:nvCxnSpPr>
+            <p:cNvPr id="36" name="직선 연결선 35">
+              <a:extLst>
+                <a:ext uri="{FF2B5EF4-FFF2-40B4-BE49-F238E27FC236}">
+                  <a16:creationId xmlns:a16="http://schemas.microsoft.com/office/drawing/2014/main" id="{23332AEB-2963-DA11-933D-328FBEFA7062}"/>
+                </a:ext>
+              </a:extLst>
+            </p:cNvPr>
+            <p:cNvCxnSpPr/>
+            <p:nvPr/>
+          </p:nvCxnSpPr>
+          <p:spPr>
+            <a:xfrm>
+              <a:off x="1853619" y="4912573"/>
+              <a:ext cx="576262" cy="0"/>
+            </a:xfrm>
+            <a:prstGeom prst="line">
+              <a:avLst/>
+            </a:prstGeom>
+            <a:ln w="15875"/>
+          </p:spPr>
+          <p:style>
+            <a:lnRef idx="1">
+              <a:schemeClr val="dk1"/>
+            </a:lnRef>
+            <a:fillRef idx="0">
+              <a:schemeClr val="dk1"/>
+            </a:fillRef>
+            <a:effectRef idx="0">
+              <a:schemeClr val="dk1"/>
+            </a:effectRef>
+            <a:fontRef idx="minor">
+              <a:schemeClr val="tx1"/>
+            </a:fontRef>
+          </p:style>
+        </p:cxnSp>
+        <p:cxnSp>
+          <p:nvCxnSpPr>
+            <p:cNvPr id="37" name="직선 연결선 36">
+              <a:extLst>
+                <a:ext uri="{FF2B5EF4-FFF2-40B4-BE49-F238E27FC236}">
+                  <a16:creationId xmlns:a16="http://schemas.microsoft.com/office/drawing/2014/main" id="{7F1465C4-06FC-2750-F976-F26601761CB2}"/>
+                </a:ext>
+              </a:extLst>
+            </p:cNvPr>
+            <p:cNvCxnSpPr/>
+            <p:nvPr/>
+          </p:nvCxnSpPr>
+          <p:spPr>
+            <a:xfrm>
+              <a:off x="1853619" y="5003060"/>
+              <a:ext cx="576262" cy="0"/>
+            </a:xfrm>
+            <a:prstGeom prst="line">
+              <a:avLst/>
+            </a:prstGeom>
+            <a:ln w="15875"/>
+          </p:spPr>
+          <p:style>
+            <a:lnRef idx="1">
+              <a:schemeClr val="dk1"/>
+            </a:lnRef>
+            <a:fillRef idx="0">
+              <a:schemeClr val="dk1"/>
+            </a:fillRef>
+            <a:effectRef idx="0">
+              <a:schemeClr val="dk1"/>
+            </a:effectRef>
+            <a:fontRef idx="minor">
+              <a:schemeClr val="tx1"/>
+            </a:fontRef>
+          </p:style>
+        </p:cxnSp>
+      </p:grpSp>
+      <p:sp>
+        <p:nvSpPr>
+          <p:cNvPr id="38" name="화살표: 아래쪽 37">
+            <a:extLst>
+              <a:ext uri="{FF2B5EF4-FFF2-40B4-BE49-F238E27FC236}">
+                <a16:creationId xmlns:a16="http://schemas.microsoft.com/office/drawing/2014/main" id="{1B2593AB-F020-EA57-E08C-A73679C308CF}"/>
+              </a:ext>
+            </a:extLst>
+          </p:cNvPr>
+          <p:cNvSpPr/>
+          <p:nvPr/>
+        </p:nvSpPr>
+        <p:spPr>
+          <a:xfrm>
+            <a:off x="8761260" y="3747933"/>
+            <a:ext cx="459298" cy="491227"/>
+          </a:xfrm>
+          <a:prstGeom prst="downArrow">
+            <a:avLst/>
+          </a:prstGeom>
+          <a:solidFill>
+            <a:schemeClr val="tx2"/>
+          </a:solidFill>
+          <a:ln>
+            <a:solidFill>
+              <a:schemeClr val="tx2"/>
+            </a:solidFill>
+          </a:ln>
+        </p:spPr>
+        <p:style>
+          <a:lnRef idx="2">
+            <a:schemeClr val="accent1">
+              <a:shade val="15000"/>
+            </a:schemeClr>
+          </a:lnRef>
+          <a:fillRef idx="1">
+            <a:schemeClr val="accent1"/>
+          </a:fillRef>
+          <a:effectRef idx="0">
+            <a:schemeClr val="accent1"/>
+          </a:effectRef>
+          <a:fontRef idx="minor">
+            <a:schemeClr val="lt1"/>
+          </a:fontRef>
+        </p:style>
+        <p:txBody>
+          <a:bodyPr rtlCol="0" anchor="ctr"/>
+          <a:lstStyle/>
+          <a:p>
+            <a:pPr algn="ctr"/>
+            <a:endParaRPr lang="ko-KR" altLang="en-US"/>
+          </a:p>
+        </p:txBody>
+      </p:sp>
+      <p:grpSp>
+        <p:nvGrpSpPr>
+          <p:cNvPr id="39" name="그룹 38">
+            <a:extLst>
+              <a:ext uri="{FF2B5EF4-FFF2-40B4-BE49-F238E27FC236}">
+                <a16:creationId xmlns:a16="http://schemas.microsoft.com/office/drawing/2014/main" id="{EEC1C95E-8C70-6244-3DA8-0929B384DDC3}"/>
+              </a:ext>
+            </a:extLst>
+          </p:cNvPr>
+          <p:cNvGrpSpPr/>
+          <p:nvPr/>
+        </p:nvGrpSpPr>
+        <p:grpSpPr>
+          <a:xfrm>
+            <a:off x="4943134" y="3314733"/>
+            <a:ext cx="759724" cy="866400"/>
+            <a:chOff x="1803216" y="4681679"/>
+            <a:chExt cx="759724" cy="866400"/>
+          </a:xfrm>
+        </p:grpSpPr>
+        <p:sp>
+          <p:nvSpPr>
+            <p:cNvPr id="40" name="사각형: 잘린 한쪽 모서리 39">
+              <a:extLst>
+                <a:ext uri="{FF2B5EF4-FFF2-40B4-BE49-F238E27FC236}">
+                  <a16:creationId xmlns:a16="http://schemas.microsoft.com/office/drawing/2014/main" id="{013BEE9D-B1C0-B472-5C90-A89D34B3887A}"/>
+                </a:ext>
+              </a:extLst>
+            </p:cNvPr>
+            <p:cNvSpPr/>
+            <p:nvPr/>
+          </p:nvSpPr>
+          <p:spPr>
+            <a:xfrm>
+              <a:off x="1803216" y="4681679"/>
+              <a:ext cx="759724" cy="866400"/>
+            </a:xfrm>
+            <a:prstGeom prst="snip1Rect">
+              <a:avLst>
+                <a:gd name="adj" fmla="val 24772"/>
+              </a:avLst>
+            </a:prstGeom>
+            <a:noFill/>
+            <a:ln>
+              <a:solidFill>
+                <a:schemeClr val="tx1"/>
+              </a:solidFill>
+            </a:ln>
+          </p:spPr>
+          <p:style>
+            <a:lnRef idx="2">
+              <a:schemeClr val="accent1">
+                <a:shade val="50000"/>
+              </a:schemeClr>
+            </a:lnRef>
+            <a:fillRef idx="1">
+              <a:schemeClr val="accent1"/>
+            </a:fillRef>
+            <a:effectRef idx="0">
+              <a:schemeClr val="accent1"/>
+            </a:effectRef>
+            <a:fontRef idx="minor">
+              <a:schemeClr val="lt1"/>
+            </a:fontRef>
+          </p:style>
+          <p:txBody>
+            <a:bodyPr rtlCol="0" anchor="ctr"/>
+            <a:lstStyle/>
+            <a:p>
+              <a:pPr algn="ctr"/>
+              <a:r>
+                <a:rPr lang="en-US" altLang="ko-KR" sz="1200">
+                  <a:solidFill>
+                    <a:schemeClr val="tx1"/>
+                  </a:solidFill>
+                </a:rPr>
+                <a:t>ip.tcl</a:t>
+              </a:r>
+              <a:endParaRPr lang="ko-KR" altLang="en-US" sz="1200" dirty="0">
+                <a:solidFill>
+                  <a:schemeClr val="tx1"/>
+                </a:solidFill>
+              </a:endParaRPr>
+            </a:p>
+          </p:txBody>
+        </p:sp>
+        <p:cxnSp>
+          <p:nvCxnSpPr>
+            <p:cNvPr id="41" name="직선 연결선 40">
+              <a:extLst>
+                <a:ext uri="{FF2B5EF4-FFF2-40B4-BE49-F238E27FC236}">
+                  <a16:creationId xmlns:a16="http://schemas.microsoft.com/office/drawing/2014/main" id="{27BEF9E5-A17C-FE05-D0B4-616F6A1809C7}"/>
+                </a:ext>
+              </a:extLst>
+            </p:cNvPr>
+            <p:cNvCxnSpPr/>
+            <p:nvPr/>
+          </p:nvCxnSpPr>
+          <p:spPr>
+            <a:xfrm>
+              <a:off x="1853619" y="4816463"/>
+              <a:ext cx="576262" cy="0"/>
+            </a:xfrm>
+            <a:prstGeom prst="line">
+              <a:avLst/>
+            </a:prstGeom>
+            <a:ln w="15875"/>
+          </p:spPr>
+          <p:style>
+            <a:lnRef idx="1">
+              <a:schemeClr val="dk1"/>
+            </a:lnRef>
+            <a:fillRef idx="0">
+              <a:schemeClr val="dk1"/>
+            </a:fillRef>
+            <a:effectRef idx="0">
+              <a:schemeClr val="dk1"/>
+            </a:effectRef>
+            <a:fontRef idx="minor">
+              <a:schemeClr val="tx1"/>
+            </a:fontRef>
+          </p:style>
+        </p:cxnSp>
+        <p:cxnSp>
+          <p:nvCxnSpPr>
+            <p:cNvPr id="42" name="직선 연결선 41">
+              <a:extLst>
+                <a:ext uri="{FF2B5EF4-FFF2-40B4-BE49-F238E27FC236}">
+                  <a16:creationId xmlns:a16="http://schemas.microsoft.com/office/drawing/2014/main" id="{F1A36BCB-572E-F6A2-24F6-3026EFAF9B41}"/>
+                </a:ext>
+              </a:extLst>
+            </p:cNvPr>
+            <p:cNvCxnSpPr/>
+            <p:nvPr/>
+          </p:nvCxnSpPr>
+          <p:spPr>
+            <a:xfrm>
+              <a:off x="1853619" y="4912573"/>
+              <a:ext cx="576262" cy="0"/>
+            </a:xfrm>
+            <a:prstGeom prst="line">
+              <a:avLst/>
+            </a:prstGeom>
+            <a:ln w="15875"/>
+          </p:spPr>
+          <p:style>
+            <a:lnRef idx="1">
+              <a:schemeClr val="dk1"/>
+            </a:lnRef>
+            <a:fillRef idx="0">
+              <a:schemeClr val="dk1"/>
+            </a:fillRef>
+            <a:effectRef idx="0">
+              <a:schemeClr val="dk1"/>
+            </a:effectRef>
+            <a:fontRef idx="minor">
+              <a:schemeClr val="tx1"/>
+            </a:fontRef>
+          </p:style>
+        </p:cxnSp>
+        <p:cxnSp>
+          <p:nvCxnSpPr>
+            <p:cNvPr id="43" name="직선 연결선 42">
+              <a:extLst>
+                <a:ext uri="{FF2B5EF4-FFF2-40B4-BE49-F238E27FC236}">
+                  <a16:creationId xmlns:a16="http://schemas.microsoft.com/office/drawing/2014/main" id="{D9F95061-53A5-C696-FCC5-008892BEAFB2}"/>
+                </a:ext>
+              </a:extLst>
+            </p:cNvPr>
+            <p:cNvCxnSpPr/>
+            <p:nvPr/>
+          </p:nvCxnSpPr>
+          <p:spPr>
+            <a:xfrm>
+              <a:off x="1853619" y="5003060"/>
+              <a:ext cx="576262" cy="0"/>
+            </a:xfrm>
+            <a:prstGeom prst="line">
+              <a:avLst/>
+            </a:prstGeom>
+            <a:ln w="15875"/>
+          </p:spPr>
+          <p:style>
+            <a:lnRef idx="1">
+              <a:schemeClr val="dk1"/>
+            </a:lnRef>
+            <a:fillRef idx="0">
+              <a:schemeClr val="dk1"/>
+            </a:fillRef>
+            <a:effectRef idx="0">
+              <a:schemeClr val="dk1"/>
+            </a:effectRef>
+            <a:fontRef idx="minor">
+              <a:schemeClr val="tx1"/>
+            </a:fontRef>
+          </p:style>
+        </p:cxnSp>
+      </p:grpSp>
+      <p:grpSp>
+        <p:nvGrpSpPr>
+          <p:cNvPr id="44" name="그룹 43">
+            <a:extLst>
+              <a:ext uri="{FF2B5EF4-FFF2-40B4-BE49-F238E27FC236}">
+                <a16:creationId xmlns:a16="http://schemas.microsoft.com/office/drawing/2014/main" id="{D8B6060A-11DC-9CF7-8076-0D2FABBAC44B}"/>
+              </a:ext>
+            </a:extLst>
+          </p:cNvPr>
+          <p:cNvGrpSpPr/>
+          <p:nvPr/>
+        </p:nvGrpSpPr>
+        <p:grpSpPr>
+          <a:xfrm>
+            <a:off x="9434897" y="5538946"/>
+            <a:ext cx="759724" cy="866400"/>
+            <a:chOff x="1803216" y="4681679"/>
+            <a:chExt cx="759724" cy="866400"/>
+          </a:xfrm>
+        </p:grpSpPr>
+        <p:sp>
+          <p:nvSpPr>
+            <p:cNvPr id="45" name="사각형: 잘린 한쪽 모서리 44">
+              <a:extLst>
+                <a:ext uri="{FF2B5EF4-FFF2-40B4-BE49-F238E27FC236}">
+                  <a16:creationId xmlns:a16="http://schemas.microsoft.com/office/drawing/2014/main" id="{433F667D-40B7-D05E-CB95-80029D6B7763}"/>
+                </a:ext>
+              </a:extLst>
+            </p:cNvPr>
+            <p:cNvSpPr/>
+            <p:nvPr/>
+          </p:nvSpPr>
+          <p:spPr>
+            <a:xfrm>
+              <a:off x="1803216" y="4681679"/>
+              <a:ext cx="759724" cy="866400"/>
+            </a:xfrm>
+            <a:prstGeom prst="snip1Rect">
+              <a:avLst>
+                <a:gd name="adj" fmla="val 24772"/>
+              </a:avLst>
+            </a:prstGeom>
+            <a:noFill/>
+            <a:ln>
+              <a:solidFill>
+                <a:schemeClr val="tx1"/>
+              </a:solidFill>
+            </a:ln>
+          </p:spPr>
+          <p:style>
+            <a:lnRef idx="2">
+              <a:schemeClr val="accent1">
+                <a:shade val="50000"/>
+              </a:schemeClr>
+            </a:lnRef>
+            <a:fillRef idx="1">
+              <a:schemeClr val="accent1"/>
+            </a:fillRef>
+            <a:effectRef idx="0">
+              <a:schemeClr val="accent1"/>
+            </a:effectRef>
+            <a:fontRef idx="minor">
+              <a:schemeClr val="lt1"/>
+            </a:fontRef>
+          </p:style>
+          <p:txBody>
+            <a:bodyPr rtlCol="0" anchor="ctr"/>
+            <a:lstStyle/>
+            <a:p>
+              <a:pPr algn="ctr"/>
+              <a:r>
+                <a:rPr lang="en-US" altLang="ko-KR" sz="1200">
+                  <a:solidFill>
+                    <a:schemeClr val="tx1"/>
+                  </a:solidFill>
+                </a:rPr>
+                <a:t>ip.xpr</a:t>
+              </a:r>
+              <a:endParaRPr lang="ko-KR" altLang="en-US" sz="1200" dirty="0">
+                <a:solidFill>
+                  <a:schemeClr val="tx1"/>
+                </a:solidFill>
+              </a:endParaRPr>
+            </a:p>
+          </p:txBody>
+        </p:sp>
+        <p:cxnSp>
+          <p:nvCxnSpPr>
+            <p:cNvPr id="46" name="직선 연결선 45">
+              <a:extLst>
+                <a:ext uri="{FF2B5EF4-FFF2-40B4-BE49-F238E27FC236}">
+                  <a16:creationId xmlns:a16="http://schemas.microsoft.com/office/drawing/2014/main" id="{0C0C763B-B4CE-0C75-1C65-9B44771A606C}"/>
+                </a:ext>
+              </a:extLst>
+            </p:cNvPr>
+            <p:cNvCxnSpPr/>
+            <p:nvPr/>
+          </p:nvCxnSpPr>
+          <p:spPr>
+            <a:xfrm>
+              <a:off x="1853619" y="4816463"/>
+              <a:ext cx="576262" cy="0"/>
+            </a:xfrm>
+            <a:prstGeom prst="line">
+              <a:avLst/>
+            </a:prstGeom>
+            <a:ln w="15875"/>
+          </p:spPr>
+          <p:style>
+            <a:lnRef idx="1">
+              <a:schemeClr val="dk1"/>
+            </a:lnRef>
+            <a:fillRef idx="0">
+              <a:schemeClr val="dk1"/>
+            </a:fillRef>
+            <a:effectRef idx="0">
+              <a:schemeClr val="dk1"/>
+            </a:effectRef>
+            <a:fontRef idx="minor">
+              <a:schemeClr val="tx1"/>
+            </a:fontRef>
+          </p:style>
+        </p:cxnSp>
+        <p:cxnSp>
+          <p:nvCxnSpPr>
+            <p:cNvPr id="47" name="직선 연결선 46">
+              <a:extLst>
+                <a:ext uri="{FF2B5EF4-FFF2-40B4-BE49-F238E27FC236}">
+                  <a16:creationId xmlns:a16="http://schemas.microsoft.com/office/drawing/2014/main" id="{D73F8116-9213-933D-321E-1A9EF70DEF80}"/>
+                </a:ext>
+              </a:extLst>
+            </p:cNvPr>
+            <p:cNvCxnSpPr/>
+            <p:nvPr/>
+          </p:nvCxnSpPr>
+          <p:spPr>
+            <a:xfrm>
+              <a:off x="1853619" y="4912573"/>
+              <a:ext cx="576262" cy="0"/>
+            </a:xfrm>
+            <a:prstGeom prst="line">
+              <a:avLst/>
+            </a:prstGeom>
+            <a:ln w="15875"/>
+          </p:spPr>
+          <p:style>
+            <a:lnRef idx="1">
+              <a:schemeClr val="dk1"/>
+            </a:lnRef>
+            <a:fillRef idx="0">
+              <a:schemeClr val="dk1"/>
+            </a:fillRef>
+            <a:effectRef idx="0">
+              <a:schemeClr val="dk1"/>
+            </a:effectRef>
+            <a:fontRef idx="minor">
+              <a:schemeClr val="tx1"/>
+            </a:fontRef>
+          </p:style>
+        </p:cxnSp>
+        <p:cxnSp>
+          <p:nvCxnSpPr>
+            <p:cNvPr id="48" name="직선 연결선 47">
+              <a:extLst>
+                <a:ext uri="{FF2B5EF4-FFF2-40B4-BE49-F238E27FC236}">
+                  <a16:creationId xmlns:a16="http://schemas.microsoft.com/office/drawing/2014/main" id="{FA25D729-FC69-194B-963C-3BA3ED4079C2}"/>
+                </a:ext>
+              </a:extLst>
+            </p:cNvPr>
+            <p:cNvCxnSpPr/>
+            <p:nvPr/>
+          </p:nvCxnSpPr>
+          <p:spPr>
+            <a:xfrm>
+              <a:off x="1853619" y="5003060"/>
+              <a:ext cx="576262" cy="0"/>
+            </a:xfrm>
+            <a:prstGeom prst="line">
+              <a:avLst/>
+            </a:prstGeom>
+            <a:ln w="15875"/>
+          </p:spPr>
+          <p:style>
+            <a:lnRef idx="1">
+              <a:schemeClr val="dk1"/>
+            </a:lnRef>
+            <a:fillRef idx="0">
+              <a:schemeClr val="dk1"/>
+            </a:fillRef>
+            <a:effectRef idx="0">
+              <a:schemeClr val="dk1"/>
+            </a:effectRef>
+            <a:fontRef idx="minor">
+              <a:schemeClr val="tx1"/>
+            </a:fontRef>
+          </p:style>
+        </p:cxnSp>
+      </p:grpSp>
+      <p:sp>
+        <p:nvSpPr>
+          <p:cNvPr id="49" name="화살표: 아래쪽 48">
+            <a:extLst>
+              <a:ext uri="{FF2B5EF4-FFF2-40B4-BE49-F238E27FC236}">
+                <a16:creationId xmlns:a16="http://schemas.microsoft.com/office/drawing/2014/main" id="{BD752CC2-98CD-DDEC-BE80-E2EB8D74DEA1}"/>
+              </a:ext>
+            </a:extLst>
+          </p:cNvPr>
+          <p:cNvSpPr/>
+          <p:nvPr/>
+        </p:nvSpPr>
+        <p:spPr>
+          <a:xfrm rot="16200000">
+            <a:off x="4364683" y="3567912"/>
+            <a:ext cx="459298" cy="491227"/>
+          </a:xfrm>
+          <a:prstGeom prst="downArrow">
+            <a:avLst/>
+          </a:prstGeom>
+          <a:solidFill>
+            <a:schemeClr val="tx2"/>
+          </a:solidFill>
+          <a:ln>
+            <a:solidFill>
+              <a:schemeClr val="tx2"/>
+            </a:solidFill>
+          </a:ln>
+        </p:spPr>
+        <p:style>
+          <a:lnRef idx="2">
+            <a:schemeClr val="accent1">
+              <a:shade val="15000"/>
+            </a:schemeClr>
+          </a:lnRef>
+          <a:fillRef idx="1">
+            <a:schemeClr val="accent1"/>
+          </a:fillRef>
+          <a:effectRef idx="0">
+            <a:schemeClr val="accent1"/>
+          </a:effectRef>
+          <a:fontRef idx="minor">
+            <a:schemeClr val="lt1"/>
+          </a:fontRef>
+        </p:style>
+        <p:txBody>
+          <a:bodyPr rtlCol="0" anchor="ctr"/>
+          <a:lstStyle/>
+          <a:p>
+            <a:pPr algn="ctr"/>
+            <a:endParaRPr lang="ko-KR" altLang="en-US"/>
+          </a:p>
+        </p:txBody>
+      </p:sp>
+      <p:sp>
+        <p:nvSpPr>
+          <p:cNvPr id="50" name="화살표: 아래쪽 49">
+            <a:extLst>
+              <a:ext uri="{FF2B5EF4-FFF2-40B4-BE49-F238E27FC236}">
+                <a16:creationId xmlns:a16="http://schemas.microsoft.com/office/drawing/2014/main" id="{B3357E3E-70A1-89E8-3511-4360094A5421}"/>
+              </a:ext>
+            </a:extLst>
+          </p:cNvPr>
+          <p:cNvSpPr/>
+          <p:nvPr/>
+        </p:nvSpPr>
+        <p:spPr>
+          <a:xfrm rot="16200000">
+            <a:off x="6254997" y="3567912"/>
+            <a:ext cx="459298" cy="491227"/>
+          </a:xfrm>
+          <a:prstGeom prst="downArrow">
+            <a:avLst/>
+          </a:prstGeom>
+          <a:solidFill>
+            <a:schemeClr val="tx2"/>
+          </a:solidFill>
+          <a:ln>
+            <a:solidFill>
+              <a:schemeClr val="tx2"/>
+            </a:solidFill>
+          </a:ln>
+        </p:spPr>
+        <p:style>
+          <a:lnRef idx="2">
+            <a:schemeClr val="accent1">
+              <a:shade val="15000"/>
+            </a:schemeClr>
+          </a:lnRef>
+          <a:fillRef idx="1">
+            <a:schemeClr val="accent1"/>
+          </a:fillRef>
+          <a:effectRef idx="0">
+            <a:schemeClr val="accent1"/>
+          </a:effectRef>
+          <a:fontRef idx="minor">
+            <a:schemeClr val="lt1"/>
+          </a:fontRef>
+        </p:style>
+        <p:txBody>
+          <a:bodyPr rtlCol="0" anchor="ctr"/>
+          <a:lstStyle/>
+          <a:p>
+            <a:pPr algn="ctr"/>
+            <a:endParaRPr lang="ko-KR" altLang="en-US"/>
+          </a:p>
+        </p:txBody>
+      </p:sp>
+      <p:pic>
+        <p:nvPicPr>
+          <p:cNvPr id="1026" name="Picture 2" descr="비바도 리눅스 환경 설치 후 실행 법">
+            <a:extLst>
+              <a:ext uri="{FF2B5EF4-FFF2-40B4-BE49-F238E27FC236}">
+                <a16:creationId xmlns:a16="http://schemas.microsoft.com/office/drawing/2014/main" id="{06D472DA-6E84-8617-8E86-37A1D3DEA59C}"/>
+              </a:ext>
+            </a:extLst>
+          </p:cNvPr>
+          <p:cNvPicPr>
+            <a:picLocks noChangeAspect="1" noChangeArrowheads="1"/>
+          </p:cNvPicPr>
+          <p:nvPr/>
+        </p:nvPicPr>
+        <p:blipFill>
+          <a:blip r:embed="rId3">
+            <a:extLst>
+              <a:ext uri="{28A0092B-C50C-407E-A947-70E740481C1C}">
+                <a14:useLocalDpi xmlns:a14="http://schemas.microsoft.com/office/drawing/2010/main" val="0"/>
+              </a:ext>
+            </a:extLst>
+          </a:blip>
+          <a:srcRect/>
+          <a:stretch>
+            <a:fillRect/>
+          </a:stretch>
+        </p:blipFill>
+        <p:spPr bwMode="auto">
+          <a:xfrm>
+            <a:off x="6876872" y="3431054"/>
+            <a:ext cx="1713971" cy="559399"/>
+          </a:xfrm>
+          <a:prstGeom prst="rect">
+            <a:avLst/>
+          </a:prstGeom>
+          <a:noFill/>
+          <a:extLst>
+            <a:ext uri="{909E8E84-426E-40DD-AFC4-6F175D3DCCD1}">
+              <a14:hiddenFill xmlns:a14="http://schemas.microsoft.com/office/drawing/2010/main">
+                <a:solidFill>
+                  <a:srgbClr val="FFFFFF"/>
+                </a:solidFill>
+              </a14:hiddenFill>
+            </a:ext>
+          </a:extLst>
+        </p:spPr>
+      </p:pic>
+      <p:sp>
+        <p:nvSpPr>
+          <p:cNvPr id="51" name="TextBox 50">
+            <a:extLst>
+              <a:ext uri="{FF2B5EF4-FFF2-40B4-BE49-F238E27FC236}">
+                <a16:creationId xmlns:a16="http://schemas.microsoft.com/office/drawing/2014/main" id="{B112A422-0147-BD44-17E1-F89151B903A7}"/>
+              </a:ext>
+            </a:extLst>
+          </p:cNvPr>
+          <p:cNvSpPr txBox="1"/>
+          <p:nvPr/>
+        </p:nvSpPr>
+        <p:spPr>
+          <a:xfrm>
+            <a:off x="5481064" y="4195913"/>
+            <a:ext cx="2165786" cy="369332"/>
+          </a:xfrm>
+          <a:prstGeom prst="rect">
+            <a:avLst/>
+          </a:prstGeom>
+          <a:noFill/>
+        </p:spPr>
+        <p:txBody>
+          <a:bodyPr wrap="none" rtlCol="0">
+            <a:spAutoFit/>
+          </a:bodyPr>
+          <a:lstStyle/>
+          <a:p>
+            <a:pPr algn="ctr"/>
+            <a:r>
+              <a:rPr lang="en-US" altLang="ko-KR"/>
+              <a:t>Call Vivado in python</a:t>
+            </a:r>
+            <a:endParaRPr lang="ko-KR" altLang="en-US"/>
+          </a:p>
+        </p:txBody>
+      </p:sp>
     </p:spTree>
     <p:extLst>
       <p:ext uri="{BB962C8B-B14F-4D97-AF65-F5344CB8AC3E}">
-        <p14:creationId xmlns:p14="http://schemas.microsoft.com/office/powerpoint/2010/main" val="126888265"/>
+        <p14:creationId xmlns:p14="http://schemas.microsoft.com/office/powerpoint/2010/main" val="3977183687"/>
       </p:ext>
     </p:extLst>
   </p:cSld>
@@ -4284,7 +6357,7 @@
           <p:cNvPr id="2" name="제목 1">
             <a:extLst>
               <a:ext uri="{FF2B5EF4-FFF2-40B4-BE49-F238E27FC236}">
-                <a16:creationId xmlns:a16="http://schemas.microsoft.com/office/drawing/2014/main" id="{E28E007A-BDC2-6043-60AE-1A58991DEE37}"/>
+                <a16:creationId xmlns:a16="http://schemas.microsoft.com/office/drawing/2014/main" id="{44F4DE17-88C9-271B-8E67-9BB5ACE567FE}"/>
               </a:ext>
             </a:extLst>
           </p:cNvPr>
@@ -4302,7 +6375,7 @@
           <a:p>
             <a:r>
               <a:rPr lang="en-US" altLang="ko-KR"/>
-              <a:t>DDS in Verilog (2)</a:t>
+              <a:t>Block Design Creation</a:t>
             </a:r>
             <a:endParaRPr lang="ko-KR" altLang="en-US"/>
           </a:p>
@@ -4313,7 +6386,7 @@
           <p:cNvPr id="4" name="날짜 개체 틀 3">
             <a:extLst>
               <a:ext uri="{FF2B5EF4-FFF2-40B4-BE49-F238E27FC236}">
-                <a16:creationId xmlns:a16="http://schemas.microsoft.com/office/drawing/2014/main" id="{781B33B9-2F9F-CB2D-9D8D-5EBB0C551CA1}"/>
+                <a16:creationId xmlns:a16="http://schemas.microsoft.com/office/drawing/2014/main" id="{BF4BD4B3-4DD2-21A5-A25A-DB9ED0F9E0E5}"/>
               </a:ext>
             </a:extLst>
           </p:cNvPr>
@@ -4341,48 +6414,2375 @@
       </p:sp>
       <p:pic>
         <p:nvPicPr>
-          <p:cNvPr id="6" name="그림 5" descr="\documentclass{article}&#10;\usepackage{amsmath}&#10;\pagestyle{empty}&#10;\begin{document}&#10;&#10;\noindent For 14 bit unsigned amplitude scaling\\&#10;&#10;\noindent $amp[13:0] * dds\_output[15:0] = amp\_full\_product[31:0]$\\&#10;for full amp $2^{14} - 1$\\&#10;for full dds\_output $2^{14} - 1$\\&#10;product becomes $2^{28} - 2^{15} + 1 = 2^{14}(2^{14} - 2) + \varepsilon$\\&#10;&#10;\noindent other choice&#10;$(amp[13:0]+1) * dds\_output[15:0] = amp\_full\_product[31:0]$\\&#10;for full amp $2^{14} - 1 + 1$\\&#10;for full dds\_output $2^{14} - 1$\\&#10;product becomes $2^{14}(2^{14} - 1)$\\&#10;But, for zero amp,\\&#10;$2^{14} - 1$\\&#10;So, zero has to be conducted in exception case&#10;&#10;&#10;&#10;\end{document}" title="IguanaTex Bitmap Display">
-            <a:extLst>
-              <a:ext uri="{FF2B5EF4-FFF2-40B4-BE49-F238E27FC236}">
-                <a16:creationId xmlns:a16="http://schemas.microsoft.com/office/drawing/2014/main" id="{85A0A7A3-88A8-8758-1935-5A7378060037}"/>
+          <p:cNvPr id="6" name="그림 5">
+            <a:extLst>
+              <a:ext uri="{FF2B5EF4-FFF2-40B4-BE49-F238E27FC236}">
+                <a16:creationId xmlns:a16="http://schemas.microsoft.com/office/drawing/2014/main" id="{0D24897E-5209-B838-75A1-985B17362C54}"/>
               </a:ext>
             </a:extLst>
           </p:cNvPr>
           <p:cNvPicPr>
             <a:picLocks noChangeAspect="1"/>
           </p:cNvPicPr>
-          <p:nvPr>
-            <p:custDataLst>
-              <p:tags r:id="rId1"/>
-            </p:custDataLst>
-          </p:nvPr>
+          <p:nvPr/>
         </p:nvPicPr>
         <p:blipFill>
-          <a:blip r:embed="rId3">
-            <a:extLst>
-              <a:ext uri="{28A0092B-C50C-407E-A947-70E740481C1C}">
-                <a14:useLocalDpi xmlns:a14="http://schemas.microsoft.com/office/drawing/2010/main" val="0"/>
-              </a:ext>
-            </a:extLst>
-          </a:blip>
+          <a:blip r:embed="rId2"/>
           <a:stretch>
             <a:fillRect/>
           </a:stretch>
         </p:blipFill>
         <p:spPr>
           <a:xfrm>
-            <a:off x="1828800" y="1587139"/>
-            <a:ext cx="8426666" cy="4169143"/>
+            <a:off x="85344" y="1622589"/>
+            <a:ext cx="5565374" cy="4158310"/>
           </a:xfrm>
           <a:prstGeom prst="rect">
             <a:avLst/>
           </a:prstGeom>
         </p:spPr>
       </p:pic>
+      <p:grpSp>
+        <p:nvGrpSpPr>
+          <p:cNvPr id="7" name="그룹 6">
+            <a:extLst>
+              <a:ext uri="{FF2B5EF4-FFF2-40B4-BE49-F238E27FC236}">
+                <a16:creationId xmlns:a16="http://schemas.microsoft.com/office/drawing/2014/main" id="{36D58A9C-89B8-7B7D-CD21-187AD7ECD927}"/>
+              </a:ext>
+            </a:extLst>
+          </p:cNvPr>
+          <p:cNvGrpSpPr/>
+          <p:nvPr/>
+        </p:nvGrpSpPr>
+        <p:grpSpPr>
+          <a:xfrm>
+            <a:off x="8089599" y="1342274"/>
+            <a:ext cx="900113" cy="714375"/>
+            <a:chOff x="1600200" y="5600700"/>
+            <a:chExt cx="900113" cy="714375"/>
+          </a:xfrm>
+        </p:grpSpPr>
+        <p:sp>
+          <p:nvSpPr>
+            <p:cNvPr id="8" name="사각형: 잘린 한쪽 모서리 7">
+              <a:extLst>
+                <a:ext uri="{FF2B5EF4-FFF2-40B4-BE49-F238E27FC236}">
+                  <a16:creationId xmlns:a16="http://schemas.microsoft.com/office/drawing/2014/main" id="{6B636981-7CA2-4806-A6A2-24AF08E8E524}"/>
+                </a:ext>
+              </a:extLst>
+            </p:cNvPr>
+            <p:cNvSpPr/>
+            <p:nvPr/>
+          </p:nvSpPr>
+          <p:spPr>
+            <a:xfrm>
+              <a:off x="1600200" y="5631475"/>
+              <a:ext cx="452438" cy="452438"/>
+            </a:xfrm>
+            <a:prstGeom prst="snip1Rect">
+              <a:avLst/>
+            </a:prstGeom>
+            <a:solidFill>
+              <a:schemeClr val="accent4">
+                <a:lumMod val="75000"/>
+              </a:schemeClr>
+            </a:solidFill>
+            <a:ln>
+              <a:solidFill>
+                <a:schemeClr val="tx1"/>
+              </a:solidFill>
+            </a:ln>
+          </p:spPr>
+          <p:style>
+            <a:lnRef idx="2">
+              <a:schemeClr val="accent1">
+                <a:shade val="50000"/>
+              </a:schemeClr>
+            </a:lnRef>
+            <a:fillRef idx="1">
+              <a:schemeClr val="accent1"/>
+            </a:fillRef>
+            <a:effectRef idx="0">
+              <a:schemeClr val="accent1"/>
+            </a:effectRef>
+            <a:fontRef idx="minor">
+              <a:schemeClr val="lt1"/>
+            </a:fontRef>
+          </p:style>
+          <p:txBody>
+            <a:bodyPr rtlCol="0" anchor="ctr"/>
+            <a:lstStyle/>
+            <a:p>
+              <a:pPr algn="ctr"/>
+              <a:endParaRPr lang="ko-KR" altLang="en-US" sz="1200">
+                <a:solidFill>
+                  <a:schemeClr val="tx1"/>
+                </a:solidFill>
+              </a:endParaRPr>
+            </a:p>
+          </p:txBody>
+        </p:sp>
+        <p:sp>
+          <p:nvSpPr>
+            <p:cNvPr id="9" name="자유형: 도형 8">
+              <a:extLst>
+                <a:ext uri="{FF2B5EF4-FFF2-40B4-BE49-F238E27FC236}">
+                  <a16:creationId xmlns:a16="http://schemas.microsoft.com/office/drawing/2014/main" id="{46949507-BC44-3E57-3CC5-B6B306D087B1}"/>
+                </a:ext>
+              </a:extLst>
+            </p:cNvPr>
+            <p:cNvSpPr/>
+            <p:nvPr/>
+          </p:nvSpPr>
+          <p:spPr>
+            <a:xfrm>
+              <a:off x="1600201" y="5600700"/>
+              <a:ext cx="900112" cy="714375"/>
+            </a:xfrm>
+            <a:custGeom>
+              <a:avLst/>
+              <a:gdLst>
+                <a:gd name="connsiteX0" fmla="*/ 533400 w 900112"/>
+                <a:gd name="connsiteY0" fmla="*/ 0 h 714375"/>
+                <a:gd name="connsiteX1" fmla="*/ 388143 w 900112"/>
+                <a:gd name="connsiteY1" fmla="*/ 145257 h 714375"/>
+                <a:gd name="connsiteX2" fmla="*/ 0 w 900112"/>
+                <a:gd name="connsiteY2" fmla="*/ 145257 h 714375"/>
+                <a:gd name="connsiteX3" fmla="*/ 0 w 900112"/>
+                <a:gd name="connsiteY3" fmla="*/ 714375 h 714375"/>
+                <a:gd name="connsiteX4" fmla="*/ 900112 w 900112"/>
+                <a:gd name="connsiteY4" fmla="*/ 714375 h 714375"/>
+                <a:gd name="connsiteX5" fmla="*/ 900112 w 900112"/>
+                <a:gd name="connsiteY5" fmla="*/ 4763 h 714375"/>
+                <a:gd name="connsiteX6" fmla="*/ 533400 w 900112"/>
+                <a:gd name="connsiteY6" fmla="*/ 0 h 714375"/>
+              </a:gdLst>
+              <a:ahLst/>
+              <a:cxnLst>
+                <a:cxn ang="0">
+                  <a:pos x="connsiteX0" y="connsiteY0"/>
+                </a:cxn>
+                <a:cxn ang="0">
+                  <a:pos x="connsiteX1" y="connsiteY1"/>
+                </a:cxn>
+                <a:cxn ang="0">
+                  <a:pos x="connsiteX2" y="connsiteY2"/>
+                </a:cxn>
+                <a:cxn ang="0">
+                  <a:pos x="connsiteX3" y="connsiteY3"/>
+                </a:cxn>
+                <a:cxn ang="0">
+                  <a:pos x="connsiteX4" y="connsiteY4"/>
+                </a:cxn>
+                <a:cxn ang="0">
+                  <a:pos x="connsiteX5" y="connsiteY5"/>
+                </a:cxn>
+                <a:cxn ang="0">
+                  <a:pos x="connsiteX6" y="connsiteY6"/>
+                </a:cxn>
+              </a:cxnLst>
+              <a:rect l="l" t="t" r="r" b="b"/>
+              <a:pathLst>
+                <a:path w="900112" h="714375">
+                  <a:moveTo>
+                    <a:pt x="533400" y="0"/>
+                  </a:moveTo>
+                  <a:lnTo>
+                    <a:pt x="388143" y="145257"/>
+                  </a:lnTo>
+                  <a:lnTo>
+                    <a:pt x="0" y="145257"/>
+                  </a:lnTo>
+                  <a:lnTo>
+                    <a:pt x="0" y="714375"/>
+                  </a:lnTo>
+                  <a:lnTo>
+                    <a:pt x="900112" y="714375"/>
+                  </a:lnTo>
+                  <a:lnTo>
+                    <a:pt x="900112" y="4763"/>
+                  </a:lnTo>
+                  <a:lnTo>
+                    <a:pt x="533400" y="0"/>
+                  </a:lnTo>
+                  <a:close/>
+                </a:path>
+              </a:pathLst>
+            </a:custGeom>
+            <a:solidFill>
+              <a:schemeClr val="accent4">
+                <a:lumMod val="60000"/>
+                <a:lumOff val="40000"/>
+              </a:schemeClr>
+            </a:solidFill>
+            <a:ln>
+              <a:solidFill>
+                <a:schemeClr val="tx1"/>
+              </a:solidFill>
+            </a:ln>
+          </p:spPr>
+          <p:style>
+            <a:lnRef idx="2">
+              <a:schemeClr val="accent1">
+                <a:shade val="50000"/>
+              </a:schemeClr>
+            </a:lnRef>
+            <a:fillRef idx="1">
+              <a:schemeClr val="accent1"/>
+            </a:fillRef>
+            <a:effectRef idx="0">
+              <a:schemeClr val="accent1"/>
+            </a:effectRef>
+            <a:fontRef idx="minor">
+              <a:schemeClr val="lt1"/>
+            </a:fontRef>
+          </p:style>
+          <p:txBody>
+            <a:bodyPr rtlCol="0" anchor="ctr"/>
+            <a:lstStyle/>
+            <a:p>
+              <a:pPr algn="ctr"/>
+              <a:endParaRPr lang="en-US" altLang="ko-KR" sz="1200" dirty="0">
+                <a:solidFill>
+                  <a:schemeClr val="tx1"/>
+                </a:solidFill>
+              </a:endParaRPr>
+            </a:p>
+            <a:p>
+              <a:pPr algn="ctr"/>
+              <a:r>
+                <a:rPr lang="en-US" altLang="ko-KR" sz="1200">
+                  <a:solidFill>
+                    <a:schemeClr val="tx1"/>
+                  </a:solidFill>
+                </a:rPr>
+                <a:t>/main_dir</a:t>
+              </a:r>
+              <a:endParaRPr lang="ko-KR" altLang="en-US" sz="1200" dirty="0">
+                <a:solidFill>
+                  <a:schemeClr val="tx1"/>
+                </a:solidFill>
+              </a:endParaRPr>
+            </a:p>
+          </p:txBody>
+        </p:sp>
+      </p:grpSp>
+      <p:grpSp>
+        <p:nvGrpSpPr>
+          <p:cNvPr id="10" name="그룹 9">
+            <a:extLst>
+              <a:ext uri="{FF2B5EF4-FFF2-40B4-BE49-F238E27FC236}">
+                <a16:creationId xmlns:a16="http://schemas.microsoft.com/office/drawing/2014/main" id="{DDB390AC-59B2-ACA3-0A26-91FE6D40CEDD}"/>
+              </a:ext>
+            </a:extLst>
+          </p:cNvPr>
+          <p:cNvGrpSpPr/>
+          <p:nvPr/>
+        </p:nvGrpSpPr>
+        <p:grpSpPr>
+          <a:xfrm>
+            <a:off x="8159794" y="2384755"/>
+            <a:ext cx="759724" cy="866400"/>
+            <a:chOff x="1803216" y="4681679"/>
+            <a:chExt cx="759724" cy="866400"/>
+          </a:xfrm>
+        </p:grpSpPr>
+        <p:sp>
+          <p:nvSpPr>
+            <p:cNvPr id="11" name="사각형: 잘린 한쪽 모서리 10">
+              <a:extLst>
+                <a:ext uri="{FF2B5EF4-FFF2-40B4-BE49-F238E27FC236}">
+                  <a16:creationId xmlns:a16="http://schemas.microsoft.com/office/drawing/2014/main" id="{EE408B63-9426-B20E-D6B8-079A3F5058B0}"/>
+                </a:ext>
+              </a:extLst>
+            </p:cNvPr>
+            <p:cNvSpPr/>
+            <p:nvPr/>
+          </p:nvSpPr>
+          <p:spPr>
+            <a:xfrm>
+              <a:off x="1803216" y="4681679"/>
+              <a:ext cx="759724" cy="866400"/>
+            </a:xfrm>
+            <a:prstGeom prst="snip1Rect">
+              <a:avLst>
+                <a:gd name="adj" fmla="val 24772"/>
+              </a:avLst>
+            </a:prstGeom>
+            <a:noFill/>
+            <a:ln>
+              <a:solidFill>
+                <a:schemeClr val="tx1"/>
+              </a:solidFill>
+            </a:ln>
+          </p:spPr>
+          <p:style>
+            <a:lnRef idx="2">
+              <a:schemeClr val="accent1">
+                <a:shade val="50000"/>
+              </a:schemeClr>
+            </a:lnRef>
+            <a:fillRef idx="1">
+              <a:schemeClr val="accent1"/>
+            </a:fillRef>
+            <a:effectRef idx="0">
+              <a:schemeClr val="accent1"/>
+            </a:effectRef>
+            <a:fontRef idx="minor">
+              <a:schemeClr val="lt1"/>
+            </a:fontRef>
+          </p:style>
+          <p:txBody>
+            <a:bodyPr rtlCol="0" anchor="ctr"/>
+            <a:lstStyle/>
+            <a:p>
+              <a:pPr algn="ctr"/>
+              <a:r>
+                <a:rPr lang="en-US" altLang="ko-KR" sz="1200">
+                  <a:solidFill>
+                    <a:schemeClr val="tx1"/>
+                  </a:solidFill>
+                </a:rPr>
+                <a:t>ip3.xdc</a:t>
+              </a:r>
+              <a:endParaRPr lang="ko-KR" altLang="en-US" sz="1200" dirty="0">
+                <a:solidFill>
+                  <a:schemeClr val="tx1"/>
+                </a:solidFill>
+              </a:endParaRPr>
+            </a:p>
+          </p:txBody>
+        </p:sp>
+        <p:cxnSp>
+          <p:nvCxnSpPr>
+            <p:cNvPr id="12" name="직선 연결선 11">
+              <a:extLst>
+                <a:ext uri="{FF2B5EF4-FFF2-40B4-BE49-F238E27FC236}">
+                  <a16:creationId xmlns:a16="http://schemas.microsoft.com/office/drawing/2014/main" id="{EAE5F552-82BD-6BE9-8F2D-450D067C361B}"/>
+                </a:ext>
+              </a:extLst>
+            </p:cNvPr>
+            <p:cNvCxnSpPr/>
+            <p:nvPr/>
+          </p:nvCxnSpPr>
+          <p:spPr>
+            <a:xfrm>
+              <a:off x="1853619" y="4816463"/>
+              <a:ext cx="576262" cy="0"/>
+            </a:xfrm>
+            <a:prstGeom prst="line">
+              <a:avLst/>
+            </a:prstGeom>
+            <a:ln w="15875"/>
+          </p:spPr>
+          <p:style>
+            <a:lnRef idx="1">
+              <a:schemeClr val="dk1"/>
+            </a:lnRef>
+            <a:fillRef idx="0">
+              <a:schemeClr val="dk1"/>
+            </a:fillRef>
+            <a:effectRef idx="0">
+              <a:schemeClr val="dk1"/>
+            </a:effectRef>
+            <a:fontRef idx="minor">
+              <a:schemeClr val="tx1"/>
+            </a:fontRef>
+          </p:style>
+        </p:cxnSp>
+        <p:cxnSp>
+          <p:nvCxnSpPr>
+            <p:cNvPr id="13" name="직선 연결선 12">
+              <a:extLst>
+                <a:ext uri="{FF2B5EF4-FFF2-40B4-BE49-F238E27FC236}">
+                  <a16:creationId xmlns:a16="http://schemas.microsoft.com/office/drawing/2014/main" id="{4DB07635-4AE2-8B76-0B49-5DE9E5127CCD}"/>
+                </a:ext>
+              </a:extLst>
+            </p:cNvPr>
+            <p:cNvCxnSpPr/>
+            <p:nvPr/>
+          </p:nvCxnSpPr>
+          <p:spPr>
+            <a:xfrm>
+              <a:off x="1853619" y="4912573"/>
+              <a:ext cx="576262" cy="0"/>
+            </a:xfrm>
+            <a:prstGeom prst="line">
+              <a:avLst/>
+            </a:prstGeom>
+            <a:ln w="15875"/>
+          </p:spPr>
+          <p:style>
+            <a:lnRef idx="1">
+              <a:schemeClr val="dk1"/>
+            </a:lnRef>
+            <a:fillRef idx="0">
+              <a:schemeClr val="dk1"/>
+            </a:fillRef>
+            <a:effectRef idx="0">
+              <a:schemeClr val="dk1"/>
+            </a:effectRef>
+            <a:fontRef idx="minor">
+              <a:schemeClr val="tx1"/>
+            </a:fontRef>
+          </p:style>
+        </p:cxnSp>
+        <p:cxnSp>
+          <p:nvCxnSpPr>
+            <p:cNvPr id="14" name="직선 연결선 13">
+              <a:extLst>
+                <a:ext uri="{FF2B5EF4-FFF2-40B4-BE49-F238E27FC236}">
+                  <a16:creationId xmlns:a16="http://schemas.microsoft.com/office/drawing/2014/main" id="{EB9136CA-F565-F155-D92D-455C53A66DA8}"/>
+                </a:ext>
+              </a:extLst>
+            </p:cNvPr>
+            <p:cNvCxnSpPr/>
+            <p:nvPr/>
+          </p:nvCxnSpPr>
+          <p:spPr>
+            <a:xfrm>
+              <a:off x="1853619" y="5003060"/>
+              <a:ext cx="576262" cy="0"/>
+            </a:xfrm>
+            <a:prstGeom prst="line">
+              <a:avLst/>
+            </a:prstGeom>
+            <a:ln w="15875"/>
+          </p:spPr>
+          <p:style>
+            <a:lnRef idx="1">
+              <a:schemeClr val="dk1"/>
+            </a:lnRef>
+            <a:fillRef idx="0">
+              <a:schemeClr val="dk1"/>
+            </a:fillRef>
+            <a:effectRef idx="0">
+              <a:schemeClr val="dk1"/>
+            </a:effectRef>
+            <a:fontRef idx="minor">
+              <a:schemeClr val="tx1"/>
+            </a:fontRef>
+          </p:style>
+        </p:cxnSp>
+      </p:grpSp>
+      <p:grpSp>
+        <p:nvGrpSpPr>
+          <p:cNvPr id="15" name="그룹 14">
+            <a:extLst>
+              <a:ext uri="{FF2B5EF4-FFF2-40B4-BE49-F238E27FC236}">
+                <a16:creationId xmlns:a16="http://schemas.microsoft.com/office/drawing/2014/main" id="{A75ABF18-6D9E-955C-6C01-D5B68105DC7C}"/>
+              </a:ext>
+            </a:extLst>
+          </p:cNvPr>
+          <p:cNvGrpSpPr/>
+          <p:nvPr/>
+        </p:nvGrpSpPr>
+        <p:grpSpPr>
+          <a:xfrm>
+            <a:off x="10168951" y="4338460"/>
+            <a:ext cx="900113" cy="714375"/>
+            <a:chOff x="1600200" y="5600700"/>
+            <a:chExt cx="900113" cy="714375"/>
+          </a:xfrm>
+        </p:grpSpPr>
+        <p:sp>
+          <p:nvSpPr>
+            <p:cNvPr id="16" name="사각형: 잘린 한쪽 모서리 15">
+              <a:extLst>
+                <a:ext uri="{FF2B5EF4-FFF2-40B4-BE49-F238E27FC236}">
+                  <a16:creationId xmlns:a16="http://schemas.microsoft.com/office/drawing/2014/main" id="{A3FC71F0-392C-8FAC-DA87-E89F2F978532}"/>
+                </a:ext>
+              </a:extLst>
+            </p:cNvPr>
+            <p:cNvSpPr/>
+            <p:nvPr/>
+          </p:nvSpPr>
+          <p:spPr>
+            <a:xfrm>
+              <a:off x="1600200" y="5631475"/>
+              <a:ext cx="452438" cy="452438"/>
+            </a:xfrm>
+            <a:prstGeom prst="snip1Rect">
+              <a:avLst/>
+            </a:prstGeom>
+            <a:solidFill>
+              <a:schemeClr val="accent4">
+                <a:lumMod val="75000"/>
+              </a:schemeClr>
+            </a:solidFill>
+            <a:ln>
+              <a:solidFill>
+                <a:schemeClr val="tx1"/>
+              </a:solidFill>
+            </a:ln>
+          </p:spPr>
+          <p:style>
+            <a:lnRef idx="2">
+              <a:schemeClr val="accent1">
+                <a:shade val="50000"/>
+              </a:schemeClr>
+            </a:lnRef>
+            <a:fillRef idx="1">
+              <a:schemeClr val="accent1"/>
+            </a:fillRef>
+            <a:effectRef idx="0">
+              <a:schemeClr val="accent1"/>
+            </a:effectRef>
+            <a:fontRef idx="minor">
+              <a:schemeClr val="lt1"/>
+            </a:fontRef>
+          </p:style>
+          <p:txBody>
+            <a:bodyPr rtlCol="0" anchor="ctr"/>
+            <a:lstStyle/>
+            <a:p>
+              <a:pPr algn="ctr"/>
+              <a:endParaRPr lang="ko-KR" altLang="en-US" sz="1200">
+                <a:solidFill>
+                  <a:schemeClr val="tx1"/>
+                </a:solidFill>
+              </a:endParaRPr>
+            </a:p>
+          </p:txBody>
+        </p:sp>
+        <p:sp>
+          <p:nvSpPr>
+            <p:cNvPr id="17" name="자유형: 도형 16">
+              <a:extLst>
+                <a:ext uri="{FF2B5EF4-FFF2-40B4-BE49-F238E27FC236}">
+                  <a16:creationId xmlns:a16="http://schemas.microsoft.com/office/drawing/2014/main" id="{49BDF792-E8BF-8087-37EE-853A8CCF9790}"/>
+                </a:ext>
+              </a:extLst>
+            </p:cNvPr>
+            <p:cNvSpPr/>
+            <p:nvPr/>
+          </p:nvSpPr>
+          <p:spPr>
+            <a:xfrm>
+              <a:off x="1600201" y="5600700"/>
+              <a:ext cx="900112" cy="714375"/>
+            </a:xfrm>
+            <a:custGeom>
+              <a:avLst/>
+              <a:gdLst>
+                <a:gd name="connsiteX0" fmla="*/ 533400 w 900112"/>
+                <a:gd name="connsiteY0" fmla="*/ 0 h 714375"/>
+                <a:gd name="connsiteX1" fmla="*/ 388143 w 900112"/>
+                <a:gd name="connsiteY1" fmla="*/ 145257 h 714375"/>
+                <a:gd name="connsiteX2" fmla="*/ 0 w 900112"/>
+                <a:gd name="connsiteY2" fmla="*/ 145257 h 714375"/>
+                <a:gd name="connsiteX3" fmla="*/ 0 w 900112"/>
+                <a:gd name="connsiteY3" fmla="*/ 714375 h 714375"/>
+                <a:gd name="connsiteX4" fmla="*/ 900112 w 900112"/>
+                <a:gd name="connsiteY4" fmla="*/ 714375 h 714375"/>
+                <a:gd name="connsiteX5" fmla="*/ 900112 w 900112"/>
+                <a:gd name="connsiteY5" fmla="*/ 4763 h 714375"/>
+                <a:gd name="connsiteX6" fmla="*/ 533400 w 900112"/>
+                <a:gd name="connsiteY6" fmla="*/ 0 h 714375"/>
+              </a:gdLst>
+              <a:ahLst/>
+              <a:cxnLst>
+                <a:cxn ang="0">
+                  <a:pos x="connsiteX0" y="connsiteY0"/>
+                </a:cxn>
+                <a:cxn ang="0">
+                  <a:pos x="connsiteX1" y="connsiteY1"/>
+                </a:cxn>
+                <a:cxn ang="0">
+                  <a:pos x="connsiteX2" y="connsiteY2"/>
+                </a:cxn>
+                <a:cxn ang="0">
+                  <a:pos x="connsiteX3" y="connsiteY3"/>
+                </a:cxn>
+                <a:cxn ang="0">
+                  <a:pos x="connsiteX4" y="connsiteY4"/>
+                </a:cxn>
+                <a:cxn ang="0">
+                  <a:pos x="connsiteX5" y="connsiteY5"/>
+                </a:cxn>
+                <a:cxn ang="0">
+                  <a:pos x="connsiteX6" y="connsiteY6"/>
+                </a:cxn>
+              </a:cxnLst>
+              <a:rect l="l" t="t" r="r" b="b"/>
+              <a:pathLst>
+                <a:path w="900112" h="714375">
+                  <a:moveTo>
+                    <a:pt x="533400" y="0"/>
+                  </a:moveTo>
+                  <a:lnTo>
+                    <a:pt x="388143" y="145257"/>
+                  </a:lnTo>
+                  <a:lnTo>
+                    <a:pt x="0" y="145257"/>
+                  </a:lnTo>
+                  <a:lnTo>
+                    <a:pt x="0" y="714375"/>
+                  </a:lnTo>
+                  <a:lnTo>
+                    <a:pt x="900112" y="714375"/>
+                  </a:lnTo>
+                  <a:lnTo>
+                    <a:pt x="900112" y="4763"/>
+                  </a:lnTo>
+                  <a:lnTo>
+                    <a:pt x="533400" y="0"/>
+                  </a:lnTo>
+                  <a:close/>
+                </a:path>
+              </a:pathLst>
+            </a:custGeom>
+            <a:solidFill>
+              <a:schemeClr val="accent4">
+                <a:lumMod val="60000"/>
+                <a:lumOff val="40000"/>
+              </a:schemeClr>
+            </a:solidFill>
+            <a:ln>
+              <a:solidFill>
+                <a:schemeClr val="tx1"/>
+              </a:solidFill>
+            </a:ln>
+          </p:spPr>
+          <p:style>
+            <a:lnRef idx="2">
+              <a:schemeClr val="accent1">
+                <a:shade val="50000"/>
+              </a:schemeClr>
+            </a:lnRef>
+            <a:fillRef idx="1">
+              <a:schemeClr val="accent1"/>
+            </a:fillRef>
+            <a:effectRef idx="0">
+              <a:schemeClr val="accent1"/>
+            </a:effectRef>
+            <a:fontRef idx="minor">
+              <a:schemeClr val="lt1"/>
+            </a:fontRef>
+          </p:style>
+          <p:txBody>
+            <a:bodyPr rtlCol="0" anchor="ctr"/>
+            <a:lstStyle/>
+            <a:p>
+              <a:pPr algn="ctr"/>
+              <a:endParaRPr lang="en-US" altLang="ko-KR" sz="1200" dirty="0">
+                <a:solidFill>
+                  <a:schemeClr val="tx1"/>
+                </a:solidFill>
+              </a:endParaRPr>
+            </a:p>
+            <a:p>
+              <a:pPr algn="ctr"/>
+              <a:r>
+                <a:rPr lang="en-US" altLang="ko-KR" sz="1200">
+                  <a:solidFill>
+                    <a:schemeClr val="tx1"/>
+                  </a:solidFill>
+                </a:rPr>
+                <a:t>/prj_dir</a:t>
+              </a:r>
+              <a:endParaRPr lang="ko-KR" altLang="en-US" sz="1200" dirty="0">
+                <a:solidFill>
+                  <a:schemeClr val="tx1"/>
+                </a:solidFill>
+              </a:endParaRPr>
+            </a:p>
+          </p:txBody>
+        </p:sp>
+      </p:grpSp>
+      <p:grpSp>
+        <p:nvGrpSpPr>
+          <p:cNvPr id="18" name="그룹 17">
+            <a:extLst>
+              <a:ext uri="{FF2B5EF4-FFF2-40B4-BE49-F238E27FC236}">
+                <a16:creationId xmlns:a16="http://schemas.microsoft.com/office/drawing/2014/main" id="{80F772B2-6A71-A265-3D44-8BAF600E716D}"/>
+              </a:ext>
+            </a:extLst>
+          </p:cNvPr>
+          <p:cNvGrpSpPr/>
+          <p:nvPr/>
+        </p:nvGrpSpPr>
+        <p:grpSpPr>
+          <a:xfrm>
+            <a:off x="10689202" y="5380941"/>
+            <a:ext cx="759724" cy="866400"/>
+            <a:chOff x="1803216" y="4681679"/>
+            <a:chExt cx="759724" cy="866400"/>
+          </a:xfrm>
+        </p:grpSpPr>
+        <p:sp>
+          <p:nvSpPr>
+            <p:cNvPr id="19" name="사각형: 잘린 한쪽 모서리 18">
+              <a:extLst>
+                <a:ext uri="{FF2B5EF4-FFF2-40B4-BE49-F238E27FC236}">
+                  <a16:creationId xmlns:a16="http://schemas.microsoft.com/office/drawing/2014/main" id="{B5BD0A0C-01A3-6D98-F9E6-A62E2B3599EA}"/>
+                </a:ext>
+              </a:extLst>
+            </p:cNvPr>
+            <p:cNvSpPr/>
+            <p:nvPr/>
+          </p:nvSpPr>
+          <p:spPr>
+            <a:xfrm>
+              <a:off x="1803216" y="4681679"/>
+              <a:ext cx="759724" cy="866400"/>
+            </a:xfrm>
+            <a:prstGeom prst="snip1Rect">
+              <a:avLst>
+                <a:gd name="adj" fmla="val 24772"/>
+              </a:avLst>
+            </a:prstGeom>
+            <a:noFill/>
+            <a:ln>
+              <a:solidFill>
+                <a:schemeClr val="tx1"/>
+              </a:solidFill>
+            </a:ln>
+          </p:spPr>
+          <p:style>
+            <a:lnRef idx="2">
+              <a:schemeClr val="accent1">
+                <a:shade val="50000"/>
+              </a:schemeClr>
+            </a:lnRef>
+            <a:fillRef idx="1">
+              <a:schemeClr val="accent1"/>
+            </a:fillRef>
+            <a:effectRef idx="0">
+              <a:schemeClr val="accent1"/>
+            </a:effectRef>
+            <a:fontRef idx="minor">
+              <a:schemeClr val="lt1"/>
+            </a:fontRef>
+          </p:style>
+          <p:txBody>
+            <a:bodyPr rtlCol="0" anchor="ctr"/>
+            <a:lstStyle/>
+            <a:p>
+              <a:pPr algn="ctr"/>
+              <a:r>
+                <a:rPr lang="en-US" altLang="ko-KR" sz="1200">
+                  <a:solidFill>
+                    <a:schemeClr val="tx1"/>
+                  </a:solidFill>
+                </a:rPr>
+                <a:t>prj.xpr</a:t>
+              </a:r>
+              <a:endParaRPr lang="ko-KR" altLang="en-US" sz="1200" dirty="0">
+                <a:solidFill>
+                  <a:schemeClr val="tx1"/>
+                </a:solidFill>
+              </a:endParaRPr>
+            </a:p>
+          </p:txBody>
+        </p:sp>
+        <p:cxnSp>
+          <p:nvCxnSpPr>
+            <p:cNvPr id="20" name="직선 연결선 19">
+              <a:extLst>
+                <a:ext uri="{FF2B5EF4-FFF2-40B4-BE49-F238E27FC236}">
+                  <a16:creationId xmlns:a16="http://schemas.microsoft.com/office/drawing/2014/main" id="{B89CA45A-E76D-FE4D-780F-636DD47750AE}"/>
+                </a:ext>
+              </a:extLst>
+            </p:cNvPr>
+            <p:cNvCxnSpPr/>
+            <p:nvPr/>
+          </p:nvCxnSpPr>
+          <p:spPr>
+            <a:xfrm>
+              <a:off x="1853619" y="4816463"/>
+              <a:ext cx="576262" cy="0"/>
+            </a:xfrm>
+            <a:prstGeom prst="line">
+              <a:avLst/>
+            </a:prstGeom>
+            <a:ln w="15875"/>
+          </p:spPr>
+          <p:style>
+            <a:lnRef idx="1">
+              <a:schemeClr val="dk1"/>
+            </a:lnRef>
+            <a:fillRef idx="0">
+              <a:schemeClr val="dk1"/>
+            </a:fillRef>
+            <a:effectRef idx="0">
+              <a:schemeClr val="dk1"/>
+            </a:effectRef>
+            <a:fontRef idx="minor">
+              <a:schemeClr val="tx1"/>
+            </a:fontRef>
+          </p:style>
+        </p:cxnSp>
+        <p:cxnSp>
+          <p:nvCxnSpPr>
+            <p:cNvPr id="21" name="직선 연결선 20">
+              <a:extLst>
+                <a:ext uri="{FF2B5EF4-FFF2-40B4-BE49-F238E27FC236}">
+                  <a16:creationId xmlns:a16="http://schemas.microsoft.com/office/drawing/2014/main" id="{6AC0774C-8469-4F54-6038-26DBF4026F46}"/>
+                </a:ext>
+              </a:extLst>
+            </p:cNvPr>
+            <p:cNvCxnSpPr/>
+            <p:nvPr/>
+          </p:nvCxnSpPr>
+          <p:spPr>
+            <a:xfrm>
+              <a:off x="1853619" y="4912573"/>
+              <a:ext cx="576262" cy="0"/>
+            </a:xfrm>
+            <a:prstGeom prst="line">
+              <a:avLst/>
+            </a:prstGeom>
+            <a:ln w="15875"/>
+          </p:spPr>
+          <p:style>
+            <a:lnRef idx="1">
+              <a:schemeClr val="dk1"/>
+            </a:lnRef>
+            <a:fillRef idx="0">
+              <a:schemeClr val="dk1"/>
+            </a:fillRef>
+            <a:effectRef idx="0">
+              <a:schemeClr val="dk1"/>
+            </a:effectRef>
+            <a:fontRef idx="minor">
+              <a:schemeClr val="tx1"/>
+            </a:fontRef>
+          </p:style>
+        </p:cxnSp>
+        <p:cxnSp>
+          <p:nvCxnSpPr>
+            <p:cNvPr id="22" name="직선 연결선 21">
+              <a:extLst>
+                <a:ext uri="{FF2B5EF4-FFF2-40B4-BE49-F238E27FC236}">
+                  <a16:creationId xmlns:a16="http://schemas.microsoft.com/office/drawing/2014/main" id="{DD69A604-3666-694D-3AD4-989FDF471B91}"/>
+                </a:ext>
+              </a:extLst>
+            </p:cNvPr>
+            <p:cNvCxnSpPr/>
+            <p:nvPr/>
+          </p:nvCxnSpPr>
+          <p:spPr>
+            <a:xfrm>
+              <a:off x="1853619" y="5003060"/>
+              <a:ext cx="576262" cy="0"/>
+            </a:xfrm>
+            <a:prstGeom prst="line">
+              <a:avLst/>
+            </a:prstGeom>
+            <a:ln w="15875"/>
+          </p:spPr>
+          <p:style>
+            <a:lnRef idx="1">
+              <a:schemeClr val="dk1"/>
+            </a:lnRef>
+            <a:fillRef idx="0">
+              <a:schemeClr val="dk1"/>
+            </a:fillRef>
+            <a:effectRef idx="0">
+              <a:schemeClr val="dk1"/>
+            </a:effectRef>
+            <a:fontRef idx="minor">
+              <a:schemeClr val="tx1"/>
+            </a:fontRef>
+          </p:style>
+        </p:cxnSp>
+      </p:grpSp>
+      <p:grpSp>
+        <p:nvGrpSpPr>
+          <p:cNvPr id="23" name="그룹 22">
+            <a:extLst>
+              <a:ext uri="{FF2B5EF4-FFF2-40B4-BE49-F238E27FC236}">
+                <a16:creationId xmlns:a16="http://schemas.microsoft.com/office/drawing/2014/main" id="{7B171325-4ED7-CC52-9DF8-82F0A1A86D06}"/>
+              </a:ext>
+            </a:extLst>
+          </p:cNvPr>
+          <p:cNvGrpSpPr/>
+          <p:nvPr/>
+        </p:nvGrpSpPr>
+        <p:grpSpPr>
+          <a:xfrm>
+            <a:off x="9859284" y="5380941"/>
+            <a:ext cx="759724" cy="866400"/>
+            <a:chOff x="1803216" y="4681679"/>
+            <a:chExt cx="759724" cy="866400"/>
+          </a:xfrm>
+        </p:grpSpPr>
+        <p:sp>
+          <p:nvSpPr>
+            <p:cNvPr id="24" name="사각형: 잘린 한쪽 모서리 23">
+              <a:extLst>
+                <a:ext uri="{FF2B5EF4-FFF2-40B4-BE49-F238E27FC236}">
+                  <a16:creationId xmlns:a16="http://schemas.microsoft.com/office/drawing/2014/main" id="{5E5AD3C9-4807-7A7D-C6D0-9849512BCC4E}"/>
+                </a:ext>
+              </a:extLst>
+            </p:cNvPr>
+            <p:cNvSpPr/>
+            <p:nvPr/>
+          </p:nvSpPr>
+          <p:spPr>
+            <a:xfrm>
+              <a:off x="1803216" y="4681679"/>
+              <a:ext cx="759724" cy="866400"/>
+            </a:xfrm>
+            <a:prstGeom prst="snip1Rect">
+              <a:avLst>
+                <a:gd name="adj" fmla="val 24772"/>
+              </a:avLst>
+            </a:prstGeom>
+            <a:noFill/>
+            <a:ln>
+              <a:solidFill>
+                <a:schemeClr val="tx1"/>
+              </a:solidFill>
+            </a:ln>
+          </p:spPr>
+          <p:style>
+            <a:lnRef idx="2">
+              <a:schemeClr val="accent1">
+                <a:shade val="50000"/>
+              </a:schemeClr>
+            </a:lnRef>
+            <a:fillRef idx="1">
+              <a:schemeClr val="accent1"/>
+            </a:fillRef>
+            <a:effectRef idx="0">
+              <a:schemeClr val="accent1"/>
+            </a:effectRef>
+            <a:fontRef idx="minor">
+              <a:schemeClr val="lt1"/>
+            </a:fontRef>
+          </p:style>
+          <p:txBody>
+            <a:bodyPr rtlCol="0" anchor="ctr"/>
+            <a:lstStyle/>
+            <a:p>
+              <a:pPr algn="ctr"/>
+              <a:r>
+                <a:rPr lang="en-US" altLang="ko-KR" sz="1200">
+                  <a:solidFill>
+                    <a:schemeClr val="tx1"/>
+                  </a:solidFill>
+                </a:rPr>
+                <a:t>blk.bd</a:t>
+              </a:r>
+              <a:endParaRPr lang="ko-KR" altLang="en-US" sz="1200" dirty="0">
+                <a:solidFill>
+                  <a:schemeClr val="tx1"/>
+                </a:solidFill>
+              </a:endParaRPr>
+            </a:p>
+          </p:txBody>
+        </p:sp>
+        <p:cxnSp>
+          <p:nvCxnSpPr>
+            <p:cNvPr id="25" name="직선 연결선 24">
+              <a:extLst>
+                <a:ext uri="{FF2B5EF4-FFF2-40B4-BE49-F238E27FC236}">
+                  <a16:creationId xmlns:a16="http://schemas.microsoft.com/office/drawing/2014/main" id="{47487E0F-9F7D-8C75-BC12-A95DF35E99C3}"/>
+                </a:ext>
+              </a:extLst>
+            </p:cNvPr>
+            <p:cNvCxnSpPr/>
+            <p:nvPr/>
+          </p:nvCxnSpPr>
+          <p:spPr>
+            <a:xfrm>
+              <a:off x="1853619" y="4816463"/>
+              <a:ext cx="576262" cy="0"/>
+            </a:xfrm>
+            <a:prstGeom prst="line">
+              <a:avLst/>
+            </a:prstGeom>
+            <a:ln w="15875"/>
+          </p:spPr>
+          <p:style>
+            <a:lnRef idx="1">
+              <a:schemeClr val="dk1"/>
+            </a:lnRef>
+            <a:fillRef idx="0">
+              <a:schemeClr val="dk1"/>
+            </a:fillRef>
+            <a:effectRef idx="0">
+              <a:schemeClr val="dk1"/>
+            </a:effectRef>
+            <a:fontRef idx="minor">
+              <a:schemeClr val="tx1"/>
+            </a:fontRef>
+          </p:style>
+        </p:cxnSp>
+        <p:cxnSp>
+          <p:nvCxnSpPr>
+            <p:cNvPr id="26" name="직선 연결선 25">
+              <a:extLst>
+                <a:ext uri="{FF2B5EF4-FFF2-40B4-BE49-F238E27FC236}">
+                  <a16:creationId xmlns:a16="http://schemas.microsoft.com/office/drawing/2014/main" id="{4EBA63F6-4D89-3AF8-6F29-E58ECBF0C8C9}"/>
+                </a:ext>
+              </a:extLst>
+            </p:cNvPr>
+            <p:cNvCxnSpPr/>
+            <p:nvPr/>
+          </p:nvCxnSpPr>
+          <p:spPr>
+            <a:xfrm>
+              <a:off x="1853619" y="4912573"/>
+              <a:ext cx="576262" cy="0"/>
+            </a:xfrm>
+            <a:prstGeom prst="line">
+              <a:avLst/>
+            </a:prstGeom>
+            <a:ln w="15875"/>
+          </p:spPr>
+          <p:style>
+            <a:lnRef idx="1">
+              <a:schemeClr val="dk1"/>
+            </a:lnRef>
+            <a:fillRef idx="0">
+              <a:schemeClr val="dk1"/>
+            </a:fillRef>
+            <a:effectRef idx="0">
+              <a:schemeClr val="dk1"/>
+            </a:effectRef>
+            <a:fontRef idx="minor">
+              <a:schemeClr val="tx1"/>
+            </a:fontRef>
+          </p:style>
+        </p:cxnSp>
+        <p:cxnSp>
+          <p:nvCxnSpPr>
+            <p:cNvPr id="27" name="직선 연결선 26">
+              <a:extLst>
+                <a:ext uri="{FF2B5EF4-FFF2-40B4-BE49-F238E27FC236}">
+                  <a16:creationId xmlns:a16="http://schemas.microsoft.com/office/drawing/2014/main" id="{72B24C5F-AD5B-542E-AB07-0F8EE6612D6B}"/>
+                </a:ext>
+              </a:extLst>
+            </p:cNvPr>
+            <p:cNvCxnSpPr/>
+            <p:nvPr/>
+          </p:nvCxnSpPr>
+          <p:spPr>
+            <a:xfrm>
+              <a:off x="1853619" y="5003060"/>
+              <a:ext cx="576262" cy="0"/>
+            </a:xfrm>
+            <a:prstGeom prst="line">
+              <a:avLst/>
+            </a:prstGeom>
+            <a:ln w="15875"/>
+          </p:spPr>
+          <p:style>
+            <a:lnRef idx="1">
+              <a:schemeClr val="dk1"/>
+            </a:lnRef>
+            <a:fillRef idx="0">
+              <a:schemeClr val="dk1"/>
+            </a:fillRef>
+            <a:effectRef idx="0">
+              <a:schemeClr val="dk1"/>
+            </a:effectRef>
+            <a:fontRef idx="minor">
+              <a:schemeClr val="tx1"/>
+            </a:fontRef>
+          </p:style>
+        </p:cxnSp>
+      </p:grpSp>
+      <p:grpSp>
+        <p:nvGrpSpPr>
+          <p:cNvPr id="28" name="그룹 27">
+            <a:extLst>
+              <a:ext uri="{FF2B5EF4-FFF2-40B4-BE49-F238E27FC236}">
+                <a16:creationId xmlns:a16="http://schemas.microsoft.com/office/drawing/2014/main" id="{B1FF51C3-A8F1-3F59-FECE-5E90672847A9}"/>
+              </a:ext>
+            </a:extLst>
+          </p:cNvPr>
+          <p:cNvGrpSpPr/>
+          <p:nvPr/>
+        </p:nvGrpSpPr>
+        <p:grpSpPr>
+          <a:xfrm>
+            <a:off x="6635198" y="3268543"/>
+            <a:ext cx="813148" cy="866400"/>
+            <a:chOff x="1776504" y="4681679"/>
+            <a:chExt cx="813148" cy="866400"/>
+          </a:xfrm>
+        </p:grpSpPr>
+        <p:sp>
+          <p:nvSpPr>
+            <p:cNvPr id="29" name="사각형: 잘린 한쪽 모서리 28">
+              <a:extLst>
+                <a:ext uri="{FF2B5EF4-FFF2-40B4-BE49-F238E27FC236}">
+                  <a16:creationId xmlns:a16="http://schemas.microsoft.com/office/drawing/2014/main" id="{41927574-C4C0-2BF9-D28A-253480DA4D63}"/>
+                </a:ext>
+              </a:extLst>
+            </p:cNvPr>
+            <p:cNvSpPr/>
+            <p:nvPr/>
+          </p:nvSpPr>
+          <p:spPr>
+            <a:xfrm>
+              <a:off x="1776504" y="4681679"/>
+              <a:ext cx="813148" cy="866400"/>
+            </a:xfrm>
+            <a:prstGeom prst="snip1Rect">
+              <a:avLst>
+                <a:gd name="adj" fmla="val 24772"/>
+              </a:avLst>
+            </a:prstGeom>
+            <a:noFill/>
+            <a:ln>
+              <a:solidFill>
+                <a:schemeClr val="tx1"/>
+              </a:solidFill>
+            </a:ln>
+          </p:spPr>
+          <p:style>
+            <a:lnRef idx="2">
+              <a:schemeClr val="accent1">
+                <a:shade val="50000"/>
+              </a:schemeClr>
+            </a:lnRef>
+            <a:fillRef idx="1">
+              <a:schemeClr val="accent1"/>
+            </a:fillRef>
+            <a:effectRef idx="0">
+              <a:schemeClr val="accent1"/>
+            </a:effectRef>
+            <a:fontRef idx="minor">
+              <a:schemeClr val="lt1"/>
+            </a:fontRef>
+          </p:style>
+          <p:txBody>
+            <a:bodyPr rtlCol="0" anchor="ctr"/>
+            <a:lstStyle/>
+            <a:p>
+              <a:pPr algn="ctr"/>
+              <a:r>
+                <a:rPr lang="en-US" altLang="ko-KR" sz="1200">
+                  <a:solidFill>
+                    <a:schemeClr val="tx1"/>
+                  </a:solidFill>
+                </a:rPr>
+                <a:t>main.tcl</a:t>
+              </a:r>
+              <a:endParaRPr lang="ko-KR" altLang="en-US" sz="1200" dirty="0">
+                <a:solidFill>
+                  <a:schemeClr val="tx1"/>
+                </a:solidFill>
+              </a:endParaRPr>
+            </a:p>
+          </p:txBody>
+        </p:sp>
+        <p:cxnSp>
+          <p:nvCxnSpPr>
+            <p:cNvPr id="30" name="직선 연결선 29">
+              <a:extLst>
+                <a:ext uri="{FF2B5EF4-FFF2-40B4-BE49-F238E27FC236}">
+                  <a16:creationId xmlns:a16="http://schemas.microsoft.com/office/drawing/2014/main" id="{EC154A4C-EDA9-585C-52A9-DB35490F5108}"/>
+                </a:ext>
+              </a:extLst>
+            </p:cNvPr>
+            <p:cNvCxnSpPr/>
+            <p:nvPr/>
+          </p:nvCxnSpPr>
+          <p:spPr>
+            <a:xfrm>
+              <a:off x="1853619" y="4816463"/>
+              <a:ext cx="576262" cy="0"/>
+            </a:xfrm>
+            <a:prstGeom prst="line">
+              <a:avLst/>
+            </a:prstGeom>
+            <a:ln w="15875"/>
+          </p:spPr>
+          <p:style>
+            <a:lnRef idx="1">
+              <a:schemeClr val="dk1"/>
+            </a:lnRef>
+            <a:fillRef idx="0">
+              <a:schemeClr val="dk1"/>
+            </a:fillRef>
+            <a:effectRef idx="0">
+              <a:schemeClr val="dk1"/>
+            </a:effectRef>
+            <a:fontRef idx="minor">
+              <a:schemeClr val="tx1"/>
+            </a:fontRef>
+          </p:style>
+        </p:cxnSp>
+        <p:cxnSp>
+          <p:nvCxnSpPr>
+            <p:cNvPr id="31" name="직선 연결선 30">
+              <a:extLst>
+                <a:ext uri="{FF2B5EF4-FFF2-40B4-BE49-F238E27FC236}">
+                  <a16:creationId xmlns:a16="http://schemas.microsoft.com/office/drawing/2014/main" id="{6BE196C7-6FA0-F639-988C-CD7F78E91639}"/>
+                </a:ext>
+              </a:extLst>
+            </p:cNvPr>
+            <p:cNvCxnSpPr/>
+            <p:nvPr/>
+          </p:nvCxnSpPr>
+          <p:spPr>
+            <a:xfrm>
+              <a:off x="1853619" y="4912573"/>
+              <a:ext cx="576262" cy="0"/>
+            </a:xfrm>
+            <a:prstGeom prst="line">
+              <a:avLst/>
+            </a:prstGeom>
+            <a:ln w="15875"/>
+          </p:spPr>
+          <p:style>
+            <a:lnRef idx="1">
+              <a:schemeClr val="dk1"/>
+            </a:lnRef>
+            <a:fillRef idx="0">
+              <a:schemeClr val="dk1"/>
+            </a:fillRef>
+            <a:effectRef idx="0">
+              <a:schemeClr val="dk1"/>
+            </a:effectRef>
+            <a:fontRef idx="minor">
+              <a:schemeClr val="tx1"/>
+            </a:fontRef>
+          </p:style>
+        </p:cxnSp>
+        <p:cxnSp>
+          <p:nvCxnSpPr>
+            <p:cNvPr id="32" name="직선 연결선 31">
+              <a:extLst>
+                <a:ext uri="{FF2B5EF4-FFF2-40B4-BE49-F238E27FC236}">
+                  <a16:creationId xmlns:a16="http://schemas.microsoft.com/office/drawing/2014/main" id="{65BD8940-9A63-8BCF-E51B-A88B7F2EF2C0}"/>
+                </a:ext>
+              </a:extLst>
+            </p:cNvPr>
+            <p:cNvCxnSpPr/>
+            <p:nvPr/>
+          </p:nvCxnSpPr>
+          <p:spPr>
+            <a:xfrm>
+              <a:off x="1853619" y="5003060"/>
+              <a:ext cx="576262" cy="0"/>
+            </a:xfrm>
+            <a:prstGeom prst="line">
+              <a:avLst/>
+            </a:prstGeom>
+            <a:ln w="15875"/>
+          </p:spPr>
+          <p:style>
+            <a:lnRef idx="1">
+              <a:schemeClr val="dk1"/>
+            </a:lnRef>
+            <a:fillRef idx="0">
+              <a:schemeClr val="dk1"/>
+            </a:fillRef>
+            <a:effectRef idx="0">
+              <a:schemeClr val="dk1"/>
+            </a:effectRef>
+            <a:fontRef idx="minor">
+              <a:schemeClr val="tx1"/>
+            </a:fontRef>
+          </p:style>
+        </p:cxnSp>
+      </p:grpSp>
+      <p:sp>
+        <p:nvSpPr>
+          <p:cNvPr id="33" name="화살표: 아래쪽 32">
+            <a:extLst>
+              <a:ext uri="{FF2B5EF4-FFF2-40B4-BE49-F238E27FC236}">
+                <a16:creationId xmlns:a16="http://schemas.microsoft.com/office/drawing/2014/main" id="{DC2FA9E6-C3BB-A9D5-92A9-4125D48FBEF4}"/>
+              </a:ext>
+            </a:extLst>
+          </p:cNvPr>
+          <p:cNvSpPr/>
+          <p:nvPr/>
+        </p:nvSpPr>
+        <p:spPr>
+          <a:xfrm rot="16200000">
+            <a:off x="5866351" y="3359319"/>
+            <a:ext cx="459298" cy="684850"/>
+          </a:xfrm>
+          <a:prstGeom prst="downArrow">
+            <a:avLst/>
+          </a:prstGeom>
+          <a:solidFill>
+            <a:schemeClr val="tx2"/>
+          </a:solidFill>
+          <a:ln>
+            <a:solidFill>
+              <a:schemeClr val="tx2"/>
+            </a:solidFill>
+          </a:ln>
+        </p:spPr>
+        <p:style>
+          <a:lnRef idx="2">
+            <a:schemeClr val="accent1">
+              <a:shade val="15000"/>
+            </a:schemeClr>
+          </a:lnRef>
+          <a:fillRef idx="1">
+            <a:schemeClr val="accent1"/>
+          </a:fillRef>
+          <a:effectRef idx="0">
+            <a:schemeClr val="accent1"/>
+          </a:effectRef>
+          <a:fontRef idx="minor">
+            <a:schemeClr val="lt1"/>
+          </a:fontRef>
+        </p:style>
+        <p:txBody>
+          <a:bodyPr rtlCol="0" anchor="ctr"/>
+          <a:lstStyle/>
+          <a:p>
+            <a:pPr algn="ctr"/>
+            <a:endParaRPr lang="ko-KR" altLang="en-US"/>
+          </a:p>
+        </p:txBody>
+      </p:sp>
+      <p:grpSp>
+        <p:nvGrpSpPr>
+          <p:cNvPr id="34" name="그룹 33">
+            <a:extLst>
+              <a:ext uri="{FF2B5EF4-FFF2-40B4-BE49-F238E27FC236}">
+                <a16:creationId xmlns:a16="http://schemas.microsoft.com/office/drawing/2014/main" id="{4966BE42-DE8C-F62F-BFFB-E9FA78D65104}"/>
+              </a:ext>
+            </a:extLst>
+          </p:cNvPr>
+          <p:cNvGrpSpPr/>
+          <p:nvPr/>
+        </p:nvGrpSpPr>
+        <p:grpSpPr>
+          <a:xfrm>
+            <a:off x="10218813" y="1342274"/>
+            <a:ext cx="900113" cy="714375"/>
+            <a:chOff x="1600200" y="5600700"/>
+            <a:chExt cx="900113" cy="714375"/>
+          </a:xfrm>
+        </p:grpSpPr>
+        <p:sp>
+          <p:nvSpPr>
+            <p:cNvPr id="35" name="사각형: 잘린 한쪽 모서리 34">
+              <a:extLst>
+                <a:ext uri="{FF2B5EF4-FFF2-40B4-BE49-F238E27FC236}">
+                  <a16:creationId xmlns:a16="http://schemas.microsoft.com/office/drawing/2014/main" id="{D16D8D77-BE4B-C268-A077-48B79EE14BF9}"/>
+                </a:ext>
+              </a:extLst>
+            </p:cNvPr>
+            <p:cNvSpPr/>
+            <p:nvPr/>
+          </p:nvSpPr>
+          <p:spPr>
+            <a:xfrm>
+              <a:off x="1600200" y="5631475"/>
+              <a:ext cx="452438" cy="452438"/>
+            </a:xfrm>
+            <a:prstGeom prst="snip1Rect">
+              <a:avLst/>
+            </a:prstGeom>
+            <a:solidFill>
+              <a:schemeClr val="accent4">
+                <a:lumMod val="75000"/>
+              </a:schemeClr>
+            </a:solidFill>
+            <a:ln>
+              <a:solidFill>
+                <a:schemeClr val="tx1"/>
+              </a:solidFill>
+            </a:ln>
+          </p:spPr>
+          <p:style>
+            <a:lnRef idx="2">
+              <a:schemeClr val="accent1">
+                <a:shade val="50000"/>
+              </a:schemeClr>
+            </a:lnRef>
+            <a:fillRef idx="1">
+              <a:schemeClr val="accent1"/>
+            </a:fillRef>
+            <a:effectRef idx="0">
+              <a:schemeClr val="accent1"/>
+            </a:effectRef>
+            <a:fontRef idx="minor">
+              <a:schemeClr val="lt1"/>
+            </a:fontRef>
+          </p:style>
+          <p:txBody>
+            <a:bodyPr rtlCol="0" anchor="ctr"/>
+            <a:lstStyle/>
+            <a:p>
+              <a:pPr algn="ctr"/>
+              <a:endParaRPr lang="ko-KR" altLang="en-US" sz="1200">
+                <a:solidFill>
+                  <a:schemeClr val="tx1"/>
+                </a:solidFill>
+              </a:endParaRPr>
+            </a:p>
+          </p:txBody>
+        </p:sp>
+        <p:sp>
+          <p:nvSpPr>
+            <p:cNvPr id="36" name="자유형: 도형 35">
+              <a:extLst>
+                <a:ext uri="{FF2B5EF4-FFF2-40B4-BE49-F238E27FC236}">
+                  <a16:creationId xmlns:a16="http://schemas.microsoft.com/office/drawing/2014/main" id="{E7E1002E-679A-C24A-A73A-EEB364098E72}"/>
+                </a:ext>
+              </a:extLst>
+            </p:cNvPr>
+            <p:cNvSpPr/>
+            <p:nvPr/>
+          </p:nvSpPr>
+          <p:spPr>
+            <a:xfrm>
+              <a:off x="1600201" y="5600700"/>
+              <a:ext cx="900112" cy="714375"/>
+            </a:xfrm>
+            <a:custGeom>
+              <a:avLst/>
+              <a:gdLst>
+                <a:gd name="connsiteX0" fmla="*/ 533400 w 900112"/>
+                <a:gd name="connsiteY0" fmla="*/ 0 h 714375"/>
+                <a:gd name="connsiteX1" fmla="*/ 388143 w 900112"/>
+                <a:gd name="connsiteY1" fmla="*/ 145257 h 714375"/>
+                <a:gd name="connsiteX2" fmla="*/ 0 w 900112"/>
+                <a:gd name="connsiteY2" fmla="*/ 145257 h 714375"/>
+                <a:gd name="connsiteX3" fmla="*/ 0 w 900112"/>
+                <a:gd name="connsiteY3" fmla="*/ 714375 h 714375"/>
+                <a:gd name="connsiteX4" fmla="*/ 900112 w 900112"/>
+                <a:gd name="connsiteY4" fmla="*/ 714375 h 714375"/>
+                <a:gd name="connsiteX5" fmla="*/ 900112 w 900112"/>
+                <a:gd name="connsiteY5" fmla="*/ 4763 h 714375"/>
+                <a:gd name="connsiteX6" fmla="*/ 533400 w 900112"/>
+                <a:gd name="connsiteY6" fmla="*/ 0 h 714375"/>
+              </a:gdLst>
+              <a:ahLst/>
+              <a:cxnLst>
+                <a:cxn ang="0">
+                  <a:pos x="connsiteX0" y="connsiteY0"/>
+                </a:cxn>
+                <a:cxn ang="0">
+                  <a:pos x="connsiteX1" y="connsiteY1"/>
+                </a:cxn>
+                <a:cxn ang="0">
+                  <a:pos x="connsiteX2" y="connsiteY2"/>
+                </a:cxn>
+                <a:cxn ang="0">
+                  <a:pos x="connsiteX3" y="connsiteY3"/>
+                </a:cxn>
+                <a:cxn ang="0">
+                  <a:pos x="connsiteX4" y="connsiteY4"/>
+                </a:cxn>
+                <a:cxn ang="0">
+                  <a:pos x="connsiteX5" y="connsiteY5"/>
+                </a:cxn>
+                <a:cxn ang="0">
+                  <a:pos x="connsiteX6" y="connsiteY6"/>
+                </a:cxn>
+              </a:cxnLst>
+              <a:rect l="l" t="t" r="r" b="b"/>
+              <a:pathLst>
+                <a:path w="900112" h="714375">
+                  <a:moveTo>
+                    <a:pt x="533400" y="0"/>
+                  </a:moveTo>
+                  <a:lnTo>
+                    <a:pt x="388143" y="145257"/>
+                  </a:lnTo>
+                  <a:lnTo>
+                    <a:pt x="0" y="145257"/>
+                  </a:lnTo>
+                  <a:lnTo>
+                    <a:pt x="0" y="714375"/>
+                  </a:lnTo>
+                  <a:lnTo>
+                    <a:pt x="900112" y="714375"/>
+                  </a:lnTo>
+                  <a:lnTo>
+                    <a:pt x="900112" y="4763"/>
+                  </a:lnTo>
+                  <a:lnTo>
+                    <a:pt x="533400" y="0"/>
+                  </a:lnTo>
+                  <a:close/>
+                </a:path>
+              </a:pathLst>
+            </a:custGeom>
+            <a:solidFill>
+              <a:schemeClr val="accent4">
+                <a:lumMod val="60000"/>
+                <a:lumOff val="40000"/>
+              </a:schemeClr>
+            </a:solidFill>
+            <a:ln>
+              <a:solidFill>
+                <a:schemeClr val="tx1"/>
+              </a:solidFill>
+            </a:ln>
+          </p:spPr>
+          <p:style>
+            <a:lnRef idx="2">
+              <a:schemeClr val="accent1">
+                <a:shade val="50000"/>
+              </a:schemeClr>
+            </a:lnRef>
+            <a:fillRef idx="1">
+              <a:schemeClr val="accent1"/>
+            </a:fillRef>
+            <a:effectRef idx="0">
+              <a:schemeClr val="accent1"/>
+            </a:effectRef>
+            <a:fontRef idx="minor">
+              <a:schemeClr val="lt1"/>
+            </a:fontRef>
+          </p:style>
+          <p:txBody>
+            <a:bodyPr rtlCol="0" anchor="ctr"/>
+            <a:lstStyle/>
+            <a:p>
+              <a:pPr algn="ctr"/>
+              <a:endParaRPr lang="en-US" altLang="ko-KR" sz="1200" dirty="0">
+                <a:solidFill>
+                  <a:schemeClr val="tx1"/>
+                </a:solidFill>
+              </a:endParaRPr>
+            </a:p>
+            <a:p>
+              <a:pPr algn="ctr"/>
+              <a:r>
+                <a:rPr lang="en-US" altLang="ko-KR" sz="1200">
+                  <a:solidFill>
+                    <a:schemeClr val="tx1"/>
+                  </a:solidFill>
+                </a:rPr>
+                <a:t>/ip_out_dir</a:t>
+              </a:r>
+              <a:endParaRPr lang="ko-KR" altLang="en-US" sz="1200" dirty="0">
+                <a:solidFill>
+                  <a:schemeClr val="tx1"/>
+                </a:solidFill>
+              </a:endParaRPr>
+            </a:p>
+          </p:txBody>
+        </p:sp>
+      </p:grpSp>
+      <p:grpSp>
+        <p:nvGrpSpPr>
+          <p:cNvPr id="37" name="그룹 36">
+            <a:extLst>
+              <a:ext uri="{FF2B5EF4-FFF2-40B4-BE49-F238E27FC236}">
+                <a16:creationId xmlns:a16="http://schemas.microsoft.com/office/drawing/2014/main" id="{E3B4FBAC-22AF-5F5D-C94D-3F85073E05C5}"/>
+              </a:ext>
+            </a:extLst>
+          </p:cNvPr>
+          <p:cNvGrpSpPr/>
+          <p:nvPr/>
+        </p:nvGrpSpPr>
+        <p:grpSpPr>
+          <a:xfrm>
+            <a:off x="10277921" y="2381662"/>
+            <a:ext cx="759724" cy="866400"/>
+            <a:chOff x="1803216" y="4681679"/>
+            <a:chExt cx="759724" cy="866400"/>
+          </a:xfrm>
+        </p:grpSpPr>
+        <p:sp>
+          <p:nvSpPr>
+            <p:cNvPr id="38" name="사각형: 잘린 한쪽 모서리 37">
+              <a:extLst>
+                <a:ext uri="{FF2B5EF4-FFF2-40B4-BE49-F238E27FC236}">
+                  <a16:creationId xmlns:a16="http://schemas.microsoft.com/office/drawing/2014/main" id="{8D06DBA7-71AC-38D9-5C71-9F90A230B5C9}"/>
+                </a:ext>
+              </a:extLst>
+            </p:cNvPr>
+            <p:cNvSpPr/>
+            <p:nvPr/>
+          </p:nvSpPr>
+          <p:spPr>
+            <a:xfrm>
+              <a:off x="1803216" y="4681679"/>
+              <a:ext cx="759724" cy="866400"/>
+            </a:xfrm>
+            <a:prstGeom prst="snip1Rect">
+              <a:avLst>
+                <a:gd name="adj" fmla="val 24772"/>
+              </a:avLst>
+            </a:prstGeom>
+            <a:noFill/>
+            <a:ln>
+              <a:solidFill>
+                <a:schemeClr val="tx1"/>
+              </a:solidFill>
+            </a:ln>
+          </p:spPr>
+          <p:style>
+            <a:lnRef idx="2">
+              <a:schemeClr val="accent1">
+                <a:shade val="50000"/>
+              </a:schemeClr>
+            </a:lnRef>
+            <a:fillRef idx="1">
+              <a:schemeClr val="accent1"/>
+            </a:fillRef>
+            <a:effectRef idx="0">
+              <a:schemeClr val="accent1"/>
+            </a:effectRef>
+            <a:fontRef idx="minor">
+              <a:schemeClr val="lt1"/>
+            </a:fontRef>
+          </p:style>
+          <p:txBody>
+            <a:bodyPr rtlCol="0" anchor="ctr"/>
+            <a:lstStyle/>
+            <a:p>
+              <a:pPr algn="ctr"/>
+              <a:r>
+                <a:rPr lang="en-US" altLang="ko-KR" sz="1200">
+                  <a:solidFill>
+                    <a:schemeClr val="tx1"/>
+                  </a:solidFill>
+                </a:rPr>
+                <a:t>ip.xml</a:t>
+              </a:r>
+              <a:endParaRPr lang="ko-KR" altLang="en-US" sz="1200" dirty="0">
+                <a:solidFill>
+                  <a:schemeClr val="tx1"/>
+                </a:solidFill>
+              </a:endParaRPr>
+            </a:p>
+          </p:txBody>
+        </p:sp>
+        <p:cxnSp>
+          <p:nvCxnSpPr>
+            <p:cNvPr id="39" name="직선 연결선 38">
+              <a:extLst>
+                <a:ext uri="{FF2B5EF4-FFF2-40B4-BE49-F238E27FC236}">
+                  <a16:creationId xmlns:a16="http://schemas.microsoft.com/office/drawing/2014/main" id="{18A3B808-0813-CA82-0056-A921B38F1C31}"/>
+                </a:ext>
+              </a:extLst>
+            </p:cNvPr>
+            <p:cNvCxnSpPr/>
+            <p:nvPr/>
+          </p:nvCxnSpPr>
+          <p:spPr>
+            <a:xfrm>
+              <a:off x="1853619" y="4816463"/>
+              <a:ext cx="576262" cy="0"/>
+            </a:xfrm>
+            <a:prstGeom prst="line">
+              <a:avLst/>
+            </a:prstGeom>
+            <a:ln w="15875"/>
+          </p:spPr>
+          <p:style>
+            <a:lnRef idx="1">
+              <a:schemeClr val="dk1"/>
+            </a:lnRef>
+            <a:fillRef idx="0">
+              <a:schemeClr val="dk1"/>
+            </a:fillRef>
+            <a:effectRef idx="0">
+              <a:schemeClr val="dk1"/>
+            </a:effectRef>
+            <a:fontRef idx="minor">
+              <a:schemeClr val="tx1"/>
+            </a:fontRef>
+          </p:style>
+        </p:cxnSp>
+        <p:cxnSp>
+          <p:nvCxnSpPr>
+            <p:cNvPr id="40" name="직선 연결선 39">
+              <a:extLst>
+                <a:ext uri="{FF2B5EF4-FFF2-40B4-BE49-F238E27FC236}">
+                  <a16:creationId xmlns:a16="http://schemas.microsoft.com/office/drawing/2014/main" id="{2E951950-CC26-75B6-ACF1-09218814F518}"/>
+                </a:ext>
+              </a:extLst>
+            </p:cNvPr>
+            <p:cNvCxnSpPr/>
+            <p:nvPr/>
+          </p:nvCxnSpPr>
+          <p:spPr>
+            <a:xfrm>
+              <a:off x="1853619" y="4912573"/>
+              <a:ext cx="576262" cy="0"/>
+            </a:xfrm>
+            <a:prstGeom prst="line">
+              <a:avLst/>
+            </a:prstGeom>
+            <a:ln w="15875"/>
+          </p:spPr>
+          <p:style>
+            <a:lnRef idx="1">
+              <a:schemeClr val="dk1"/>
+            </a:lnRef>
+            <a:fillRef idx="0">
+              <a:schemeClr val="dk1"/>
+            </a:fillRef>
+            <a:effectRef idx="0">
+              <a:schemeClr val="dk1"/>
+            </a:effectRef>
+            <a:fontRef idx="minor">
+              <a:schemeClr val="tx1"/>
+            </a:fontRef>
+          </p:style>
+        </p:cxnSp>
+        <p:cxnSp>
+          <p:nvCxnSpPr>
+            <p:cNvPr id="41" name="직선 연결선 40">
+              <a:extLst>
+                <a:ext uri="{FF2B5EF4-FFF2-40B4-BE49-F238E27FC236}">
+                  <a16:creationId xmlns:a16="http://schemas.microsoft.com/office/drawing/2014/main" id="{2792BC10-0EB7-BF53-E9AA-C23D16577852}"/>
+                </a:ext>
+              </a:extLst>
+            </p:cNvPr>
+            <p:cNvCxnSpPr/>
+            <p:nvPr/>
+          </p:nvCxnSpPr>
+          <p:spPr>
+            <a:xfrm>
+              <a:off x="1853619" y="5003060"/>
+              <a:ext cx="576262" cy="0"/>
+            </a:xfrm>
+            <a:prstGeom prst="line">
+              <a:avLst/>
+            </a:prstGeom>
+            <a:ln w="15875"/>
+          </p:spPr>
+          <p:style>
+            <a:lnRef idx="1">
+              <a:schemeClr val="dk1"/>
+            </a:lnRef>
+            <a:fillRef idx="0">
+              <a:schemeClr val="dk1"/>
+            </a:fillRef>
+            <a:effectRef idx="0">
+              <a:schemeClr val="dk1"/>
+            </a:effectRef>
+            <a:fontRef idx="minor">
+              <a:schemeClr val="tx1"/>
+            </a:fontRef>
+          </p:style>
+        </p:cxnSp>
+      </p:grpSp>
+      <p:grpSp>
+        <p:nvGrpSpPr>
+          <p:cNvPr id="42" name="그룹 41">
+            <a:extLst>
+              <a:ext uri="{FF2B5EF4-FFF2-40B4-BE49-F238E27FC236}">
+                <a16:creationId xmlns:a16="http://schemas.microsoft.com/office/drawing/2014/main" id="{B095D6D1-85B6-B9D8-01B8-0E765DBDBE88}"/>
+              </a:ext>
+            </a:extLst>
+          </p:cNvPr>
+          <p:cNvGrpSpPr/>
+          <p:nvPr/>
+        </p:nvGrpSpPr>
+        <p:grpSpPr>
+          <a:xfrm>
+            <a:off x="9448003" y="2381662"/>
+            <a:ext cx="759724" cy="866400"/>
+            <a:chOff x="1803216" y="4681679"/>
+            <a:chExt cx="759724" cy="866400"/>
+          </a:xfrm>
+        </p:grpSpPr>
+        <p:sp>
+          <p:nvSpPr>
+            <p:cNvPr id="43" name="사각형: 잘린 한쪽 모서리 42">
+              <a:extLst>
+                <a:ext uri="{FF2B5EF4-FFF2-40B4-BE49-F238E27FC236}">
+                  <a16:creationId xmlns:a16="http://schemas.microsoft.com/office/drawing/2014/main" id="{1D30E4DC-BF3D-1F4B-B4D1-5FDBB0FD6035}"/>
+                </a:ext>
+              </a:extLst>
+            </p:cNvPr>
+            <p:cNvSpPr/>
+            <p:nvPr/>
+          </p:nvSpPr>
+          <p:spPr>
+            <a:xfrm>
+              <a:off x="1803216" y="4681679"/>
+              <a:ext cx="759724" cy="866400"/>
+            </a:xfrm>
+            <a:prstGeom prst="snip1Rect">
+              <a:avLst>
+                <a:gd name="adj" fmla="val 24772"/>
+              </a:avLst>
+            </a:prstGeom>
+            <a:noFill/>
+            <a:ln>
+              <a:solidFill>
+                <a:schemeClr val="tx1"/>
+              </a:solidFill>
+            </a:ln>
+          </p:spPr>
+          <p:style>
+            <a:lnRef idx="2">
+              <a:schemeClr val="accent1">
+                <a:shade val="50000"/>
+              </a:schemeClr>
+            </a:lnRef>
+            <a:fillRef idx="1">
+              <a:schemeClr val="accent1"/>
+            </a:fillRef>
+            <a:effectRef idx="0">
+              <a:schemeClr val="accent1"/>
+            </a:effectRef>
+            <a:fontRef idx="minor">
+              <a:schemeClr val="lt1"/>
+            </a:fontRef>
+          </p:style>
+          <p:txBody>
+            <a:bodyPr rtlCol="0" anchor="ctr"/>
+            <a:lstStyle/>
+            <a:p>
+              <a:pPr algn="ctr"/>
+              <a:r>
+                <a:rPr lang="en-US" altLang="ko-KR" sz="1200">
+                  <a:solidFill>
+                    <a:schemeClr val="tx1"/>
+                  </a:solidFill>
+                </a:rPr>
+                <a:t>ip.xic</a:t>
+              </a:r>
+              <a:endParaRPr lang="ko-KR" altLang="en-US" sz="1200" dirty="0">
+                <a:solidFill>
+                  <a:schemeClr val="tx1"/>
+                </a:solidFill>
+              </a:endParaRPr>
+            </a:p>
+          </p:txBody>
+        </p:sp>
+        <p:cxnSp>
+          <p:nvCxnSpPr>
+            <p:cNvPr id="44" name="직선 연결선 43">
+              <a:extLst>
+                <a:ext uri="{FF2B5EF4-FFF2-40B4-BE49-F238E27FC236}">
+                  <a16:creationId xmlns:a16="http://schemas.microsoft.com/office/drawing/2014/main" id="{856FF55E-BBDF-F9E3-6A20-2B6AE994C393}"/>
+                </a:ext>
+              </a:extLst>
+            </p:cNvPr>
+            <p:cNvCxnSpPr/>
+            <p:nvPr/>
+          </p:nvCxnSpPr>
+          <p:spPr>
+            <a:xfrm>
+              <a:off x="1853619" y="4816463"/>
+              <a:ext cx="576262" cy="0"/>
+            </a:xfrm>
+            <a:prstGeom prst="line">
+              <a:avLst/>
+            </a:prstGeom>
+            <a:ln w="15875"/>
+          </p:spPr>
+          <p:style>
+            <a:lnRef idx="1">
+              <a:schemeClr val="dk1"/>
+            </a:lnRef>
+            <a:fillRef idx="0">
+              <a:schemeClr val="dk1"/>
+            </a:fillRef>
+            <a:effectRef idx="0">
+              <a:schemeClr val="dk1"/>
+            </a:effectRef>
+            <a:fontRef idx="minor">
+              <a:schemeClr val="tx1"/>
+            </a:fontRef>
+          </p:style>
+        </p:cxnSp>
+        <p:cxnSp>
+          <p:nvCxnSpPr>
+            <p:cNvPr id="45" name="직선 연결선 44">
+              <a:extLst>
+                <a:ext uri="{FF2B5EF4-FFF2-40B4-BE49-F238E27FC236}">
+                  <a16:creationId xmlns:a16="http://schemas.microsoft.com/office/drawing/2014/main" id="{D85A9035-BDEA-2A33-1B8C-703E4F18ED07}"/>
+                </a:ext>
+              </a:extLst>
+            </p:cNvPr>
+            <p:cNvCxnSpPr/>
+            <p:nvPr/>
+          </p:nvCxnSpPr>
+          <p:spPr>
+            <a:xfrm>
+              <a:off x="1853619" y="4912573"/>
+              <a:ext cx="576262" cy="0"/>
+            </a:xfrm>
+            <a:prstGeom prst="line">
+              <a:avLst/>
+            </a:prstGeom>
+            <a:ln w="15875"/>
+          </p:spPr>
+          <p:style>
+            <a:lnRef idx="1">
+              <a:schemeClr val="dk1"/>
+            </a:lnRef>
+            <a:fillRef idx="0">
+              <a:schemeClr val="dk1"/>
+            </a:fillRef>
+            <a:effectRef idx="0">
+              <a:schemeClr val="dk1"/>
+            </a:effectRef>
+            <a:fontRef idx="minor">
+              <a:schemeClr val="tx1"/>
+            </a:fontRef>
+          </p:style>
+        </p:cxnSp>
+        <p:cxnSp>
+          <p:nvCxnSpPr>
+            <p:cNvPr id="46" name="직선 연결선 45">
+              <a:extLst>
+                <a:ext uri="{FF2B5EF4-FFF2-40B4-BE49-F238E27FC236}">
+                  <a16:creationId xmlns:a16="http://schemas.microsoft.com/office/drawing/2014/main" id="{562864DD-2EBC-5678-16CD-2C06AE60E510}"/>
+                </a:ext>
+              </a:extLst>
+            </p:cNvPr>
+            <p:cNvCxnSpPr/>
+            <p:nvPr/>
+          </p:nvCxnSpPr>
+          <p:spPr>
+            <a:xfrm>
+              <a:off x="1853619" y="5003060"/>
+              <a:ext cx="576262" cy="0"/>
+            </a:xfrm>
+            <a:prstGeom prst="line">
+              <a:avLst/>
+            </a:prstGeom>
+            <a:ln w="15875"/>
+          </p:spPr>
+          <p:style>
+            <a:lnRef idx="1">
+              <a:schemeClr val="dk1"/>
+            </a:lnRef>
+            <a:fillRef idx="0">
+              <a:schemeClr val="dk1"/>
+            </a:fillRef>
+            <a:effectRef idx="0">
+              <a:schemeClr val="dk1"/>
+            </a:effectRef>
+            <a:fontRef idx="minor">
+              <a:schemeClr val="tx1"/>
+            </a:fontRef>
+          </p:style>
+        </p:cxnSp>
+      </p:grpSp>
+      <p:grpSp>
+        <p:nvGrpSpPr>
+          <p:cNvPr id="47" name="그룹 46">
+            <a:extLst>
+              <a:ext uri="{FF2B5EF4-FFF2-40B4-BE49-F238E27FC236}">
+                <a16:creationId xmlns:a16="http://schemas.microsoft.com/office/drawing/2014/main" id="{10C6281D-E5EA-7212-5D00-325D1FBBF30F}"/>
+              </a:ext>
+            </a:extLst>
+          </p:cNvPr>
+          <p:cNvGrpSpPr/>
+          <p:nvPr/>
+        </p:nvGrpSpPr>
+        <p:grpSpPr>
+          <a:xfrm>
+            <a:off x="11118926" y="2381662"/>
+            <a:ext cx="759724" cy="866400"/>
+            <a:chOff x="1803216" y="4681679"/>
+            <a:chExt cx="759724" cy="866400"/>
+          </a:xfrm>
+        </p:grpSpPr>
+        <p:sp>
+          <p:nvSpPr>
+            <p:cNvPr id="48" name="사각형: 잘린 한쪽 모서리 47">
+              <a:extLst>
+                <a:ext uri="{FF2B5EF4-FFF2-40B4-BE49-F238E27FC236}">
+                  <a16:creationId xmlns:a16="http://schemas.microsoft.com/office/drawing/2014/main" id="{9C0B183A-BB62-BC29-F411-6924BBFB18C7}"/>
+                </a:ext>
+              </a:extLst>
+            </p:cNvPr>
+            <p:cNvSpPr/>
+            <p:nvPr/>
+          </p:nvSpPr>
+          <p:spPr>
+            <a:xfrm>
+              <a:off x="1803216" y="4681679"/>
+              <a:ext cx="759724" cy="866400"/>
+            </a:xfrm>
+            <a:prstGeom prst="snip1Rect">
+              <a:avLst>
+                <a:gd name="adj" fmla="val 24772"/>
+              </a:avLst>
+            </a:prstGeom>
+            <a:noFill/>
+            <a:ln>
+              <a:solidFill>
+                <a:schemeClr val="tx1"/>
+              </a:solidFill>
+            </a:ln>
+          </p:spPr>
+          <p:style>
+            <a:lnRef idx="2">
+              <a:schemeClr val="accent1">
+                <a:shade val="50000"/>
+              </a:schemeClr>
+            </a:lnRef>
+            <a:fillRef idx="1">
+              <a:schemeClr val="accent1"/>
+            </a:fillRef>
+            <a:effectRef idx="0">
+              <a:schemeClr val="accent1"/>
+            </a:effectRef>
+            <a:fontRef idx="minor">
+              <a:schemeClr val="lt1"/>
+            </a:fontRef>
+          </p:style>
+          <p:txBody>
+            <a:bodyPr rtlCol="0" anchor="ctr"/>
+            <a:lstStyle/>
+            <a:p>
+              <a:pPr algn="ctr"/>
+              <a:r>
+                <a:rPr lang="en-US" altLang="ko-KR" sz="1200">
+                  <a:solidFill>
+                    <a:schemeClr val="tx1"/>
+                  </a:solidFill>
+                </a:rPr>
+                <a:t>ip.xpr</a:t>
+              </a:r>
+              <a:endParaRPr lang="ko-KR" altLang="en-US" sz="1200" dirty="0">
+                <a:solidFill>
+                  <a:schemeClr val="tx1"/>
+                </a:solidFill>
+              </a:endParaRPr>
+            </a:p>
+          </p:txBody>
+        </p:sp>
+        <p:cxnSp>
+          <p:nvCxnSpPr>
+            <p:cNvPr id="49" name="직선 연결선 48">
+              <a:extLst>
+                <a:ext uri="{FF2B5EF4-FFF2-40B4-BE49-F238E27FC236}">
+                  <a16:creationId xmlns:a16="http://schemas.microsoft.com/office/drawing/2014/main" id="{3B464D6B-BFC3-781B-3447-5FF2B4F835C6}"/>
+                </a:ext>
+              </a:extLst>
+            </p:cNvPr>
+            <p:cNvCxnSpPr/>
+            <p:nvPr/>
+          </p:nvCxnSpPr>
+          <p:spPr>
+            <a:xfrm>
+              <a:off x="1853619" y="4816463"/>
+              <a:ext cx="576262" cy="0"/>
+            </a:xfrm>
+            <a:prstGeom prst="line">
+              <a:avLst/>
+            </a:prstGeom>
+            <a:ln w="15875"/>
+          </p:spPr>
+          <p:style>
+            <a:lnRef idx="1">
+              <a:schemeClr val="dk1"/>
+            </a:lnRef>
+            <a:fillRef idx="0">
+              <a:schemeClr val="dk1"/>
+            </a:fillRef>
+            <a:effectRef idx="0">
+              <a:schemeClr val="dk1"/>
+            </a:effectRef>
+            <a:fontRef idx="minor">
+              <a:schemeClr val="tx1"/>
+            </a:fontRef>
+          </p:style>
+        </p:cxnSp>
+        <p:cxnSp>
+          <p:nvCxnSpPr>
+            <p:cNvPr id="50" name="직선 연결선 49">
+              <a:extLst>
+                <a:ext uri="{FF2B5EF4-FFF2-40B4-BE49-F238E27FC236}">
+                  <a16:creationId xmlns:a16="http://schemas.microsoft.com/office/drawing/2014/main" id="{1C9F16B9-D900-5AC6-C0B6-B5A0A6D57345}"/>
+                </a:ext>
+              </a:extLst>
+            </p:cNvPr>
+            <p:cNvCxnSpPr/>
+            <p:nvPr/>
+          </p:nvCxnSpPr>
+          <p:spPr>
+            <a:xfrm>
+              <a:off x="1853619" y="4912573"/>
+              <a:ext cx="576262" cy="0"/>
+            </a:xfrm>
+            <a:prstGeom prst="line">
+              <a:avLst/>
+            </a:prstGeom>
+            <a:ln w="15875"/>
+          </p:spPr>
+          <p:style>
+            <a:lnRef idx="1">
+              <a:schemeClr val="dk1"/>
+            </a:lnRef>
+            <a:fillRef idx="0">
+              <a:schemeClr val="dk1"/>
+            </a:fillRef>
+            <a:effectRef idx="0">
+              <a:schemeClr val="dk1"/>
+            </a:effectRef>
+            <a:fontRef idx="minor">
+              <a:schemeClr val="tx1"/>
+            </a:fontRef>
+          </p:style>
+        </p:cxnSp>
+        <p:cxnSp>
+          <p:nvCxnSpPr>
+            <p:cNvPr id="51" name="직선 연결선 50">
+              <a:extLst>
+                <a:ext uri="{FF2B5EF4-FFF2-40B4-BE49-F238E27FC236}">
+                  <a16:creationId xmlns:a16="http://schemas.microsoft.com/office/drawing/2014/main" id="{952FB17D-357E-4EED-9754-9ED8A9D0E1FE}"/>
+                </a:ext>
+              </a:extLst>
+            </p:cNvPr>
+            <p:cNvCxnSpPr/>
+            <p:nvPr/>
+          </p:nvCxnSpPr>
+          <p:spPr>
+            <a:xfrm>
+              <a:off x="1853619" y="5003060"/>
+              <a:ext cx="576262" cy="0"/>
+            </a:xfrm>
+            <a:prstGeom prst="line">
+              <a:avLst/>
+            </a:prstGeom>
+            <a:ln w="15875"/>
+          </p:spPr>
+          <p:style>
+            <a:lnRef idx="1">
+              <a:schemeClr val="dk1"/>
+            </a:lnRef>
+            <a:fillRef idx="0">
+              <a:schemeClr val="dk1"/>
+            </a:fillRef>
+            <a:effectRef idx="0">
+              <a:schemeClr val="dk1"/>
+            </a:effectRef>
+            <a:fontRef idx="minor">
+              <a:schemeClr val="tx1"/>
+            </a:fontRef>
+          </p:style>
+        </p:cxnSp>
+      </p:grpSp>
+      <p:sp>
+        <p:nvSpPr>
+          <p:cNvPr id="52" name="화살표: 아래쪽 51">
+            <a:extLst>
+              <a:ext uri="{FF2B5EF4-FFF2-40B4-BE49-F238E27FC236}">
+                <a16:creationId xmlns:a16="http://schemas.microsoft.com/office/drawing/2014/main" id="{E962F605-DC0C-3D96-FD15-B2B1B8066783}"/>
+              </a:ext>
+            </a:extLst>
+          </p:cNvPr>
+          <p:cNvSpPr/>
+          <p:nvPr/>
+        </p:nvSpPr>
+        <p:spPr>
+          <a:xfrm>
+            <a:off x="9218354" y="3359319"/>
+            <a:ext cx="459298" cy="684850"/>
+          </a:xfrm>
+          <a:prstGeom prst="downArrow">
+            <a:avLst/>
+          </a:prstGeom>
+          <a:solidFill>
+            <a:schemeClr val="tx2"/>
+          </a:solidFill>
+          <a:ln>
+            <a:solidFill>
+              <a:schemeClr val="tx2"/>
+            </a:solidFill>
+          </a:ln>
+        </p:spPr>
+        <p:style>
+          <a:lnRef idx="2">
+            <a:schemeClr val="accent1">
+              <a:shade val="15000"/>
+            </a:schemeClr>
+          </a:lnRef>
+          <a:fillRef idx="1">
+            <a:schemeClr val="accent1"/>
+          </a:fillRef>
+          <a:effectRef idx="0">
+            <a:schemeClr val="accent1"/>
+          </a:effectRef>
+          <a:fontRef idx="minor">
+            <a:schemeClr val="lt1"/>
+          </a:fontRef>
+        </p:style>
+        <p:txBody>
+          <a:bodyPr rtlCol="0" anchor="ctr"/>
+          <a:lstStyle/>
+          <a:p>
+            <a:pPr algn="ctr"/>
+            <a:endParaRPr lang="ko-KR" altLang="en-US"/>
+          </a:p>
+        </p:txBody>
+      </p:sp>
+      <p:pic>
+        <p:nvPicPr>
+          <p:cNvPr id="54" name="그림 53">
+            <a:extLst>
+              <a:ext uri="{FF2B5EF4-FFF2-40B4-BE49-F238E27FC236}">
+                <a16:creationId xmlns:a16="http://schemas.microsoft.com/office/drawing/2014/main" id="{00F60B1A-1EA9-4E33-88F8-2DDDEA726B95}"/>
+              </a:ext>
+            </a:extLst>
+          </p:cNvPr>
+          <p:cNvPicPr>
+            <a:picLocks noChangeAspect="1"/>
+          </p:cNvPicPr>
+          <p:nvPr/>
+        </p:nvPicPr>
+        <p:blipFill>
+          <a:blip r:embed="rId3"/>
+          <a:stretch>
+            <a:fillRect/>
+          </a:stretch>
+        </p:blipFill>
+        <p:spPr>
+          <a:xfrm>
+            <a:off x="5720912" y="5338572"/>
+            <a:ext cx="3956740" cy="1250054"/>
+          </a:xfrm>
+          <a:prstGeom prst="rect">
+            <a:avLst/>
+          </a:prstGeom>
+        </p:spPr>
+      </p:pic>
+      <p:sp>
+        <p:nvSpPr>
+          <p:cNvPr id="56" name="화살표: 아래쪽 55">
+            <a:extLst>
+              <a:ext uri="{FF2B5EF4-FFF2-40B4-BE49-F238E27FC236}">
+                <a16:creationId xmlns:a16="http://schemas.microsoft.com/office/drawing/2014/main" id="{CC04BD6C-90CF-973D-24E1-C1428C0DB239}"/>
+              </a:ext>
+            </a:extLst>
+          </p:cNvPr>
+          <p:cNvSpPr/>
+          <p:nvPr/>
+        </p:nvSpPr>
+        <p:spPr>
+          <a:xfrm rot="16200000">
+            <a:off x="7739493" y="3473060"/>
+            <a:ext cx="459298" cy="491227"/>
+          </a:xfrm>
+          <a:prstGeom prst="downArrow">
+            <a:avLst/>
+          </a:prstGeom>
+          <a:solidFill>
+            <a:schemeClr val="tx2"/>
+          </a:solidFill>
+          <a:ln>
+            <a:solidFill>
+              <a:schemeClr val="tx2"/>
+            </a:solidFill>
+          </a:ln>
+        </p:spPr>
+        <p:style>
+          <a:lnRef idx="2">
+            <a:schemeClr val="accent1">
+              <a:shade val="15000"/>
+            </a:schemeClr>
+          </a:lnRef>
+          <a:fillRef idx="1">
+            <a:schemeClr val="accent1"/>
+          </a:fillRef>
+          <a:effectRef idx="0">
+            <a:schemeClr val="accent1"/>
+          </a:effectRef>
+          <a:fontRef idx="minor">
+            <a:schemeClr val="lt1"/>
+          </a:fontRef>
+        </p:style>
+        <p:txBody>
+          <a:bodyPr rtlCol="0" anchor="ctr"/>
+          <a:lstStyle/>
+          <a:p>
+            <a:pPr algn="ctr"/>
+            <a:endParaRPr lang="ko-KR" altLang="en-US"/>
+          </a:p>
+        </p:txBody>
+      </p:sp>
+      <p:pic>
+        <p:nvPicPr>
+          <p:cNvPr id="57" name="Picture 2" descr="비바도 리눅스 환경 설치 후 실행 법">
+            <a:extLst>
+              <a:ext uri="{FF2B5EF4-FFF2-40B4-BE49-F238E27FC236}">
+                <a16:creationId xmlns:a16="http://schemas.microsoft.com/office/drawing/2014/main" id="{3941E49D-6557-07DC-BC79-B3EFFA817E1E}"/>
+              </a:ext>
+            </a:extLst>
+          </p:cNvPr>
+          <p:cNvPicPr>
+            <a:picLocks noChangeAspect="1" noChangeArrowheads="1"/>
+          </p:cNvPicPr>
+          <p:nvPr/>
+        </p:nvPicPr>
+        <p:blipFill>
+          <a:blip r:embed="rId4">
+            <a:extLst>
+              <a:ext uri="{28A0092B-C50C-407E-A947-70E740481C1C}">
+                <a14:useLocalDpi xmlns:a14="http://schemas.microsoft.com/office/drawing/2010/main" val="0"/>
+              </a:ext>
+            </a:extLst>
+          </a:blip>
+          <a:srcRect/>
+          <a:stretch>
+            <a:fillRect/>
+          </a:stretch>
+        </p:blipFill>
+        <p:spPr bwMode="auto">
+          <a:xfrm>
+            <a:off x="9859284" y="3393032"/>
+            <a:ext cx="1713971" cy="559399"/>
+          </a:xfrm>
+          <a:prstGeom prst="rect">
+            <a:avLst/>
+          </a:prstGeom>
+          <a:noFill/>
+          <a:extLst>
+            <a:ext uri="{909E8E84-426E-40DD-AFC4-6F175D3DCCD1}">
+              <a14:hiddenFill xmlns:a14="http://schemas.microsoft.com/office/drawing/2010/main">
+                <a:solidFill>
+                  <a:srgbClr val="FFFFFF"/>
+                </a:solidFill>
+              </a14:hiddenFill>
+            </a:ext>
+          </a:extLst>
+        </p:spPr>
+      </p:pic>
+      <p:sp>
+        <p:nvSpPr>
+          <p:cNvPr id="58" name="TextBox 57">
+            <a:extLst>
+              <a:ext uri="{FF2B5EF4-FFF2-40B4-BE49-F238E27FC236}">
+                <a16:creationId xmlns:a16="http://schemas.microsoft.com/office/drawing/2014/main" id="{23DEDF62-79BB-9D83-08C7-D8D30B549260}"/>
+              </a:ext>
+            </a:extLst>
+          </p:cNvPr>
+          <p:cNvSpPr txBox="1"/>
+          <p:nvPr/>
+        </p:nvSpPr>
+        <p:spPr>
+          <a:xfrm>
+            <a:off x="6965560" y="4101061"/>
+            <a:ext cx="2165786" cy="369332"/>
+          </a:xfrm>
+          <a:prstGeom prst="rect">
+            <a:avLst/>
+          </a:prstGeom>
+          <a:noFill/>
+        </p:spPr>
+        <p:txBody>
+          <a:bodyPr wrap="none" rtlCol="0">
+            <a:spAutoFit/>
+          </a:bodyPr>
+          <a:lstStyle/>
+          <a:p>
+            <a:pPr algn="ctr"/>
+            <a:r>
+              <a:rPr lang="en-US" altLang="ko-KR"/>
+              <a:t>Call Vivado in python</a:t>
+            </a:r>
+            <a:endParaRPr lang="ko-KR" altLang="en-US"/>
+          </a:p>
+        </p:txBody>
+      </p:sp>
     </p:spTree>
     <p:extLst>
       <p:ext uri="{BB962C8B-B14F-4D97-AF65-F5344CB8AC3E}">
-        <p14:creationId xmlns:p14="http://schemas.microsoft.com/office/powerpoint/2010/main" val="656420312"/>
+        <p14:creationId xmlns:p14="http://schemas.microsoft.com/office/powerpoint/2010/main" val="303847887"/>
       </p:ext>
     </p:extLst>
   </p:cSld>
@@ -4393,6 +8793,126 @@
 </file>
 
 <file path=ppt/slides/slide12.xml><?xml version="1.0" encoding="utf-8"?>
+<p:sld xmlns:a="http://schemas.openxmlformats.org/drawingml/2006/main" xmlns:r="http://schemas.openxmlformats.org/officeDocument/2006/relationships" xmlns:p="http://schemas.openxmlformats.org/presentationml/2006/main">
+  <p:cSld>
+    <p:spTree>
+      <p:nvGrpSpPr>
+        <p:cNvPr id="1" name=""/>
+        <p:cNvGrpSpPr/>
+        <p:nvPr/>
+      </p:nvGrpSpPr>
+      <p:grpSpPr>
+        <a:xfrm>
+          <a:off x="0" y="0"/>
+          <a:ext cx="0" cy="0"/>
+          <a:chOff x="0" y="0"/>
+          <a:chExt cx="0" cy="0"/>
+        </a:xfrm>
+      </p:grpSpPr>
+      <p:sp>
+        <p:nvSpPr>
+          <p:cNvPr id="2" name="제목 1">
+            <a:extLst>
+              <a:ext uri="{FF2B5EF4-FFF2-40B4-BE49-F238E27FC236}">
+                <a16:creationId xmlns:a16="http://schemas.microsoft.com/office/drawing/2014/main" id="{5722B2CA-1DFC-56B4-CA7D-A7D3D3901721}"/>
+              </a:ext>
+            </a:extLst>
+          </p:cNvPr>
+          <p:cNvSpPr>
+            <a:spLocks noGrp="1"/>
+          </p:cNvSpPr>
+          <p:nvPr>
+            <p:ph type="title"/>
+          </p:nvPr>
+        </p:nvSpPr>
+        <p:spPr/>
+        <p:txBody>
+          <a:bodyPr/>
+          <a:lstStyle/>
+          <a:p>
+            <a:r>
+              <a:rPr lang="en-US" altLang="ko-KR"/>
+              <a:t>Created Block Design Example</a:t>
+            </a:r>
+            <a:endParaRPr lang="ko-KR" altLang="en-US"/>
+          </a:p>
+        </p:txBody>
+      </p:sp>
+      <p:sp>
+        <p:nvSpPr>
+          <p:cNvPr id="4" name="날짜 개체 틀 3">
+            <a:extLst>
+              <a:ext uri="{FF2B5EF4-FFF2-40B4-BE49-F238E27FC236}">
+                <a16:creationId xmlns:a16="http://schemas.microsoft.com/office/drawing/2014/main" id="{15D1B0E7-E56C-FD39-445D-1E7B12B837EF}"/>
+              </a:ext>
+            </a:extLst>
+          </p:cNvPr>
+          <p:cNvSpPr>
+            <a:spLocks noGrp="1"/>
+          </p:cNvSpPr>
+          <p:nvPr>
+            <p:ph type="dt" sz="half" idx="10"/>
+          </p:nvPr>
+        </p:nvSpPr>
+        <p:spPr/>
+        <p:txBody>
+          <a:bodyPr/>
+          <a:lstStyle/>
+          <a:p>
+            <a:r>
+              <a:rPr kumimoji="1" lang="en-US" altLang="ko-KR">
+                <a:ea typeface="Verdana" panose="020B0604030504040204" pitchFamily="34" charset="0"/>
+              </a:rPr>
+              <a:t>2023. 3. 29.</a:t>
+            </a:r>
+            <a:endParaRPr kumimoji="1" lang="ko-Kore-KR" altLang="en-US" dirty="0"/>
+          </a:p>
+        </p:txBody>
+      </p:sp>
+      <p:pic>
+        <p:nvPicPr>
+          <p:cNvPr id="6" name="그림 5">
+            <a:extLst>
+              <a:ext uri="{FF2B5EF4-FFF2-40B4-BE49-F238E27FC236}">
+                <a16:creationId xmlns:a16="http://schemas.microsoft.com/office/drawing/2014/main" id="{83697F14-AABB-4288-3175-33244ED9516D}"/>
+              </a:ext>
+            </a:extLst>
+          </p:cNvPr>
+          <p:cNvPicPr>
+            <a:picLocks noChangeAspect="1"/>
+          </p:cNvPicPr>
+          <p:nvPr/>
+        </p:nvPicPr>
+        <p:blipFill>
+          <a:blip r:embed="rId2"/>
+          <a:stretch>
+            <a:fillRect/>
+          </a:stretch>
+        </p:blipFill>
+        <p:spPr>
+          <a:xfrm>
+            <a:off x="0" y="1503088"/>
+            <a:ext cx="12192000" cy="3851823"/>
+          </a:xfrm>
+          <a:prstGeom prst="rect">
+            <a:avLst/>
+          </a:prstGeom>
+        </p:spPr>
+      </p:pic>
+    </p:spTree>
+    <p:extLst>
+      <p:ext uri="{BB962C8B-B14F-4D97-AF65-F5344CB8AC3E}">
+        <p14:creationId xmlns:p14="http://schemas.microsoft.com/office/powerpoint/2010/main" val="4049620156"/>
+      </p:ext>
+    </p:extLst>
+  </p:cSld>
+  <p:clrMapOvr>
+    <a:masterClrMapping/>
+  </p:clrMapOvr>
+</p:sld>
+</file>
+
+<file path=ppt/slides/slide13.xml><?xml version="1.0" encoding="utf-8"?>
 <p:sld xmlns:a="http://schemas.openxmlformats.org/drawingml/2006/main" xmlns:r="http://schemas.openxmlformats.org/officeDocument/2006/relationships" xmlns:p="http://schemas.openxmlformats.org/presentationml/2006/main">
   <p:cSld>
     <p:spTree>
@@ -4823,6 +9343,386 @@
           <p:cNvPr id="2" name="제목 1">
             <a:extLst>
               <a:ext uri="{FF2B5EF4-FFF2-40B4-BE49-F238E27FC236}">
+                <a16:creationId xmlns:a16="http://schemas.microsoft.com/office/drawing/2014/main" id="{51010FE8-4F9A-4E41-E7C2-F987581C92C1}"/>
+              </a:ext>
+            </a:extLst>
+          </p:cNvPr>
+          <p:cNvSpPr>
+            <a:spLocks noGrp="1"/>
+          </p:cNvSpPr>
+          <p:nvPr>
+            <p:ph type="title"/>
+          </p:nvPr>
+        </p:nvSpPr>
+        <p:spPr/>
+        <p:txBody>
+          <a:bodyPr/>
+          <a:lstStyle/>
+          <a:p>
+            <a:r>
+              <a:rPr lang="en-US" altLang="ko-KR"/>
+              <a:t>DDS Strucuture</a:t>
+            </a:r>
+            <a:endParaRPr lang="ko-KR" altLang="en-US"/>
+          </a:p>
+        </p:txBody>
+      </p:sp>
+      <p:sp>
+        <p:nvSpPr>
+          <p:cNvPr id="4" name="날짜 개체 틀 3">
+            <a:extLst>
+              <a:ext uri="{FF2B5EF4-FFF2-40B4-BE49-F238E27FC236}">
+                <a16:creationId xmlns:a16="http://schemas.microsoft.com/office/drawing/2014/main" id="{6E6516C5-D7ED-B7DB-28F6-D0EB7E5E4E19}"/>
+              </a:ext>
+            </a:extLst>
+          </p:cNvPr>
+          <p:cNvSpPr>
+            <a:spLocks noGrp="1"/>
+          </p:cNvSpPr>
+          <p:nvPr>
+            <p:ph type="dt" sz="half" idx="10"/>
+          </p:nvPr>
+        </p:nvSpPr>
+        <p:spPr/>
+        <p:txBody>
+          <a:bodyPr/>
+          <a:lstStyle/>
+          <a:p>
+            <a:r>
+              <a:rPr kumimoji="1" lang="en-US" altLang="ko-KR">
+                <a:ea typeface="Verdana" panose="020B0604030504040204" pitchFamily="34" charset="0"/>
+              </a:rPr>
+              <a:t>2023. 3. 29.</a:t>
+            </a:r>
+            <a:endParaRPr kumimoji="1" lang="ko-Kore-KR" altLang="en-US" dirty="0"/>
+          </a:p>
+        </p:txBody>
+      </p:sp>
+      <p:pic>
+        <p:nvPicPr>
+          <p:cNvPr id="6" name="그림 5">
+            <a:extLst>
+              <a:ext uri="{FF2B5EF4-FFF2-40B4-BE49-F238E27FC236}">
+                <a16:creationId xmlns:a16="http://schemas.microsoft.com/office/drawing/2014/main" id="{DDFE448B-A3C8-AEB0-CA88-EF3D94609180}"/>
+              </a:ext>
+            </a:extLst>
+          </p:cNvPr>
+          <p:cNvPicPr>
+            <a:picLocks noChangeAspect="1"/>
+          </p:cNvPicPr>
+          <p:nvPr/>
+        </p:nvPicPr>
+        <p:blipFill>
+          <a:blip r:embed="rId2"/>
+          <a:stretch>
+            <a:fillRect/>
+          </a:stretch>
+        </p:blipFill>
+        <p:spPr>
+          <a:xfrm>
+            <a:off x="275050" y="1498600"/>
+            <a:ext cx="11491500" cy="4476584"/>
+          </a:xfrm>
+          <a:prstGeom prst="rect">
+            <a:avLst/>
+          </a:prstGeom>
+        </p:spPr>
+      </p:pic>
+    </p:spTree>
+    <p:extLst>
+      <p:ext uri="{BB962C8B-B14F-4D97-AF65-F5344CB8AC3E}">
+        <p14:creationId xmlns:p14="http://schemas.microsoft.com/office/powerpoint/2010/main" val="3165830930"/>
+      </p:ext>
+    </p:extLst>
+  </p:cSld>
+  <p:clrMapOvr>
+    <a:masterClrMapping/>
+  </p:clrMapOvr>
+</p:sld>
+</file>
+
+<file path=ppt/slides/slide5.xml><?xml version="1.0" encoding="utf-8"?>
+<p:sld xmlns:a="http://schemas.openxmlformats.org/drawingml/2006/main" xmlns:r="http://schemas.openxmlformats.org/officeDocument/2006/relationships" xmlns:p="http://schemas.openxmlformats.org/presentationml/2006/main">
+  <p:cSld>
+    <p:spTree>
+      <p:nvGrpSpPr>
+        <p:cNvPr id="1" name=""/>
+        <p:cNvGrpSpPr/>
+        <p:nvPr/>
+      </p:nvGrpSpPr>
+      <p:grpSpPr>
+        <a:xfrm>
+          <a:off x="0" y="0"/>
+          <a:ext cx="0" cy="0"/>
+          <a:chOff x="0" y="0"/>
+          <a:chExt cx="0" cy="0"/>
+        </a:xfrm>
+      </p:grpSpPr>
+      <p:sp>
+        <p:nvSpPr>
+          <p:cNvPr id="2" name="제목 1">
+            <a:extLst>
+              <a:ext uri="{FF2B5EF4-FFF2-40B4-BE49-F238E27FC236}">
+                <a16:creationId xmlns:a16="http://schemas.microsoft.com/office/drawing/2014/main" id="{F7D90AA4-352B-F447-9067-89676F840827}"/>
+              </a:ext>
+            </a:extLst>
+          </p:cNvPr>
+          <p:cNvSpPr>
+            <a:spLocks noGrp="1"/>
+          </p:cNvSpPr>
+          <p:nvPr>
+            <p:ph type="title"/>
+          </p:nvPr>
+        </p:nvSpPr>
+        <p:spPr/>
+        <p:txBody>
+          <a:bodyPr/>
+          <a:lstStyle/>
+          <a:p>
+            <a:r>
+              <a:rPr lang="en-US" altLang="ko-KR"/>
+              <a:t>DDS in Verilog</a:t>
+            </a:r>
+            <a:endParaRPr lang="ko-KR" altLang="en-US"/>
+          </a:p>
+        </p:txBody>
+      </p:sp>
+      <p:sp>
+        <p:nvSpPr>
+          <p:cNvPr id="4" name="날짜 개체 틀 3">
+            <a:extLst>
+              <a:ext uri="{FF2B5EF4-FFF2-40B4-BE49-F238E27FC236}">
+                <a16:creationId xmlns:a16="http://schemas.microsoft.com/office/drawing/2014/main" id="{BADAA1AE-F94D-91A7-FFAB-7A6C76CF9472}"/>
+              </a:ext>
+            </a:extLst>
+          </p:cNvPr>
+          <p:cNvSpPr>
+            <a:spLocks noGrp="1"/>
+          </p:cNvSpPr>
+          <p:nvPr>
+            <p:ph type="dt" sz="half" idx="10"/>
+          </p:nvPr>
+        </p:nvSpPr>
+        <p:spPr/>
+        <p:txBody>
+          <a:bodyPr/>
+          <a:lstStyle/>
+          <a:p>
+            <a:r>
+              <a:rPr kumimoji="1" lang="en-US" altLang="ko-KR">
+                <a:ea typeface="Verdana" panose="020B0604030504040204" pitchFamily="34" charset="0"/>
+              </a:rPr>
+              <a:t>2023. 3. 29.</a:t>
+            </a:r>
+            <a:endParaRPr kumimoji="1" lang="ko-Kore-KR" altLang="en-US" dirty="0"/>
+          </a:p>
+        </p:txBody>
+      </p:sp>
+      <p:pic>
+        <p:nvPicPr>
+          <p:cNvPr id="6" name="그림 5" descr="\documentclass{article}&#10;\usepackage{amsmath}&#10;\pagestyle{empty}&#10;\begin{document}&#10;&#10;\noindent For 16 dds\_compiler \\&#10;0 to 15 $= 2^{4} – 1 = [3:0] fine\_timestamp$\\&#10;so, $\{timestamp[63:0],fine\_timestampe[3:0]\}$\\&#10;&#10;\noindent Xilinx dds\_compiler v6.0 input Phase : $(2\pi/(2^{14} - 1)) \times input$\\&#10;so, $(input\_incr/(2^{14} - 1)) \times (16 F_{sys}) = F_{actual}$\\&#10;One period of timestamp $= (1/F_{actual}) \times 10^{8} $(due to its 10ns resolution)\\&#10;Input\_incr: $freq \times timestamp$\\&#10;so, $[(freq\_bin) \times (1/F_{actual}) \times (10^{8}) ][n+13:n] = 2^{14} - 1$\\&#10;$F_{actual} = (freq\_bin/(2^{48} – 2^{34})) \times 16 \times 10^{8} Hz$\\&#10;so, $[(2^{48} – 2^{34})][n+13:n] = 2^{14} – 1&#10;= [2^{14} – 1][n-21:n-34]$\\&#10;Therefore,  n = 34&#10;&#10;DSP : $27 \times 18$ two’s complement\\&#10;$72 bit \times 48 bit$  3DSP\\&#10;$Unsigned 72 \times  Unsigned 48 bit = $  120 bit&#10;&#10;\end{document}&#10;" title="IguanaTex Bitmap Display">
+            <a:extLst>
+              <a:ext uri="{FF2B5EF4-FFF2-40B4-BE49-F238E27FC236}">
+                <a16:creationId xmlns:a16="http://schemas.microsoft.com/office/drawing/2014/main" id="{9D497717-7825-A5EA-2D56-BB9D69FB7F3D}"/>
+              </a:ext>
+            </a:extLst>
+          </p:cNvPr>
+          <p:cNvPicPr>
+            <a:picLocks noChangeAspect="1"/>
+          </p:cNvPicPr>
+          <p:nvPr>
+            <p:custDataLst>
+              <p:tags r:id="rId1"/>
+            </p:custDataLst>
+          </p:nvPr>
+        </p:nvPicPr>
+        <p:blipFill>
+          <a:blip r:embed="rId3">
+            <a:extLst>
+              <a:ext uri="{28A0092B-C50C-407E-A947-70E740481C1C}">
+                <a14:useLocalDpi xmlns:a14="http://schemas.microsoft.com/office/drawing/2010/main" val="0"/>
+              </a:ext>
+            </a:extLst>
+          </a:blip>
+          <a:stretch>
+            <a:fillRect/>
+          </a:stretch>
+        </p:blipFill>
+        <p:spPr>
+          <a:xfrm>
+            <a:off x="2455333" y="1405465"/>
+            <a:ext cx="7968000" cy="4476952"/>
+          </a:xfrm>
+          <a:prstGeom prst="rect">
+            <a:avLst/>
+          </a:prstGeom>
+        </p:spPr>
+      </p:pic>
+    </p:spTree>
+    <p:extLst>
+      <p:ext uri="{BB962C8B-B14F-4D97-AF65-F5344CB8AC3E}">
+        <p14:creationId xmlns:p14="http://schemas.microsoft.com/office/powerpoint/2010/main" val="126888265"/>
+      </p:ext>
+    </p:extLst>
+  </p:cSld>
+  <p:clrMapOvr>
+    <a:masterClrMapping/>
+  </p:clrMapOvr>
+</p:sld>
+</file>
+
+<file path=ppt/slides/slide6.xml><?xml version="1.0" encoding="utf-8"?>
+<p:sld xmlns:a="http://schemas.openxmlformats.org/drawingml/2006/main" xmlns:r="http://schemas.openxmlformats.org/officeDocument/2006/relationships" xmlns:p="http://schemas.openxmlformats.org/presentationml/2006/main">
+  <p:cSld>
+    <p:spTree>
+      <p:nvGrpSpPr>
+        <p:cNvPr id="1" name=""/>
+        <p:cNvGrpSpPr/>
+        <p:nvPr/>
+      </p:nvGrpSpPr>
+      <p:grpSpPr>
+        <a:xfrm>
+          <a:off x="0" y="0"/>
+          <a:ext cx="0" cy="0"/>
+          <a:chOff x="0" y="0"/>
+          <a:chExt cx="0" cy="0"/>
+        </a:xfrm>
+      </p:grpSpPr>
+      <p:sp>
+        <p:nvSpPr>
+          <p:cNvPr id="2" name="제목 1">
+            <a:extLst>
+              <a:ext uri="{FF2B5EF4-FFF2-40B4-BE49-F238E27FC236}">
+                <a16:creationId xmlns:a16="http://schemas.microsoft.com/office/drawing/2014/main" id="{E28E007A-BDC2-6043-60AE-1A58991DEE37}"/>
+              </a:ext>
+            </a:extLst>
+          </p:cNvPr>
+          <p:cNvSpPr>
+            <a:spLocks noGrp="1"/>
+          </p:cNvSpPr>
+          <p:nvPr>
+            <p:ph type="title"/>
+          </p:nvPr>
+        </p:nvSpPr>
+        <p:spPr/>
+        <p:txBody>
+          <a:bodyPr/>
+          <a:lstStyle/>
+          <a:p>
+            <a:r>
+              <a:rPr lang="en-US" altLang="ko-KR"/>
+              <a:t>DDS in Verilog (2)</a:t>
+            </a:r>
+            <a:endParaRPr lang="ko-KR" altLang="en-US"/>
+          </a:p>
+        </p:txBody>
+      </p:sp>
+      <p:sp>
+        <p:nvSpPr>
+          <p:cNvPr id="4" name="날짜 개체 틀 3">
+            <a:extLst>
+              <a:ext uri="{FF2B5EF4-FFF2-40B4-BE49-F238E27FC236}">
+                <a16:creationId xmlns:a16="http://schemas.microsoft.com/office/drawing/2014/main" id="{781B33B9-2F9F-CB2D-9D8D-5EBB0C551CA1}"/>
+              </a:ext>
+            </a:extLst>
+          </p:cNvPr>
+          <p:cNvSpPr>
+            <a:spLocks noGrp="1"/>
+          </p:cNvSpPr>
+          <p:nvPr>
+            <p:ph type="dt" sz="half" idx="10"/>
+          </p:nvPr>
+        </p:nvSpPr>
+        <p:spPr/>
+        <p:txBody>
+          <a:bodyPr/>
+          <a:lstStyle/>
+          <a:p>
+            <a:r>
+              <a:rPr kumimoji="1" lang="en-US" altLang="ko-KR">
+                <a:ea typeface="Verdana" panose="020B0604030504040204" pitchFamily="34" charset="0"/>
+              </a:rPr>
+              <a:t>2023. 3. 29.</a:t>
+            </a:r>
+            <a:endParaRPr kumimoji="1" lang="ko-Kore-KR" altLang="en-US" dirty="0"/>
+          </a:p>
+        </p:txBody>
+      </p:sp>
+      <p:pic>
+        <p:nvPicPr>
+          <p:cNvPr id="6" name="그림 5" descr="\documentclass{article}&#10;\usepackage{amsmath}&#10;\pagestyle{empty}&#10;\begin{document}&#10;&#10;\noindent For 14 bit unsigned amplitude scaling\\&#10;&#10;\noindent $amp[13:0] * dds\_output[15:0] = amp\_full\_product[31:0]$\\&#10;for full amp $2^{14} - 1$\\&#10;for full dds\_output $2^{14} - 1$\\&#10;product becomes $2^{28} - 2^{15} + 1 = 2^{14}(2^{14} - 2) + \varepsilon$\\&#10;&#10;\noindent other choice&#10;$(amp[13:0]+1) * dds\_output[15:0] = amp\_full\_product[31:0]$\\&#10;for full amp $2^{14} - 1 + 1$\\&#10;for full dds\_output $2^{14} - 1$\\&#10;product becomes $2^{14}(2^{14} - 1)$\\&#10;But, for zero amp,\\&#10;$2^{14} - 1$\\&#10;So, zero has to be conducted in exception case&#10;&#10;&#10;&#10;\end{document}" title="IguanaTex Bitmap Display">
+            <a:extLst>
+              <a:ext uri="{FF2B5EF4-FFF2-40B4-BE49-F238E27FC236}">
+                <a16:creationId xmlns:a16="http://schemas.microsoft.com/office/drawing/2014/main" id="{85A0A7A3-88A8-8758-1935-5A7378060037}"/>
+              </a:ext>
+            </a:extLst>
+          </p:cNvPr>
+          <p:cNvPicPr>
+            <a:picLocks noChangeAspect="1"/>
+          </p:cNvPicPr>
+          <p:nvPr>
+            <p:custDataLst>
+              <p:tags r:id="rId1"/>
+            </p:custDataLst>
+          </p:nvPr>
+        </p:nvPicPr>
+        <p:blipFill>
+          <a:blip r:embed="rId3">
+            <a:extLst>
+              <a:ext uri="{28A0092B-C50C-407E-A947-70E740481C1C}">
+                <a14:useLocalDpi xmlns:a14="http://schemas.microsoft.com/office/drawing/2010/main" val="0"/>
+              </a:ext>
+            </a:extLst>
+          </a:blip>
+          <a:stretch>
+            <a:fillRect/>
+          </a:stretch>
+        </p:blipFill>
+        <p:spPr>
+          <a:xfrm>
+            <a:off x="1828800" y="1587139"/>
+            <a:ext cx="8426666" cy="4169143"/>
+          </a:xfrm>
+          <a:prstGeom prst="rect">
+            <a:avLst/>
+          </a:prstGeom>
+        </p:spPr>
+      </p:pic>
+    </p:spTree>
+    <p:extLst>
+      <p:ext uri="{BB962C8B-B14F-4D97-AF65-F5344CB8AC3E}">
+        <p14:creationId xmlns:p14="http://schemas.microsoft.com/office/powerpoint/2010/main" val="656420312"/>
+      </p:ext>
+    </p:extLst>
+  </p:cSld>
+  <p:clrMapOvr>
+    <a:masterClrMapping/>
+  </p:clrMapOvr>
+</p:sld>
+</file>
+
+<file path=ppt/slides/slide7.xml><?xml version="1.0" encoding="utf-8"?>
+<p:sld xmlns:a="http://schemas.openxmlformats.org/drawingml/2006/main" xmlns:r="http://schemas.openxmlformats.org/officeDocument/2006/relationships" xmlns:p="http://schemas.openxmlformats.org/presentationml/2006/main">
+  <p:cSld>
+    <p:spTree>
+      <p:nvGrpSpPr>
+        <p:cNvPr id="1" name=""/>
+        <p:cNvGrpSpPr/>
+        <p:nvPr/>
+      </p:nvGrpSpPr>
+      <p:grpSpPr>
+        <a:xfrm>
+          <a:off x="0" y="0"/>
+          <a:ext cx="0" cy="0"/>
+          <a:chOff x="0" y="0"/>
+          <a:chExt cx="0" cy="0"/>
+        </a:xfrm>
+      </p:grpSpPr>
+      <p:sp>
+        <p:nvSpPr>
+          <p:cNvPr id="2" name="제목 1">
+            <a:extLst>
+              <a:ext uri="{FF2B5EF4-FFF2-40B4-BE49-F238E27FC236}">
                 <a16:creationId xmlns:a16="http://schemas.microsoft.com/office/drawing/2014/main" id="{A173C381-867D-E21E-D141-C92AB80EC6C8}"/>
               </a:ext>
             </a:extLst>
@@ -5005,7 +9905,7 @@
 </p:sld>
 </file>
 
-<file path=ppt/slides/slide5.xml><?xml version="1.0" encoding="utf-8"?>
+<file path=ppt/slides/slide8.xml><?xml version="1.0" encoding="utf-8"?>
 <p:sld xmlns:a="http://schemas.openxmlformats.org/drawingml/2006/main" xmlns:r="http://schemas.openxmlformats.org/officeDocument/2006/relationships" xmlns:p="http://schemas.openxmlformats.org/presentationml/2006/main">
   <p:cSld>
     <p:spTree>
@@ -5233,7 +10133,7 @@
 </p:sld>
 </file>
 
-<file path=ppt/slides/slide6.xml><?xml version="1.0" encoding="utf-8"?>
+<file path=ppt/slides/slide9.xml><?xml version="1.0" encoding="utf-8"?>
 <p:sld xmlns:a="http://schemas.openxmlformats.org/drawingml/2006/main" xmlns:r="http://schemas.openxmlformats.org/officeDocument/2006/relationships" xmlns:p="http://schemas.openxmlformats.org/presentationml/2006/main">
   <p:cSld>
     <p:spTree>
@@ -8500,4785 +13400,6 @@
     <p:extLst>
       <p:ext uri="{BB962C8B-B14F-4D97-AF65-F5344CB8AC3E}">
         <p14:creationId xmlns:p14="http://schemas.microsoft.com/office/powerpoint/2010/main" val="3503201839"/>
-      </p:ext>
-    </p:extLst>
-  </p:cSld>
-  <p:clrMapOvr>
-    <a:masterClrMapping/>
-  </p:clrMapOvr>
-</p:sld>
-</file>
-
-<file path=ppt/slides/slide7.xml><?xml version="1.0" encoding="utf-8"?>
-<p:sld xmlns:a="http://schemas.openxmlformats.org/drawingml/2006/main" xmlns:r="http://schemas.openxmlformats.org/officeDocument/2006/relationships" xmlns:p="http://schemas.openxmlformats.org/presentationml/2006/main">
-  <p:cSld>
-    <p:spTree>
-      <p:nvGrpSpPr>
-        <p:cNvPr id="1" name=""/>
-        <p:cNvGrpSpPr/>
-        <p:nvPr/>
-      </p:nvGrpSpPr>
-      <p:grpSpPr>
-        <a:xfrm>
-          <a:off x="0" y="0"/>
-          <a:ext cx="0" cy="0"/>
-          <a:chOff x="0" y="0"/>
-          <a:chExt cx="0" cy="0"/>
-        </a:xfrm>
-      </p:grpSpPr>
-      <p:sp>
-        <p:nvSpPr>
-          <p:cNvPr id="2" name="제목 1">
-            <a:extLst>
-              <a:ext uri="{FF2B5EF4-FFF2-40B4-BE49-F238E27FC236}">
-                <a16:creationId xmlns:a16="http://schemas.microsoft.com/office/drawing/2014/main" id="{ACB69391-E7A8-00AC-E466-91143C5A38EA}"/>
-              </a:ext>
-            </a:extLst>
-          </p:cNvPr>
-          <p:cNvSpPr>
-            <a:spLocks noGrp="1"/>
-          </p:cNvSpPr>
-          <p:nvPr>
-            <p:ph type="title"/>
-          </p:nvPr>
-        </p:nvSpPr>
-        <p:spPr/>
-        <p:txBody>
-          <a:bodyPr/>
-          <a:lstStyle/>
-          <a:p>
-            <a:r>
-              <a:rPr lang="en-US" altLang="ko-KR"/>
-              <a:t>Custom IP Creation</a:t>
-            </a:r>
-            <a:endParaRPr lang="ko-KR" altLang="en-US"/>
-          </a:p>
-        </p:txBody>
-      </p:sp>
-      <p:sp>
-        <p:nvSpPr>
-          <p:cNvPr id="4" name="날짜 개체 틀 3">
-            <a:extLst>
-              <a:ext uri="{FF2B5EF4-FFF2-40B4-BE49-F238E27FC236}">
-                <a16:creationId xmlns:a16="http://schemas.microsoft.com/office/drawing/2014/main" id="{A9EC7347-C8B0-48F0-3A09-A062690BC6FD}"/>
-              </a:ext>
-            </a:extLst>
-          </p:cNvPr>
-          <p:cNvSpPr>
-            <a:spLocks noGrp="1"/>
-          </p:cNvSpPr>
-          <p:nvPr>
-            <p:ph type="dt" sz="half" idx="10"/>
-          </p:nvPr>
-        </p:nvSpPr>
-        <p:spPr/>
-        <p:txBody>
-          <a:bodyPr/>
-          <a:lstStyle/>
-          <a:p>
-            <a:r>
-              <a:rPr kumimoji="1" lang="en-US" altLang="ko-KR">
-                <a:ea typeface="Verdana" panose="020B0604030504040204" pitchFamily="34" charset="0"/>
-              </a:rPr>
-              <a:t>2023. 3. 29.</a:t>
-            </a:r>
-            <a:endParaRPr kumimoji="1" lang="ko-Kore-KR" altLang="en-US" dirty="0"/>
-          </a:p>
-        </p:txBody>
-      </p:sp>
-      <p:pic>
-        <p:nvPicPr>
-          <p:cNvPr id="6" name="그림 5">
-            <a:extLst>
-              <a:ext uri="{FF2B5EF4-FFF2-40B4-BE49-F238E27FC236}">
-                <a16:creationId xmlns:a16="http://schemas.microsoft.com/office/drawing/2014/main" id="{96A5C1D1-D530-A01C-2624-04A235660F3A}"/>
-              </a:ext>
-            </a:extLst>
-          </p:cNvPr>
-          <p:cNvPicPr>
-            <a:picLocks noChangeAspect="1"/>
-          </p:cNvPicPr>
-          <p:nvPr/>
-        </p:nvPicPr>
-        <p:blipFill>
-          <a:blip r:embed="rId2"/>
-          <a:stretch>
-            <a:fillRect/>
-          </a:stretch>
-        </p:blipFill>
-        <p:spPr>
-          <a:xfrm>
-            <a:off x="276577" y="1279141"/>
-            <a:ext cx="4001912" cy="5228230"/>
-          </a:xfrm>
-          <a:prstGeom prst="rect">
-            <a:avLst/>
-          </a:prstGeom>
-        </p:spPr>
-      </p:pic>
-      <p:grpSp>
-        <p:nvGrpSpPr>
-          <p:cNvPr id="7" name="그룹 6">
-            <a:extLst>
-              <a:ext uri="{FF2B5EF4-FFF2-40B4-BE49-F238E27FC236}">
-                <a16:creationId xmlns:a16="http://schemas.microsoft.com/office/drawing/2014/main" id="{8B4F8876-547C-C5B2-E424-1B78F979DF50}"/>
-              </a:ext>
-            </a:extLst>
-          </p:cNvPr>
-          <p:cNvGrpSpPr/>
-          <p:nvPr/>
-        </p:nvGrpSpPr>
-        <p:grpSpPr>
-          <a:xfrm>
-            <a:off x="8523698" y="1486794"/>
-            <a:ext cx="900113" cy="714375"/>
-            <a:chOff x="1600200" y="5600700"/>
-            <a:chExt cx="900113" cy="714375"/>
-          </a:xfrm>
-        </p:grpSpPr>
-        <p:sp>
-          <p:nvSpPr>
-            <p:cNvPr id="8" name="사각형: 잘린 한쪽 모서리 7">
-              <a:extLst>
-                <a:ext uri="{FF2B5EF4-FFF2-40B4-BE49-F238E27FC236}">
-                  <a16:creationId xmlns:a16="http://schemas.microsoft.com/office/drawing/2014/main" id="{E4EC3BF0-C080-11C5-D032-1E64D3B44E7A}"/>
-                </a:ext>
-              </a:extLst>
-            </p:cNvPr>
-            <p:cNvSpPr/>
-            <p:nvPr/>
-          </p:nvSpPr>
-          <p:spPr>
-            <a:xfrm>
-              <a:off x="1600200" y="5631475"/>
-              <a:ext cx="452438" cy="452438"/>
-            </a:xfrm>
-            <a:prstGeom prst="snip1Rect">
-              <a:avLst/>
-            </a:prstGeom>
-            <a:solidFill>
-              <a:schemeClr val="accent4">
-                <a:lumMod val="75000"/>
-              </a:schemeClr>
-            </a:solidFill>
-            <a:ln>
-              <a:solidFill>
-                <a:schemeClr val="tx1"/>
-              </a:solidFill>
-            </a:ln>
-          </p:spPr>
-          <p:style>
-            <a:lnRef idx="2">
-              <a:schemeClr val="accent1">
-                <a:shade val="50000"/>
-              </a:schemeClr>
-            </a:lnRef>
-            <a:fillRef idx="1">
-              <a:schemeClr val="accent1"/>
-            </a:fillRef>
-            <a:effectRef idx="0">
-              <a:schemeClr val="accent1"/>
-            </a:effectRef>
-            <a:fontRef idx="minor">
-              <a:schemeClr val="lt1"/>
-            </a:fontRef>
-          </p:style>
-          <p:txBody>
-            <a:bodyPr rtlCol="0" anchor="ctr"/>
-            <a:lstStyle/>
-            <a:p>
-              <a:pPr algn="ctr"/>
-              <a:endParaRPr lang="ko-KR" altLang="en-US" sz="1200">
-                <a:solidFill>
-                  <a:schemeClr val="tx1"/>
-                </a:solidFill>
-              </a:endParaRPr>
-            </a:p>
-          </p:txBody>
-        </p:sp>
-        <p:sp>
-          <p:nvSpPr>
-            <p:cNvPr id="9" name="자유형: 도형 8">
-              <a:extLst>
-                <a:ext uri="{FF2B5EF4-FFF2-40B4-BE49-F238E27FC236}">
-                  <a16:creationId xmlns:a16="http://schemas.microsoft.com/office/drawing/2014/main" id="{86F1C505-A8CB-54D5-75C2-D80134854EAF}"/>
-                </a:ext>
-              </a:extLst>
-            </p:cNvPr>
-            <p:cNvSpPr/>
-            <p:nvPr/>
-          </p:nvSpPr>
-          <p:spPr>
-            <a:xfrm>
-              <a:off x="1600201" y="5600700"/>
-              <a:ext cx="900112" cy="714375"/>
-            </a:xfrm>
-            <a:custGeom>
-              <a:avLst/>
-              <a:gdLst>
-                <a:gd name="connsiteX0" fmla="*/ 533400 w 900112"/>
-                <a:gd name="connsiteY0" fmla="*/ 0 h 714375"/>
-                <a:gd name="connsiteX1" fmla="*/ 388143 w 900112"/>
-                <a:gd name="connsiteY1" fmla="*/ 145257 h 714375"/>
-                <a:gd name="connsiteX2" fmla="*/ 0 w 900112"/>
-                <a:gd name="connsiteY2" fmla="*/ 145257 h 714375"/>
-                <a:gd name="connsiteX3" fmla="*/ 0 w 900112"/>
-                <a:gd name="connsiteY3" fmla="*/ 714375 h 714375"/>
-                <a:gd name="connsiteX4" fmla="*/ 900112 w 900112"/>
-                <a:gd name="connsiteY4" fmla="*/ 714375 h 714375"/>
-                <a:gd name="connsiteX5" fmla="*/ 900112 w 900112"/>
-                <a:gd name="connsiteY5" fmla="*/ 4763 h 714375"/>
-                <a:gd name="connsiteX6" fmla="*/ 533400 w 900112"/>
-                <a:gd name="connsiteY6" fmla="*/ 0 h 714375"/>
-              </a:gdLst>
-              <a:ahLst/>
-              <a:cxnLst>
-                <a:cxn ang="0">
-                  <a:pos x="connsiteX0" y="connsiteY0"/>
-                </a:cxn>
-                <a:cxn ang="0">
-                  <a:pos x="connsiteX1" y="connsiteY1"/>
-                </a:cxn>
-                <a:cxn ang="0">
-                  <a:pos x="connsiteX2" y="connsiteY2"/>
-                </a:cxn>
-                <a:cxn ang="0">
-                  <a:pos x="connsiteX3" y="connsiteY3"/>
-                </a:cxn>
-                <a:cxn ang="0">
-                  <a:pos x="connsiteX4" y="connsiteY4"/>
-                </a:cxn>
-                <a:cxn ang="0">
-                  <a:pos x="connsiteX5" y="connsiteY5"/>
-                </a:cxn>
-                <a:cxn ang="0">
-                  <a:pos x="connsiteX6" y="connsiteY6"/>
-                </a:cxn>
-              </a:cxnLst>
-              <a:rect l="l" t="t" r="r" b="b"/>
-              <a:pathLst>
-                <a:path w="900112" h="714375">
-                  <a:moveTo>
-                    <a:pt x="533400" y="0"/>
-                  </a:moveTo>
-                  <a:lnTo>
-                    <a:pt x="388143" y="145257"/>
-                  </a:lnTo>
-                  <a:lnTo>
-                    <a:pt x="0" y="145257"/>
-                  </a:lnTo>
-                  <a:lnTo>
-                    <a:pt x="0" y="714375"/>
-                  </a:lnTo>
-                  <a:lnTo>
-                    <a:pt x="900112" y="714375"/>
-                  </a:lnTo>
-                  <a:lnTo>
-                    <a:pt x="900112" y="4763"/>
-                  </a:lnTo>
-                  <a:lnTo>
-                    <a:pt x="533400" y="0"/>
-                  </a:lnTo>
-                  <a:close/>
-                </a:path>
-              </a:pathLst>
-            </a:custGeom>
-            <a:solidFill>
-              <a:schemeClr val="accent4">
-                <a:lumMod val="60000"/>
-                <a:lumOff val="40000"/>
-              </a:schemeClr>
-            </a:solidFill>
-            <a:ln>
-              <a:solidFill>
-                <a:schemeClr val="tx1"/>
-              </a:solidFill>
-            </a:ln>
-          </p:spPr>
-          <p:style>
-            <a:lnRef idx="2">
-              <a:schemeClr val="accent1">
-                <a:shade val="50000"/>
-              </a:schemeClr>
-            </a:lnRef>
-            <a:fillRef idx="1">
-              <a:schemeClr val="accent1"/>
-            </a:fillRef>
-            <a:effectRef idx="0">
-              <a:schemeClr val="accent1"/>
-            </a:effectRef>
-            <a:fontRef idx="minor">
-              <a:schemeClr val="lt1"/>
-            </a:fontRef>
-          </p:style>
-          <p:txBody>
-            <a:bodyPr rtlCol="0" anchor="ctr"/>
-            <a:lstStyle/>
-            <a:p>
-              <a:pPr algn="ctr"/>
-              <a:endParaRPr lang="en-US" altLang="ko-KR" sz="1200" dirty="0">
-                <a:solidFill>
-                  <a:schemeClr val="tx1"/>
-                </a:solidFill>
-              </a:endParaRPr>
-            </a:p>
-            <a:p>
-              <a:pPr algn="ctr"/>
-              <a:r>
-                <a:rPr lang="en-US" altLang="ko-KR" sz="1200">
-                  <a:solidFill>
-                    <a:schemeClr val="tx1"/>
-                  </a:solidFill>
-                </a:rPr>
-                <a:t>/ip_src_dir</a:t>
-              </a:r>
-              <a:endParaRPr lang="ko-KR" altLang="en-US" sz="1200" dirty="0">
-                <a:solidFill>
-                  <a:schemeClr val="tx1"/>
-                </a:solidFill>
-              </a:endParaRPr>
-            </a:p>
-          </p:txBody>
-        </p:sp>
-      </p:grpSp>
-      <p:grpSp>
-        <p:nvGrpSpPr>
-          <p:cNvPr id="10" name="그룹 9">
-            <a:extLst>
-              <a:ext uri="{FF2B5EF4-FFF2-40B4-BE49-F238E27FC236}">
-                <a16:creationId xmlns:a16="http://schemas.microsoft.com/office/drawing/2014/main" id="{3128EFAB-95A3-9569-7AFC-3D80946606C2}"/>
-              </a:ext>
-            </a:extLst>
-          </p:cNvPr>
-          <p:cNvGrpSpPr/>
-          <p:nvPr/>
-        </p:nvGrpSpPr>
-        <p:grpSpPr>
-          <a:xfrm>
-            <a:off x="7579976" y="2529275"/>
-            <a:ext cx="759724" cy="866400"/>
-            <a:chOff x="1803216" y="4681679"/>
-            <a:chExt cx="759724" cy="866400"/>
-          </a:xfrm>
-        </p:grpSpPr>
-        <p:sp>
-          <p:nvSpPr>
-            <p:cNvPr id="11" name="사각형: 잘린 한쪽 모서리 10">
-              <a:extLst>
-                <a:ext uri="{FF2B5EF4-FFF2-40B4-BE49-F238E27FC236}">
-                  <a16:creationId xmlns:a16="http://schemas.microsoft.com/office/drawing/2014/main" id="{34115DDD-980A-3A8E-31F5-5A647BD8402B}"/>
-                </a:ext>
-              </a:extLst>
-            </p:cNvPr>
-            <p:cNvSpPr/>
-            <p:nvPr/>
-          </p:nvSpPr>
-          <p:spPr>
-            <a:xfrm>
-              <a:off x="1803216" y="4681679"/>
-              <a:ext cx="759724" cy="866400"/>
-            </a:xfrm>
-            <a:prstGeom prst="snip1Rect">
-              <a:avLst>
-                <a:gd name="adj" fmla="val 24772"/>
-              </a:avLst>
-            </a:prstGeom>
-            <a:noFill/>
-            <a:ln>
-              <a:solidFill>
-                <a:schemeClr val="tx1"/>
-              </a:solidFill>
-            </a:ln>
-          </p:spPr>
-          <p:style>
-            <a:lnRef idx="2">
-              <a:schemeClr val="accent1">
-                <a:shade val="50000"/>
-              </a:schemeClr>
-            </a:lnRef>
-            <a:fillRef idx="1">
-              <a:schemeClr val="accent1"/>
-            </a:fillRef>
-            <a:effectRef idx="0">
-              <a:schemeClr val="accent1"/>
-            </a:effectRef>
-            <a:fontRef idx="minor">
-              <a:schemeClr val="lt1"/>
-            </a:fontRef>
-          </p:style>
-          <p:txBody>
-            <a:bodyPr rtlCol="0" anchor="ctr"/>
-            <a:lstStyle/>
-            <a:p>
-              <a:pPr algn="ctr"/>
-              <a:r>
-                <a:rPr lang="en-US" altLang="ko-KR" sz="1200">
-                  <a:solidFill>
-                    <a:schemeClr val="tx1"/>
-                  </a:solidFill>
-                </a:rPr>
-                <a:t>ip1.sv</a:t>
-              </a:r>
-              <a:endParaRPr lang="ko-KR" altLang="en-US" sz="1200" dirty="0">
-                <a:solidFill>
-                  <a:schemeClr val="tx1"/>
-                </a:solidFill>
-              </a:endParaRPr>
-            </a:p>
-          </p:txBody>
-        </p:sp>
-        <p:cxnSp>
-          <p:nvCxnSpPr>
-            <p:cNvPr id="12" name="직선 연결선 11">
-              <a:extLst>
-                <a:ext uri="{FF2B5EF4-FFF2-40B4-BE49-F238E27FC236}">
-                  <a16:creationId xmlns:a16="http://schemas.microsoft.com/office/drawing/2014/main" id="{56BFB86E-A421-4B7E-7A01-CAC7C29C005C}"/>
-                </a:ext>
-              </a:extLst>
-            </p:cNvPr>
-            <p:cNvCxnSpPr/>
-            <p:nvPr/>
-          </p:nvCxnSpPr>
-          <p:spPr>
-            <a:xfrm>
-              <a:off x="1853619" y="4816463"/>
-              <a:ext cx="576262" cy="0"/>
-            </a:xfrm>
-            <a:prstGeom prst="line">
-              <a:avLst/>
-            </a:prstGeom>
-            <a:ln w="15875"/>
-          </p:spPr>
-          <p:style>
-            <a:lnRef idx="1">
-              <a:schemeClr val="dk1"/>
-            </a:lnRef>
-            <a:fillRef idx="0">
-              <a:schemeClr val="dk1"/>
-            </a:fillRef>
-            <a:effectRef idx="0">
-              <a:schemeClr val="dk1"/>
-            </a:effectRef>
-            <a:fontRef idx="minor">
-              <a:schemeClr val="tx1"/>
-            </a:fontRef>
-          </p:style>
-        </p:cxnSp>
-        <p:cxnSp>
-          <p:nvCxnSpPr>
-            <p:cNvPr id="13" name="직선 연결선 12">
-              <a:extLst>
-                <a:ext uri="{FF2B5EF4-FFF2-40B4-BE49-F238E27FC236}">
-                  <a16:creationId xmlns:a16="http://schemas.microsoft.com/office/drawing/2014/main" id="{E6BDC502-CA0F-4A31-4B21-6CDBAD3F29ED}"/>
-                </a:ext>
-              </a:extLst>
-            </p:cNvPr>
-            <p:cNvCxnSpPr/>
-            <p:nvPr/>
-          </p:nvCxnSpPr>
-          <p:spPr>
-            <a:xfrm>
-              <a:off x="1853619" y="4912573"/>
-              <a:ext cx="576262" cy="0"/>
-            </a:xfrm>
-            <a:prstGeom prst="line">
-              <a:avLst/>
-            </a:prstGeom>
-            <a:ln w="15875"/>
-          </p:spPr>
-          <p:style>
-            <a:lnRef idx="1">
-              <a:schemeClr val="dk1"/>
-            </a:lnRef>
-            <a:fillRef idx="0">
-              <a:schemeClr val="dk1"/>
-            </a:fillRef>
-            <a:effectRef idx="0">
-              <a:schemeClr val="dk1"/>
-            </a:effectRef>
-            <a:fontRef idx="minor">
-              <a:schemeClr val="tx1"/>
-            </a:fontRef>
-          </p:style>
-        </p:cxnSp>
-        <p:cxnSp>
-          <p:nvCxnSpPr>
-            <p:cNvPr id="14" name="직선 연결선 13">
-              <a:extLst>
-                <a:ext uri="{FF2B5EF4-FFF2-40B4-BE49-F238E27FC236}">
-                  <a16:creationId xmlns:a16="http://schemas.microsoft.com/office/drawing/2014/main" id="{1C59C572-9355-29FA-B72C-6EBFC799A09C}"/>
-                </a:ext>
-              </a:extLst>
-            </p:cNvPr>
-            <p:cNvCxnSpPr/>
-            <p:nvPr/>
-          </p:nvCxnSpPr>
-          <p:spPr>
-            <a:xfrm>
-              <a:off x="1853619" y="5003060"/>
-              <a:ext cx="576262" cy="0"/>
-            </a:xfrm>
-            <a:prstGeom prst="line">
-              <a:avLst/>
-            </a:prstGeom>
-            <a:ln w="15875"/>
-          </p:spPr>
-          <p:style>
-            <a:lnRef idx="1">
-              <a:schemeClr val="dk1"/>
-            </a:lnRef>
-            <a:fillRef idx="0">
-              <a:schemeClr val="dk1"/>
-            </a:fillRef>
-            <a:effectRef idx="0">
-              <a:schemeClr val="dk1"/>
-            </a:effectRef>
-            <a:fontRef idx="minor">
-              <a:schemeClr val="tx1"/>
-            </a:fontRef>
-          </p:style>
-        </p:cxnSp>
-      </p:grpSp>
-      <p:grpSp>
-        <p:nvGrpSpPr>
-          <p:cNvPr id="15" name="그룹 14">
-            <a:extLst>
-              <a:ext uri="{FF2B5EF4-FFF2-40B4-BE49-F238E27FC236}">
-                <a16:creationId xmlns:a16="http://schemas.microsoft.com/office/drawing/2014/main" id="{FE444EF1-BA5C-2C8F-462C-1D931BFC15FA}"/>
-              </a:ext>
-            </a:extLst>
-          </p:cNvPr>
-          <p:cNvGrpSpPr/>
-          <p:nvPr/>
-        </p:nvGrpSpPr>
-        <p:grpSpPr>
-          <a:xfrm>
-            <a:off x="8593893" y="2529275"/>
-            <a:ext cx="759724" cy="866400"/>
-            <a:chOff x="1803216" y="4681679"/>
-            <a:chExt cx="759724" cy="866400"/>
-          </a:xfrm>
-        </p:grpSpPr>
-        <p:sp>
-          <p:nvSpPr>
-            <p:cNvPr id="16" name="사각형: 잘린 한쪽 모서리 15">
-              <a:extLst>
-                <a:ext uri="{FF2B5EF4-FFF2-40B4-BE49-F238E27FC236}">
-                  <a16:creationId xmlns:a16="http://schemas.microsoft.com/office/drawing/2014/main" id="{C1380E5F-F941-EC7A-F115-32BD88517FE2}"/>
-                </a:ext>
-              </a:extLst>
-            </p:cNvPr>
-            <p:cNvSpPr/>
-            <p:nvPr/>
-          </p:nvSpPr>
-          <p:spPr>
-            <a:xfrm>
-              <a:off x="1803216" y="4681679"/>
-              <a:ext cx="759724" cy="866400"/>
-            </a:xfrm>
-            <a:prstGeom prst="snip1Rect">
-              <a:avLst>
-                <a:gd name="adj" fmla="val 24772"/>
-              </a:avLst>
-            </a:prstGeom>
-            <a:noFill/>
-            <a:ln>
-              <a:solidFill>
-                <a:schemeClr val="tx1"/>
-              </a:solidFill>
-            </a:ln>
-          </p:spPr>
-          <p:style>
-            <a:lnRef idx="2">
-              <a:schemeClr val="accent1">
-                <a:shade val="50000"/>
-              </a:schemeClr>
-            </a:lnRef>
-            <a:fillRef idx="1">
-              <a:schemeClr val="accent1"/>
-            </a:fillRef>
-            <a:effectRef idx="0">
-              <a:schemeClr val="accent1"/>
-            </a:effectRef>
-            <a:fontRef idx="minor">
-              <a:schemeClr val="lt1"/>
-            </a:fontRef>
-          </p:style>
-          <p:txBody>
-            <a:bodyPr rtlCol="0" anchor="ctr"/>
-            <a:lstStyle/>
-            <a:p>
-              <a:pPr algn="ctr"/>
-              <a:r>
-                <a:rPr lang="en-US" altLang="ko-KR" sz="1200">
-                  <a:solidFill>
-                    <a:schemeClr val="tx1"/>
-                  </a:solidFill>
-                </a:rPr>
-                <a:t>ip2.sv</a:t>
-              </a:r>
-              <a:endParaRPr lang="ko-KR" altLang="en-US" sz="1200" dirty="0">
-                <a:solidFill>
-                  <a:schemeClr val="tx1"/>
-                </a:solidFill>
-              </a:endParaRPr>
-            </a:p>
-          </p:txBody>
-        </p:sp>
-        <p:cxnSp>
-          <p:nvCxnSpPr>
-            <p:cNvPr id="17" name="직선 연결선 16">
-              <a:extLst>
-                <a:ext uri="{FF2B5EF4-FFF2-40B4-BE49-F238E27FC236}">
-                  <a16:creationId xmlns:a16="http://schemas.microsoft.com/office/drawing/2014/main" id="{5E7A49B8-CF49-D72F-F741-B00B2EC99206}"/>
-                </a:ext>
-              </a:extLst>
-            </p:cNvPr>
-            <p:cNvCxnSpPr/>
-            <p:nvPr/>
-          </p:nvCxnSpPr>
-          <p:spPr>
-            <a:xfrm>
-              <a:off x="1853619" y="4816463"/>
-              <a:ext cx="576262" cy="0"/>
-            </a:xfrm>
-            <a:prstGeom prst="line">
-              <a:avLst/>
-            </a:prstGeom>
-            <a:ln w="15875"/>
-          </p:spPr>
-          <p:style>
-            <a:lnRef idx="1">
-              <a:schemeClr val="dk1"/>
-            </a:lnRef>
-            <a:fillRef idx="0">
-              <a:schemeClr val="dk1"/>
-            </a:fillRef>
-            <a:effectRef idx="0">
-              <a:schemeClr val="dk1"/>
-            </a:effectRef>
-            <a:fontRef idx="minor">
-              <a:schemeClr val="tx1"/>
-            </a:fontRef>
-          </p:style>
-        </p:cxnSp>
-        <p:cxnSp>
-          <p:nvCxnSpPr>
-            <p:cNvPr id="18" name="직선 연결선 17">
-              <a:extLst>
-                <a:ext uri="{FF2B5EF4-FFF2-40B4-BE49-F238E27FC236}">
-                  <a16:creationId xmlns:a16="http://schemas.microsoft.com/office/drawing/2014/main" id="{A3C2DF6C-B5D7-CF9F-769E-0B3371349550}"/>
-                </a:ext>
-              </a:extLst>
-            </p:cNvPr>
-            <p:cNvCxnSpPr/>
-            <p:nvPr/>
-          </p:nvCxnSpPr>
-          <p:spPr>
-            <a:xfrm>
-              <a:off x="1853619" y="4912573"/>
-              <a:ext cx="576262" cy="0"/>
-            </a:xfrm>
-            <a:prstGeom prst="line">
-              <a:avLst/>
-            </a:prstGeom>
-            <a:ln w="15875"/>
-          </p:spPr>
-          <p:style>
-            <a:lnRef idx="1">
-              <a:schemeClr val="dk1"/>
-            </a:lnRef>
-            <a:fillRef idx="0">
-              <a:schemeClr val="dk1"/>
-            </a:fillRef>
-            <a:effectRef idx="0">
-              <a:schemeClr val="dk1"/>
-            </a:effectRef>
-            <a:fontRef idx="minor">
-              <a:schemeClr val="tx1"/>
-            </a:fontRef>
-          </p:style>
-        </p:cxnSp>
-        <p:cxnSp>
-          <p:nvCxnSpPr>
-            <p:cNvPr id="19" name="직선 연결선 18">
-              <a:extLst>
-                <a:ext uri="{FF2B5EF4-FFF2-40B4-BE49-F238E27FC236}">
-                  <a16:creationId xmlns:a16="http://schemas.microsoft.com/office/drawing/2014/main" id="{53B6AA52-836F-C082-5188-9FB1235F4E18}"/>
-                </a:ext>
-              </a:extLst>
-            </p:cNvPr>
-            <p:cNvCxnSpPr/>
-            <p:nvPr/>
-          </p:nvCxnSpPr>
-          <p:spPr>
-            <a:xfrm>
-              <a:off x="1853619" y="5003060"/>
-              <a:ext cx="576262" cy="0"/>
-            </a:xfrm>
-            <a:prstGeom prst="line">
-              <a:avLst/>
-            </a:prstGeom>
-            <a:ln w="15875"/>
-          </p:spPr>
-          <p:style>
-            <a:lnRef idx="1">
-              <a:schemeClr val="dk1"/>
-            </a:lnRef>
-            <a:fillRef idx="0">
-              <a:schemeClr val="dk1"/>
-            </a:fillRef>
-            <a:effectRef idx="0">
-              <a:schemeClr val="dk1"/>
-            </a:effectRef>
-            <a:fontRef idx="minor">
-              <a:schemeClr val="tx1"/>
-            </a:fontRef>
-          </p:style>
-        </p:cxnSp>
-      </p:grpSp>
-      <p:grpSp>
-        <p:nvGrpSpPr>
-          <p:cNvPr id="20" name="그룹 19">
-            <a:extLst>
-              <a:ext uri="{FF2B5EF4-FFF2-40B4-BE49-F238E27FC236}">
-                <a16:creationId xmlns:a16="http://schemas.microsoft.com/office/drawing/2014/main" id="{B9171AED-996B-8631-A82D-C23E8A569A78}"/>
-              </a:ext>
-            </a:extLst>
-          </p:cNvPr>
-          <p:cNvGrpSpPr/>
-          <p:nvPr/>
-        </p:nvGrpSpPr>
-        <p:grpSpPr>
-          <a:xfrm>
-            <a:off x="9590843" y="2529275"/>
-            <a:ext cx="759724" cy="866400"/>
-            <a:chOff x="1803216" y="4681679"/>
-            <a:chExt cx="759724" cy="866400"/>
-          </a:xfrm>
-        </p:grpSpPr>
-        <p:sp>
-          <p:nvSpPr>
-            <p:cNvPr id="21" name="사각형: 잘린 한쪽 모서리 20">
-              <a:extLst>
-                <a:ext uri="{FF2B5EF4-FFF2-40B4-BE49-F238E27FC236}">
-                  <a16:creationId xmlns:a16="http://schemas.microsoft.com/office/drawing/2014/main" id="{D9E9EC8B-988D-7436-FBDA-13B7C2A24BBC}"/>
-                </a:ext>
-              </a:extLst>
-            </p:cNvPr>
-            <p:cNvSpPr/>
-            <p:nvPr/>
-          </p:nvSpPr>
-          <p:spPr>
-            <a:xfrm>
-              <a:off x="1803216" y="4681679"/>
-              <a:ext cx="759724" cy="866400"/>
-            </a:xfrm>
-            <a:prstGeom prst="snip1Rect">
-              <a:avLst>
-                <a:gd name="adj" fmla="val 24772"/>
-              </a:avLst>
-            </a:prstGeom>
-            <a:noFill/>
-            <a:ln>
-              <a:solidFill>
-                <a:schemeClr val="tx1"/>
-              </a:solidFill>
-            </a:ln>
-          </p:spPr>
-          <p:style>
-            <a:lnRef idx="2">
-              <a:schemeClr val="accent1">
-                <a:shade val="50000"/>
-              </a:schemeClr>
-            </a:lnRef>
-            <a:fillRef idx="1">
-              <a:schemeClr val="accent1"/>
-            </a:fillRef>
-            <a:effectRef idx="0">
-              <a:schemeClr val="accent1"/>
-            </a:effectRef>
-            <a:fontRef idx="minor">
-              <a:schemeClr val="lt1"/>
-            </a:fontRef>
-          </p:style>
-          <p:txBody>
-            <a:bodyPr rtlCol="0" anchor="ctr"/>
-            <a:lstStyle/>
-            <a:p>
-              <a:pPr algn="ctr"/>
-              <a:r>
-                <a:rPr lang="en-US" altLang="ko-KR" sz="1200">
-                  <a:solidFill>
-                    <a:schemeClr val="tx1"/>
-                  </a:solidFill>
-                </a:rPr>
-                <a:t>ip3.sv</a:t>
-              </a:r>
-              <a:endParaRPr lang="ko-KR" altLang="en-US" sz="1200" dirty="0">
-                <a:solidFill>
-                  <a:schemeClr val="tx1"/>
-                </a:solidFill>
-              </a:endParaRPr>
-            </a:p>
-          </p:txBody>
-        </p:sp>
-        <p:cxnSp>
-          <p:nvCxnSpPr>
-            <p:cNvPr id="22" name="직선 연결선 21">
-              <a:extLst>
-                <a:ext uri="{FF2B5EF4-FFF2-40B4-BE49-F238E27FC236}">
-                  <a16:creationId xmlns:a16="http://schemas.microsoft.com/office/drawing/2014/main" id="{5C4BA7F5-8C9B-F103-2572-B19C742B433B}"/>
-                </a:ext>
-              </a:extLst>
-            </p:cNvPr>
-            <p:cNvCxnSpPr/>
-            <p:nvPr/>
-          </p:nvCxnSpPr>
-          <p:spPr>
-            <a:xfrm>
-              <a:off x="1853619" y="4816463"/>
-              <a:ext cx="576262" cy="0"/>
-            </a:xfrm>
-            <a:prstGeom prst="line">
-              <a:avLst/>
-            </a:prstGeom>
-            <a:ln w="15875"/>
-          </p:spPr>
-          <p:style>
-            <a:lnRef idx="1">
-              <a:schemeClr val="dk1"/>
-            </a:lnRef>
-            <a:fillRef idx="0">
-              <a:schemeClr val="dk1"/>
-            </a:fillRef>
-            <a:effectRef idx="0">
-              <a:schemeClr val="dk1"/>
-            </a:effectRef>
-            <a:fontRef idx="minor">
-              <a:schemeClr val="tx1"/>
-            </a:fontRef>
-          </p:style>
-        </p:cxnSp>
-        <p:cxnSp>
-          <p:nvCxnSpPr>
-            <p:cNvPr id="23" name="직선 연결선 22">
-              <a:extLst>
-                <a:ext uri="{FF2B5EF4-FFF2-40B4-BE49-F238E27FC236}">
-                  <a16:creationId xmlns:a16="http://schemas.microsoft.com/office/drawing/2014/main" id="{7BC031B8-B92E-133E-0023-A09BFC3EB0BE}"/>
-                </a:ext>
-              </a:extLst>
-            </p:cNvPr>
-            <p:cNvCxnSpPr/>
-            <p:nvPr/>
-          </p:nvCxnSpPr>
-          <p:spPr>
-            <a:xfrm>
-              <a:off x="1853619" y="4912573"/>
-              <a:ext cx="576262" cy="0"/>
-            </a:xfrm>
-            <a:prstGeom prst="line">
-              <a:avLst/>
-            </a:prstGeom>
-            <a:ln w="15875"/>
-          </p:spPr>
-          <p:style>
-            <a:lnRef idx="1">
-              <a:schemeClr val="dk1"/>
-            </a:lnRef>
-            <a:fillRef idx="0">
-              <a:schemeClr val="dk1"/>
-            </a:fillRef>
-            <a:effectRef idx="0">
-              <a:schemeClr val="dk1"/>
-            </a:effectRef>
-            <a:fontRef idx="minor">
-              <a:schemeClr val="tx1"/>
-            </a:fontRef>
-          </p:style>
-        </p:cxnSp>
-        <p:cxnSp>
-          <p:nvCxnSpPr>
-            <p:cNvPr id="24" name="직선 연결선 23">
-              <a:extLst>
-                <a:ext uri="{FF2B5EF4-FFF2-40B4-BE49-F238E27FC236}">
-                  <a16:creationId xmlns:a16="http://schemas.microsoft.com/office/drawing/2014/main" id="{E39C0A3B-0A1F-8490-E409-18C1982E21A2}"/>
-                </a:ext>
-              </a:extLst>
-            </p:cNvPr>
-            <p:cNvCxnSpPr/>
-            <p:nvPr/>
-          </p:nvCxnSpPr>
-          <p:spPr>
-            <a:xfrm>
-              <a:off x="1853619" y="5003060"/>
-              <a:ext cx="576262" cy="0"/>
-            </a:xfrm>
-            <a:prstGeom prst="line">
-              <a:avLst/>
-            </a:prstGeom>
-            <a:ln w="15875"/>
-          </p:spPr>
-          <p:style>
-            <a:lnRef idx="1">
-              <a:schemeClr val="dk1"/>
-            </a:lnRef>
-            <a:fillRef idx="0">
-              <a:schemeClr val="dk1"/>
-            </a:fillRef>
-            <a:effectRef idx="0">
-              <a:schemeClr val="dk1"/>
-            </a:effectRef>
-            <a:fontRef idx="minor">
-              <a:schemeClr val="tx1"/>
-            </a:fontRef>
-          </p:style>
-        </p:cxnSp>
-      </p:grpSp>
-      <p:grpSp>
-        <p:nvGrpSpPr>
-          <p:cNvPr id="25" name="그룹 24">
-            <a:extLst>
-              <a:ext uri="{FF2B5EF4-FFF2-40B4-BE49-F238E27FC236}">
-                <a16:creationId xmlns:a16="http://schemas.microsoft.com/office/drawing/2014/main" id="{0915B36C-1A8B-B16E-D70E-2AF21387E999}"/>
-              </a:ext>
-            </a:extLst>
-          </p:cNvPr>
-          <p:cNvGrpSpPr/>
-          <p:nvPr/>
-        </p:nvGrpSpPr>
-        <p:grpSpPr>
-          <a:xfrm>
-            <a:off x="8526079" y="4560585"/>
-            <a:ext cx="900113" cy="714375"/>
-            <a:chOff x="1600200" y="5600700"/>
-            <a:chExt cx="900113" cy="714375"/>
-          </a:xfrm>
-        </p:grpSpPr>
-        <p:sp>
-          <p:nvSpPr>
-            <p:cNvPr id="26" name="사각형: 잘린 한쪽 모서리 25">
-              <a:extLst>
-                <a:ext uri="{FF2B5EF4-FFF2-40B4-BE49-F238E27FC236}">
-                  <a16:creationId xmlns:a16="http://schemas.microsoft.com/office/drawing/2014/main" id="{C377D499-0C28-F219-D4FC-03889D726517}"/>
-                </a:ext>
-              </a:extLst>
-            </p:cNvPr>
-            <p:cNvSpPr/>
-            <p:nvPr/>
-          </p:nvSpPr>
-          <p:spPr>
-            <a:xfrm>
-              <a:off x="1600200" y="5631475"/>
-              <a:ext cx="452438" cy="452438"/>
-            </a:xfrm>
-            <a:prstGeom prst="snip1Rect">
-              <a:avLst/>
-            </a:prstGeom>
-            <a:solidFill>
-              <a:schemeClr val="accent4">
-                <a:lumMod val="75000"/>
-              </a:schemeClr>
-            </a:solidFill>
-            <a:ln>
-              <a:solidFill>
-                <a:schemeClr val="tx1"/>
-              </a:solidFill>
-            </a:ln>
-          </p:spPr>
-          <p:style>
-            <a:lnRef idx="2">
-              <a:schemeClr val="accent1">
-                <a:shade val="50000"/>
-              </a:schemeClr>
-            </a:lnRef>
-            <a:fillRef idx="1">
-              <a:schemeClr val="accent1"/>
-            </a:fillRef>
-            <a:effectRef idx="0">
-              <a:schemeClr val="accent1"/>
-            </a:effectRef>
-            <a:fontRef idx="minor">
-              <a:schemeClr val="lt1"/>
-            </a:fontRef>
-          </p:style>
-          <p:txBody>
-            <a:bodyPr rtlCol="0" anchor="ctr"/>
-            <a:lstStyle/>
-            <a:p>
-              <a:pPr algn="ctr"/>
-              <a:endParaRPr lang="ko-KR" altLang="en-US" sz="1200">
-                <a:solidFill>
-                  <a:schemeClr val="tx1"/>
-                </a:solidFill>
-              </a:endParaRPr>
-            </a:p>
-          </p:txBody>
-        </p:sp>
-        <p:sp>
-          <p:nvSpPr>
-            <p:cNvPr id="27" name="자유형: 도형 26">
-              <a:extLst>
-                <a:ext uri="{FF2B5EF4-FFF2-40B4-BE49-F238E27FC236}">
-                  <a16:creationId xmlns:a16="http://schemas.microsoft.com/office/drawing/2014/main" id="{3FF1147C-7C20-4F2D-C8F5-D4F4BA9239EE}"/>
-                </a:ext>
-              </a:extLst>
-            </p:cNvPr>
-            <p:cNvSpPr/>
-            <p:nvPr/>
-          </p:nvSpPr>
-          <p:spPr>
-            <a:xfrm>
-              <a:off x="1600201" y="5600700"/>
-              <a:ext cx="900112" cy="714375"/>
-            </a:xfrm>
-            <a:custGeom>
-              <a:avLst/>
-              <a:gdLst>
-                <a:gd name="connsiteX0" fmla="*/ 533400 w 900112"/>
-                <a:gd name="connsiteY0" fmla="*/ 0 h 714375"/>
-                <a:gd name="connsiteX1" fmla="*/ 388143 w 900112"/>
-                <a:gd name="connsiteY1" fmla="*/ 145257 h 714375"/>
-                <a:gd name="connsiteX2" fmla="*/ 0 w 900112"/>
-                <a:gd name="connsiteY2" fmla="*/ 145257 h 714375"/>
-                <a:gd name="connsiteX3" fmla="*/ 0 w 900112"/>
-                <a:gd name="connsiteY3" fmla="*/ 714375 h 714375"/>
-                <a:gd name="connsiteX4" fmla="*/ 900112 w 900112"/>
-                <a:gd name="connsiteY4" fmla="*/ 714375 h 714375"/>
-                <a:gd name="connsiteX5" fmla="*/ 900112 w 900112"/>
-                <a:gd name="connsiteY5" fmla="*/ 4763 h 714375"/>
-                <a:gd name="connsiteX6" fmla="*/ 533400 w 900112"/>
-                <a:gd name="connsiteY6" fmla="*/ 0 h 714375"/>
-              </a:gdLst>
-              <a:ahLst/>
-              <a:cxnLst>
-                <a:cxn ang="0">
-                  <a:pos x="connsiteX0" y="connsiteY0"/>
-                </a:cxn>
-                <a:cxn ang="0">
-                  <a:pos x="connsiteX1" y="connsiteY1"/>
-                </a:cxn>
-                <a:cxn ang="0">
-                  <a:pos x="connsiteX2" y="connsiteY2"/>
-                </a:cxn>
-                <a:cxn ang="0">
-                  <a:pos x="connsiteX3" y="connsiteY3"/>
-                </a:cxn>
-                <a:cxn ang="0">
-                  <a:pos x="connsiteX4" y="connsiteY4"/>
-                </a:cxn>
-                <a:cxn ang="0">
-                  <a:pos x="connsiteX5" y="connsiteY5"/>
-                </a:cxn>
-                <a:cxn ang="0">
-                  <a:pos x="connsiteX6" y="connsiteY6"/>
-                </a:cxn>
-              </a:cxnLst>
-              <a:rect l="l" t="t" r="r" b="b"/>
-              <a:pathLst>
-                <a:path w="900112" h="714375">
-                  <a:moveTo>
-                    <a:pt x="533400" y="0"/>
-                  </a:moveTo>
-                  <a:lnTo>
-                    <a:pt x="388143" y="145257"/>
-                  </a:lnTo>
-                  <a:lnTo>
-                    <a:pt x="0" y="145257"/>
-                  </a:lnTo>
-                  <a:lnTo>
-                    <a:pt x="0" y="714375"/>
-                  </a:lnTo>
-                  <a:lnTo>
-                    <a:pt x="900112" y="714375"/>
-                  </a:lnTo>
-                  <a:lnTo>
-                    <a:pt x="900112" y="4763"/>
-                  </a:lnTo>
-                  <a:lnTo>
-                    <a:pt x="533400" y="0"/>
-                  </a:lnTo>
-                  <a:close/>
-                </a:path>
-              </a:pathLst>
-            </a:custGeom>
-            <a:solidFill>
-              <a:schemeClr val="accent4">
-                <a:lumMod val="60000"/>
-                <a:lumOff val="40000"/>
-              </a:schemeClr>
-            </a:solidFill>
-            <a:ln>
-              <a:solidFill>
-                <a:schemeClr val="tx1"/>
-              </a:solidFill>
-            </a:ln>
-          </p:spPr>
-          <p:style>
-            <a:lnRef idx="2">
-              <a:schemeClr val="accent1">
-                <a:shade val="50000"/>
-              </a:schemeClr>
-            </a:lnRef>
-            <a:fillRef idx="1">
-              <a:schemeClr val="accent1"/>
-            </a:fillRef>
-            <a:effectRef idx="0">
-              <a:schemeClr val="accent1"/>
-            </a:effectRef>
-            <a:fontRef idx="minor">
-              <a:schemeClr val="lt1"/>
-            </a:fontRef>
-          </p:style>
-          <p:txBody>
-            <a:bodyPr rtlCol="0" anchor="ctr"/>
-            <a:lstStyle/>
-            <a:p>
-              <a:pPr algn="ctr"/>
-              <a:endParaRPr lang="en-US" altLang="ko-KR" sz="1200" dirty="0">
-                <a:solidFill>
-                  <a:schemeClr val="tx1"/>
-                </a:solidFill>
-              </a:endParaRPr>
-            </a:p>
-            <a:p>
-              <a:pPr algn="ctr"/>
-              <a:r>
-                <a:rPr lang="en-US" altLang="ko-KR" sz="1200">
-                  <a:solidFill>
-                    <a:schemeClr val="tx1"/>
-                  </a:solidFill>
-                </a:rPr>
-                <a:t>/ip_out_dir</a:t>
-              </a:r>
-              <a:endParaRPr lang="ko-KR" altLang="en-US" sz="1200" dirty="0">
-                <a:solidFill>
-                  <a:schemeClr val="tx1"/>
-                </a:solidFill>
-              </a:endParaRPr>
-            </a:p>
-          </p:txBody>
-        </p:sp>
-      </p:grpSp>
-      <p:grpSp>
-        <p:nvGrpSpPr>
-          <p:cNvPr id="28" name="그룹 27">
-            <a:extLst>
-              <a:ext uri="{FF2B5EF4-FFF2-40B4-BE49-F238E27FC236}">
-                <a16:creationId xmlns:a16="http://schemas.microsoft.com/office/drawing/2014/main" id="{1B35570D-1675-C44A-88C7-8CEF8AACBFBD}"/>
-              </a:ext>
-            </a:extLst>
-          </p:cNvPr>
-          <p:cNvGrpSpPr/>
-          <p:nvPr/>
-        </p:nvGrpSpPr>
-        <p:grpSpPr>
-          <a:xfrm>
-            <a:off x="8593892" y="5538946"/>
-            <a:ext cx="759724" cy="866400"/>
-            <a:chOff x="1803216" y="4681679"/>
-            <a:chExt cx="759724" cy="866400"/>
-          </a:xfrm>
-        </p:grpSpPr>
-        <p:sp>
-          <p:nvSpPr>
-            <p:cNvPr id="29" name="사각형: 잘린 한쪽 모서리 28">
-              <a:extLst>
-                <a:ext uri="{FF2B5EF4-FFF2-40B4-BE49-F238E27FC236}">
-                  <a16:creationId xmlns:a16="http://schemas.microsoft.com/office/drawing/2014/main" id="{71732786-121D-312D-E227-F69CC0916E4F}"/>
-                </a:ext>
-              </a:extLst>
-            </p:cNvPr>
-            <p:cNvSpPr/>
-            <p:nvPr/>
-          </p:nvSpPr>
-          <p:spPr>
-            <a:xfrm>
-              <a:off x="1803216" y="4681679"/>
-              <a:ext cx="759724" cy="866400"/>
-            </a:xfrm>
-            <a:prstGeom prst="snip1Rect">
-              <a:avLst>
-                <a:gd name="adj" fmla="val 24772"/>
-              </a:avLst>
-            </a:prstGeom>
-            <a:noFill/>
-            <a:ln>
-              <a:solidFill>
-                <a:schemeClr val="tx1"/>
-              </a:solidFill>
-            </a:ln>
-          </p:spPr>
-          <p:style>
-            <a:lnRef idx="2">
-              <a:schemeClr val="accent1">
-                <a:shade val="50000"/>
-              </a:schemeClr>
-            </a:lnRef>
-            <a:fillRef idx="1">
-              <a:schemeClr val="accent1"/>
-            </a:fillRef>
-            <a:effectRef idx="0">
-              <a:schemeClr val="accent1"/>
-            </a:effectRef>
-            <a:fontRef idx="minor">
-              <a:schemeClr val="lt1"/>
-            </a:fontRef>
-          </p:style>
-          <p:txBody>
-            <a:bodyPr rtlCol="0" anchor="ctr"/>
-            <a:lstStyle/>
-            <a:p>
-              <a:pPr algn="ctr"/>
-              <a:r>
-                <a:rPr lang="en-US" altLang="ko-KR" sz="1200">
-                  <a:solidFill>
-                    <a:schemeClr val="tx1"/>
-                  </a:solidFill>
-                </a:rPr>
-                <a:t>ip.xml</a:t>
-              </a:r>
-              <a:endParaRPr lang="ko-KR" altLang="en-US" sz="1200" dirty="0">
-                <a:solidFill>
-                  <a:schemeClr val="tx1"/>
-                </a:solidFill>
-              </a:endParaRPr>
-            </a:p>
-          </p:txBody>
-        </p:sp>
-        <p:cxnSp>
-          <p:nvCxnSpPr>
-            <p:cNvPr id="30" name="직선 연결선 29">
-              <a:extLst>
-                <a:ext uri="{FF2B5EF4-FFF2-40B4-BE49-F238E27FC236}">
-                  <a16:creationId xmlns:a16="http://schemas.microsoft.com/office/drawing/2014/main" id="{E275D12C-9382-4883-0584-F2E977F7F331}"/>
-                </a:ext>
-              </a:extLst>
-            </p:cNvPr>
-            <p:cNvCxnSpPr/>
-            <p:nvPr/>
-          </p:nvCxnSpPr>
-          <p:spPr>
-            <a:xfrm>
-              <a:off x="1853619" y="4816463"/>
-              <a:ext cx="576262" cy="0"/>
-            </a:xfrm>
-            <a:prstGeom prst="line">
-              <a:avLst/>
-            </a:prstGeom>
-            <a:ln w="15875"/>
-          </p:spPr>
-          <p:style>
-            <a:lnRef idx="1">
-              <a:schemeClr val="dk1"/>
-            </a:lnRef>
-            <a:fillRef idx="0">
-              <a:schemeClr val="dk1"/>
-            </a:fillRef>
-            <a:effectRef idx="0">
-              <a:schemeClr val="dk1"/>
-            </a:effectRef>
-            <a:fontRef idx="minor">
-              <a:schemeClr val="tx1"/>
-            </a:fontRef>
-          </p:style>
-        </p:cxnSp>
-        <p:cxnSp>
-          <p:nvCxnSpPr>
-            <p:cNvPr id="31" name="직선 연결선 30">
-              <a:extLst>
-                <a:ext uri="{FF2B5EF4-FFF2-40B4-BE49-F238E27FC236}">
-                  <a16:creationId xmlns:a16="http://schemas.microsoft.com/office/drawing/2014/main" id="{421B7CBE-06B4-B574-2525-971ACE8DB843}"/>
-                </a:ext>
-              </a:extLst>
-            </p:cNvPr>
-            <p:cNvCxnSpPr/>
-            <p:nvPr/>
-          </p:nvCxnSpPr>
-          <p:spPr>
-            <a:xfrm>
-              <a:off x="1853619" y="4912573"/>
-              <a:ext cx="576262" cy="0"/>
-            </a:xfrm>
-            <a:prstGeom prst="line">
-              <a:avLst/>
-            </a:prstGeom>
-            <a:ln w="15875"/>
-          </p:spPr>
-          <p:style>
-            <a:lnRef idx="1">
-              <a:schemeClr val="dk1"/>
-            </a:lnRef>
-            <a:fillRef idx="0">
-              <a:schemeClr val="dk1"/>
-            </a:fillRef>
-            <a:effectRef idx="0">
-              <a:schemeClr val="dk1"/>
-            </a:effectRef>
-            <a:fontRef idx="minor">
-              <a:schemeClr val="tx1"/>
-            </a:fontRef>
-          </p:style>
-        </p:cxnSp>
-        <p:cxnSp>
-          <p:nvCxnSpPr>
-            <p:cNvPr id="32" name="직선 연결선 31">
-              <a:extLst>
-                <a:ext uri="{FF2B5EF4-FFF2-40B4-BE49-F238E27FC236}">
-                  <a16:creationId xmlns:a16="http://schemas.microsoft.com/office/drawing/2014/main" id="{3FAA0376-3351-1665-31DA-A60ABE730CF7}"/>
-                </a:ext>
-              </a:extLst>
-            </p:cNvPr>
-            <p:cNvCxnSpPr/>
-            <p:nvPr/>
-          </p:nvCxnSpPr>
-          <p:spPr>
-            <a:xfrm>
-              <a:off x="1853619" y="5003060"/>
-              <a:ext cx="576262" cy="0"/>
-            </a:xfrm>
-            <a:prstGeom prst="line">
-              <a:avLst/>
-            </a:prstGeom>
-            <a:ln w="15875"/>
-          </p:spPr>
-          <p:style>
-            <a:lnRef idx="1">
-              <a:schemeClr val="dk1"/>
-            </a:lnRef>
-            <a:fillRef idx="0">
-              <a:schemeClr val="dk1"/>
-            </a:fillRef>
-            <a:effectRef idx="0">
-              <a:schemeClr val="dk1"/>
-            </a:effectRef>
-            <a:fontRef idx="minor">
-              <a:schemeClr val="tx1"/>
-            </a:fontRef>
-          </p:style>
-        </p:cxnSp>
-      </p:grpSp>
-      <p:grpSp>
-        <p:nvGrpSpPr>
-          <p:cNvPr id="33" name="그룹 32">
-            <a:extLst>
-              <a:ext uri="{FF2B5EF4-FFF2-40B4-BE49-F238E27FC236}">
-                <a16:creationId xmlns:a16="http://schemas.microsoft.com/office/drawing/2014/main" id="{E77CCCCC-6B8B-F49F-2FA3-B344BD3EA6A1}"/>
-              </a:ext>
-            </a:extLst>
-          </p:cNvPr>
-          <p:cNvGrpSpPr/>
-          <p:nvPr/>
-        </p:nvGrpSpPr>
-        <p:grpSpPr>
-          <a:xfrm>
-            <a:off x="7763974" y="5538946"/>
-            <a:ext cx="759724" cy="866400"/>
-            <a:chOff x="1803216" y="4681679"/>
-            <a:chExt cx="759724" cy="866400"/>
-          </a:xfrm>
-        </p:grpSpPr>
-        <p:sp>
-          <p:nvSpPr>
-            <p:cNvPr id="34" name="사각형: 잘린 한쪽 모서리 33">
-              <a:extLst>
-                <a:ext uri="{FF2B5EF4-FFF2-40B4-BE49-F238E27FC236}">
-                  <a16:creationId xmlns:a16="http://schemas.microsoft.com/office/drawing/2014/main" id="{E98B0F47-BFE7-D8E0-CC00-8590D9CE4DB2}"/>
-                </a:ext>
-              </a:extLst>
-            </p:cNvPr>
-            <p:cNvSpPr/>
-            <p:nvPr/>
-          </p:nvSpPr>
-          <p:spPr>
-            <a:xfrm>
-              <a:off x="1803216" y="4681679"/>
-              <a:ext cx="759724" cy="866400"/>
-            </a:xfrm>
-            <a:prstGeom prst="snip1Rect">
-              <a:avLst>
-                <a:gd name="adj" fmla="val 24772"/>
-              </a:avLst>
-            </a:prstGeom>
-            <a:noFill/>
-            <a:ln>
-              <a:solidFill>
-                <a:schemeClr val="tx1"/>
-              </a:solidFill>
-            </a:ln>
-          </p:spPr>
-          <p:style>
-            <a:lnRef idx="2">
-              <a:schemeClr val="accent1">
-                <a:shade val="50000"/>
-              </a:schemeClr>
-            </a:lnRef>
-            <a:fillRef idx="1">
-              <a:schemeClr val="accent1"/>
-            </a:fillRef>
-            <a:effectRef idx="0">
-              <a:schemeClr val="accent1"/>
-            </a:effectRef>
-            <a:fontRef idx="minor">
-              <a:schemeClr val="lt1"/>
-            </a:fontRef>
-          </p:style>
-          <p:txBody>
-            <a:bodyPr rtlCol="0" anchor="ctr"/>
-            <a:lstStyle/>
-            <a:p>
-              <a:pPr algn="ctr"/>
-              <a:r>
-                <a:rPr lang="en-US" altLang="ko-KR" sz="1200">
-                  <a:solidFill>
-                    <a:schemeClr val="tx1"/>
-                  </a:solidFill>
-                </a:rPr>
-                <a:t>ip.xic</a:t>
-              </a:r>
-              <a:endParaRPr lang="ko-KR" altLang="en-US" sz="1200" dirty="0">
-                <a:solidFill>
-                  <a:schemeClr val="tx1"/>
-                </a:solidFill>
-              </a:endParaRPr>
-            </a:p>
-          </p:txBody>
-        </p:sp>
-        <p:cxnSp>
-          <p:nvCxnSpPr>
-            <p:cNvPr id="35" name="직선 연결선 34">
-              <a:extLst>
-                <a:ext uri="{FF2B5EF4-FFF2-40B4-BE49-F238E27FC236}">
-                  <a16:creationId xmlns:a16="http://schemas.microsoft.com/office/drawing/2014/main" id="{5FCED8D6-C1C2-1870-7102-5909C5029B32}"/>
-                </a:ext>
-              </a:extLst>
-            </p:cNvPr>
-            <p:cNvCxnSpPr/>
-            <p:nvPr/>
-          </p:nvCxnSpPr>
-          <p:spPr>
-            <a:xfrm>
-              <a:off x="1853619" y="4816463"/>
-              <a:ext cx="576262" cy="0"/>
-            </a:xfrm>
-            <a:prstGeom prst="line">
-              <a:avLst/>
-            </a:prstGeom>
-            <a:ln w="15875"/>
-          </p:spPr>
-          <p:style>
-            <a:lnRef idx="1">
-              <a:schemeClr val="dk1"/>
-            </a:lnRef>
-            <a:fillRef idx="0">
-              <a:schemeClr val="dk1"/>
-            </a:fillRef>
-            <a:effectRef idx="0">
-              <a:schemeClr val="dk1"/>
-            </a:effectRef>
-            <a:fontRef idx="minor">
-              <a:schemeClr val="tx1"/>
-            </a:fontRef>
-          </p:style>
-        </p:cxnSp>
-        <p:cxnSp>
-          <p:nvCxnSpPr>
-            <p:cNvPr id="36" name="직선 연결선 35">
-              <a:extLst>
-                <a:ext uri="{FF2B5EF4-FFF2-40B4-BE49-F238E27FC236}">
-                  <a16:creationId xmlns:a16="http://schemas.microsoft.com/office/drawing/2014/main" id="{23332AEB-2963-DA11-933D-328FBEFA7062}"/>
-                </a:ext>
-              </a:extLst>
-            </p:cNvPr>
-            <p:cNvCxnSpPr/>
-            <p:nvPr/>
-          </p:nvCxnSpPr>
-          <p:spPr>
-            <a:xfrm>
-              <a:off x="1853619" y="4912573"/>
-              <a:ext cx="576262" cy="0"/>
-            </a:xfrm>
-            <a:prstGeom prst="line">
-              <a:avLst/>
-            </a:prstGeom>
-            <a:ln w="15875"/>
-          </p:spPr>
-          <p:style>
-            <a:lnRef idx="1">
-              <a:schemeClr val="dk1"/>
-            </a:lnRef>
-            <a:fillRef idx="0">
-              <a:schemeClr val="dk1"/>
-            </a:fillRef>
-            <a:effectRef idx="0">
-              <a:schemeClr val="dk1"/>
-            </a:effectRef>
-            <a:fontRef idx="minor">
-              <a:schemeClr val="tx1"/>
-            </a:fontRef>
-          </p:style>
-        </p:cxnSp>
-        <p:cxnSp>
-          <p:nvCxnSpPr>
-            <p:cNvPr id="37" name="직선 연결선 36">
-              <a:extLst>
-                <a:ext uri="{FF2B5EF4-FFF2-40B4-BE49-F238E27FC236}">
-                  <a16:creationId xmlns:a16="http://schemas.microsoft.com/office/drawing/2014/main" id="{7F1465C4-06FC-2750-F976-F26601761CB2}"/>
-                </a:ext>
-              </a:extLst>
-            </p:cNvPr>
-            <p:cNvCxnSpPr/>
-            <p:nvPr/>
-          </p:nvCxnSpPr>
-          <p:spPr>
-            <a:xfrm>
-              <a:off x="1853619" y="5003060"/>
-              <a:ext cx="576262" cy="0"/>
-            </a:xfrm>
-            <a:prstGeom prst="line">
-              <a:avLst/>
-            </a:prstGeom>
-            <a:ln w="15875"/>
-          </p:spPr>
-          <p:style>
-            <a:lnRef idx="1">
-              <a:schemeClr val="dk1"/>
-            </a:lnRef>
-            <a:fillRef idx="0">
-              <a:schemeClr val="dk1"/>
-            </a:fillRef>
-            <a:effectRef idx="0">
-              <a:schemeClr val="dk1"/>
-            </a:effectRef>
-            <a:fontRef idx="minor">
-              <a:schemeClr val="tx1"/>
-            </a:fontRef>
-          </p:style>
-        </p:cxnSp>
-      </p:grpSp>
-      <p:sp>
-        <p:nvSpPr>
-          <p:cNvPr id="38" name="화살표: 아래쪽 37">
-            <a:extLst>
-              <a:ext uri="{FF2B5EF4-FFF2-40B4-BE49-F238E27FC236}">
-                <a16:creationId xmlns:a16="http://schemas.microsoft.com/office/drawing/2014/main" id="{1B2593AB-F020-EA57-E08C-A73679C308CF}"/>
-              </a:ext>
-            </a:extLst>
-          </p:cNvPr>
-          <p:cNvSpPr/>
-          <p:nvPr/>
-        </p:nvSpPr>
-        <p:spPr>
-          <a:xfrm>
-            <a:off x="8761260" y="3747933"/>
-            <a:ext cx="459298" cy="491227"/>
-          </a:xfrm>
-          <a:prstGeom prst="downArrow">
-            <a:avLst/>
-          </a:prstGeom>
-          <a:solidFill>
-            <a:schemeClr val="tx2"/>
-          </a:solidFill>
-          <a:ln>
-            <a:solidFill>
-              <a:schemeClr val="tx2"/>
-            </a:solidFill>
-          </a:ln>
-        </p:spPr>
-        <p:style>
-          <a:lnRef idx="2">
-            <a:schemeClr val="accent1">
-              <a:shade val="15000"/>
-            </a:schemeClr>
-          </a:lnRef>
-          <a:fillRef idx="1">
-            <a:schemeClr val="accent1"/>
-          </a:fillRef>
-          <a:effectRef idx="0">
-            <a:schemeClr val="accent1"/>
-          </a:effectRef>
-          <a:fontRef idx="minor">
-            <a:schemeClr val="lt1"/>
-          </a:fontRef>
-        </p:style>
-        <p:txBody>
-          <a:bodyPr rtlCol="0" anchor="ctr"/>
-          <a:lstStyle/>
-          <a:p>
-            <a:pPr algn="ctr"/>
-            <a:endParaRPr lang="ko-KR" altLang="en-US"/>
-          </a:p>
-        </p:txBody>
-      </p:sp>
-      <p:grpSp>
-        <p:nvGrpSpPr>
-          <p:cNvPr id="39" name="그룹 38">
-            <a:extLst>
-              <a:ext uri="{FF2B5EF4-FFF2-40B4-BE49-F238E27FC236}">
-                <a16:creationId xmlns:a16="http://schemas.microsoft.com/office/drawing/2014/main" id="{EEC1C95E-8C70-6244-3DA8-0929B384DDC3}"/>
-              </a:ext>
-            </a:extLst>
-          </p:cNvPr>
-          <p:cNvGrpSpPr/>
-          <p:nvPr/>
-        </p:nvGrpSpPr>
-        <p:grpSpPr>
-          <a:xfrm>
-            <a:off x="4943134" y="3314733"/>
-            <a:ext cx="759724" cy="866400"/>
-            <a:chOff x="1803216" y="4681679"/>
-            <a:chExt cx="759724" cy="866400"/>
-          </a:xfrm>
-        </p:grpSpPr>
-        <p:sp>
-          <p:nvSpPr>
-            <p:cNvPr id="40" name="사각형: 잘린 한쪽 모서리 39">
-              <a:extLst>
-                <a:ext uri="{FF2B5EF4-FFF2-40B4-BE49-F238E27FC236}">
-                  <a16:creationId xmlns:a16="http://schemas.microsoft.com/office/drawing/2014/main" id="{013BEE9D-B1C0-B472-5C90-A89D34B3887A}"/>
-                </a:ext>
-              </a:extLst>
-            </p:cNvPr>
-            <p:cNvSpPr/>
-            <p:nvPr/>
-          </p:nvSpPr>
-          <p:spPr>
-            <a:xfrm>
-              <a:off x="1803216" y="4681679"/>
-              <a:ext cx="759724" cy="866400"/>
-            </a:xfrm>
-            <a:prstGeom prst="snip1Rect">
-              <a:avLst>
-                <a:gd name="adj" fmla="val 24772"/>
-              </a:avLst>
-            </a:prstGeom>
-            <a:noFill/>
-            <a:ln>
-              <a:solidFill>
-                <a:schemeClr val="tx1"/>
-              </a:solidFill>
-            </a:ln>
-          </p:spPr>
-          <p:style>
-            <a:lnRef idx="2">
-              <a:schemeClr val="accent1">
-                <a:shade val="50000"/>
-              </a:schemeClr>
-            </a:lnRef>
-            <a:fillRef idx="1">
-              <a:schemeClr val="accent1"/>
-            </a:fillRef>
-            <a:effectRef idx="0">
-              <a:schemeClr val="accent1"/>
-            </a:effectRef>
-            <a:fontRef idx="minor">
-              <a:schemeClr val="lt1"/>
-            </a:fontRef>
-          </p:style>
-          <p:txBody>
-            <a:bodyPr rtlCol="0" anchor="ctr"/>
-            <a:lstStyle/>
-            <a:p>
-              <a:pPr algn="ctr"/>
-              <a:r>
-                <a:rPr lang="en-US" altLang="ko-KR" sz="1200">
-                  <a:solidFill>
-                    <a:schemeClr val="tx1"/>
-                  </a:solidFill>
-                </a:rPr>
-                <a:t>ip.tcl</a:t>
-              </a:r>
-              <a:endParaRPr lang="ko-KR" altLang="en-US" sz="1200" dirty="0">
-                <a:solidFill>
-                  <a:schemeClr val="tx1"/>
-                </a:solidFill>
-              </a:endParaRPr>
-            </a:p>
-          </p:txBody>
-        </p:sp>
-        <p:cxnSp>
-          <p:nvCxnSpPr>
-            <p:cNvPr id="41" name="직선 연결선 40">
-              <a:extLst>
-                <a:ext uri="{FF2B5EF4-FFF2-40B4-BE49-F238E27FC236}">
-                  <a16:creationId xmlns:a16="http://schemas.microsoft.com/office/drawing/2014/main" id="{27BEF9E5-A17C-FE05-D0B4-616F6A1809C7}"/>
-                </a:ext>
-              </a:extLst>
-            </p:cNvPr>
-            <p:cNvCxnSpPr/>
-            <p:nvPr/>
-          </p:nvCxnSpPr>
-          <p:spPr>
-            <a:xfrm>
-              <a:off x="1853619" y="4816463"/>
-              <a:ext cx="576262" cy="0"/>
-            </a:xfrm>
-            <a:prstGeom prst="line">
-              <a:avLst/>
-            </a:prstGeom>
-            <a:ln w="15875"/>
-          </p:spPr>
-          <p:style>
-            <a:lnRef idx="1">
-              <a:schemeClr val="dk1"/>
-            </a:lnRef>
-            <a:fillRef idx="0">
-              <a:schemeClr val="dk1"/>
-            </a:fillRef>
-            <a:effectRef idx="0">
-              <a:schemeClr val="dk1"/>
-            </a:effectRef>
-            <a:fontRef idx="minor">
-              <a:schemeClr val="tx1"/>
-            </a:fontRef>
-          </p:style>
-        </p:cxnSp>
-        <p:cxnSp>
-          <p:nvCxnSpPr>
-            <p:cNvPr id="42" name="직선 연결선 41">
-              <a:extLst>
-                <a:ext uri="{FF2B5EF4-FFF2-40B4-BE49-F238E27FC236}">
-                  <a16:creationId xmlns:a16="http://schemas.microsoft.com/office/drawing/2014/main" id="{F1A36BCB-572E-F6A2-24F6-3026EFAF9B41}"/>
-                </a:ext>
-              </a:extLst>
-            </p:cNvPr>
-            <p:cNvCxnSpPr/>
-            <p:nvPr/>
-          </p:nvCxnSpPr>
-          <p:spPr>
-            <a:xfrm>
-              <a:off x="1853619" y="4912573"/>
-              <a:ext cx="576262" cy="0"/>
-            </a:xfrm>
-            <a:prstGeom prst="line">
-              <a:avLst/>
-            </a:prstGeom>
-            <a:ln w="15875"/>
-          </p:spPr>
-          <p:style>
-            <a:lnRef idx="1">
-              <a:schemeClr val="dk1"/>
-            </a:lnRef>
-            <a:fillRef idx="0">
-              <a:schemeClr val="dk1"/>
-            </a:fillRef>
-            <a:effectRef idx="0">
-              <a:schemeClr val="dk1"/>
-            </a:effectRef>
-            <a:fontRef idx="minor">
-              <a:schemeClr val="tx1"/>
-            </a:fontRef>
-          </p:style>
-        </p:cxnSp>
-        <p:cxnSp>
-          <p:nvCxnSpPr>
-            <p:cNvPr id="43" name="직선 연결선 42">
-              <a:extLst>
-                <a:ext uri="{FF2B5EF4-FFF2-40B4-BE49-F238E27FC236}">
-                  <a16:creationId xmlns:a16="http://schemas.microsoft.com/office/drawing/2014/main" id="{D9F95061-53A5-C696-FCC5-008892BEAFB2}"/>
-                </a:ext>
-              </a:extLst>
-            </p:cNvPr>
-            <p:cNvCxnSpPr/>
-            <p:nvPr/>
-          </p:nvCxnSpPr>
-          <p:spPr>
-            <a:xfrm>
-              <a:off x="1853619" y="5003060"/>
-              <a:ext cx="576262" cy="0"/>
-            </a:xfrm>
-            <a:prstGeom prst="line">
-              <a:avLst/>
-            </a:prstGeom>
-            <a:ln w="15875"/>
-          </p:spPr>
-          <p:style>
-            <a:lnRef idx="1">
-              <a:schemeClr val="dk1"/>
-            </a:lnRef>
-            <a:fillRef idx="0">
-              <a:schemeClr val="dk1"/>
-            </a:fillRef>
-            <a:effectRef idx="0">
-              <a:schemeClr val="dk1"/>
-            </a:effectRef>
-            <a:fontRef idx="minor">
-              <a:schemeClr val="tx1"/>
-            </a:fontRef>
-          </p:style>
-        </p:cxnSp>
-      </p:grpSp>
-      <p:grpSp>
-        <p:nvGrpSpPr>
-          <p:cNvPr id="44" name="그룹 43">
-            <a:extLst>
-              <a:ext uri="{FF2B5EF4-FFF2-40B4-BE49-F238E27FC236}">
-                <a16:creationId xmlns:a16="http://schemas.microsoft.com/office/drawing/2014/main" id="{D8B6060A-11DC-9CF7-8076-0D2FABBAC44B}"/>
-              </a:ext>
-            </a:extLst>
-          </p:cNvPr>
-          <p:cNvGrpSpPr/>
-          <p:nvPr/>
-        </p:nvGrpSpPr>
-        <p:grpSpPr>
-          <a:xfrm>
-            <a:off x="9434897" y="5538946"/>
-            <a:ext cx="759724" cy="866400"/>
-            <a:chOff x="1803216" y="4681679"/>
-            <a:chExt cx="759724" cy="866400"/>
-          </a:xfrm>
-        </p:grpSpPr>
-        <p:sp>
-          <p:nvSpPr>
-            <p:cNvPr id="45" name="사각형: 잘린 한쪽 모서리 44">
-              <a:extLst>
-                <a:ext uri="{FF2B5EF4-FFF2-40B4-BE49-F238E27FC236}">
-                  <a16:creationId xmlns:a16="http://schemas.microsoft.com/office/drawing/2014/main" id="{433F667D-40B7-D05E-CB95-80029D6B7763}"/>
-                </a:ext>
-              </a:extLst>
-            </p:cNvPr>
-            <p:cNvSpPr/>
-            <p:nvPr/>
-          </p:nvSpPr>
-          <p:spPr>
-            <a:xfrm>
-              <a:off x="1803216" y="4681679"/>
-              <a:ext cx="759724" cy="866400"/>
-            </a:xfrm>
-            <a:prstGeom prst="snip1Rect">
-              <a:avLst>
-                <a:gd name="adj" fmla="val 24772"/>
-              </a:avLst>
-            </a:prstGeom>
-            <a:noFill/>
-            <a:ln>
-              <a:solidFill>
-                <a:schemeClr val="tx1"/>
-              </a:solidFill>
-            </a:ln>
-          </p:spPr>
-          <p:style>
-            <a:lnRef idx="2">
-              <a:schemeClr val="accent1">
-                <a:shade val="50000"/>
-              </a:schemeClr>
-            </a:lnRef>
-            <a:fillRef idx="1">
-              <a:schemeClr val="accent1"/>
-            </a:fillRef>
-            <a:effectRef idx="0">
-              <a:schemeClr val="accent1"/>
-            </a:effectRef>
-            <a:fontRef idx="minor">
-              <a:schemeClr val="lt1"/>
-            </a:fontRef>
-          </p:style>
-          <p:txBody>
-            <a:bodyPr rtlCol="0" anchor="ctr"/>
-            <a:lstStyle/>
-            <a:p>
-              <a:pPr algn="ctr"/>
-              <a:r>
-                <a:rPr lang="en-US" altLang="ko-KR" sz="1200">
-                  <a:solidFill>
-                    <a:schemeClr val="tx1"/>
-                  </a:solidFill>
-                </a:rPr>
-                <a:t>ip.xpr</a:t>
-              </a:r>
-              <a:endParaRPr lang="ko-KR" altLang="en-US" sz="1200" dirty="0">
-                <a:solidFill>
-                  <a:schemeClr val="tx1"/>
-                </a:solidFill>
-              </a:endParaRPr>
-            </a:p>
-          </p:txBody>
-        </p:sp>
-        <p:cxnSp>
-          <p:nvCxnSpPr>
-            <p:cNvPr id="46" name="직선 연결선 45">
-              <a:extLst>
-                <a:ext uri="{FF2B5EF4-FFF2-40B4-BE49-F238E27FC236}">
-                  <a16:creationId xmlns:a16="http://schemas.microsoft.com/office/drawing/2014/main" id="{0C0C763B-B4CE-0C75-1C65-9B44771A606C}"/>
-                </a:ext>
-              </a:extLst>
-            </p:cNvPr>
-            <p:cNvCxnSpPr/>
-            <p:nvPr/>
-          </p:nvCxnSpPr>
-          <p:spPr>
-            <a:xfrm>
-              <a:off x="1853619" y="4816463"/>
-              <a:ext cx="576262" cy="0"/>
-            </a:xfrm>
-            <a:prstGeom prst="line">
-              <a:avLst/>
-            </a:prstGeom>
-            <a:ln w="15875"/>
-          </p:spPr>
-          <p:style>
-            <a:lnRef idx="1">
-              <a:schemeClr val="dk1"/>
-            </a:lnRef>
-            <a:fillRef idx="0">
-              <a:schemeClr val="dk1"/>
-            </a:fillRef>
-            <a:effectRef idx="0">
-              <a:schemeClr val="dk1"/>
-            </a:effectRef>
-            <a:fontRef idx="minor">
-              <a:schemeClr val="tx1"/>
-            </a:fontRef>
-          </p:style>
-        </p:cxnSp>
-        <p:cxnSp>
-          <p:nvCxnSpPr>
-            <p:cNvPr id="47" name="직선 연결선 46">
-              <a:extLst>
-                <a:ext uri="{FF2B5EF4-FFF2-40B4-BE49-F238E27FC236}">
-                  <a16:creationId xmlns:a16="http://schemas.microsoft.com/office/drawing/2014/main" id="{D73F8116-9213-933D-321E-1A9EF70DEF80}"/>
-                </a:ext>
-              </a:extLst>
-            </p:cNvPr>
-            <p:cNvCxnSpPr/>
-            <p:nvPr/>
-          </p:nvCxnSpPr>
-          <p:spPr>
-            <a:xfrm>
-              <a:off x="1853619" y="4912573"/>
-              <a:ext cx="576262" cy="0"/>
-            </a:xfrm>
-            <a:prstGeom prst="line">
-              <a:avLst/>
-            </a:prstGeom>
-            <a:ln w="15875"/>
-          </p:spPr>
-          <p:style>
-            <a:lnRef idx="1">
-              <a:schemeClr val="dk1"/>
-            </a:lnRef>
-            <a:fillRef idx="0">
-              <a:schemeClr val="dk1"/>
-            </a:fillRef>
-            <a:effectRef idx="0">
-              <a:schemeClr val="dk1"/>
-            </a:effectRef>
-            <a:fontRef idx="minor">
-              <a:schemeClr val="tx1"/>
-            </a:fontRef>
-          </p:style>
-        </p:cxnSp>
-        <p:cxnSp>
-          <p:nvCxnSpPr>
-            <p:cNvPr id="48" name="직선 연결선 47">
-              <a:extLst>
-                <a:ext uri="{FF2B5EF4-FFF2-40B4-BE49-F238E27FC236}">
-                  <a16:creationId xmlns:a16="http://schemas.microsoft.com/office/drawing/2014/main" id="{FA25D729-FC69-194B-963C-3BA3ED4079C2}"/>
-                </a:ext>
-              </a:extLst>
-            </p:cNvPr>
-            <p:cNvCxnSpPr/>
-            <p:nvPr/>
-          </p:nvCxnSpPr>
-          <p:spPr>
-            <a:xfrm>
-              <a:off x="1853619" y="5003060"/>
-              <a:ext cx="576262" cy="0"/>
-            </a:xfrm>
-            <a:prstGeom prst="line">
-              <a:avLst/>
-            </a:prstGeom>
-            <a:ln w="15875"/>
-          </p:spPr>
-          <p:style>
-            <a:lnRef idx="1">
-              <a:schemeClr val="dk1"/>
-            </a:lnRef>
-            <a:fillRef idx="0">
-              <a:schemeClr val="dk1"/>
-            </a:fillRef>
-            <a:effectRef idx="0">
-              <a:schemeClr val="dk1"/>
-            </a:effectRef>
-            <a:fontRef idx="minor">
-              <a:schemeClr val="tx1"/>
-            </a:fontRef>
-          </p:style>
-        </p:cxnSp>
-      </p:grpSp>
-      <p:sp>
-        <p:nvSpPr>
-          <p:cNvPr id="49" name="화살표: 아래쪽 48">
-            <a:extLst>
-              <a:ext uri="{FF2B5EF4-FFF2-40B4-BE49-F238E27FC236}">
-                <a16:creationId xmlns:a16="http://schemas.microsoft.com/office/drawing/2014/main" id="{BD752CC2-98CD-DDEC-BE80-E2EB8D74DEA1}"/>
-              </a:ext>
-            </a:extLst>
-          </p:cNvPr>
-          <p:cNvSpPr/>
-          <p:nvPr/>
-        </p:nvSpPr>
-        <p:spPr>
-          <a:xfrm rot="16200000">
-            <a:off x="4364683" y="3567912"/>
-            <a:ext cx="459298" cy="491227"/>
-          </a:xfrm>
-          <a:prstGeom prst="downArrow">
-            <a:avLst/>
-          </a:prstGeom>
-          <a:solidFill>
-            <a:schemeClr val="tx2"/>
-          </a:solidFill>
-          <a:ln>
-            <a:solidFill>
-              <a:schemeClr val="tx2"/>
-            </a:solidFill>
-          </a:ln>
-        </p:spPr>
-        <p:style>
-          <a:lnRef idx="2">
-            <a:schemeClr val="accent1">
-              <a:shade val="15000"/>
-            </a:schemeClr>
-          </a:lnRef>
-          <a:fillRef idx="1">
-            <a:schemeClr val="accent1"/>
-          </a:fillRef>
-          <a:effectRef idx="0">
-            <a:schemeClr val="accent1"/>
-          </a:effectRef>
-          <a:fontRef idx="minor">
-            <a:schemeClr val="lt1"/>
-          </a:fontRef>
-        </p:style>
-        <p:txBody>
-          <a:bodyPr rtlCol="0" anchor="ctr"/>
-          <a:lstStyle/>
-          <a:p>
-            <a:pPr algn="ctr"/>
-            <a:endParaRPr lang="ko-KR" altLang="en-US"/>
-          </a:p>
-        </p:txBody>
-      </p:sp>
-      <p:sp>
-        <p:nvSpPr>
-          <p:cNvPr id="50" name="화살표: 아래쪽 49">
-            <a:extLst>
-              <a:ext uri="{FF2B5EF4-FFF2-40B4-BE49-F238E27FC236}">
-                <a16:creationId xmlns:a16="http://schemas.microsoft.com/office/drawing/2014/main" id="{B3357E3E-70A1-89E8-3511-4360094A5421}"/>
-              </a:ext>
-            </a:extLst>
-          </p:cNvPr>
-          <p:cNvSpPr/>
-          <p:nvPr/>
-        </p:nvSpPr>
-        <p:spPr>
-          <a:xfrm rot="16200000">
-            <a:off x="6254997" y="3567912"/>
-            <a:ext cx="459298" cy="491227"/>
-          </a:xfrm>
-          <a:prstGeom prst="downArrow">
-            <a:avLst/>
-          </a:prstGeom>
-          <a:solidFill>
-            <a:schemeClr val="tx2"/>
-          </a:solidFill>
-          <a:ln>
-            <a:solidFill>
-              <a:schemeClr val="tx2"/>
-            </a:solidFill>
-          </a:ln>
-        </p:spPr>
-        <p:style>
-          <a:lnRef idx="2">
-            <a:schemeClr val="accent1">
-              <a:shade val="15000"/>
-            </a:schemeClr>
-          </a:lnRef>
-          <a:fillRef idx="1">
-            <a:schemeClr val="accent1"/>
-          </a:fillRef>
-          <a:effectRef idx="0">
-            <a:schemeClr val="accent1"/>
-          </a:effectRef>
-          <a:fontRef idx="minor">
-            <a:schemeClr val="lt1"/>
-          </a:fontRef>
-        </p:style>
-        <p:txBody>
-          <a:bodyPr rtlCol="0" anchor="ctr"/>
-          <a:lstStyle/>
-          <a:p>
-            <a:pPr algn="ctr"/>
-            <a:endParaRPr lang="ko-KR" altLang="en-US"/>
-          </a:p>
-        </p:txBody>
-      </p:sp>
-      <p:pic>
-        <p:nvPicPr>
-          <p:cNvPr id="1026" name="Picture 2" descr="비바도 리눅스 환경 설치 후 실행 법">
-            <a:extLst>
-              <a:ext uri="{FF2B5EF4-FFF2-40B4-BE49-F238E27FC236}">
-                <a16:creationId xmlns:a16="http://schemas.microsoft.com/office/drawing/2014/main" id="{06D472DA-6E84-8617-8E86-37A1D3DEA59C}"/>
-              </a:ext>
-            </a:extLst>
-          </p:cNvPr>
-          <p:cNvPicPr>
-            <a:picLocks noChangeAspect="1" noChangeArrowheads="1"/>
-          </p:cNvPicPr>
-          <p:nvPr/>
-        </p:nvPicPr>
-        <p:blipFill>
-          <a:blip r:embed="rId3">
-            <a:extLst>
-              <a:ext uri="{28A0092B-C50C-407E-A947-70E740481C1C}">
-                <a14:useLocalDpi xmlns:a14="http://schemas.microsoft.com/office/drawing/2010/main" val="0"/>
-              </a:ext>
-            </a:extLst>
-          </a:blip>
-          <a:srcRect/>
-          <a:stretch>
-            <a:fillRect/>
-          </a:stretch>
-        </p:blipFill>
-        <p:spPr bwMode="auto">
-          <a:xfrm>
-            <a:off x="6876872" y="3431054"/>
-            <a:ext cx="1713971" cy="559399"/>
-          </a:xfrm>
-          <a:prstGeom prst="rect">
-            <a:avLst/>
-          </a:prstGeom>
-          <a:noFill/>
-          <a:extLst>
-            <a:ext uri="{909E8E84-426E-40DD-AFC4-6F175D3DCCD1}">
-              <a14:hiddenFill xmlns:a14="http://schemas.microsoft.com/office/drawing/2010/main">
-                <a:solidFill>
-                  <a:srgbClr val="FFFFFF"/>
-                </a:solidFill>
-              </a14:hiddenFill>
-            </a:ext>
-          </a:extLst>
-        </p:spPr>
-      </p:pic>
-      <p:sp>
-        <p:nvSpPr>
-          <p:cNvPr id="51" name="TextBox 50">
-            <a:extLst>
-              <a:ext uri="{FF2B5EF4-FFF2-40B4-BE49-F238E27FC236}">
-                <a16:creationId xmlns:a16="http://schemas.microsoft.com/office/drawing/2014/main" id="{B112A422-0147-BD44-17E1-F89151B903A7}"/>
-              </a:ext>
-            </a:extLst>
-          </p:cNvPr>
-          <p:cNvSpPr txBox="1"/>
-          <p:nvPr/>
-        </p:nvSpPr>
-        <p:spPr>
-          <a:xfrm>
-            <a:off x="5481064" y="4195913"/>
-            <a:ext cx="2165786" cy="369332"/>
-          </a:xfrm>
-          <a:prstGeom prst="rect">
-            <a:avLst/>
-          </a:prstGeom>
-          <a:noFill/>
-        </p:spPr>
-        <p:txBody>
-          <a:bodyPr wrap="none" rtlCol="0">
-            <a:spAutoFit/>
-          </a:bodyPr>
-          <a:lstStyle/>
-          <a:p>
-            <a:pPr algn="ctr"/>
-            <a:r>
-              <a:rPr lang="en-US" altLang="ko-KR"/>
-              <a:t>Call Vivado in python</a:t>
-            </a:r>
-            <a:endParaRPr lang="ko-KR" altLang="en-US"/>
-          </a:p>
-        </p:txBody>
-      </p:sp>
-    </p:spTree>
-    <p:extLst>
-      <p:ext uri="{BB962C8B-B14F-4D97-AF65-F5344CB8AC3E}">
-        <p14:creationId xmlns:p14="http://schemas.microsoft.com/office/powerpoint/2010/main" val="3977183687"/>
-      </p:ext>
-    </p:extLst>
-  </p:cSld>
-  <p:clrMapOvr>
-    <a:masterClrMapping/>
-  </p:clrMapOvr>
-</p:sld>
-</file>
-
-<file path=ppt/slides/slide8.xml><?xml version="1.0" encoding="utf-8"?>
-<p:sld xmlns:a="http://schemas.openxmlformats.org/drawingml/2006/main" xmlns:r="http://schemas.openxmlformats.org/officeDocument/2006/relationships" xmlns:p="http://schemas.openxmlformats.org/presentationml/2006/main">
-  <p:cSld>
-    <p:spTree>
-      <p:nvGrpSpPr>
-        <p:cNvPr id="1" name=""/>
-        <p:cNvGrpSpPr/>
-        <p:nvPr/>
-      </p:nvGrpSpPr>
-      <p:grpSpPr>
-        <a:xfrm>
-          <a:off x="0" y="0"/>
-          <a:ext cx="0" cy="0"/>
-          <a:chOff x="0" y="0"/>
-          <a:chExt cx="0" cy="0"/>
-        </a:xfrm>
-      </p:grpSpPr>
-      <p:sp>
-        <p:nvSpPr>
-          <p:cNvPr id="2" name="제목 1">
-            <a:extLst>
-              <a:ext uri="{FF2B5EF4-FFF2-40B4-BE49-F238E27FC236}">
-                <a16:creationId xmlns:a16="http://schemas.microsoft.com/office/drawing/2014/main" id="{44F4DE17-88C9-271B-8E67-9BB5ACE567FE}"/>
-              </a:ext>
-            </a:extLst>
-          </p:cNvPr>
-          <p:cNvSpPr>
-            <a:spLocks noGrp="1"/>
-          </p:cNvSpPr>
-          <p:nvPr>
-            <p:ph type="title"/>
-          </p:nvPr>
-        </p:nvSpPr>
-        <p:spPr/>
-        <p:txBody>
-          <a:bodyPr/>
-          <a:lstStyle/>
-          <a:p>
-            <a:r>
-              <a:rPr lang="en-US" altLang="ko-KR"/>
-              <a:t>Block Design Creation</a:t>
-            </a:r>
-            <a:endParaRPr lang="ko-KR" altLang="en-US"/>
-          </a:p>
-        </p:txBody>
-      </p:sp>
-      <p:sp>
-        <p:nvSpPr>
-          <p:cNvPr id="4" name="날짜 개체 틀 3">
-            <a:extLst>
-              <a:ext uri="{FF2B5EF4-FFF2-40B4-BE49-F238E27FC236}">
-                <a16:creationId xmlns:a16="http://schemas.microsoft.com/office/drawing/2014/main" id="{BF4BD4B3-4DD2-21A5-A25A-DB9ED0F9E0E5}"/>
-              </a:ext>
-            </a:extLst>
-          </p:cNvPr>
-          <p:cNvSpPr>
-            <a:spLocks noGrp="1"/>
-          </p:cNvSpPr>
-          <p:nvPr>
-            <p:ph type="dt" sz="half" idx="10"/>
-          </p:nvPr>
-        </p:nvSpPr>
-        <p:spPr/>
-        <p:txBody>
-          <a:bodyPr/>
-          <a:lstStyle/>
-          <a:p>
-            <a:r>
-              <a:rPr kumimoji="1" lang="en-US" altLang="ko-KR">
-                <a:ea typeface="Verdana" panose="020B0604030504040204" pitchFamily="34" charset="0"/>
-              </a:rPr>
-              <a:t>2023. 3. 29.</a:t>
-            </a:r>
-            <a:endParaRPr kumimoji="1" lang="ko-Kore-KR" altLang="en-US" dirty="0"/>
-          </a:p>
-        </p:txBody>
-      </p:sp>
-      <p:pic>
-        <p:nvPicPr>
-          <p:cNvPr id="6" name="그림 5">
-            <a:extLst>
-              <a:ext uri="{FF2B5EF4-FFF2-40B4-BE49-F238E27FC236}">
-                <a16:creationId xmlns:a16="http://schemas.microsoft.com/office/drawing/2014/main" id="{0D24897E-5209-B838-75A1-985B17362C54}"/>
-              </a:ext>
-            </a:extLst>
-          </p:cNvPr>
-          <p:cNvPicPr>
-            <a:picLocks noChangeAspect="1"/>
-          </p:cNvPicPr>
-          <p:nvPr/>
-        </p:nvPicPr>
-        <p:blipFill>
-          <a:blip r:embed="rId2"/>
-          <a:stretch>
-            <a:fillRect/>
-          </a:stretch>
-        </p:blipFill>
-        <p:spPr>
-          <a:xfrm>
-            <a:off x="85344" y="1622589"/>
-            <a:ext cx="5565374" cy="4158310"/>
-          </a:xfrm>
-          <a:prstGeom prst="rect">
-            <a:avLst/>
-          </a:prstGeom>
-        </p:spPr>
-      </p:pic>
-      <p:grpSp>
-        <p:nvGrpSpPr>
-          <p:cNvPr id="7" name="그룹 6">
-            <a:extLst>
-              <a:ext uri="{FF2B5EF4-FFF2-40B4-BE49-F238E27FC236}">
-                <a16:creationId xmlns:a16="http://schemas.microsoft.com/office/drawing/2014/main" id="{36D58A9C-89B8-7B7D-CD21-187AD7ECD927}"/>
-              </a:ext>
-            </a:extLst>
-          </p:cNvPr>
-          <p:cNvGrpSpPr/>
-          <p:nvPr/>
-        </p:nvGrpSpPr>
-        <p:grpSpPr>
-          <a:xfrm>
-            <a:off x="8089599" y="1342274"/>
-            <a:ext cx="900113" cy="714375"/>
-            <a:chOff x="1600200" y="5600700"/>
-            <a:chExt cx="900113" cy="714375"/>
-          </a:xfrm>
-        </p:grpSpPr>
-        <p:sp>
-          <p:nvSpPr>
-            <p:cNvPr id="8" name="사각형: 잘린 한쪽 모서리 7">
-              <a:extLst>
-                <a:ext uri="{FF2B5EF4-FFF2-40B4-BE49-F238E27FC236}">
-                  <a16:creationId xmlns:a16="http://schemas.microsoft.com/office/drawing/2014/main" id="{6B636981-7CA2-4806-A6A2-24AF08E8E524}"/>
-                </a:ext>
-              </a:extLst>
-            </p:cNvPr>
-            <p:cNvSpPr/>
-            <p:nvPr/>
-          </p:nvSpPr>
-          <p:spPr>
-            <a:xfrm>
-              <a:off x="1600200" y="5631475"/>
-              <a:ext cx="452438" cy="452438"/>
-            </a:xfrm>
-            <a:prstGeom prst="snip1Rect">
-              <a:avLst/>
-            </a:prstGeom>
-            <a:solidFill>
-              <a:schemeClr val="accent4">
-                <a:lumMod val="75000"/>
-              </a:schemeClr>
-            </a:solidFill>
-            <a:ln>
-              <a:solidFill>
-                <a:schemeClr val="tx1"/>
-              </a:solidFill>
-            </a:ln>
-          </p:spPr>
-          <p:style>
-            <a:lnRef idx="2">
-              <a:schemeClr val="accent1">
-                <a:shade val="50000"/>
-              </a:schemeClr>
-            </a:lnRef>
-            <a:fillRef idx="1">
-              <a:schemeClr val="accent1"/>
-            </a:fillRef>
-            <a:effectRef idx="0">
-              <a:schemeClr val="accent1"/>
-            </a:effectRef>
-            <a:fontRef idx="minor">
-              <a:schemeClr val="lt1"/>
-            </a:fontRef>
-          </p:style>
-          <p:txBody>
-            <a:bodyPr rtlCol="0" anchor="ctr"/>
-            <a:lstStyle/>
-            <a:p>
-              <a:pPr algn="ctr"/>
-              <a:endParaRPr lang="ko-KR" altLang="en-US" sz="1200">
-                <a:solidFill>
-                  <a:schemeClr val="tx1"/>
-                </a:solidFill>
-              </a:endParaRPr>
-            </a:p>
-          </p:txBody>
-        </p:sp>
-        <p:sp>
-          <p:nvSpPr>
-            <p:cNvPr id="9" name="자유형: 도형 8">
-              <a:extLst>
-                <a:ext uri="{FF2B5EF4-FFF2-40B4-BE49-F238E27FC236}">
-                  <a16:creationId xmlns:a16="http://schemas.microsoft.com/office/drawing/2014/main" id="{46949507-BC44-3E57-3CC5-B6B306D087B1}"/>
-                </a:ext>
-              </a:extLst>
-            </p:cNvPr>
-            <p:cNvSpPr/>
-            <p:nvPr/>
-          </p:nvSpPr>
-          <p:spPr>
-            <a:xfrm>
-              <a:off x="1600201" y="5600700"/>
-              <a:ext cx="900112" cy="714375"/>
-            </a:xfrm>
-            <a:custGeom>
-              <a:avLst/>
-              <a:gdLst>
-                <a:gd name="connsiteX0" fmla="*/ 533400 w 900112"/>
-                <a:gd name="connsiteY0" fmla="*/ 0 h 714375"/>
-                <a:gd name="connsiteX1" fmla="*/ 388143 w 900112"/>
-                <a:gd name="connsiteY1" fmla="*/ 145257 h 714375"/>
-                <a:gd name="connsiteX2" fmla="*/ 0 w 900112"/>
-                <a:gd name="connsiteY2" fmla="*/ 145257 h 714375"/>
-                <a:gd name="connsiteX3" fmla="*/ 0 w 900112"/>
-                <a:gd name="connsiteY3" fmla="*/ 714375 h 714375"/>
-                <a:gd name="connsiteX4" fmla="*/ 900112 w 900112"/>
-                <a:gd name="connsiteY4" fmla="*/ 714375 h 714375"/>
-                <a:gd name="connsiteX5" fmla="*/ 900112 w 900112"/>
-                <a:gd name="connsiteY5" fmla="*/ 4763 h 714375"/>
-                <a:gd name="connsiteX6" fmla="*/ 533400 w 900112"/>
-                <a:gd name="connsiteY6" fmla="*/ 0 h 714375"/>
-              </a:gdLst>
-              <a:ahLst/>
-              <a:cxnLst>
-                <a:cxn ang="0">
-                  <a:pos x="connsiteX0" y="connsiteY0"/>
-                </a:cxn>
-                <a:cxn ang="0">
-                  <a:pos x="connsiteX1" y="connsiteY1"/>
-                </a:cxn>
-                <a:cxn ang="0">
-                  <a:pos x="connsiteX2" y="connsiteY2"/>
-                </a:cxn>
-                <a:cxn ang="0">
-                  <a:pos x="connsiteX3" y="connsiteY3"/>
-                </a:cxn>
-                <a:cxn ang="0">
-                  <a:pos x="connsiteX4" y="connsiteY4"/>
-                </a:cxn>
-                <a:cxn ang="0">
-                  <a:pos x="connsiteX5" y="connsiteY5"/>
-                </a:cxn>
-                <a:cxn ang="0">
-                  <a:pos x="connsiteX6" y="connsiteY6"/>
-                </a:cxn>
-              </a:cxnLst>
-              <a:rect l="l" t="t" r="r" b="b"/>
-              <a:pathLst>
-                <a:path w="900112" h="714375">
-                  <a:moveTo>
-                    <a:pt x="533400" y="0"/>
-                  </a:moveTo>
-                  <a:lnTo>
-                    <a:pt x="388143" y="145257"/>
-                  </a:lnTo>
-                  <a:lnTo>
-                    <a:pt x="0" y="145257"/>
-                  </a:lnTo>
-                  <a:lnTo>
-                    <a:pt x="0" y="714375"/>
-                  </a:lnTo>
-                  <a:lnTo>
-                    <a:pt x="900112" y="714375"/>
-                  </a:lnTo>
-                  <a:lnTo>
-                    <a:pt x="900112" y="4763"/>
-                  </a:lnTo>
-                  <a:lnTo>
-                    <a:pt x="533400" y="0"/>
-                  </a:lnTo>
-                  <a:close/>
-                </a:path>
-              </a:pathLst>
-            </a:custGeom>
-            <a:solidFill>
-              <a:schemeClr val="accent4">
-                <a:lumMod val="60000"/>
-                <a:lumOff val="40000"/>
-              </a:schemeClr>
-            </a:solidFill>
-            <a:ln>
-              <a:solidFill>
-                <a:schemeClr val="tx1"/>
-              </a:solidFill>
-            </a:ln>
-          </p:spPr>
-          <p:style>
-            <a:lnRef idx="2">
-              <a:schemeClr val="accent1">
-                <a:shade val="50000"/>
-              </a:schemeClr>
-            </a:lnRef>
-            <a:fillRef idx="1">
-              <a:schemeClr val="accent1"/>
-            </a:fillRef>
-            <a:effectRef idx="0">
-              <a:schemeClr val="accent1"/>
-            </a:effectRef>
-            <a:fontRef idx="minor">
-              <a:schemeClr val="lt1"/>
-            </a:fontRef>
-          </p:style>
-          <p:txBody>
-            <a:bodyPr rtlCol="0" anchor="ctr"/>
-            <a:lstStyle/>
-            <a:p>
-              <a:pPr algn="ctr"/>
-              <a:endParaRPr lang="en-US" altLang="ko-KR" sz="1200" dirty="0">
-                <a:solidFill>
-                  <a:schemeClr val="tx1"/>
-                </a:solidFill>
-              </a:endParaRPr>
-            </a:p>
-            <a:p>
-              <a:pPr algn="ctr"/>
-              <a:r>
-                <a:rPr lang="en-US" altLang="ko-KR" sz="1200">
-                  <a:solidFill>
-                    <a:schemeClr val="tx1"/>
-                  </a:solidFill>
-                </a:rPr>
-                <a:t>/main_dir</a:t>
-              </a:r>
-              <a:endParaRPr lang="ko-KR" altLang="en-US" sz="1200" dirty="0">
-                <a:solidFill>
-                  <a:schemeClr val="tx1"/>
-                </a:solidFill>
-              </a:endParaRPr>
-            </a:p>
-          </p:txBody>
-        </p:sp>
-      </p:grpSp>
-      <p:grpSp>
-        <p:nvGrpSpPr>
-          <p:cNvPr id="10" name="그룹 9">
-            <a:extLst>
-              <a:ext uri="{FF2B5EF4-FFF2-40B4-BE49-F238E27FC236}">
-                <a16:creationId xmlns:a16="http://schemas.microsoft.com/office/drawing/2014/main" id="{DDB390AC-59B2-ACA3-0A26-91FE6D40CEDD}"/>
-              </a:ext>
-            </a:extLst>
-          </p:cNvPr>
-          <p:cNvGrpSpPr/>
-          <p:nvPr/>
-        </p:nvGrpSpPr>
-        <p:grpSpPr>
-          <a:xfrm>
-            <a:off x="8159794" y="2384755"/>
-            <a:ext cx="759724" cy="866400"/>
-            <a:chOff x="1803216" y="4681679"/>
-            <a:chExt cx="759724" cy="866400"/>
-          </a:xfrm>
-        </p:grpSpPr>
-        <p:sp>
-          <p:nvSpPr>
-            <p:cNvPr id="11" name="사각형: 잘린 한쪽 모서리 10">
-              <a:extLst>
-                <a:ext uri="{FF2B5EF4-FFF2-40B4-BE49-F238E27FC236}">
-                  <a16:creationId xmlns:a16="http://schemas.microsoft.com/office/drawing/2014/main" id="{EE408B63-9426-B20E-D6B8-079A3F5058B0}"/>
-                </a:ext>
-              </a:extLst>
-            </p:cNvPr>
-            <p:cNvSpPr/>
-            <p:nvPr/>
-          </p:nvSpPr>
-          <p:spPr>
-            <a:xfrm>
-              <a:off x="1803216" y="4681679"/>
-              <a:ext cx="759724" cy="866400"/>
-            </a:xfrm>
-            <a:prstGeom prst="snip1Rect">
-              <a:avLst>
-                <a:gd name="adj" fmla="val 24772"/>
-              </a:avLst>
-            </a:prstGeom>
-            <a:noFill/>
-            <a:ln>
-              <a:solidFill>
-                <a:schemeClr val="tx1"/>
-              </a:solidFill>
-            </a:ln>
-          </p:spPr>
-          <p:style>
-            <a:lnRef idx="2">
-              <a:schemeClr val="accent1">
-                <a:shade val="50000"/>
-              </a:schemeClr>
-            </a:lnRef>
-            <a:fillRef idx="1">
-              <a:schemeClr val="accent1"/>
-            </a:fillRef>
-            <a:effectRef idx="0">
-              <a:schemeClr val="accent1"/>
-            </a:effectRef>
-            <a:fontRef idx="minor">
-              <a:schemeClr val="lt1"/>
-            </a:fontRef>
-          </p:style>
-          <p:txBody>
-            <a:bodyPr rtlCol="0" anchor="ctr"/>
-            <a:lstStyle/>
-            <a:p>
-              <a:pPr algn="ctr"/>
-              <a:r>
-                <a:rPr lang="en-US" altLang="ko-KR" sz="1200">
-                  <a:solidFill>
-                    <a:schemeClr val="tx1"/>
-                  </a:solidFill>
-                </a:rPr>
-                <a:t>ip3.xdc</a:t>
-              </a:r>
-              <a:endParaRPr lang="ko-KR" altLang="en-US" sz="1200" dirty="0">
-                <a:solidFill>
-                  <a:schemeClr val="tx1"/>
-                </a:solidFill>
-              </a:endParaRPr>
-            </a:p>
-          </p:txBody>
-        </p:sp>
-        <p:cxnSp>
-          <p:nvCxnSpPr>
-            <p:cNvPr id="12" name="직선 연결선 11">
-              <a:extLst>
-                <a:ext uri="{FF2B5EF4-FFF2-40B4-BE49-F238E27FC236}">
-                  <a16:creationId xmlns:a16="http://schemas.microsoft.com/office/drawing/2014/main" id="{EAE5F552-82BD-6BE9-8F2D-450D067C361B}"/>
-                </a:ext>
-              </a:extLst>
-            </p:cNvPr>
-            <p:cNvCxnSpPr/>
-            <p:nvPr/>
-          </p:nvCxnSpPr>
-          <p:spPr>
-            <a:xfrm>
-              <a:off x="1853619" y="4816463"/>
-              <a:ext cx="576262" cy="0"/>
-            </a:xfrm>
-            <a:prstGeom prst="line">
-              <a:avLst/>
-            </a:prstGeom>
-            <a:ln w="15875"/>
-          </p:spPr>
-          <p:style>
-            <a:lnRef idx="1">
-              <a:schemeClr val="dk1"/>
-            </a:lnRef>
-            <a:fillRef idx="0">
-              <a:schemeClr val="dk1"/>
-            </a:fillRef>
-            <a:effectRef idx="0">
-              <a:schemeClr val="dk1"/>
-            </a:effectRef>
-            <a:fontRef idx="minor">
-              <a:schemeClr val="tx1"/>
-            </a:fontRef>
-          </p:style>
-        </p:cxnSp>
-        <p:cxnSp>
-          <p:nvCxnSpPr>
-            <p:cNvPr id="13" name="직선 연결선 12">
-              <a:extLst>
-                <a:ext uri="{FF2B5EF4-FFF2-40B4-BE49-F238E27FC236}">
-                  <a16:creationId xmlns:a16="http://schemas.microsoft.com/office/drawing/2014/main" id="{4DB07635-4AE2-8B76-0B49-5DE9E5127CCD}"/>
-                </a:ext>
-              </a:extLst>
-            </p:cNvPr>
-            <p:cNvCxnSpPr/>
-            <p:nvPr/>
-          </p:nvCxnSpPr>
-          <p:spPr>
-            <a:xfrm>
-              <a:off x="1853619" y="4912573"/>
-              <a:ext cx="576262" cy="0"/>
-            </a:xfrm>
-            <a:prstGeom prst="line">
-              <a:avLst/>
-            </a:prstGeom>
-            <a:ln w="15875"/>
-          </p:spPr>
-          <p:style>
-            <a:lnRef idx="1">
-              <a:schemeClr val="dk1"/>
-            </a:lnRef>
-            <a:fillRef idx="0">
-              <a:schemeClr val="dk1"/>
-            </a:fillRef>
-            <a:effectRef idx="0">
-              <a:schemeClr val="dk1"/>
-            </a:effectRef>
-            <a:fontRef idx="minor">
-              <a:schemeClr val="tx1"/>
-            </a:fontRef>
-          </p:style>
-        </p:cxnSp>
-        <p:cxnSp>
-          <p:nvCxnSpPr>
-            <p:cNvPr id="14" name="직선 연결선 13">
-              <a:extLst>
-                <a:ext uri="{FF2B5EF4-FFF2-40B4-BE49-F238E27FC236}">
-                  <a16:creationId xmlns:a16="http://schemas.microsoft.com/office/drawing/2014/main" id="{EB9136CA-F565-F155-D92D-455C53A66DA8}"/>
-                </a:ext>
-              </a:extLst>
-            </p:cNvPr>
-            <p:cNvCxnSpPr/>
-            <p:nvPr/>
-          </p:nvCxnSpPr>
-          <p:spPr>
-            <a:xfrm>
-              <a:off x="1853619" y="5003060"/>
-              <a:ext cx="576262" cy="0"/>
-            </a:xfrm>
-            <a:prstGeom prst="line">
-              <a:avLst/>
-            </a:prstGeom>
-            <a:ln w="15875"/>
-          </p:spPr>
-          <p:style>
-            <a:lnRef idx="1">
-              <a:schemeClr val="dk1"/>
-            </a:lnRef>
-            <a:fillRef idx="0">
-              <a:schemeClr val="dk1"/>
-            </a:fillRef>
-            <a:effectRef idx="0">
-              <a:schemeClr val="dk1"/>
-            </a:effectRef>
-            <a:fontRef idx="minor">
-              <a:schemeClr val="tx1"/>
-            </a:fontRef>
-          </p:style>
-        </p:cxnSp>
-      </p:grpSp>
-      <p:grpSp>
-        <p:nvGrpSpPr>
-          <p:cNvPr id="15" name="그룹 14">
-            <a:extLst>
-              <a:ext uri="{FF2B5EF4-FFF2-40B4-BE49-F238E27FC236}">
-                <a16:creationId xmlns:a16="http://schemas.microsoft.com/office/drawing/2014/main" id="{A75ABF18-6D9E-955C-6C01-D5B68105DC7C}"/>
-              </a:ext>
-            </a:extLst>
-          </p:cNvPr>
-          <p:cNvGrpSpPr/>
-          <p:nvPr/>
-        </p:nvGrpSpPr>
-        <p:grpSpPr>
-          <a:xfrm>
-            <a:off x="10168951" y="4338460"/>
-            <a:ext cx="900113" cy="714375"/>
-            <a:chOff x="1600200" y="5600700"/>
-            <a:chExt cx="900113" cy="714375"/>
-          </a:xfrm>
-        </p:grpSpPr>
-        <p:sp>
-          <p:nvSpPr>
-            <p:cNvPr id="16" name="사각형: 잘린 한쪽 모서리 15">
-              <a:extLst>
-                <a:ext uri="{FF2B5EF4-FFF2-40B4-BE49-F238E27FC236}">
-                  <a16:creationId xmlns:a16="http://schemas.microsoft.com/office/drawing/2014/main" id="{A3FC71F0-392C-8FAC-DA87-E89F2F978532}"/>
-                </a:ext>
-              </a:extLst>
-            </p:cNvPr>
-            <p:cNvSpPr/>
-            <p:nvPr/>
-          </p:nvSpPr>
-          <p:spPr>
-            <a:xfrm>
-              <a:off x="1600200" y="5631475"/>
-              <a:ext cx="452438" cy="452438"/>
-            </a:xfrm>
-            <a:prstGeom prst="snip1Rect">
-              <a:avLst/>
-            </a:prstGeom>
-            <a:solidFill>
-              <a:schemeClr val="accent4">
-                <a:lumMod val="75000"/>
-              </a:schemeClr>
-            </a:solidFill>
-            <a:ln>
-              <a:solidFill>
-                <a:schemeClr val="tx1"/>
-              </a:solidFill>
-            </a:ln>
-          </p:spPr>
-          <p:style>
-            <a:lnRef idx="2">
-              <a:schemeClr val="accent1">
-                <a:shade val="50000"/>
-              </a:schemeClr>
-            </a:lnRef>
-            <a:fillRef idx="1">
-              <a:schemeClr val="accent1"/>
-            </a:fillRef>
-            <a:effectRef idx="0">
-              <a:schemeClr val="accent1"/>
-            </a:effectRef>
-            <a:fontRef idx="minor">
-              <a:schemeClr val="lt1"/>
-            </a:fontRef>
-          </p:style>
-          <p:txBody>
-            <a:bodyPr rtlCol="0" anchor="ctr"/>
-            <a:lstStyle/>
-            <a:p>
-              <a:pPr algn="ctr"/>
-              <a:endParaRPr lang="ko-KR" altLang="en-US" sz="1200">
-                <a:solidFill>
-                  <a:schemeClr val="tx1"/>
-                </a:solidFill>
-              </a:endParaRPr>
-            </a:p>
-          </p:txBody>
-        </p:sp>
-        <p:sp>
-          <p:nvSpPr>
-            <p:cNvPr id="17" name="자유형: 도형 16">
-              <a:extLst>
-                <a:ext uri="{FF2B5EF4-FFF2-40B4-BE49-F238E27FC236}">
-                  <a16:creationId xmlns:a16="http://schemas.microsoft.com/office/drawing/2014/main" id="{49BDF792-E8BF-8087-37EE-853A8CCF9790}"/>
-                </a:ext>
-              </a:extLst>
-            </p:cNvPr>
-            <p:cNvSpPr/>
-            <p:nvPr/>
-          </p:nvSpPr>
-          <p:spPr>
-            <a:xfrm>
-              <a:off x="1600201" y="5600700"/>
-              <a:ext cx="900112" cy="714375"/>
-            </a:xfrm>
-            <a:custGeom>
-              <a:avLst/>
-              <a:gdLst>
-                <a:gd name="connsiteX0" fmla="*/ 533400 w 900112"/>
-                <a:gd name="connsiteY0" fmla="*/ 0 h 714375"/>
-                <a:gd name="connsiteX1" fmla="*/ 388143 w 900112"/>
-                <a:gd name="connsiteY1" fmla="*/ 145257 h 714375"/>
-                <a:gd name="connsiteX2" fmla="*/ 0 w 900112"/>
-                <a:gd name="connsiteY2" fmla="*/ 145257 h 714375"/>
-                <a:gd name="connsiteX3" fmla="*/ 0 w 900112"/>
-                <a:gd name="connsiteY3" fmla="*/ 714375 h 714375"/>
-                <a:gd name="connsiteX4" fmla="*/ 900112 w 900112"/>
-                <a:gd name="connsiteY4" fmla="*/ 714375 h 714375"/>
-                <a:gd name="connsiteX5" fmla="*/ 900112 w 900112"/>
-                <a:gd name="connsiteY5" fmla="*/ 4763 h 714375"/>
-                <a:gd name="connsiteX6" fmla="*/ 533400 w 900112"/>
-                <a:gd name="connsiteY6" fmla="*/ 0 h 714375"/>
-              </a:gdLst>
-              <a:ahLst/>
-              <a:cxnLst>
-                <a:cxn ang="0">
-                  <a:pos x="connsiteX0" y="connsiteY0"/>
-                </a:cxn>
-                <a:cxn ang="0">
-                  <a:pos x="connsiteX1" y="connsiteY1"/>
-                </a:cxn>
-                <a:cxn ang="0">
-                  <a:pos x="connsiteX2" y="connsiteY2"/>
-                </a:cxn>
-                <a:cxn ang="0">
-                  <a:pos x="connsiteX3" y="connsiteY3"/>
-                </a:cxn>
-                <a:cxn ang="0">
-                  <a:pos x="connsiteX4" y="connsiteY4"/>
-                </a:cxn>
-                <a:cxn ang="0">
-                  <a:pos x="connsiteX5" y="connsiteY5"/>
-                </a:cxn>
-                <a:cxn ang="0">
-                  <a:pos x="connsiteX6" y="connsiteY6"/>
-                </a:cxn>
-              </a:cxnLst>
-              <a:rect l="l" t="t" r="r" b="b"/>
-              <a:pathLst>
-                <a:path w="900112" h="714375">
-                  <a:moveTo>
-                    <a:pt x="533400" y="0"/>
-                  </a:moveTo>
-                  <a:lnTo>
-                    <a:pt x="388143" y="145257"/>
-                  </a:lnTo>
-                  <a:lnTo>
-                    <a:pt x="0" y="145257"/>
-                  </a:lnTo>
-                  <a:lnTo>
-                    <a:pt x="0" y="714375"/>
-                  </a:lnTo>
-                  <a:lnTo>
-                    <a:pt x="900112" y="714375"/>
-                  </a:lnTo>
-                  <a:lnTo>
-                    <a:pt x="900112" y="4763"/>
-                  </a:lnTo>
-                  <a:lnTo>
-                    <a:pt x="533400" y="0"/>
-                  </a:lnTo>
-                  <a:close/>
-                </a:path>
-              </a:pathLst>
-            </a:custGeom>
-            <a:solidFill>
-              <a:schemeClr val="accent4">
-                <a:lumMod val="60000"/>
-                <a:lumOff val="40000"/>
-              </a:schemeClr>
-            </a:solidFill>
-            <a:ln>
-              <a:solidFill>
-                <a:schemeClr val="tx1"/>
-              </a:solidFill>
-            </a:ln>
-          </p:spPr>
-          <p:style>
-            <a:lnRef idx="2">
-              <a:schemeClr val="accent1">
-                <a:shade val="50000"/>
-              </a:schemeClr>
-            </a:lnRef>
-            <a:fillRef idx="1">
-              <a:schemeClr val="accent1"/>
-            </a:fillRef>
-            <a:effectRef idx="0">
-              <a:schemeClr val="accent1"/>
-            </a:effectRef>
-            <a:fontRef idx="minor">
-              <a:schemeClr val="lt1"/>
-            </a:fontRef>
-          </p:style>
-          <p:txBody>
-            <a:bodyPr rtlCol="0" anchor="ctr"/>
-            <a:lstStyle/>
-            <a:p>
-              <a:pPr algn="ctr"/>
-              <a:endParaRPr lang="en-US" altLang="ko-KR" sz="1200" dirty="0">
-                <a:solidFill>
-                  <a:schemeClr val="tx1"/>
-                </a:solidFill>
-              </a:endParaRPr>
-            </a:p>
-            <a:p>
-              <a:pPr algn="ctr"/>
-              <a:r>
-                <a:rPr lang="en-US" altLang="ko-KR" sz="1200">
-                  <a:solidFill>
-                    <a:schemeClr val="tx1"/>
-                  </a:solidFill>
-                </a:rPr>
-                <a:t>/prj_dir</a:t>
-              </a:r>
-              <a:endParaRPr lang="ko-KR" altLang="en-US" sz="1200" dirty="0">
-                <a:solidFill>
-                  <a:schemeClr val="tx1"/>
-                </a:solidFill>
-              </a:endParaRPr>
-            </a:p>
-          </p:txBody>
-        </p:sp>
-      </p:grpSp>
-      <p:grpSp>
-        <p:nvGrpSpPr>
-          <p:cNvPr id="18" name="그룹 17">
-            <a:extLst>
-              <a:ext uri="{FF2B5EF4-FFF2-40B4-BE49-F238E27FC236}">
-                <a16:creationId xmlns:a16="http://schemas.microsoft.com/office/drawing/2014/main" id="{80F772B2-6A71-A265-3D44-8BAF600E716D}"/>
-              </a:ext>
-            </a:extLst>
-          </p:cNvPr>
-          <p:cNvGrpSpPr/>
-          <p:nvPr/>
-        </p:nvGrpSpPr>
-        <p:grpSpPr>
-          <a:xfrm>
-            <a:off x="10689202" y="5380941"/>
-            <a:ext cx="759724" cy="866400"/>
-            <a:chOff x="1803216" y="4681679"/>
-            <a:chExt cx="759724" cy="866400"/>
-          </a:xfrm>
-        </p:grpSpPr>
-        <p:sp>
-          <p:nvSpPr>
-            <p:cNvPr id="19" name="사각형: 잘린 한쪽 모서리 18">
-              <a:extLst>
-                <a:ext uri="{FF2B5EF4-FFF2-40B4-BE49-F238E27FC236}">
-                  <a16:creationId xmlns:a16="http://schemas.microsoft.com/office/drawing/2014/main" id="{B5BD0A0C-01A3-6D98-F9E6-A62E2B3599EA}"/>
-                </a:ext>
-              </a:extLst>
-            </p:cNvPr>
-            <p:cNvSpPr/>
-            <p:nvPr/>
-          </p:nvSpPr>
-          <p:spPr>
-            <a:xfrm>
-              <a:off x="1803216" y="4681679"/>
-              <a:ext cx="759724" cy="866400"/>
-            </a:xfrm>
-            <a:prstGeom prst="snip1Rect">
-              <a:avLst>
-                <a:gd name="adj" fmla="val 24772"/>
-              </a:avLst>
-            </a:prstGeom>
-            <a:noFill/>
-            <a:ln>
-              <a:solidFill>
-                <a:schemeClr val="tx1"/>
-              </a:solidFill>
-            </a:ln>
-          </p:spPr>
-          <p:style>
-            <a:lnRef idx="2">
-              <a:schemeClr val="accent1">
-                <a:shade val="50000"/>
-              </a:schemeClr>
-            </a:lnRef>
-            <a:fillRef idx="1">
-              <a:schemeClr val="accent1"/>
-            </a:fillRef>
-            <a:effectRef idx="0">
-              <a:schemeClr val="accent1"/>
-            </a:effectRef>
-            <a:fontRef idx="minor">
-              <a:schemeClr val="lt1"/>
-            </a:fontRef>
-          </p:style>
-          <p:txBody>
-            <a:bodyPr rtlCol="0" anchor="ctr"/>
-            <a:lstStyle/>
-            <a:p>
-              <a:pPr algn="ctr"/>
-              <a:r>
-                <a:rPr lang="en-US" altLang="ko-KR" sz="1200">
-                  <a:solidFill>
-                    <a:schemeClr val="tx1"/>
-                  </a:solidFill>
-                </a:rPr>
-                <a:t>prj.xpr</a:t>
-              </a:r>
-              <a:endParaRPr lang="ko-KR" altLang="en-US" sz="1200" dirty="0">
-                <a:solidFill>
-                  <a:schemeClr val="tx1"/>
-                </a:solidFill>
-              </a:endParaRPr>
-            </a:p>
-          </p:txBody>
-        </p:sp>
-        <p:cxnSp>
-          <p:nvCxnSpPr>
-            <p:cNvPr id="20" name="직선 연결선 19">
-              <a:extLst>
-                <a:ext uri="{FF2B5EF4-FFF2-40B4-BE49-F238E27FC236}">
-                  <a16:creationId xmlns:a16="http://schemas.microsoft.com/office/drawing/2014/main" id="{B89CA45A-E76D-FE4D-780F-636DD47750AE}"/>
-                </a:ext>
-              </a:extLst>
-            </p:cNvPr>
-            <p:cNvCxnSpPr/>
-            <p:nvPr/>
-          </p:nvCxnSpPr>
-          <p:spPr>
-            <a:xfrm>
-              <a:off x="1853619" y="4816463"/>
-              <a:ext cx="576262" cy="0"/>
-            </a:xfrm>
-            <a:prstGeom prst="line">
-              <a:avLst/>
-            </a:prstGeom>
-            <a:ln w="15875"/>
-          </p:spPr>
-          <p:style>
-            <a:lnRef idx="1">
-              <a:schemeClr val="dk1"/>
-            </a:lnRef>
-            <a:fillRef idx="0">
-              <a:schemeClr val="dk1"/>
-            </a:fillRef>
-            <a:effectRef idx="0">
-              <a:schemeClr val="dk1"/>
-            </a:effectRef>
-            <a:fontRef idx="minor">
-              <a:schemeClr val="tx1"/>
-            </a:fontRef>
-          </p:style>
-        </p:cxnSp>
-        <p:cxnSp>
-          <p:nvCxnSpPr>
-            <p:cNvPr id="21" name="직선 연결선 20">
-              <a:extLst>
-                <a:ext uri="{FF2B5EF4-FFF2-40B4-BE49-F238E27FC236}">
-                  <a16:creationId xmlns:a16="http://schemas.microsoft.com/office/drawing/2014/main" id="{6AC0774C-8469-4F54-6038-26DBF4026F46}"/>
-                </a:ext>
-              </a:extLst>
-            </p:cNvPr>
-            <p:cNvCxnSpPr/>
-            <p:nvPr/>
-          </p:nvCxnSpPr>
-          <p:spPr>
-            <a:xfrm>
-              <a:off x="1853619" y="4912573"/>
-              <a:ext cx="576262" cy="0"/>
-            </a:xfrm>
-            <a:prstGeom prst="line">
-              <a:avLst/>
-            </a:prstGeom>
-            <a:ln w="15875"/>
-          </p:spPr>
-          <p:style>
-            <a:lnRef idx="1">
-              <a:schemeClr val="dk1"/>
-            </a:lnRef>
-            <a:fillRef idx="0">
-              <a:schemeClr val="dk1"/>
-            </a:fillRef>
-            <a:effectRef idx="0">
-              <a:schemeClr val="dk1"/>
-            </a:effectRef>
-            <a:fontRef idx="minor">
-              <a:schemeClr val="tx1"/>
-            </a:fontRef>
-          </p:style>
-        </p:cxnSp>
-        <p:cxnSp>
-          <p:nvCxnSpPr>
-            <p:cNvPr id="22" name="직선 연결선 21">
-              <a:extLst>
-                <a:ext uri="{FF2B5EF4-FFF2-40B4-BE49-F238E27FC236}">
-                  <a16:creationId xmlns:a16="http://schemas.microsoft.com/office/drawing/2014/main" id="{DD69A604-3666-694D-3AD4-989FDF471B91}"/>
-                </a:ext>
-              </a:extLst>
-            </p:cNvPr>
-            <p:cNvCxnSpPr/>
-            <p:nvPr/>
-          </p:nvCxnSpPr>
-          <p:spPr>
-            <a:xfrm>
-              <a:off x="1853619" y="5003060"/>
-              <a:ext cx="576262" cy="0"/>
-            </a:xfrm>
-            <a:prstGeom prst="line">
-              <a:avLst/>
-            </a:prstGeom>
-            <a:ln w="15875"/>
-          </p:spPr>
-          <p:style>
-            <a:lnRef idx="1">
-              <a:schemeClr val="dk1"/>
-            </a:lnRef>
-            <a:fillRef idx="0">
-              <a:schemeClr val="dk1"/>
-            </a:fillRef>
-            <a:effectRef idx="0">
-              <a:schemeClr val="dk1"/>
-            </a:effectRef>
-            <a:fontRef idx="minor">
-              <a:schemeClr val="tx1"/>
-            </a:fontRef>
-          </p:style>
-        </p:cxnSp>
-      </p:grpSp>
-      <p:grpSp>
-        <p:nvGrpSpPr>
-          <p:cNvPr id="23" name="그룹 22">
-            <a:extLst>
-              <a:ext uri="{FF2B5EF4-FFF2-40B4-BE49-F238E27FC236}">
-                <a16:creationId xmlns:a16="http://schemas.microsoft.com/office/drawing/2014/main" id="{7B171325-4ED7-CC52-9DF8-82F0A1A86D06}"/>
-              </a:ext>
-            </a:extLst>
-          </p:cNvPr>
-          <p:cNvGrpSpPr/>
-          <p:nvPr/>
-        </p:nvGrpSpPr>
-        <p:grpSpPr>
-          <a:xfrm>
-            <a:off x="9859284" y="5380941"/>
-            <a:ext cx="759724" cy="866400"/>
-            <a:chOff x="1803216" y="4681679"/>
-            <a:chExt cx="759724" cy="866400"/>
-          </a:xfrm>
-        </p:grpSpPr>
-        <p:sp>
-          <p:nvSpPr>
-            <p:cNvPr id="24" name="사각형: 잘린 한쪽 모서리 23">
-              <a:extLst>
-                <a:ext uri="{FF2B5EF4-FFF2-40B4-BE49-F238E27FC236}">
-                  <a16:creationId xmlns:a16="http://schemas.microsoft.com/office/drawing/2014/main" id="{5E5AD3C9-4807-7A7D-C6D0-9849512BCC4E}"/>
-                </a:ext>
-              </a:extLst>
-            </p:cNvPr>
-            <p:cNvSpPr/>
-            <p:nvPr/>
-          </p:nvSpPr>
-          <p:spPr>
-            <a:xfrm>
-              <a:off x="1803216" y="4681679"/>
-              <a:ext cx="759724" cy="866400"/>
-            </a:xfrm>
-            <a:prstGeom prst="snip1Rect">
-              <a:avLst>
-                <a:gd name="adj" fmla="val 24772"/>
-              </a:avLst>
-            </a:prstGeom>
-            <a:noFill/>
-            <a:ln>
-              <a:solidFill>
-                <a:schemeClr val="tx1"/>
-              </a:solidFill>
-            </a:ln>
-          </p:spPr>
-          <p:style>
-            <a:lnRef idx="2">
-              <a:schemeClr val="accent1">
-                <a:shade val="50000"/>
-              </a:schemeClr>
-            </a:lnRef>
-            <a:fillRef idx="1">
-              <a:schemeClr val="accent1"/>
-            </a:fillRef>
-            <a:effectRef idx="0">
-              <a:schemeClr val="accent1"/>
-            </a:effectRef>
-            <a:fontRef idx="minor">
-              <a:schemeClr val="lt1"/>
-            </a:fontRef>
-          </p:style>
-          <p:txBody>
-            <a:bodyPr rtlCol="0" anchor="ctr"/>
-            <a:lstStyle/>
-            <a:p>
-              <a:pPr algn="ctr"/>
-              <a:r>
-                <a:rPr lang="en-US" altLang="ko-KR" sz="1200">
-                  <a:solidFill>
-                    <a:schemeClr val="tx1"/>
-                  </a:solidFill>
-                </a:rPr>
-                <a:t>blk.bd</a:t>
-              </a:r>
-              <a:endParaRPr lang="ko-KR" altLang="en-US" sz="1200" dirty="0">
-                <a:solidFill>
-                  <a:schemeClr val="tx1"/>
-                </a:solidFill>
-              </a:endParaRPr>
-            </a:p>
-          </p:txBody>
-        </p:sp>
-        <p:cxnSp>
-          <p:nvCxnSpPr>
-            <p:cNvPr id="25" name="직선 연결선 24">
-              <a:extLst>
-                <a:ext uri="{FF2B5EF4-FFF2-40B4-BE49-F238E27FC236}">
-                  <a16:creationId xmlns:a16="http://schemas.microsoft.com/office/drawing/2014/main" id="{47487E0F-9F7D-8C75-BC12-A95DF35E99C3}"/>
-                </a:ext>
-              </a:extLst>
-            </p:cNvPr>
-            <p:cNvCxnSpPr/>
-            <p:nvPr/>
-          </p:nvCxnSpPr>
-          <p:spPr>
-            <a:xfrm>
-              <a:off x="1853619" y="4816463"/>
-              <a:ext cx="576262" cy="0"/>
-            </a:xfrm>
-            <a:prstGeom prst="line">
-              <a:avLst/>
-            </a:prstGeom>
-            <a:ln w="15875"/>
-          </p:spPr>
-          <p:style>
-            <a:lnRef idx="1">
-              <a:schemeClr val="dk1"/>
-            </a:lnRef>
-            <a:fillRef idx="0">
-              <a:schemeClr val="dk1"/>
-            </a:fillRef>
-            <a:effectRef idx="0">
-              <a:schemeClr val="dk1"/>
-            </a:effectRef>
-            <a:fontRef idx="minor">
-              <a:schemeClr val="tx1"/>
-            </a:fontRef>
-          </p:style>
-        </p:cxnSp>
-        <p:cxnSp>
-          <p:nvCxnSpPr>
-            <p:cNvPr id="26" name="직선 연결선 25">
-              <a:extLst>
-                <a:ext uri="{FF2B5EF4-FFF2-40B4-BE49-F238E27FC236}">
-                  <a16:creationId xmlns:a16="http://schemas.microsoft.com/office/drawing/2014/main" id="{4EBA63F6-4D89-3AF8-6F29-E58ECBF0C8C9}"/>
-                </a:ext>
-              </a:extLst>
-            </p:cNvPr>
-            <p:cNvCxnSpPr/>
-            <p:nvPr/>
-          </p:nvCxnSpPr>
-          <p:spPr>
-            <a:xfrm>
-              <a:off x="1853619" y="4912573"/>
-              <a:ext cx="576262" cy="0"/>
-            </a:xfrm>
-            <a:prstGeom prst="line">
-              <a:avLst/>
-            </a:prstGeom>
-            <a:ln w="15875"/>
-          </p:spPr>
-          <p:style>
-            <a:lnRef idx="1">
-              <a:schemeClr val="dk1"/>
-            </a:lnRef>
-            <a:fillRef idx="0">
-              <a:schemeClr val="dk1"/>
-            </a:fillRef>
-            <a:effectRef idx="0">
-              <a:schemeClr val="dk1"/>
-            </a:effectRef>
-            <a:fontRef idx="minor">
-              <a:schemeClr val="tx1"/>
-            </a:fontRef>
-          </p:style>
-        </p:cxnSp>
-        <p:cxnSp>
-          <p:nvCxnSpPr>
-            <p:cNvPr id="27" name="직선 연결선 26">
-              <a:extLst>
-                <a:ext uri="{FF2B5EF4-FFF2-40B4-BE49-F238E27FC236}">
-                  <a16:creationId xmlns:a16="http://schemas.microsoft.com/office/drawing/2014/main" id="{72B24C5F-AD5B-542E-AB07-0F8EE6612D6B}"/>
-                </a:ext>
-              </a:extLst>
-            </p:cNvPr>
-            <p:cNvCxnSpPr/>
-            <p:nvPr/>
-          </p:nvCxnSpPr>
-          <p:spPr>
-            <a:xfrm>
-              <a:off x="1853619" y="5003060"/>
-              <a:ext cx="576262" cy="0"/>
-            </a:xfrm>
-            <a:prstGeom prst="line">
-              <a:avLst/>
-            </a:prstGeom>
-            <a:ln w="15875"/>
-          </p:spPr>
-          <p:style>
-            <a:lnRef idx="1">
-              <a:schemeClr val="dk1"/>
-            </a:lnRef>
-            <a:fillRef idx="0">
-              <a:schemeClr val="dk1"/>
-            </a:fillRef>
-            <a:effectRef idx="0">
-              <a:schemeClr val="dk1"/>
-            </a:effectRef>
-            <a:fontRef idx="minor">
-              <a:schemeClr val="tx1"/>
-            </a:fontRef>
-          </p:style>
-        </p:cxnSp>
-      </p:grpSp>
-      <p:grpSp>
-        <p:nvGrpSpPr>
-          <p:cNvPr id="28" name="그룹 27">
-            <a:extLst>
-              <a:ext uri="{FF2B5EF4-FFF2-40B4-BE49-F238E27FC236}">
-                <a16:creationId xmlns:a16="http://schemas.microsoft.com/office/drawing/2014/main" id="{B1FF51C3-A8F1-3F59-FECE-5E90672847A9}"/>
-              </a:ext>
-            </a:extLst>
-          </p:cNvPr>
-          <p:cNvGrpSpPr/>
-          <p:nvPr/>
-        </p:nvGrpSpPr>
-        <p:grpSpPr>
-          <a:xfrm>
-            <a:off x="6635198" y="3268543"/>
-            <a:ext cx="813148" cy="866400"/>
-            <a:chOff x="1776504" y="4681679"/>
-            <a:chExt cx="813148" cy="866400"/>
-          </a:xfrm>
-        </p:grpSpPr>
-        <p:sp>
-          <p:nvSpPr>
-            <p:cNvPr id="29" name="사각형: 잘린 한쪽 모서리 28">
-              <a:extLst>
-                <a:ext uri="{FF2B5EF4-FFF2-40B4-BE49-F238E27FC236}">
-                  <a16:creationId xmlns:a16="http://schemas.microsoft.com/office/drawing/2014/main" id="{41927574-C4C0-2BF9-D28A-253480DA4D63}"/>
-                </a:ext>
-              </a:extLst>
-            </p:cNvPr>
-            <p:cNvSpPr/>
-            <p:nvPr/>
-          </p:nvSpPr>
-          <p:spPr>
-            <a:xfrm>
-              <a:off x="1776504" y="4681679"/>
-              <a:ext cx="813148" cy="866400"/>
-            </a:xfrm>
-            <a:prstGeom prst="snip1Rect">
-              <a:avLst>
-                <a:gd name="adj" fmla="val 24772"/>
-              </a:avLst>
-            </a:prstGeom>
-            <a:noFill/>
-            <a:ln>
-              <a:solidFill>
-                <a:schemeClr val="tx1"/>
-              </a:solidFill>
-            </a:ln>
-          </p:spPr>
-          <p:style>
-            <a:lnRef idx="2">
-              <a:schemeClr val="accent1">
-                <a:shade val="50000"/>
-              </a:schemeClr>
-            </a:lnRef>
-            <a:fillRef idx="1">
-              <a:schemeClr val="accent1"/>
-            </a:fillRef>
-            <a:effectRef idx="0">
-              <a:schemeClr val="accent1"/>
-            </a:effectRef>
-            <a:fontRef idx="minor">
-              <a:schemeClr val="lt1"/>
-            </a:fontRef>
-          </p:style>
-          <p:txBody>
-            <a:bodyPr rtlCol="0" anchor="ctr"/>
-            <a:lstStyle/>
-            <a:p>
-              <a:pPr algn="ctr"/>
-              <a:r>
-                <a:rPr lang="en-US" altLang="ko-KR" sz="1200">
-                  <a:solidFill>
-                    <a:schemeClr val="tx1"/>
-                  </a:solidFill>
-                </a:rPr>
-                <a:t>main.tcl</a:t>
-              </a:r>
-              <a:endParaRPr lang="ko-KR" altLang="en-US" sz="1200" dirty="0">
-                <a:solidFill>
-                  <a:schemeClr val="tx1"/>
-                </a:solidFill>
-              </a:endParaRPr>
-            </a:p>
-          </p:txBody>
-        </p:sp>
-        <p:cxnSp>
-          <p:nvCxnSpPr>
-            <p:cNvPr id="30" name="직선 연결선 29">
-              <a:extLst>
-                <a:ext uri="{FF2B5EF4-FFF2-40B4-BE49-F238E27FC236}">
-                  <a16:creationId xmlns:a16="http://schemas.microsoft.com/office/drawing/2014/main" id="{EC154A4C-EDA9-585C-52A9-DB35490F5108}"/>
-                </a:ext>
-              </a:extLst>
-            </p:cNvPr>
-            <p:cNvCxnSpPr/>
-            <p:nvPr/>
-          </p:nvCxnSpPr>
-          <p:spPr>
-            <a:xfrm>
-              <a:off x="1853619" y="4816463"/>
-              <a:ext cx="576262" cy="0"/>
-            </a:xfrm>
-            <a:prstGeom prst="line">
-              <a:avLst/>
-            </a:prstGeom>
-            <a:ln w="15875"/>
-          </p:spPr>
-          <p:style>
-            <a:lnRef idx="1">
-              <a:schemeClr val="dk1"/>
-            </a:lnRef>
-            <a:fillRef idx="0">
-              <a:schemeClr val="dk1"/>
-            </a:fillRef>
-            <a:effectRef idx="0">
-              <a:schemeClr val="dk1"/>
-            </a:effectRef>
-            <a:fontRef idx="minor">
-              <a:schemeClr val="tx1"/>
-            </a:fontRef>
-          </p:style>
-        </p:cxnSp>
-        <p:cxnSp>
-          <p:nvCxnSpPr>
-            <p:cNvPr id="31" name="직선 연결선 30">
-              <a:extLst>
-                <a:ext uri="{FF2B5EF4-FFF2-40B4-BE49-F238E27FC236}">
-                  <a16:creationId xmlns:a16="http://schemas.microsoft.com/office/drawing/2014/main" id="{6BE196C7-6FA0-F639-988C-CD7F78E91639}"/>
-                </a:ext>
-              </a:extLst>
-            </p:cNvPr>
-            <p:cNvCxnSpPr/>
-            <p:nvPr/>
-          </p:nvCxnSpPr>
-          <p:spPr>
-            <a:xfrm>
-              <a:off x="1853619" y="4912573"/>
-              <a:ext cx="576262" cy="0"/>
-            </a:xfrm>
-            <a:prstGeom prst="line">
-              <a:avLst/>
-            </a:prstGeom>
-            <a:ln w="15875"/>
-          </p:spPr>
-          <p:style>
-            <a:lnRef idx="1">
-              <a:schemeClr val="dk1"/>
-            </a:lnRef>
-            <a:fillRef idx="0">
-              <a:schemeClr val="dk1"/>
-            </a:fillRef>
-            <a:effectRef idx="0">
-              <a:schemeClr val="dk1"/>
-            </a:effectRef>
-            <a:fontRef idx="minor">
-              <a:schemeClr val="tx1"/>
-            </a:fontRef>
-          </p:style>
-        </p:cxnSp>
-        <p:cxnSp>
-          <p:nvCxnSpPr>
-            <p:cNvPr id="32" name="직선 연결선 31">
-              <a:extLst>
-                <a:ext uri="{FF2B5EF4-FFF2-40B4-BE49-F238E27FC236}">
-                  <a16:creationId xmlns:a16="http://schemas.microsoft.com/office/drawing/2014/main" id="{65BD8940-9A63-8BCF-E51B-A88B7F2EF2C0}"/>
-                </a:ext>
-              </a:extLst>
-            </p:cNvPr>
-            <p:cNvCxnSpPr/>
-            <p:nvPr/>
-          </p:nvCxnSpPr>
-          <p:spPr>
-            <a:xfrm>
-              <a:off x="1853619" y="5003060"/>
-              <a:ext cx="576262" cy="0"/>
-            </a:xfrm>
-            <a:prstGeom prst="line">
-              <a:avLst/>
-            </a:prstGeom>
-            <a:ln w="15875"/>
-          </p:spPr>
-          <p:style>
-            <a:lnRef idx="1">
-              <a:schemeClr val="dk1"/>
-            </a:lnRef>
-            <a:fillRef idx="0">
-              <a:schemeClr val="dk1"/>
-            </a:fillRef>
-            <a:effectRef idx="0">
-              <a:schemeClr val="dk1"/>
-            </a:effectRef>
-            <a:fontRef idx="minor">
-              <a:schemeClr val="tx1"/>
-            </a:fontRef>
-          </p:style>
-        </p:cxnSp>
-      </p:grpSp>
-      <p:sp>
-        <p:nvSpPr>
-          <p:cNvPr id="33" name="화살표: 아래쪽 32">
-            <a:extLst>
-              <a:ext uri="{FF2B5EF4-FFF2-40B4-BE49-F238E27FC236}">
-                <a16:creationId xmlns:a16="http://schemas.microsoft.com/office/drawing/2014/main" id="{DC2FA9E6-C3BB-A9D5-92A9-4125D48FBEF4}"/>
-              </a:ext>
-            </a:extLst>
-          </p:cNvPr>
-          <p:cNvSpPr/>
-          <p:nvPr/>
-        </p:nvSpPr>
-        <p:spPr>
-          <a:xfrm rot="16200000">
-            <a:off x="5866351" y="3359319"/>
-            <a:ext cx="459298" cy="684850"/>
-          </a:xfrm>
-          <a:prstGeom prst="downArrow">
-            <a:avLst/>
-          </a:prstGeom>
-          <a:solidFill>
-            <a:schemeClr val="tx2"/>
-          </a:solidFill>
-          <a:ln>
-            <a:solidFill>
-              <a:schemeClr val="tx2"/>
-            </a:solidFill>
-          </a:ln>
-        </p:spPr>
-        <p:style>
-          <a:lnRef idx="2">
-            <a:schemeClr val="accent1">
-              <a:shade val="15000"/>
-            </a:schemeClr>
-          </a:lnRef>
-          <a:fillRef idx="1">
-            <a:schemeClr val="accent1"/>
-          </a:fillRef>
-          <a:effectRef idx="0">
-            <a:schemeClr val="accent1"/>
-          </a:effectRef>
-          <a:fontRef idx="minor">
-            <a:schemeClr val="lt1"/>
-          </a:fontRef>
-        </p:style>
-        <p:txBody>
-          <a:bodyPr rtlCol="0" anchor="ctr"/>
-          <a:lstStyle/>
-          <a:p>
-            <a:pPr algn="ctr"/>
-            <a:endParaRPr lang="ko-KR" altLang="en-US"/>
-          </a:p>
-        </p:txBody>
-      </p:sp>
-      <p:grpSp>
-        <p:nvGrpSpPr>
-          <p:cNvPr id="34" name="그룹 33">
-            <a:extLst>
-              <a:ext uri="{FF2B5EF4-FFF2-40B4-BE49-F238E27FC236}">
-                <a16:creationId xmlns:a16="http://schemas.microsoft.com/office/drawing/2014/main" id="{4966BE42-DE8C-F62F-BFFB-E9FA78D65104}"/>
-              </a:ext>
-            </a:extLst>
-          </p:cNvPr>
-          <p:cNvGrpSpPr/>
-          <p:nvPr/>
-        </p:nvGrpSpPr>
-        <p:grpSpPr>
-          <a:xfrm>
-            <a:off x="10218813" y="1342274"/>
-            <a:ext cx="900113" cy="714375"/>
-            <a:chOff x="1600200" y="5600700"/>
-            <a:chExt cx="900113" cy="714375"/>
-          </a:xfrm>
-        </p:grpSpPr>
-        <p:sp>
-          <p:nvSpPr>
-            <p:cNvPr id="35" name="사각형: 잘린 한쪽 모서리 34">
-              <a:extLst>
-                <a:ext uri="{FF2B5EF4-FFF2-40B4-BE49-F238E27FC236}">
-                  <a16:creationId xmlns:a16="http://schemas.microsoft.com/office/drawing/2014/main" id="{D16D8D77-BE4B-C268-A077-48B79EE14BF9}"/>
-                </a:ext>
-              </a:extLst>
-            </p:cNvPr>
-            <p:cNvSpPr/>
-            <p:nvPr/>
-          </p:nvSpPr>
-          <p:spPr>
-            <a:xfrm>
-              <a:off x="1600200" y="5631475"/>
-              <a:ext cx="452438" cy="452438"/>
-            </a:xfrm>
-            <a:prstGeom prst="snip1Rect">
-              <a:avLst/>
-            </a:prstGeom>
-            <a:solidFill>
-              <a:schemeClr val="accent4">
-                <a:lumMod val="75000"/>
-              </a:schemeClr>
-            </a:solidFill>
-            <a:ln>
-              <a:solidFill>
-                <a:schemeClr val="tx1"/>
-              </a:solidFill>
-            </a:ln>
-          </p:spPr>
-          <p:style>
-            <a:lnRef idx="2">
-              <a:schemeClr val="accent1">
-                <a:shade val="50000"/>
-              </a:schemeClr>
-            </a:lnRef>
-            <a:fillRef idx="1">
-              <a:schemeClr val="accent1"/>
-            </a:fillRef>
-            <a:effectRef idx="0">
-              <a:schemeClr val="accent1"/>
-            </a:effectRef>
-            <a:fontRef idx="minor">
-              <a:schemeClr val="lt1"/>
-            </a:fontRef>
-          </p:style>
-          <p:txBody>
-            <a:bodyPr rtlCol="0" anchor="ctr"/>
-            <a:lstStyle/>
-            <a:p>
-              <a:pPr algn="ctr"/>
-              <a:endParaRPr lang="ko-KR" altLang="en-US" sz="1200">
-                <a:solidFill>
-                  <a:schemeClr val="tx1"/>
-                </a:solidFill>
-              </a:endParaRPr>
-            </a:p>
-          </p:txBody>
-        </p:sp>
-        <p:sp>
-          <p:nvSpPr>
-            <p:cNvPr id="36" name="자유형: 도형 35">
-              <a:extLst>
-                <a:ext uri="{FF2B5EF4-FFF2-40B4-BE49-F238E27FC236}">
-                  <a16:creationId xmlns:a16="http://schemas.microsoft.com/office/drawing/2014/main" id="{E7E1002E-679A-C24A-A73A-EEB364098E72}"/>
-                </a:ext>
-              </a:extLst>
-            </p:cNvPr>
-            <p:cNvSpPr/>
-            <p:nvPr/>
-          </p:nvSpPr>
-          <p:spPr>
-            <a:xfrm>
-              <a:off x="1600201" y="5600700"/>
-              <a:ext cx="900112" cy="714375"/>
-            </a:xfrm>
-            <a:custGeom>
-              <a:avLst/>
-              <a:gdLst>
-                <a:gd name="connsiteX0" fmla="*/ 533400 w 900112"/>
-                <a:gd name="connsiteY0" fmla="*/ 0 h 714375"/>
-                <a:gd name="connsiteX1" fmla="*/ 388143 w 900112"/>
-                <a:gd name="connsiteY1" fmla="*/ 145257 h 714375"/>
-                <a:gd name="connsiteX2" fmla="*/ 0 w 900112"/>
-                <a:gd name="connsiteY2" fmla="*/ 145257 h 714375"/>
-                <a:gd name="connsiteX3" fmla="*/ 0 w 900112"/>
-                <a:gd name="connsiteY3" fmla="*/ 714375 h 714375"/>
-                <a:gd name="connsiteX4" fmla="*/ 900112 w 900112"/>
-                <a:gd name="connsiteY4" fmla="*/ 714375 h 714375"/>
-                <a:gd name="connsiteX5" fmla="*/ 900112 w 900112"/>
-                <a:gd name="connsiteY5" fmla="*/ 4763 h 714375"/>
-                <a:gd name="connsiteX6" fmla="*/ 533400 w 900112"/>
-                <a:gd name="connsiteY6" fmla="*/ 0 h 714375"/>
-              </a:gdLst>
-              <a:ahLst/>
-              <a:cxnLst>
-                <a:cxn ang="0">
-                  <a:pos x="connsiteX0" y="connsiteY0"/>
-                </a:cxn>
-                <a:cxn ang="0">
-                  <a:pos x="connsiteX1" y="connsiteY1"/>
-                </a:cxn>
-                <a:cxn ang="0">
-                  <a:pos x="connsiteX2" y="connsiteY2"/>
-                </a:cxn>
-                <a:cxn ang="0">
-                  <a:pos x="connsiteX3" y="connsiteY3"/>
-                </a:cxn>
-                <a:cxn ang="0">
-                  <a:pos x="connsiteX4" y="connsiteY4"/>
-                </a:cxn>
-                <a:cxn ang="0">
-                  <a:pos x="connsiteX5" y="connsiteY5"/>
-                </a:cxn>
-                <a:cxn ang="0">
-                  <a:pos x="connsiteX6" y="connsiteY6"/>
-                </a:cxn>
-              </a:cxnLst>
-              <a:rect l="l" t="t" r="r" b="b"/>
-              <a:pathLst>
-                <a:path w="900112" h="714375">
-                  <a:moveTo>
-                    <a:pt x="533400" y="0"/>
-                  </a:moveTo>
-                  <a:lnTo>
-                    <a:pt x="388143" y="145257"/>
-                  </a:lnTo>
-                  <a:lnTo>
-                    <a:pt x="0" y="145257"/>
-                  </a:lnTo>
-                  <a:lnTo>
-                    <a:pt x="0" y="714375"/>
-                  </a:lnTo>
-                  <a:lnTo>
-                    <a:pt x="900112" y="714375"/>
-                  </a:lnTo>
-                  <a:lnTo>
-                    <a:pt x="900112" y="4763"/>
-                  </a:lnTo>
-                  <a:lnTo>
-                    <a:pt x="533400" y="0"/>
-                  </a:lnTo>
-                  <a:close/>
-                </a:path>
-              </a:pathLst>
-            </a:custGeom>
-            <a:solidFill>
-              <a:schemeClr val="accent4">
-                <a:lumMod val="60000"/>
-                <a:lumOff val="40000"/>
-              </a:schemeClr>
-            </a:solidFill>
-            <a:ln>
-              <a:solidFill>
-                <a:schemeClr val="tx1"/>
-              </a:solidFill>
-            </a:ln>
-          </p:spPr>
-          <p:style>
-            <a:lnRef idx="2">
-              <a:schemeClr val="accent1">
-                <a:shade val="50000"/>
-              </a:schemeClr>
-            </a:lnRef>
-            <a:fillRef idx="1">
-              <a:schemeClr val="accent1"/>
-            </a:fillRef>
-            <a:effectRef idx="0">
-              <a:schemeClr val="accent1"/>
-            </a:effectRef>
-            <a:fontRef idx="minor">
-              <a:schemeClr val="lt1"/>
-            </a:fontRef>
-          </p:style>
-          <p:txBody>
-            <a:bodyPr rtlCol="0" anchor="ctr"/>
-            <a:lstStyle/>
-            <a:p>
-              <a:pPr algn="ctr"/>
-              <a:endParaRPr lang="en-US" altLang="ko-KR" sz="1200" dirty="0">
-                <a:solidFill>
-                  <a:schemeClr val="tx1"/>
-                </a:solidFill>
-              </a:endParaRPr>
-            </a:p>
-            <a:p>
-              <a:pPr algn="ctr"/>
-              <a:r>
-                <a:rPr lang="en-US" altLang="ko-KR" sz="1200">
-                  <a:solidFill>
-                    <a:schemeClr val="tx1"/>
-                  </a:solidFill>
-                </a:rPr>
-                <a:t>/ip_out_dir</a:t>
-              </a:r>
-              <a:endParaRPr lang="ko-KR" altLang="en-US" sz="1200" dirty="0">
-                <a:solidFill>
-                  <a:schemeClr val="tx1"/>
-                </a:solidFill>
-              </a:endParaRPr>
-            </a:p>
-          </p:txBody>
-        </p:sp>
-      </p:grpSp>
-      <p:grpSp>
-        <p:nvGrpSpPr>
-          <p:cNvPr id="37" name="그룹 36">
-            <a:extLst>
-              <a:ext uri="{FF2B5EF4-FFF2-40B4-BE49-F238E27FC236}">
-                <a16:creationId xmlns:a16="http://schemas.microsoft.com/office/drawing/2014/main" id="{E3B4FBAC-22AF-5F5D-C94D-3F85073E05C5}"/>
-              </a:ext>
-            </a:extLst>
-          </p:cNvPr>
-          <p:cNvGrpSpPr/>
-          <p:nvPr/>
-        </p:nvGrpSpPr>
-        <p:grpSpPr>
-          <a:xfrm>
-            <a:off x="10277921" y="2381662"/>
-            <a:ext cx="759724" cy="866400"/>
-            <a:chOff x="1803216" y="4681679"/>
-            <a:chExt cx="759724" cy="866400"/>
-          </a:xfrm>
-        </p:grpSpPr>
-        <p:sp>
-          <p:nvSpPr>
-            <p:cNvPr id="38" name="사각형: 잘린 한쪽 모서리 37">
-              <a:extLst>
-                <a:ext uri="{FF2B5EF4-FFF2-40B4-BE49-F238E27FC236}">
-                  <a16:creationId xmlns:a16="http://schemas.microsoft.com/office/drawing/2014/main" id="{8D06DBA7-71AC-38D9-5C71-9F90A230B5C9}"/>
-                </a:ext>
-              </a:extLst>
-            </p:cNvPr>
-            <p:cNvSpPr/>
-            <p:nvPr/>
-          </p:nvSpPr>
-          <p:spPr>
-            <a:xfrm>
-              <a:off x="1803216" y="4681679"/>
-              <a:ext cx="759724" cy="866400"/>
-            </a:xfrm>
-            <a:prstGeom prst="snip1Rect">
-              <a:avLst>
-                <a:gd name="adj" fmla="val 24772"/>
-              </a:avLst>
-            </a:prstGeom>
-            <a:noFill/>
-            <a:ln>
-              <a:solidFill>
-                <a:schemeClr val="tx1"/>
-              </a:solidFill>
-            </a:ln>
-          </p:spPr>
-          <p:style>
-            <a:lnRef idx="2">
-              <a:schemeClr val="accent1">
-                <a:shade val="50000"/>
-              </a:schemeClr>
-            </a:lnRef>
-            <a:fillRef idx="1">
-              <a:schemeClr val="accent1"/>
-            </a:fillRef>
-            <a:effectRef idx="0">
-              <a:schemeClr val="accent1"/>
-            </a:effectRef>
-            <a:fontRef idx="minor">
-              <a:schemeClr val="lt1"/>
-            </a:fontRef>
-          </p:style>
-          <p:txBody>
-            <a:bodyPr rtlCol="0" anchor="ctr"/>
-            <a:lstStyle/>
-            <a:p>
-              <a:pPr algn="ctr"/>
-              <a:r>
-                <a:rPr lang="en-US" altLang="ko-KR" sz="1200">
-                  <a:solidFill>
-                    <a:schemeClr val="tx1"/>
-                  </a:solidFill>
-                </a:rPr>
-                <a:t>ip.xml</a:t>
-              </a:r>
-              <a:endParaRPr lang="ko-KR" altLang="en-US" sz="1200" dirty="0">
-                <a:solidFill>
-                  <a:schemeClr val="tx1"/>
-                </a:solidFill>
-              </a:endParaRPr>
-            </a:p>
-          </p:txBody>
-        </p:sp>
-        <p:cxnSp>
-          <p:nvCxnSpPr>
-            <p:cNvPr id="39" name="직선 연결선 38">
-              <a:extLst>
-                <a:ext uri="{FF2B5EF4-FFF2-40B4-BE49-F238E27FC236}">
-                  <a16:creationId xmlns:a16="http://schemas.microsoft.com/office/drawing/2014/main" id="{18A3B808-0813-CA82-0056-A921B38F1C31}"/>
-                </a:ext>
-              </a:extLst>
-            </p:cNvPr>
-            <p:cNvCxnSpPr/>
-            <p:nvPr/>
-          </p:nvCxnSpPr>
-          <p:spPr>
-            <a:xfrm>
-              <a:off x="1853619" y="4816463"/>
-              <a:ext cx="576262" cy="0"/>
-            </a:xfrm>
-            <a:prstGeom prst="line">
-              <a:avLst/>
-            </a:prstGeom>
-            <a:ln w="15875"/>
-          </p:spPr>
-          <p:style>
-            <a:lnRef idx="1">
-              <a:schemeClr val="dk1"/>
-            </a:lnRef>
-            <a:fillRef idx="0">
-              <a:schemeClr val="dk1"/>
-            </a:fillRef>
-            <a:effectRef idx="0">
-              <a:schemeClr val="dk1"/>
-            </a:effectRef>
-            <a:fontRef idx="minor">
-              <a:schemeClr val="tx1"/>
-            </a:fontRef>
-          </p:style>
-        </p:cxnSp>
-        <p:cxnSp>
-          <p:nvCxnSpPr>
-            <p:cNvPr id="40" name="직선 연결선 39">
-              <a:extLst>
-                <a:ext uri="{FF2B5EF4-FFF2-40B4-BE49-F238E27FC236}">
-                  <a16:creationId xmlns:a16="http://schemas.microsoft.com/office/drawing/2014/main" id="{2E951950-CC26-75B6-ACF1-09218814F518}"/>
-                </a:ext>
-              </a:extLst>
-            </p:cNvPr>
-            <p:cNvCxnSpPr/>
-            <p:nvPr/>
-          </p:nvCxnSpPr>
-          <p:spPr>
-            <a:xfrm>
-              <a:off x="1853619" y="4912573"/>
-              <a:ext cx="576262" cy="0"/>
-            </a:xfrm>
-            <a:prstGeom prst="line">
-              <a:avLst/>
-            </a:prstGeom>
-            <a:ln w="15875"/>
-          </p:spPr>
-          <p:style>
-            <a:lnRef idx="1">
-              <a:schemeClr val="dk1"/>
-            </a:lnRef>
-            <a:fillRef idx="0">
-              <a:schemeClr val="dk1"/>
-            </a:fillRef>
-            <a:effectRef idx="0">
-              <a:schemeClr val="dk1"/>
-            </a:effectRef>
-            <a:fontRef idx="minor">
-              <a:schemeClr val="tx1"/>
-            </a:fontRef>
-          </p:style>
-        </p:cxnSp>
-        <p:cxnSp>
-          <p:nvCxnSpPr>
-            <p:cNvPr id="41" name="직선 연결선 40">
-              <a:extLst>
-                <a:ext uri="{FF2B5EF4-FFF2-40B4-BE49-F238E27FC236}">
-                  <a16:creationId xmlns:a16="http://schemas.microsoft.com/office/drawing/2014/main" id="{2792BC10-0EB7-BF53-E9AA-C23D16577852}"/>
-                </a:ext>
-              </a:extLst>
-            </p:cNvPr>
-            <p:cNvCxnSpPr/>
-            <p:nvPr/>
-          </p:nvCxnSpPr>
-          <p:spPr>
-            <a:xfrm>
-              <a:off x="1853619" y="5003060"/>
-              <a:ext cx="576262" cy="0"/>
-            </a:xfrm>
-            <a:prstGeom prst="line">
-              <a:avLst/>
-            </a:prstGeom>
-            <a:ln w="15875"/>
-          </p:spPr>
-          <p:style>
-            <a:lnRef idx="1">
-              <a:schemeClr val="dk1"/>
-            </a:lnRef>
-            <a:fillRef idx="0">
-              <a:schemeClr val="dk1"/>
-            </a:fillRef>
-            <a:effectRef idx="0">
-              <a:schemeClr val="dk1"/>
-            </a:effectRef>
-            <a:fontRef idx="minor">
-              <a:schemeClr val="tx1"/>
-            </a:fontRef>
-          </p:style>
-        </p:cxnSp>
-      </p:grpSp>
-      <p:grpSp>
-        <p:nvGrpSpPr>
-          <p:cNvPr id="42" name="그룹 41">
-            <a:extLst>
-              <a:ext uri="{FF2B5EF4-FFF2-40B4-BE49-F238E27FC236}">
-                <a16:creationId xmlns:a16="http://schemas.microsoft.com/office/drawing/2014/main" id="{B095D6D1-85B6-B9D8-01B8-0E765DBDBE88}"/>
-              </a:ext>
-            </a:extLst>
-          </p:cNvPr>
-          <p:cNvGrpSpPr/>
-          <p:nvPr/>
-        </p:nvGrpSpPr>
-        <p:grpSpPr>
-          <a:xfrm>
-            <a:off x="9448003" y="2381662"/>
-            <a:ext cx="759724" cy="866400"/>
-            <a:chOff x="1803216" y="4681679"/>
-            <a:chExt cx="759724" cy="866400"/>
-          </a:xfrm>
-        </p:grpSpPr>
-        <p:sp>
-          <p:nvSpPr>
-            <p:cNvPr id="43" name="사각형: 잘린 한쪽 모서리 42">
-              <a:extLst>
-                <a:ext uri="{FF2B5EF4-FFF2-40B4-BE49-F238E27FC236}">
-                  <a16:creationId xmlns:a16="http://schemas.microsoft.com/office/drawing/2014/main" id="{1D30E4DC-BF3D-1F4B-B4D1-5FDBB0FD6035}"/>
-                </a:ext>
-              </a:extLst>
-            </p:cNvPr>
-            <p:cNvSpPr/>
-            <p:nvPr/>
-          </p:nvSpPr>
-          <p:spPr>
-            <a:xfrm>
-              <a:off x="1803216" y="4681679"/>
-              <a:ext cx="759724" cy="866400"/>
-            </a:xfrm>
-            <a:prstGeom prst="snip1Rect">
-              <a:avLst>
-                <a:gd name="adj" fmla="val 24772"/>
-              </a:avLst>
-            </a:prstGeom>
-            <a:noFill/>
-            <a:ln>
-              <a:solidFill>
-                <a:schemeClr val="tx1"/>
-              </a:solidFill>
-            </a:ln>
-          </p:spPr>
-          <p:style>
-            <a:lnRef idx="2">
-              <a:schemeClr val="accent1">
-                <a:shade val="50000"/>
-              </a:schemeClr>
-            </a:lnRef>
-            <a:fillRef idx="1">
-              <a:schemeClr val="accent1"/>
-            </a:fillRef>
-            <a:effectRef idx="0">
-              <a:schemeClr val="accent1"/>
-            </a:effectRef>
-            <a:fontRef idx="minor">
-              <a:schemeClr val="lt1"/>
-            </a:fontRef>
-          </p:style>
-          <p:txBody>
-            <a:bodyPr rtlCol="0" anchor="ctr"/>
-            <a:lstStyle/>
-            <a:p>
-              <a:pPr algn="ctr"/>
-              <a:r>
-                <a:rPr lang="en-US" altLang="ko-KR" sz="1200">
-                  <a:solidFill>
-                    <a:schemeClr val="tx1"/>
-                  </a:solidFill>
-                </a:rPr>
-                <a:t>ip.xic</a:t>
-              </a:r>
-              <a:endParaRPr lang="ko-KR" altLang="en-US" sz="1200" dirty="0">
-                <a:solidFill>
-                  <a:schemeClr val="tx1"/>
-                </a:solidFill>
-              </a:endParaRPr>
-            </a:p>
-          </p:txBody>
-        </p:sp>
-        <p:cxnSp>
-          <p:nvCxnSpPr>
-            <p:cNvPr id="44" name="직선 연결선 43">
-              <a:extLst>
-                <a:ext uri="{FF2B5EF4-FFF2-40B4-BE49-F238E27FC236}">
-                  <a16:creationId xmlns:a16="http://schemas.microsoft.com/office/drawing/2014/main" id="{856FF55E-BBDF-F9E3-6A20-2B6AE994C393}"/>
-                </a:ext>
-              </a:extLst>
-            </p:cNvPr>
-            <p:cNvCxnSpPr/>
-            <p:nvPr/>
-          </p:nvCxnSpPr>
-          <p:spPr>
-            <a:xfrm>
-              <a:off x="1853619" y="4816463"/>
-              <a:ext cx="576262" cy="0"/>
-            </a:xfrm>
-            <a:prstGeom prst="line">
-              <a:avLst/>
-            </a:prstGeom>
-            <a:ln w="15875"/>
-          </p:spPr>
-          <p:style>
-            <a:lnRef idx="1">
-              <a:schemeClr val="dk1"/>
-            </a:lnRef>
-            <a:fillRef idx="0">
-              <a:schemeClr val="dk1"/>
-            </a:fillRef>
-            <a:effectRef idx="0">
-              <a:schemeClr val="dk1"/>
-            </a:effectRef>
-            <a:fontRef idx="minor">
-              <a:schemeClr val="tx1"/>
-            </a:fontRef>
-          </p:style>
-        </p:cxnSp>
-        <p:cxnSp>
-          <p:nvCxnSpPr>
-            <p:cNvPr id="45" name="직선 연결선 44">
-              <a:extLst>
-                <a:ext uri="{FF2B5EF4-FFF2-40B4-BE49-F238E27FC236}">
-                  <a16:creationId xmlns:a16="http://schemas.microsoft.com/office/drawing/2014/main" id="{D85A9035-BDEA-2A33-1B8C-703E4F18ED07}"/>
-                </a:ext>
-              </a:extLst>
-            </p:cNvPr>
-            <p:cNvCxnSpPr/>
-            <p:nvPr/>
-          </p:nvCxnSpPr>
-          <p:spPr>
-            <a:xfrm>
-              <a:off x="1853619" y="4912573"/>
-              <a:ext cx="576262" cy="0"/>
-            </a:xfrm>
-            <a:prstGeom prst="line">
-              <a:avLst/>
-            </a:prstGeom>
-            <a:ln w="15875"/>
-          </p:spPr>
-          <p:style>
-            <a:lnRef idx="1">
-              <a:schemeClr val="dk1"/>
-            </a:lnRef>
-            <a:fillRef idx="0">
-              <a:schemeClr val="dk1"/>
-            </a:fillRef>
-            <a:effectRef idx="0">
-              <a:schemeClr val="dk1"/>
-            </a:effectRef>
-            <a:fontRef idx="minor">
-              <a:schemeClr val="tx1"/>
-            </a:fontRef>
-          </p:style>
-        </p:cxnSp>
-        <p:cxnSp>
-          <p:nvCxnSpPr>
-            <p:cNvPr id="46" name="직선 연결선 45">
-              <a:extLst>
-                <a:ext uri="{FF2B5EF4-FFF2-40B4-BE49-F238E27FC236}">
-                  <a16:creationId xmlns:a16="http://schemas.microsoft.com/office/drawing/2014/main" id="{562864DD-2EBC-5678-16CD-2C06AE60E510}"/>
-                </a:ext>
-              </a:extLst>
-            </p:cNvPr>
-            <p:cNvCxnSpPr/>
-            <p:nvPr/>
-          </p:nvCxnSpPr>
-          <p:spPr>
-            <a:xfrm>
-              <a:off x="1853619" y="5003060"/>
-              <a:ext cx="576262" cy="0"/>
-            </a:xfrm>
-            <a:prstGeom prst="line">
-              <a:avLst/>
-            </a:prstGeom>
-            <a:ln w="15875"/>
-          </p:spPr>
-          <p:style>
-            <a:lnRef idx="1">
-              <a:schemeClr val="dk1"/>
-            </a:lnRef>
-            <a:fillRef idx="0">
-              <a:schemeClr val="dk1"/>
-            </a:fillRef>
-            <a:effectRef idx="0">
-              <a:schemeClr val="dk1"/>
-            </a:effectRef>
-            <a:fontRef idx="minor">
-              <a:schemeClr val="tx1"/>
-            </a:fontRef>
-          </p:style>
-        </p:cxnSp>
-      </p:grpSp>
-      <p:grpSp>
-        <p:nvGrpSpPr>
-          <p:cNvPr id="47" name="그룹 46">
-            <a:extLst>
-              <a:ext uri="{FF2B5EF4-FFF2-40B4-BE49-F238E27FC236}">
-                <a16:creationId xmlns:a16="http://schemas.microsoft.com/office/drawing/2014/main" id="{10C6281D-E5EA-7212-5D00-325D1FBBF30F}"/>
-              </a:ext>
-            </a:extLst>
-          </p:cNvPr>
-          <p:cNvGrpSpPr/>
-          <p:nvPr/>
-        </p:nvGrpSpPr>
-        <p:grpSpPr>
-          <a:xfrm>
-            <a:off x="11118926" y="2381662"/>
-            <a:ext cx="759724" cy="866400"/>
-            <a:chOff x="1803216" y="4681679"/>
-            <a:chExt cx="759724" cy="866400"/>
-          </a:xfrm>
-        </p:grpSpPr>
-        <p:sp>
-          <p:nvSpPr>
-            <p:cNvPr id="48" name="사각형: 잘린 한쪽 모서리 47">
-              <a:extLst>
-                <a:ext uri="{FF2B5EF4-FFF2-40B4-BE49-F238E27FC236}">
-                  <a16:creationId xmlns:a16="http://schemas.microsoft.com/office/drawing/2014/main" id="{9C0B183A-BB62-BC29-F411-6924BBFB18C7}"/>
-                </a:ext>
-              </a:extLst>
-            </p:cNvPr>
-            <p:cNvSpPr/>
-            <p:nvPr/>
-          </p:nvSpPr>
-          <p:spPr>
-            <a:xfrm>
-              <a:off x="1803216" y="4681679"/>
-              <a:ext cx="759724" cy="866400"/>
-            </a:xfrm>
-            <a:prstGeom prst="snip1Rect">
-              <a:avLst>
-                <a:gd name="adj" fmla="val 24772"/>
-              </a:avLst>
-            </a:prstGeom>
-            <a:noFill/>
-            <a:ln>
-              <a:solidFill>
-                <a:schemeClr val="tx1"/>
-              </a:solidFill>
-            </a:ln>
-          </p:spPr>
-          <p:style>
-            <a:lnRef idx="2">
-              <a:schemeClr val="accent1">
-                <a:shade val="50000"/>
-              </a:schemeClr>
-            </a:lnRef>
-            <a:fillRef idx="1">
-              <a:schemeClr val="accent1"/>
-            </a:fillRef>
-            <a:effectRef idx="0">
-              <a:schemeClr val="accent1"/>
-            </a:effectRef>
-            <a:fontRef idx="minor">
-              <a:schemeClr val="lt1"/>
-            </a:fontRef>
-          </p:style>
-          <p:txBody>
-            <a:bodyPr rtlCol="0" anchor="ctr"/>
-            <a:lstStyle/>
-            <a:p>
-              <a:pPr algn="ctr"/>
-              <a:r>
-                <a:rPr lang="en-US" altLang="ko-KR" sz="1200">
-                  <a:solidFill>
-                    <a:schemeClr val="tx1"/>
-                  </a:solidFill>
-                </a:rPr>
-                <a:t>ip.xpr</a:t>
-              </a:r>
-              <a:endParaRPr lang="ko-KR" altLang="en-US" sz="1200" dirty="0">
-                <a:solidFill>
-                  <a:schemeClr val="tx1"/>
-                </a:solidFill>
-              </a:endParaRPr>
-            </a:p>
-          </p:txBody>
-        </p:sp>
-        <p:cxnSp>
-          <p:nvCxnSpPr>
-            <p:cNvPr id="49" name="직선 연결선 48">
-              <a:extLst>
-                <a:ext uri="{FF2B5EF4-FFF2-40B4-BE49-F238E27FC236}">
-                  <a16:creationId xmlns:a16="http://schemas.microsoft.com/office/drawing/2014/main" id="{3B464D6B-BFC3-781B-3447-5FF2B4F835C6}"/>
-                </a:ext>
-              </a:extLst>
-            </p:cNvPr>
-            <p:cNvCxnSpPr/>
-            <p:nvPr/>
-          </p:nvCxnSpPr>
-          <p:spPr>
-            <a:xfrm>
-              <a:off x="1853619" y="4816463"/>
-              <a:ext cx="576262" cy="0"/>
-            </a:xfrm>
-            <a:prstGeom prst="line">
-              <a:avLst/>
-            </a:prstGeom>
-            <a:ln w="15875"/>
-          </p:spPr>
-          <p:style>
-            <a:lnRef idx="1">
-              <a:schemeClr val="dk1"/>
-            </a:lnRef>
-            <a:fillRef idx="0">
-              <a:schemeClr val="dk1"/>
-            </a:fillRef>
-            <a:effectRef idx="0">
-              <a:schemeClr val="dk1"/>
-            </a:effectRef>
-            <a:fontRef idx="minor">
-              <a:schemeClr val="tx1"/>
-            </a:fontRef>
-          </p:style>
-        </p:cxnSp>
-        <p:cxnSp>
-          <p:nvCxnSpPr>
-            <p:cNvPr id="50" name="직선 연결선 49">
-              <a:extLst>
-                <a:ext uri="{FF2B5EF4-FFF2-40B4-BE49-F238E27FC236}">
-                  <a16:creationId xmlns:a16="http://schemas.microsoft.com/office/drawing/2014/main" id="{1C9F16B9-D900-5AC6-C0B6-B5A0A6D57345}"/>
-                </a:ext>
-              </a:extLst>
-            </p:cNvPr>
-            <p:cNvCxnSpPr/>
-            <p:nvPr/>
-          </p:nvCxnSpPr>
-          <p:spPr>
-            <a:xfrm>
-              <a:off x="1853619" y="4912573"/>
-              <a:ext cx="576262" cy="0"/>
-            </a:xfrm>
-            <a:prstGeom prst="line">
-              <a:avLst/>
-            </a:prstGeom>
-            <a:ln w="15875"/>
-          </p:spPr>
-          <p:style>
-            <a:lnRef idx="1">
-              <a:schemeClr val="dk1"/>
-            </a:lnRef>
-            <a:fillRef idx="0">
-              <a:schemeClr val="dk1"/>
-            </a:fillRef>
-            <a:effectRef idx="0">
-              <a:schemeClr val="dk1"/>
-            </a:effectRef>
-            <a:fontRef idx="minor">
-              <a:schemeClr val="tx1"/>
-            </a:fontRef>
-          </p:style>
-        </p:cxnSp>
-        <p:cxnSp>
-          <p:nvCxnSpPr>
-            <p:cNvPr id="51" name="직선 연결선 50">
-              <a:extLst>
-                <a:ext uri="{FF2B5EF4-FFF2-40B4-BE49-F238E27FC236}">
-                  <a16:creationId xmlns:a16="http://schemas.microsoft.com/office/drawing/2014/main" id="{952FB17D-357E-4EED-9754-9ED8A9D0E1FE}"/>
-                </a:ext>
-              </a:extLst>
-            </p:cNvPr>
-            <p:cNvCxnSpPr/>
-            <p:nvPr/>
-          </p:nvCxnSpPr>
-          <p:spPr>
-            <a:xfrm>
-              <a:off x="1853619" y="5003060"/>
-              <a:ext cx="576262" cy="0"/>
-            </a:xfrm>
-            <a:prstGeom prst="line">
-              <a:avLst/>
-            </a:prstGeom>
-            <a:ln w="15875"/>
-          </p:spPr>
-          <p:style>
-            <a:lnRef idx="1">
-              <a:schemeClr val="dk1"/>
-            </a:lnRef>
-            <a:fillRef idx="0">
-              <a:schemeClr val="dk1"/>
-            </a:fillRef>
-            <a:effectRef idx="0">
-              <a:schemeClr val="dk1"/>
-            </a:effectRef>
-            <a:fontRef idx="minor">
-              <a:schemeClr val="tx1"/>
-            </a:fontRef>
-          </p:style>
-        </p:cxnSp>
-      </p:grpSp>
-      <p:sp>
-        <p:nvSpPr>
-          <p:cNvPr id="52" name="화살표: 아래쪽 51">
-            <a:extLst>
-              <a:ext uri="{FF2B5EF4-FFF2-40B4-BE49-F238E27FC236}">
-                <a16:creationId xmlns:a16="http://schemas.microsoft.com/office/drawing/2014/main" id="{E962F605-DC0C-3D96-FD15-B2B1B8066783}"/>
-              </a:ext>
-            </a:extLst>
-          </p:cNvPr>
-          <p:cNvSpPr/>
-          <p:nvPr/>
-        </p:nvSpPr>
-        <p:spPr>
-          <a:xfrm>
-            <a:off x="9218354" y="3359319"/>
-            <a:ext cx="459298" cy="684850"/>
-          </a:xfrm>
-          <a:prstGeom prst="downArrow">
-            <a:avLst/>
-          </a:prstGeom>
-          <a:solidFill>
-            <a:schemeClr val="tx2"/>
-          </a:solidFill>
-          <a:ln>
-            <a:solidFill>
-              <a:schemeClr val="tx2"/>
-            </a:solidFill>
-          </a:ln>
-        </p:spPr>
-        <p:style>
-          <a:lnRef idx="2">
-            <a:schemeClr val="accent1">
-              <a:shade val="15000"/>
-            </a:schemeClr>
-          </a:lnRef>
-          <a:fillRef idx="1">
-            <a:schemeClr val="accent1"/>
-          </a:fillRef>
-          <a:effectRef idx="0">
-            <a:schemeClr val="accent1"/>
-          </a:effectRef>
-          <a:fontRef idx="minor">
-            <a:schemeClr val="lt1"/>
-          </a:fontRef>
-        </p:style>
-        <p:txBody>
-          <a:bodyPr rtlCol="0" anchor="ctr"/>
-          <a:lstStyle/>
-          <a:p>
-            <a:pPr algn="ctr"/>
-            <a:endParaRPr lang="ko-KR" altLang="en-US"/>
-          </a:p>
-        </p:txBody>
-      </p:sp>
-      <p:pic>
-        <p:nvPicPr>
-          <p:cNvPr id="54" name="그림 53">
-            <a:extLst>
-              <a:ext uri="{FF2B5EF4-FFF2-40B4-BE49-F238E27FC236}">
-                <a16:creationId xmlns:a16="http://schemas.microsoft.com/office/drawing/2014/main" id="{00F60B1A-1EA9-4E33-88F8-2DDDEA726B95}"/>
-              </a:ext>
-            </a:extLst>
-          </p:cNvPr>
-          <p:cNvPicPr>
-            <a:picLocks noChangeAspect="1"/>
-          </p:cNvPicPr>
-          <p:nvPr/>
-        </p:nvPicPr>
-        <p:blipFill>
-          <a:blip r:embed="rId3"/>
-          <a:stretch>
-            <a:fillRect/>
-          </a:stretch>
-        </p:blipFill>
-        <p:spPr>
-          <a:xfrm>
-            <a:off x="5720912" y="5338572"/>
-            <a:ext cx="3956740" cy="1250054"/>
-          </a:xfrm>
-          <a:prstGeom prst="rect">
-            <a:avLst/>
-          </a:prstGeom>
-        </p:spPr>
-      </p:pic>
-      <p:sp>
-        <p:nvSpPr>
-          <p:cNvPr id="56" name="화살표: 아래쪽 55">
-            <a:extLst>
-              <a:ext uri="{FF2B5EF4-FFF2-40B4-BE49-F238E27FC236}">
-                <a16:creationId xmlns:a16="http://schemas.microsoft.com/office/drawing/2014/main" id="{CC04BD6C-90CF-973D-24E1-C1428C0DB239}"/>
-              </a:ext>
-            </a:extLst>
-          </p:cNvPr>
-          <p:cNvSpPr/>
-          <p:nvPr/>
-        </p:nvSpPr>
-        <p:spPr>
-          <a:xfrm rot="16200000">
-            <a:off x="7739493" y="3473060"/>
-            <a:ext cx="459298" cy="491227"/>
-          </a:xfrm>
-          <a:prstGeom prst="downArrow">
-            <a:avLst/>
-          </a:prstGeom>
-          <a:solidFill>
-            <a:schemeClr val="tx2"/>
-          </a:solidFill>
-          <a:ln>
-            <a:solidFill>
-              <a:schemeClr val="tx2"/>
-            </a:solidFill>
-          </a:ln>
-        </p:spPr>
-        <p:style>
-          <a:lnRef idx="2">
-            <a:schemeClr val="accent1">
-              <a:shade val="15000"/>
-            </a:schemeClr>
-          </a:lnRef>
-          <a:fillRef idx="1">
-            <a:schemeClr val="accent1"/>
-          </a:fillRef>
-          <a:effectRef idx="0">
-            <a:schemeClr val="accent1"/>
-          </a:effectRef>
-          <a:fontRef idx="minor">
-            <a:schemeClr val="lt1"/>
-          </a:fontRef>
-        </p:style>
-        <p:txBody>
-          <a:bodyPr rtlCol="0" anchor="ctr"/>
-          <a:lstStyle/>
-          <a:p>
-            <a:pPr algn="ctr"/>
-            <a:endParaRPr lang="ko-KR" altLang="en-US"/>
-          </a:p>
-        </p:txBody>
-      </p:sp>
-      <p:pic>
-        <p:nvPicPr>
-          <p:cNvPr id="57" name="Picture 2" descr="비바도 리눅스 환경 설치 후 실행 법">
-            <a:extLst>
-              <a:ext uri="{FF2B5EF4-FFF2-40B4-BE49-F238E27FC236}">
-                <a16:creationId xmlns:a16="http://schemas.microsoft.com/office/drawing/2014/main" id="{3941E49D-6557-07DC-BC79-B3EFFA817E1E}"/>
-              </a:ext>
-            </a:extLst>
-          </p:cNvPr>
-          <p:cNvPicPr>
-            <a:picLocks noChangeAspect="1" noChangeArrowheads="1"/>
-          </p:cNvPicPr>
-          <p:nvPr/>
-        </p:nvPicPr>
-        <p:blipFill>
-          <a:blip r:embed="rId4">
-            <a:extLst>
-              <a:ext uri="{28A0092B-C50C-407E-A947-70E740481C1C}">
-                <a14:useLocalDpi xmlns:a14="http://schemas.microsoft.com/office/drawing/2010/main" val="0"/>
-              </a:ext>
-            </a:extLst>
-          </a:blip>
-          <a:srcRect/>
-          <a:stretch>
-            <a:fillRect/>
-          </a:stretch>
-        </p:blipFill>
-        <p:spPr bwMode="auto">
-          <a:xfrm>
-            <a:off x="9859284" y="3393032"/>
-            <a:ext cx="1713971" cy="559399"/>
-          </a:xfrm>
-          <a:prstGeom prst="rect">
-            <a:avLst/>
-          </a:prstGeom>
-          <a:noFill/>
-          <a:extLst>
-            <a:ext uri="{909E8E84-426E-40DD-AFC4-6F175D3DCCD1}">
-              <a14:hiddenFill xmlns:a14="http://schemas.microsoft.com/office/drawing/2010/main">
-                <a:solidFill>
-                  <a:srgbClr val="FFFFFF"/>
-                </a:solidFill>
-              </a14:hiddenFill>
-            </a:ext>
-          </a:extLst>
-        </p:spPr>
-      </p:pic>
-      <p:sp>
-        <p:nvSpPr>
-          <p:cNvPr id="58" name="TextBox 57">
-            <a:extLst>
-              <a:ext uri="{FF2B5EF4-FFF2-40B4-BE49-F238E27FC236}">
-                <a16:creationId xmlns:a16="http://schemas.microsoft.com/office/drawing/2014/main" id="{23DEDF62-79BB-9D83-08C7-D8D30B549260}"/>
-              </a:ext>
-            </a:extLst>
-          </p:cNvPr>
-          <p:cNvSpPr txBox="1"/>
-          <p:nvPr/>
-        </p:nvSpPr>
-        <p:spPr>
-          <a:xfrm>
-            <a:off x="6965560" y="4101061"/>
-            <a:ext cx="2165786" cy="369332"/>
-          </a:xfrm>
-          <a:prstGeom prst="rect">
-            <a:avLst/>
-          </a:prstGeom>
-          <a:noFill/>
-        </p:spPr>
-        <p:txBody>
-          <a:bodyPr wrap="none" rtlCol="0">
-            <a:spAutoFit/>
-          </a:bodyPr>
-          <a:lstStyle/>
-          <a:p>
-            <a:pPr algn="ctr"/>
-            <a:r>
-              <a:rPr lang="en-US" altLang="ko-KR"/>
-              <a:t>Call Vivado in python</a:t>
-            </a:r>
-            <a:endParaRPr lang="ko-KR" altLang="en-US"/>
-          </a:p>
-        </p:txBody>
-      </p:sp>
-    </p:spTree>
-    <p:extLst>
-      <p:ext uri="{BB962C8B-B14F-4D97-AF65-F5344CB8AC3E}">
-        <p14:creationId xmlns:p14="http://schemas.microsoft.com/office/powerpoint/2010/main" val="303847887"/>
-      </p:ext>
-    </p:extLst>
-  </p:cSld>
-  <p:clrMapOvr>
-    <a:masterClrMapping/>
-  </p:clrMapOvr>
-</p:sld>
-</file>
-
-<file path=ppt/slides/slide9.xml><?xml version="1.0" encoding="utf-8"?>
-<p:sld xmlns:a="http://schemas.openxmlformats.org/drawingml/2006/main" xmlns:r="http://schemas.openxmlformats.org/officeDocument/2006/relationships" xmlns:p="http://schemas.openxmlformats.org/presentationml/2006/main">
-  <p:cSld>
-    <p:spTree>
-      <p:nvGrpSpPr>
-        <p:cNvPr id="1" name=""/>
-        <p:cNvGrpSpPr/>
-        <p:nvPr/>
-      </p:nvGrpSpPr>
-      <p:grpSpPr>
-        <a:xfrm>
-          <a:off x="0" y="0"/>
-          <a:ext cx="0" cy="0"/>
-          <a:chOff x="0" y="0"/>
-          <a:chExt cx="0" cy="0"/>
-        </a:xfrm>
-      </p:grpSpPr>
-      <p:sp>
-        <p:nvSpPr>
-          <p:cNvPr id="2" name="제목 1">
-            <a:extLst>
-              <a:ext uri="{FF2B5EF4-FFF2-40B4-BE49-F238E27FC236}">
-                <a16:creationId xmlns:a16="http://schemas.microsoft.com/office/drawing/2014/main" id="{5722B2CA-1DFC-56B4-CA7D-A7D3D3901721}"/>
-              </a:ext>
-            </a:extLst>
-          </p:cNvPr>
-          <p:cNvSpPr>
-            <a:spLocks noGrp="1"/>
-          </p:cNvSpPr>
-          <p:nvPr>
-            <p:ph type="title"/>
-          </p:nvPr>
-        </p:nvSpPr>
-        <p:spPr/>
-        <p:txBody>
-          <a:bodyPr/>
-          <a:lstStyle/>
-          <a:p>
-            <a:r>
-              <a:rPr lang="en-US" altLang="ko-KR"/>
-              <a:t>Created Block Design Example</a:t>
-            </a:r>
-            <a:endParaRPr lang="ko-KR" altLang="en-US"/>
-          </a:p>
-        </p:txBody>
-      </p:sp>
-      <p:sp>
-        <p:nvSpPr>
-          <p:cNvPr id="4" name="날짜 개체 틀 3">
-            <a:extLst>
-              <a:ext uri="{FF2B5EF4-FFF2-40B4-BE49-F238E27FC236}">
-                <a16:creationId xmlns:a16="http://schemas.microsoft.com/office/drawing/2014/main" id="{15D1B0E7-E56C-FD39-445D-1E7B12B837EF}"/>
-              </a:ext>
-            </a:extLst>
-          </p:cNvPr>
-          <p:cNvSpPr>
-            <a:spLocks noGrp="1"/>
-          </p:cNvSpPr>
-          <p:nvPr>
-            <p:ph type="dt" sz="half" idx="10"/>
-          </p:nvPr>
-        </p:nvSpPr>
-        <p:spPr/>
-        <p:txBody>
-          <a:bodyPr/>
-          <a:lstStyle/>
-          <a:p>
-            <a:r>
-              <a:rPr kumimoji="1" lang="en-US" altLang="ko-KR">
-                <a:ea typeface="Verdana" panose="020B0604030504040204" pitchFamily="34" charset="0"/>
-              </a:rPr>
-              <a:t>2023. 3. 29.</a:t>
-            </a:r>
-            <a:endParaRPr kumimoji="1" lang="ko-Kore-KR" altLang="en-US" dirty="0"/>
-          </a:p>
-        </p:txBody>
-      </p:sp>
-      <p:pic>
-        <p:nvPicPr>
-          <p:cNvPr id="6" name="그림 5">
-            <a:extLst>
-              <a:ext uri="{FF2B5EF4-FFF2-40B4-BE49-F238E27FC236}">
-                <a16:creationId xmlns:a16="http://schemas.microsoft.com/office/drawing/2014/main" id="{83697F14-AABB-4288-3175-33244ED9516D}"/>
-              </a:ext>
-            </a:extLst>
-          </p:cNvPr>
-          <p:cNvPicPr>
-            <a:picLocks noChangeAspect="1"/>
-          </p:cNvPicPr>
-          <p:nvPr/>
-        </p:nvPicPr>
-        <p:blipFill>
-          <a:blip r:embed="rId2"/>
-          <a:stretch>
-            <a:fillRect/>
-          </a:stretch>
-        </p:blipFill>
-        <p:spPr>
-          <a:xfrm>
-            <a:off x="0" y="1503088"/>
-            <a:ext cx="12192000" cy="3851823"/>
-          </a:xfrm>
-          <a:prstGeom prst="rect">
-            <a:avLst/>
-          </a:prstGeom>
-        </p:spPr>
-      </p:pic>
-    </p:spTree>
-    <p:extLst>
-      <p:ext uri="{BB962C8B-B14F-4D97-AF65-F5344CB8AC3E}">
-        <p14:creationId xmlns:p14="http://schemas.microsoft.com/office/powerpoint/2010/main" val="4049620156"/>
       </p:ext>
     </p:extLst>
   </p:cSld>

--- a/Documents/PPT/LabMeeting/2023_TEMP/TEMP_RFSoC_Meeting.pptx
+++ b/Documents/PPT/LabMeeting/2023_TEMP/TEMP_RFSoC_Meeting.pptx
@@ -5,22 +5,30 @@
     <p:sldMasterId id="2147483648" r:id="rId1"/>
   </p:sldMasterIdLst>
   <p:notesMasterIdLst>
-    <p:notesMasterId r:id="rId15"/>
+    <p:notesMasterId r:id="rId23"/>
   </p:notesMasterIdLst>
   <p:sldIdLst>
     <p:sldId id="256" r:id="rId2"/>
-    <p:sldId id="258" r:id="rId3"/>
-    <p:sldId id="259" r:id="rId4"/>
-    <p:sldId id="269" r:id="rId5"/>
-    <p:sldId id="266" r:id="rId6"/>
-    <p:sldId id="267" r:id="rId7"/>
-    <p:sldId id="265" r:id="rId8"/>
-    <p:sldId id="264" r:id="rId9"/>
-    <p:sldId id="260" r:id="rId10"/>
-    <p:sldId id="261" r:id="rId11"/>
-    <p:sldId id="262" r:id="rId12"/>
-    <p:sldId id="263" r:id="rId13"/>
-    <p:sldId id="268" r:id="rId14"/>
+    <p:sldId id="271" r:id="rId3"/>
+    <p:sldId id="258" r:id="rId4"/>
+    <p:sldId id="259" r:id="rId5"/>
+    <p:sldId id="269" r:id="rId6"/>
+    <p:sldId id="266" r:id="rId7"/>
+    <p:sldId id="267" r:id="rId8"/>
+    <p:sldId id="265" r:id="rId9"/>
+    <p:sldId id="264" r:id="rId10"/>
+    <p:sldId id="260" r:id="rId11"/>
+    <p:sldId id="261" r:id="rId12"/>
+    <p:sldId id="262" r:id="rId13"/>
+    <p:sldId id="263" r:id="rId14"/>
+    <p:sldId id="270" r:id="rId15"/>
+    <p:sldId id="268" r:id="rId16"/>
+    <p:sldId id="276" r:id="rId17"/>
+    <p:sldId id="272" r:id="rId18"/>
+    <p:sldId id="273" r:id="rId19"/>
+    <p:sldId id="274" r:id="rId20"/>
+    <p:sldId id="275" r:id="rId21"/>
+    <p:sldId id="277" r:id="rId22"/>
   </p:sldIdLst>
   <p:sldSz cx="12192000" cy="6858000"/>
   <p:notesSz cx="6858000" cy="9144000"/>
@@ -209,7 +217,7 @@
           <a:p>
             <a:fld id="{8ECD4658-FC5F-4C4A-9C84-93B50C1C7551}" type="datetimeFigureOut">
               <a:rPr kumimoji="1" lang="ko-Kore-KR" altLang="en-US" smtClean="0"/>
-              <a:t>09/01/2023</a:t>
+              <a:t>09/02/2023</a:t>
             </a:fld>
             <a:endParaRPr kumimoji="1" lang="ko-Kore-KR" altLang="en-US"/>
           </a:p>
@@ -4155,6 +4163,3282 @@
           <p:cNvPr id="2" name="제목 1">
             <a:extLst>
               <a:ext uri="{FF2B5EF4-FFF2-40B4-BE49-F238E27FC236}">
+                <a16:creationId xmlns:a16="http://schemas.microsoft.com/office/drawing/2014/main" id="{789772C0-FBA1-C5B8-1CE8-CC48F41FFF12}"/>
+              </a:ext>
+            </a:extLst>
+          </p:cNvPr>
+          <p:cNvSpPr>
+            <a:spLocks noGrp="1"/>
+          </p:cNvSpPr>
+          <p:nvPr>
+            <p:ph type="title"/>
+          </p:nvPr>
+        </p:nvSpPr>
+        <p:spPr/>
+        <p:txBody>
+          <a:bodyPr/>
+          <a:lstStyle/>
+          <a:p>
+            <a:r>
+              <a:rPr lang="en-US" altLang="ko-KR"/>
+              <a:t>Vivado TCL Control</a:t>
+            </a:r>
+            <a:endParaRPr lang="ko-KR" altLang="en-US"/>
+          </a:p>
+        </p:txBody>
+      </p:sp>
+      <p:sp>
+        <p:nvSpPr>
+          <p:cNvPr id="4" name="날짜 개체 틀 3">
+            <a:extLst>
+              <a:ext uri="{FF2B5EF4-FFF2-40B4-BE49-F238E27FC236}">
+                <a16:creationId xmlns:a16="http://schemas.microsoft.com/office/drawing/2014/main" id="{A4BB870F-12A6-7DBE-EC1B-EEE755D60345}"/>
+              </a:ext>
+            </a:extLst>
+          </p:cNvPr>
+          <p:cNvSpPr>
+            <a:spLocks noGrp="1"/>
+          </p:cNvSpPr>
+          <p:nvPr>
+            <p:ph type="dt" sz="half" idx="10"/>
+          </p:nvPr>
+        </p:nvSpPr>
+        <p:spPr/>
+        <p:txBody>
+          <a:bodyPr/>
+          <a:lstStyle/>
+          <a:p>
+            <a:r>
+              <a:rPr kumimoji="1" lang="en-US" altLang="ko-KR">
+                <a:ea typeface="Verdana" panose="020B0604030504040204" pitchFamily="34" charset="0"/>
+              </a:rPr>
+              <a:t>2023. 3. 29.</a:t>
+            </a:r>
+            <a:endParaRPr kumimoji="1" lang="ko-Kore-KR" altLang="en-US" dirty="0"/>
+          </a:p>
+        </p:txBody>
+      </p:sp>
+      <p:grpSp>
+        <p:nvGrpSpPr>
+          <p:cNvPr id="5" name="그룹 4">
+            <a:extLst>
+              <a:ext uri="{FF2B5EF4-FFF2-40B4-BE49-F238E27FC236}">
+                <a16:creationId xmlns:a16="http://schemas.microsoft.com/office/drawing/2014/main" id="{8FAE6BA6-8E2D-44E2-D9A9-15982B7E8DB2}"/>
+              </a:ext>
+            </a:extLst>
+          </p:cNvPr>
+          <p:cNvGrpSpPr/>
+          <p:nvPr/>
+        </p:nvGrpSpPr>
+        <p:grpSpPr>
+          <a:xfrm>
+            <a:off x="1591238" y="1486794"/>
+            <a:ext cx="900113" cy="714375"/>
+            <a:chOff x="1600200" y="5600700"/>
+            <a:chExt cx="900113" cy="714375"/>
+          </a:xfrm>
+        </p:grpSpPr>
+        <p:sp>
+          <p:nvSpPr>
+            <p:cNvPr id="6" name="사각형: 잘린 한쪽 모서리 5">
+              <a:extLst>
+                <a:ext uri="{FF2B5EF4-FFF2-40B4-BE49-F238E27FC236}">
+                  <a16:creationId xmlns:a16="http://schemas.microsoft.com/office/drawing/2014/main" id="{999E082A-BDC1-0D91-8B59-38FCE34FD4A6}"/>
+                </a:ext>
+              </a:extLst>
+            </p:cNvPr>
+            <p:cNvSpPr/>
+            <p:nvPr/>
+          </p:nvSpPr>
+          <p:spPr>
+            <a:xfrm>
+              <a:off x="1600200" y="5631475"/>
+              <a:ext cx="452438" cy="452438"/>
+            </a:xfrm>
+            <a:prstGeom prst="snip1Rect">
+              <a:avLst/>
+            </a:prstGeom>
+            <a:solidFill>
+              <a:schemeClr val="accent4">
+                <a:lumMod val="75000"/>
+              </a:schemeClr>
+            </a:solidFill>
+            <a:ln>
+              <a:solidFill>
+                <a:schemeClr val="tx1"/>
+              </a:solidFill>
+            </a:ln>
+          </p:spPr>
+          <p:style>
+            <a:lnRef idx="2">
+              <a:schemeClr val="accent1">
+                <a:shade val="50000"/>
+              </a:schemeClr>
+            </a:lnRef>
+            <a:fillRef idx="1">
+              <a:schemeClr val="accent1"/>
+            </a:fillRef>
+            <a:effectRef idx="0">
+              <a:schemeClr val="accent1"/>
+            </a:effectRef>
+            <a:fontRef idx="minor">
+              <a:schemeClr val="lt1"/>
+            </a:fontRef>
+          </p:style>
+          <p:txBody>
+            <a:bodyPr rtlCol="0" anchor="ctr"/>
+            <a:lstStyle/>
+            <a:p>
+              <a:pPr algn="ctr"/>
+              <a:endParaRPr lang="ko-KR" altLang="en-US" sz="1200">
+                <a:solidFill>
+                  <a:schemeClr val="tx1"/>
+                </a:solidFill>
+              </a:endParaRPr>
+            </a:p>
+          </p:txBody>
+        </p:sp>
+        <p:sp>
+          <p:nvSpPr>
+            <p:cNvPr id="7" name="자유형: 도형 6">
+              <a:extLst>
+                <a:ext uri="{FF2B5EF4-FFF2-40B4-BE49-F238E27FC236}">
+                  <a16:creationId xmlns:a16="http://schemas.microsoft.com/office/drawing/2014/main" id="{37E4B919-4D0A-2F2A-FE69-9864DE86BC65}"/>
+                </a:ext>
+              </a:extLst>
+            </p:cNvPr>
+            <p:cNvSpPr/>
+            <p:nvPr/>
+          </p:nvSpPr>
+          <p:spPr>
+            <a:xfrm>
+              <a:off x="1600201" y="5600700"/>
+              <a:ext cx="900112" cy="714375"/>
+            </a:xfrm>
+            <a:custGeom>
+              <a:avLst/>
+              <a:gdLst>
+                <a:gd name="connsiteX0" fmla="*/ 533400 w 900112"/>
+                <a:gd name="connsiteY0" fmla="*/ 0 h 714375"/>
+                <a:gd name="connsiteX1" fmla="*/ 388143 w 900112"/>
+                <a:gd name="connsiteY1" fmla="*/ 145257 h 714375"/>
+                <a:gd name="connsiteX2" fmla="*/ 0 w 900112"/>
+                <a:gd name="connsiteY2" fmla="*/ 145257 h 714375"/>
+                <a:gd name="connsiteX3" fmla="*/ 0 w 900112"/>
+                <a:gd name="connsiteY3" fmla="*/ 714375 h 714375"/>
+                <a:gd name="connsiteX4" fmla="*/ 900112 w 900112"/>
+                <a:gd name="connsiteY4" fmla="*/ 714375 h 714375"/>
+                <a:gd name="connsiteX5" fmla="*/ 900112 w 900112"/>
+                <a:gd name="connsiteY5" fmla="*/ 4763 h 714375"/>
+                <a:gd name="connsiteX6" fmla="*/ 533400 w 900112"/>
+                <a:gd name="connsiteY6" fmla="*/ 0 h 714375"/>
+              </a:gdLst>
+              <a:ahLst/>
+              <a:cxnLst>
+                <a:cxn ang="0">
+                  <a:pos x="connsiteX0" y="connsiteY0"/>
+                </a:cxn>
+                <a:cxn ang="0">
+                  <a:pos x="connsiteX1" y="connsiteY1"/>
+                </a:cxn>
+                <a:cxn ang="0">
+                  <a:pos x="connsiteX2" y="connsiteY2"/>
+                </a:cxn>
+                <a:cxn ang="0">
+                  <a:pos x="connsiteX3" y="connsiteY3"/>
+                </a:cxn>
+                <a:cxn ang="0">
+                  <a:pos x="connsiteX4" y="connsiteY4"/>
+                </a:cxn>
+                <a:cxn ang="0">
+                  <a:pos x="connsiteX5" y="connsiteY5"/>
+                </a:cxn>
+                <a:cxn ang="0">
+                  <a:pos x="connsiteX6" y="connsiteY6"/>
+                </a:cxn>
+              </a:cxnLst>
+              <a:rect l="l" t="t" r="r" b="b"/>
+              <a:pathLst>
+                <a:path w="900112" h="714375">
+                  <a:moveTo>
+                    <a:pt x="533400" y="0"/>
+                  </a:moveTo>
+                  <a:lnTo>
+                    <a:pt x="388143" y="145257"/>
+                  </a:lnTo>
+                  <a:lnTo>
+                    <a:pt x="0" y="145257"/>
+                  </a:lnTo>
+                  <a:lnTo>
+                    <a:pt x="0" y="714375"/>
+                  </a:lnTo>
+                  <a:lnTo>
+                    <a:pt x="900112" y="714375"/>
+                  </a:lnTo>
+                  <a:lnTo>
+                    <a:pt x="900112" y="4763"/>
+                  </a:lnTo>
+                  <a:lnTo>
+                    <a:pt x="533400" y="0"/>
+                  </a:lnTo>
+                  <a:close/>
+                </a:path>
+              </a:pathLst>
+            </a:custGeom>
+            <a:solidFill>
+              <a:schemeClr val="accent4">
+                <a:lumMod val="60000"/>
+                <a:lumOff val="40000"/>
+              </a:schemeClr>
+            </a:solidFill>
+            <a:ln>
+              <a:solidFill>
+                <a:schemeClr val="tx1"/>
+              </a:solidFill>
+            </a:ln>
+          </p:spPr>
+          <p:style>
+            <a:lnRef idx="2">
+              <a:schemeClr val="accent1">
+                <a:shade val="50000"/>
+              </a:schemeClr>
+            </a:lnRef>
+            <a:fillRef idx="1">
+              <a:schemeClr val="accent1"/>
+            </a:fillRef>
+            <a:effectRef idx="0">
+              <a:schemeClr val="accent1"/>
+            </a:effectRef>
+            <a:fontRef idx="minor">
+              <a:schemeClr val="lt1"/>
+            </a:fontRef>
+          </p:style>
+          <p:txBody>
+            <a:bodyPr rtlCol="0" anchor="ctr"/>
+            <a:lstStyle/>
+            <a:p>
+              <a:pPr algn="ctr"/>
+              <a:endParaRPr lang="en-US" altLang="ko-KR" sz="1200" dirty="0">
+                <a:solidFill>
+                  <a:schemeClr val="tx1"/>
+                </a:solidFill>
+              </a:endParaRPr>
+            </a:p>
+            <a:p>
+              <a:pPr algn="ctr"/>
+              <a:r>
+                <a:rPr lang="en-US" altLang="ko-KR" sz="1200">
+                  <a:solidFill>
+                    <a:schemeClr val="tx1"/>
+                  </a:solidFill>
+                </a:rPr>
+                <a:t>/ip_src_dir</a:t>
+              </a:r>
+              <a:endParaRPr lang="ko-KR" altLang="en-US" sz="1200" dirty="0">
+                <a:solidFill>
+                  <a:schemeClr val="tx1"/>
+                </a:solidFill>
+              </a:endParaRPr>
+            </a:p>
+          </p:txBody>
+        </p:sp>
+      </p:grpSp>
+      <p:grpSp>
+        <p:nvGrpSpPr>
+          <p:cNvPr id="8" name="그룹 7">
+            <a:extLst>
+              <a:ext uri="{FF2B5EF4-FFF2-40B4-BE49-F238E27FC236}">
+                <a16:creationId xmlns:a16="http://schemas.microsoft.com/office/drawing/2014/main" id="{F21B6702-E733-F165-438D-AB2CDA15B1E3}"/>
+              </a:ext>
+            </a:extLst>
+          </p:cNvPr>
+          <p:cNvGrpSpPr/>
+          <p:nvPr/>
+        </p:nvGrpSpPr>
+        <p:grpSpPr>
+          <a:xfrm>
+            <a:off x="647516" y="2529275"/>
+            <a:ext cx="759724" cy="866400"/>
+            <a:chOff x="1803216" y="4681679"/>
+            <a:chExt cx="759724" cy="866400"/>
+          </a:xfrm>
+        </p:grpSpPr>
+        <p:sp>
+          <p:nvSpPr>
+            <p:cNvPr id="9" name="사각형: 잘린 한쪽 모서리 8">
+              <a:extLst>
+                <a:ext uri="{FF2B5EF4-FFF2-40B4-BE49-F238E27FC236}">
+                  <a16:creationId xmlns:a16="http://schemas.microsoft.com/office/drawing/2014/main" id="{67D030D5-3DDB-7A55-E90B-856FCDBBF40D}"/>
+                </a:ext>
+              </a:extLst>
+            </p:cNvPr>
+            <p:cNvSpPr/>
+            <p:nvPr/>
+          </p:nvSpPr>
+          <p:spPr>
+            <a:xfrm>
+              <a:off x="1803216" y="4681679"/>
+              <a:ext cx="759724" cy="866400"/>
+            </a:xfrm>
+            <a:prstGeom prst="snip1Rect">
+              <a:avLst>
+                <a:gd name="adj" fmla="val 24772"/>
+              </a:avLst>
+            </a:prstGeom>
+            <a:noFill/>
+            <a:ln>
+              <a:solidFill>
+                <a:schemeClr val="tx1"/>
+              </a:solidFill>
+            </a:ln>
+          </p:spPr>
+          <p:style>
+            <a:lnRef idx="2">
+              <a:schemeClr val="accent1">
+                <a:shade val="50000"/>
+              </a:schemeClr>
+            </a:lnRef>
+            <a:fillRef idx="1">
+              <a:schemeClr val="accent1"/>
+            </a:fillRef>
+            <a:effectRef idx="0">
+              <a:schemeClr val="accent1"/>
+            </a:effectRef>
+            <a:fontRef idx="minor">
+              <a:schemeClr val="lt1"/>
+            </a:fontRef>
+          </p:style>
+          <p:txBody>
+            <a:bodyPr rtlCol="0" anchor="ctr"/>
+            <a:lstStyle/>
+            <a:p>
+              <a:pPr algn="ctr"/>
+              <a:r>
+                <a:rPr lang="en-US" altLang="ko-KR" sz="1200">
+                  <a:solidFill>
+                    <a:schemeClr val="tx1"/>
+                  </a:solidFill>
+                </a:rPr>
+                <a:t>ip1.sv</a:t>
+              </a:r>
+              <a:endParaRPr lang="ko-KR" altLang="en-US" sz="1200" dirty="0">
+                <a:solidFill>
+                  <a:schemeClr val="tx1"/>
+                </a:solidFill>
+              </a:endParaRPr>
+            </a:p>
+          </p:txBody>
+        </p:sp>
+        <p:cxnSp>
+          <p:nvCxnSpPr>
+            <p:cNvPr id="10" name="직선 연결선 9">
+              <a:extLst>
+                <a:ext uri="{FF2B5EF4-FFF2-40B4-BE49-F238E27FC236}">
+                  <a16:creationId xmlns:a16="http://schemas.microsoft.com/office/drawing/2014/main" id="{5617B271-2029-1AEA-C85F-AAE5CF2BF338}"/>
+                </a:ext>
+              </a:extLst>
+            </p:cNvPr>
+            <p:cNvCxnSpPr/>
+            <p:nvPr/>
+          </p:nvCxnSpPr>
+          <p:spPr>
+            <a:xfrm>
+              <a:off x="1853619" y="4816463"/>
+              <a:ext cx="576262" cy="0"/>
+            </a:xfrm>
+            <a:prstGeom prst="line">
+              <a:avLst/>
+            </a:prstGeom>
+            <a:ln w="15875"/>
+          </p:spPr>
+          <p:style>
+            <a:lnRef idx="1">
+              <a:schemeClr val="dk1"/>
+            </a:lnRef>
+            <a:fillRef idx="0">
+              <a:schemeClr val="dk1"/>
+            </a:fillRef>
+            <a:effectRef idx="0">
+              <a:schemeClr val="dk1"/>
+            </a:effectRef>
+            <a:fontRef idx="minor">
+              <a:schemeClr val="tx1"/>
+            </a:fontRef>
+          </p:style>
+        </p:cxnSp>
+        <p:cxnSp>
+          <p:nvCxnSpPr>
+            <p:cNvPr id="11" name="직선 연결선 10">
+              <a:extLst>
+                <a:ext uri="{FF2B5EF4-FFF2-40B4-BE49-F238E27FC236}">
+                  <a16:creationId xmlns:a16="http://schemas.microsoft.com/office/drawing/2014/main" id="{332DFDF5-2590-1AE9-6F44-99B5D08DA1DC}"/>
+                </a:ext>
+              </a:extLst>
+            </p:cNvPr>
+            <p:cNvCxnSpPr/>
+            <p:nvPr/>
+          </p:nvCxnSpPr>
+          <p:spPr>
+            <a:xfrm>
+              <a:off x="1853619" y="4912573"/>
+              <a:ext cx="576262" cy="0"/>
+            </a:xfrm>
+            <a:prstGeom prst="line">
+              <a:avLst/>
+            </a:prstGeom>
+            <a:ln w="15875"/>
+          </p:spPr>
+          <p:style>
+            <a:lnRef idx="1">
+              <a:schemeClr val="dk1"/>
+            </a:lnRef>
+            <a:fillRef idx="0">
+              <a:schemeClr val="dk1"/>
+            </a:fillRef>
+            <a:effectRef idx="0">
+              <a:schemeClr val="dk1"/>
+            </a:effectRef>
+            <a:fontRef idx="minor">
+              <a:schemeClr val="tx1"/>
+            </a:fontRef>
+          </p:style>
+        </p:cxnSp>
+        <p:cxnSp>
+          <p:nvCxnSpPr>
+            <p:cNvPr id="12" name="직선 연결선 11">
+              <a:extLst>
+                <a:ext uri="{FF2B5EF4-FFF2-40B4-BE49-F238E27FC236}">
+                  <a16:creationId xmlns:a16="http://schemas.microsoft.com/office/drawing/2014/main" id="{18020917-C89A-16FA-0E18-3C9FB0E65D88}"/>
+                </a:ext>
+              </a:extLst>
+            </p:cNvPr>
+            <p:cNvCxnSpPr/>
+            <p:nvPr/>
+          </p:nvCxnSpPr>
+          <p:spPr>
+            <a:xfrm>
+              <a:off x="1853619" y="5003060"/>
+              <a:ext cx="576262" cy="0"/>
+            </a:xfrm>
+            <a:prstGeom prst="line">
+              <a:avLst/>
+            </a:prstGeom>
+            <a:ln w="15875"/>
+          </p:spPr>
+          <p:style>
+            <a:lnRef idx="1">
+              <a:schemeClr val="dk1"/>
+            </a:lnRef>
+            <a:fillRef idx="0">
+              <a:schemeClr val="dk1"/>
+            </a:fillRef>
+            <a:effectRef idx="0">
+              <a:schemeClr val="dk1"/>
+            </a:effectRef>
+            <a:fontRef idx="minor">
+              <a:schemeClr val="tx1"/>
+            </a:fontRef>
+          </p:style>
+        </p:cxnSp>
+      </p:grpSp>
+      <p:grpSp>
+        <p:nvGrpSpPr>
+          <p:cNvPr id="13" name="그룹 12">
+            <a:extLst>
+              <a:ext uri="{FF2B5EF4-FFF2-40B4-BE49-F238E27FC236}">
+                <a16:creationId xmlns:a16="http://schemas.microsoft.com/office/drawing/2014/main" id="{BFD0BE69-4A83-763D-2D1F-8BC7B6678B4C}"/>
+              </a:ext>
+            </a:extLst>
+          </p:cNvPr>
+          <p:cNvGrpSpPr/>
+          <p:nvPr/>
+        </p:nvGrpSpPr>
+        <p:grpSpPr>
+          <a:xfrm>
+            <a:off x="1661433" y="2529275"/>
+            <a:ext cx="759724" cy="866400"/>
+            <a:chOff x="1803216" y="4681679"/>
+            <a:chExt cx="759724" cy="866400"/>
+          </a:xfrm>
+        </p:grpSpPr>
+        <p:sp>
+          <p:nvSpPr>
+            <p:cNvPr id="14" name="사각형: 잘린 한쪽 모서리 13">
+              <a:extLst>
+                <a:ext uri="{FF2B5EF4-FFF2-40B4-BE49-F238E27FC236}">
+                  <a16:creationId xmlns:a16="http://schemas.microsoft.com/office/drawing/2014/main" id="{6E38E07C-BF86-C6BD-E9CC-96ABF744182D}"/>
+                </a:ext>
+              </a:extLst>
+            </p:cNvPr>
+            <p:cNvSpPr/>
+            <p:nvPr/>
+          </p:nvSpPr>
+          <p:spPr>
+            <a:xfrm>
+              <a:off x="1803216" y="4681679"/>
+              <a:ext cx="759724" cy="866400"/>
+            </a:xfrm>
+            <a:prstGeom prst="snip1Rect">
+              <a:avLst>
+                <a:gd name="adj" fmla="val 24772"/>
+              </a:avLst>
+            </a:prstGeom>
+            <a:noFill/>
+            <a:ln>
+              <a:solidFill>
+                <a:schemeClr val="tx1"/>
+              </a:solidFill>
+            </a:ln>
+          </p:spPr>
+          <p:style>
+            <a:lnRef idx="2">
+              <a:schemeClr val="accent1">
+                <a:shade val="50000"/>
+              </a:schemeClr>
+            </a:lnRef>
+            <a:fillRef idx="1">
+              <a:schemeClr val="accent1"/>
+            </a:fillRef>
+            <a:effectRef idx="0">
+              <a:schemeClr val="accent1"/>
+            </a:effectRef>
+            <a:fontRef idx="minor">
+              <a:schemeClr val="lt1"/>
+            </a:fontRef>
+          </p:style>
+          <p:txBody>
+            <a:bodyPr rtlCol="0" anchor="ctr"/>
+            <a:lstStyle/>
+            <a:p>
+              <a:pPr algn="ctr"/>
+              <a:r>
+                <a:rPr lang="en-US" altLang="ko-KR" sz="1200">
+                  <a:solidFill>
+                    <a:schemeClr val="tx1"/>
+                  </a:solidFill>
+                </a:rPr>
+                <a:t>ip2.sv</a:t>
+              </a:r>
+              <a:endParaRPr lang="ko-KR" altLang="en-US" sz="1200" dirty="0">
+                <a:solidFill>
+                  <a:schemeClr val="tx1"/>
+                </a:solidFill>
+              </a:endParaRPr>
+            </a:p>
+          </p:txBody>
+        </p:sp>
+        <p:cxnSp>
+          <p:nvCxnSpPr>
+            <p:cNvPr id="15" name="직선 연결선 14">
+              <a:extLst>
+                <a:ext uri="{FF2B5EF4-FFF2-40B4-BE49-F238E27FC236}">
+                  <a16:creationId xmlns:a16="http://schemas.microsoft.com/office/drawing/2014/main" id="{0FAB25AE-49A4-3B09-230A-3C1D2DE65BDA}"/>
+                </a:ext>
+              </a:extLst>
+            </p:cNvPr>
+            <p:cNvCxnSpPr/>
+            <p:nvPr/>
+          </p:nvCxnSpPr>
+          <p:spPr>
+            <a:xfrm>
+              <a:off x="1853619" y="4816463"/>
+              <a:ext cx="576262" cy="0"/>
+            </a:xfrm>
+            <a:prstGeom prst="line">
+              <a:avLst/>
+            </a:prstGeom>
+            <a:ln w="15875"/>
+          </p:spPr>
+          <p:style>
+            <a:lnRef idx="1">
+              <a:schemeClr val="dk1"/>
+            </a:lnRef>
+            <a:fillRef idx="0">
+              <a:schemeClr val="dk1"/>
+            </a:fillRef>
+            <a:effectRef idx="0">
+              <a:schemeClr val="dk1"/>
+            </a:effectRef>
+            <a:fontRef idx="minor">
+              <a:schemeClr val="tx1"/>
+            </a:fontRef>
+          </p:style>
+        </p:cxnSp>
+        <p:cxnSp>
+          <p:nvCxnSpPr>
+            <p:cNvPr id="16" name="직선 연결선 15">
+              <a:extLst>
+                <a:ext uri="{FF2B5EF4-FFF2-40B4-BE49-F238E27FC236}">
+                  <a16:creationId xmlns:a16="http://schemas.microsoft.com/office/drawing/2014/main" id="{DF4394B6-8CD8-F748-7367-E282DEC11125}"/>
+                </a:ext>
+              </a:extLst>
+            </p:cNvPr>
+            <p:cNvCxnSpPr/>
+            <p:nvPr/>
+          </p:nvCxnSpPr>
+          <p:spPr>
+            <a:xfrm>
+              <a:off x="1853619" y="4912573"/>
+              <a:ext cx="576262" cy="0"/>
+            </a:xfrm>
+            <a:prstGeom prst="line">
+              <a:avLst/>
+            </a:prstGeom>
+            <a:ln w="15875"/>
+          </p:spPr>
+          <p:style>
+            <a:lnRef idx="1">
+              <a:schemeClr val="dk1"/>
+            </a:lnRef>
+            <a:fillRef idx="0">
+              <a:schemeClr val="dk1"/>
+            </a:fillRef>
+            <a:effectRef idx="0">
+              <a:schemeClr val="dk1"/>
+            </a:effectRef>
+            <a:fontRef idx="minor">
+              <a:schemeClr val="tx1"/>
+            </a:fontRef>
+          </p:style>
+        </p:cxnSp>
+        <p:cxnSp>
+          <p:nvCxnSpPr>
+            <p:cNvPr id="17" name="직선 연결선 16">
+              <a:extLst>
+                <a:ext uri="{FF2B5EF4-FFF2-40B4-BE49-F238E27FC236}">
+                  <a16:creationId xmlns:a16="http://schemas.microsoft.com/office/drawing/2014/main" id="{9206646E-383C-3E1A-8161-24E71CF05AFF}"/>
+                </a:ext>
+              </a:extLst>
+            </p:cNvPr>
+            <p:cNvCxnSpPr/>
+            <p:nvPr/>
+          </p:nvCxnSpPr>
+          <p:spPr>
+            <a:xfrm>
+              <a:off x="1853619" y="5003060"/>
+              <a:ext cx="576262" cy="0"/>
+            </a:xfrm>
+            <a:prstGeom prst="line">
+              <a:avLst/>
+            </a:prstGeom>
+            <a:ln w="15875"/>
+          </p:spPr>
+          <p:style>
+            <a:lnRef idx="1">
+              <a:schemeClr val="dk1"/>
+            </a:lnRef>
+            <a:fillRef idx="0">
+              <a:schemeClr val="dk1"/>
+            </a:fillRef>
+            <a:effectRef idx="0">
+              <a:schemeClr val="dk1"/>
+            </a:effectRef>
+            <a:fontRef idx="minor">
+              <a:schemeClr val="tx1"/>
+            </a:fontRef>
+          </p:style>
+        </p:cxnSp>
+      </p:grpSp>
+      <p:grpSp>
+        <p:nvGrpSpPr>
+          <p:cNvPr id="18" name="그룹 17">
+            <a:extLst>
+              <a:ext uri="{FF2B5EF4-FFF2-40B4-BE49-F238E27FC236}">
+                <a16:creationId xmlns:a16="http://schemas.microsoft.com/office/drawing/2014/main" id="{6FF860A2-ECE6-390B-870A-721FD332046E}"/>
+              </a:ext>
+            </a:extLst>
+          </p:cNvPr>
+          <p:cNvGrpSpPr/>
+          <p:nvPr/>
+        </p:nvGrpSpPr>
+        <p:grpSpPr>
+          <a:xfrm>
+            <a:off x="2658383" y="2529275"/>
+            <a:ext cx="759724" cy="866400"/>
+            <a:chOff x="1803216" y="4681679"/>
+            <a:chExt cx="759724" cy="866400"/>
+          </a:xfrm>
+        </p:grpSpPr>
+        <p:sp>
+          <p:nvSpPr>
+            <p:cNvPr id="19" name="사각형: 잘린 한쪽 모서리 18">
+              <a:extLst>
+                <a:ext uri="{FF2B5EF4-FFF2-40B4-BE49-F238E27FC236}">
+                  <a16:creationId xmlns:a16="http://schemas.microsoft.com/office/drawing/2014/main" id="{B5692907-CB2F-41F4-9BE6-F05E9D758932}"/>
+                </a:ext>
+              </a:extLst>
+            </p:cNvPr>
+            <p:cNvSpPr/>
+            <p:nvPr/>
+          </p:nvSpPr>
+          <p:spPr>
+            <a:xfrm>
+              <a:off x="1803216" y="4681679"/>
+              <a:ext cx="759724" cy="866400"/>
+            </a:xfrm>
+            <a:prstGeom prst="snip1Rect">
+              <a:avLst>
+                <a:gd name="adj" fmla="val 24772"/>
+              </a:avLst>
+            </a:prstGeom>
+            <a:noFill/>
+            <a:ln>
+              <a:solidFill>
+                <a:schemeClr val="tx1"/>
+              </a:solidFill>
+            </a:ln>
+          </p:spPr>
+          <p:style>
+            <a:lnRef idx="2">
+              <a:schemeClr val="accent1">
+                <a:shade val="50000"/>
+              </a:schemeClr>
+            </a:lnRef>
+            <a:fillRef idx="1">
+              <a:schemeClr val="accent1"/>
+            </a:fillRef>
+            <a:effectRef idx="0">
+              <a:schemeClr val="accent1"/>
+            </a:effectRef>
+            <a:fontRef idx="minor">
+              <a:schemeClr val="lt1"/>
+            </a:fontRef>
+          </p:style>
+          <p:txBody>
+            <a:bodyPr rtlCol="0" anchor="ctr"/>
+            <a:lstStyle/>
+            <a:p>
+              <a:pPr algn="ctr"/>
+              <a:r>
+                <a:rPr lang="en-US" altLang="ko-KR" sz="1200">
+                  <a:solidFill>
+                    <a:schemeClr val="tx1"/>
+                  </a:solidFill>
+                </a:rPr>
+                <a:t>ip3.sv</a:t>
+              </a:r>
+              <a:endParaRPr lang="ko-KR" altLang="en-US" sz="1200" dirty="0">
+                <a:solidFill>
+                  <a:schemeClr val="tx1"/>
+                </a:solidFill>
+              </a:endParaRPr>
+            </a:p>
+          </p:txBody>
+        </p:sp>
+        <p:cxnSp>
+          <p:nvCxnSpPr>
+            <p:cNvPr id="20" name="직선 연결선 19">
+              <a:extLst>
+                <a:ext uri="{FF2B5EF4-FFF2-40B4-BE49-F238E27FC236}">
+                  <a16:creationId xmlns:a16="http://schemas.microsoft.com/office/drawing/2014/main" id="{6A0445E0-1AA4-5496-1D15-EB58AA619073}"/>
+                </a:ext>
+              </a:extLst>
+            </p:cNvPr>
+            <p:cNvCxnSpPr/>
+            <p:nvPr/>
+          </p:nvCxnSpPr>
+          <p:spPr>
+            <a:xfrm>
+              <a:off x="1853619" y="4816463"/>
+              <a:ext cx="576262" cy="0"/>
+            </a:xfrm>
+            <a:prstGeom prst="line">
+              <a:avLst/>
+            </a:prstGeom>
+            <a:ln w="15875"/>
+          </p:spPr>
+          <p:style>
+            <a:lnRef idx="1">
+              <a:schemeClr val="dk1"/>
+            </a:lnRef>
+            <a:fillRef idx="0">
+              <a:schemeClr val="dk1"/>
+            </a:fillRef>
+            <a:effectRef idx="0">
+              <a:schemeClr val="dk1"/>
+            </a:effectRef>
+            <a:fontRef idx="minor">
+              <a:schemeClr val="tx1"/>
+            </a:fontRef>
+          </p:style>
+        </p:cxnSp>
+        <p:cxnSp>
+          <p:nvCxnSpPr>
+            <p:cNvPr id="21" name="직선 연결선 20">
+              <a:extLst>
+                <a:ext uri="{FF2B5EF4-FFF2-40B4-BE49-F238E27FC236}">
+                  <a16:creationId xmlns:a16="http://schemas.microsoft.com/office/drawing/2014/main" id="{FAC0575E-B4B0-6CBE-DE31-CC7A8580F219}"/>
+                </a:ext>
+              </a:extLst>
+            </p:cNvPr>
+            <p:cNvCxnSpPr/>
+            <p:nvPr/>
+          </p:nvCxnSpPr>
+          <p:spPr>
+            <a:xfrm>
+              <a:off x="1853619" y="4912573"/>
+              <a:ext cx="576262" cy="0"/>
+            </a:xfrm>
+            <a:prstGeom prst="line">
+              <a:avLst/>
+            </a:prstGeom>
+            <a:ln w="15875"/>
+          </p:spPr>
+          <p:style>
+            <a:lnRef idx="1">
+              <a:schemeClr val="dk1"/>
+            </a:lnRef>
+            <a:fillRef idx="0">
+              <a:schemeClr val="dk1"/>
+            </a:fillRef>
+            <a:effectRef idx="0">
+              <a:schemeClr val="dk1"/>
+            </a:effectRef>
+            <a:fontRef idx="minor">
+              <a:schemeClr val="tx1"/>
+            </a:fontRef>
+          </p:style>
+        </p:cxnSp>
+        <p:cxnSp>
+          <p:nvCxnSpPr>
+            <p:cNvPr id="22" name="직선 연결선 21">
+              <a:extLst>
+                <a:ext uri="{FF2B5EF4-FFF2-40B4-BE49-F238E27FC236}">
+                  <a16:creationId xmlns:a16="http://schemas.microsoft.com/office/drawing/2014/main" id="{0D3F0539-98CE-73AA-51BB-B68E1A4A2A72}"/>
+                </a:ext>
+              </a:extLst>
+            </p:cNvPr>
+            <p:cNvCxnSpPr/>
+            <p:nvPr/>
+          </p:nvCxnSpPr>
+          <p:spPr>
+            <a:xfrm>
+              <a:off x="1853619" y="5003060"/>
+              <a:ext cx="576262" cy="0"/>
+            </a:xfrm>
+            <a:prstGeom prst="line">
+              <a:avLst/>
+            </a:prstGeom>
+            <a:ln w="15875"/>
+          </p:spPr>
+          <p:style>
+            <a:lnRef idx="1">
+              <a:schemeClr val="dk1"/>
+            </a:lnRef>
+            <a:fillRef idx="0">
+              <a:schemeClr val="dk1"/>
+            </a:fillRef>
+            <a:effectRef idx="0">
+              <a:schemeClr val="dk1"/>
+            </a:effectRef>
+            <a:fontRef idx="minor">
+              <a:schemeClr val="tx1"/>
+            </a:fontRef>
+          </p:style>
+        </p:cxnSp>
+      </p:grpSp>
+      <p:grpSp>
+        <p:nvGrpSpPr>
+          <p:cNvPr id="23" name="그룹 22">
+            <a:extLst>
+              <a:ext uri="{FF2B5EF4-FFF2-40B4-BE49-F238E27FC236}">
+                <a16:creationId xmlns:a16="http://schemas.microsoft.com/office/drawing/2014/main" id="{7911EBC8-0A58-CF7A-C846-8E98B8D6791F}"/>
+              </a:ext>
+            </a:extLst>
+          </p:cNvPr>
+          <p:cNvGrpSpPr/>
+          <p:nvPr/>
+        </p:nvGrpSpPr>
+        <p:grpSpPr>
+          <a:xfrm>
+            <a:off x="5178251" y="2846159"/>
+            <a:ext cx="900113" cy="714375"/>
+            <a:chOff x="1600200" y="5600700"/>
+            <a:chExt cx="900113" cy="714375"/>
+          </a:xfrm>
+        </p:grpSpPr>
+        <p:sp>
+          <p:nvSpPr>
+            <p:cNvPr id="24" name="사각형: 잘린 한쪽 모서리 23">
+              <a:extLst>
+                <a:ext uri="{FF2B5EF4-FFF2-40B4-BE49-F238E27FC236}">
+                  <a16:creationId xmlns:a16="http://schemas.microsoft.com/office/drawing/2014/main" id="{348780C3-9AE0-4459-56C1-2B255245B9D1}"/>
+                </a:ext>
+              </a:extLst>
+            </p:cNvPr>
+            <p:cNvSpPr/>
+            <p:nvPr/>
+          </p:nvSpPr>
+          <p:spPr>
+            <a:xfrm>
+              <a:off x="1600200" y="5631475"/>
+              <a:ext cx="452438" cy="452438"/>
+            </a:xfrm>
+            <a:prstGeom prst="snip1Rect">
+              <a:avLst/>
+            </a:prstGeom>
+            <a:solidFill>
+              <a:schemeClr val="accent4">
+                <a:lumMod val="75000"/>
+              </a:schemeClr>
+            </a:solidFill>
+            <a:ln>
+              <a:solidFill>
+                <a:schemeClr val="tx1"/>
+              </a:solidFill>
+            </a:ln>
+          </p:spPr>
+          <p:style>
+            <a:lnRef idx="2">
+              <a:schemeClr val="accent1">
+                <a:shade val="50000"/>
+              </a:schemeClr>
+            </a:lnRef>
+            <a:fillRef idx="1">
+              <a:schemeClr val="accent1"/>
+            </a:fillRef>
+            <a:effectRef idx="0">
+              <a:schemeClr val="accent1"/>
+            </a:effectRef>
+            <a:fontRef idx="minor">
+              <a:schemeClr val="lt1"/>
+            </a:fontRef>
+          </p:style>
+          <p:txBody>
+            <a:bodyPr rtlCol="0" anchor="ctr"/>
+            <a:lstStyle/>
+            <a:p>
+              <a:pPr algn="ctr"/>
+              <a:endParaRPr lang="ko-KR" altLang="en-US" sz="1200">
+                <a:solidFill>
+                  <a:schemeClr val="tx1"/>
+                </a:solidFill>
+              </a:endParaRPr>
+            </a:p>
+          </p:txBody>
+        </p:sp>
+        <p:sp>
+          <p:nvSpPr>
+            <p:cNvPr id="25" name="자유형: 도형 24">
+              <a:extLst>
+                <a:ext uri="{FF2B5EF4-FFF2-40B4-BE49-F238E27FC236}">
+                  <a16:creationId xmlns:a16="http://schemas.microsoft.com/office/drawing/2014/main" id="{F6816E6B-3F19-F762-DF66-88FBEAC12821}"/>
+                </a:ext>
+              </a:extLst>
+            </p:cNvPr>
+            <p:cNvSpPr/>
+            <p:nvPr/>
+          </p:nvSpPr>
+          <p:spPr>
+            <a:xfrm>
+              <a:off x="1600201" y="5600700"/>
+              <a:ext cx="900112" cy="714375"/>
+            </a:xfrm>
+            <a:custGeom>
+              <a:avLst/>
+              <a:gdLst>
+                <a:gd name="connsiteX0" fmla="*/ 533400 w 900112"/>
+                <a:gd name="connsiteY0" fmla="*/ 0 h 714375"/>
+                <a:gd name="connsiteX1" fmla="*/ 388143 w 900112"/>
+                <a:gd name="connsiteY1" fmla="*/ 145257 h 714375"/>
+                <a:gd name="connsiteX2" fmla="*/ 0 w 900112"/>
+                <a:gd name="connsiteY2" fmla="*/ 145257 h 714375"/>
+                <a:gd name="connsiteX3" fmla="*/ 0 w 900112"/>
+                <a:gd name="connsiteY3" fmla="*/ 714375 h 714375"/>
+                <a:gd name="connsiteX4" fmla="*/ 900112 w 900112"/>
+                <a:gd name="connsiteY4" fmla="*/ 714375 h 714375"/>
+                <a:gd name="connsiteX5" fmla="*/ 900112 w 900112"/>
+                <a:gd name="connsiteY5" fmla="*/ 4763 h 714375"/>
+                <a:gd name="connsiteX6" fmla="*/ 533400 w 900112"/>
+                <a:gd name="connsiteY6" fmla="*/ 0 h 714375"/>
+              </a:gdLst>
+              <a:ahLst/>
+              <a:cxnLst>
+                <a:cxn ang="0">
+                  <a:pos x="connsiteX0" y="connsiteY0"/>
+                </a:cxn>
+                <a:cxn ang="0">
+                  <a:pos x="connsiteX1" y="connsiteY1"/>
+                </a:cxn>
+                <a:cxn ang="0">
+                  <a:pos x="connsiteX2" y="connsiteY2"/>
+                </a:cxn>
+                <a:cxn ang="0">
+                  <a:pos x="connsiteX3" y="connsiteY3"/>
+                </a:cxn>
+                <a:cxn ang="0">
+                  <a:pos x="connsiteX4" y="connsiteY4"/>
+                </a:cxn>
+                <a:cxn ang="0">
+                  <a:pos x="connsiteX5" y="connsiteY5"/>
+                </a:cxn>
+                <a:cxn ang="0">
+                  <a:pos x="connsiteX6" y="connsiteY6"/>
+                </a:cxn>
+              </a:cxnLst>
+              <a:rect l="l" t="t" r="r" b="b"/>
+              <a:pathLst>
+                <a:path w="900112" h="714375">
+                  <a:moveTo>
+                    <a:pt x="533400" y="0"/>
+                  </a:moveTo>
+                  <a:lnTo>
+                    <a:pt x="388143" y="145257"/>
+                  </a:lnTo>
+                  <a:lnTo>
+                    <a:pt x="0" y="145257"/>
+                  </a:lnTo>
+                  <a:lnTo>
+                    <a:pt x="0" y="714375"/>
+                  </a:lnTo>
+                  <a:lnTo>
+                    <a:pt x="900112" y="714375"/>
+                  </a:lnTo>
+                  <a:lnTo>
+                    <a:pt x="900112" y="4763"/>
+                  </a:lnTo>
+                  <a:lnTo>
+                    <a:pt x="533400" y="0"/>
+                  </a:lnTo>
+                  <a:close/>
+                </a:path>
+              </a:pathLst>
+            </a:custGeom>
+            <a:solidFill>
+              <a:schemeClr val="accent4">
+                <a:lumMod val="60000"/>
+                <a:lumOff val="40000"/>
+              </a:schemeClr>
+            </a:solidFill>
+            <a:ln>
+              <a:solidFill>
+                <a:schemeClr val="tx1"/>
+              </a:solidFill>
+            </a:ln>
+          </p:spPr>
+          <p:style>
+            <a:lnRef idx="2">
+              <a:schemeClr val="accent1">
+                <a:shade val="50000"/>
+              </a:schemeClr>
+            </a:lnRef>
+            <a:fillRef idx="1">
+              <a:schemeClr val="accent1"/>
+            </a:fillRef>
+            <a:effectRef idx="0">
+              <a:schemeClr val="accent1"/>
+            </a:effectRef>
+            <a:fontRef idx="minor">
+              <a:schemeClr val="lt1"/>
+            </a:fontRef>
+          </p:style>
+          <p:txBody>
+            <a:bodyPr rtlCol="0" anchor="ctr"/>
+            <a:lstStyle/>
+            <a:p>
+              <a:pPr algn="ctr"/>
+              <a:endParaRPr lang="en-US" altLang="ko-KR" sz="1200" dirty="0">
+                <a:solidFill>
+                  <a:schemeClr val="tx1"/>
+                </a:solidFill>
+              </a:endParaRPr>
+            </a:p>
+            <a:p>
+              <a:pPr algn="ctr"/>
+              <a:r>
+                <a:rPr lang="en-US" altLang="ko-KR" sz="1200">
+                  <a:solidFill>
+                    <a:schemeClr val="tx1"/>
+                  </a:solidFill>
+                </a:rPr>
+                <a:t>/main_dir</a:t>
+              </a:r>
+              <a:endParaRPr lang="ko-KR" altLang="en-US" sz="1200" dirty="0">
+                <a:solidFill>
+                  <a:schemeClr val="tx1"/>
+                </a:solidFill>
+              </a:endParaRPr>
+            </a:p>
+          </p:txBody>
+        </p:sp>
+      </p:grpSp>
+      <p:grpSp>
+        <p:nvGrpSpPr>
+          <p:cNvPr id="26" name="그룹 25">
+            <a:extLst>
+              <a:ext uri="{FF2B5EF4-FFF2-40B4-BE49-F238E27FC236}">
+                <a16:creationId xmlns:a16="http://schemas.microsoft.com/office/drawing/2014/main" id="{97ED044D-A1DF-58DA-6736-157E24303DEA}"/>
+              </a:ext>
+            </a:extLst>
+          </p:cNvPr>
+          <p:cNvGrpSpPr/>
+          <p:nvPr/>
+        </p:nvGrpSpPr>
+        <p:grpSpPr>
+          <a:xfrm>
+            <a:off x="5248446" y="3888640"/>
+            <a:ext cx="759724" cy="866400"/>
+            <a:chOff x="1803216" y="4681679"/>
+            <a:chExt cx="759724" cy="866400"/>
+          </a:xfrm>
+        </p:grpSpPr>
+        <p:sp>
+          <p:nvSpPr>
+            <p:cNvPr id="27" name="사각형: 잘린 한쪽 모서리 26">
+              <a:extLst>
+                <a:ext uri="{FF2B5EF4-FFF2-40B4-BE49-F238E27FC236}">
+                  <a16:creationId xmlns:a16="http://schemas.microsoft.com/office/drawing/2014/main" id="{AFF24665-441B-A28A-1AEA-390FB65478AE}"/>
+                </a:ext>
+              </a:extLst>
+            </p:cNvPr>
+            <p:cNvSpPr/>
+            <p:nvPr/>
+          </p:nvSpPr>
+          <p:spPr>
+            <a:xfrm>
+              <a:off x="1803216" y="4681679"/>
+              <a:ext cx="759724" cy="866400"/>
+            </a:xfrm>
+            <a:prstGeom prst="snip1Rect">
+              <a:avLst>
+                <a:gd name="adj" fmla="val 24772"/>
+              </a:avLst>
+            </a:prstGeom>
+            <a:noFill/>
+            <a:ln>
+              <a:solidFill>
+                <a:schemeClr val="tx1"/>
+              </a:solidFill>
+            </a:ln>
+          </p:spPr>
+          <p:style>
+            <a:lnRef idx="2">
+              <a:schemeClr val="accent1">
+                <a:shade val="50000"/>
+              </a:schemeClr>
+            </a:lnRef>
+            <a:fillRef idx="1">
+              <a:schemeClr val="accent1"/>
+            </a:fillRef>
+            <a:effectRef idx="0">
+              <a:schemeClr val="accent1"/>
+            </a:effectRef>
+            <a:fontRef idx="minor">
+              <a:schemeClr val="lt1"/>
+            </a:fontRef>
+          </p:style>
+          <p:txBody>
+            <a:bodyPr rtlCol="0" anchor="ctr"/>
+            <a:lstStyle/>
+            <a:p>
+              <a:pPr algn="ctr"/>
+              <a:r>
+                <a:rPr lang="en-US" altLang="ko-KR" sz="1200">
+                  <a:solidFill>
+                    <a:schemeClr val="tx1"/>
+                  </a:solidFill>
+                </a:rPr>
+                <a:t>ip3.xdc</a:t>
+              </a:r>
+              <a:endParaRPr lang="ko-KR" altLang="en-US" sz="1200" dirty="0">
+                <a:solidFill>
+                  <a:schemeClr val="tx1"/>
+                </a:solidFill>
+              </a:endParaRPr>
+            </a:p>
+          </p:txBody>
+        </p:sp>
+        <p:cxnSp>
+          <p:nvCxnSpPr>
+            <p:cNvPr id="28" name="직선 연결선 27">
+              <a:extLst>
+                <a:ext uri="{FF2B5EF4-FFF2-40B4-BE49-F238E27FC236}">
+                  <a16:creationId xmlns:a16="http://schemas.microsoft.com/office/drawing/2014/main" id="{57BD8F7F-4FF8-7D01-B78B-845FD69FB541}"/>
+                </a:ext>
+              </a:extLst>
+            </p:cNvPr>
+            <p:cNvCxnSpPr/>
+            <p:nvPr/>
+          </p:nvCxnSpPr>
+          <p:spPr>
+            <a:xfrm>
+              <a:off x="1853619" y="4816463"/>
+              <a:ext cx="576262" cy="0"/>
+            </a:xfrm>
+            <a:prstGeom prst="line">
+              <a:avLst/>
+            </a:prstGeom>
+            <a:ln w="15875"/>
+          </p:spPr>
+          <p:style>
+            <a:lnRef idx="1">
+              <a:schemeClr val="dk1"/>
+            </a:lnRef>
+            <a:fillRef idx="0">
+              <a:schemeClr val="dk1"/>
+            </a:fillRef>
+            <a:effectRef idx="0">
+              <a:schemeClr val="dk1"/>
+            </a:effectRef>
+            <a:fontRef idx="minor">
+              <a:schemeClr val="tx1"/>
+            </a:fontRef>
+          </p:style>
+        </p:cxnSp>
+        <p:cxnSp>
+          <p:nvCxnSpPr>
+            <p:cNvPr id="29" name="직선 연결선 28">
+              <a:extLst>
+                <a:ext uri="{FF2B5EF4-FFF2-40B4-BE49-F238E27FC236}">
+                  <a16:creationId xmlns:a16="http://schemas.microsoft.com/office/drawing/2014/main" id="{DFBB5C32-7399-7438-E15C-58E95CA08A42}"/>
+                </a:ext>
+              </a:extLst>
+            </p:cNvPr>
+            <p:cNvCxnSpPr/>
+            <p:nvPr/>
+          </p:nvCxnSpPr>
+          <p:spPr>
+            <a:xfrm>
+              <a:off x="1853619" y="4912573"/>
+              <a:ext cx="576262" cy="0"/>
+            </a:xfrm>
+            <a:prstGeom prst="line">
+              <a:avLst/>
+            </a:prstGeom>
+            <a:ln w="15875"/>
+          </p:spPr>
+          <p:style>
+            <a:lnRef idx="1">
+              <a:schemeClr val="dk1"/>
+            </a:lnRef>
+            <a:fillRef idx="0">
+              <a:schemeClr val="dk1"/>
+            </a:fillRef>
+            <a:effectRef idx="0">
+              <a:schemeClr val="dk1"/>
+            </a:effectRef>
+            <a:fontRef idx="minor">
+              <a:schemeClr val="tx1"/>
+            </a:fontRef>
+          </p:style>
+        </p:cxnSp>
+        <p:cxnSp>
+          <p:nvCxnSpPr>
+            <p:cNvPr id="30" name="직선 연결선 29">
+              <a:extLst>
+                <a:ext uri="{FF2B5EF4-FFF2-40B4-BE49-F238E27FC236}">
+                  <a16:creationId xmlns:a16="http://schemas.microsoft.com/office/drawing/2014/main" id="{6AD96F38-017F-4DFA-3A8F-AE959461BC9B}"/>
+                </a:ext>
+              </a:extLst>
+            </p:cNvPr>
+            <p:cNvCxnSpPr/>
+            <p:nvPr/>
+          </p:nvCxnSpPr>
+          <p:spPr>
+            <a:xfrm>
+              <a:off x="1853619" y="5003060"/>
+              <a:ext cx="576262" cy="0"/>
+            </a:xfrm>
+            <a:prstGeom prst="line">
+              <a:avLst/>
+            </a:prstGeom>
+            <a:ln w="15875"/>
+          </p:spPr>
+          <p:style>
+            <a:lnRef idx="1">
+              <a:schemeClr val="dk1"/>
+            </a:lnRef>
+            <a:fillRef idx="0">
+              <a:schemeClr val="dk1"/>
+            </a:fillRef>
+            <a:effectRef idx="0">
+              <a:schemeClr val="dk1"/>
+            </a:effectRef>
+            <a:fontRef idx="minor">
+              <a:schemeClr val="tx1"/>
+            </a:fontRef>
+          </p:style>
+        </p:cxnSp>
+      </p:grpSp>
+      <p:grpSp>
+        <p:nvGrpSpPr>
+          <p:cNvPr id="31" name="그룹 30">
+            <a:extLst>
+              <a:ext uri="{FF2B5EF4-FFF2-40B4-BE49-F238E27FC236}">
+                <a16:creationId xmlns:a16="http://schemas.microsoft.com/office/drawing/2014/main" id="{6E4FC3DA-2F56-1EE9-9478-8795B4788830}"/>
+              </a:ext>
+            </a:extLst>
+          </p:cNvPr>
+          <p:cNvGrpSpPr/>
+          <p:nvPr/>
+        </p:nvGrpSpPr>
+        <p:grpSpPr>
+          <a:xfrm>
+            <a:off x="8629190" y="4338460"/>
+            <a:ext cx="900113" cy="714375"/>
+            <a:chOff x="1600200" y="5600700"/>
+            <a:chExt cx="900113" cy="714375"/>
+          </a:xfrm>
+        </p:grpSpPr>
+        <p:sp>
+          <p:nvSpPr>
+            <p:cNvPr id="32" name="사각형: 잘린 한쪽 모서리 31">
+              <a:extLst>
+                <a:ext uri="{FF2B5EF4-FFF2-40B4-BE49-F238E27FC236}">
+                  <a16:creationId xmlns:a16="http://schemas.microsoft.com/office/drawing/2014/main" id="{DE88A558-DB05-089D-911B-69DDC271B687}"/>
+                </a:ext>
+              </a:extLst>
+            </p:cNvPr>
+            <p:cNvSpPr/>
+            <p:nvPr/>
+          </p:nvSpPr>
+          <p:spPr>
+            <a:xfrm>
+              <a:off x="1600200" y="5631475"/>
+              <a:ext cx="452438" cy="452438"/>
+            </a:xfrm>
+            <a:prstGeom prst="snip1Rect">
+              <a:avLst/>
+            </a:prstGeom>
+            <a:solidFill>
+              <a:schemeClr val="accent4">
+                <a:lumMod val="75000"/>
+              </a:schemeClr>
+            </a:solidFill>
+            <a:ln>
+              <a:solidFill>
+                <a:schemeClr val="tx1"/>
+              </a:solidFill>
+            </a:ln>
+          </p:spPr>
+          <p:style>
+            <a:lnRef idx="2">
+              <a:schemeClr val="accent1">
+                <a:shade val="50000"/>
+              </a:schemeClr>
+            </a:lnRef>
+            <a:fillRef idx="1">
+              <a:schemeClr val="accent1"/>
+            </a:fillRef>
+            <a:effectRef idx="0">
+              <a:schemeClr val="accent1"/>
+            </a:effectRef>
+            <a:fontRef idx="minor">
+              <a:schemeClr val="lt1"/>
+            </a:fontRef>
+          </p:style>
+          <p:txBody>
+            <a:bodyPr rtlCol="0" anchor="ctr"/>
+            <a:lstStyle/>
+            <a:p>
+              <a:pPr algn="ctr"/>
+              <a:endParaRPr lang="ko-KR" altLang="en-US" sz="1200">
+                <a:solidFill>
+                  <a:schemeClr val="tx1"/>
+                </a:solidFill>
+              </a:endParaRPr>
+            </a:p>
+          </p:txBody>
+        </p:sp>
+        <p:sp>
+          <p:nvSpPr>
+            <p:cNvPr id="33" name="자유형: 도형 32">
+              <a:extLst>
+                <a:ext uri="{FF2B5EF4-FFF2-40B4-BE49-F238E27FC236}">
+                  <a16:creationId xmlns:a16="http://schemas.microsoft.com/office/drawing/2014/main" id="{AA3900FC-F8B7-0064-2459-B42256E64E88}"/>
+                </a:ext>
+              </a:extLst>
+            </p:cNvPr>
+            <p:cNvSpPr/>
+            <p:nvPr/>
+          </p:nvSpPr>
+          <p:spPr>
+            <a:xfrm>
+              <a:off x="1600201" y="5600700"/>
+              <a:ext cx="900112" cy="714375"/>
+            </a:xfrm>
+            <a:custGeom>
+              <a:avLst/>
+              <a:gdLst>
+                <a:gd name="connsiteX0" fmla="*/ 533400 w 900112"/>
+                <a:gd name="connsiteY0" fmla="*/ 0 h 714375"/>
+                <a:gd name="connsiteX1" fmla="*/ 388143 w 900112"/>
+                <a:gd name="connsiteY1" fmla="*/ 145257 h 714375"/>
+                <a:gd name="connsiteX2" fmla="*/ 0 w 900112"/>
+                <a:gd name="connsiteY2" fmla="*/ 145257 h 714375"/>
+                <a:gd name="connsiteX3" fmla="*/ 0 w 900112"/>
+                <a:gd name="connsiteY3" fmla="*/ 714375 h 714375"/>
+                <a:gd name="connsiteX4" fmla="*/ 900112 w 900112"/>
+                <a:gd name="connsiteY4" fmla="*/ 714375 h 714375"/>
+                <a:gd name="connsiteX5" fmla="*/ 900112 w 900112"/>
+                <a:gd name="connsiteY5" fmla="*/ 4763 h 714375"/>
+                <a:gd name="connsiteX6" fmla="*/ 533400 w 900112"/>
+                <a:gd name="connsiteY6" fmla="*/ 0 h 714375"/>
+              </a:gdLst>
+              <a:ahLst/>
+              <a:cxnLst>
+                <a:cxn ang="0">
+                  <a:pos x="connsiteX0" y="connsiteY0"/>
+                </a:cxn>
+                <a:cxn ang="0">
+                  <a:pos x="connsiteX1" y="connsiteY1"/>
+                </a:cxn>
+                <a:cxn ang="0">
+                  <a:pos x="connsiteX2" y="connsiteY2"/>
+                </a:cxn>
+                <a:cxn ang="0">
+                  <a:pos x="connsiteX3" y="connsiteY3"/>
+                </a:cxn>
+                <a:cxn ang="0">
+                  <a:pos x="connsiteX4" y="connsiteY4"/>
+                </a:cxn>
+                <a:cxn ang="0">
+                  <a:pos x="connsiteX5" y="connsiteY5"/>
+                </a:cxn>
+                <a:cxn ang="0">
+                  <a:pos x="connsiteX6" y="connsiteY6"/>
+                </a:cxn>
+              </a:cxnLst>
+              <a:rect l="l" t="t" r="r" b="b"/>
+              <a:pathLst>
+                <a:path w="900112" h="714375">
+                  <a:moveTo>
+                    <a:pt x="533400" y="0"/>
+                  </a:moveTo>
+                  <a:lnTo>
+                    <a:pt x="388143" y="145257"/>
+                  </a:lnTo>
+                  <a:lnTo>
+                    <a:pt x="0" y="145257"/>
+                  </a:lnTo>
+                  <a:lnTo>
+                    <a:pt x="0" y="714375"/>
+                  </a:lnTo>
+                  <a:lnTo>
+                    <a:pt x="900112" y="714375"/>
+                  </a:lnTo>
+                  <a:lnTo>
+                    <a:pt x="900112" y="4763"/>
+                  </a:lnTo>
+                  <a:lnTo>
+                    <a:pt x="533400" y="0"/>
+                  </a:lnTo>
+                  <a:close/>
+                </a:path>
+              </a:pathLst>
+            </a:custGeom>
+            <a:solidFill>
+              <a:schemeClr val="accent4">
+                <a:lumMod val="60000"/>
+                <a:lumOff val="40000"/>
+              </a:schemeClr>
+            </a:solidFill>
+            <a:ln>
+              <a:solidFill>
+                <a:schemeClr val="tx1"/>
+              </a:solidFill>
+            </a:ln>
+          </p:spPr>
+          <p:style>
+            <a:lnRef idx="2">
+              <a:schemeClr val="accent1">
+                <a:shade val="50000"/>
+              </a:schemeClr>
+            </a:lnRef>
+            <a:fillRef idx="1">
+              <a:schemeClr val="accent1"/>
+            </a:fillRef>
+            <a:effectRef idx="0">
+              <a:schemeClr val="accent1"/>
+            </a:effectRef>
+            <a:fontRef idx="minor">
+              <a:schemeClr val="lt1"/>
+            </a:fontRef>
+          </p:style>
+          <p:txBody>
+            <a:bodyPr rtlCol="0" anchor="ctr"/>
+            <a:lstStyle/>
+            <a:p>
+              <a:pPr algn="ctr"/>
+              <a:endParaRPr lang="en-US" altLang="ko-KR" sz="1200" dirty="0">
+                <a:solidFill>
+                  <a:schemeClr val="tx1"/>
+                </a:solidFill>
+              </a:endParaRPr>
+            </a:p>
+            <a:p>
+              <a:pPr algn="ctr"/>
+              <a:r>
+                <a:rPr lang="en-US" altLang="ko-KR" sz="1200">
+                  <a:solidFill>
+                    <a:schemeClr val="tx1"/>
+                  </a:solidFill>
+                </a:rPr>
+                <a:t>/prj_dir</a:t>
+              </a:r>
+              <a:endParaRPr lang="ko-KR" altLang="en-US" sz="1200" dirty="0">
+                <a:solidFill>
+                  <a:schemeClr val="tx1"/>
+                </a:solidFill>
+              </a:endParaRPr>
+            </a:p>
+          </p:txBody>
+        </p:sp>
+      </p:grpSp>
+      <p:grpSp>
+        <p:nvGrpSpPr>
+          <p:cNvPr id="34" name="그룹 33">
+            <a:extLst>
+              <a:ext uri="{FF2B5EF4-FFF2-40B4-BE49-F238E27FC236}">
+                <a16:creationId xmlns:a16="http://schemas.microsoft.com/office/drawing/2014/main" id="{7C7D96B7-6757-62DE-4379-C2D36A7F7A2D}"/>
+              </a:ext>
+            </a:extLst>
+          </p:cNvPr>
+          <p:cNvGrpSpPr/>
+          <p:nvPr/>
+        </p:nvGrpSpPr>
+        <p:grpSpPr>
+          <a:xfrm>
+            <a:off x="9149441" y="5380941"/>
+            <a:ext cx="759724" cy="866400"/>
+            <a:chOff x="1803216" y="4681679"/>
+            <a:chExt cx="759724" cy="866400"/>
+          </a:xfrm>
+        </p:grpSpPr>
+        <p:sp>
+          <p:nvSpPr>
+            <p:cNvPr id="35" name="사각형: 잘린 한쪽 모서리 34">
+              <a:extLst>
+                <a:ext uri="{FF2B5EF4-FFF2-40B4-BE49-F238E27FC236}">
+                  <a16:creationId xmlns:a16="http://schemas.microsoft.com/office/drawing/2014/main" id="{7FE7330C-5899-2B74-8244-0D471B421BF3}"/>
+                </a:ext>
+              </a:extLst>
+            </p:cNvPr>
+            <p:cNvSpPr/>
+            <p:nvPr/>
+          </p:nvSpPr>
+          <p:spPr>
+            <a:xfrm>
+              <a:off x="1803216" y="4681679"/>
+              <a:ext cx="759724" cy="866400"/>
+            </a:xfrm>
+            <a:prstGeom prst="snip1Rect">
+              <a:avLst>
+                <a:gd name="adj" fmla="val 24772"/>
+              </a:avLst>
+            </a:prstGeom>
+            <a:noFill/>
+            <a:ln>
+              <a:solidFill>
+                <a:schemeClr val="tx1"/>
+              </a:solidFill>
+            </a:ln>
+          </p:spPr>
+          <p:style>
+            <a:lnRef idx="2">
+              <a:schemeClr val="accent1">
+                <a:shade val="50000"/>
+              </a:schemeClr>
+            </a:lnRef>
+            <a:fillRef idx="1">
+              <a:schemeClr val="accent1"/>
+            </a:fillRef>
+            <a:effectRef idx="0">
+              <a:schemeClr val="accent1"/>
+            </a:effectRef>
+            <a:fontRef idx="minor">
+              <a:schemeClr val="lt1"/>
+            </a:fontRef>
+          </p:style>
+          <p:txBody>
+            <a:bodyPr rtlCol="0" anchor="ctr"/>
+            <a:lstStyle/>
+            <a:p>
+              <a:pPr algn="ctr"/>
+              <a:r>
+                <a:rPr lang="en-US" altLang="ko-KR" sz="1200">
+                  <a:solidFill>
+                    <a:schemeClr val="tx1"/>
+                  </a:solidFill>
+                </a:rPr>
+                <a:t>prj.xpr</a:t>
+              </a:r>
+              <a:endParaRPr lang="ko-KR" altLang="en-US" sz="1200" dirty="0">
+                <a:solidFill>
+                  <a:schemeClr val="tx1"/>
+                </a:solidFill>
+              </a:endParaRPr>
+            </a:p>
+          </p:txBody>
+        </p:sp>
+        <p:cxnSp>
+          <p:nvCxnSpPr>
+            <p:cNvPr id="36" name="직선 연결선 35">
+              <a:extLst>
+                <a:ext uri="{FF2B5EF4-FFF2-40B4-BE49-F238E27FC236}">
+                  <a16:creationId xmlns:a16="http://schemas.microsoft.com/office/drawing/2014/main" id="{DE29B5FB-BDA4-E064-44D9-3E2484191CBF}"/>
+                </a:ext>
+              </a:extLst>
+            </p:cNvPr>
+            <p:cNvCxnSpPr/>
+            <p:nvPr/>
+          </p:nvCxnSpPr>
+          <p:spPr>
+            <a:xfrm>
+              <a:off x="1853619" y="4816463"/>
+              <a:ext cx="576262" cy="0"/>
+            </a:xfrm>
+            <a:prstGeom prst="line">
+              <a:avLst/>
+            </a:prstGeom>
+            <a:ln w="15875"/>
+          </p:spPr>
+          <p:style>
+            <a:lnRef idx="1">
+              <a:schemeClr val="dk1"/>
+            </a:lnRef>
+            <a:fillRef idx="0">
+              <a:schemeClr val="dk1"/>
+            </a:fillRef>
+            <a:effectRef idx="0">
+              <a:schemeClr val="dk1"/>
+            </a:effectRef>
+            <a:fontRef idx="minor">
+              <a:schemeClr val="tx1"/>
+            </a:fontRef>
+          </p:style>
+        </p:cxnSp>
+        <p:cxnSp>
+          <p:nvCxnSpPr>
+            <p:cNvPr id="37" name="직선 연결선 36">
+              <a:extLst>
+                <a:ext uri="{FF2B5EF4-FFF2-40B4-BE49-F238E27FC236}">
+                  <a16:creationId xmlns:a16="http://schemas.microsoft.com/office/drawing/2014/main" id="{F988BF40-3157-0129-C234-13667A2435E2}"/>
+                </a:ext>
+              </a:extLst>
+            </p:cNvPr>
+            <p:cNvCxnSpPr/>
+            <p:nvPr/>
+          </p:nvCxnSpPr>
+          <p:spPr>
+            <a:xfrm>
+              <a:off x="1853619" y="4912573"/>
+              <a:ext cx="576262" cy="0"/>
+            </a:xfrm>
+            <a:prstGeom prst="line">
+              <a:avLst/>
+            </a:prstGeom>
+            <a:ln w="15875"/>
+          </p:spPr>
+          <p:style>
+            <a:lnRef idx="1">
+              <a:schemeClr val="dk1"/>
+            </a:lnRef>
+            <a:fillRef idx="0">
+              <a:schemeClr val="dk1"/>
+            </a:fillRef>
+            <a:effectRef idx="0">
+              <a:schemeClr val="dk1"/>
+            </a:effectRef>
+            <a:fontRef idx="minor">
+              <a:schemeClr val="tx1"/>
+            </a:fontRef>
+          </p:style>
+        </p:cxnSp>
+        <p:cxnSp>
+          <p:nvCxnSpPr>
+            <p:cNvPr id="38" name="직선 연결선 37">
+              <a:extLst>
+                <a:ext uri="{FF2B5EF4-FFF2-40B4-BE49-F238E27FC236}">
+                  <a16:creationId xmlns:a16="http://schemas.microsoft.com/office/drawing/2014/main" id="{4BBD4D48-8293-1079-AB03-093D881D8CA1}"/>
+                </a:ext>
+              </a:extLst>
+            </p:cNvPr>
+            <p:cNvCxnSpPr/>
+            <p:nvPr/>
+          </p:nvCxnSpPr>
+          <p:spPr>
+            <a:xfrm>
+              <a:off x="1853619" y="5003060"/>
+              <a:ext cx="576262" cy="0"/>
+            </a:xfrm>
+            <a:prstGeom prst="line">
+              <a:avLst/>
+            </a:prstGeom>
+            <a:ln w="15875"/>
+          </p:spPr>
+          <p:style>
+            <a:lnRef idx="1">
+              <a:schemeClr val="dk1"/>
+            </a:lnRef>
+            <a:fillRef idx="0">
+              <a:schemeClr val="dk1"/>
+            </a:fillRef>
+            <a:effectRef idx="0">
+              <a:schemeClr val="dk1"/>
+            </a:effectRef>
+            <a:fontRef idx="minor">
+              <a:schemeClr val="tx1"/>
+            </a:fontRef>
+          </p:style>
+        </p:cxnSp>
+      </p:grpSp>
+      <p:grpSp>
+        <p:nvGrpSpPr>
+          <p:cNvPr id="39" name="그룹 38">
+            <a:extLst>
+              <a:ext uri="{FF2B5EF4-FFF2-40B4-BE49-F238E27FC236}">
+                <a16:creationId xmlns:a16="http://schemas.microsoft.com/office/drawing/2014/main" id="{0F124A1D-9FDF-F9D8-751C-2A95B07B75BC}"/>
+              </a:ext>
+            </a:extLst>
+          </p:cNvPr>
+          <p:cNvGrpSpPr/>
+          <p:nvPr/>
+        </p:nvGrpSpPr>
+        <p:grpSpPr>
+          <a:xfrm>
+            <a:off x="8319523" y="5380941"/>
+            <a:ext cx="759724" cy="866400"/>
+            <a:chOff x="1803216" y="4681679"/>
+            <a:chExt cx="759724" cy="866400"/>
+          </a:xfrm>
+        </p:grpSpPr>
+        <p:sp>
+          <p:nvSpPr>
+            <p:cNvPr id="40" name="사각형: 잘린 한쪽 모서리 39">
+              <a:extLst>
+                <a:ext uri="{FF2B5EF4-FFF2-40B4-BE49-F238E27FC236}">
+                  <a16:creationId xmlns:a16="http://schemas.microsoft.com/office/drawing/2014/main" id="{96ABD18E-BF7C-A8CE-91CD-9AB23080D626}"/>
+                </a:ext>
+              </a:extLst>
+            </p:cNvPr>
+            <p:cNvSpPr/>
+            <p:nvPr/>
+          </p:nvSpPr>
+          <p:spPr>
+            <a:xfrm>
+              <a:off x="1803216" y="4681679"/>
+              <a:ext cx="759724" cy="866400"/>
+            </a:xfrm>
+            <a:prstGeom prst="snip1Rect">
+              <a:avLst>
+                <a:gd name="adj" fmla="val 24772"/>
+              </a:avLst>
+            </a:prstGeom>
+            <a:noFill/>
+            <a:ln>
+              <a:solidFill>
+                <a:schemeClr val="tx1"/>
+              </a:solidFill>
+            </a:ln>
+          </p:spPr>
+          <p:style>
+            <a:lnRef idx="2">
+              <a:schemeClr val="accent1">
+                <a:shade val="50000"/>
+              </a:schemeClr>
+            </a:lnRef>
+            <a:fillRef idx="1">
+              <a:schemeClr val="accent1"/>
+            </a:fillRef>
+            <a:effectRef idx="0">
+              <a:schemeClr val="accent1"/>
+            </a:effectRef>
+            <a:fontRef idx="minor">
+              <a:schemeClr val="lt1"/>
+            </a:fontRef>
+          </p:style>
+          <p:txBody>
+            <a:bodyPr rtlCol="0" anchor="ctr"/>
+            <a:lstStyle/>
+            <a:p>
+              <a:pPr algn="ctr"/>
+              <a:r>
+                <a:rPr lang="en-US" altLang="ko-KR" sz="1200">
+                  <a:solidFill>
+                    <a:schemeClr val="tx1"/>
+                  </a:solidFill>
+                </a:rPr>
+                <a:t>blk.bd</a:t>
+              </a:r>
+              <a:endParaRPr lang="ko-KR" altLang="en-US" sz="1200" dirty="0">
+                <a:solidFill>
+                  <a:schemeClr val="tx1"/>
+                </a:solidFill>
+              </a:endParaRPr>
+            </a:p>
+          </p:txBody>
+        </p:sp>
+        <p:cxnSp>
+          <p:nvCxnSpPr>
+            <p:cNvPr id="41" name="직선 연결선 40">
+              <a:extLst>
+                <a:ext uri="{FF2B5EF4-FFF2-40B4-BE49-F238E27FC236}">
+                  <a16:creationId xmlns:a16="http://schemas.microsoft.com/office/drawing/2014/main" id="{685062D3-2B26-1CDE-5649-E0B4924F8A75}"/>
+                </a:ext>
+              </a:extLst>
+            </p:cNvPr>
+            <p:cNvCxnSpPr/>
+            <p:nvPr/>
+          </p:nvCxnSpPr>
+          <p:spPr>
+            <a:xfrm>
+              <a:off x="1853619" y="4816463"/>
+              <a:ext cx="576262" cy="0"/>
+            </a:xfrm>
+            <a:prstGeom prst="line">
+              <a:avLst/>
+            </a:prstGeom>
+            <a:ln w="15875"/>
+          </p:spPr>
+          <p:style>
+            <a:lnRef idx="1">
+              <a:schemeClr val="dk1"/>
+            </a:lnRef>
+            <a:fillRef idx="0">
+              <a:schemeClr val="dk1"/>
+            </a:fillRef>
+            <a:effectRef idx="0">
+              <a:schemeClr val="dk1"/>
+            </a:effectRef>
+            <a:fontRef idx="minor">
+              <a:schemeClr val="tx1"/>
+            </a:fontRef>
+          </p:style>
+        </p:cxnSp>
+        <p:cxnSp>
+          <p:nvCxnSpPr>
+            <p:cNvPr id="42" name="직선 연결선 41">
+              <a:extLst>
+                <a:ext uri="{FF2B5EF4-FFF2-40B4-BE49-F238E27FC236}">
+                  <a16:creationId xmlns:a16="http://schemas.microsoft.com/office/drawing/2014/main" id="{29CAE60C-3E6D-62D3-52CF-95B51CFA4E99}"/>
+                </a:ext>
+              </a:extLst>
+            </p:cNvPr>
+            <p:cNvCxnSpPr/>
+            <p:nvPr/>
+          </p:nvCxnSpPr>
+          <p:spPr>
+            <a:xfrm>
+              <a:off x="1853619" y="4912573"/>
+              <a:ext cx="576262" cy="0"/>
+            </a:xfrm>
+            <a:prstGeom prst="line">
+              <a:avLst/>
+            </a:prstGeom>
+            <a:ln w="15875"/>
+          </p:spPr>
+          <p:style>
+            <a:lnRef idx="1">
+              <a:schemeClr val="dk1"/>
+            </a:lnRef>
+            <a:fillRef idx="0">
+              <a:schemeClr val="dk1"/>
+            </a:fillRef>
+            <a:effectRef idx="0">
+              <a:schemeClr val="dk1"/>
+            </a:effectRef>
+            <a:fontRef idx="minor">
+              <a:schemeClr val="tx1"/>
+            </a:fontRef>
+          </p:style>
+        </p:cxnSp>
+        <p:cxnSp>
+          <p:nvCxnSpPr>
+            <p:cNvPr id="43" name="직선 연결선 42">
+              <a:extLst>
+                <a:ext uri="{FF2B5EF4-FFF2-40B4-BE49-F238E27FC236}">
+                  <a16:creationId xmlns:a16="http://schemas.microsoft.com/office/drawing/2014/main" id="{182FCF6B-6976-B19D-7DFD-1F2E0580AD2F}"/>
+                </a:ext>
+              </a:extLst>
+            </p:cNvPr>
+            <p:cNvCxnSpPr/>
+            <p:nvPr/>
+          </p:nvCxnSpPr>
+          <p:spPr>
+            <a:xfrm>
+              <a:off x="1853619" y="5003060"/>
+              <a:ext cx="576262" cy="0"/>
+            </a:xfrm>
+            <a:prstGeom prst="line">
+              <a:avLst/>
+            </a:prstGeom>
+            <a:ln w="15875"/>
+          </p:spPr>
+          <p:style>
+            <a:lnRef idx="1">
+              <a:schemeClr val="dk1"/>
+            </a:lnRef>
+            <a:fillRef idx="0">
+              <a:schemeClr val="dk1"/>
+            </a:fillRef>
+            <a:effectRef idx="0">
+              <a:schemeClr val="dk1"/>
+            </a:effectRef>
+            <a:fontRef idx="minor">
+              <a:schemeClr val="tx1"/>
+            </a:fontRef>
+          </p:style>
+        </p:cxnSp>
+      </p:grpSp>
+      <p:grpSp>
+        <p:nvGrpSpPr>
+          <p:cNvPr id="44" name="그룹 43">
+            <a:extLst>
+              <a:ext uri="{FF2B5EF4-FFF2-40B4-BE49-F238E27FC236}">
+                <a16:creationId xmlns:a16="http://schemas.microsoft.com/office/drawing/2014/main" id="{62D69BFC-C9B6-09EC-42F4-B6622A3ECA23}"/>
+              </a:ext>
+            </a:extLst>
+          </p:cNvPr>
+          <p:cNvGrpSpPr/>
+          <p:nvPr/>
+        </p:nvGrpSpPr>
+        <p:grpSpPr>
+          <a:xfrm>
+            <a:off x="1593619" y="4560585"/>
+            <a:ext cx="900113" cy="714375"/>
+            <a:chOff x="1600200" y="5600700"/>
+            <a:chExt cx="900113" cy="714375"/>
+          </a:xfrm>
+        </p:grpSpPr>
+        <p:sp>
+          <p:nvSpPr>
+            <p:cNvPr id="45" name="사각형: 잘린 한쪽 모서리 44">
+              <a:extLst>
+                <a:ext uri="{FF2B5EF4-FFF2-40B4-BE49-F238E27FC236}">
+                  <a16:creationId xmlns:a16="http://schemas.microsoft.com/office/drawing/2014/main" id="{5C5EACE2-2A2D-97E8-FD5A-DF5790139694}"/>
+                </a:ext>
+              </a:extLst>
+            </p:cNvPr>
+            <p:cNvSpPr/>
+            <p:nvPr/>
+          </p:nvSpPr>
+          <p:spPr>
+            <a:xfrm>
+              <a:off x="1600200" y="5631475"/>
+              <a:ext cx="452438" cy="452438"/>
+            </a:xfrm>
+            <a:prstGeom prst="snip1Rect">
+              <a:avLst/>
+            </a:prstGeom>
+            <a:solidFill>
+              <a:schemeClr val="accent4">
+                <a:lumMod val="75000"/>
+              </a:schemeClr>
+            </a:solidFill>
+            <a:ln>
+              <a:solidFill>
+                <a:schemeClr val="tx1"/>
+              </a:solidFill>
+            </a:ln>
+          </p:spPr>
+          <p:style>
+            <a:lnRef idx="2">
+              <a:schemeClr val="accent1">
+                <a:shade val="50000"/>
+              </a:schemeClr>
+            </a:lnRef>
+            <a:fillRef idx="1">
+              <a:schemeClr val="accent1"/>
+            </a:fillRef>
+            <a:effectRef idx="0">
+              <a:schemeClr val="accent1"/>
+            </a:effectRef>
+            <a:fontRef idx="minor">
+              <a:schemeClr val="lt1"/>
+            </a:fontRef>
+          </p:style>
+          <p:txBody>
+            <a:bodyPr rtlCol="0" anchor="ctr"/>
+            <a:lstStyle/>
+            <a:p>
+              <a:pPr algn="ctr"/>
+              <a:endParaRPr lang="ko-KR" altLang="en-US" sz="1200">
+                <a:solidFill>
+                  <a:schemeClr val="tx1"/>
+                </a:solidFill>
+              </a:endParaRPr>
+            </a:p>
+          </p:txBody>
+        </p:sp>
+        <p:sp>
+          <p:nvSpPr>
+            <p:cNvPr id="46" name="자유형: 도형 45">
+              <a:extLst>
+                <a:ext uri="{FF2B5EF4-FFF2-40B4-BE49-F238E27FC236}">
+                  <a16:creationId xmlns:a16="http://schemas.microsoft.com/office/drawing/2014/main" id="{4F7FFEBC-D1EF-CC13-CC93-E888E18D3839}"/>
+                </a:ext>
+              </a:extLst>
+            </p:cNvPr>
+            <p:cNvSpPr/>
+            <p:nvPr/>
+          </p:nvSpPr>
+          <p:spPr>
+            <a:xfrm>
+              <a:off x="1600201" y="5600700"/>
+              <a:ext cx="900112" cy="714375"/>
+            </a:xfrm>
+            <a:custGeom>
+              <a:avLst/>
+              <a:gdLst>
+                <a:gd name="connsiteX0" fmla="*/ 533400 w 900112"/>
+                <a:gd name="connsiteY0" fmla="*/ 0 h 714375"/>
+                <a:gd name="connsiteX1" fmla="*/ 388143 w 900112"/>
+                <a:gd name="connsiteY1" fmla="*/ 145257 h 714375"/>
+                <a:gd name="connsiteX2" fmla="*/ 0 w 900112"/>
+                <a:gd name="connsiteY2" fmla="*/ 145257 h 714375"/>
+                <a:gd name="connsiteX3" fmla="*/ 0 w 900112"/>
+                <a:gd name="connsiteY3" fmla="*/ 714375 h 714375"/>
+                <a:gd name="connsiteX4" fmla="*/ 900112 w 900112"/>
+                <a:gd name="connsiteY4" fmla="*/ 714375 h 714375"/>
+                <a:gd name="connsiteX5" fmla="*/ 900112 w 900112"/>
+                <a:gd name="connsiteY5" fmla="*/ 4763 h 714375"/>
+                <a:gd name="connsiteX6" fmla="*/ 533400 w 900112"/>
+                <a:gd name="connsiteY6" fmla="*/ 0 h 714375"/>
+              </a:gdLst>
+              <a:ahLst/>
+              <a:cxnLst>
+                <a:cxn ang="0">
+                  <a:pos x="connsiteX0" y="connsiteY0"/>
+                </a:cxn>
+                <a:cxn ang="0">
+                  <a:pos x="connsiteX1" y="connsiteY1"/>
+                </a:cxn>
+                <a:cxn ang="0">
+                  <a:pos x="connsiteX2" y="connsiteY2"/>
+                </a:cxn>
+                <a:cxn ang="0">
+                  <a:pos x="connsiteX3" y="connsiteY3"/>
+                </a:cxn>
+                <a:cxn ang="0">
+                  <a:pos x="connsiteX4" y="connsiteY4"/>
+                </a:cxn>
+                <a:cxn ang="0">
+                  <a:pos x="connsiteX5" y="connsiteY5"/>
+                </a:cxn>
+                <a:cxn ang="0">
+                  <a:pos x="connsiteX6" y="connsiteY6"/>
+                </a:cxn>
+              </a:cxnLst>
+              <a:rect l="l" t="t" r="r" b="b"/>
+              <a:pathLst>
+                <a:path w="900112" h="714375">
+                  <a:moveTo>
+                    <a:pt x="533400" y="0"/>
+                  </a:moveTo>
+                  <a:lnTo>
+                    <a:pt x="388143" y="145257"/>
+                  </a:lnTo>
+                  <a:lnTo>
+                    <a:pt x="0" y="145257"/>
+                  </a:lnTo>
+                  <a:lnTo>
+                    <a:pt x="0" y="714375"/>
+                  </a:lnTo>
+                  <a:lnTo>
+                    <a:pt x="900112" y="714375"/>
+                  </a:lnTo>
+                  <a:lnTo>
+                    <a:pt x="900112" y="4763"/>
+                  </a:lnTo>
+                  <a:lnTo>
+                    <a:pt x="533400" y="0"/>
+                  </a:lnTo>
+                  <a:close/>
+                </a:path>
+              </a:pathLst>
+            </a:custGeom>
+            <a:solidFill>
+              <a:schemeClr val="accent4">
+                <a:lumMod val="60000"/>
+                <a:lumOff val="40000"/>
+              </a:schemeClr>
+            </a:solidFill>
+            <a:ln>
+              <a:solidFill>
+                <a:schemeClr val="tx1"/>
+              </a:solidFill>
+            </a:ln>
+          </p:spPr>
+          <p:style>
+            <a:lnRef idx="2">
+              <a:schemeClr val="accent1">
+                <a:shade val="50000"/>
+              </a:schemeClr>
+            </a:lnRef>
+            <a:fillRef idx="1">
+              <a:schemeClr val="accent1"/>
+            </a:fillRef>
+            <a:effectRef idx="0">
+              <a:schemeClr val="accent1"/>
+            </a:effectRef>
+            <a:fontRef idx="minor">
+              <a:schemeClr val="lt1"/>
+            </a:fontRef>
+          </p:style>
+          <p:txBody>
+            <a:bodyPr rtlCol="0" anchor="ctr"/>
+            <a:lstStyle/>
+            <a:p>
+              <a:pPr algn="ctr"/>
+              <a:endParaRPr lang="en-US" altLang="ko-KR" sz="1200" dirty="0">
+                <a:solidFill>
+                  <a:schemeClr val="tx1"/>
+                </a:solidFill>
+              </a:endParaRPr>
+            </a:p>
+            <a:p>
+              <a:pPr algn="ctr"/>
+              <a:r>
+                <a:rPr lang="en-US" altLang="ko-KR" sz="1200">
+                  <a:solidFill>
+                    <a:schemeClr val="tx1"/>
+                  </a:solidFill>
+                </a:rPr>
+                <a:t>/ip_out_dir</a:t>
+              </a:r>
+              <a:endParaRPr lang="ko-KR" altLang="en-US" sz="1200" dirty="0">
+                <a:solidFill>
+                  <a:schemeClr val="tx1"/>
+                </a:solidFill>
+              </a:endParaRPr>
+            </a:p>
+          </p:txBody>
+        </p:sp>
+      </p:grpSp>
+      <p:grpSp>
+        <p:nvGrpSpPr>
+          <p:cNvPr id="47" name="그룹 46">
+            <a:extLst>
+              <a:ext uri="{FF2B5EF4-FFF2-40B4-BE49-F238E27FC236}">
+                <a16:creationId xmlns:a16="http://schemas.microsoft.com/office/drawing/2014/main" id="{6BDE48FA-7927-9DDE-991C-C72BB1D7666A}"/>
+              </a:ext>
+            </a:extLst>
+          </p:cNvPr>
+          <p:cNvGrpSpPr/>
+          <p:nvPr/>
+        </p:nvGrpSpPr>
+        <p:grpSpPr>
+          <a:xfrm>
+            <a:off x="1661432" y="5538946"/>
+            <a:ext cx="759724" cy="866400"/>
+            <a:chOff x="1803216" y="4681679"/>
+            <a:chExt cx="759724" cy="866400"/>
+          </a:xfrm>
+        </p:grpSpPr>
+        <p:sp>
+          <p:nvSpPr>
+            <p:cNvPr id="48" name="사각형: 잘린 한쪽 모서리 47">
+              <a:extLst>
+                <a:ext uri="{FF2B5EF4-FFF2-40B4-BE49-F238E27FC236}">
+                  <a16:creationId xmlns:a16="http://schemas.microsoft.com/office/drawing/2014/main" id="{0B844819-DBEF-2D93-CA11-EC080A9544B8}"/>
+                </a:ext>
+              </a:extLst>
+            </p:cNvPr>
+            <p:cNvSpPr/>
+            <p:nvPr/>
+          </p:nvSpPr>
+          <p:spPr>
+            <a:xfrm>
+              <a:off x="1803216" y="4681679"/>
+              <a:ext cx="759724" cy="866400"/>
+            </a:xfrm>
+            <a:prstGeom prst="snip1Rect">
+              <a:avLst>
+                <a:gd name="adj" fmla="val 24772"/>
+              </a:avLst>
+            </a:prstGeom>
+            <a:noFill/>
+            <a:ln>
+              <a:solidFill>
+                <a:schemeClr val="tx1"/>
+              </a:solidFill>
+            </a:ln>
+          </p:spPr>
+          <p:style>
+            <a:lnRef idx="2">
+              <a:schemeClr val="accent1">
+                <a:shade val="50000"/>
+              </a:schemeClr>
+            </a:lnRef>
+            <a:fillRef idx="1">
+              <a:schemeClr val="accent1"/>
+            </a:fillRef>
+            <a:effectRef idx="0">
+              <a:schemeClr val="accent1"/>
+            </a:effectRef>
+            <a:fontRef idx="minor">
+              <a:schemeClr val="lt1"/>
+            </a:fontRef>
+          </p:style>
+          <p:txBody>
+            <a:bodyPr rtlCol="0" anchor="ctr"/>
+            <a:lstStyle/>
+            <a:p>
+              <a:pPr algn="ctr"/>
+              <a:r>
+                <a:rPr lang="en-US" altLang="ko-KR" sz="1200">
+                  <a:solidFill>
+                    <a:schemeClr val="tx1"/>
+                  </a:solidFill>
+                </a:rPr>
+                <a:t>ip.xml</a:t>
+              </a:r>
+              <a:endParaRPr lang="ko-KR" altLang="en-US" sz="1200" dirty="0">
+                <a:solidFill>
+                  <a:schemeClr val="tx1"/>
+                </a:solidFill>
+              </a:endParaRPr>
+            </a:p>
+          </p:txBody>
+        </p:sp>
+        <p:cxnSp>
+          <p:nvCxnSpPr>
+            <p:cNvPr id="49" name="직선 연결선 48">
+              <a:extLst>
+                <a:ext uri="{FF2B5EF4-FFF2-40B4-BE49-F238E27FC236}">
+                  <a16:creationId xmlns:a16="http://schemas.microsoft.com/office/drawing/2014/main" id="{5E648FB8-84AC-69D2-9B2B-524C1B23AE2B}"/>
+                </a:ext>
+              </a:extLst>
+            </p:cNvPr>
+            <p:cNvCxnSpPr/>
+            <p:nvPr/>
+          </p:nvCxnSpPr>
+          <p:spPr>
+            <a:xfrm>
+              <a:off x="1853619" y="4816463"/>
+              <a:ext cx="576262" cy="0"/>
+            </a:xfrm>
+            <a:prstGeom prst="line">
+              <a:avLst/>
+            </a:prstGeom>
+            <a:ln w="15875"/>
+          </p:spPr>
+          <p:style>
+            <a:lnRef idx="1">
+              <a:schemeClr val="dk1"/>
+            </a:lnRef>
+            <a:fillRef idx="0">
+              <a:schemeClr val="dk1"/>
+            </a:fillRef>
+            <a:effectRef idx="0">
+              <a:schemeClr val="dk1"/>
+            </a:effectRef>
+            <a:fontRef idx="minor">
+              <a:schemeClr val="tx1"/>
+            </a:fontRef>
+          </p:style>
+        </p:cxnSp>
+        <p:cxnSp>
+          <p:nvCxnSpPr>
+            <p:cNvPr id="50" name="직선 연결선 49">
+              <a:extLst>
+                <a:ext uri="{FF2B5EF4-FFF2-40B4-BE49-F238E27FC236}">
+                  <a16:creationId xmlns:a16="http://schemas.microsoft.com/office/drawing/2014/main" id="{BA634611-D842-61F0-1B10-2ECD7323A9A5}"/>
+                </a:ext>
+              </a:extLst>
+            </p:cNvPr>
+            <p:cNvCxnSpPr/>
+            <p:nvPr/>
+          </p:nvCxnSpPr>
+          <p:spPr>
+            <a:xfrm>
+              <a:off x="1853619" y="4912573"/>
+              <a:ext cx="576262" cy="0"/>
+            </a:xfrm>
+            <a:prstGeom prst="line">
+              <a:avLst/>
+            </a:prstGeom>
+            <a:ln w="15875"/>
+          </p:spPr>
+          <p:style>
+            <a:lnRef idx="1">
+              <a:schemeClr val="dk1"/>
+            </a:lnRef>
+            <a:fillRef idx="0">
+              <a:schemeClr val="dk1"/>
+            </a:fillRef>
+            <a:effectRef idx="0">
+              <a:schemeClr val="dk1"/>
+            </a:effectRef>
+            <a:fontRef idx="minor">
+              <a:schemeClr val="tx1"/>
+            </a:fontRef>
+          </p:style>
+        </p:cxnSp>
+        <p:cxnSp>
+          <p:nvCxnSpPr>
+            <p:cNvPr id="51" name="직선 연결선 50">
+              <a:extLst>
+                <a:ext uri="{FF2B5EF4-FFF2-40B4-BE49-F238E27FC236}">
+                  <a16:creationId xmlns:a16="http://schemas.microsoft.com/office/drawing/2014/main" id="{40A445F8-2C23-D19C-D48F-B582A10C04A3}"/>
+                </a:ext>
+              </a:extLst>
+            </p:cNvPr>
+            <p:cNvCxnSpPr/>
+            <p:nvPr/>
+          </p:nvCxnSpPr>
+          <p:spPr>
+            <a:xfrm>
+              <a:off x="1853619" y="5003060"/>
+              <a:ext cx="576262" cy="0"/>
+            </a:xfrm>
+            <a:prstGeom prst="line">
+              <a:avLst/>
+            </a:prstGeom>
+            <a:ln w="15875"/>
+          </p:spPr>
+          <p:style>
+            <a:lnRef idx="1">
+              <a:schemeClr val="dk1"/>
+            </a:lnRef>
+            <a:fillRef idx="0">
+              <a:schemeClr val="dk1"/>
+            </a:fillRef>
+            <a:effectRef idx="0">
+              <a:schemeClr val="dk1"/>
+            </a:effectRef>
+            <a:fontRef idx="minor">
+              <a:schemeClr val="tx1"/>
+            </a:fontRef>
+          </p:style>
+        </p:cxnSp>
+      </p:grpSp>
+      <p:grpSp>
+        <p:nvGrpSpPr>
+          <p:cNvPr id="52" name="그룹 51">
+            <a:extLst>
+              <a:ext uri="{FF2B5EF4-FFF2-40B4-BE49-F238E27FC236}">
+                <a16:creationId xmlns:a16="http://schemas.microsoft.com/office/drawing/2014/main" id="{E2EEF8C7-B903-83FD-9DAF-EA882E9C46BA}"/>
+              </a:ext>
+            </a:extLst>
+          </p:cNvPr>
+          <p:cNvGrpSpPr/>
+          <p:nvPr/>
+        </p:nvGrpSpPr>
+        <p:grpSpPr>
+          <a:xfrm>
+            <a:off x="831514" y="5538946"/>
+            <a:ext cx="759724" cy="866400"/>
+            <a:chOff x="1803216" y="4681679"/>
+            <a:chExt cx="759724" cy="866400"/>
+          </a:xfrm>
+        </p:grpSpPr>
+        <p:sp>
+          <p:nvSpPr>
+            <p:cNvPr id="53" name="사각형: 잘린 한쪽 모서리 52">
+              <a:extLst>
+                <a:ext uri="{FF2B5EF4-FFF2-40B4-BE49-F238E27FC236}">
+                  <a16:creationId xmlns:a16="http://schemas.microsoft.com/office/drawing/2014/main" id="{A3B955E7-F53C-8C46-68E6-3F7A375F4B42}"/>
+                </a:ext>
+              </a:extLst>
+            </p:cNvPr>
+            <p:cNvSpPr/>
+            <p:nvPr/>
+          </p:nvSpPr>
+          <p:spPr>
+            <a:xfrm>
+              <a:off x="1803216" y="4681679"/>
+              <a:ext cx="759724" cy="866400"/>
+            </a:xfrm>
+            <a:prstGeom prst="snip1Rect">
+              <a:avLst>
+                <a:gd name="adj" fmla="val 24772"/>
+              </a:avLst>
+            </a:prstGeom>
+            <a:noFill/>
+            <a:ln>
+              <a:solidFill>
+                <a:schemeClr val="tx1"/>
+              </a:solidFill>
+            </a:ln>
+          </p:spPr>
+          <p:style>
+            <a:lnRef idx="2">
+              <a:schemeClr val="accent1">
+                <a:shade val="50000"/>
+              </a:schemeClr>
+            </a:lnRef>
+            <a:fillRef idx="1">
+              <a:schemeClr val="accent1"/>
+            </a:fillRef>
+            <a:effectRef idx="0">
+              <a:schemeClr val="accent1"/>
+            </a:effectRef>
+            <a:fontRef idx="minor">
+              <a:schemeClr val="lt1"/>
+            </a:fontRef>
+          </p:style>
+          <p:txBody>
+            <a:bodyPr rtlCol="0" anchor="ctr"/>
+            <a:lstStyle/>
+            <a:p>
+              <a:pPr algn="ctr"/>
+              <a:r>
+                <a:rPr lang="en-US" altLang="ko-KR" sz="1200">
+                  <a:solidFill>
+                    <a:schemeClr val="tx1"/>
+                  </a:solidFill>
+                </a:rPr>
+                <a:t>ip.xic</a:t>
+              </a:r>
+              <a:endParaRPr lang="ko-KR" altLang="en-US" sz="1200" dirty="0">
+                <a:solidFill>
+                  <a:schemeClr val="tx1"/>
+                </a:solidFill>
+              </a:endParaRPr>
+            </a:p>
+          </p:txBody>
+        </p:sp>
+        <p:cxnSp>
+          <p:nvCxnSpPr>
+            <p:cNvPr id="54" name="직선 연결선 53">
+              <a:extLst>
+                <a:ext uri="{FF2B5EF4-FFF2-40B4-BE49-F238E27FC236}">
+                  <a16:creationId xmlns:a16="http://schemas.microsoft.com/office/drawing/2014/main" id="{B96F20BD-BAD3-8BF1-4076-02204BBBF222}"/>
+                </a:ext>
+              </a:extLst>
+            </p:cNvPr>
+            <p:cNvCxnSpPr/>
+            <p:nvPr/>
+          </p:nvCxnSpPr>
+          <p:spPr>
+            <a:xfrm>
+              <a:off x="1853619" y="4816463"/>
+              <a:ext cx="576262" cy="0"/>
+            </a:xfrm>
+            <a:prstGeom prst="line">
+              <a:avLst/>
+            </a:prstGeom>
+            <a:ln w="15875"/>
+          </p:spPr>
+          <p:style>
+            <a:lnRef idx="1">
+              <a:schemeClr val="dk1"/>
+            </a:lnRef>
+            <a:fillRef idx="0">
+              <a:schemeClr val="dk1"/>
+            </a:fillRef>
+            <a:effectRef idx="0">
+              <a:schemeClr val="dk1"/>
+            </a:effectRef>
+            <a:fontRef idx="minor">
+              <a:schemeClr val="tx1"/>
+            </a:fontRef>
+          </p:style>
+        </p:cxnSp>
+        <p:cxnSp>
+          <p:nvCxnSpPr>
+            <p:cNvPr id="55" name="직선 연결선 54">
+              <a:extLst>
+                <a:ext uri="{FF2B5EF4-FFF2-40B4-BE49-F238E27FC236}">
+                  <a16:creationId xmlns:a16="http://schemas.microsoft.com/office/drawing/2014/main" id="{013E0BD3-952E-A31B-F53A-EEBA46DBAC54}"/>
+                </a:ext>
+              </a:extLst>
+            </p:cNvPr>
+            <p:cNvCxnSpPr/>
+            <p:nvPr/>
+          </p:nvCxnSpPr>
+          <p:spPr>
+            <a:xfrm>
+              <a:off x="1853619" y="4912573"/>
+              <a:ext cx="576262" cy="0"/>
+            </a:xfrm>
+            <a:prstGeom prst="line">
+              <a:avLst/>
+            </a:prstGeom>
+            <a:ln w="15875"/>
+          </p:spPr>
+          <p:style>
+            <a:lnRef idx="1">
+              <a:schemeClr val="dk1"/>
+            </a:lnRef>
+            <a:fillRef idx="0">
+              <a:schemeClr val="dk1"/>
+            </a:fillRef>
+            <a:effectRef idx="0">
+              <a:schemeClr val="dk1"/>
+            </a:effectRef>
+            <a:fontRef idx="minor">
+              <a:schemeClr val="tx1"/>
+            </a:fontRef>
+          </p:style>
+        </p:cxnSp>
+        <p:cxnSp>
+          <p:nvCxnSpPr>
+            <p:cNvPr id="56" name="직선 연결선 55">
+              <a:extLst>
+                <a:ext uri="{FF2B5EF4-FFF2-40B4-BE49-F238E27FC236}">
+                  <a16:creationId xmlns:a16="http://schemas.microsoft.com/office/drawing/2014/main" id="{C8B89C54-AB58-AFE7-8D62-A851B54F6595}"/>
+                </a:ext>
+              </a:extLst>
+            </p:cNvPr>
+            <p:cNvCxnSpPr/>
+            <p:nvPr/>
+          </p:nvCxnSpPr>
+          <p:spPr>
+            <a:xfrm>
+              <a:off x="1853619" y="5003060"/>
+              <a:ext cx="576262" cy="0"/>
+            </a:xfrm>
+            <a:prstGeom prst="line">
+              <a:avLst/>
+            </a:prstGeom>
+            <a:ln w="15875"/>
+          </p:spPr>
+          <p:style>
+            <a:lnRef idx="1">
+              <a:schemeClr val="dk1"/>
+            </a:lnRef>
+            <a:fillRef idx="0">
+              <a:schemeClr val="dk1"/>
+            </a:fillRef>
+            <a:effectRef idx="0">
+              <a:schemeClr val="dk1"/>
+            </a:effectRef>
+            <a:fontRef idx="minor">
+              <a:schemeClr val="tx1"/>
+            </a:fontRef>
+          </p:style>
+        </p:cxnSp>
+      </p:grpSp>
+      <p:sp>
+        <p:nvSpPr>
+          <p:cNvPr id="57" name="화살표: 아래쪽 56">
+            <a:extLst>
+              <a:ext uri="{FF2B5EF4-FFF2-40B4-BE49-F238E27FC236}">
+                <a16:creationId xmlns:a16="http://schemas.microsoft.com/office/drawing/2014/main" id="{963C6806-690E-D03C-F02F-E622E5AB9F68}"/>
+              </a:ext>
+            </a:extLst>
+          </p:cNvPr>
+          <p:cNvSpPr/>
+          <p:nvPr/>
+        </p:nvSpPr>
+        <p:spPr>
+          <a:xfrm>
+            <a:off x="1828800" y="3747933"/>
+            <a:ext cx="459298" cy="491227"/>
+          </a:xfrm>
+          <a:prstGeom prst="downArrow">
+            <a:avLst/>
+          </a:prstGeom>
+          <a:solidFill>
+            <a:schemeClr val="tx2"/>
+          </a:solidFill>
+          <a:ln>
+            <a:solidFill>
+              <a:schemeClr val="tx2"/>
+            </a:solidFill>
+          </a:ln>
+        </p:spPr>
+        <p:style>
+          <a:lnRef idx="2">
+            <a:schemeClr val="accent1">
+              <a:shade val="15000"/>
+            </a:schemeClr>
+          </a:lnRef>
+          <a:fillRef idx="1">
+            <a:schemeClr val="accent1"/>
+          </a:fillRef>
+          <a:effectRef idx="0">
+            <a:schemeClr val="accent1"/>
+          </a:effectRef>
+          <a:fontRef idx="minor">
+            <a:schemeClr val="lt1"/>
+          </a:fontRef>
+        </p:style>
+        <p:txBody>
+          <a:bodyPr rtlCol="0" anchor="ctr"/>
+          <a:lstStyle/>
+          <a:p>
+            <a:pPr algn="ctr"/>
+            <a:endParaRPr lang="ko-KR" altLang="en-US"/>
+          </a:p>
+        </p:txBody>
+      </p:sp>
+      <p:grpSp>
+        <p:nvGrpSpPr>
+          <p:cNvPr id="58" name="그룹 57">
+            <a:extLst>
+              <a:ext uri="{FF2B5EF4-FFF2-40B4-BE49-F238E27FC236}">
+                <a16:creationId xmlns:a16="http://schemas.microsoft.com/office/drawing/2014/main" id="{FEFFA41C-E776-A7EE-F279-D6CF0C01D0B7}"/>
+              </a:ext>
+            </a:extLst>
+          </p:cNvPr>
+          <p:cNvGrpSpPr/>
+          <p:nvPr/>
+        </p:nvGrpSpPr>
+        <p:grpSpPr>
+          <a:xfrm>
+            <a:off x="2658383" y="3567259"/>
+            <a:ext cx="759724" cy="866400"/>
+            <a:chOff x="1803216" y="4681679"/>
+            <a:chExt cx="759724" cy="866400"/>
+          </a:xfrm>
+        </p:grpSpPr>
+        <p:sp>
+          <p:nvSpPr>
+            <p:cNvPr id="59" name="사각형: 잘린 한쪽 모서리 58">
+              <a:extLst>
+                <a:ext uri="{FF2B5EF4-FFF2-40B4-BE49-F238E27FC236}">
+                  <a16:creationId xmlns:a16="http://schemas.microsoft.com/office/drawing/2014/main" id="{4DC6D5CF-D962-38F8-BD2F-C4148F817694}"/>
+                </a:ext>
+              </a:extLst>
+            </p:cNvPr>
+            <p:cNvSpPr/>
+            <p:nvPr/>
+          </p:nvSpPr>
+          <p:spPr>
+            <a:xfrm>
+              <a:off x="1803216" y="4681679"/>
+              <a:ext cx="759724" cy="866400"/>
+            </a:xfrm>
+            <a:prstGeom prst="snip1Rect">
+              <a:avLst>
+                <a:gd name="adj" fmla="val 24772"/>
+              </a:avLst>
+            </a:prstGeom>
+            <a:noFill/>
+            <a:ln>
+              <a:solidFill>
+                <a:schemeClr val="tx1"/>
+              </a:solidFill>
+            </a:ln>
+          </p:spPr>
+          <p:style>
+            <a:lnRef idx="2">
+              <a:schemeClr val="accent1">
+                <a:shade val="50000"/>
+              </a:schemeClr>
+            </a:lnRef>
+            <a:fillRef idx="1">
+              <a:schemeClr val="accent1"/>
+            </a:fillRef>
+            <a:effectRef idx="0">
+              <a:schemeClr val="accent1"/>
+            </a:effectRef>
+            <a:fontRef idx="minor">
+              <a:schemeClr val="lt1"/>
+            </a:fontRef>
+          </p:style>
+          <p:txBody>
+            <a:bodyPr rtlCol="0" anchor="ctr"/>
+            <a:lstStyle/>
+            <a:p>
+              <a:pPr algn="ctr"/>
+              <a:r>
+                <a:rPr lang="en-US" altLang="ko-KR" sz="1200">
+                  <a:solidFill>
+                    <a:schemeClr val="tx1"/>
+                  </a:solidFill>
+                </a:rPr>
+                <a:t>ip.tcl</a:t>
+              </a:r>
+              <a:endParaRPr lang="ko-KR" altLang="en-US" sz="1200" dirty="0">
+                <a:solidFill>
+                  <a:schemeClr val="tx1"/>
+                </a:solidFill>
+              </a:endParaRPr>
+            </a:p>
+          </p:txBody>
+        </p:sp>
+        <p:cxnSp>
+          <p:nvCxnSpPr>
+            <p:cNvPr id="60" name="직선 연결선 59">
+              <a:extLst>
+                <a:ext uri="{FF2B5EF4-FFF2-40B4-BE49-F238E27FC236}">
+                  <a16:creationId xmlns:a16="http://schemas.microsoft.com/office/drawing/2014/main" id="{3EFBFA2F-9504-8211-483D-DE00019F7B3B}"/>
+                </a:ext>
+              </a:extLst>
+            </p:cNvPr>
+            <p:cNvCxnSpPr/>
+            <p:nvPr/>
+          </p:nvCxnSpPr>
+          <p:spPr>
+            <a:xfrm>
+              <a:off x="1853619" y="4816463"/>
+              <a:ext cx="576262" cy="0"/>
+            </a:xfrm>
+            <a:prstGeom prst="line">
+              <a:avLst/>
+            </a:prstGeom>
+            <a:ln w="15875"/>
+          </p:spPr>
+          <p:style>
+            <a:lnRef idx="1">
+              <a:schemeClr val="dk1"/>
+            </a:lnRef>
+            <a:fillRef idx="0">
+              <a:schemeClr val="dk1"/>
+            </a:fillRef>
+            <a:effectRef idx="0">
+              <a:schemeClr val="dk1"/>
+            </a:effectRef>
+            <a:fontRef idx="minor">
+              <a:schemeClr val="tx1"/>
+            </a:fontRef>
+          </p:style>
+        </p:cxnSp>
+        <p:cxnSp>
+          <p:nvCxnSpPr>
+            <p:cNvPr id="61" name="직선 연결선 60">
+              <a:extLst>
+                <a:ext uri="{FF2B5EF4-FFF2-40B4-BE49-F238E27FC236}">
+                  <a16:creationId xmlns:a16="http://schemas.microsoft.com/office/drawing/2014/main" id="{577C51D0-065F-4152-CE65-206E8ACD7E1F}"/>
+                </a:ext>
+              </a:extLst>
+            </p:cNvPr>
+            <p:cNvCxnSpPr/>
+            <p:nvPr/>
+          </p:nvCxnSpPr>
+          <p:spPr>
+            <a:xfrm>
+              <a:off x="1853619" y="4912573"/>
+              <a:ext cx="576262" cy="0"/>
+            </a:xfrm>
+            <a:prstGeom prst="line">
+              <a:avLst/>
+            </a:prstGeom>
+            <a:ln w="15875"/>
+          </p:spPr>
+          <p:style>
+            <a:lnRef idx="1">
+              <a:schemeClr val="dk1"/>
+            </a:lnRef>
+            <a:fillRef idx="0">
+              <a:schemeClr val="dk1"/>
+            </a:fillRef>
+            <a:effectRef idx="0">
+              <a:schemeClr val="dk1"/>
+            </a:effectRef>
+            <a:fontRef idx="minor">
+              <a:schemeClr val="tx1"/>
+            </a:fontRef>
+          </p:style>
+        </p:cxnSp>
+        <p:cxnSp>
+          <p:nvCxnSpPr>
+            <p:cNvPr id="62" name="직선 연결선 61">
+              <a:extLst>
+                <a:ext uri="{FF2B5EF4-FFF2-40B4-BE49-F238E27FC236}">
+                  <a16:creationId xmlns:a16="http://schemas.microsoft.com/office/drawing/2014/main" id="{6F50BB62-3CD0-EF30-CB9D-AE58C1B1585C}"/>
+                </a:ext>
+              </a:extLst>
+            </p:cNvPr>
+            <p:cNvCxnSpPr/>
+            <p:nvPr/>
+          </p:nvCxnSpPr>
+          <p:spPr>
+            <a:xfrm>
+              <a:off x="1853619" y="5003060"/>
+              <a:ext cx="576262" cy="0"/>
+            </a:xfrm>
+            <a:prstGeom prst="line">
+              <a:avLst/>
+            </a:prstGeom>
+            <a:ln w="15875"/>
+          </p:spPr>
+          <p:style>
+            <a:lnRef idx="1">
+              <a:schemeClr val="dk1"/>
+            </a:lnRef>
+            <a:fillRef idx="0">
+              <a:schemeClr val="dk1"/>
+            </a:fillRef>
+            <a:effectRef idx="0">
+              <a:schemeClr val="dk1"/>
+            </a:effectRef>
+            <a:fontRef idx="minor">
+              <a:schemeClr val="tx1"/>
+            </a:fontRef>
+          </p:style>
+        </p:cxnSp>
+      </p:grpSp>
+      <p:grpSp>
+        <p:nvGrpSpPr>
+          <p:cNvPr id="63" name="그룹 62">
+            <a:extLst>
+              <a:ext uri="{FF2B5EF4-FFF2-40B4-BE49-F238E27FC236}">
+                <a16:creationId xmlns:a16="http://schemas.microsoft.com/office/drawing/2014/main" id="{1558AE4F-DCC9-61AF-0E49-179019AC3FA8}"/>
+              </a:ext>
+            </a:extLst>
+          </p:cNvPr>
+          <p:cNvGrpSpPr/>
+          <p:nvPr/>
+        </p:nvGrpSpPr>
+        <p:grpSpPr>
+          <a:xfrm>
+            <a:off x="5248446" y="5492760"/>
+            <a:ext cx="813148" cy="866400"/>
+            <a:chOff x="1776504" y="4681679"/>
+            <a:chExt cx="813148" cy="866400"/>
+          </a:xfrm>
+        </p:grpSpPr>
+        <p:sp>
+          <p:nvSpPr>
+            <p:cNvPr id="64" name="사각형: 잘린 한쪽 모서리 63">
+              <a:extLst>
+                <a:ext uri="{FF2B5EF4-FFF2-40B4-BE49-F238E27FC236}">
+                  <a16:creationId xmlns:a16="http://schemas.microsoft.com/office/drawing/2014/main" id="{FB0A9A4F-6916-AAD9-6AC2-72B3A0FB8C9D}"/>
+                </a:ext>
+              </a:extLst>
+            </p:cNvPr>
+            <p:cNvSpPr/>
+            <p:nvPr/>
+          </p:nvSpPr>
+          <p:spPr>
+            <a:xfrm>
+              <a:off x="1776504" y="4681679"/>
+              <a:ext cx="813148" cy="866400"/>
+            </a:xfrm>
+            <a:prstGeom prst="snip1Rect">
+              <a:avLst>
+                <a:gd name="adj" fmla="val 24772"/>
+              </a:avLst>
+            </a:prstGeom>
+            <a:noFill/>
+            <a:ln>
+              <a:solidFill>
+                <a:schemeClr val="tx1"/>
+              </a:solidFill>
+            </a:ln>
+          </p:spPr>
+          <p:style>
+            <a:lnRef idx="2">
+              <a:schemeClr val="accent1">
+                <a:shade val="50000"/>
+              </a:schemeClr>
+            </a:lnRef>
+            <a:fillRef idx="1">
+              <a:schemeClr val="accent1"/>
+            </a:fillRef>
+            <a:effectRef idx="0">
+              <a:schemeClr val="accent1"/>
+            </a:effectRef>
+            <a:fontRef idx="minor">
+              <a:schemeClr val="lt1"/>
+            </a:fontRef>
+          </p:style>
+          <p:txBody>
+            <a:bodyPr rtlCol="0" anchor="ctr"/>
+            <a:lstStyle/>
+            <a:p>
+              <a:pPr algn="ctr"/>
+              <a:r>
+                <a:rPr lang="en-US" altLang="ko-KR" sz="1200">
+                  <a:solidFill>
+                    <a:schemeClr val="tx1"/>
+                  </a:solidFill>
+                </a:rPr>
+                <a:t>main.tcl</a:t>
+              </a:r>
+              <a:endParaRPr lang="ko-KR" altLang="en-US" sz="1200" dirty="0">
+                <a:solidFill>
+                  <a:schemeClr val="tx1"/>
+                </a:solidFill>
+              </a:endParaRPr>
+            </a:p>
+          </p:txBody>
+        </p:sp>
+        <p:cxnSp>
+          <p:nvCxnSpPr>
+            <p:cNvPr id="65" name="직선 연결선 64">
+              <a:extLst>
+                <a:ext uri="{FF2B5EF4-FFF2-40B4-BE49-F238E27FC236}">
+                  <a16:creationId xmlns:a16="http://schemas.microsoft.com/office/drawing/2014/main" id="{91B34E44-BD50-D35A-BDC6-6CFE26C445DC}"/>
+                </a:ext>
+              </a:extLst>
+            </p:cNvPr>
+            <p:cNvCxnSpPr/>
+            <p:nvPr/>
+          </p:nvCxnSpPr>
+          <p:spPr>
+            <a:xfrm>
+              <a:off x="1853619" y="4816463"/>
+              <a:ext cx="576262" cy="0"/>
+            </a:xfrm>
+            <a:prstGeom prst="line">
+              <a:avLst/>
+            </a:prstGeom>
+            <a:ln w="15875"/>
+          </p:spPr>
+          <p:style>
+            <a:lnRef idx="1">
+              <a:schemeClr val="dk1"/>
+            </a:lnRef>
+            <a:fillRef idx="0">
+              <a:schemeClr val="dk1"/>
+            </a:fillRef>
+            <a:effectRef idx="0">
+              <a:schemeClr val="dk1"/>
+            </a:effectRef>
+            <a:fontRef idx="minor">
+              <a:schemeClr val="tx1"/>
+            </a:fontRef>
+          </p:style>
+        </p:cxnSp>
+        <p:cxnSp>
+          <p:nvCxnSpPr>
+            <p:cNvPr id="66" name="직선 연결선 65">
+              <a:extLst>
+                <a:ext uri="{FF2B5EF4-FFF2-40B4-BE49-F238E27FC236}">
+                  <a16:creationId xmlns:a16="http://schemas.microsoft.com/office/drawing/2014/main" id="{B1706AEB-2833-9400-E00F-0B03FB5D7987}"/>
+                </a:ext>
+              </a:extLst>
+            </p:cNvPr>
+            <p:cNvCxnSpPr/>
+            <p:nvPr/>
+          </p:nvCxnSpPr>
+          <p:spPr>
+            <a:xfrm>
+              <a:off x="1853619" y="4912573"/>
+              <a:ext cx="576262" cy="0"/>
+            </a:xfrm>
+            <a:prstGeom prst="line">
+              <a:avLst/>
+            </a:prstGeom>
+            <a:ln w="15875"/>
+          </p:spPr>
+          <p:style>
+            <a:lnRef idx="1">
+              <a:schemeClr val="dk1"/>
+            </a:lnRef>
+            <a:fillRef idx="0">
+              <a:schemeClr val="dk1"/>
+            </a:fillRef>
+            <a:effectRef idx="0">
+              <a:schemeClr val="dk1"/>
+            </a:effectRef>
+            <a:fontRef idx="minor">
+              <a:schemeClr val="tx1"/>
+            </a:fontRef>
+          </p:style>
+        </p:cxnSp>
+        <p:cxnSp>
+          <p:nvCxnSpPr>
+            <p:cNvPr id="67" name="직선 연결선 66">
+              <a:extLst>
+                <a:ext uri="{FF2B5EF4-FFF2-40B4-BE49-F238E27FC236}">
+                  <a16:creationId xmlns:a16="http://schemas.microsoft.com/office/drawing/2014/main" id="{F43E6626-0CEB-59F1-24DD-6E501B21C76D}"/>
+                </a:ext>
+              </a:extLst>
+            </p:cNvPr>
+            <p:cNvCxnSpPr/>
+            <p:nvPr/>
+          </p:nvCxnSpPr>
+          <p:spPr>
+            <a:xfrm>
+              <a:off x="1853619" y="5003060"/>
+              <a:ext cx="576262" cy="0"/>
+            </a:xfrm>
+            <a:prstGeom prst="line">
+              <a:avLst/>
+            </a:prstGeom>
+            <a:ln w="15875"/>
+          </p:spPr>
+          <p:style>
+            <a:lnRef idx="1">
+              <a:schemeClr val="dk1"/>
+            </a:lnRef>
+            <a:fillRef idx="0">
+              <a:schemeClr val="dk1"/>
+            </a:fillRef>
+            <a:effectRef idx="0">
+              <a:schemeClr val="dk1"/>
+            </a:effectRef>
+            <a:fontRef idx="minor">
+              <a:schemeClr val="tx1"/>
+            </a:fontRef>
+          </p:style>
+        </p:cxnSp>
+      </p:grpSp>
+      <p:grpSp>
+        <p:nvGrpSpPr>
+          <p:cNvPr id="68" name="그룹 67">
+            <a:extLst>
+              <a:ext uri="{FF2B5EF4-FFF2-40B4-BE49-F238E27FC236}">
+                <a16:creationId xmlns:a16="http://schemas.microsoft.com/office/drawing/2014/main" id="{D5AFC6E5-2646-2A74-C181-8394CA04D123}"/>
+              </a:ext>
+            </a:extLst>
+          </p:cNvPr>
+          <p:cNvGrpSpPr/>
+          <p:nvPr/>
+        </p:nvGrpSpPr>
+        <p:grpSpPr>
+          <a:xfrm>
+            <a:off x="2502437" y="5538946"/>
+            <a:ext cx="759724" cy="866400"/>
+            <a:chOff x="1803216" y="4681679"/>
+            <a:chExt cx="759724" cy="866400"/>
+          </a:xfrm>
+        </p:grpSpPr>
+        <p:sp>
+          <p:nvSpPr>
+            <p:cNvPr id="69" name="사각형: 잘린 한쪽 모서리 68">
+              <a:extLst>
+                <a:ext uri="{FF2B5EF4-FFF2-40B4-BE49-F238E27FC236}">
+                  <a16:creationId xmlns:a16="http://schemas.microsoft.com/office/drawing/2014/main" id="{71719C79-077E-692D-C258-DEFC667015B0}"/>
+                </a:ext>
+              </a:extLst>
+            </p:cNvPr>
+            <p:cNvSpPr/>
+            <p:nvPr/>
+          </p:nvSpPr>
+          <p:spPr>
+            <a:xfrm>
+              <a:off x="1803216" y="4681679"/>
+              <a:ext cx="759724" cy="866400"/>
+            </a:xfrm>
+            <a:prstGeom prst="snip1Rect">
+              <a:avLst>
+                <a:gd name="adj" fmla="val 24772"/>
+              </a:avLst>
+            </a:prstGeom>
+            <a:noFill/>
+            <a:ln>
+              <a:solidFill>
+                <a:schemeClr val="tx1"/>
+              </a:solidFill>
+            </a:ln>
+          </p:spPr>
+          <p:style>
+            <a:lnRef idx="2">
+              <a:schemeClr val="accent1">
+                <a:shade val="50000"/>
+              </a:schemeClr>
+            </a:lnRef>
+            <a:fillRef idx="1">
+              <a:schemeClr val="accent1"/>
+            </a:fillRef>
+            <a:effectRef idx="0">
+              <a:schemeClr val="accent1"/>
+            </a:effectRef>
+            <a:fontRef idx="minor">
+              <a:schemeClr val="lt1"/>
+            </a:fontRef>
+          </p:style>
+          <p:txBody>
+            <a:bodyPr rtlCol="0" anchor="ctr"/>
+            <a:lstStyle/>
+            <a:p>
+              <a:pPr algn="ctr"/>
+              <a:r>
+                <a:rPr lang="en-US" altLang="ko-KR" sz="1200">
+                  <a:solidFill>
+                    <a:schemeClr val="tx1"/>
+                  </a:solidFill>
+                </a:rPr>
+                <a:t>ip.xpr</a:t>
+              </a:r>
+              <a:endParaRPr lang="ko-KR" altLang="en-US" sz="1200" dirty="0">
+                <a:solidFill>
+                  <a:schemeClr val="tx1"/>
+                </a:solidFill>
+              </a:endParaRPr>
+            </a:p>
+          </p:txBody>
+        </p:sp>
+        <p:cxnSp>
+          <p:nvCxnSpPr>
+            <p:cNvPr id="70" name="직선 연결선 69">
+              <a:extLst>
+                <a:ext uri="{FF2B5EF4-FFF2-40B4-BE49-F238E27FC236}">
+                  <a16:creationId xmlns:a16="http://schemas.microsoft.com/office/drawing/2014/main" id="{08DDE4F3-63BC-2B29-B9B7-E63517C299DF}"/>
+                </a:ext>
+              </a:extLst>
+            </p:cNvPr>
+            <p:cNvCxnSpPr/>
+            <p:nvPr/>
+          </p:nvCxnSpPr>
+          <p:spPr>
+            <a:xfrm>
+              <a:off x="1853619" y="4816463"/>
+              <a:ext cx="576262" cy="0"/>
+            </a:xfrm>
+            <a:prstGeom prst="line">
+              <a:avLst/>
+            </a:prstGeom>
+            <a:ln w="15875"/>
+          </p:spPr>
+          <p:style>
+            <a:lnRef idx="1">
+              <a:schemeClr val="dk1"/>
+            </a:lnRef>
+            <a:fillRef idx="0">
+              <a:schemeClr val="dk1"/>
+            </a:fillRef>
+            <a:effectRef idx="0">
+              <a:schemeClr val="dk1"/>
+            </a:effectRef>
+            <a:fontRef idx="minor">
+              <a:schemeClr val="tx1"/>
+            </a:fontRef>
+          </p:style>
+        </p:cxnSp>
+        <p:cxnSp>
+          <p:nvCxnSpPr>
+            <p:cNvPr id="71" name="직선 연결선 70">
+              <a:extLst>
+                <a:ext uri="{FF2B5EF4-FFF2-40B4-BE49-F238E27FC236}">
+                  <a16:creationId xmlns:a16="http://schemas.microsoft.com/office/drawing/2014/main" id="{630DFF68-D1CE-6B8B-1054-3E8D3241F89C}"/>
+                </a:ext>
+              </a:extLst>
+            </p:cNvPr>
+            <p:cNvCxnSpPr/>
+            <p:nvPr/>
+          </p:nvCxnSpPr>
+          <p:spPr>
+            <a:xfrm>
+              <a:off x="1853619" y="4912573"/>
+              <a:ext cx="576262" cy="0"/>
+            </a:xfrm>
+            <a:prstGeom prst="line">
+              <a:avLst/>
+            </a:prstGeom>
+            <a:ln w="15875"/>
+          </p:spPr>
+          <p:style>
+            <a:lnRef idx="1">
+              <a:schemeClr val="dk1"/>
+            </a:lnRef>
+            <a:fillRef idx="0">
+              <a:schemeClr val="dk1"/>
+            </a:fillRef>
+            <a:effectRef idx="0">
+              <a:schemeClr val="dk1"/>
+            </a:effectRef>
+            <a:fontRef idx="minor">
+              <a:schemeClr val="tx1"/>
+            </a:fontRef>
+          </p:style>
+        </p:cxnSp>
+        <p:cxnSp>
+          <p:nvCxnSpPr>
+            <p:cNvPr id="72" name="직선 연결선 71">
+              <a:extLst>
+                <a:ext uri="{FF2B5EF4-FFF2-40B4-BE49-F238E27FC236}">
+                  <a16:creationId xmlns:a16="http://schemas.microsoft.com/office/drawing/2014/main" id="{3C324259-3359-6CC7-989F-A01E324E2E44}"/>
+                </a:ext>
+              </a:extLst>
+            </p:cNvPr>
+            <p:cNvCxnSpPr/>
+            <p:nvPr/>
+          </p:nvCxnSpPr>
+          <p:spPr>
+            <a:xfrm>
+              <a:off x="1853619" y="5003060"/>
+              <a:ext cx="576262" cy="0"/>
+            </a:xfrm>
+            <a:prstGeom prst="line">
+              <a:avLst/>
+            </a:prstGeom>
+            <a:ln w="15875"/>
+          </p:spPr>
+          <p:style>
+            <a:lnRef idx="1">
+              <a:schemeClr val="dk1"/>
+            </a:lnRef>
+            <a:fillRef idx="0">
+              <a:schemeClr val="dk1"/>
+            </a:fillRef>
+            <a:effectRef idx="0">
+              <a:schemeClr val="dk1"/>
+            </a:effectRef>
+            <a:fontRef idx="minor">
+              <a:schemeClr val="tx1"/>
+            </a:fontRef>
+          </p:style>
+        </p:cxnSp>
+      </p:grpSp>
+      <p:sp>
+        <p:nvSpPr>
+          <p:cNvPr id="73" name="화살표: 아래쪽 72">
+            <a:extLst>
+              <a:ext uri="{FF2B5EF4-FFF2-40B4-BE49-F238E27FC236}">
+                <a16:creationId xmlns:a16="http://schemas.microsoft.com/office/drawing/2014/main" id="{B57DA4CC-5667-171D-1FB7-C17A7B32D553}"/>
+              </a:ext>
+            </a:extLst>
+          </p:cNvPr>
+          <p:cNvSpPr/>
+          <p:nvPr/>
+        </p:nvSpPr>
+        <p:spPr>
+          <a:xfrm rot="16200000">
+            <a:off x="5854129" y="3445223"/>
+            <a:ext cx="459298" cy="3659473"/>
+          </a:xfrm>
+          <a:prstGeom prst="downArrow">
+            <a:avLst/>
+          </a:prstGeom>
+          <a:solidFill>
+            <a:schemeClr val="tx2"/>
+          </a:solidFill>
+          <a:ln>
+            <a:solidFill>
+              <a:schemeClr val="tx2"/>
+            </a:solidFill>
+          </a:ln>
+        </p:spPr>
+        <p:style>
+          <a:lnRef idx="2">
+            <a:schemeClr val="accent1">
+              <a:shade val="15000"/>
+            </a:schemeClr>
+          </a:lnRef>
+          <a:fillRef idx="1">
+            <a:schemeClr val="accent1"/>
+          </a:fillRef>
+          <a:effectRef idx="0">
+            <a:schemeClr val="accent1"/>
+          </a:effectRef>
+          <a:fontRef idx="minor">
+            <a:schemeClr val="lt1"/>
+          </a:fontRef>
+        </p:style>
+        <p:txBody>
+          <a:bodyPr rtlCol="0" anchor="ctr"/>
+          <a:lstStyle/>
+          <a:p>
+            <a:pPr algn="ctr"/>
+            <a:endParaRPr lang="ko-KR" altLang="en-US"/>
+          </a:p>
+        </p:txBody>
+      </p:sp>
+    </p:spTree>
+    <p:extLst>
+      <p:ext uri="{BB962C8B-B14F-4D97-AF65-F5344CB8AC3E}">
+        <p14:creationId xmlns:p14="http://schemas.microsoft.com/office/powerpoint/2010/main" val="3503201839"/>
+      </p:ext>
+    </p:extLst>
+  </p:cSld>
+  <p:clrMapOvr>
+    <a:masterClrMapping/>
+  </p:clrMapOvr>
+</p:sld>
+</file>
+
+<file path=ppt/slides/slide11.xml><?xml version="1.0" encoding="utf-8"?>
+<p:sld xmlns:a="http://schemas.openxmlformats.org/drawingml/2006/main" xmlns:r="http://schemas.openxmlformats.org/officeDocument/2006/relationships" xmlns:p="http://schemas.openxmlformats.org/presentationml/2006/main">
+  <p:cSld>
+    <p:spTree>
+      <p:nvGrpSpPr>
+        <p:cNvPr id="1" name=""/>
+        <p:cNvGrpSpPr/>
+        <p:nvPr/>
+      </p:nvGrpSpPr>
+      <p:grpSpPr>
+        <a:xfrm>
+          <a:off x="0" y="0"/>
+          <a:ext cx="0" cy="0"/>
+          <a:chOff x="0" y="0"/>
+          <a:chExt cx="0" cy="0"/>
+        </a:xfrm>
+      </p:grpSpPr>
+      <p:sp>
+        <p:nvSpPr>
+          <p:cNvPr id="2" name="제목 1">
+            <a:extLst>
+              <a:ext uri="{FF2B5EF4-FFF2-40B4-BE49-F238E27FC236}">
                 <a16:creationId xmlns:a16="http://schemas.microsoft.com/office/drawing/2014/main" id="{ACB69391-E7A8-00AC-E466-91143C5A38EA}"/>
               </a:ext>
             </a:extLst>
@@ -6335,7 +9619,7 @@
 </p:sld>
 </file>
 
-<file path=ppt/slides/slide11.xml><?xml version="1.0" encoding="utf-8"?>
+<file path=ppt/slides/slide12.xml><?xml version="1.0" encoding="utf-8"?>
 <p:sld xmlns:a="http://schemas.openxmlformats.org/drawingml/2006/main" xmlns:r="http://schemas.openxmlformats.org/officeDocument/2006/relationships" xmlns:p="http://schemas.openxmlformats.org/presentationml/2006/main">
   <p:cSld>
     <p:spTree>
@@ -8772,10 +12056,18 @@
           <a:p>
             <a:pPr algn="ctr"/>
             <a:r>
-              <a:rPr lang="en-US" altLang="ko-KR"/>
-              <a:t>Call Vivado in python</a:t>
+              <a:rPr lang="en-US" altLang="ko-KR" dirty="0"/>
+              <a:t>Call </a:t>
             </a:r>
-            <a:endParaRPr lang="ko-KR" altLang="en-US"/>
+            <a:r>
+              <a:rPr lang="en-US" altLang="ko-KR" dirty="0" err="1"/>
+              <a:t>Vivado</a:t>
+            </a:r>
+            <a:r>
+              <a:rPr lang="en-US" altLang="ko-KR" dirty="0"/>
+              <a:t> in python</a:t>
+            </a:r>
+            <a:endParaRPr lang="ko-KR" altLang="en-US" dirty="0"/>
           </a:p>
         </p:txBody>
       </p:sp>
@@ -8792,7 +12084,7 @@
 </p:sld>
 </file>
 
-<file path=ppt/slides/slide12.xml><?xml version="1.0" encoding="utf-8"?>
+<file path=ppt/slides/slide13.xml><?xml version="1.0" encoding="utf-8"?>
 <p:sld xmlns:a="http://schemas.openxmlformats.org/drawingml/2006/main" xmlns:r="http://schemas.openxmlformats.org/officeDocument/2006/relationships" xmlns:p="http://schemas.openxmlformats.org/presentationml/2006/main">
   <p:cSld>
     <p:spTree>
@@ -8912,7 +12204,7 @@
 </p:sld>
 </file>
 
-<file path=ppt/slides/slide13.xml><?xml version="1.0" encoding="utf-8"?>
+<file path=ppt/slides/slide14.xml><?xml version="1.0" encoding="utf-8"?>
 <p:sld xmlns:a="http://schemas.openxmlformats.org/drawingml/2006/main" xmlns:r="http://schemas.openxmlformats.org/officeDocument/2006/relationships" xmlns:p="http://schemas.openxmlformats.org/presentationml/2006/main">
   <p:cSld>
     <p:spTree>
@@ -8934,118 +12226,7 @@
           <p:cNvPr id="2" name="제목 1">
             <a:extLst>
               <a:ext uri="{FF2B5EF4-FFF2-40B4-BE49-F238E27FC236}">
-                <a16:creationId xmlns:a16="http://schemas.microsoft.com/office/drawing/2014/main" id="{6F523C5B-A1AC-9828-810F-301B5973A9F4}"/>
-              </a:ext>
-            </a:extLst>
-          </p:cNvPr>
-          <p:cNvSpPr>
-            <a:spLocks noGrp="1"/>
-          </p:cNvSpPr>
-          <p:nvPr>
-            <p:ph type="title"/>
-          </p:nvPr>
-        </p:nvSpPr>
-        <p:spPr/>
-        <p:txBody>
-          <a:bodyPr/>
-          <a:lstStyle/>
-          <a:p>
-            <a:endParaRPr lang="ko-KR" altLang="en-US"/>
-          </a:p>
-        </p:txBody>
-      </p:sp>
-      <p:sp>
-        <p:nvSpPr>
-          <p:cNvPr id="3" name="내용 개체 틀 2">
-            <a:extLst>
-              <a:ext uri="{FF2B5EF4-FFF2-40B4-BE49-F238E27FC236}">
-                <a16:creationId xmlns:a16="http://schemas.microsoft.com/office/drawing/2014/main" id="{B2100C35-BA3A-C848-E657-39AC4F6D81FF}"/>
-              </a:ext>
-            </a:extLst>
-          </p:cNvPr>
-          <p:cNvSpPr>
-            <a:spLocks noGrp="1"/>
-          </p:cNvSpPr>
-          <p:nvPr>
-            <p:ph idx="1"/>
-          </p:nvPr>
-        </p:nvSpPr>
-        <p:spPr/>
-        <p:txBody>
-          <a:bodyPr/>
-          <a:lstStyle/>
-          <a:p>
-            <a:endParaRPr lang="ko-KR" altLang="en-US"/>
-          </a:p>
-        </p:txBody>
-      </p:sp>
-      <p:sp>
-        <p:nvSpPr>
-          <p:cNvPr id="4" name="날짜 개체 틀 3">
-            <a:extLst>
-              <a:ext uri="{FF2B5EF4-FFF2-40B4-BE49-F238E27FC236}">
-                <a16:creationId xmlns:a16="http://schemas.microsoft.com/office/drawing/2014/main" id="{20923BE4-8513-AB95-7613-CEC585909440}"/>
-              </a:ext>
-            </a:extLst>
-          </p:cNvPr>
-          <p:cNvSpPr>
-            <a:spLocks noGrp="1"/>
-          </p:cNvSpPr>
-          <p:nvPr>
-            <p:ph type="dt" sz="half" idx="10"/>
-          </p:nvPr>
-        </p:nvSpPr>
-        <p:spPr/>
-        <p:txBody>
-          <a:bodyPr/>
-          <a:lstStyle/>
-          <a:p>
-            <a:r>
-              <a:rPr kumimoji="1" lang="en-US" altLang="ko-KR">
-                <a:ea typeface="Verdana" panose="020B0604030504040204" pitchFamily="34" charset="0"/>
-              </a:rPr>
-              <a:t>2023. 3. 29.</a:t>
-            </a:r>
-            <a:endParaRPr kumimoji="1" lang="ko-Kore-KR" altLang="en-US" dirty="0"/>
-          </a:p>
-        </p:txBody>
-      </p:sp>
-    </p:spTree>
-    <p:extLst>
-      <p:ext uri="{BB962C8B-B14F-4D97-AF65-F5344CB8AC3E}">
-        <p14:creationId xmlns:p14="http://schemas.microsoft.com/office/powerpoint/2010/main" val="2993296388"/>
-      </p:ext>
-    </p:extLst>
-  </p:cSld>
-  <p:clrMapOvr>
-    <a:masterClrMapping/>
-  </p:clrMapOvr>
-</p:sld>
-</file>
-
-<file path=ppt/slides/slide2.xml><?xml version="1.0" encoding="utf-8"?>
-<p:sld xmlns:a="http://schemas.openxmlformats.org/drawingml/2006/main" xmlns:r="http://schemas.openxmlformats.org/officeDocument/2006/relationships" xmlns:p="http://schemas.openxmlformats.org/presentationml/2006/main">
-  <p:cSld>
-    <p:spTree>
-      <p:nvGrpSpPr>
-        <p:cNvPr id="1" name=""/>
-        <p:cNvGrpSpPr/>
-        <p:nvPr/>
-      </p:nvGrpSpPr>
-      <p:grpSpPr>
-        <a:xfrm>
-          <a:off x="0" y="0"/>
-          <a:ext cx="0" cy="0"/>
-          <a:chOff x="0" y="0"/>
-          <a:chExt cx="0" cy="0"/>
-        </a:xfrm>
-      </p:grpSpPr>
-      <p:sp>
-        <p:nvSpPr>
-          <p:cNvPr id="2" name="제목 1">
-            <a:extLst>
-              <a:ext uri="{FF2B5EF4-FFF2-40B4-BE49-F238E27FC236}">
-                <a16:creationId xmlns:a16="http://schemas.microsoft.com/office/drawing/2014/main" id="{74A0355C-BBE1-47E3-8E9B-1980975EF849}"/>
+                <a16:creationId xmlns:a16="http://schemas.microsoft.com/office/drawing/2014/main" id="{527BEC0D-B6A3-42B4-B475-4D7C7099FADB}"/>
               </a:ext>
             </a:extLst>
           </p:cNvPr>
@@ -9062,18 +12243,10 @@
           <a:lstStyle/>
           <a:p>
             <a:r>
-              <a:rPr lang="en-US" altLang="ko-KR"/>
-              <a:t>AD9910</a:t>
+              <a:rPr lang="en-US" altLang="ko-KR" dirty="0"/>
+              <a:t>Xilinx IP Duplication Problem</a:t>
             </a:r>
-            <a:r>
-              <a:rPr lang="ko-KR" altLang="en-US"/>
-              <a:t> </a:t>
-            </a:r>
-            <a:r>
-              <a:rPr lang="en-US" altLang="ko-KR"/>
-              <a:t>Latency</a:t>
-            </a:r>
-            <a:endParaRPr lang="ko-KR" altLang="en-US"/>
+            <a:endParaRPr lang="ko-KR" altLang="en-US" dirty="0"/>
           </a:p>
         </p:txBody>
       </p:sp>
@@ -9082,1109 +12255,7 @@
           <p:cNvPr id="4" name="날짜 개체 틀 3">
             <a:extLst>
               <a:ext uri="{FF2B5EF4-FFF2-40B4-BE49-F238E27FC236}">
-                <a16:creationId xmlns:a16="http://schemas.microsoft.com/office/drawing/2014/main" id="{B62AE6B4-EE28-4D5D-BAAE-92541386499E}"/>
-              </a:ext>
-            </a:extLst>
-          </p:cNvPr>
-          <p:cNvSpPr>
-            <a:spLocks noGrp="1"/>
-          </p:cNvSpPr>
-          <p:nvPr>
-            <p:ph type="dt" sz="half" idx="10"/>
-          </p:nvPr>
-        </p:nvSpPr>
-        <p:spPr/>
-        <p:txBody>
-          <a:bodyPr/>
-          <a:lstStyle/>
-          <a:p>
-            <a:r>
-              <a:rPr kumimoji="1" lang="en-US" altLang="ko-KR">
-                <a:ea typeface="Verdana" panose="020B0604030504040204" pitchFamily="34" charset="0"/>
-              </a:rPr>
-              <a:t>2023. 3. 29.</a:t>
-            </a:r>
-            <a:endParaRPr kumimoji="1" lang="ko-Kore-KR" altLang="en-US" dirty="0"/>
-          </a:p>
-        </p:txBody>
-      </p:sp>
-      <p:pic>
-        <p:nvPicPr>
-          <p:cNvPr id="6" name="그림 5">
-            <a:extLst>
-              <a:ext uri="{FF2B5EF4-FFF2-40B4-BE49-F238E27FC236}">
-                <a16:creationId xmlns:a16="http://schemas.microsoft.com/office/drawing/2014/main" id="{68C24D9B-EE83-A762-E793-38D386F65FE8}"/>
-              </a:ext>
-            </a:extLst>
-          </p:cNvPr>
-          <p:cNvPicPr>
-            <a:picLocks noChangeAspect="1"/>
-          </p:cNvPicPr>
-          <p:nvPr/>
-        </p:nvPicPr>
-        <p:blipFill>
-          <a:blip r:embed="rId2"/>
-          <a:stretch>
-            <a:fillRect/>
-          </a:stretch>
-        </p:blipFill>
-        <p:spPr>
-          <a:xfrm>
-            <a:off x="1911135" y="1676310"/>
-            <a:ext cx="8369730" cy="3505380"/>
-          </a:xfrm>
-          <a:prstGeom prst="rect">
-            <a:avLst/>
-          </a:prstGeom>
-        </p:spPr>
-      </p:pic>
-    </p:spTree>
-    <p:extLst>
-      <p:ext uri="{BB962C8B-B14F-4D97-AF65-F5344CB8AC3E}">
-        <p14:creationId xmlns:p14="http://schemas.microsoft.com/office/powerpoint/2010/main" val="3251458163"/>
-      </p:ext>
-    </p:extLst>
-  </p:cSld>
-  <p:clrMapOvr>
-    <a:masterClrMapping/>
-  </p:clrMapOvr>
-</p:sld>
-</file>
-
-<file path=ppt/slides/slide3.xml><?xml version="1.0" encoding="utf-8"?>
-<p:sld xmlns:a="http://schemas.openxmlformats.org/drawingml/2006/main" xmlns:r="http://schemas.openxmlformats.org/officeDocument/2006/relationships" xmlns:p="http://schemas.openxmlformats.org/presentationml/2006/main">
-  <p:cSld>
-    <p:spTree>
-      <p:nvGrpSpPr>
-        <p:cNvPr id="1" name=""/>
-        <p:cNvGrpSpPr/>
-        <p:nvPr/>
-      </p:nvGrpSpPr>
-      <p:grpSpPr>
-        <a:xfrm>
-          <a:off x="0" y="0"/>
-          <a:ext cx="0" cy="0"/>
-          <a:chOff x="0" y="0"/>
-          <a:chExt cx="0" cy="0"/>
-        </a:xfrm>
-      </p:grpSpPr>
-      <p:sp>
-        <p:nvSpPr>
-          <p:cNvPr id="2" name="제목 1">
-            <a:extLst>
-              <a:ext uri="{FF2B5EF4-FFF2-40B4-BE49-F238E27FC236}">
-                <a16:creationId xmlns:a16="http://schemas.microsoft.com/office/drawing/2014/main" id="{761A2B7F-CD3A-3D79-CC34-22C425ADADDD}"/>
-              </a:ext>
-            </a:extLst>
-          </p:cNvPr>
-          <p:cNvSpPr>
-            <a:spLocks noGrp="1"/>
-          </p:cNvSpPr>
-          <p:nvPr>
-            <p:ph type="title"/>
-          </p:nvPr>
-        </p:nvSpPr>
-        <p:spPr/>
-        <p:txBody>
-          <a:bodyPr/>
-          <a:lstStyle/>
-          <a:p>
-            <a:r>
-              <a:rPr lang="en-US" altLang="ko-KR"/>
-              <a:t>Vivado Simulation for RFSoC...</a:t>
-            </a:r>
-            <a:endParaRPr lang="ko-KR" altLang="en-US"/>
-          </a:p>
-        </p:txBody>
-      </p:sp>
-      <p:sp>
-        <p:nvSpPr>
-          <p:cNvPr id="3" name="내용 개체 틀 2">
-            <a:extLst>
-              <a:ext uri="{FF2B5EF4-FFF2-40B4-BE49-F238E27FC236}">
-                <a16:creationId xmlns:a16="http://schemas.microsoft.com/office/drawing/2014/main" id="{1B53C867-EC76-252D-9AE3-2F766DDFE275}"/>
-              </a:ext>
-            </a:extLst>
-          </p:cNvPr>
-          <p:cNvSpPr>
-            <a:spLocks noGrp="1"/>
-          </p:cNvSpPr>
-          <p:nvPr>
-            <p:ph idx="1"/>
-          </p:nvPr>
-        </p:nvSpPr>
-        <p:spPr/>
-        <p:txBody>
-          <a:bodyPr/>
-          <a:lstStyle/>
-          <a:p>
-            <a:pPr marL="0" indent="0">
-              <a:buNone/>
-            </a:pPr>
-            <a:r>
-              <a:rPr lang="en-US" altLang="ko-KR"/>
-              <a:t>i5-8400 (QuIQCL)</a:t>
-            </a:r>
-          </a:p>
-          <a:p>
-            <a:pPr marL="0" indent="0">
-              <a:buNone/>
-            </a:pPr>
-            <a:r>
-              <a:rPr lang="en-US" altLang="ko-KR"/>
-              <a:t>takes 90mins to start sim</a:t>
-            </a:r>
-          </a:p>
-          <a:p>
-            <a:pPr marL="0" indent="0">
-              <a:buNone/>
-            </a:pPr>
-            <a:endParaRPr lang="en-US" altLang="ko-KR"/>
-          </a:p>
-          <a:p>
-            <a:pPr marL="0" indent="0">
-              <a:buNone/>
-            </a:pPr>
-            <a:r>
-              <a:rPr lang="en-US" altLang="ko-KR"/>
-              <a:t>i7-10700H</a:t>
-            </a:r>
-          </a:p>
-          <a:p>
-            <a:pPr marL="0" indent="0">
-              <a:buNone/>
-            </a:pPr>
-            <a:r>
-              <a:rPr lang="en-US" altLang="ko-KR"/>
-              <a:t>takes 30mins to start sim</a:t>
-            </a:r>
-          </a:p>
-          <a:p>
-            <a:pPr marL="0" indent="0">
-              <a:buNone/>
-            </a:pPr>
-            <a:endParaRPr lang="en-US" altLang="ko-KR"/>
-          </a:p>
-          <a:p>
-            <a:pPr marL="0" indent="0">
-              <a:buNone/>
-            </a:pPr>
-            <a:r>
-              <a:rPr lang="en-US" altLang="ko-KR"/>
-              <a:t>-&gt; Better CPU, faster simulation</a:t>
-            </a:r>
-            <a:endParaRPr lang="ko-KR" altLang="en-US"/>
-          </a:p>
-        </p:txBody>
-      </p:sp>
-      <p:sp>
-        <p:nvSpPr>
-          <p:cNvPr id="4" name="날짜 개체 틀 3">
-            <a:extLst>
-              <a:ext uri="{FF2B5EF4-FFF2-40B4-BE49-F238E27FC236}">
-                <a16:creationId xmlns:a16="http://schemas.microsoft.com/office/drawing/2014/main" id="{172E85A6-E01D-185C-25D2-2107D4965AAA}"/>
-              </a:ext>
-            </a:extLst>
-          </p:cNvPr>
-          <p:cNvSpPr>
-            <a:spLocks noGrp="1"/>
-          </p:cNvSpPr>
-          <p:nvPr>
-            <p:ph type="dt" sz="half" idx="10"/>
-          </p:nvPr>
-        </p:nvSpPr>
-        <p:spPr/>
-        <p:txBody>
-          <a:bodyPr/>
-          <a:lstStyle/>
-          <a:p>
-            <a:r>
-              <a:rPr kumimoji="1" lang="en-US" altLang="ko-KR">
-                <a:ea typeface="Verdana" panose="020B0604030504040204" pitchFamily="34" charset="0"/>
-              </a:rPr>
-              <a:t>2023. 3. 29.</a:t>
-            </a:r>
-            <a:endParaRPr kumimoji="1" lang="ko-Kore-KR" altLang="en-US" dirty="0"/>
-          </a:p>
-        </p:txBody>
-      </p:sp>
-    </p:spTree>
-    <p:extLst>
-      <p:ext uri="{BB962C8B-B14F-4D97-AF65-F5344CB8AC3E}">
-        <p14:creationId xmlns:p14="http://schemas.microsoft.com/office/powerpoint/2010/main" val="1706049044"/>
-      </p:ext>
-    </p:extLst>
-  </p:cSld>
-  <p:clrMapOvr>
-    <a:masterClrMapping/>
-  </p:clrMapOvr>
-</p:sld>
-</file>
-
-<file path=ppt/slides/slide4.xml><?xml version="1.0" encoding="utf-8"?>
-<p:sld xmlns:a="http://schemas.openxmlformats.org/drawingml/2006/main" xmlns:r="http://schemas.openxmlformats.org/officeDocument/2006/relationships" xmlns:p="http://schemas.openxmlformats.org/presentationml/2006/main">
-  <p:cSld>
-    <p:spTree>
-      <p:nvGrpSpPr>
-        <p:cNvPr id="1" name=""/>
-        <p:cNvGrpSpPr/>
-        <p:nvPr/>
-      </p:nvGrpSpPr>
-      <p:grpSpPr>
-        <a:xfrm>
-          <a:off x="0" y="0"/>
-          <a:ext cx="0" cy="0"/>
-          <a:chOff x="0" y="0"/>
-          <a:chExt cx="0" cy="0"/>
-        </a:xfrm>
-      </p:grpSpPr>
-      <p:sp>
-        <p:nvSpPr>
-          <p:cNvPr id="2" name="제목 1">
-            <a:extLst>
-              <a:ext uri="{FF2B5EF4-FFF2-40B4-BE49-F238E27FC236}">
-                <a16:creationId xmlns:a16="http://schemas.microsoft.com/office/drawing/2014/main" id="{51010FE8-4F9A-4E41-E7C2-F987581C92C1}"/>
-              </a:ext>
-            </a:extLst>
-          </p:cNvPr>
-          <p:cNvSpPr>
-            <a:spLocks noGrp="1"/>
-          </p:cNvSpPr>
-          <p:nvPr>
-            <p:ph type="title"/>
-          </p:nvPr>
-        </p:nvSpPr>
-        <p:spPr/>
-        <p:txBody>
-          <a:bodyPr/>
-          <a:lstStyle/>
-          <a:p>
-            <a:r>
-              <a:rPr lang="en-US" altLang="ko-KR"/>
-              <a:t>DDS Strucuture</a:t>
-            </a:r>
-            <a:endParaRPr lang="ko-KR" altLang="en-US"/>
-          </a:p>
-        </p:txBody>
-      </p:sp>
-      <p:sp>
-        <p:nvSpPr>
-          <p:cNvPr id="4" name="날짜 개체 틀 3">
-            <a:extLst>
-              <a:ext uri="{FF2B5EF4-FFF2-40B4-BE49-F238E27FC236}">
-                <a16:creationId xmlns:a16="http://schemas.microsoft.com/office/drawing/2014/main" id="{6E6516C5-D7ED-B7DB-28F6-D0EB7E5E4E19}"/>
-              </a:ext>
-            </a:extLst>
-          </p:cNvPr>
-          <p:cNvSpPr>
-            <a:spLocks noGrp="1"/>
-          </p:cNvSpPr>
-          <p:nvPr>
-            <p:ph type="dt" sz="half" idx="10"/>
-          </p:nvPr>
-        </p:nvSpPr>
-        <p:spPr/>
-        <p:txBody>
-          <a:bodyPr/>
-          <a:lstStyle/>
-          <a:p>
-            <a:r>
-              <a:rPr kumimoji="1" lang="en-US" altLang="ko-KR">
-                <a:ea typeface="Verdana" panose="020B0604030504040204" pitchFamily="34" charset="0"/>
-              </a:rPr>
-              <a:t>2023. 3. 29.</a:t>
-            </a:r>
-            <a:endParaRPr kumimoji="1" lang="ko-Kore-KR" altLang="en-US" dirty="0"/>
-          </a:p>
-        </p:txBody>
-      </p:sp>
-      <p:pic>
-        <p:nvPicPr>
-          <p:cNvPr id="6" name="그림 5">
-            <a:extLst>
-              <a:ext uri="{FF2B5EF4-FFF2-40B4-BE49-F238E27FC236}">
-                <a16:creationId xmlns:a16="http://schemas.microsoft.com/office/drawing/2014/main" id="{DDFE448B-A3C8-AEB0-CA88-EF3D94609180}"/>
-              </a:ext>
-            </a:extLst>
-          </p:cNvPr>
-          <p:cNvPicPr>
-            <a:picLocks noChangeAspect="1"/>
-          </p:cNvPicPr>
-          <p:nvPr/>
-        </p:nvPicPr>
-        <p:blipFill>
-          <a:blip r:embed="rId2"/>
-          <a:stretch>
-            <a:fillRect/>
-          </a:stretch>
-        </p:blipFill>
-        <p:spPr>
-          <a:xfrm>
-            <a:off x="275050" y="1498600"/>
-            <a:ext cx="11491500" cy="4476584"/>
-          </a:xfrm>
-          <a:prstGeom prst="rect">
-            <a:avLst/>
-          </a:prstGeom>
-        </p:spPr>
-      </p:pic>
-    </p:spTree>
-    <p:extLst>
-      <p:ext uri="{BB962C8B-B14F-4D97-AF65-F5344CB8AC3E}">
-        <p14:creationId xmlns:p14="http://schemas.microsoft.com/office/powerpoint/2010/main" val="3165830930"/>
-      </p:ext>
-    </p:extLst>
-  </p:cSld>
-  <p:clrMapOvr>
-    <a:masterClrMapping/>
-  </p:clrMapOvr>
-</p:sld>
-</file>
-
-<file path=ppt/slides/slide5.xml><?xml version="1.0" encoding="utf-8"?>
-<p:sld xmlns:a="http://schemas.openxmlformats.org/drawingml/2006/main" xmlns:r="http://schemas.openxmlformats.org/officeDocument/2006/relationships" xmlns:p="http://schemas.openxmlformats.org/presentationml/2006/main">
-  <p:cSld>
-    <p:spTree>
-      <p:nvGrpSpPr>
-        <p:cNvPr id="1" name=""/>
-        <p:cNvGrpSpPr/>
-        <p:nvPr/>
-      </p:nvGrpSpPr>
-      <p:grpSpPr>
-        <a:xfrm>
-          <a:off x="0" y="0"/>
-          <a:ext cx="0" cy="0"/>
-          <a:chOff x="0" y="0"/>
-          <a:chExt cx="0" cy="0"/>
-        </a:xfrm>
-      </p:grpSpPr>
-      <p:sp>
-        <p:nvSpPr>
-          <p:cNvPr id="2" name="제목 1">
-            <a:extLst>
-              <a:ext uri="{FF2B5EF4-FFF2-40B4-BE49-F238E27FC236}">
-                <a16:creationId xmlns:a16="http://schemas.microsoft.com/office/drawing/2014/main" id="{F7D90AA4-352B-F447-9067-89676F840827}"/>
-              </a:ext>
-            </a:extLst>
-          </p:cNvPr>
-          <p:cNvSpPr>
-            <a:spLocks noGrp="1"/>
-          </p:cNvSpPr>
-          <p:nvPr>
-            <p:ph type="title"/>
-          </p:nvPr>
-        </p:nvSpPr>
-        <p:spPr/>
-        <p:txBody>
-          <a:bodyPr/>
-          <a:lstStyle/>
-          <a:p>
-            <a:r>
-              <a:rPr lang="en-US" altLang="ko-KR"/>
-              <a:t>DDS in Verilog</a:t>
-            </a:r>
-            <a:endParaRPr lang="ko-KR" altLang="en-US"/>
-          </a:p>
-        </p:txBody>
-      </p:sp>
-      <p:sp>
-        <p:nvSpPr>
-          <p:cNvPr id="4" name="날짜 개체 틀 3">
-            <a:extLst>
-              <a:ext uri="{FF2B5EF4-FFF2-40B4-BE49-F238E27FC236}">
-                <a16:creationId xmlns:a16="http://schemas.microsoft.com/office/drawing/2014/main" id="{BADAA1AE-F94D-91A7-FFAB-7A6C76CF9472}"/>
-              </a:ext>
-            </a:extLst>
-          </p:cNvPr>
-          <p:cNvSpPr>
-            <a:spLocks noGrp="1"/>
-          </p:cNvSpPr>
-          <p:nvPr>
-            <p:ph type="dt" sz="half" idx="10"/>
-          </p:nvPr>
-        </p:nvSpPr>
-        <p:spPr/>
-        <p:txBody>
-          <a:bodyPr/>
-          <a:lstStyle/>
-          <a:p>
-            <a:r>
-              <a:rPr kumimoji="1" lang="en-US" altLang="ko-KR">
-                <a:ea typeface="Verdana" panose="020B0604030504040204" pitchFamily="34" charset="0"/>
-              </a:rPr>
-              <a:t>2023. 3. 29.</a:t>
-            </a:r>
-            <a:endParaRPr kumimoji="1" lang="ko-Kore-KR" altLang="en-US" dirty="0"/>
-          </a:p>
-        </p:txBody>
-      </p:sp>
-      <p:pic>
-        <p:nvPicPr>
-          <p:cNvPr id="6" name="그림 5" descr="\documentclass{article}&#10;\usepackage{amsmath}&#10;\pagestyle{empty}&#10;\begin{document}&#10;&#10;\noindent For 16 dds\_compiler \\&#10;0 to 15 $= 2^{4} – 1 = [3:0] fine\_timestamp$\\&#10;so, $\{timestamp[63:0],fine\_timestampe[3:0]\}$\\&#10;&#10;\noindent Xilinx dds\_compiler v6.0 input Phase : $(2\pi/(2^{14} - 1)) \times input$\\&#10;so, $(input\_incr/(2^{14} - 1)) \times (16 F_{sys}) = F_{actual}$\\&#10;One period of timestamp $= (1/F_{actual}) \times 10^{8} $(due to its 10ns resolution)\\&#10;Input\_incr: $freq \times timestamp$\\&#10;so, $[(freq\_bin) \times (1/F_{actual}) \times (10^{8}) ][n+13:n] = 2^{14} - 1$\\&#10;$F_{actual} = (freq\_bin/(2^{48} – 2^{34})) \times 16 \times 10^{8} Hz$\\&#10;so, $[(2^{48} – 2^{34})][n+13:n] = 2^{14} – 1&#10;= [2^{14} – 1][n-21:n-34]$\\&#10;Therefore,  n = 34&#10;&#10;DSP : $27 \times 18$ two’s complement\\&#10;$72 bit \times 48 bit$  3DSP\\&#10;$Unsigned 72 \times  Unsigned 48 bit = $  120 bit&#10;&#10;\end{document}&#10;" title="IguanaTex Bitmap Display">
-            <a:extLst>
-              <a:ext uri="{FF2B5EF4-FFF2-40B4-BE49-F238E27FC236}">
-                <a16:creationId xmlns:a16="http://schemas.microsoft.com/office/drawing/2014/main" id="{9D497717-7825-A5EA-2D56-BB9D69FB7F3D}"/>
-              </a:ext>
-            </a:extLst>
-          </p:cNvPr>
-          <p:cNvPicPr>
-            <a:picLocks noChangeAspect="1"/>
-          </p:cNvPicPr>
-          <p:nvPr>
-            <p:custDataLst>
-              <p:tags r:id="rId1"/>
-            </p:custDataLst>
-          </p:nvPr>
-        </p:nvPicPr>
-        <p:blipFill>
-          <a:blip r:embed="rId3">
-            <a:extLst>
-              <a:ext uri="{28A0092B-C50C-407E-A947-70E740481C1C}">
-                <a14:useLocalDpi xmlns:a14="http://schemas.microsoft.com/office/drawing/2010/main" val="0"/>
-              </a:ext>
-            </a:extLst>
-          </a:blip>
-          <a:stretch>
-            <a:fillRect/>
-          </a:stretch>
-        </p:blipFill>
-        <p:spPr>
-          <a:xfrm>
-            <a:off x="2455333" y="1405465"/>
-            <a:ext cx="7968000" cy="4476952"/>
-          </a:xfrm>
-          <a:prstGeom prst="rect">
-            <a:avLst/>
-          </a:prstGeom>
-        </p:spPr>
-      </p:pic>
-    </p:spTree>
-    <p:extLst>
-      <p:ext uri="{BB962C8B-B14F-4D97-AF65-F5344CB8AC3E}">
-        <p14:creationId xmlns:p14="http://schemas.microsoft.com/office/powerpoint/2010/main" val="126888265"/>
-      </p:ext>
-    </p:extLst>
-  </p:cSld>
-  <p:clrMapOvr>
-    <a:masterClrMapping/>
-  </p:clrMapOvr>
-</p:sld>
-</file>
-
-<file path=ppt/slides/slide6.xml><?xml version="1.0" encoding="utf-8"?>
-<p:sld xmlns:a="http://schemas.openxmlformats.org/drawingml/2006/main" xmlns:r="http://schemas.openxmlformats.org/officeDocument/2006/relationships" xmlns:p="http://schemas.openxmlformats.org/presentationml/2006/main">
-  <p:cSld>
-    <p:spTree>
-      <p:nvGrpSpPr>
-        <p:cNvPr id="1" name=""/>
-        <p:cNvGrpSpPr/>
-        <p:nvPr/>
-      </p:nvGrpSpPr>
-      <p:grpSpPr>
-        <a:xfrm>
-          <a:off x="0" y="0"/>
-          <a:ext cx="0" cy="0"/>
-          <a:chOff x="0" y="0"/>
-          <a:chExt cx="0" cy="0"/>
-        </a:xfrm>
-      </p:grpSpPr>
-      <p:sp>
-        <p:nvSpPr>
-          <p:cNvPr id="2" name="제목 1">
-            <a:extLst>
-              <a:ext uri="{FF2B5EF4-FFF2-40B4-BE49-F238E27FC236}">
-                <a16:creationId xmlns:a16="http://schemas.microsoft.com/office/drawing/2014/main" id="{E28E007A-BDC2-6043-60AE-1A58991DEE37}"/>
-              </a:ext>
-            </a:extLst>
-          </p:cNvPr>
-          <p:cNvSpPr>
-            <a:spLocks noGrp="1"/>
-          </p:cNvSpPr>
-          <p:nvPr>
-            <p:ph type="title"/>
-          </p:nvPr>
-        </p:nvSpPr>
-        <p:spPr/>
-        <p:txBody>
-          <a:bodyPr/>
-          <a:lstStyle/>
-          <a:p>
-            <a:r>
-              <a:rPr lang="en-US" altLang="ko-KR"/>
-              <a:t>DDS in Verilog (2)</a:t>
-            </a:r>
-            <a:endParaRPr lang="ko-KR" altLang="en-US"/>
-          </a:p>
-        </p:txBody>
-      </p:sp>
-      <p:sp>
-        <p:nvSpPr>
-          <p:cNvPr id="4" name="날짜 개체 틀 3">
-            <a:extLst>
-              <a:ext uri="{FF2B5EF4-FFF2-40B4-BE49-F238E27FC236}">
-                <a16:creationId xmlns:a16="http://schemas.microsoft.com/office/drawing/2014/main" id="{781B33B9-2F9F-CB2D-9D8D-5EBB0C551CA1}"/>
-              </a:ext>
-            </a:extLst>
-          </p:cNvPr>
-          <p:cNvSpPr>
-            <a:spLocks noGrp="1"/>
-          </p:cNvSpPr>
-          <p:nvPr>
-            <p:ph type="dt" sz="half" idx="10"/>
-          </p:nvPr>
-        </p:nvSpPr>
-        <p:spPr/>
-        <p:txBody>
-          <a:bodyPr/>
-          <a:lstStyle/>
-          <a:p>
-            <a:r>
-              <a:rPr kumimoji="1" lang="en-US" altLang="ko-KR">
-                <a:ea typeface="Verdana" panose="020B0604030504040204" pitchFamily="34" charset="0"/>
-              </a:rPr>
-              <a:t>2023. 3. 29.</a:t>
-            </a:r>
-            <a:endParaRPr kumimoji="1" lang="ko-Kore-KR" altLang="en-US" dirty="0"/>
-          </a:p>
-        </p:txBody>
-      </p:sp>
-      <p:pic>
-        <p:nvPicPr>
-          <p:cNvPr id="6" name="그림 5" descr="\documentclass{article}&#10;\usepackage{amsmath}&#10;\pagestyle{empty}&#10;\begin{document}&#10;&#10;\noindent For 14 bit unsigned amplitude scaling\\&#10;&#10;\noindent $amp[13:0] * dds\_output[15:0] = amp\_full\_product[31:0]$\\&#10;for full amp $2^{14} - 1$\\&#10;for full dds\_output $2^{14} - 1$\\&#10;product becomes $2^{28} - 2^{15} + 1 = 2^{14}(2^{14} - 2) + \varepsilon$\\&#10;&#10;\noindent other choice&#10;$(amp[13:0]+1) * dds\_output[15:0] = amp\_full\_product[31:0]$\\&#10;for full amp $2^{14} - 1 + 1$\\&#10;for full dds\_output $2^{14} - 1$\\&#10;product becomes $2^{14}(2^{14} - 1)$\\&#10;But, for zero amp,\\&#10;$2^{14} - 1$\\&#10;So, zero has to be conducted in exception case&#10;&#10;&#10;&#10;\end{document}" title="IguanaTex Bitmap Display">
-            <a:extLst>
-              <a:ext uri="{FF2B5EF4-FFF2-40B4-BE49-F238E27FC236}">
-                <a16:creationId xmlns:a16="http://schemas.microsoft.com/office/drawing/2014/main" id="{85A0A7A3-88A8-8758-1935-5A7378060037}"/>
-              </a:ext>
-            </a:extLst>
-          </p:cNvPr>
-          <p:cNvPicPr>
-            <a:picLocks noChangeAspect="1"/>
-          </p:cNvPicPr>
-          <p:nvPr>
-            <p:custDataLst>
-              <p:tags r:id="rId1"/>
-            </p:custDataLst>
-          </p:nvPr>
-        </p:nvPicPr>
-        <p:blipFill>
-          <a:blip r:embed="rId3">
-            <a:extLst>
-              <a:ext uri="{28A0092B-C50C-407E-A947-70E740481C1C}">
-                <a14:useLocalDpi xmlns:a14="http://schemas.microsoft.com/office/drawing/2010/main" val="0"/>
-              </a:ext>
-            </a:extLst>
-          </a:blip>
-          <a:stretch>
-            <a:fillRect/>
-          </a:stretch>
-        </p:blipFill>
-        <p:spPr>
-          <a:xfrm>
-            <a:off x="1828800" y="1587139"/>
-            <a:ext cx="8426666" cy="4169143"/>
-          </a:xfrm>
-          <a:prstGeom prst="rect">
-            <a:avLst/>
-          </a:prstGeom>
-        </p:spPr>
-      </p:pic>
-    </p:spTree>
-    <p:extLst>
-      <p:ext uri="{BB962C8B-B14F-4D97-AF65-F5344CB8AC3E}">
-        <p14:creationId xmlns:p14="http://schemas.microsoft.com/office/powerpoint/2010/main" val="656420312"/>
-      </p:ext>
-    </p:extLst>
-  </p:cSld>
-  <p:clrMapOvr>
-    <a:masterClrMapping/>
-  </p:clrMapOvr>
-</p:sld>
-</file>
-
-<file path=ppt/slides/slide7.xml><?xml version="1.0" encoding="utf-8"?>
-<p:sld xmlns:a="http://schemas.openxmlformats.org/drawingml/2006/main" xmlns:r="http://schemas.openxmlformats.org/officeDocument/2006/relationships" xmlns:p="http://schemas.openxmlformats.org/presentationml/2006/main">
-  <p:cSld>
-    <p:spTree>
-      <p:nvGrpSpPr>
-        <p:cNvPr id="1" name=""/>
-        <p:cNvGrpSpPr/>
-        <p:nvPr/>
-      </p:nvGrpSpPr>
-      <p:grpSpPr>
-        <a:xfrm>
-          <a:off x="0" y="0"/>
-          <a:ext cx="0" cy="0"/>
-          <a:chOff x="0" y="0"/>
-          <a:chExt cx="0" cy="0"/>
-        </a:xfrm>
-      </p:grpSpPr>
-      <p:sp>
-        <p:nvSpPr>
-          <p:cNvPr id="2" name="제목 1">
-            <a:extLst>
-              <a:ext uri="{FF2B5EF4-FFF2-40B4-BE49-F238E27FC236}">
-                <a16:creationId xmlns:a16="http://schemas.microsoft.com/office/drawing/2014/main" id="{A173C381-867D-E21E-D141-C92AB80EC6C8}"/>
-              </a:ext>
-            </a:extLst>
-          </p:cNvPr>
-          <p:cNvSpPr>
-            <a:spLocks noGrp="1"/>
-          </p:cNvSpPr>
-          <p:nvPr>
-            <p:ph type="title"/>
-          </p:nvPr>
-        </p:nvSpPr>
-        <p:spPr/>
-        <p:txBody>
-          <a:bodyPr/>
-          <a:lstStyle/>
-          <a:p>
-            <a:r>
-              <a:rPr lang="en-US" altLang="ko-KR"/>
-              <a:t>Vivado Custom IP</a:t>
-            </a:r>
-            <a:endParaRPr lang="ko-KR" altLang="en-US"/>
-          </a:p>
-        </p:txBody>
-      </p:sp>
-      <p:sp>
-        <p:nvSpPr>
-          <p:cNvPr id="4" name="날짜 개체 틀 3">
-            <a:extLst>
-              <a:ext uri="{FF2B5EF4-FFF2-40B4-BE49-F238E27FC236}">
-                <a16:creationId xmlns:a16="http://schemas.microsoft.com/office/drawing/2014/main" id="{2E2C9F9A-5AB5-4D89-57A4-500C74A61F10}"/>
-              </a:ext>
-            </a:extLst>
-          </p:cNvPr>
-          <p:cNvSpPr>
-            <a:spLocks noGrp="1"/>
-          </p:cNvSpPr>
-          <p:nvPr>
-            <p:ph type="dt" sz="half" idx="10"/>
-          </p:nvPr>
-        </p:nvSpPr>
-        <p:spPr/>
-        <p:txBody>
-          <a:bodyPr/>
-          <a:lstStyle/>
-          <a:p>
-            <a:r>
-              <a:rPr kumimoji="1" lang="en-US" altLang="ko-KR">
-                <a:ea typeface="Verdana" panose="020B0604030504040204" pitchFamily="34" charset="0"/>
-              </a:rPr>
-              <a:t>2023. 3. 29.</a:t>
-            </a:r>
-            <a:endParaRPr kumimoji="1" lang="ko-Kore-KR" altLang="en-US" dirty="0"/>
-          </a:p>
-        </p:txBody>
-      </p:sp>
-      <p:pic>
-        <p:nvPicPr>
-          <p:cNvPr id="6" name="그림 5">
-            <a:extLst>
-              <a:ext uri="{FF2B5EF4-FFF2-40B4-BE49-F238E27FC236}">
-                <a16:creationId xmlns:a16="http://schemas.microsoft.com/office/drawing/2014/main" id="{C1EE19C7-838E-B53A-C7F3-E8A40802A2C4}"/>
-              </a:ext>
-            </a:extLst>
-          </p:cNvPr>
-          <p:cNvPicPr>
-            <a:picLocks noChangeAspect="1"/>
-          </p:cNvPicPr>
-          <p:nvPr/>
-        </p:nvPicPr>
-        <p:blipFill>
-          <a:blip r:embed="rId2"/>
-          <a:stretch>
-            <a:fillRect/>
-          </a:stretch>
-        </p:blipFill>
-        <p:spPr>
-          <a:xfrm>
-            <a:off x="7575374" y="2239653"/>
-            <a:ext cx="3039328" cy="2979209"/>
-          </a:xfrm>
-          <a:prstGeom prst="rect">
-            <a:avLst/>
-          </a:prstGeom>
-        </p:spPr>
-      </p:pic>
-      <p:pic>
-        <p:nvPicPr>
-          <p:cNvPr id="8" name="그림 7">
-            <a:extLst>
-              <a:ext uri="{FF2B5EF4-FFF2-40B4-BE49-F238E27FC236}">
-                <a16:creationId xmlns:a16="http://schemas.microsoft.com/office/drawing/2014/main" id="{D9CF7E51-7EBE-7AD6-089F-71A88B512672}"/>
-              </a:ext>
-            </a:extLst>
-          </p:cNvPr>
-          <p:cNvPicPr>
-            <a:picLocks noChangeAspect="1"/>
-          </p:cNvPicPr>
-          <p:nvPr/>
-        </p:nvPicPr>
-        <p:blipFill>
-          <a:blip r:embed="rId3"/>
-          <a:stretch>
-            <a:fillRect/>
-          </a:stretch>
-        </p:blipFill>
-        <p:spPr>
-          <a:xfrm>
-            <a:off x="905585" y="1336094"/>
-            <a:ext cx="3830104" cy="5100212"/>
-          </a:xfrm>
-          <a:prstGeom prst="rect">
-            <a:avLst/>
-          </a:prstGeom>
-        </p:spPr>
-      </p:pic>
-      <p:sp>
-        <p:nvSpPr>
-          <p:cNvPr id="9" name="화살표: 아래쪽 8">
-            <a:extLst>
-              <a:ext uri="{FF2B5EF4-FFF2-40B4-BE49-F238E27FC236}">
-                <a16:creationId xmlns:a16="http://schemas.microsoft.com/office/drawing/2014/main" id="{DA22C3A1-0729-261D-8EE4-BAB722136395}"/>
-              </a:ext>
-            </a:extLst>
-          </p:cNvPr>
-          <p:cNvSpPr/>
-          <p:nvPr/>
-        </p:nvSpPr>
-        <p:spPr>
-          <a:xfrm rot="16200000">
-            <a:off x="5866351" y="3359319"/>
-            <a:ext cx="459298" cy="684850"/>
-          </a:xfrm>
-          <a:prstGeom prst="downArrow">
-            <a:avLst/>
-          </a:prstGeom>
-          <a:solidFill>
-            <a:schemeClr val="tx2"/>
-          </a:solidFill>
-          <a:ln>
-            <a:solidFill>
-              <a:schemeClr val="tx2"/>
-            </a:solidFill>
-          </a:ln>
-        </p:spPr>
-        <p:style>
-          <a:lnRef idx="2">
-            <a:schemeClr val="accent1">
-              <a:shade val="15000"/>
-            </a:schemeClr>
-          </a:lnRef>
-          <a:fillRef idx="1">
-            <a:schemeClr val="accent1"/>
-          </a:fillRef>
-          <a:effectRef idx="0">
-            <a:schemeClr val="accent1"/>
-          </a:effectRef>
-          <a:fontRef idx="minor">
-            <a:schemeClr val="lt1"/>
-          </a:fontRef>
-        </p:style>
-        <p:txBody>
-          <a:bodyPr rtlCol="0" anchor="ctr"/>
-          <a:lstStyle/>
-          <a:p>
-            <a:pPr algn="ctr"/>
-            <a:endParaRPr lang="ko-KR" altLang="en-US"/>
-          </a:p>
-        </p:txBody>
-      </p:sp>
-    </p:spTree>
-    <p:extLst>
-      <p:ext uri="{BB962C8B-B14F-4D97-AF65-F5344CB8AC3E}">
-        <p14:creationId xmlns:p14="http://schemas.microsoft.com/office/powerpoint/2010/main" val="3891785162"/>
-      </p:ext>
-    </p:extLst>
-  </p:cSld>
-  <p:clrMapOvr>
-    <a:masterClrMapping/>
-  </p:clrMapOvr>
-</p:sld>
-</file>
-
-<file path=ppt/slides/slide8.xml><?xml version="1.0" encoding="utf-8"?>
-<p:sld xmlns:a="http://schemas.openxmlformats.org/drawingml/2006/main" xmlns:r="http://schemas.openxmlformats.org/officeDocument/2006/relationships" xmlns:p="http://schemas.openxmlformats.org/presentationml/2006/main">
-  <p:cSld>
-    <p:spTree>
-      <p:nvGrpSpPr>
-        <p:cNvPr id="1" name=""/>
-        <p:cNvGrpSpPr/>
-        <p:nvPr/>
-      </p:nvGrpSpPr>
-      <p:grpSpPr>
-        <a:xfrm>
-          <a:off x="0" y="0"/>
-          <a:ext cx="0" cy="0"/>
-          <a:chOff x="0" y="0"/>
-          <a:chExt cx="0" cy="0"/>
-        </a:xfrm>
-      </p:grpSpPr>
-      <p:sp>
-        <p:nvSpPr>
-          <p:cNvPr id="2" name="제목 1">
-            <a:extLst>
-              <a:ext uri="{FF2B5EF4-FFF2-40B4-BE49-F238E27FC236}">
-                <a16:creationId xmlns:a16="http://schemas.microsoft.com/office/drawing/2014/main" id="{96ED8D77-F14D-DE9D-A7DA-796A96243BCA}"/>
-              </a:ext>
-            </a:extLst>
-          </p:cNvPr>
-          <p:cNvSpPr>
-            <a:spLocks noGrp="1"/>
-          </p:cNvSpPr>
-          <p:nvPr>
-            <p:ph type="title"/>
-          </p:nvPr>
-        </p:nvSpPr>
-        <p:spPr/>
-        <p:txBody>
-          <a:bodyPr/>
-          <a:lstStyle/>
-          <a:p>
-            <a:r>
-              <a:rPr lang="en-US" altLang="ko-KR"/>
-              <a:t>Vivado TCL</a:t>
-            </a:r>
-            <a:endParaRPr lang="ko-KR" altLang="en-US"/>
-          </a:p>
-        </p:txBody>
-      </p:sp>
-      <p:sp>
-        <p:nvSpPr>
-          <p:cNvPr id="3" name="내용 개체 틀 2">
-            <a:extLst>
-              <a:ext uri="{FF2B5EF4-FFF2-40B4-BE49-F238E27FC236}">
-                <a16:creationId xmlns:a16="http://schemas.microsoft.com/office/drawing/2014/main" id="{AFD18137-E1F9-54C4-7820-3A6EBF69D8C6}"/>
-              </a:ext>
-            </a:extLst>
-          </p:cNvPr>
-          <p:cNvSpPr>
-            <a:spLocks noGrp="1"/>
-          </p:cNvSpPr>
-          <p:nvPr>
-            <p:ph idx="1"/>
-          </p:nvPr>
-        </p:nvSpPr>
-        <p:spPr>
-          <a:xfrm>
-            <a:off x="85344" y="1226525"/>
-            <a:ext cx="12021312" cy="528897"/>
-          </a:xfrm>
-        </p:spPr>
-        <p:txBody>
-          <a:bodyPr/>
-          <a:lstStyle/>
-          <a:p>
-            <a:pPr marL="0" indent="0">
-              <a:buNone/>
-            </a:pPr>
-            <a:r>
-              <a:rPr lang="en-US" altLang="ko-KR"/>
-              <a:t>Custom IP update bug(?) in Vivado</a:t>
-            </a:r>
-            <a:endParaRPr lang="ko-KR" altLang="en-US"/>
-          </a:p>
-        </p:txBody>
-      </p:sp>
-      <p:sp>
-        <p:nvSpPr>
-          <p:cNvPr id="4" name="날짜 개체 틀 3">
-            <a:extLst>
-              <a:ext uri="{FF2B5EF4-FFF2-40B4-BE49-F238E27FC236}">
-                <a16:creationId xmlns:a16="http://schemas.microsoft.com/office/drawing/2014/main" id="{75088442-16BA-6D7F-84AC-815D2565F0C1}"/>
-              </a:ext>
-            </a:extLst>
-          </p:cNvPr>
-          <p:cNvSpPr>
-            <a:spLocks noGrp="1"/>
-          </p:cNvSpPr>
-          <p:nvPr>
-            <p:ph type="dt" sz="half" idx="10"/>
-          </p:nvPr>
-        </p:nvSpPr>
-        <p:spPr/>
-        <p:txBody>
-          <a:bodyPr/>
-          <a:lstStyle/>
-          <a:p>
-            <a:r>
-              <a:rPr kumimoji="1" lang="en-US" altLang="ko-KR">
-                <a:ea typeface="Verdana" panose="020B0604030504040204" pitchFamily="34" charset="0"/>
-              </a:rPr>
-              <a:t>2023. 3. 29.</a:t>
-            </a:r>
-            <a:endParaRPr kumimoji="1" lang="ko-Kore-KR" altLang="en-US" dirty="0"/>
-          </a:p>
-        </p:txBody>
-      </p:sp>
-      <p:pic>
-        <p:nvPicPr>
-          <p:cNvPr id="6" name="그림 5">
-            <a:extLst>
-              <a:ext uri="{FF2B5EF4-FFF2-40B4-BE49-F238E27FC236}">
-                <a16:creationId xmlns:a16="http://schemas.microsoft.com/office/drawing/2014/main" id="{CDB933EB-A2E5-2958-56FD-AA315F9798ED}"/>
-              </a:ext>
-            </a:extLst>
-          </p:cNvPr>
-          <p:cNvPicPr>
-            <a:picLocks noChangeAspect="1"/>
-          </p:cNvPicPr>
-          <p:nvPr/>
-        </p:nvPicPr>
-        <p:blipFill>
-          <a:blip r:embed="rId2"/>
-          <a:stretch>
-            <a:fillRect/>
-          </a:stretch>
-        </p:blipFill>
-        <p:spPr>
-          <a:xfrm>
-            <a:off x="293511" y="1755422"/>
-            <a:ext cx="7303912" cy="2646096"/>
-          </a:xfrm>
-          <a:prstGeom prst="rect">
-            <a:avLst/>
-          </a:prstGeom>
-        </p:spPr>
-      </p:pic>
-      <p:pic>
-        <p:nvPicPr>
-          <p:cNvPr id="8" name="그림 7">
-            <a:extLst>
-              <a:ext uri="{FF2B5EF4-FFF2-40B4-BE49-F238E27FC236}">
-                <a16:creationId xmlns:a16="http://schemas.microsoft.com/office/drawing/2014/main" id="{23B42EDB-C9BA-7015-7BBD-451E9652726C}"/>
-              </a:ext>
-            </a:extLst>
-          </p:cNvPr>
-          <p:cNvPicPr>
-            <a:picLocks noChangeAspect="1"/>
-          </p:cNvPicPr>
-          <p:nvPr/>
-        </p:nvPicPr>
-        <p:blipFill>
-          <a:blip r:embed="rId3"/>
-          <a:stretch>
-            <a:fillRect/>
-          </a:stretch>
-        </p:blipFill>
-        <p:spPr>
-          <a:xfrm>
-            <a:off x="942622" y="4459060"/>
-            <a:ext cx="8883860" cy="2050651"/>
-          </a:xfrm>
-          <a:prstGeom prst="rect">
-            <a:avLst/>
-          </a:prstGeom>
-        </p:spPr>
-      </p:pic>
-      <p:sp>
-        <p:nvSpPr>
-          <p:cNvPr id="10" name="TextBox 9">
-            <a:extLst>
-              <a:ext uri="{FF2B5EF4-FFF2-40B4-BE49-F238E27FC236}">
-                <a16:creationId xmlns:a16="http://schemas.microsoft.com/office/drawing/2014/main" id="{D4B9EEB4-8750-2AA1-2AD6-E56851A649D1}"/>
-              </a:ext>
-            </a:extLst>
-          </p:cNvPr>
-          <p:cNvSpPr txBox="1"/>
-          <p:nvPr/>
-        </p:nvSpPr>
-        <p:spPr>
-          <a:xfrm>
-            <a:off x="1260122" y="6616891"/>
-            <a:ext cx="6177844" cy="276999"/>
-          </a:xfrm>
-          <a:prstGeom prst="rect">
-            <a:avLst/>
-          </a:prstGeom>
-          <a:noFill/>
-        </p:spPr>
-        <p:txBody>
-          <a:bodyPr wrap="square">
-            <a:spAutoFit/>
-          </a:bodyPr>
-          <a:lstStyle/>
-          <a:p>
-            <a:r>
-              <a:rPr lang="en-US" altLang="ko-KR" sz="600"/>
-              <a:t>https://support.xilinx.com/s/question/0D52E00006hpbx3SAA/update-ip-does-not-change-implemented-design?language=en_US</a:t>
-            </a:r>
-          </a:p>
-          <a:p>
-            <a:r>
-              <a:rPr lang="ko-KR" altLang="en-US" sz="600"/>
-              <a:t>https://support.xilinx.com/s/question/0D52E00006hpRTFSA2/updated-my-package-ip-but-dont-see-the-change-on-my-block-design?language=en_US</a:t>
-            </a:r>
-          </a:p>
-        </p:txBody>
-      </p:sp>
-    </p:spTree>
-    <p:extLst>
-      <p:ext uri="{BB962C8B-B14F-4D97-AF65-F5344CB8AC3E}">
-        <p14:creationId xmlns:p14="http://schemas.microsoft.com/office/powerpoint/2010/main" val="3879198713"/>
-      </p:ext>
-    </p:extLst>
-  </p:cSld>
-  <p:clrMapOvr>
-    <a:masterClrMapping/>
-  </p:clrMapOvr>
-</p:sld>
-</file>
-
-<file path=ppt/slides/slide9.xml><?xml version="1.0" encoding="utf-8"?>
-<p:sld xmlns:a="http://schemas.openxmlformats.org/drawingml/2006/main" xmlns:r="http://schemas.openxmlformats.org/officeDocument/2006/relationships" xmlns:p="http://schemas.openxmlformats.org/presentationml/2006/main">
-  <p:cSld>
-    <p:spTree>
-      <p:nvGrpSpPr>
-        <p:cNvPr id="1" name=""/>
-        <p:cNvGrpSpPr/>
-        <p:nvPr/>
-      </p:nvGrpSpPr>
-      <p:grpSpPr>
-        <a:xfrm>
-          <a:off x="0" y="0"/>
-          <a:ext cx="0" cy="0"/>
-          <a:chOff x="0" y="0"/>
-          <a:chExt cx="0" cy="0"/>
-        </a:xfrm>
-      </p:grpSpPr>
-      <p:sp>
-        <p:nvSpPr>
-          <p:cNvPr id="2" name="제목 1">
-            <a:extLst>
-              <a:ext uri="{FF2B5EF4-FFF2-40B4-BE49-F238E27FC236}">
-                <a16:creationId xmlns:a16="http://schemas.microsoft.com/office/drawing/2014/main" id="{789772C0-FBA1-C5B8-1CE8-CC48F41FFF12}"/>
-              </a:ext>
-            </a:extLst>
-          </p:cNvPr>
-          <p:cNvSpPr>
-            <a:spLocks noGrp="1"/>
-          </p:cNvSpPr>
-          <p:nvPr>
-            <p:ph type="title"/>
-          </p:nvPr>
-        </p:nvSpPr>
-        <p:spPr/>
-        <p:txBody>
-          <a:bodyPr/>
-          <a:lstStyle/>
-          <a:p>
-            <a:r>
-              <a:rPr lang="en-US" altLang="ko-KR"/>
-              <a:t>Vivado TCL Control</a:t>
-            </a:r>
-            <a:endParaRPr lang="ko-KR" altLang="en-US"/>
-          </a:p>
-        </p:txBody>
-      </p:sp>
-      <p:sp>
-        <p:nvSpPr>
-          <p:cNvPr id="4" name="날짜 개체 틀 3">
-            <a:extLst>
-              <a:ext uri="{FF2B5EF4-FFF2-40B4-BE49-F238E27FC236}">
-                <a16:creationId xmlns:a16="http://schemas.microsoft.com/office/drawing/2014/main" id="{A4BB870F-12A6-7DBE-EC1B-EEE755D60345}"/>
+                <a16:creationId xmlns:a16="http://schemas.microsoft.com/office/drawing/2014/main" id="{261EC493-65B5-458C-AF3C-FD005493705C}"/>
               </a:ext>
             </a:extLst>
           </p:cNvPr>
@@ -10215,7 +12286,7 @@
           <p:cNvPr id="5" name="그룹 4">
             <a:extLst>
               <a:ext uri="{FF2B5EF4-FFF2-40B4-BE49-F238E27FC236}">
-                <a16:creationId xmlns:a16="http://schemas.microsoft.com/office/drawing/2014/main" id="{8FAE6BA6-8E2D-44E2-D9A9-15982B7E8DB2}"/>
+                <a16:creationId xmlns:a16="http://schemas.microsoft.com/office/drawing/2014/main" id="{106A288D-08CA-4365-A498-F1629E4B0894}"/>
               </a:ext>
             </a:extLst>
           </p:cNvPr>
@@ -10224,8 +12295,8 @@
         </p:nvGrpSpPr>
         <p:grpSpPr>
           <a:xfrm>
-            <a:off x="1591238" y="1486794"/>
-            <a:ext cx="900113" cy="714375"/>
+            <a:off x="2229331" y="4163623"/>
+            <a:ext cx="894388" cy="714375"/>
             <a:chOff x="1600200" y="5600700"/>
             <a:chExt cx="900113" cy="714375"/>
           </a:xfrm>
@@ -10235,7 +12306,7 @@
             <p:cNvPr id="6" name="사각형: 잘린 한쪽 모서리 5">
               <a:extLst>
                 <a:ext uri="{FF2B5EF4-FFF2-40B4-BE49-F238E27FC236}">
-                  <a16:creationId xmlns:a16="http://schemas.microsoft.com/office/drawing/2014/main" id="{999E082A-BDC1-0D91-8B59-38FCE34FD4A6}"/>
+                  <a16:creationId xmlns:a16="http://schemas.microsoft.com/office/drawing/2014/main" id="{6CEE87C3-3BE0-4628-94DD-BA7C709E8C4A}"/>
                 </a:ext>
               </a:extLst>
             </p:cNvPr>
@@ -10295,7 +12366,834 @@
             <p:cNvPr id="7" name="자유형: 도형 6">
               <a:extLst>
                 <a:ext uri="{FF2B5EF4-FFF2-40B4-BE49-F238E27FC236}">
-                  <a16:creationId xmlns:a16="http://schemas.microsoft.com/office/drawing/2014/main" id="{37E4B919-4D0A-2F2A-FE69-9864DE86BC65}"/>
+                  <a16:creationId xmlns:a16="http://schemas.microsoft.com/office/drawing/2014/main" id="{CF813520-8667-46C0-BF94-FBA9EF647F34}"/>
+                </a:ext>
+              </a:extLst>
+            </p:cNvPr>
+            <p:cNvSpPr/>
+            <p:nvPr/>
+          </p:nvSpPr>
+          <p:spPr>
+            <a:xfrm>
+              <a:off x="1600201" y="5600700"/>
+              <a:ext cx="900112" cy="714375"/>
+            </a:xfrm>
+            <a:custGeom>
+              <a:avLst/>
+              <a:gdLst>
+                <a:gd name="connsiteX0" fmla="*/ 533400 w 900112"/>
+                <a:gd name="connsiteY0" fmla="*/ 0 h 714375"/>
+                <a:gd name="connsiteX1" fmla="*/ 388143 w 900112"/>
+                <a:gd name="connsiteY1" fmla="*/ 145257 h 714375"/>
+                <a:gd name="connsiteX2" fmla="*/ 0 w 900112"/>
+                <a:gd name="connsiteY2" fmla="*/ 145257 h 714375"/>
+                <a:gd name="connsiteX3" fmla="*/ 0 w 900112"/>
+                <a:gd name="connsiteY3" fmla="*/ 714375 h 714375"/>
+                <a:gd name="connsiteX4" fmla="*/ 900112 w 900112"/>
+                <a:gd name="connsiteY4" fmla="*/ 714375 h 714375"/>
+                <a:gd name="connsiteX5" fmla="*/ 900112 w 900112"/>
+                <a:gd name="connsiteY5" fmla="*/ 4763 h 714375"/>
+                <a:gd name="connsiteX6" fmla="*/ 533400 w 900112"/>
+                <a:gd name="connsiteY6" fmla="*/ 0 h 714375"/>
+              </a:gdLst>
+              <a:ahLst/>
+              <a:cxnLst>
+                <a:cxn ang="0">
+                  <a:pos x="connsiteX0" y="connsiteY0"/>
+                </a:cxn>
+                <a:cxn ang="0">
+                  <a:pos x="connsiteX1" y="connsiteY1"/>
+                </a:cxn>
+                <a:cxn ang="0">
+                  <a:pos x="connsiteX2" y="connsiteY2"/>
+                </a:cxn>
+                <a:cxn ang="0">
+                  <a:pos x="connsiteX3" y="connsiteY3"/>
+                </a:cxn>
+                <a:cxn ang="0">
+                  <a:pos x="connsiteX4" y="connsiteY4"/>
+                </a:cxn>
+                <a:cxn ang="0">
+                  <a:pos x="connsiteX5" y="connsiteY5"/>
+                </a:cxn>
+                <a:cxn ang="0">
+                  <a:pos x="connsiteX6" y="connsiteY6"/>
+                </a:cxn>
+              </a:cxnLst>
+              <a:rect l="l" t="t" r="r" b="b"/>
+              <a:pathLst>
+                <a:path w="900112" h="714375">
+                  <a:moveTo>
+                    <a:pt x="533400" y="0"/>
+                  </a:moveTo>
+                  <a:lnTo>
+                    <a:pt x="388143" y="145257"/>
+                  </a:lnTo>
+                  <a:lnTo>
+                    <a:pt x="0" y="145257"/>
+                  </a:lnTo>
+                  <a:lnTo>
+                    <a:pt x="0" y="714375"/>
+                  </a:lnTo>
+                  <a:lnTo>
+                    <a:pt x="900112" y="714375"/>
+                  </a:lnTo>
+                  <a:lnTo>
+                    <a:pt x="900112" y="4763"/>
+                  </a:lnTo>
+                  <a:lnTo>
+                    <a:pt x="533400" y="0"/>
+                  </a:lnTo>
+                  <a:close/>
+                </a:path>
+              </a:pathLst>
+            </a:custGeom>
+            <a:solidFill>
+              <a:schemeClr val="accent4">
+                <a:lumMod val="60000"/>
+                <a:lumOff val="40000"/>
+              </a:schemeClr>
+            </a:solidFill>
+            <a:ln>
+              <a:solidFill>
+                <a:schemeClr val="tx1"/>
+              </a:solidFill>
+            </a:ln>
+          </p:spPr>
+          <p:style>
+            <a:lnRef idx="2">
+              <a:schemeClr val="accent1">
+                <a:shade val="50000"/>
+              </a:schemeClr>
+            </a:lnRef>
+            <a:fillRef idx="1">
+              <a:schemeClr val="accent1"/>
+            </a:fillRef>
+            <a:effectRef idx="0">
+              <a:schemeClr val="accent1"/>
+            </a:effectRef>
+            <a:fontRef idx="minor">
+              <a:schemeClr val="lt1"/>
+            </a:fontRef>
+          </p:style>
+          <p:txBody>
+            <a:bodyPr rtlCol="0" anchor="ctr"/>
+            <a:lstStyle/>
+            <a:p>
+              <a:pPr algn="ctr"/>
+              <a:endParaRPr lang="en-US" altLang="ko-KR" sz="1200" dirty="0">
+                <a:solidFill>
+                  <a:schemeClr val="tx1"/>
+                </a:solidFill>
+              </a:endParaRPr>
+            </a:p>
+            <a:p>
+              <a:pPr algn="ctr"/>
+              <a:r>
+                <a:rPr lang="en-US" altLang="ko-KR" sz="1200" dirty="0">
+                  <a:solidFill>
+                    <a:schemeClr val="tx1"/>
+                  </a:solidFill>
+                </a:rPr>
+                <a:t>/</a:t>
+              </a:r>
+              <a:r>
+                <a:rPr lang="en-US" altLang="ko-KR" sz="1200" dirty="0" err="1">
+                  <a:solidFill>
+                    <a:schemeClr val="tx1"/>
+                  </a:solidFill>
+                </a:rPr>
+                <a:t>ip_out_dir</a:t>
+              </a:r>
+              <a:endParaRPr lang="ko-KR" altLang="en-US" sz="1200" dirty="0">
+                <a:solidFill>
+                  <a:schemeClr val="tx1"/>
+                </a:solidFill>
+              </a:endParaRPr>
+            </a:p>
+          </p:txBody>
+        </p:sp>
+      </p:grpSp>
+      <p:grpSp>
+        <p:nvGrpSpPr>
+          <p:cNvPr id="8" name="그룹 7">
+            <a:extLst>
+              <a:ext uri="{FF2B5EF4-FFF2-40B4-BE49-F238E27FC236}">
+                <a16:creationId xmlns:a16="http://schemas.microsoft.com/office/drawing/2014/main" id="{EAE16509-B073-4500-BACB-779FCEB480F6}"/>
+              </a:ext>
+            </a:extLst>
+          </p:cNvPr>
+          <p:cNvGrpSpPr/>
+          <p:nvPr/>
+        </p:nvGrpSpPr>
+        <p:grpSpPr>
+          <a:xfrm>
+            <a:off x="2294281" y="5141984"/>
+            <a:ext cx="759724" cy="866400"/>
+            <a:chOff x="1803216" y="4681679"/>
+            <a:chExt cx="759724" cy="866400"/>
+          </a:xfrm>
+        </p:grpSpPr>
+        <p:sp>
+          <p:nvSpPr>
+            <p:cNvPr id="9" name="사각형: 잘린 한쪽 모서리 8">
+              <a:extLst>
+                <a:ext uri="{FF2B5EF4-FFF2-40B4-BE49-F238E27FC236}">
+                  <a16:creationId xmlns:a16="http://schemas.microsoft.com/office/drawing/2014/main" id="{F0232A9C-2AE9-4C81-B135-569630F86303}"/>
+                </a:ext>
+              </a:extLst>
+            </p:cNvPr>
+            <p:cNvSpPr/>
+            <p:nvPr/>
+          </p:nvSpPr>
+          <p:spPr>
+            <a:xfrm>
+              <a:off x="1803216" y="4681679"/>
+              <a:ext cx="759724" cy="866400"/>
+            </a:xfrm>
+            <a:prstGeom prst="snip1Rect">
+              <a:avLst>
+                <a:gd name="adj" fmla="val 24772"/>
+              </a:avLst>
+            </a:prstGeom>
+            <a:noFill/>
+            <a:ln>
+              <a:solidFill>
+                <a:schemeClr val="tx1"/>
+              </a:solidFill>
+            </a:ln>
+          </p:spPr>
+          <p:style>
+            <a:lnRef idx="2">
+              <a:schemeClr val="accent1">
+                <a:shade val="50000"/>
+              </a:schemeClr>
+            </a:lnRef>
+            <a:fillRef idx="1">
+              <a:schemeClr val="accent1"/>
+            </a:fillRef>
+            <a:effectRef idx="0">
+              <a:schemeClr val="accent1"/>
+            </a:effectRef>
+            <a:fontRef idx="minor">
+              <a:schemeClr val="lt1"/>
+            </a:fontRef>
+          </p:style>
+          <p:txBody>
+            <a:bodyPr rtlCol="0" anchor="ctr"/>
+            <a:lstStyle/>
+            <a:p>
+              <a:pPr algn="ctr"/>
+              <a:r>
+                <a:rPr lang="en-US" altLang="ko-KR" sz="1200" dirty="0">
+                  <a:solidFill>
+                    <a:schemeClr val="tx1"/>
+                  </a:solidFill>
+                </a:rPr>
+                <a:t>ip.xml</a:t>
+              </a:r>
+              <a:endParaRPr lang="ko-KR" altLang="en-US" sz="1200" dirty="0">
+                <a:solidFill>
+                  <a:schemeClr val="tx1"/>
+                </a:solidFill>
+              </a:endParaRPr>
+            </a:p>
+          </p:txBody>
+        </p:sp>
+        <p:cxnSp>
+          <p:nvCxnSpPr>
+            <p:cNvPr id="10" name="직선 연결선 9">
+              <a:extLst>
+                <a:ext uri="{FF2B5EF4-FFF2-40B4-BE49-F238E27FC236}">
+                  <a16:creationId xmlns:a16="http://schemas.microsoft.com/office/drawing/2014/main" id="{2672E40F-BB28-4616-9DB6-6740DA22B38E}"/>
+                </a:ext>
+              </a:extLst>
+            </p:cNvPr>
+            <p:cNvCxnSpPr/>
+            <p:nvPr/>
+          </p:nvCxnSpPr>
+          <p:spPr>
+            <a:xfrm>
+              <a:off x="1853619" y="4816463"/>
+              <a:ext cx="576262" cy="0"/>
+            </a:xfrm>
+            <a:prstGeom prst="line">
+              <a:avLst/>
+            </a:prstGeom>
+            <a:ln w="15875"/>
+          </p:spPr>
+          <p:style>
+            <a:lnRef idx="1">
+              <a:schemeClr val="dk1"/>
+            </a:lnRef>
+            <a:fillRef idx="0">
+              <a:schemeClr val="dk1"/>
+            </a:fillRef>
+            <a:effectRef idx="0">
+              <a:schemeClr val="dk1"/>
+            </a:effectRef>
+            <a:fontRef idx="minor">
+              <a:schemeClr val="tx1"/>
+            </a:fontRef>
+          </p:style>
+        </p:cxnSp>
+        <p:cxnSp>
+          <p:nvCxnSpPr>
+            <p:cNvPr id="11" name="직선 연결선 10">
+              <a:extLst>
+                <a:ext uri="{FF2B5EF4-FFF2-40B4-BE49-F238E27FC236}">
+                  <a16:creationId xmlns:a16="http://schemas.microsoft.com/office/drawing/2014/main" id="{A4241625-9312-44FF-93CC-BBFF49F2318C}"/>
+                </a:ext>
+              </a:extLst>
+            </p:cNvPr>
+            <p:cNvCxnSpPr/>
+            <p:nvPr/>
+          </p:nvCxnSpPr>
+          <p:spPr>
+            <a:xfrm>
+              <a:off x="1853619" y="4912573"/>
+              <a:ext cx="576262" cy="0"/>
+            </a:xfrm>
+            <a:prstGeom prst="line">
+              <a:avLst/>
+            </a:prstGeom>
+            <a:ln w="15875"/>
+          </p:spPr>
+          <p:style>
+            <a:lnRef idx="1">
+              <a:schemeClr val="dk1"/>
+            </a:lnRef>
+            <a:fillRef idx="0">
+              <a:schemeClr val="dk1"/>
+            </a:fillRef>
+            <a:effectRef idx="0">
+              <a:schemeClr val="dk1"/>
+            </a:effectRef>
+            <a:fontRef idx="minor">
+              <a:schemeClr val="tx1"/>
+            </a:fontRef>
+          </p:style>
+        </p:cxnSp>
+        <p:cxnSp>
+          <p:nvCxnSpPr>
+            <p:cNvPr id="12" name="직선 연결선 11">
+              <a:extLst>
+                <a:ext uri="{FF2B5EF4-FFF2-40B4-BE49-F238E27FC236}">
+                  <a16:creationId xmlns:a16="http://schemas.microsoft.com/office/drawing/2014/main" id="{DD7034E8-AE9D-4C71-ADC5-9D1AAB59038B}"/>
+                </a:ext>
+              </a:extLst>
+            </p:cNvPr>
+            <p:cNvCxnSpPr/>
+            <p:nvPr/>
+          </p:nvCxnSpPr>
+          <p:spPr>
+            <a:xfrm>
+              <a:off x="1853619" y="5003060"/>
+              <a:ext cx="576262" cy="0"/>
+            </a:xfrm>
+            <a:prstGeom prst="line">
+              <a:avLst/>
+            </a:prstGeom>
+            <a:ln w="15875"/>
+          </p:spPr>
+          <p:style>
+            <a:lnRef idx="1">
+              <a:schemeClr val="dk1"/>
+            </a:lnRef>
+            <a:fillRef idx="0">
+              <a:schemeClr val="dk1"/>
+            </a:fillRef>
+            <a:effectRef idx="0">
+              <a:schemeClr val="dk1"/>
+            </a:effectRef>
+            <a:fontRef idx="minor">
+              <a:schemeClr val="tx1"/>
+            </a:fontRef>
+          </p:style>
+        </p:cxnSp>
+      </p:grpSp>
+      <p:grpSp>
+        <p:nvGrpSpPr>
+          <p:cNvPr id="13" name="그룹 12">
+            <a:extLst>
+              <a:ext uri="{FF2B5EF4-FFF2-40B4-BE49-F238E27FC236}">
+                <a16:creationId xmlns:a16="http://schemas.microsoft.com/office/drawing/2014/main" id="{850A1078-A3DF-416E-9C31-7F2D036D280B}"/>
+              </a:ext>
+            </a:extLst>
+          </p:cNvPr>
+          <p:cNvGrpSpPr/>
+          <p:nvPr/>
+        </p:nvGrpSpPr>
+        <p:grpSpPr>
+          <a:xfrm>
+            <a:off x="1464363" y="5141984"/>
+            <a:ext cx="759724" cy="866400"/>
+            <a:chOff x="1803216" y="4681679"/>
+            <a:chExt cx="759724" cy="866400"/>
+          </a:xfrm>
+        </p:grpSpPr>
+        <p:sp>
+          <p:nvSpPr>
+            <p:cNvPr id="14" name="사각형: 잘린 한쪽 모서리 13">
+              <a:extLst>
+                <a:ext uri="{FF2B5EF4-FFF2-40B4-BE49-F238E27FC236}">
+                  <a16:creationId xmlns:a16="http://schemas.microsoft.com/office/drawing/2014/main" id="{F0C6C16A-DEF2-4413-85D3-8223BD2162EC}"/>
+                </a:ext>
+              </a:extLst>
+            </p:cNvPr>
+            <p:cNvSpPr/>
+            <p:nvPr/>
+          </p:nvSpPr>
+          <p:spPr>
+            <a:xfrm>
+              <a:off x="1803216" y="4681679"/>
+              <a:ext cx="759724" cy="866400"/>
+            </a:xfrm>
+            <a:prstGeom prst="snip1Rect">
+              <a:avLst>
+                <a:gd name="adj" fmla="val 24772"/>
+              </a:avLst>
+            </a:prstGeom>
+            <a:noFill/>
+            <a:ln>
+              <a:solidFill>
+                <a:schemeClr val="tx1"/>
+              </a:solidFill>
+            </a:ln>
+          </p:spPr>
+          <p:style>
+            <a:lnRef idx="2">
+              <a:schemeClr val="accent1">
+                <a:shade val="50000"/>
+              </a:schemeClr>
+            </a:lnRef>
+            <a:fillRef idx="1">
+              <a:schemeClr val="accent1"/>
+            </a:fillRef>
+            <a:effectRef idx="0">
+              <a:schemeClr val="accent1"/>
+            </a:effectRef>
+            <a:fontRef idx="minor">
+              <a:schemeClr val="lt1"/>
+            </a:fontRef>
+          </p:style>
+          <p:txBody>
+            <a:bodyPr rtlCol="0" anchor="ctr"/>
+            <a:lstStyle/>
+            <a:p>
+              <a:pPr algn="ctr"/>
+              <a:r>
+                <a:rPr lang="en-US" altLang="ko-KR" sz="1200" dirty="0" err="1">
+                  <a:solidFill>
+                    <a:schemeClr val="tx1"/>
+                  </a:solidFill>
+                </a:rPr>
+                <a:t>ip.xic</a:t>
+              </a:r>
+              <a:endParaRPr lang="ko-KR" altLang="en-US" sz="1200" dirty="0">
+                <a:solidFill>
+                  <a:schemeClr val="tx1"/>
+                </a:solidFill>
+              </a:endParaRPr>
+            </a:p>
+          </p:txBody>
+        </p:sp>
+        <p:cxnSp>
+          <p:nvCxnSpPr>
+            <p:cNvPr id="15" name="직선 연결선 14">
+              <a:extLst>
+                <a:ext uri="{FF2B5EF4-FFF2-40B4-BE49-F238E27FC236}">
+                  <a16:creationId xmlns:a16="http://schemas.microsoft.com/office/drawing/2014/main" id="{D2D2F65A-35EA-4A2B-A10C-742D3E0DF847}"/>
+                </a:ext>
+              </a:extLst>
+            </p:cNvPr>
+            <p:cNvCxnSpPr/>
+            <p:nvPr/>
+          </p:nvCxnSpPr>
+          <p:spPr>
+            <a:xfrm>
+              <a:off x="1853619" y="4816463"/>
+              <a:ext cx="576262" cy="0"/>
+            </a:xfrm>
+            <a:prstGeom prst="line">
+              <a:avLst/>
+            </a:prstGeom>
+            <a:ln w="15875"/>
+          </p:spPr>
+          <p:style>
+            <a:lnRef idx="1">
+              <a:schemeClr val="dk1"/>
+            </a:lnRef>
+            <a:fillRef idx="0">
+              <a:schemeClr val="dk1"/>
+            </a:fillRef>
+            <a:effectRef idx="0">
+              <a:schemeClr val="dk1"/>
+            </a:effectRef>
+            <a:fontRef idx="minor">
+              <a:schemeClr val="tx1"/>
+            </a:fontRef>
+          </p:style>
+        </p:cxnSp>
+        <p:cxnSp>
+          <p:nvCxnSpPr>
+            <p:cNvPr id="16" name="직선 연결선 15">
+              <a:extLst>
+                <a:ext uri="{FF2B5EF4-FFF2-40B4-BE49-F238E27FC236}">
+                  <a16:creationId xmlns:a16="http://schemas.microsoft.com/office/drawing/2014/main" id="{9EC71792-66B8-438B-A0CF-BA4B4390291E}"/>
+                </a:ext>
+              </a:extLst>
+            </p:cNvPr>
+            <p:cNvCxnSpPr/>
+            <p:nvPr/>
+          </p:nvCxnSpPr>
+          <p:spPr>
+            <a:xfrm>
+              <a:off x="1853619" y="4912573"/>
+              <a:ext cx="576262" cy="0"/>
+            </a:xfrm>
+            <a:prstGeom prst="line">
+              <a:avLst/>
+            </a:prstGeom>
+            <a:ln w="15875"/>
+          </p:spPr>
+          <p:style>
+            <a:lnRef idx="1">
+              <a:schemeClr val="dk1"/>
+            </a:lnRef>
+            <a:fillRef idx="0">
+              <a:schemeClr val="dk1"/>
+            </a:fillRef>
+            <a:effectRef idx="0">
+              <a:schemeClr val="dk1"/>
+            </a:effectRef>
+            <a:fontRef idx="minor">
+              <a:schemeClr val="tx1"/>
+            </a:fontRef>
+          </p:style>
+        </p:cxnSp>
+        <p:cxnSp>
+          <p:nvCxnSpPr>
+            <p:cNvPr id="17" name="직선 연결선 16">
+              <a:extLst>
+                <a:ext uri="{FF2B5EF4-FFF2-40B4-BE49-F238E27FC236}">
+                  <a16:creationId xmlns:a16="http://schemas.microsoft.com/office/drawing/2014/main" id="{68C94BD9-DF4F-4FCE-8D6D-7C9881662535}"/>
+                </a:ext>
+              </a:extLst>
+            </p:cNvPr>
+            <p:cNvCxnSpPr/>
+            <p:nvPr/>
+          </p:nvCxnSpPr>
+          <p:spPr>
+            <a:xfrm>
+              <a:off x="1853619" y="5003060"/>
+              <a:ext cx="576262" cy="0"/>
+            </a:xfrm>
+            <a:prstGeom prst="line">
+              <a:avLst/>
+            </a:prstGeom>
+            <a:ln w="15875"/>
+          </p:spPr>
+          <p:style>
+            <a:lnRef idx="1">
+              <a:schemeClr val="dk1"/>
+            </a:lnRef>
+            <a:fillRef idx="0">
+              <a:schemeClr val="dk1"/>
+            </a:fillRef>
+            <a:effectRef idx="0">
+              <a:schemeClr val="dk1"/>
+            </a:effectRef>
+            <a:fontRef idx="minor">
+              <a:schemeClr val="tx1"/>
+            </a:fontRef>
+          </p:style>
+        </p:cxnSp>
+      </p:grpSp>
+      <p:grpSp>
+        <p:nvGrpSpPr>
+          <p:cNvPr id="23" name="그룹 22">
+            <a:extLst>
+              <a:ext uri="{FF2B5EF4-FFF2-40B4-BE49-F238E27FC236}">
+                <a16:creationId xmlns:a16="http://schemas.microsoft.com/office/drawing/2014/main" id="{242FF3BE-AEEB-4DF0-A116-0417DE0EDDCE}"/>
+              </a:ext>
+            </a:extLst>
+          </p:cNvPr>
+          <p:cNvGrpSpPr/>
+          <p:nvPr/>
+        </p:nvGrpSpPr>
+        <p:grpSpPr>
+          <a:xfrm>
+            <a:off x="3135286" y="5141984"/>
+            <a:ext cx="759724" cy="866400"/>
+            <a:chOff x="1803216" y="4681679"/>
+            <a:chExt cx="759724" cy="866400"/>
+          </a:xfrm>
+        </p:grpSpPr>
+        <p:sp>
+          <p:nvSpPr>
+            <p:cNvPr id="24" name="사각형: 잘린 한쪽 모서리 23">
+              <a:extLst>
+                <a:ext uri="{FF2B5EF4-FFF2-40B4-BE49-F238E27FC236}">
+                  <a16:creationId xmlns:a16="http://schemas.microsoft.com/office/drawing/2014/main" id="{0C3A2C51-FADA-45A2-B548-108F761B6EA9}"/>
+                </a:ext>
+              </a:extLst>
+            </p:cNvPr>
+            <p:cNvSpPr/>
+            <p:nvPr/>
+          </p:nvSpPr>
+          <p:spPr>
+            <a:xfrm>
+              <a:off x="1803216" y="4681679"/>
+              <a:ext cx="759724" cy="866400"/>
+            </a:xfrm>
+            <a:prstGeom prst="snip1Rect">
+              <a:avLst>
+                <a:gd name="adj" fmla="val 24772"/>
+              </a:avLst>
+            </a:prstGeom>
+            <a:noFill/>
+            <a:ln>
+              <a:solidFill>
+                <a:schemeClr val="tx1"/>
+              </a:solidFill>
+            </a:ln>
+          </p:spPr>
+          <p:style>
+            <a:lnRef idx="2">
+              <a:schemeClr val="accent1">
+                <a:shade val="50000"/>
+              </a:schemeClr>
+            </a:lnRef>
+            <a:fillRef idx="1">
+              <a:schemeClr val="accent1"/>
+            </a:fillRef>
+            <a:effectRef idx="0">
+              <a:schemeClr val="accent1"/>
+            </a:effectRef>
+            <a:fontRef idx="minor">
+              <a:schemeClr val="lt1"/>
+            </a:fontRef>
+          </p:style>
+          <p:txBody>
+            <a:bodyPr rtlCol="0" anchor="ctr"/>
+            <a:lstStyle/>
+            <a:p>
+              <a:pPr algn="ctr"/>
+              <a:r>
+                <a:rPr lang="en-US" altLang="ko-KR" sz="1200" dirty="0" err="1">
+                  <a:solidFill>
+                    <a:schemeClr val="tx1"/>
+                  </a:solidFill>
+                </a:rPr>
+                <a:t>ip.xpr</a:t>
+              </a:r>
+              <a:endParaRPr lang="ko-KR" altLang="en-US" sz="1200" dirty="0">
+                <a:solidFill>
+                  <a:schemeClr val="tx1"/>
+                </a:solidFill>
+              </a:endParaRPr>
+            </a:p>
+          </p:txBody>
+        </p:sp>
+        <p:cxnSp>
+          <p:nvCxnSpPr>
+            <p:cNvPr id="25" name="직선 연결선 24">
+              <a:extLst>
+                <a:ext uri="{FF2B5EF4-FFF2-40B4-BE49-F238E27FC236}">
+                  <a16:creationId xmlns:a16="http://schemas.microsoft.com/office/drawing/2014/main" id="{F072782A-7C04-45FB-9B87-52A6BE953155}"/>
+                </a:ext>
+              </a:extLst>
+            </p:cNvPr>
+            <p:cNvCxnSpPr/>
+            <p:nvPr/>
+          </p:nvCxnSpPr>
+          <p:spPr>
+            <a:xfrm>
+              <a:off x="1853619" y="4816463"/>
+              <a:ext cx="576262" cy="0"/>
+            </a:xfrm>
+            <a:prstGeom prst="line">
+              <a:avLst/>
+            </a:prstGeom>
+            <a:ln w="15875"/>
+          </p:spPr>
+          <p:style>
+            <a:lnRef idx="1">
+              <a:schemeClr val="dk1"/>
+            </a:lnRef>
+            <a:fillRef idx="0">
+              <a:schemeClr val="dk1"/>
+            </a:fillRef>
+            <a:effectRef idx="0">
+              <a:schemeClr val="dk1"/>
+            </a:effectRef>
+            <a:fontRef idx="minor">
+              <a:schemeClr val="tx1"/>
+            </a:fontRef>
+          </p:style>
+        </p:cxnSp>
+        <p:cxnSp>
+          <p:nvCxnSpPr>
+            <p:cNvPr id="26" name="직선 연결선 25">
+              <a:extLst>
+                <a:ext uri="{FF2B5EF4-FFF2-40B4-BE49-F238E27FC236}">
+                  <a16:creationId xmlns:a16="http://schemas.microsoft.com/office/drawing/2014/main" id="{8EA4498A-3B72-411D-AE72-E21C84232227}"/>
+                </a:ext>
+              </a:extLst>
+            </p:cNvPr>
+            <p:cNvCxnSpPr/>
+            <p:nvPr/>
+          </p:nvCxnSpPr>
+          <p:spPr>
+            <a:xfrm>
+              <a:off x="1853619" y="4912573"/>
+              <a:ext cx="576262" cy="0"/>
+            </a:xfrm>
+            <a:prstGeom prst="line">
+              <a:avLst/>
+            </a:prstGeom>
+            <a:ln w="15875"/>
+          </p:spPr>
+          <p:style>
+            <a:lnRef idx="1">
+              <a:schemeClr val="dk1"/>
+            </a:lnRef>
+            <a:fillRef idx="0">
+              <a:schemeClr val="dk1"/>
+            </a:fillRef>
+            <a:effectRef idx="0">
+              <a:schemeClr val="dk1"/>
+            </a:effectRef>
+            <a:fontRef idx="minor">
+              <a:schemeClr val="tx1"/>
+            </a:fontRef>
+          </p:style>
+        </p:cxnSp>
+        <p:cxnSp>
+          <p:nvCxnSpPr>
+            <p:cNvPr id="27" name="직선 연결선 26">
+              <a:extLst>
+                <a:ext uri="{FF2B5EF4-FFF2-40B4-BE49-F238E27FC236}">
+                  <a16:creationId xmlns:a16="http://schemas.microsoft.com/office/drawing/2014/main" id="{E78BB9D5-D4CD-4D4B-9AD2-3E5F1D77020B}"/>
+                </a:ext>
+              </a:extLst>
+            </p:cNvPr>
+            <p:cNvCxnSpPr/>
+            <p:nvPr/>
+          </p:nvCxnSpPr>
+          <p:spPr>
+            <a:xfrm>
+              <a:off x="1853619" y="5003060"/>
+              <a:ext cx="576262" cy="0"/>
+            </a:xfrm>
+            <a:prstGeom prst="line">
+              <a:avLst/>
+            </a:prstGeom>
+            <a:ln w="15875"/>
+          </p:spPr>
+          <p:style>
+            <a:lnRef idx="1">
+              <a:schemeClr val="dk1"/>
+            </a:lnRef>
+            <a:fillRef idx="0">
+              <a:schemeClr val="dk1"/>
+            </a:fillRef>
+            <a:effectRef idx="0">
+              <a:schemeClr val="dk1"/>
+            </a:effectRef>
+            <a:fontRef idx="minor">
+              <a:schemeClr val="tx1"/>
+            </a:fontRef>
+          </p:style>
+        </p:cxnSp>
+      </p:grpSp>
+      <p:grpSp>
+        <p:nvGrpSpPr>
+          <p:cNvPr id="52" name="그룹 51">
+            <a:extLst>
+              <a:ext uri="{FF2B5EF4-FFF2-40B4-BE49-F238E27FC236}">
+                <a16:creationId xmlns:a16="http://schemas.microsoft.com/office/drawing/2014/main" id="{7FD65951-824A-4134-902B-E456DDB267B0}"/>
+              </a:ext>
+            </a:extLst>
+          </p:cNvPr>
+          <p:cNvGrpSpPr/>
+          <p:nvPr/>
+        </p:nvGrpSpPr>
+        <p:grpSpPr>
+          <a:xfrm>
+            <a:off x="2258729" y="1486794"/>
+            <a:ext cx="900113" cy="714375"/>
+            <a:chOff x="1600200" y="5600700"/>
+            <a:chExt cx="900113" cy="714375"/>
+          </a:xfrm>
+        </p:grpSpPr>
+        <p:sp>
+          <p:nvSpPr>
+            <p:cNvPr id="53" name="사각형: 잘린 한쪽 모서리 52">
+              <a:extLst>
+                <a:ext uri="{FF2B5EF4-FFF2-40B4-BE49-F238E27FC236}">
+                  <a16:creationId xmlns:a16="http://schemas.microsoft.com/office/drawing/2014/main" id="{AC3C792B-E58A-49CD-B559-2D1936CFE51C}"/>
+                </a:ext>
+              </a:extLst>
+            </p:cNvPr>
+            <p:cNvSpPr/>
+            <p:nvPr/>
+          </p:nvSpPr>
+          <p:spPr>
+            <a:xfrm>
+              <a:off x="1600200" y="5631475"/>
+              <a:ext cx="452438" cy="452438"/>
+            </a:xfrm>
+            <a:prstGeom prst="snip1Rect">
+              <a:avLst/>
+            </a:prstGeom>
+            <a:solidFill>
+              <a:schemeClr val="accent4">
+                <a:lumMod val="75000"/>
+              </a:schemeClr>
+            </a:solidFill>
+            <a:ln>
+              <a:solidFill>
+                <a:schemeClr val="tx1"/>
+              </a:solidFill>
+            </a:ln>
+          </p:spPr>
+          <p:style>
+            <a:lnRef idx="2">
+              <a:schemeClr val="accent1">
+                <a:shade val="50000"/>
+              </a:schemeClr>
+            </a:lnRef>
+            <a:fillRef idx="1">
+              <a:schemeClr val="accent1"/>
+            </a:fillRef>
+            <a:effectRef idx="0">
+              <a:schemeClr val="accent1"/>
+            </a:effectRef>
+            <a:fontRef idx="minor">
+              <a:schemeClr val="lt1"/>
+            </a:fontRef>
+          </p:style>
+          <p:txBody>
+            <a:bodyPr rtlCol="0" anchor="ctr"/>
+            <a:lstStyle/>
+            <a:p>
+              <a:pPr algn="ctr"/>
+              <a:endParaRPr lang="ko-KR" altLang="en-US" sz="1200">
+                <a:solidFill>
+                  <a:schemeClr val="tx1"/>
+                </a:solidFill>
+              </a:endParaRPr>
+            </a:p>
+          </p:txBody>
+        </p:sp>
+        <p:sp>
+          <p:nvSpPr>
+            <p:cNvPr id="54" name="자유형: 도형 53">
+              <a:extLst>
+                <a:ext uri="{FF2B5EF4-FFF2-40B4-BE49-F238E27FC236}">
+                  <a16:creationId xmlns:a16="http://schemas.microsoft.com/office/drawing/2014/main" id="{CC8221C6-CA98-4BF6-B640-54ED57732228}"/>
                 </a:ext>
               </a:extLst>
             </p:cNvPr>
@@ -10437,10 +13335,10 @@
       </p:grpSp>
       <p:grpSp>
         <p:nvGrpSpPr>
-          <p:cNvPr id="8" name="그룹 7">
-            <a:extLst>
-              <a:ext uri="{FF2B5EF4-FFF2-40B4-BE49-F238E27FC236}">
-                <a16:creationId xmlns:a16="http://schemas.microsoft.com/office/drawing/2014/main" id="{F21B6702-E733-F165-438D-AB2CDA15B1E3}"/>
+          <p:cNvPr id="55" name="그룹 54">
+            <a:extLst>
+              <a:ext uri="{FF2B5EF4-FFF2-40B4-BE49-F238E27FC236}">
+                <a16:creationId xmlns:a16="http://schemas.microsoft.com/office/drawing/2014/main" id="{801C3534-6027-47B8-98E4-43D63BD11DBC}"/>
               </a:ext>
             </a:extLst>
           </p:cNvPr>
@@ -10449,18 +13347,18 @@
         </p:nvGrpSpPr>
         <p:grpSpPr>
           <a:xfrm>
-            <a:off x="647516" y="2529275"/>
-            <a:ext cx="759724" cy="866400"/>
+            <a:off x="1727077" y="2529275"/>
+            <a:ext cx="835696" cy="866400"/>
             <a:chOff x="1803216" y="4681679"/>
             <a:chExt cx="759724" cy="866400"/>
           </a:xfrm>
         </p:grpSpPr>
         <p:sp>
           <p:nvSpPr>
-            <p:cNvPr id="9" name="사각형: 잘린 한쪽 모서리 8">
+            <p:cNvPr id="56" name="사각형: 잘린 한쪽 모서리 55">
               <a:extLst>
                 <a:ext uri="{FF2B5EF4-FFF2-40B4-BE49-F238E27FC236}">
-                  <a16:creationId xmlns:a16="http://schemas.microsoft.com/office/drawing/2014/main" id="{67D030D5-3DDB-7A55-E90B-856FCDBBF40D}"/>
+                  <a16:creationId xmlns:a16="http://schemas.microsoft.com/office/drawing/2014/main" id="{C433CEC7-8775-4B84-8C79-DE5B5665F399}"/>
                 </a:ext>
               </a:extLst>
             </p:cNvPr>
@@ -10506,12 +13404,12 @@
             <a:p>
               <a:pPr algn="ctr"/>
               <a:r>
-                <a:rPr lang="en-US" altLang="ko-KR" sz="1200">
+                <a:rPr lang="en-US" altLang="ko-KR" sz="1200" dirty="0">
                   <a:solidFill>
                     <a:schemeClr val="tx1"/>
                   </a:solidFill>
                 </a:rPr>
-                <a:t>ip1.sv</a:t>
+                <a:t>fifo0.xic</a:t>
               </a:r>
               <a:endParaRPr lang="ko-KR" altLang="en-US" sz="1200" dirty="0">
                 <a:solidFill>
@@ -10523,10 +13421,10 @@
         </p:sp>
         <p:cxnSp>
           <p:nvCxnSpPr>
-            <p:cNvPr id="10" name="직선 연결선 9">
+            <p:cNvPr id="57" name="직선 연결선 56">
               <a:extLst>
                 <a:ext uri="{FF2B5EF4-FFF2-40B4-BE49-F238E27FC236}">
-                  <a16:creationId xmlns:a16="http://schemas.microsoft.com/office/drawing/2014/main" id="{5617B271-2029-1AEA-C85F-AAE5CF2BF338}"/>
+                  <a16:creationId xmlns:a16="http://schemas.microsoft.com/office/drawing/2014/main" id="{A188A8D6-8A83-43DD-A849-C101B203D544}"/>
                 </a:ext>
               </a:extLst>
             </p:cNvPr>
@@ -10560,10 +13458,10 @@
         </p:cxnSp>
         <p:cxnSp>
           <p:nvCxnSpPr>
-            <p:cNvPr id="11" name="직선 연결선 10">
+            <p:cNvPr id="58" name="직선 연결선 57">
               <a:extLst>
                 <a:ext uri="{FF2B5EF4-FFF2-40B4-BE49-F238E27FC236}">
-                  <a16:creationId xmlns:a16="http://schemas.microsoft.com/office/drawing/2014/main" id="{332DFDF5-2590-1AE9-6F44-99B5D08DA1DC}"/>
+                  <a16:creationId xmlns:a16="http://schemas.microsoft.com/office/drawing/2014/main" id="{C1977DBD-611A-4403-9F69-A052D6E494D2}"/>
                 </a:ext>
               </a:extLst>
             </p:cNvPr>
@@ -10597,10 +13495,10 @@
         </p:cxnSp>
         <p:cxnSp>
           <p:nvCxnSpPr>
-            <p:cNvPr id="12" name="직선 연결선 11">
+            <p:cNvPr id="59" name="직선 연결선 58">
               <a:extLst>
                 <a:ext uri="{FF2B5EF4-FFF2-40B4-BE49-F238E27FC236}">
-                  <a16:creationId xmlns:a16="http://schemas.microsoft.com/office/drawing/2014/main" id="{18020917-C89A-16FA-0E18-3C9FB0E65D88}"/>
+                  <a16:creationId xmlns:a16="http://schemas.microsoft.com/office/drawing/2014/main" id="{8FDEFF8C-070C-4442-A906-86F587CAE123}"/>
                 </a:ext>
               </a:extLst>
             </p:cNvPr>
@@ -10635,10 +13533,10 @@
       </p:grpSp>
       <p:grpSp>
         <p:nvGrpSpPr>
-          <p:cNvPr id="13" name="그룹 12">
-            <a:extLst>
-              <a:ext uri="{FF2B5EF4-FFF2-40B4-BE49-F238E27FC236}">
-                <a16:creationId xmlns:a16="http://schemas.microsoft.com/office/drawing/2014/main" id="{BFD0BE69-4A83-763D-2D1F-8BC7B6678B4C}"/>
+          <p:cNvPr id="60" name="그룹 59">
+            <a:extLst>
+              <a:ext uri="{FF2B5EF4-FFF2-40B4-BE49-F238E27FC236}">
+                <a16:creationId xmlns:a16="http://schemas.microsoft.com/office/drawing/2014/main" id="{FED3FFE8-EF14-4FA9-A129-42C816633716}"/>
               </a:ext>
             </a:extLst>
           </p:cNvPr>
@@ -10647,7 +13545,7 @@
         </p:nvGrpSpPr>
         <p:grpSpPr>
           <a:xfrm>
-            <a:off x="1661433" y="2529275"/>
+            <a:off x="2778980" y="2529275"/>
             <a:ext cx="759724" cy="866400"/>
             <a:chOff x="1803216" y="4681679"/>
             <a:chExt cx="759724" cy="866400"/>
@@ -10655,10 +13553,10 @@
         </p:grpSpPr>
         <p:sp>
           <p:nvSpPr>
-            <p:cNvPr id="14" name="사각형: 잘린 한쪽 모서리 13">
+            <p:cNvPr id="61" name="사각형: 잘린 한쪽 모서리 60">
               <a:extLst>
                 <a:ext uri="{FF2B5EF4-FFF2-40B4-BE49-F238E27FC236}">
-                  <a16:creationId xmlns:a16="http://schemas.microsoft.com/office/drawing/2014/main" id="{6E38E07C-BF86-C6BD-E9CC-96ABF744182D}"/>
+                  <a16:creationId xmlns:a16="http://schemas.microsoft.com/office/drawing/2014/main" id="{0776AB77-8921-43C7-A77F-518F392A37A2}"/>
                 </a:ext>
               </a:extLst>
             </p:cNvPr>
@@ -10704,12 +13602,12 @@
             <a:p>
               <a:pPr algn="ctr"/>
               <a:r>
-                <a:rPr lang="en-US" altLang="ko-KR" sz="1200">
+                <a:rPr lang="en-US" altLang="ko-KR" sz="1200" dirty="0">
                   <a:solidFill>
                     <a:schemeClr val="tx1"/>
                   </a:solidFill>
                 </a:rPr>
-                <a:t>ip2.sv</a:t>
+                <a:t>ip.sv</a:t>
               </a:r>
               <a:endParaRPr lang="ko-KR" altLang="en-US" sz="1200" dirty="0">
                 <a:solidFill>
@@ -10721,10 +13619,10 @@
         </p:sp>
         <p:cxnSp>
           <p:nvCxnSpPr>
-            <p:cNvPr id="15" name="직선 연결선 14">
+            <p:cNvPr id="62" name="직선 연결선 61">
               <a:extLst>
                 <a:ext uri="{FF2B5EF4-FFF2-40B4-BE49-F238E27FC236}">
-                  <a16:creationId xmlns:a16="http://schemas.microsoft.com/office/drawing/2014/main" id="{0FAB25AE-49A4-3B09-230A-3C1D2DE65BDA}"/>
+                  <a16:creationId xmlns:a16="http://schemas.microsoft.com/office/drawing/2014/main" id="{51E171A6-25DC-4F04-A6AC-5F99AD987E2F}"/>
                 </a:ext>
               </a:extLst>
             </p:cNvPr>
@@ -10758,10 +13656,10 @@
         </p:cxnSp>
         <p:cxnSp>
           <p:nvCxnSpPr>
-            <p:cNvPr id="16" name="직선 연결선 15">
+            <p:cNvPr id="63" name="직선 연결선 62">
               <a:extLst>
                 <a:ext uri="{FF2B5EF4-FFF2-40B4-BE49-F238E27FC236}">
-                  <a16:creationId xmlns:a16="http://schemas.microsoft.com/office/drawing/2014/main" id="{DF4394B6-8CD8-F748-7367-E282DEC11125}"/>
+                  <a16:creationId xmlns:a16="http://schemas.microsoft.com/office/drawing/2014/main" id="{9E615664-BE8E-4397-90EC-3A15851A7A4E}"/>
                 </a:ext>
               </a:extLst>
             </p:cNvPr>
@@ -10795,10 +13693,10 @@
         </p:cxnSp>
         <p:cxnSp>
           <p:nvCxnSpPr>
-            <p:cNvPr id="17" name="직선 연결선 16">
+            <p:cNvPr id="64" name="직선 연결선 63">
               <a:extLst>
                 <a:ext uri="{FF2B5EF4-FFF2-40B4-BE49-F238E27FC236}">
-                  <a16:creationId xmlns:a16="http://schemas.microsoft.com/office/drawing/2014/main" id="{9206646E-383C-3E1A-8161-24E71CF05AFF}"/>
+                  <a16:creationId xmlns:a16="http://schemas.microsoft.com/office/drawing/2014/main" id="{19F8597B-0DFB-47C6-8121-82F3A5662993}"/>
                 </a:ext>
               </a:extLst>
             </p:cNvPr>
@@ -10831,12 +13729,132 @@
           </p:style>
         </p:cxnSp>
       </p:grpSp>
+    </p:spTree>
+    <p:extLst>
+      <p:ext uri="{BB962C8B-B14F-4D97-AF65-F5344CB8AC3E}">
+        <p14:creationId xmlns:p14="http://schemas.microsoft.com/office/powerpoint/2010/main" val="1373110944"/>
+      </p:ext>
+    </p:extLst>
+  </p:cSld>
+  <p:clrMapOvr>
+    <a:masterClrMapping/>
+  </p:clrMapOvr>
+</p:sld>
+</file>
+
+<file path=ppt/slides/slide15.xml><?xml version="1.0" encoding="utf-8"?>
+<p:sld xmlns:a="http://schemas.openxmlformats.org/drawingml/2006/main" xmlns:r="http://schemas.openxmlformats.org/officeDocument/2006/relationships" xmlns:p="http://schemas.openxmlformats.org/presentationml/2006/main">
+  <p:cSld>
+    <p:spTree>
+      <p:nvGrpSpPr>
+        <p:cNvPr id="1" name=""/>
+        <p:cNvGrpSpPr/>
+        <p:nvPr/>
+      </p:nvGrpSpPr>
+      <p:grpSpPr>
+        <a:xfrm>
+          <a:off x="0" y="0"/>
+          <a:ext cx="0" cy="0"/>
+          <a:chOff x="0" y="0"/>
+          <a:chExt cx="0" cy="0"/>
+        </a:xfrm>
+      </p:grpSpPr>
+      <p:sp>
+        <p:nvSpPr>
+          <p:cNvPr id="2" name="제목 1">
+            <a:extLst>
+              <a:ext uri="{FF2B5EF4-FFF2-40B4-BE49-F238E27FC236}">
+                <a16:creationId xmlns:a16="http://schemas.microsoft.com/office/drawing/2014/main" id="{6F523C5B-A1AC-9828-810F-301B5973A9F4}"/>
+              </a:ext>
+            </a:extLst>
+          </p:cNvPr>
+          <p:cNvSpPr>
+            <a:spLocks noGrp="1"/>
+          </p:cNvSpPr>
+          <p:nvPr>
+            <p:ph type="title"/>
+          </p:nvPr>
+        </p:nvSpPr>
+        <p:spPr/>
+        <p:txBody>
+          <a:bodyPr/>
+          <a:lstStyle/>
+          <a:p>
+            <a:r>
+              <a:rPr lang="en-US" altLang="ko-KR" dirty="0"/>
+              <a:t>Automatic Verilog Indexing</a:t>
+            </a:r>
+            <a:endParaRPr lang="ko-KR" altLang="en-US" dirty="0"/>
+          </a:p>
+        </p:txBody>
+      </p:sp>
+      <p:sp>
+        <p:nvSpPr>
+          <p:cNvPr id="4" name="날짜 개체 틀 3">
+            <a:extLst>
+              <a:ext uri="{FF2B5EF4-FFF2-40B4-BE49-F238E27FC236}">
+                <a16:creationId xmlns:a16="http://schemas.microsoft.com/office/drawing/2014/main" id="{20923BE4-8513-AB95-7613-CEC585909440}"/>
+              </a:ext>
+            </a:extLst>
+          </p:cNvPr>
+          <p:cNvSpPr>
+            <a:spLocks noGrp="1"/>
+          </p:cNvSpPr>
+          <p:nvPr>
+            <p:ph type="dt" sz="half" idx="10"/>
+          </p:nvPr>
+        </p:nvSpPr>
+        <p:spPr/>
+        <p:txBody>
+          <a:bodyPr/>
+          <a:lstStyle/>
+          <a:p>
+            <a:r>
+              <a:rPr kumimoji="1" lang="en-US" altLang="ko-KR">
+                <a:ea typeface="Verdana" panose="020B0604030504040204" pitchFamily="34" charset="0"/>
+              </a:rPr>
+              <a:t>2023. 3. 29.</a:t>
+            </a:r>
+            <a:endParaRPr kumimoji="1" lang="ko-Kore-KR" altLang="en-US" dirty="0"/>
+          </a:p>
+        </p:txBody>
+      </p:sp>
+      <p:pic>
+        <p:nvPicPr>
+          <p:cNvPr id="5" name="그림 4">
+            <a:extLst>
+              <a:ext uri="{FF2B5EF4-FFF2-40B4-BE49-F238E27FC236}">
+                <a16:creationId xmlns:a16="http://schemas.microsoft.com/office/drawing/2014/main" id="{CB1928BF-C709-4627-89AA-74858FC74422}"/>
+              </a:ext>
+            </a:extLst>
+          </p:cNvPr>
+          <p:cNvPicPr>
+            <a:picLocks noChangeAspect="1"/>
+          </p:cNvPicPr>
+          <p:nvPr/>
+        </p:nvPicPr>
+        <p:blipFill>
+          <a:blip r:embed="rId2"/>
+          <a:stretch>
+            <a:fillRect/>
+          </a:stretch>
+        </p:blipFill>
+        <p:spPr>
+          <a:xfrm>
+            <a:off x="6505089" y="1600199"/>
+            <a:ext cx="5601567" cy="4810125"/>
+          </a:xfrm>
+          <a:prstGeom prst="rect">
+            <a:avLst/>
+          </a:prstGeom>
+        </p:spPr>
+      </p:pic>
       <p:grpSp>
         <p:nvGrpSpPr>
-          <p:cNvPr id="18" name="그룹 17">
-            <a:extLst>
-              <a:ext uri="{FF2B5EF4-FFF2-40B4-BE49-F238E27FC236}">
-                <a16:creationId xmlns:a16="http://schemas.microsoft.com/office/drawing/2014/main" id="{6FF860A2-ECE6-390B-870A-721FD332046E}"/>
+          <p:cNvPr id="6" name="그룹 5">
+            <a:extLst>
+              <a:ext uri="{FF2B5EF4-FFF2-40B4-BE49-F238E27FC236}">
+                <a16:creationId xmlns:a16="http://schemas.microsoft.com/office/drawing/2014/main" id="{1A1464DB-9D34-414A-98AC-9287C1272808}"/>
               </a:ext>
             </a:extLst>
           </p:cNvPr>
@@ -10845,205 +13863,7 @@
         </p:nvGrpSpPr>
         <p:grpSpPr>
           <a:xfrm>
-            <a:off x="2658383" y="2529275"/>
-            <a:ext cx="759724" cy="866400"/>
-            <a:chOff x="1803216" y="4681679"/>
-            <a:chExt cx="759724" cy="866400"/>
-          </a:xfrm>
-        </p:grpSpPr>
-        <p:sp>
-          <p:nvSpPr>
-            <p:cNvPr id="19" name="사각형: 잘린 한쪽 모서리 18">
-              <a:extLst>
-                <a:ext uri="{FF2B5EF4-FFF2-40B4-BE49-F238E27FC236}">
-                  <a16:creationId xmlns:a16="http://schemas.microsoft.com/office/drawing/2014/main" id="{B5692907-CB2F-41F4-9BE6-F05E9D758932}"/>
-                </a:ext>
-              </a:extLst>
-            </p:cNvPr>
-            <p:cNvSpPr/>
-            <p:nvPr/>
-          </p:nvSpPr>
-          <p:spPr>
-            <a:xfrm>
-              <a:off x="1803216" y="4681679"/>
-              <a:ext cx="759724" cy="866400"/>
-            </a:xfrm>
-            <a:prstGeom prst="snip1Rect">
-              <a:avLst>
-                <a:gd name="adj" fmla="val 24772"/>
-              </a:avLst>
-            </a:prstGeom>
-            <a:noFill/>
-            <a:ln>
-              <a:solidFill>
-                <a:schemeClr val="tx1"/>
-              </a:solidFill>
-            </a:ln>
-          </p:spPr>
-          <p:style>
-            <a:lnRef idx="2">
-              <a:schemeClr val="accent1">
-                <a:shade val="50000"/>
-              </a:schemeClr>
-            </a:lnRef>
-            <a:fillRef idx="1">
-              <a:schemeClr val="accent1"/>
-            </a:fillRef>
-            <a:effectRef idx="0">
-              <a:schemeClr val="accent1"/>
-            </a:effectRef>
-            <a:fontRef idx="minor">
-              <a:schemeClr val="lt1"/>
-            </a:fontRef>
-          </p:style>
-          <p:txBody>
-            <a:bodyPr rtlCol="0" anchor="ctr"/>
-            <a:lstStyle/>
-            <a:p>
-              <a:pPr algn="ctr"/>
-              <a:r>
-                <a:rPr lang="en-US" altLang="ko-KR" sz="1200">
-                  <a:solidFill>
-                    <a:schemeClr val="tx1"/>
-                  </a:solidFill>
-                </a:rPr>
-                <a:t>ip3.sv</a:t>
-              </a:r>
-              <a:endParaRPr lang="ko-KR" altLang="en-US" sz="1200" dirty="0">
-                <a:solidFill>
-                  <a:schemeClr val="tx1"/>
-                </a:solidFill>
-              </a:endParaRPr>
-            </a:p>
-          </p:txBody>
-        </p:sp>
-        <p:cxnSp>
-          <p:nvCxnSpPr>
-            <p:cNvPr id="20" name="직선 연결선 19">
-              <a:extLst>
-                <a:ext uri="{FF2B5EF4-FFF2-40B4-BE49-F238E27FC236}">
-                  <a16:creationId xmlns:a16="http://schemas.microsoft.com/office/drawing/2014/main" id="{6A0445E0-1AA4-5496-1D15-EB58AA619073}"/>
-                </a:ext>
-              </a:extLst>
-            </p:cNvPr>
-            <p:cNvCxnSpPr/>
-            <p:nvPr/>
-          </p:nvCxnSpPr>
-          <p:spPr>
-            <a:xfrm>
-              <a:off x="1853619" y="4816463"/>
-              <a:ext cx="576262" cy="0"/>
-            </a:xfrm>
-            <a:prstGeom prst="line">
-              <a:avLst/>
-            </a:prstGeom>
-            <a:ln w="15875"/>
-          </p:spPr>
-          <p:style>
-            <a:lnRef idx="1">
-              <a:schemeClr val="dk1"/>
-            </a:lnRef>
-            <a:fillRef idx="0">
-              <a:schemeClr val="dk1"/>
-            </a:fillRef>
-            <a:effectRef idx="0">
-              <a:schemeClr val="dk1"/>
-            </a:effectRef>
-            <a:fontRef idx="minor">
-              <a:schemeClr val="tx1"/>
-            </a:fontRef>
-          </p:style>
-        </p:cxnSp>
-        <p:cxnSp>
-          <p:nvCxnSpPr>
-            <p:cNvPr id="21" name="직선 연결선 20">
-              <a:extLst>
-                <a:ext uri="{FF2B5EF4-FFF2-40B4-BE49-F238E27FC236}">
-                  <a16:creationId xmlns:a16="http://schemas.microsoft.com/office/drawing/2014/main" id="{FAC0575E-B4B0-6CBE-DE31-CC7A8580F219}"/>
-                </a:ext>
-              </a:extLst>
-            </p:cNvPr>
-            <p:cNvCxnSpPr/>
-            <p:nvPr/>
-          </p:nvCxnSpPr>
-          <p:spPr>
-            <a:xfrm>
-              <a:off x="1853619" y="4912573"/>
-              <a:ext cx="576262" cy="0"/>
-            </a:xfrm>
-            <a:prstGeom prst="line">
-              <a:avLst/>
-            </a:prstGeom>
-            <a:ln w="15875"/>
-          </p:spPr>
-          <p:style>
-            <a:lnRef idx="1">
-              <a:schemeClr val="dk1"/>
-            </a:lnRef>
-            <a:fillRef idx="0">
-              <a:schemeClr val="dk1"/>
-            </a:fillRef>
-            <a:effectRef idx="0">
-              <a:schemeClr val="dk1"/>
-            </a:effectRef>
-            <a:fontRef idx="minor">
-              <a:schemeClr val="tx1"/>
-            </a:fontRef>
-          </p:style>
-        </p:cxnSp>
-        <p:cxnSp>
-          <p:nvCxnSpPr>
-            <p:cNvPr id="22" name="직선 연결선 21">
-              <a:extLst>
-                <a:ext uri="{FF2B5EF4-FFF2-40B4-BE49-F238E27FC236}">
-                  <a16:creationId xmlns:a16="http://schemas.microsoft.com/office/drawing/2014/main" id="{0D3F0539-98CE-73AA-51BB-B68E1A4A2A72}"/>
-                </a:ext>
-              </a:extLst>
-            </p:cNvPr>
-            <p:cNvCxnSpPr/>
-            <p:nvPr/>
-          </p:nvCxnSpPr>
-          <p:spPr>
-            <a:xfrm>
-              <a:off x="1853619" y="5003060"/>
-              <a:ext cx="576262" cy="0"/>
-            </a:xfrm>
-            <a:prstGeom prst="line">
-              <a:avLst/>
-            </a:prstGeom>
-            <a:ln w="15875"/>
-          </p:spPr>
-          <p:style>
-            <a:lnRef idx="1">
-              <a:schemeClr val="dk1"/>
-            </a:lnRef>
-            <a:fillRef idx="0">
-              <a:schemeClr val="dk1"/>
-            </a:fillRef>
-            <a:effectRef idx="0">
-              <a:schemeClr val="dk1"/>
-            </a:effectRef>
-            <a:fontRef idx="minor">
-              <a:schemeClr val="tx1"/>
-            </a:fontRef>
-          </p:style>
-        </p:cxnSp>
-      </p:grpSp>
-      <p:grpSp>
-        <p:nvGrpSpPr>
-          <p:cNvPr id="23" name="그룹 22">
-            <a:extLst>
-              <a:ext uri="{FF2B5EF4-FFF2-40B4-BE49-F238E27FC236}">
-                <a16:creationId xmlns:a16="http://schemas.microsoft.com/office/drawing/2014/main" id="{7911EBC8-0A58-CF7A-C846-8E98B8D6791F}"/>
-              </a:ext>
-            </a:extLst>
-          </p:cNvPr>
-          <p:cNvGrpSpPr/>
-          <p:nvPr/>
-        </p:nvGrpSpPr>
-        <p:grpSpPr>
-          <a:xfrm>
-            <a:off x="5178251" y="2846159"/>
+            <a:off x="1591238" y="1486794"/>
             <a:ext cx="900113" cy="714375"/>
             <a:chOff x="1600200" y="5600700"/>
             <a:chExt cx="900113" cy="714375"/>
@@ -11051,10 +13871,10 @@
         </p:grpSpPr>
         <p:sp>
           <p:nvSpPr>
-            <p:cNvPr id="24" name="사각형: 잘린 한쪽 모서리 23">
+            <p:cNvPr id="7" name="사각형: 잘린 한쪽 모서리 6">
               <a:extLst>
                 <a:ext uri="{FF2B5EF4-FFF2-40B4-BE49-F238E27FC236}">
-                  <a16:creationId xmlns:a16="http://schemas.microsoft.com/office/drawing/2014/main" id="{348780C3-9AE0-4459-56C1-2B255245B9D1}"/>
+                  <a16:creationId xmlns:a16="http://schemas.microsoft.com/office/drawing/2014/main" id="{7816D168-F07C-4D74-964B-C7C8614FC89B}"/>
                 </a:ext>
               </a:extLst>
             </p:cNvPr>
@@ -11111,10 +13931,10 @@
         </p:sp>
         <p:sp>
           <p:nvSpPr>
-            <p:cNvPr id="25" name="자유형: 도형 24">
+            <p:cNvPr id="8" name="자유형: 도형 7">
               <a:extLst>
                 <a:ext uri="{FF2B5EF4-FFF2-40B4-BE49-F238E27FC236}">
-                  <a16:creationId xmlns:a16="http://schemas.microsoft.com/office/drawing/2014/main" id="{F6816E6B-3F19-F762-DF66-88FBEAC12821}"/>
+                  <a16:creationId xmlns:a16="http://schemas.microsoft.com/office/drawing/2014/main" id="{4C08ED2F-8DD8-489A-81FF-A381A66F9FB0}"/>
                 </a:ext>
               </a:extLst>
             </p:cNvPr>
@@ -11243,7 +14063,7 @@
                     <a:schemeClr val="tx1"/>
                   </a:solidFill>
                 </a:rPr>
-                <a:t>/main_dir</a:t>
+                <a:t>/ip_src_dir</a:t>
               </a:r>
               <a:endParaRPr lang="ko-KR" altLang="en-US" sz="1200" dirty="0">
                 <a:solidFill>
@@ -11256,10 +14076,10 @@
       </p:grpSp>
       <p:grpSp>
         <p:nvGrpSpPr>
-          <p:cNvPr id="26" name="그룹 25">
-            <a:extLst>
-              <a:ext uri="{FF2B5EF4-FFF2-40B4-BE49-F238E27FC236}">
-                <a16:creationId xmlns:a16="http://schemas.microsoft.com/office/drawing/2014/main" id="{97ED044D-A1DF-58DA-6736-157E24303DEA}"/>
+          <p:cNvPr id="9" name="그룹 8">
+            <a:extLst>
+              <a:ext uri="{FF2B5EF4-FFF2-40B4-BE49-F238E27FC236}">
+                <a16:creationId xmlns:a16="http://schemas.microsoft.com/office/drawing/2014/main" id="{07384BAF-34DC-4EED-8670-E4A17F681D7C}"/>
               </a:ext>
             </a:extLst>
           </p:cNvPr>
@@ -11268,18 +14088,18 @@
         </p:nvGrpSpPr>
         <p:grpSpPr>
           <a:xfrm>
-            <a:off x="5248446" y="3888640"/>
-            <a:ext cx="759724" cy="866400"/>
+            <a:off x="1059586" y="2529275"/>
+            <a:ext cx="835696" cy="866400"/>
             <a:chOff x="1803216" y="4681679"/>
             <a:chExt cx="759724" cy="866400"/>
           </a:xfrm>
         </p:grpSpPr>
         <p:sp>
           <p:nvSpPr>
-            <p:cNvPr id="27" name="사각형: 잘린 한쪽 모서리 26">
+            <p:cNvPr id="10" name="사각형: 잘린 한쪽 모서리 9">
               <a:extLst>
                 <a:ext uri="{FF2B5EF4-FFF2-40B4-BE49-F238E27FC236}">
-                  <a16:creationId xmlns:a16="http://schemas.microsoft.com/office/drawing/2014/main" id="{AFF24665-441B-A28A-1AEA-390FB65478AE}"/>
+                  <a16:creationId xmlns:a16="http://schemas.microsoft.com/office/drawing/2014/main" id="{6F67422D-DD38-41B0-A67B-6BB0F2CE51D7}"/>
                 </a:ext>
               </a:extLst>
             </p:cNvPr>
@@ -11325,12 +14145,12 @@
             <a:p>
               <a:pPr algn="ctr"/>
               <a:r>
-                <a:rPr lang="en-US" altLang="ko-KR" sz="1200">
+                <a:rPr lang="en-US" altLang="ko-KR" sz="1200" dirty="0" err="1">
                   <a:solidFill>
                     <a:schemeClr val="tx1"/>
                   </a:solidFill>
                 </a:rPr>
-                <a:t>ip3.xdc</a:t>
+                <a:t>fifo.xic</a:t>
               </a:r>
               <a:endParaRPr lang="ko-KR" altLang="en-US" sz="1200" dirty="0">
                 <a:solidFill>
@@ -11342,10 +14162,10 @@
         </p:sp>
         <p:cxnSp>
           <p:nvCxnSpPr>
-            <p:cNvPr id="28" name="직선 연결선 27">
+            <p:cNvPr id="11" name="직선 연결선 10">
               <a:extLst>
                 <a:ext uri="{FF2B5EF4-FFF2-40B4-BE49-F238E27FC236}">
-                  <a16:creationId xmlns:a16="http://schemas.microsoft.com/office/drawing/2014/main" id="{57BD8F7F-4FF8-7D01-B78B-845FD69FB541}"/>
+                  <a16:creationId xmlns:a16="http://schemas.microsoft.com/office/drawing/2014/main" id="{0B366D3A-83C3-4297-AE07-C63B82C4A892}"/>
                 </a:ext>
               </a:extLst>
             </p:cNvPr>
@@ -11379,10 +14199,10 @@
         </p:cxnSp>
         <p:cxnSp>
           <p:nvCxnSpPr>
-            <p:cNvPr id="29" name="직선 연결선 28">
+            <p:cNvPr id="12" name="직선 연결선 11">
               <a:extLst>
                 <a:ext uri="{FF2B5EF4-FFF2-40B4-BE49-F238E27FC236}">
-                  <a16:creationId xmlns:a16="http://schemas.microsoft.com/office/drawing/2014/main" id="{DFBB5C32-7399-7438-E15C-58E95CA08A42}"/>
+                  <a16:creationId xmlns:a16="http://schemas.microsoft.com/office/drawing/2014/main" id="{2CE8F19D-4C33-4004-BE03-29423E579739}"/>
                 </a:ext>
               </a:extLst>
             </p:cNvPr>
@@ -11416,10 +14236,10 @@
         </p:cxnSp>
         <p:cxnSp>
           <p:nvCxnSpPr>
-            <p:cNvPr id="30" name="직선 연결선 29">
+            <p:cNvPr id="13" name="직선 연결선 12">
               <a:extLst>
                 <a:ext uri="{FF2B5EF4-FFF2-40B4-BE49-F238E27FC236}">
-                  <a16:creationId xmlns:a16="http://schemas.microsoft.com/office/drawing/2014/main" id="{6AD96F38-017F-4DFA-3A8F-AE959461BC9B}"/>
+                  <a16:creationId xmlns:a16="http://schemas.microsoft.com/office/drawing/2014/main" id="{70057F58-9B22-4732-B515-98FFF87A9F21}"/>
                 </a:ext>
               </a:extLst>
             </p:cNvPr>
@@ -11454,10 +14274,10 @@
       </p:grpSp>
       <p:grpSp>
         <p:nvGrpSpPr>
-          <p:cNvPr id="31" name="그룹 30">
-            <a:extLst>
-              <a:ext uri="{FF2B5EF4-FFF2-40B4-BE49-F238E27FC236}">
-                <a16:creationId xmlns:a16="http://schemas.microsoft.com/office/drawing/2014/main" id="{6E4FC3DA-2F56-1EE9-9478-8795B4788830}"/>
+          <p:cNvPr id="14" name="그룹 13">
+            <a:extLst>
+              <a:ext uri="{FF2B5EF4-FFF2-40B4-BE49-F238E27FC236}">
+                <a16:creationId xmlns:a16="http://schemas.microsoft.com/office/drawing/2014/main" id="{927046B7-A689-4DBF-8F79-FCACC0EE2813}"/>
               </a:ext>
             </a:extLst>
           </p:cNvPr>
@@ -11466,18 +14286,376 @@
         </p:nvGrpSpPr>
         <p:grpSpPr>
           <a:xfrm>
-            <a:off x="8629190" y="4338460"/>
-            <a:ext cx="900113" cy="714375"/>
+            <a:off x="2111489" y="2529275"/>
+            <a:ext cx="759724" cy="866400"/>
+            <a:chOff x="1803216" y="4681679"/>
+            <a:chExt cx="759724" cy="866400"/>
+          </a:xfrm>
+        </p:grpSpPr>
+        <p:sp>
+          <p:nvSpPr>
+            <p:cNvPr id="15" name="사각형: 잘린 한쪽 모서리 14">
+              <a:extLst>
+                <a:ext uri="{FF2B5EF4-FFF2-40B4-BE49-F238E27FC236}">
+                  <a16:creationId xmlns:a16="http://schemas.microsoft.com/office/drawing/2014/main" id="{9069B7B7-E5A7-4717-82E4-CEA740F5F0F9}"/>
+                </a:ext>
+              </a:extLst>
+            </p:cNvPr>
+            <p:cNvSpPr/>
+            <p:nvPr/>
+          </p:nvSpPr>
+          <p:spPr>
+            <a:xfrm>
+              <a:off x="1803216" y="4681679"/>
+              <a:ext cx="759724" cy="866400"/>
+            </a:xfrm>
+            <a:prstGeom prst="snip1Rect">
+              <a:avLst>
+                <a:gd name="adj" fmla="val 24772"/>
+              </a:avLst>
+            </a:prstGeom>
+            <a:noFill/>
+            <a:ln>
+              <a:solidFill>
+                <a:schemeClr val="tx1"/>
+              </a:solidFill>
+            </a:ln>
+          </p:spPr>
+          <p:style>
+            <a:lnRef idx="2">
+              <a:schemeClr val="accent1">
+                <a:shade val="50000"/>
+              </a:schemeClr>
+            </a:lnRef>
+            <a:fillRef idx="1">
+              <a:schemeClr val="accent1"/>
+            </a:fillRef>
+            <a:effectRef idx="0">
+              <a:schemeClr val="accent1"/>
+            </a:effectRef>
+            <a:fontRef idx="minor">
+              <a:schemeClr val="lt1"/>
+            </a:fontRef>
+          </p:style>
+          <p:txBody>
+            <a:bodyPr rtlCol="0" anchor="ctr"/>
+            <a:lstStyle/>
+            <a:p>
+              <a:pPr algn="ctr"/>
+              <a:r>
+                <a:rPr lang="en-US" altLang="ko-KR" sz="1200" dirty="0">
+                  <a:solidFill>
+                    <a:schemeClr val="tx1"/>
+                  </a:solidFill>
+                </a:rPr>
+                <a:t>ip.sv</a:t>
+              </a:r>
+              <a:endParaRPr lang="ko-KR" altLang="en-US" sz="1200" dirty="0">
+                <a:solidFill>
+                  <a:schemeClr val="tx1"/>
+                </a:solidFill>
+              </a:endParaRPr>
+            </a:p>
+          </p:txBody>
+        </p:sp>
+        <p:cxnSp>
+          <p:nvCxnSpPr>
+            <p:cNvPr id="16" name="직선 연결선 15">
+              <a:extLst>
+                <a:ext uri="{FF2B5EF4-FFF2-40B4-BE49-F238E27FC236}">
+                  <a16:creationId xmlns:a16="http://schemas.microsoft.com/office/drawing/2014/main" id="{D2AF7A82-B4EF-41F4-B694-B64F8DDA0D6A}"/>
+                </a:ext>
+              </a:extLst>
+            </p:cNvPr>
+            <p:cNvCxnSpPr/>
+            <p:nvPr/>
+          </p:nvCxnSpPr>
+          <p:spPr>
+            <a:xfrm>
+              <a:off x="1853619" y="4816463"/>
+              <a:ext cx="576262" cy="0"/>
+            </a:xfrm>
+            <a:prstGeom prst="line">
+              <a:avLst/>
+            </a:prstGeom>
+            <a:ln w="15875"/>
+          </p:spPr>
+          <p:style>
+            <a:lnRef idx="1">
+              <a:schemeClr val="dk1"/>
+            </a:lnRef>
+            <a:fillRef idx="0">
+              <a:schemeClr val="dk1"/>
+            </a:fillRef>
+            <a:effectRef idx="0">
+              <a:schemeClr val="dk1"/>
+            </a:effectRef>
+            <a:fontRef idx="minor">
+              <a:schemeClr val="tx1"/>
+            </a:fontRef>
+          </p:style>
+        </p:cxnSp>
+        <p:cxnSp>
+          <p:nvCxnSpPr>
+            <p:cNvPr id="17" name="직선 연결선 16">
+              <a:extLst>
+                <a:ext uri="{FF2B5EF4-FFF2-40B4-BE49-F238E27FC236}">
+                  <a16:creationId xmlns:a16="http://schemas.microsoft.com/office/drawing/2014/main" id="{2ABA748D-9B92-44A0-8B4B-60B918921D4F}"/>
+                </a:ext>
+              </a:extLst>
+            </p:cNvPr>
+            <p:cNvCxnSpPr/>
+            <p:nvPr/>
+          </p:nvCxnSpPr>
+          <p:spPr>
+            <a:xfrm>
+              <a:off x="1853619" y="4912573"/>
+              <a:ext cx="576262" cy="0"/>
+            </a:xfrm>
+            <a:prstGeom prst="line">
+              <a:avLst/>
+            </a:prstGeom>
+            <a:ln w="15875"/>
+          </p:spPr>
+          <p:style>
+            <a:lnRef idx="1">
+              <a:schemeClr val="dk1"/>
+            </a:lnRef>
+            <a:fillRef idx="0">
+              <a:schemeClr val="dk1"/>
+            </a:fillRef>
+            <a:effectRef idx="0">
+              <a:schemeClr val="dk1"/>
+            </a:effectRef>
+            <a:fontRef idx="minor">
+              <a:schemeClr val="tx1"/>
+            </a:fontRef>
+          </p:style>
+        </p:cxnSp>
+        <p:cxnSp>
+          <p:nvCxnSpPr>
+            <p:cNvPr id="18" name="직선 연결선 17">
+              <a:extLst>
+                <a:ext uri="{FF2B5EF4-FFF2-40B4-BE49-F238E27FC236}">
+                  <a16:creationId xmlns:a16="http://schemas.microsoft.com/office/drawing/2014/main" id="{9F350381-FF66-420D-8E4E-D5449DCFC0B5}"/>
+                </a:ext>
+              </a:extLst>
+            </p:cNvPr>
+            <p:cNvCxnSpPr/>
+            <p:nvPr/>
+          </p:nvCxnSpPr>
+          <p:spPr>
+            <a:xfrm>
+              <a:off x="1853619" y="5003060"/>
+              <a:ext cx="576262" cy="0"/>
+            </a:xfrm>
+            <a:prstGeom prst="line">
+              <a:avLst/>
+            </a:prstGeom>
+            <a:ln w="15875"/>
+          </p:spPr>
+          <p:style>
+            <a:lnRef idx="1">
+              <a:schemeClr val="dk1"/>
+            </a:lnRef>
+            <a:fillRef idx="0">
+              <a:schemeClr val="dk1"/>
+            </a:fillRef>
+            <a:effectRef idx="0">
+              <a:schemeClr val="dk1"/>
+            </a:effectRef>
+            <a:fontRef idx="minor">
+              <a:schemeClr val="tx1"/>
+            </a:fontRef>
+          </p:style>
+        </p:cxnSp>
+      </p:grpSp>
+      <p:sp>
+        <p:nvSpPr>
+          <p:cNvPr id="37" name="화살표: 아래쪽 36">
+            <a:extLst>
+              <a:ext uri="{FF2B5EF4-FFF2-40B4-BE49-F238E27FC236}">
+                <a16:creationId xmlns:a16="http://schemas.microsoft.com/office/drawing/2014/main" id="{4EFB308A-2BF2-43AD-8A1D-B3C1CA8E4D3A}"/>
+              </a:ext>
+            </a:extLst>
+          </p:cNvPr>
+          <p:cNvSpPr/>
+          <p:nvPr/>
+        </p:nvSpPr>
+        <p:spPr>
+          <a:xfrm>
+            <a:off x="1828800" y="3747933"/>
+            <a:ext cx="459298" cy="491227"/>
+          </a:xfrm>
+          <a:prstGeom prst="downArrow">
+            <a:avLst/>
+          </a:prstGeom>
+          <a:solidFill>
+            <a:schemeClr val="tx2"/>
+          </a:solidFill>
+          <a:ln>
+            <a:solidFill>
+              <a:schemeClr val="tx2"/>
+            </a:solidFill>
+          </a:ln>
+        </p:spPr>
+        <p:style>
+          <a:lnRef idx="2">
+            <a:schemeClr val="accent1">
+              <a:shade val="15000"/>
+            </a:schemeClr>
+          </a:lnRef>
+          <a:fillRef idx="1">
+            <a:schemeClr val="accent1"/>
+          </a:fillRef>
+          <a:effectRef idx="0">
+            <a:schemeClr val="accent1"/>
+          </a:effectRef>
+          <a:fontRef idx="minor">
+            <a:schemeClr val="lt1"/>
+          </a:fontRef>
+        </p:style>
+        <p:txBody>
+          <a:bodyPr rtlCol="0" anchor="ctr"/>
+          <a:lstStyle/>
+          <a:p>
+            <a:pPr algn="ctr"/>
+            <a:endParaRPr lang="ko-KR" altLang="en-US"/>
+          </a:p>
+        </p:txBody>
+      </p:sp>
+      <p:sp>
+        <p:nvSpPr>
+          <p:cNvPr id="72" name="화살표: 아래쪽 71">
+            <a:extLst>
+              <a:ext uri="{FF2B5EF4-FFF2-40B4-BE49-F238E27FC236}">
+                <a16:creationId xmlns:a16="http://schemas.microsoft.com/office/drawing/2014/main" id="{E061064E-1453-45AB-8735-4B3BF9B767E6}"/>
+              </a:ext>
+            </a:extLst>
+          </p:cNvPr>
+          <p:cNvSpPr/>
+          <p:nvPr/>
+        </p:nvSpPr>
+        <p:spPr>
+          <a:xfrm>
+            <a:off x="4545365" y="3747933"/>
+            <a:ext cx="459298" cy="491227"/>
+          </a:xfrm>
+          <a:prstGeom prst="downArrow">
+            <a:avLst/>
+          </a:prstGeom>
+          <a:solidFill>
+            <a:schemeClr val="tx2"/>
+          </a:solidFill>
+          <a:ln>
+            <a:solidFill>
+              <a:schemeClr val="tx2"/>
+            </a:solidFill>
+          </a:ln>
+        </p:spPr>
+        <p:style>
+          <a:lnRef idx="2">
+            <a:schemeClr val="accent1">
+              <a:shade val="15000"/>
+            </a:schemeClr>
+          </a:lnRef>
+          <a:fillRef idx="1">
+            <a:schemeClr val="accent1"/>
+          </a:fillRef>
+          <a:effectRef idx="0">
+            <a:schemeClr val="accent1"/>
+          </a:effectRef>
+          <a:fontRef idx="minor">
+            <a:schemeClr val="lt1"/>
+          </a:fontRef>
+        </p:style>
+        <p:txBody>
+          <a:bodyPr rtlCol="0" anchor="ctr"/>
+          <a:lstStyle/>
+          <a:p>
+            <a:pPr algn="ctr"/>
+            <a:endParaRPr lang="ko-KR" altLang="en-US"/>
+          </a:p>
+        </p:txBody>
+      </p:sp>
+      <p:sp>
+        <p:nvSpPr>
+          <p:cNvPr id="73" name="왼쪽 중괄호 72">
+            <a:extLst>
+              <a:ext uri="{FF2B5EF4-FFF2-40B4-BE49-F238E27FC236}">
+                <a16:creationId xmlns:a16="http://schemas.microsoft.com/office/drawing/2014/main" id="{A3745903-B3EE-454D-9BE4-8C132EA9E1C5}"/>
+              </a:ext>
+            </a:extLst>
+          </p:cNvPr>
+          <p:cNvSpPr/>
+          <p:nvPr/>
+        </p:nvSpPr>
+        <p:spPr>
+          <a:xfrm rot="5400000">
+            <a:off x="3338943" y="2165324"/>
+            <a:ext cx="144800" cy="2924563"/>
+          </a:xfrm>
+          <a:prstGeom prst="leftBrace">
+            <a:avLst>
+              <a:gd name="adj1" fmla="val 66165"/>
+              <a:gd name="adj2" fmla="val 66447"/>
+            </a:avLst>
+          </a:prstGeom>
+          <a:ln w="28575">
+            <a:solidFill>
+              <a:schemeClr val="tx2"/>
+            </a:solidFill>
+          </a:ln>
+        </p:spPr>
+        <p:style>
+          <a:lnRef idx="1">
+            <a:schemeClr val="accent1"/>
+          </a:lnRef>
+          <a:fillRef idx="0">
+            <a:schemeClr val="accent1"/>
+          </a:fillRef>
+          <a:effectRef idx="0">
+            <a:schemeClr val="accent1"/>
+          </a:effectRef>
+          <a:fontRef idx="minor">
+            <a:schemeClr val="tx1"/>
+          </a:fontRef>
+        </p:style>
+        <p:txBody>
+          <a:bodyPr rtlCol="0" anchor="ctr"/>
+          <a:lstStyle/>
+          <a:p>
+            <a:pPr algn="ctr"/>
+            <a:endParaRPr lang="ko-KR" altLang="en-US"/>
+          </a:p>
+        </p:txBody>
+      </p:sp>
+      <p:grpSp>
+        <p:nvGrpSpPr>
+          <p:cNvPr id="74" name="그룹 73">
+            <a:extLst>
+              <a:ext uri="{FF2B5EF4-FFF2-40B4-BE49-F238E27FC236}">
+                <a16:creationId xmlns:a16="http://schemas.microsoft.com/office/drawing/2014/main" id="{1CC21EA2-EA32-4D02-A739-CB7ADF012174}"/>
+              </a:ext>
+            </a:extLst>
+          </p:cNvPr>
+          <p:cNvGrpSpPr/>
+          <p:nvPr/>
+        </p:nvGrpSpPr>
+        <p:grpSpPr>
+          <a:xfrm>
+            <a:off x="1546232" y="4491188"/>
+            <a:ext cx="990124" cy="714375"/>
             <a:chOff x="1600200" y="5600700"/>
             <a:chExt cx="900113" cy="714375"/>
           </a:xfrm>
         </p:grpSpPr>
         <p:sp>
           <p:nvSpPr>
-            <p:cNvPr id="32" name="사각형: 잘린 한쪽 모서리 31">
+            <p:cNvPr id="75" name="사각형: 잘린 한쪽 모서리 74">
               <a:extLst>
                 <a:ext uri="{FF2B5EF4-FFF2-40B4-BE49-F238E27FC236}">
-                  <a16:creationId xmlns:a16="http://schemas.microsoft.com/office/drawing/2014/main" id="{DE88A558-DB05-089D-911B-69DDC271B687}"/>
+                  <a16:creationId xmlns:a16="http://schemas.microsoft.com/office/drawing/2014/main" id="{A17726AD-F073-482F-95CA-F42FBE82011C}"/>
                 </a:ext>
               </a:extLst>
             </p:cNvPr>
@@ -11534,10 +14712,10 @@
         </p:sp>
         <p:sp>
           <p:nvSpPr>
-            <p:cNvPr id="33" name="자유형: 도형 32">
+            <p:cNvPr id="76" name="자유형: 도형 75">
               <a:extLst>
                 <a:ext uri="{FF2B5EF4-FFF2-40B4-BE49-F238E27FC236}">
-                  <a16:creationId xmlns:a16="http://schemas.microsoft.com/office/drawing/2014/main" id="{AA3900FC-F8B7-0064-2459-B42256E64E88}"/>
+                  <a16:creationId xmlns:a16="http://schemas.microsoft.com/office/drawing/2014/main" id="{F13A908C-5D80-4F5C-9215-3FF10C2F65B8}"/>
                 </a:ext>
               </a:extLst>
             </p:cNvPr>
@@ -11661,12 +14839,12 @@
             <a:p>
               <a:pPr algn="ctr"/>
               <a:r>
-                <a:rPr lang="en-US" altLang="ko-KR" sz="1200">
+                <a:rPr lang="en-US" altLang="ko-KR" sz="1200" dirty="0">
                   <a:solidFill>
                     <a:schemeClr val="tx1"/>
                   </a:solidFill>
                 </a:rPr>
-                <a:t>/prj_dir</a:t>
+                <a:t>/ip0_src_dir</a:t>
               </a:r>
               <a:endParaRPr lang="ko-KR" altLang="en-US" sz="1200" dirty="0">
                 <a:solidFill>
@@ -11679,10 +14857,10 @@
       </p:grpSp>
       <p:grpSp>
         <p:nvGrpSpPr>
-          <p:cNvPr id="34" name="그룹 33">
-            <a:extLst>
-              <a:ext uri="{FF2B5EF4-FFF2-40B4-BE49-F238E27FC236}">
-                <a16:creationId xmlns:a16="http://schemas.microsoft.com/office/drawing/2014/main" id="{7C7D96B7-6757-62DE-4379-C2D36A7F7A2D}"/>
+          <p:cNvPr id="77" name="그룹 76">
+            <a:extLst>
+              <a:ext uri="{FF2B5EF4-FFF2-40B4-BE49-F238E27FC236}">
+                <a16:creationId xmlns:a16="http://schemas.microsoft.com/office/drawing/2014/main" id="{0C0989C2-0955-4426-89B5-CC71ABEA8C38}"/>
               </a:ext>
             </a:extLst>
           </p:cNvPr>
@@ -11691,18 +14869,18 @@
         </p:nvGrpSpPr>
         <p:grpSpPr>
           <a:xfrm>
-            <a:off x="9149441" y="5380941"/>
-            <a:ext cx="759724" cy="866400"/>
+            <a:off x="1059586" y="5533669"/>
+            <a:ext cx="835696" cy="866400"/>
             <a:chOff x="1803216" y="4681679"/>
             <a:chExt cx="759724" cy="866400"/>
           </a:xfrm>
         </p:grpSpPr>
         <p:sp>
           <p:nvSpPr>
-            <p:cNvPr id="35" name="사각형: 잘린 한쪽 모서리 34">
+            <p:cNvPr id="78" name="사각형: 잘린 한쪽 모서리 77">
               <a:extLst>
                 <a:ext uri="{FF2B5EF4-FFF2-40B4-BE49-F238E27FC236}">
-                  <a16:creationId xmlns:a16="http://schemas.microsoft.com/office/drawing/2014/main" id="{7FE7330C-5899-2B74-8244-0D471B421BF3}"/>
+                  <a16:creationId xmlns:a16="http://schemas.microsoft.com/office/drawing/2014/main" id="{08BC2BF1-DC40-4F35-BFE7-8833CE7B99A2}"/>
                 </a:ext>
               </a:extLst>
             </p:cNvPr>
@@ -11748,12 +14926,12 @@
             <a:p>
               <a:pPr algn="ctr"/>
               <a:r>
-                <a:rPr lang="en-US" altLang="ko-KR" sz="1200">
+                <a:rPr lang="en-US" altLang="ko-KR" sz="1200" dirty="0">
                   <a:solidFill>
                     <a:schemeClr val="tx1"/>
                   </a:solidFill>
                 </a:rPr>
-                <a:t>prj.xpr</a:t>
+                <a:t>fifo0.xic</a:t>
               </a:r>
               <a:endParaRPr lang="ko-KR" altLang="en-US" sz="1200" dirty="0">
                 <a:solidFill>
@@ -11765,10 +14943,10 @@
         </p:sp>
         <p:cxnSp>
           <p:nvCxnSpPr>
-            <p:cNvPr id="36" name="직선 연결선 35">
+            <p:cNvPr id="79" name="직선 연결선 78">
               <a:extLst>
                 <a:ext uri="{FF2B5EF4-FFF2-40B4-BE49-F238E27FC236}">
-                  <a16:creationId xmlns:a16="http://schemas.microsoft.com/office/drawing/2014/main" id="{DE29B5FB-BDA4-E064-44D9-3E2484191CBF}"/>
+                  <a16:creationId xmlns:a16="http://schemas.microsoft.com/office/drawing/2014/main" id="{E38B6419-2DB8-49F8-A071-F18BD7AA6CCC}"/>
                 </a:ext>
               </a:extLst>
             </p:cNvPr>
@@ -11802,10 +14980,10 @@
         </p:cxnSp>
         <p:cxnSp>
           <p:nvCxnSpPr>
-            <p:cNvPr id="37" name="직선 연결선 36">
+            <p:cNvPr id="80" name="직선 연결선 79">
               <a:extLst>
                 <a:ext uri="{FF2B5EF4-FFF2-40B4-BE49-F238E27FC236}">
-                  <a16:creationId xmlns:a16="http://schemas.microsoft.com/office/drawing/2014/main" id="{F988BF40-3157-0129-C234-13667A2435E2}"/>
+                  <a16:creationId xmlns:a16="http://schemas.microsoft.com/office/drawing/2014/main" id="{8702825A-1E79-42ED-BF0A-037109CD2ED9}"/>
                 </a:ext>
               </a:extLst>
             </p:cNvPr>
@@ -11839,10 +15017,10 @@
         </p:cxnSp>
         <p:cxnSp>
           <p:nvCxnSpPr>
-            <p:cNvPr id="38" name="직선 연결선 37">
+            <p:cNvPr id="81" name="직선 연결선 80">
               <a:extLst>
                 <a:ext uri="{FF2B5EF4-FFF2-40B4-BE49-F238E27FC236}">
-                  <a16:creationId xmlns:a16="http://schemas.microsoft.com/office/drawing/2014/main" id="{4BBD4D48-8293-1079-AB03-093D881D8CA1}"/>
+                  <a16:creationId xmlns:a16="http://schemas.microsoft.com/office/drawing/2014/main" id="{9A401052-EB04-4442-A2F9-74D8D2EA7960}"/>
                 </a:ext>
               </a:extLst>
             </p:cNvPr>
@@ -11877,10 +15055,10 @@
       </p:grpSp>
       <p:grpSp>
         <p:nvGrpSpPr>
-          <p:cNvPr id="39" name="그룹 38">
-            <a:extLst>
-              <a:ext uri="{FF2B5EF4-FFF2-40B4-BE49-F238E27FC236}">
-                <a16:creationId xmlns:a16="http://schemas.microsoft.com/office/drawing/2014/main" id="{0F124A1D-9FDF-F9D8-751C-2A95B07B75BC}"/>
+          <p:cNvPr id="82" name="그룹 81">
+            <a:extLst>
+              <a:ext uri="{FF2B5EF4-FFF2-40B4-BE49-F238E27FC236}">
+                <a16:creationId xmlns:a16="http://schemas.microsoft.com/office/drawing/2014/main" id="{38E7E7F6-C41B-42B0-9677-A3E2BCCA89E0}"/>
               </a:ext>
             </a:extLst>
           </p:cNvPr>
@@ -11889,7 +15067,7 @@
         </p:nvGrpSpPr>
         <p:grpSpPr>
           <a:xfrm>
-            <a:off x="8319523" y="5380941"/>
+            <a:off x="2111489" y="5533669"/>
             <a:ext cx="759724" cy="866400"/>
             <a:chOff x="1803216" y="4681679"/>
             <a:chExt cx="759724" cy="866400"/>
@@ -11897,10 +15075,10 @@
         </p:grpSpPr>
         <p:sp>
           <p:nvSpPr>
-            <p:cNvPr id="40" name="사각형: 잘린 한쪽 모서리 39">
+            <p:cNvPr id="83" name="사각형: 잘린 한쪽 모서리 82">
               <a:extLst>
                 <a:ext uri="{FF2B5EF4-FFF2-40B4-BE49-F238E27FC236}">
-                  <a16:creationId xmlns:a16="http://schemas.microsoft.com/office/drawing/2014/main" id="{96ABD18E-BF7C-A8CE-91CD-9AB23080D626}"/>
+                  <a16:creationId xmlns:a16="http://schemas.microsoft.com/office/drawing/2014/main" id="{53AD04E2-0984-47A3-A059-219086C6ED52}"/>
                 </a:ext>
               </a:extLst>
             </p:cNvPr>
@@ -11946,12 +15124,12 @@
             <a:p>
               <a:pPr algn="ctr"/>
               <a:r>
-                <a:rPr lang="en-US" altLang="ko-KR" sz="1200">
+                <a:rPr lang="en-US" altLang="ko-KR" sz="1200" dirty="0">
                   <a:solidFill>
                     <a:schemeClr val="tx1"/>
                   </a:solidFill>
                 </a:rPr>
-                <a:t>blk.bd</a:t>
+                <a:t>ip0.sv</a:t>
               </a:r>
               <a:endParaRPr lang="ko-KR" altLang="en-US" sz="1200" dirty="0">
                 <a:solidFill>
@@ -11963,10 +15141,10 @@
         </p:sp>
         <p:cxnSp>
           <p:nvCxnSpPr>
-            <p:cNvPr id="41" name="직선 연결선 40">
+            <p:cNvPr id="84" name="직선 연결선 83">
               <a:extLst>
                 <a:ext uri="{FF2B5EF4-FFF2-40B4-BE49-F238E27FC236}">
-                  <a16:creationId xmlns:a16="http://schemas.microsoft.com/office/drawing/2014/main" id="{685062D3-2B26-1CDE-5649-E0B4924F8A75}"/>
+                  <a16:creationId xmlns:a16="http://schemas.microsoft.com/office/drawing/2014/main" id="{85929910-D2D9-4274-9DA7-BE879A8C261D}"/>
                 </a:ext>
               </a:extLst>
             </p:cNvPr>
@@ -12000,10 +15178,10 @@
         </p:cxnSp>
         <p:cxnSp>
           <p:nvCxnSpPr>
-            <p:cNvPr id="42" name="직선 연결선 41">
+            <p:cNvPr id="85" name="직선 연결선 84">
               <a:extLst>
                 <a:ext uri="{FF2B5EF4-FFF2-40B4-BE49-F238E27FC236}">
-                  <a16:creationId xmlns:a16="http://schemas.microsoft.com/office/drawing/2014/main" id="{29CAE60C-3E6D-62D3-52CF-95B51CFA4E99}"/>
+                  <a16:creationId xmlns:a16="http://schemas.microsoft.com/office/drawing/2014/main" id="{38F4332B-5B28-47E5-9080-88EA0A4487E5}"/>
                 </a:ext>
               </a:extLst>
             </p:cNvPr>
@@ -12037,10 +15215,10 @@
         </p:cxnSp>
         <p:cxnSp>
           <p:nvCxnSpPr>
-            <p:cNvPr id="43" name="직선 연결선 42">
+            <p:cNvPr id="86" name="직선 연결선 85">
               <a:extLst>
                 <a:ext uri="{FF2B5EF4-FFF2-40B4-BE49-F238E27FC236}">
-                  <a16:creationId xmlns:a16="http://schemas.microsoft.com/office/drawing/2014/main" id="{182FCF6B-6976-B19D-7DFD-1F2E0580AD2F}"/>
+                  <a16:creationId xmlns:a16="http://schemas.microsoft.com/office/drawing/2014/main" id="{62199B73-6490-412C-9CBC-D124E7144BBA}"/>
                 </a:ext>
               </a:extLst>
             </p:cNvPr>
@@ -12075,10 +15253,10 @@
       </p:grpSp>
       <p:grpSp>
         <p:nvGrpSpPr>
-          <p:cNvPr id="44" name="그룹 43">
-            <a:extLst>
-              <a:ext uri="{FF2B5EF4-FFF2-40B4-BE49-F238E27FC236}">
-                <a16:creationId xmlns:a16="http://schemas.microsoft.com/office/drawing/2014/main" id="{62D69BFC-C9B6-09EC-42F4-B6622A3ECA23}"/>
+          <p:cNvPr id="87" name="그룹 86">
+            <a:extLst>
+              <a:ext uri="{FF2B5EF4-FFF2-40B4-BE49-F238E27FC236}">
+                <a16:creationId xmlns:a16="http://schemas.microsoft.com/office/drawing/2014/main" id="{F3A22A65-A9BF-4CEA-9A44-11C76E86020A}"/>
               </a:ext>
             </a:extLst>
           </p:cNvPr>
@@ -12087,18 +15265,18 @@
         </p:nvGrpSpPr>
         <p:grpSpPr>
           <a:xfrm>
-            <a:off x="1593619" y="4560585"/>
-            <a:ext cx="900113" cy="714375"/>
+            <a:off x="4378562" y="4491188"/>
+            <a:ext cx="990124" cy="714375"/>
             <a:chOff x="1600200" y="5600700"/>
             <a:chExt cx="900113" cy="714375"/>
           </a:xfrm>
         </p:grpSpPr>
         <p:sp>
           <p:nvSpPr>
-            <p:cNvPr id="45" name="사각형: 잘린 한쪽 모서리 44">
+            <p:cNvPr id="88" name="사각형: 잘린 한쪽 모서리 87">
               <a:extLst>
                 <a:ext uri="{FF2B5EF4-FFF2-40B4-BE49-F238E27FC236}">
-                  <a16:creationId xmlns:a16="http://schemas.microsoft.com/office/drawing/2014/main" id="{5C5EACE2-2A2D-97E8-FD5A-DF5790139694}"/>
+                  <a16:creationId xmlns:a16="http://schemas.microsoft.com/office/drawing/2014/main" id="{2973A547-DCBD-4EB1-9268-418AB66C984E}"/>
                 </a:ext>
               </a:extLst>
             </p:cNvPr>
@@ -12155,10 +15333,10 @@
         </p:sp>
         <p:sp>
           <p:nvSpPr>
-            <p:cNvPr id="46" name="자유형: 도형 45">
+            <p:cNvPr id="89" name="자유형: 도형 88">
               <a:extLst>
                 <a:ext uri="{FF2B5EF4-FFF2-40B4-BE49-F238E27FC236}">
-                  <a16:creationId xmlns:a16="http://schemas.microsoft.com/office/drawing/2014/main" id="{4F7FFEBC-D1EF-CC13-CC93-E888E18D3839}"/>
+                  <a16:creationId xmlns:a16="http://schemas.microsoft.com/office/drawing/2014/main" id="{8E77CFD7-3CB7-4919-BBF9-9A67F5947E7C}"/>
                 </a:ext>
               </a:extLst>
             </p:cNvPr>
@@ -12282,12 +15460,12 @@
             <a:p>
               <a:pPr algn="ctr"/>
               <a:r>
-                <a:rPr lang="en-US" altLang="ko-KR" sz="1200">
+                <a:rPr lang="en-US" altLang="ko-KR" sz="1200" dirty="0">
                   <a:solidFill>
                     <a:schemeClr val="tx1"/>
                   </a:solidFill>
                 </a:rPr>
-                <a:t>/ip_out_dir</a:t>
+                <a:t>/ip0_src_dir</a:t>
               </a:r>
               <a:endParaRPr lang="ko-KR" altLang="en-US" sz="1200" dirty="0">
                 <a:solidFill>
@@ -12300,10 +15478,10 @@
       </p:grpSp>
       <p:grpSp>
         <p:nvGrpSpPr>
-          <p:cNvPr id="47" name="그룹 46">
-            <a:extLst>
-              <a:ext uri="{FF2B5EF4-FFF2-40B4-BE49-F238E27FC236}">
-                <a16:creationId xmlns:a16="http://schemas.microsoft.com/office/drawing/2014/main" id="{6BDE48FA-7927-9DDE-991C-C72BB1D7666A}"/>
+          <p:cNvPr id="90" name="그룹 89">
+            <a:extLst>
+              <a:ext uri="{FF2B5EF4-FFF2-40B4-BE49-F238E27FC236}">
+                <a16:creationId xmlns:a16="http://schemas.microsoft.com/office/drawing/2014/main" id="{CD275547-4567-4B0F-BAA8-EFBF4F04FB44}"/>
               </a:ext>
             </a:extLst>
           </p:cNvPr>
@@ -12312,18 +15490,18 @@
         </p:nvGrpSpPr>
         <p:grpSpPr>
           <a:xfrm>
-            <a:off x="1661432" y="5538946"/>
-            <a:ext cx="759724" cy="866400"/>
+            <a:off x="3891916" y="5533669"/>
+            <a:ext cx="835696" cy="866400"/>
             <a:chOff x="1803216" y="4681679"/>
             <a:chExt cx="759724" cy="866400"/>
           </a:xfrm>
         </p:grpSpPr>
         <p:sp>
           <p:nvSpPr>
-            <p:cNvPr id="48" name="사각형: 잘린 한쪽 모서리 47">
+            <p:cNvPr id="91" name="사각형: 잘린 한쪽 모서리 90">
               <a:extLst>
                 <a:ext uri="{FF2B5EF4-FFF2-40B4-BE49-F238E27FC236}">
-                  <a16:creationId xmlns:a16="http://schemas.microsoft.com/office/drawing/2014/main" id="{0B844819-DBEF-2D93-CA11-EC080A9544B8}"/>
+                  <a16:creationId xmlns:a16="http://schemas.microsoft.com/office/drawing/2014/main" id="{69C30ACA-3493-4A5B-AEAF-A5081AA22384}"/>
                 </a:ext>
               </a:extLst>
             </p:cNvPr>
@@ -12369,12 +15547,12 @@
             <a:p>
               <a:pPr algn="ctr"/>
               <a:r>
-                <a:rPr lang="en-US" altLang="ko-KR" sz="1200">
+                <a:rPr lang="en-US" altLang="ko-KR" sz="1200" dirty="0">
                   <a:solidFill>
                     <a:schemeClr val="tx1"/>
                   </a:solidFill>
                 </a:rPr>
-                <a:t>ip.xml</a:t>
+                <a:t>fifo1.xic</a:t>
               </a:r>
               <a:endParaRPr lang="ko-KR" altLang="en-US" sz="1200" dirty="0">
                 <a:solidFill>
@@ -12386,10 +15564,10 @@
         </p:sp>
         <p:cxnSp>
           <p:nvCxnSpPr>
-            <p:cNvPr id="49" name="직선 연결선 48">
+            <p:cNvPr id="92" name="직선 연결선 91">
               <a:extLst>
                 <a:ext uri="{FF2B5EF4-FFF2-40B4-BE49-F238E27FC236}">
-                  <a16:creationId xmlns:a16="http://schemas.microsoft.com/office/drawing/2014/main" id="{5E648FB8-84AC-69D2-9B2B-524C1B23AE2B}"/>
+                  <a16:creationId xmlns:a16="http://schemas.microsoft.com/office/drawing/2014/main" id="{B93E54D6-A4FF-49D0-97E3-94A4D00261D8}"/>
                 </a:ext>
               </a:extLst>
             </p:cNvPr>
@@ -12423,10 +15601,10 @@
         </p:cxnSp>
         <p:cxnSp>
           <p:nvCxnSpPr>
-            <p:cNvPr id="50" name="직선 연결선 49">
+            <p:cNvPr id="93" name="직선 연결선 92">
               <a:extLst>
                 <a:ext uri="{FF2B5EF4-FFF2-40B4-BE49-F238E27FC236}">
-                  <a16:creationId xmlns:a16="http://schemas.microsoft.com/office/drawing/2014/main" id="{BA634611-D842-61F0-1B10-2ECD7323A9A5}"/>
+                  <a16:creationId xmlns:a16="http://schemas.microsoft.com/office/drawing/2014/main" id="{D03E61AC-462F-44DD-AF2C-A47E3C69C96D}"/>
                 </a:ext>
               </a:extLst>
             </p:cNvPr>
@@ -12460,10 +15638,10 @@
         </p:cxnSp>
         <p:cxnSp>
           <p:nvCxnSpPr>
-            <p:cNvPr id="51" name="직선 연결선 50">
+            <p:cNvPr id="94" name="직선 연결선 93">
               <a:extLst>
                 <a:ext uri="{FF2B5EF4-FFF2-40B4-BE49-F238E27FC236}">
-                  <a16:creationId xmlns:a16="http://schemas.microsoft.com/office/drawing/2014/main" id="{40A445F8-2C23-D19C-D48F-B582A10C04A3}"/>
+                  <a16:creationId xmlns:a16="http://schemas.microsoft.com/office/drawing/2014/main" id="{05150373-B298-4B0D-832D-E20690F11861}"/>
                 </a:ext>
               </a:extLst>
             </p:cNvPr>
@@ -12498,10 +15676,10 @@
       </p:grpSp>
       <p:grpSp>
         <p:nvGrpSpPr>
-          <p:cNvPr id="52" name="그룹 51">
-            <a:extLst>
-              <a:ext uri="{FF2B5EF4-FFF2-40B4-BE49-F238E27FC236}">
-                <a16:creationId xmlns:a16="http://schemas.microsoft.com/office/drawing/2014/main" id="{E2EEF8C7-B903-83FD-9DAF-EA882E9C46BA}"/>
+          <p:cNvPr id="95" name="그룹 94">
+            <a:extLst>
+              <a:ext uri="{FF2B5EF4-FFF2-40B4-BE49-F238E27FC236}">
+                <a16:creationId xmlns:a16="http://schemas.microsoft.com/office/drawing/2014/main" id="{08B09AC2-826D-49E9-8E2A-F7284D0870EA}"/>
               </a:ext>
             </a:extLst>
           </p:cNvPr>
@@ -12510,7 +15688,7 @@
         </p:nvGrpSpPr>
         <p:grpSpPr>
           <a:xfrm>
-            <a:off x="831514" y="5538946"/>
+            <a:off x="4943819" y="5533669"/>
             <a:ext cx="759724" cy="866400"/>
             <a:chOff x="1803216" y="4681679"/>
             <a:chExt cx="759724" cy="866400"/>
@@ -12518,10 +15696,10 @@
         </p:grpSpPr>
         <p:sp>
           <p:nvSpPr>
-            <p:cNvPr id="53" name="사각형: 잘린 한쪽 모서리 52">
+            <p:cNvPr id="96" name="사각형: 잘린 한쪽 모서리 95">
               <a:extLst>
                 <a:ext uri="{FF2B5EF4-FFF2-40B4-BE49-F238E27FC236}">
-                  <a16:creationId xmlns:a16="http://schemas.microsoft.com/office/drawing/2014/main" id="{A3B955E7-F53C-8C46-68E6-3F7A375F4B42}"/>
+                  <a16:creationId xmlns:a16="http://schemas.microsoft.com/office/drawing/2014/main" id="{B6178B3A-DFE0-4846-B013-C71BD3DBAA35}"/>
                 </a:ext>
               </a:extLst>
             </p:cNvPr>
@@ -12567,12 +15745,12 @@
             <a:p>
               <a:pPr algn="ctr"/>
               <a:r>
-                <a:rPr lang="en-US" altLang="ko-KR" sz="1200">
+                <a:rPr lang="en-US" altLang="ko-KR" sz="1200" dirty="0">
                   <a:solidFill>
                     <a:schemeClr val="tx1"/>
                   </a:solidFill>
                 </a:rPr>
-                <a:t>ip.xic</a:t>
+                <a:t>ip0.sv</a:t>
               </a:r>
               <a:endParaRPr lang="ko-KR" altLang="en-US" sz="1200" dirty="0">
                 <a:solidFill>
@@ -12584,10 +15762,10 @@
         </p:sp>
         <p:cxnSp>
           <p:nvCxnSpPr>
-            <p:cNvPr id="54" name="직선 연결선 53">
+            <p:cNvPr id="97" name="직선 연결선 96">
               <a:extLst>
                 <a:ext uri="{FF2B5EF4-FFF2-40B4-BE49-F238E27FC236}">
-                  <a16:creationId xmlns:a16="http://schemas.microsoft.com/office/drawing/2014/main" id="{B96F20BD-BAD3-8BF1-4076-02204BBBF222}"/>
+                  <a16:creationId xmlns:a16="http://schemas.microsoft.com/office/drawing/2014/main" id="{879DAC9F-5E76-447C-8FE3-87F71ED9ED9C}"/>
                 </a:ext>
               </a:extLst>
             </p:cNvPr>
@@ -12621,10 +15799,10 @@
         </p:cxnSp>
         <p:cxnSp>
           <p:nvCxnSpPr>
-            <p:cNvPr id="55" name="직선 연결선 54">
+            <p:cNvPr id="98" name="직선 연결선 97">
               <a:extLst>
                 <a:ext uri="{FF2B5EF4-FFF2-40B4-BE49-F238E27FC236}">
-                  <a16:creationId xmlns:a16="http://schemas.microsoft.com/office/drawing/2014/main" id="{013E0BD3-952E-A31B-F53A-EEBA46DBAC54}"/>
+                  <a16:creationId xmlns:a16="http://schemas.microsoft.com/office/drawing/2014/main" id="{D230BAD1-004F-40BD-9DED-7EAFBB85F21E}"/>
                 </a:ext>
               </a:extLst>
             </p:cNvPr>
@@ -12658,10 +15836,10 @@
         </p:cxnSp>
         <p:cxnSp>
           <p:nvCxnSpPr>
-            <p:cNvPr id="56" name="직선 연결선 55">
+            <p:cNvPr id="99" name="직선 연결선 98">
               <a:extLst>
                 <a:ext uri="{FF2B5EF4-FFF2-40B4-BE49-F238E27FC236}">
-                  <a16:creationId xmlns:a16="http://schemas.microsoft.com/office/drawing/2014/main" id="{C8B89C54-AB58-AFE7-8D62-A851B54F6595}"/>
+                  <a16:creationId xmlns:a16="http://schemas.microsoft.com/office/drawing/2014/main" id="{FBDEAA5F-E22C-442D-BE79-6E1A13395745}"/>
                 </a:ext>
               </a:extLst>
             </p:cNvPr>
@@ -12696,10 +15874,10 @@
       </p:grpSp>
       <p:sp>
         <p:nvSpPr>
-          <p:cNvPr id="57" name="화살표: 아래쪽 56">
-            <a:extLst>
-              <a:ext uri="{FF2B5EF4-FFF2-40B4-BE49-F238E27FC236}">
-                <a16:creationId xmlns:a16="http://schemas.microsoft.com/office/drawing/2014/main" id="{963C6806-690E-D03C-F02F-E622E5AB9F68}"/>
+          <p:cNvPr id="100" name="직사각형 99">
+            <a:extLst>
+              <a:ext uri="{FF2B5EF4-FFF2-40B4-BE49-F238E27FC236}">
+                <a16:creationId xmlns:a16="http://schemas.microsoft.com/office/drawing/2014/main" id="{69E6C9C1-BFD8-4D92-B708-DB36E4580407}"/>
               </a:ext>
             </a:extLst>
           </p:cNvPr>
@@ -12708,19 +15886,15 @@
         </p:nvSpPr>
         <p:spPr>
           <a:xfrm>
-            <a:off x="1828800" y="3747933"/>
-            <a:ext cx="459298" cy="491227"/>
+            <a:off x="3160520" y="5746737"/>
+            <a:ext cx="501645" cy="440264"/>
           </a:xfrm>
-          <a:prstGeom prst="downArrow">
+          <a:prstGeom prst="rect">
             <a:avLst/>
           </a:prstGeom>
-          <a:solidFill>
-            <a:schemeClr val="tx2"/>
-          </a:solidFill>
+          <a:noFill/>
           <a:ln>
-            <a:solidFill>
-              <a:schemeClr val="tx2"/>
-            </a:solidFill>
+            <a:noFill/>
           </a:ln>
         </p:spPr>
         <p:style>
@@ -12744,610 +15918,28 @@
           <a:lstStyle/>
           <a:p>
             <a:pPr algn="ctr"/>
-            <a:endParaRPr lang="ko-KR" altLang="en-US"/>
+            <a:r>
+              <a:rPr lang="en-US" altLang="ko-KR" b="1" dirty="0">
+                <a:solidFill>
+                  <a:schemeClr val="tx1"/>
+                </a:solidFill>
+              </a:rPr>
+              <a:t>. . .</a:t>
+            </a:r>
+            <a:endParaRPr lang="ko-KR" altLang="en-US" b="1" dirty="0">
+              <a:solidFill>
+                <a:schemeClr val="tx1"/>
+              </a:solidFill>
+            </a:endParaRPr>
           </a:p>
         </p:txBody>
       </p:sp>
-      <p:grpSp>
-        <p:nvGrpSpPr>
-          <p:cNvPr id="58" name="그룹 57">
-            <a:extLst>
-              <a:ext uri="{FF2B5EF4-FFF2-40B4-BE49-F238E27FC236}">
-                <a16:creationId xmlns:a16="http://schemas.microsoft.com/office/drawing/2014/main" id="{FEFFA41C-E776-A7EE-F279-D6CF0C01D0B7}"/>
-              </a:ext>
-            </a:extLst>
-          </p:cNvPr>
-          <p:cNvGrpSpPr/>
-          <p:nvPr/>
-        </p:nvGrpSpPr>
-        <p:grpSpPr>
-          <a:xfrm>
-            <a:off x="2658383" y="3567259"/>
-            <a:ext cx="759724" cy="866400"/>
-            <a:chOff x="1803216" y="4681679"/>
-            <a:chExt cx="759724" cy="866400"/>
-          </a:xfrm>
-        </p:grpSpPr>
-        <p:sp>
-          <p:nvSpPr>
-            <p:cNvPr id="59" name="사각형: 잘린 한쪽 모서리 58">
-              <a:extLst>
-                <a:ext uri="{FF2B5EF4-FFF2-40B4-BE49-F238E27FC236}">
-                  <a16:creationId xmlns:a16="http://schemas.microsoft.com/office/drawing/2014/main" id="{4DC6D5CF-D962-38F8-BD2F-C4148F817694}"/>
-                </a:ext>
-              </a:extLst>
-            </p:cNvPr>
-            <p:cNvSpPr/>
-            <p:nvPr/>
-          </p:nvSpPr>
-          <p:spPr>
-            <a:xfrm>
-              <a:off x="1803216" y="4681679"/>
-              <a:ext cx="759724" cy="866400"/>
-            </a:xfrm>
-            <a:prstGeom prst="snip1Rect">
-              <a:avLst>
-                <a:gd name="adj" fmla="val 24772"/>
-              </a:avLst>
-            </a:prstGeom>
-            <a:noFill/>
-            <a:ln>
-              <a:solidFill>
-                <a:schemeClr val="tx1"/>
-              </a:solidFill>
-            </a:ln>
-          </p:spPr>
-          <p:style>
-            <a:lnRef idx="2">
-              <a:schemeClr val="accent1">
-                <a:shade val="50000"/>
-              </a:schemeClr>
-            </a:lnRef>
-            <a:fillRef idx="1">
-              <a:schemeClr val="accent1"/>
-            </a:fillRef>
-            <a:effectRef idx="0">
-              <a:schemeClr val="accent1"/>
-            </a:effectRef>
-            <a:fontRef idx="minor">
-              <a:schemeClr val="lt1"/>
-            </a:fontRef>
-          </p:style>
-          <p:txBody>
-            <a:bodyPr rtlCol="0" anchor="ctr"/>
-            <a:lstStyle/>
-            <a:p>
-              <a:pPr algn="ctr"/>
-              <a:r>
-                <a:rPr lang="en-US" altLang="ko-KR" sz="1200">
-                  <a:solidFill>
-                    <a:schemeClr val="tx1"/>
-                  </a:solidFill>
-                </a:rPr>
-                <a:t>ip.tcl</a:t>
-              </a:r>
-              <a:endParaRPr lang="ko-KR" altLang="en-US" sz="1200" dirty="0">
-                <a:solidFill>
-                  <a:schemeClr val="tx1"/>
-                </a:solidFill>
-              </a:endParaRPr>
-            </a:p>
-          </p:txBody>
-        </p:sp>
-        <p:cxnSp>
-          <p:nvCxnSpPr>
-            <p:cNvPr id="60" name="직선 연결선 59">
-              <a:extLst>
-                <a:ext uri="{FF2B5EF4-FFF2-40B4-BE49-F238E27FC236}">
-                  <a16:creationId xmlns:a16="http://schemas.microsoft.com/office/drawing/2014/main" id="{3EFBFA2F-9504-8211-483D-DE00019F7B3B}"/>
-                </a:ext>
-              </a:extLst>
-            </p:cNvPr>
-            <p:cNvCxnSpPr/>
-            <p:nvPr/>
-          </p:nvCxnSpPr>
-          <p:spPr>
-            <a:xfrm>
-              <a:off x="1853619" y="4816463"/>
-              <a:ext cx="576262" cy="0"/>
-            </a:xfrm>
-            <a:prstGeom prst="line">
-              <a:avLst/>
-            </a:prstGeom>
-            <a:ln w="15875"/>
-          </p:spPr>
-          <p:style>
-            <a:lnRef idx="1">
-              <a:schemeClr val="dk1"/>
-            </a:lnRef>
-            <a:fillRef idx="0">
-              <a:schemeClr val="dk1"/>
-            </a:fillRef>
-            <a:effectRef idx="0">
-              <a:schemeClr val="dk1"/>
-            </a:effectRef>
-            <a:fontRef idx="minor">
-              <a:schemeClr val="tx1"/>
-            </a:fontRef>
-          </p:style>
-        </p:cxnSp>
-        <p:cxnSp>
-          <p:nvCxnSpPr>
-            <p:cNvPr id="61" name="직선 연결선 60">
-              <a:extLst>
-                <a:ext uri="{FF2B5EF4-FFF2-40B4-BE49-F238E27FC236}">
-                  <a16:creationId xmlns:a16="http://schemas.microsoft.com/office/drawing/2014/main" id="{577C51D0-065F-4152-CE65-206E8ACD7E1F}"/>
-                </a:ext>
-              </a:extLst>
-            </p:cNvPr>
-            <p:cNvCxnSpPr/>
-            <p:nvPr/>
-          </p:nvCxnSpPr>
-          <p:spPr>
-            <a:xfrm>
-              <a:off x="1853619" y="4912573"/>
-              <a:ext cx="576262" cy="0"/>
-            </a:xfrm>
-            <a:prstGeom prst="line">
-              <a:avLst/>
-            </a:prstGeom>
-            <a:ln w="15875"/>
-          </p:spPr>
-          <p:style>
-            <a:lnRef idx="1">
-              <a:schemeClr val="dk1"/>
-            </a:lnRef>
-            <a:fillRef idx="0">
-              <a:schemeClr val="dk1"/>
-            </a:fillRef>
-            <a:effectRef idx="0">
-              <a:schemeClr val="dk1"/>
-            </a:effectRef>
-            <a:fontRef idx="minor">
-              <a:schemeClr val="tx1"/>
-            </a:fontRef>
-          </p:style>
-        </p:cxnSp>
-        <p:cxnSp>
-          <p:nvCxnSpPr>
-            <p:cNvPr id="62" name="직선 연결선 61">
-              <a:extLst>
-                <a:ext uri="{FF2B5EF4-FFF2-40B4-BE49-F238E27FC236}">
-                  <a16:creationId xmlns:a16="http://schemas.microsoft.com/office/drawing/2014/main" id="{6F50BB62-3CD0-EF30-CB9D-AE58C1B1585C}"/>
-                </a:ext>
-              </a:extLst>
-            </p:cNvPr>
-            <p:cNvCxnSpPr/>
-            <p:nvPr/>
-          </p:nvCxnSpPr>
-          <p:spPr>
-            <a:xfrm>
-              <a:off x="1853619" y="5003060"/>
-              <a:ext cx="576262" cy="0"/>
-            </a:xfrm>
-            <a:prstGeom prst="line">
-              <a:avLst/>
-            </a:prstGeom>
-            <a:ln w="15875"/>
-          </p:spPr>
-          <p:style>
-            <a:lnRef idx="1">
-              <a:schemeClr val="dk1"/>
-            </a:lnRef>
-            <a:fillRef idx="0">
-              <a:schemeClr val="dk1"/>
-            </a:fillRef>
-            <a:effectRef idx="0">
-              <a:schemeClr val="dk1"/>
-            </a:effectRef>
-            <a:fontRef idx="minor">
-              <a:schemeClr val="tx1"/>
-            </a:fontRef>
-          </p:style>
-        </p:cxnSp>
-      </p:grpSp>
-      <p:grpSp>
-        <p:nvGrpSpPr>
-          <p:cNvPr id="63" name="그룹 62">
-            <a:extLst>
-              <a:ext uri="{FF2B5EF4-FFF2-40B4-BE49-F238E27FC236}">
-                <a16:creationId xmlns:a16="http://schemas.microsoft.com/office/drawing/2014/main" id="{1558AE4F-DCC9-61AF-0E49-179019AC3FA8}"/>
-              </a:ext>
-            </a:extLst>
-          </p:cNvPr>
-          <p:cNvGrpSpPr/>
-          <p:nvPr/>
-        </p:nvGrpSpPr>
-        <p:grpSpPr>
-          <a:xfrm>
-            <a:off x="5248446" y="5492760"/>
-            <a:ext cx="813148" cy="866400"/>
-            <a:chOff x="1776504" y="4681679"/>
-            <a:chExt cx="813148" cy="866400"/>
-          </a:xfrm>
-        </p:grpSpPr>
-        <p:sp>
-          <p:nvSpPr>
-            <p:cNvPr id="64" name="사각형: 잘린 한쪽 모서리 63">
-              <a:extLst>
-                <a:ext uri="{FF2B5EF4-FFF2-40B4-BE49-F238E27FC236}">
-                  <a16:creationId xmlns:a16="http://schemas.microsoft.com/office/drawing/2014/main" id="{FB0A9A4F-6916-AAD9-6AC2-72B3A0FB8C9D}"/>
-                </a:ext>
-              </a:extLst>
-            </p:cNvPr>
-            <p:cNvSpPr/>
-            <p:nvPr/>
-          </p:nvSpPr>
-          <p:spPr>
-            <a:xfrm>
-              <a:off x="1776504" y="4681679"/>
-              <a:ext cx="813148" cy="866400"/>
-            </a:xfrm>
-            <a:prstGeom prst="snip1Rect">
-              <a:avLst>
-                <a:gd name="adj" fmla="val 24772"/>
-              </a:avLst>
-            </a:prstGeom>
-            <a:noFill/>
-            <a:ln>
-              <a:solidFill>
-                <a:schemeClr val="tx1"/>
-              </a:solidFill>
-            </a:ln>
-          </p:spPr>
-          <p:style>
-            <a:lnRef idx="2">
-              <a:schemeClr val="accent1">
-                <a:shade val="50000"/>
-              </a:schemeClr>
-            </a:lnRef>
-            <a:fillRef idx="1">
-              <a:schemeClr val="accent1"/>
-            </a:fillRef>
-            <a:effectRef idx="0">
-              <a:schemeClr val="accent1"/>
-            </a:effectRef>
-            <a:fontRef idx="minor">
-              <a:schemeClr val="lt1"/>
-            </a:fontRef>
-          </p:style>
-          <p:txBody>
-            <a:bodyPr rtlCol="0" anchor="ctr"/>
-            <a:lstStyle/>
-            <a:p>
-              <a:pPr algn="ctr"/>
-              <a:r>
-                <a:rPr lang="en-US" altLang="ko-KR" sz="1200">
-                  <a:solidFill>
-                    <a:schemeClr val="tx1"/>
-                  </a:solidFill>
-                </a:rPr>
-                <a:t>main.tcl</a:t>
-              </a:r>
-              <a:endParaRPr lang="ko-KR" altLang="en-US" sz="1200" dirty="0">
-                <a:solidFill>
-                  <a:schemeClr val="tx1"/>
-                </a:solidFill>
-              </a:endParaRPr>
-            </a:p>
-          </p:txBody>
-        </p:sp>
-        <p:cxnSp>
-          <p:nvCxnSpPr>
-            <p:cNvPr id="65" name="직선 연결선 64">
-              <a:extLst>
-                <a:ext uri="{FF2B5EF4-FFF2-40B4-BE49-F238E27FC236}">
-                  <a16:creationId xmlns:a16="http://schemas.microsoft.com/office/drawing/2014/main" id="{91B34E44-BD50-D35A-BDC6-6CFE26C445DC}"/>
-                </a:ext>
-              </a:extLst>
-            </p:cNvPr>
-            <p:cNvCxnSpPr/>
-            <p:nvPr/>
-          </p:nvCxnSpPr>
-          <p:spPr>
-            <a:xfrm>
-              <a:off x="1853619" y="4816463"/>
-              <a:ext cx="576262" cy="0"/>
-            </a:xfrm>
-            <a:prstGeom prst="line">
-              <a:avLst/>
-            </a:prstGeom>
-            <a:ln w="15875"/>
-          </p:spPr>
-          <p:style>
-            <a:lnRef idx="1">
-              <a:schemeClr val="dk1"/>
-            </a:lnRef>
-            <a:fillRef idx="0">
-              <a:schemeClr val="dk1"/>
-            </a:fillRef>
-            <a:effectRef idx="0">
-              <a:schemeClr val="dk1"/>
-            </a:effectRef>
-            <a:fontRef idx="minor">
-              <a:schemeClr val="tx1"/>
-            </a:fontRef>
-          </p:style>
-        </p:cxnSp>
-        <p:cxnSp>
-          <p:nvCxnSpPr>
-            <p:cNvPr id="66" name="직선 연결선 65">
-              <a:extLst>
-                <a:ext uri="{FF2B5EF4-FFF2-40B4-BE49-F238E27FC236}">
-                  <a16:creationId xmlns:a16="http://schemas.microsoft.com/office/drawing/2014/main" id="{B1706AEB-2833-9400-E00F-0B03FB5D7987}"/>
-                </a:ext>
-              </a:extLst>
-            </p:cNvPr>
-            <p:cNvCxnSpPr/>
-            <p:nvPr/>
-          </p:nvCxnSpPr>
-          <p:spPr>
-            <a:xfrm>
-              <a:off x="1853619" y="4912573"/>
-              <a:ext cx="576262" cy="0"/>
-            </a:xfrm>
-            <a:prstGeom prst="line">
-              <a:avLst/>
-            </a:prstGeom>
-            <a:ln w="15875"/>
-          </p:spPr>
-          <p:style>
-            <a:lnRef idx="1">
-              <a:schemeClr val="dk1"/>
-            </a:lnRef>
-            <a:fillRef idx="0">
-              <a:schemeClr val="dk1"/>
-            </a:fillRef>
-            <a:effectRef idx="0">
-              <a:schemeClr val="dk1"/>
-            </a:effectRef>
-            <a:fontRef idx="minor">
-              <a:schemeClr val="tx1"/>
-            </a:fontRef>
-          </p:style>
-        </p:cxnSp>
-        <p:cxnSp>
-          <p:nvCxnSpPr>
-            <p:cNvPr id="67" name="직선 연결선 66">
-              <a:extLst>
-                <a:ext uri="{FF2B5EF4-FFF2-40B4-BE49-F238E27FC236}">
-                  <a16:creationId xmlns:a16="http://schemas.microsoft.com/office/drawing/2014/main" id="{F43E6626-0CEB-59F1-24DD-6E501B21C76D}"/>
-                </a:ext>
-              </a:extLst>
-            </p:cNvPr>
-            <p:cNvCxnSpPr/>
-            <p:nvPr/>
-          </p:nvCxnSpPr>
-          <p:spPr>
-            <a:xfrm>
-              <a:off x="1853619" y="5003060"/>
-              <a:ext cx="576262" cy="0"/>
-            </a:xfrm>
-            <a:prstGeom prst="line">
-              <a:avLst/>
-            </a:prstGeom>
-            <a:ln w="15875"/>
-          </p:spPr>
-          <p:style>
-            <a:lnRef idx="1">
-              <a:schemeClr val="dk1"/>
-            </a:lnRef>
-            <a:fillRef idx="0">
-              <a:schemeClr val="dk1"/>
-            </a:fillRef>
-            <a:effectRef idx="0">
-              <a:schemeClr val="dk1"/>
-            </a:effectRef>
-            <a:fontRef idx="minor">
-              <a:schemeClr val="tx1"/>
-            </a:fontRef>
-          </p:style>
-        </p:cxnSp>
-      </p:grpSp>
-      <p:grpSp>
-        <p:nvGrpSpPr>
-          <p:cNvPr id="68" name="그룹 67">
-            <a:extLst>
-              <a:ext uri="{FF2B5EF4-FFF2-40B4-BE49-F238E27FC236}">
-                <a16:creationId xmlns:a16="http://schemas.microsoft.com/office/drawing/2014/main" id="{D5AFC6E5-2646-2A74-C181-8394CA04D123}"/>
-              </a:ext>
-            </a:extLst>
-          </p:cNvPr>
-          <p:cNvGrpSpPr/>
-          <p:nvPr/>
-        </p:nvGrpSpPr>
-        <p:grpSpPr>
-          <a:xfrm>
-            <a:off x="2502437" y="5538946"/>
-            <a:ext cx="759724" cy="866400"/>
-            <a:chOff x="1803216" y="4681679"/>
-            <a:chExt cx="759724" cy="866400"/>
-          </a:xfrm>
-        </p:grpSpPr>
-        <p:sp>
-          <p:nvSpPr>
-            <p:cNvPr id="69" name="사각형: 잘린 한쪽 모서리 68">
-              <a:extLst>
-                <a:ext uri="{FF2B5EF4-FFF2-40B4-BE49-F238E27FC236}">
-                  <a16:creationId xmlns:a16="http://schemas.microsoft.com/office/drawing/2014/main" id="{71719C79-077E-692D-C258-DEFC667015B0}"/>
-                </a:ext>
-              </a:extLst>
-            </p:cNvPr>
-            <p:cNvSpPr/>
-            <p:nvPr/>
-          </p:nvSpPr>
-          <p:spPr>
-            <a:xfrm>
-              <a:off x="1803216" y="4681679"/>
-              <a:ext cx="759724" cy="866400"/>
-            </a:xfrm>
-            <a:prstGeom prst="snip1Rect">
-              <a:avLst>
-                <a:gd name="adj" fmla="val 24772"/>
-              </a:avLst>
-            </a:prstGeom>
-            <a:noFill/>
-            <a:ln>
-              <a:solidFill>
-                <a:schemeClr val="tx1"/>
-              </a:solidFill>
-            </a:ln>
-          </p:spPr>
-          <p:style>
-            <a:lnRef idx="2">
-              <a:schemeClr val="accent1">
-                <a:shade val="50000"/>
-              </a:schemeClr>
-            </a:lnRef>
-            <a:fillRef idx="1">
-              <a:schemeClr val="accent1"/>
-            </a:fillRef>
-            <a:effectRef idx="0">
-              <a:schemeClr val="accent1"/>
-            </a:effectRef>
-            <a:fontRef idx="minor">
-              <a:schemeClr val="lt1"/>
-            </a:fontRef>
-          </p:style>
-          <p:txBody>
-            <a:bodyPr rtlCol="0" anchor="ctr"/>
-            <a:lstStyle/>
-            <a:p>
-              <a:pPr algn="ctr"/>
-              <a:r>
-                <a:rPr lang="en-US" altLang="ko-KR" sz="1200">
-                  <a:solidFill>
-                    <a:schemeClr val="tx1"/>
-                  </a:solidFill>
-                </a:rPr>
-                <a:t>ip.xpr</a:t>
-              </a:r>
-              <a:endParaRPr lang="ko-KR" altLang="en-US" sz="1200" dirty="0">
-                <a:solidFill>
-                  <a:schemeClr val="tx1"/>
-                </a:solidFill>
-              </a:endParaRPr>
-            </a:p>
-          </p:txBody>
-        </p:sp>
-        <p:cxnSp>
-          <p:nvCxnSpPr>
-            <p:cNvPr id="70" name="직선 연결선 69">
-              <a:extLst>
-                <a:ext uri="{FF2B5EF4-FFF2-40B4-BE49-F238E27FC236}">
-                  <a16:creationId xmlns:a16="http://schemas.microsoft.com/office/drawing/2014/main" id="{08DDE4F3-63BC-2B29-B9B7-E63517C299DF}"/>
-                </a:ext>
-              </a:extLst>
-            </p:cNvPr>
-            <p:cNvCxnSpPr/>
-            <p:nvPr/>
-          </p:nvCxnSpPr>
-          <p:spPr>
-            <a:xfrm>
-              <a:off x="1853619" y="4816463"/>
-              <a:ext cx="576262" cy="0"/>
-            </a:xfrm>
-            <a:prstGeom prst="line">
-              <a:avLst/>
-            </a:prstGeom>
-            <a:ln w="15875"/>
-          </p:spPr>
-          <p:style>
-            <a:lnRef idx="1">
-              <a:schemeClr val="dk1"/>
-            </a:lnRef>
-            <a:fillRef idx="0">
-              <a:schemeClr val="dk1"/>
-            </a:fillRef>
-            <a:effectRef idx="0">
-              <a:schemeClr val="dk1"/>
-            </a:effectRef>
-            <a:fontRef idx="minor">
-              <a:schemeClr val="tx1"/>
-            </a:fontRef>
-          </p:style>
-        </p:cxnSp>
-        <p:cxnSp>
-          <p:nvCxnSpPr>
-            <p:cNvPr id="71" name="직선 연결선 70">
-              <a:extLst>
-                <a:ext uri="{FF2B5EF4-FFF2-40B4-BE49-F238E27FC236}">
-                  <a16:creationId xmlns:a16="http://schemas.microsoft.com/office/drawing/2014/main" id="{630DFF68-D1CE-6B8B-1054-3E8D3241F89C}"/>
-                </a:ext>
-              </a:extLst>
-            </p:cNvPr>
-            <p:cNvCxnSpPr/>
-            <p:nvPr/>
-          </p:nvCxnSpPr>
-          <p:spPr>
-            <a:xfrm>
-              <a:off x="1853619" y="4912573"/>
-              <a:ext cx="576262" cy="0"/>
-            </a:xfrm>
-            <a:prstGeom prst="line">
-              <a:avLst/>
-            </a:prstGeom>
-            <a:ln w="15875"/>
-          </p:spPr>
-          <p:style>
-            <a:lnRef idx="1">
-              <a:schemeClr val="dk1"/>
-            </a:lnRef>
-            <a:fillRef idx="0">
-              <a:schemeClr val="dk1"/>
-            </a:fillRef>
-            <a:effectRef idx="0">
-              <a:schemeClr val="dk1"/>
-            </a:effectRef>
-            <a:fontRef idx="minor">
-              <a:schemeClr val="tx1"/>
-            </a:fontRef>
-          </p:style>
-        </p:cxnSp>
-        <p:cxnSp>
-          <p:nvCxnSpPr>
-            <p:cNvPr id="72" name="직선 연결선 71">
-              <a:extLst>
-                <a:ext uri="{FF2B5EF4-FFF2-40B4-BE49-F238E27FC236}">
-                  <a16:creationId xmlns:a16="http://schemas.microsoft.com/office/drawing/2014/main" id="{3C324259-3359-6CC7-989F-A01E324E2E44}"/>
-                </a:ext>
-              </a:extLst>
-            </p:cNvPr>
-            <p:cNvCxnSpPr/>
-            <p:nvPr/>
-          </p:nvCxnSpPr>
-          <p:spPr>
-            <a:xfrm>
-              <a:off x="1853619" y="5003060"/>
-              <a:ext cx="576262" cy="0"/>
-            </a:xfrm>
-            <a:prstGeom prst="line">
-              <a:avLst/>
-            </a:prstGeom>
-            <a:ln w="15875"/>
-          </p:spPr>
-          <p:style>
-            <a:lnRef idx="1">
-              <a:schemeClr val="dk1"/>
-            </a:lnRef>
-            <a:fillRef idx="0">
-              <a:schemeClr val="dk1"/>
-            </a:fillRef>
-            <a:effectRef idx="0">
-              <a:schemeClr val="dk1"/>
-            </a:effectRef>
-            <a:fontRef idx="minor">
-              <a:schemeClr val="tx1"/>
-            </a:fontRef>
-          </p:style>
-        </p:cxnSp>
-      </p:grpSp>
       <p:sp>
         <p:nvSpPr>
-          <p:cNvPr id="73" name="화살표: 아래쪽 72">
-            <a:extLst>
-              <a:ext uri="{FF2B5EF4-FFF2-40B4-BE49-F238E27FC236}">
-                <a16:creationId xmlns:a16="http://schemas.microsoft.com/office/drawing/2014/main" id="{B57DA4CC-5667-171D-1FB7-C17A7B32D553}"/>
+          <p:cNvPr id="101" name="화살표: 아래쪽 100">
+            <a:extLst>
+              <a:ext uri="{FF2B5EF4-FFF2-40B4-BE49-F238E27FC236}">
+                <a16:creationId xmlns:a16="http://schemas.microsoft.com/office/drawing/2014/main" id="{7A031235-CC30-4FC6-9FB3-052128952777}"/>
               </a:ext>
             </a:extLst>
           </p:cNvPr>
@@ -13356,8 +15948,8 @@
         </p:nvSpPr>
         <p:spPr>
           <a:xfrm rot="16200000">
-            <a:off x="5854129" y="3445223"/>
-            <a:ext cx="459298" cy="3659473"/>
+            <a:off x="6029827" y="3526895"/>
+            <a:ext cx="459298" cy="491227"/>
           </a:xfrm>
           <a:prstGeom prst="downArrow">
             <a:avLst/>
@@ -13399,7 +15991,2161 @@
     </p:spTree>
     <p:extLst>
       <p:ext uri="{BB962C8B-B14F-4D97-AF65-F5344CB8AC3E}">
-        <p14:creationId xmlns:p14="http://schemas.microsoft.com/office/powerpoint/2010/main" val="3503201839"/>
+        <p14:creationId xmlns:p14="http://schemas.microsoft.com/office/powerpoint/2010/main" val="2993296388"/>
+      </p:ext>
+    </p:extLst>
+  </p:cSld>
+  <p:clrMapOvr>
+    <a:masterClrMapping/>
+  </p:clrMapOvr>
+</p:sld>
+</file>
+
+<file path=ppt/slides/slide16.xml><?xml version="1.0" encoding="utf-8"?>
+<p:sld xmlns:a="http://schemas.openxmlformats.org/drawingml/2006/main" xmlns:r="http://schemas.openxmlformats.org/officeDocument/2006/relationships" xmlns:p="http://schemas.openxmlformats.org/presentationml/2006/main">
+  <p:cSld>
+    <p:spTree>
+      <p:nvGrpSpPr>
+        <p:cNvPr id="1" name=""/>
+        <p:cNvGrpSpPr/>
+        <p:nvPr/>
+      </p:nvGrpSpPr>
+      <p:grpSpPr>
+        <a:xfrm>
+          <a:off x="0" y="0"/>
+          <a:ext cx="0" cy="0"/>
+          <a:chOff x="0" y="0"/>
+          <a:chExt cx="0" cy="0"/>
+        </a:xfrm>
+      </p:grpSpPr>
+      <p:sp>
+        <p:nvSpPr>
+          <p:cNvPr id="2" name="제목 1">
+            <a:extLst>
+              <a:ext uri="{FF2B5EF4-FFF2-40B4-BE49-F238E27FC236}">
+                <a16:creationId xmlns:a16="http://schemas.microsoft.com/office/drawing/2014/main" id="{87D9CEF1-A0DA-47C8-B567-2EBD6149CB42}"/>
+              </a:ext>
+            </a:extLst>
+          </p:cNvPr>
+          <p:cNvSpPr>
+            <a:spLocks noGrp="1"/>
+          </p:cNvSpPr>
+          <p:nvPr>
+            <p:ph type="title"/>
+          </p:nvPr>
+        </p:nvSpPr>
+        <p:spPr/>
+        <p:txBody>
+          <a:bodyPr/>
+          <a:lstStyle/>
+          <a:p>
+            <a:r>
+              <a:rPr lang="en-US" altLang="ko-KR" dirty="0"/>
+              <a:t>Created Design</a:t>
+            </a:r>
+            <a:endParaRPr lang="ko-KR" altLang="en-US" dirty="0"/>
+          </a:p>
+        </p:txBody>
+      </p:sp>
+      <p:sp>
+        <p:nvSpPr>
+          <p:cNvPr id="4" name="날짜 개체 틀 3">
+            <a:extLst>
+              <a:ext uri="{FF2B5EF4-FFF2-40B4-BE49-F238E27FC236}">
+                <a16:creationId xmlns:a16="http://schemas.microsoft.com/office/drawing/2014/main" id="{FE0FC560-FA5D-45E2-BAC1-E4ABB90EE157}"/>
+              </a:ext>
+            </a:extLst>
+          </p:cNvPr>
+          <p:cNvSpPr>
+            <a:spLocks noGrp="1"/>
+          </p:cNvSpPr>
+          <p:nvPr>
+            <p:ph type="dt" sz="half" idx="10"/>
+          </p:nvPr>
+        </p:nvSpPr>
+        <p:spPr/>
+        <p:txBody>
+          <a:bodyPr/>
+          <a:lstStyle/>
+          <a:p>
+            <a:r>
+              <a:rPr kumimoji="1" lang="en-US" altLang="ko-KR">
+                <a:ea typeface="Verdana" panose="020B0604030504040204" pitchFamily="34" charset="0"/>
+              </a:rPr>
+              <a:t>2023. 3. 29.</a:t>
+            </a:r>
+            <a:endParaRPr kumimoji="1" lang="ko-Kore-KR" altLang="en-US" dirty="0"/>
+          </a:p>
+        </p:txBody>
+      </p:sp>
+      <p:pic>
+        <p:nvPicPr>
+          <p:cNvPr id="5" name="그림 4">
+            <a:extLst>
+              <a:ext uri="{FF2B5EF4-FFF2-40B4-BE49-F238E27FC236}">
+                <a16:creationId xmlns:a16="http://schemas.microsoft.com/office/drawing/2014/main" id="{CE0693CF-A682-483A-8C2D-7345E70E8E40}"/>
+              </a:ext>
+            </a:extLst>
+          </p:cNvPr>
+          <p:cNvPicPr>
+            <a:picLocks noChangeAspect="1"/>
+          </p:cNvPicPr>
+          <p:nvPr/>
+        </p:nvPicPr>
+        <p:blipFill>
+          <a:blip r:embed="rId2"/>
+          <a:stretch>
+            <a:fillRect/>
+          </a:stretch>
+        </p:blipFill>
+        <p:spPr>
+          <a:xfrm>
+            <a:off x="838899" y="2235871"/>
+            <a:ext cx="3920456" cy="3302314"/>
+          </a:xfrm>
+          <a:prstGeom prst="rect">
+            <a:avLst/>
+          </a:prstGeom>
+        </p:spPr>
+      </p:pic>
+      <p:pic>
+        <p:nvPicPr>
+          <p:cNvPr id="6" name="그림 5">
+            <a:extLst>
+              <a:ext uri="{FF2B5EF4-FFF2-40B4-BE49-F238E27FC236}">
+                <a16:creationId xmlns:a16="http://schemas.microsoft.com/office/drawing/2014/main" id="{B09E1DDD-075F-4328-B66C-96F12CCFD5B1}"/>
+              </a:ext>
+            </a:extLst>
+          </p:cNvPr>
+          <p:cNvPicPr>
+            <a:picLocks noChangeAspect="1"/>
+          </p:cNvPicPr>
+          <p:nvPr/>
+        </p:nvPicPr>
+        <p:blipFill>
+          <a:blip r:embed="rId3"/>
+          <a:stretch>
+            <a:fillRect/>
+          </a:stretch>
+        </p:blipFill>
+        <p:spPr>
+          <a:xfrm>
+            <a:off x="5405744" y="1176337"/>
+            <a:ext cx="6229350" cy="4505325"/>
+          </a:xfrm>
+          <a:prstGeom prst="rect">
+            <a:avLst/>
+          </a:prstGeom>
+        </p:spPr>
+      </p:pic>
+    </p:spTree>
+    <p:extLst>
+      <p:ext uri="{BB962C8B-B14F-4D97-AF65-F5344CB8AC3E}">
+        <p14:creationId xmlns:p14="http://schemas.microsoft.com/office/powerpoint/2010/main" val="4001544228"/>
+      </p:ext>
+    </p:extLst>
+  </p:cSld>
+  <p:clrMapOvr>
+    <a:masterClrMapping/>
+  </p:clrMapOvr>
+</p:sld>
+</file>
+
+<file path=ppt/slides/slide17.xml><?xml version="1.0" encoding="utf-8"?>
+<p:sld xmlns:a="http://schemas.openxmlformats.org/drawingml/2006/main" xmlns:r="http://schemas.openxmlformats.org/officeDocument/2006/relationships" xmlns:p="http://schemas.openxmlformats.org/presentationml/2006/main">
+  <p:cSld>
+    <p:spTree>
+      <p:nvGrpSpPr>
+        <p:cNvPr id="1" name=""/>
+        <p:cNvGrpSpPr/>
+        <p:nvPr/>
+      </p:nvGrpSpPr>
+      <p:grpSpPr>
+        <a:xfrm>
+          <a:off x="0" y="0"/>
+          <a:ext cx="0" cy="0"/>
+          <a:chOff x="0" y="0"/>
+          <a:chExt cx="0" cy="0"/>
+        </a:xfrm>
+      </p:grpSpPr>
+      <p:sp>
+        <p:nvSpPr>
+          <p:cNvPr id="2" name="제목 1">
+            <a:extLst>
+              <a:ext uri="{FF2B5EF4-FFF2-40B4-BE49-F238E27FC236}">
+                <a16:creationId xmlns:a16="http://schemas.microsoft.com/office/drawing/2014/main" id="{4E6EE011-B0F0-4715-87CD-EBAB5EA9A2F4}"/>
+              </a:ext>
+            </a:extLst>
+          </p:cNvPr>
+          <p:cNvSpPr>
+            <a:spLocks noGrp="1"/>
+          </p:cNvSpPr>
+          <p:nvPr>
+            <p:ph type="title"/>
+          </p:nvPr>
+        </p:nvSpPr>
+        <p:spPr/>
+        <p:txBody>
+          <a:bodyPr/>
+          <a:lstStyle/>
+          <a:p>
+            <a:r>
+              <a:rPr lang="en-US" altLang="ko-KR" dirty="0"/>
+              <a:t>Automatic Verilog Indexing Code</a:t>
+            </a:r>
+            <a:endParaRPr lang="ko-KR" altLang="en-US" dirty="0"/>
+          </a:p>
+        </p:txBody>
+      </p:sp>
+      <p:sp>
+        <p:nvSpPr>
+          <p:cNvPr id="4" name="날짜 개체 틀 3">
+            <a:extLst>
+              <a:ext uri="{FF2B5EF4-FFF2-40B4-BE49-F238E27FC236}">
+                <a16:creationId xmlns:a16="http://schemas.microsoft.com/office/drawing/2014/main" id="{D4380563-56D9-41B6-9406-7150BD6529BF}"/>
+              </a:ext>
+            </a:extLst>
+          </p:cNvPr>
+          <p:cNvSpPr>
+            <a:spLocks noGrp="1"/>
+          </p:cNvSpPr>
+          <p:nvPr>
+            <p:ph type="dt" sz="half" idx="10"/>
+          </p:nvPr>
+        </p:nvSpPr>
+        <p:spPr/>
+        <p:txBody>
+          <a:bodyPr/>
+          <a:lstStyle/>
+          <a:p>
+            <a:r>
+              <a:rPr kumimoji="1" lang="en-US" altLang="ko-KR">
+                <a:ea typeface="Verdana" panose="020B0604030504040204" pitchFamily="34" charset="0"/>
+              </a:rPr>
+              <a:t>2023. 3. 29.</a:t>
+            </a:r>
+            <a:endParaRPr kumimoji="1" lang="ko-Kore-KR" altLang="en-US" dirty="0"/>
+          </a:p>
+        </p:txBody>
+      </p:sp>
+      <p:pic>
+        <p:nvPicPr>
+          <p:cNvPr id="5" name="그림 4">
+            <a:extLst>
+              <a:ext uri="{FF2B5EF4-FFF2-40B4-BE49-F238E27FC236}">
+                <a16:creationId xmlns:a16="http://schemas.microsoft.com/office/drawing/2014/main" id="{58C00CA4-9D4B-467C-AA82-34FCE8943660}"/>
+              </a:ext>
+            </a:extLst>
+          </p:cNvPr>
+          <p:cNvPicPr>
+            <a:picLocks noChangeAspect="1"/>
+          </p:cNvPicPr>
+          <p:nvPr/>
+        </p:nvPicPr>
+        <p:blipFill>
+          <a:blip r:embed="rId2"/>
+          <a:stretch>
+            <a:fillRect/>
+          </a:stretch>
+        </p:blipFill>
+        <p:spPr>
+          <a:xfrm>
+            <a:off x="2219809" y="1400428"/>
+            <a:ext cx="7752381" cy="4057143"/>
+          </a:xfrm>
+          <a:prstGeom prst="rect">
+            <a:avLst/>
+          </a:prstGeom>
+        </p:spPr>
+      </p:pic>
+    </p:spTree>
+    <p:extLst>
+      <p:ext uri="{BB962C8B-B14F-4D97-AF65-F5344CB8AC3E}">
+        <p14:creationId xmlns:p14="http://schemas.microsoft.com/office/powerpoint/2010/main" val="1016365603"/>
+      </p:ext>
+    </p:extLst>
+  </p:cSld>
+  <p:clrMapOvr>
+    <a:masterClrMapping/>
+  </p:clrMapOvr>
+</p:sld>
+</file>
+
+<file path=ppt/slides/slide18.xml><?xml version="1.0" encoding="utf-8"?>
+<p:sld xmlns:a="http://schemas.openxmlformats.org/drawingml/2006/main" xmlns:r="http://schemas.openxmlformats.org/officeDocument/2006/relationships" xmlns:p="http://schemas.openxmlformats.org/presentationml/2006/main">
+  <p:cSld>
+    <p:spTree>
+      <p:nvGrpSpPr>
+        <p:cNvPr id="1" name=""/>
+        <p:cNvGrpSpPr/>
+        <p:nvPr/>
+      </p:nvGrpSpPr>
+      <p:grpSpPr>
+        <a:xfrm>
+          <a:off x="0" y="0"/>
+          <a:ext cx="0" cy="0"/>
+          <a:chOff x="0" y="0"/>
+          <a:chExt cx="0" cy="0"/>
+        </a:xfrm>
+      </p:grpSpPr>
+      <p:sp>
+        <p:nvSpPr>
+          <p:cNvPr id="2" name="제목 1">
+            <a:extLst>
+              <a:ext uri="{FF2B5EF4-FFF2-40B4-BE49-F238E27FC236}">
+                <a16:creationId xmlns:a16="http://schemas.microsoft.com/office/drawing/2014/main" id="{E7859C2C-A83A-43A7-BA6D-428632EEA522}"/>
+              </a:ext>
+            </a:extLst>
+          </p:cNvPr>
+          <p:cNvSpPr>
+            <a:spLocks noGrp="1"/>
+          </p:cNvSpPr>
+          <p:nvPr>
+            <p:ph type="title"/>
+          </p:nvPr>
+        </p:nvSpPr>
+        <p:spPr/>
+        <p:txBody>
+          <a:bodyPr/>
+          <a:lstStyle/>
+          <a:p>
+            <a:r>
+              <a:rPr lang="en-US" altLang="ko-KR" dirty="0"/>
+              <a:t>Making TCL based on created Verilog Code(1)</a:t>
+            </a:r>
+            <a:endParaRPr lang="ko-KR" altLang="en-US" dirty="0"/>
+          </a:p>
+        </p:txBody>
+      </p:sp>
+      <p:sp>
+        <p:nvSpPr>
+          <p:cNvPr id="4" name="날짜 개체 틀 3">
+            <a:extLst>
+              <a:ext uri="{FF2B5EF4-FFF2-40B4-BE49-F238E27FC236}">
+                <a16:creationId xmlns:a16="http://schemas.microsoft.com/office/drawing/2014/main" id="{CD980227-E366-4B40-9675-67A5E2B7CB19}"/>
+              </a:ext>
+            </a:extLst>
+          </p:cNvPr>
+          <p:cNvSpPr>
+            <a:spLocks noGrp="1"/>
+          </p:cNvSpPr>
+          <p:nvPr>
+            <p:ph type="dt" sz="half" idx="10"/>
+          </p:nvPr>
+        </p:nvSpPr>
+        <p:spPr/>
+        <p:txBody>
+          <a:bodyPr/>
+          <a:lstStyle/>
+          <a:p>
+            <a:r>
+              <a:rPr kumimoji="1" lang="en-US" altLang="ko-KR">
+                <a:ea typeface="Verdana" panose="020B0604030504040204" pitchFamily="34" charset="0"/>
+              </a:rPr>
+              <a:t>2023. 3. 29.</a:t>
+            </a:r>
+            <a:endParaRPr kumimoji="1" lang="ko-Kore-KR" altLang="en-US" dirty="0"/>
+          </a:p>
+        </p:txBody>
+      </p:sp>
+      <p:pic>
+        <p:nvPicPr>
+          <p:cNvPr id="5" name="그림 4">
+            <a:extLst>
+              <a:ext uri="{FF2B5EF4-FFF2-40B4-BE49-F238E27FC236}">
+                <a16:creationId xmlns:a16="http://schemas.microsoft.com/office/drawing/2014/main" id="{1A9B8335-0717-47ED-A70E-EF89DB66BE3C}"/>
+              </a:ext>
+            </a:extLst>
+          </p:cNvPr>
+          <p:cNvPicPr>
+            <a:picLocks noChangeAspect="1"/>
+          </p:cNvPicPr>
+          <p:nvPr/>
+        </p:nvPicPr>
+        <p:blipFill>
+          <a:blip r:embed="rId2"/>
+          <a:stretch>
+            <a:fillRect/>
+          </a:stretch>
+        </p:blipFill>
+        <p:spPr>
+          <a:xfrm>
+            <a:off x="1391238" y="1353657"/>
+            <a:ext cx="9409524" cy="5123809"/>
+          </a:xfrm>
+          <a:prstGeom prst="rect">
+            <a:avLst/>
+          </a:prstGeom>
+        </p:spPr>
+      </p:pic>
+    </p:spTree>
+    <p:extLst>
+      <p:ext uri="{BB962C8B-B14F-4D97-AF65-F5344CB8AC3E}">
+        <p14:creationId xmlns:p14="http://schemas.microsoft.com/office/powerpoint/2010/main" val="3737331399"/>
+      </p:ext>
+    </p:extLst>
+  </p:cSld>
+  <p:clrMapOvr>
+    <a:masterClrMapping/>
+  </p:clrMapOvr>
+</p:sld>
+</file>
+
+<file path=ppt/slides/slide19.xml><?xml version="1.0" encoding="utf-8"?>
+<p:sld xmlns:a="http://schemas.openxmlformats.org/drawingml/2006/main" xmlns:r="http://schemas.openxmlformats.org/officeDocument/2006/relationships" xmlns:p="http://schemas.openxmlformats.org/presentationml/2006/main">
+  <p:cSld>
+    <p:spTree>
+      <p:nvGrpSpPr>
+        <p:cNvPr id="1" name=""/>
+        <p:cNvGrpSpPr/>
+        <p:nvPr/>
+      </p:nvGrpSpPr>
+      <p:grpSpPr>
+        <a:xfrm>
+          <a:off x="0" y="0"/>
+          <a:ext cx="0" cy="0"/>
+          <a:chOff x="0" y="0"/>
+          <a:chExt cx="0" cy="0"/>
+        </a:xfrm>
+      </p:grpSpPr>
+      <p:sp>
+        <p:nvSpPr>
+          <p:cNvPr id="2" name="제목 1">
+            <a:extLst>
+              <a:ext uri="{FF2B5EF4-FFF2-40B4-BE49-F238E27FC236}">
+                <a16:creationId xmlns:a16="http://schemas.microsoft.com/office/drawing/2014/main" id="{2ABA8CD0-DAFA-4421-B684-418B646AF5E7}"/>
+              </a:ext>
+            </a:extLst>
+          </p:cNvPr>
+          <p:cNvSpPr>
+            <a:spLocks noGrp="1"/>
+          </p:cNvSpPr>
+          <p:nvPr>
+            <p:ph type="title"/>
+          </p:nvPr>
+        </p:nvSpPr>
+        <p:spPr/>
+        <p:txBody>
+          <a:bodyPr/>
+          <a:lstStyle/>
+          <a:p>
+            <a:r>
+              <a:rPr lang="en-US" altLang="ko-KR" dirty="0"/>
+              <a:t>Making TCL based on created Verilog Code(2)</a:t>
+            </a:r>
+            <a:endParaRPr lang="ko-KR" altLang="en-US" dirty="0"/>
+          </a:p>
+        </p:txBody>
+      </p:sp>
+      <p:sp>
+        <p:nvSpPr>
+          <p:cNvPr id="4" name="날짜 개체 틀 3">
+            <a:extLst>
+              <a:ext uri="{FF2B5EF4-FFF2-40B4-BE49-F238E27FC236}">
+                <a16:creationId xmlns:a16="http://schemas.microsoft.com/office/drawing/2014/main" id="{C49AA616-14AA-4E27-ACAE-539BA87252B8}"/>
+              </a:ext>
+            </a:extLst>
+          </p:cNvPr>
+          <p:cNvSpPr>
+            <a:spLocks noGrp="1"/>
+          </p:cNvSpPr>
+          <p:nvPr>
+            <p:ph type="dt" sz="half" idx="10"/>
+          </p:nvPr>
+        </p:nvSpPr>
+        <p:spPr/>
+        <p:txBody>
+          <a:bodyPr/>
+          <a:lstStyle/>
+          <a:p>
+            <a:r>
+              <a:rPr kumimoji="1" lang="en-US" altLang="ko-KR">
+                <a:ea typeface="Verdana" panose="020B0604030504040204" pitchFamily="34" charset="0"/>
+              </a:rPr>
+              <a:t>2023. 3. 29.</a:t>
+            </a:r>
+            <a:endParaRPr kumimoji="1" lang="ko-Kore-KR" altLang="en-US" dirty="0"/>
+          </a:p>
+        </p:txBody>
+      </p:sp>
+      <p:pic>
+        <p:nvPicPr>
+          <p:cNvPr id="5" name="그림 4">
+            <a:extLst>
+              <a:ext uri="{FF2B5EF4-FFF2-40B4-BE49-F238E27FC236}">
+                <a16:creationId xmlns:a16="http://schemas.microsoft.com/office/drawing/2014/main" id="{219B49A5-FF25-4970-8767-8EC8C2C009A2}"/>
+              </a:ext>
+            </a:extLst>
+          </p:cNvPr>
+          <p:cNvPicPr>
+            <a:picLocks noChangeAspect="1"/>
+          </p:cNvPicPr>
+          <p:nvPr/>
+        </p:nvPicPr>
+        <p:blipFill>
+          <a:blip r:embed="rId2"/>
+          <a:stretch>
+            <a:fillRect/>
+          </a:stretch>
+        </p:blipFill>
+        <p:spPr>
+          <a:xfrm>
+            <a:off x="1644242" y="1605300"/>
+            <a:ext cx="8903516" cy="4416452"/>
+          </a:xfrm>
+          <a:prstGeom prst="rect">
+            <a:avLst/>
+          </a:prstGeom>
+        </p:spPr>
+      </p:pic>
+    </p:spTree>
+    <p:extLst>
+      <p:ext uri="{BB962C8B-B14F-4D97-AF65-F5344CB8AC3E}">
+        <p14:creationId xmlns:p14="http://schemas.microsoft.com/office/powerpoint/2010/main" val="4233038533"/>
+      </p:ext>
+    </p:extLst>
+  </p:cSld>
+  <p:clrMapOvr>
+    <a:masterClrMapping/>
+  </p:clrMapOvr>
+</p:sld>
+</file>
+
+<file path=ppt/slides/slide2.xml><?xml version="1.0" encoding="utf-8"?>
+<p:sld xmlns:a="http://schemas.openxmlformats.org/drawingml/2006/main" xmlns:r="http://schemas.openxmlformats.org/officeDocument/2006/relationships" xmlns:p="http://schemas.openxmlformats.org/presentationml/2006/main">
+  <p:cSld>
+    <p:spTree>
+      <p:nvGrpSpPr>
+        <p:cNvPr id="1" name=""/>
+        <p:cNvGrpSpPr/>
+        <p:nvPr/>
+      </p:nvGrpSpPr>
+      <p:grpSpPr>
+        <a:xfrm>
+          <a:off x="0" y="0"/>
+          <a:ext cx="0" cy="0"/>
+          <a:chOff x="0" y="0"/>
+          <a:chExt cx="0" cy="0"/>
+        </a:xfrm>
+      </p:grpSpPr>
+      <p:sp>
+        <p:nvSpPr>
+          <p:cNvPr id="2" name="제목 1">
+            <a:extLst>
+              <a:ext uri="{FF2B5EF4-FFF2-40B4-BE49-F238E27FC236}">
+                <a16:creationId xmlns:a16="http://schemas.microsoft.com/office/drawing/2014/main" id="{79F00B9F-2FED-4A77-B612-978CE9233AE1}"/>
+              </a:ext>
+            </a:extLst>
+          </p:cNvPr>
+          <p:cNvSpPr>
+            <a:spLocks noGrp="1"/>
+          </p:cNvSpPr>
+          <p:nvPr>
+            <p:ph type="title"/>
+          </p:nvPr>
+        </p:nvSpPr>
+        <p:spPr/>
+        <p:txBody>
+          <a:bodyPr/>
+          <a:lstStyle/>
+          <a:p>
+            <a:r>
+              <a:rPr lang="en-US" altLang="ko-KR" dirty="0"/>
+              <a:t>Summary of Procedure</a:t>
+            </a:r>
+            <a:endParaRPr lang="ko-KR" altLang="en-US" dirty="0"/>
+          </a:p>
+        </p:txBody>
+      </p:sp>
+      <p:sp>
+        <p:nvSpPr>
+          <p:cNvPr id="3" name="내용 개체 틀 2">
+            <a:extLst>
+              <a:ext uri="{FF2B5EF4-FFF2-40B4-BE49-F238E27FC236}">
+                <a16:creationId xmlns:a16="http://schemas.microsoft.com/office/drawing/2014/main" id="{D7F7F51E-AB0A-4754-BAF1-4EDD029EEFDA}"/>
+              </a:ext>
+            </a:extLst>
+          </p:cNvPr>
+          <p:cNvSpPr>
+            <a:spLocks noGrp="1"/>
+          </p:cNvSpPr>
+          <p:nvPr>
+            <p:ph idx="1"/>
+          </p:nvPr>
+        </p:nvSpPr>
+        <p:spPr/>
+        <p:txBody>
+          <a:bodyPr/>
+          <a:lstStyle/>
+          <a:p>
+            <a:pPr marL="514350" indent="-514350">
+              <a:buAutoNum type="arabicPeriod"/>
+            </a:pPr>
+            <a:r>
+              <a:rPr lang="en-US" altLang="ko-KR" dirty="0"/>
+              <a:t>Minimal </a:t>
+            </a:r>
+            <a:r>
+              <a:rPr lang="en-US" altLang="ko-KR" dirty="0" err="1"/>
+              <a:t>RFSoC</a:t>
+            </a:r>
+            <a:r>
+              <a:rPr lang="en-US" altLang="ko-KR" dirty="0"/>
+              <a:t> Latency ~100ns</a:t>
+            </a:r>
+          </a:p>
+          <a:p>
+            <a:pPr marL="514350" indent="-514350">
+              <a:buAutoNum type="arabicPeriod"/>
+            </a:pPr>
+            <a:r>
+              <a:rPr lang="en-US" altLang="ko-KR" dirty="0"/>
+              <a:t>DDS using Xilinx </a:t>
+            </a:r>
+            <a:r>
+              <a:rPr lang="en-US" altLang="ko-KR" dirty="0" err="1"/>
+              <a:t>dds_compiler</a:t>
+            </a:r>
+            <a:r>
+              <a:rPr lang="en-US" altLang="ko-KR" dirty="0"/>
+              <a:t> implemented</a:t>
+            </a:r>
+          </a:p>
+          <a:p>
+            <a:pPr marL="514350" indent="-514350">
+              <a:buAutoNum type="arabicPeriod"/>
+            </a:pPr>
+            <a:r>
+              <a:rPr lang="en-US" altLang="ko-KR" dirty="0"/>
+              <a:t>Automatic TCL creation</a:t>
+            </a:r>
+          </a:p>
+          <a:p>
+            <a:pPr marL="514350" indent="-514350">
+              <a:buAutoNum type="arabicPeriod"/>
+            </a:pPr>
+            <a:r>
+              <a:rPr lang="en-US" altLang="ko-KR" dirty="0"/>
+              <a:t>Automatic Verilog Code indexing</a:t>
+            </a:r>
+            <a:endParaRPr lang="ko-KR" altLang="en-US" dirty="0"/>
+          </a:p>
+        </p:txBody>
+      </p:sp>
+      <p:sp>
+        <p:nvSpPr>
+          <p:cNvPr id="4" name="날짜 개체 틀 3">
+            <a:extLst>
+              <a:ext uri="{FF2B5EF4-FFF2-40B4-BE49-F238E27FC236}">
+                <a16:creationId xmlns:a16="http://schemas.microsoft.com/office/drawing/2014/main" id="{EEC5A466-2F98-4EF6-955F-E466813579D6}"/>
+              </a:ext>
+            </a:extLst>
+          </p:cNvPr>
+          <p:cNvSpPr>
+            <a:spLocks noGrp="1"/>
+          </p:cNvSpPr>
+          <p:nvPr>
+            <p:ph type="dt" sz="half" idx="10"/>
+          </p:nvPr>
+        </p:nvSpPr>
+        <p:spPr/>
+        <p:txBody>
+          <a:bodyPr/>
+          <a:lstStyle/>
+          <a:p>
+            <a:r>
+              <a:rPr kumimoji="1" lang="en-US" altLang="ko-KR">
+                <a:ea typeface="Verdana" panose="020B0604030504040204" pitchFamily="34" charset="0"/>
+              </a:rPr>
+              <a:t>2023. 3. 29.</a:t>
+            </a:r>
+            <a:endParaRPr kumimoji="1" lang="ko-Kore-KR" altLang="en-US" dirty="0"/>
+          </a:p>
+        </p:txBody>
+      </p:sp>
+    </p:spTree>
+    <p:extLst>
+      <p:ext uri="{BB962C8B-B14F-4D97-AF65-F5344CB8AC3E}">
+        <p14:creationId xmlns:p14="http://schemas.microsoft.com/office/powerpoint/2010/main" val="1815306871"/>
+      </p:ext>
+    </p:extLst>
+  </p:cSld>
+  <p:clrMapOvr>
+    <a:masterClrMapping/>
+  </p:clrMapOvr>
+</p:sld>
+</file>
+
+<file path=ppt/slides/slide20.xml><?xml version="1.0" encoding="utf-8"?>
+<p:sld xmlns:a="http://schemas.openxmlformats.org/drawingml/2006/main" xmlns:r="http://schemas.openxmlformats.org/officeDocument/2006/relationships" xmlns:p="http://schemas.openxmlformats.org/presentationml/2006/main">
+  <p:cSld>
+    <p:spTree>
+      <p:nvGrpSpPr>
+        <p:cNvPr id="1" name=""/>
+        <p:cNvGrpSpPr/>
+        <p:nvPr/>
+      </p:nvGrpSpPr>
+      <p:grpSpPr>
+        <a:xfrm>
+          <a:off x="0" y="0"/>
+          <a:ext cx="0" cy="0"/>
+          <a:chOff x="0" y="0"/>
+          <a:chExt cx="0" cy="0"/>
+        </a:xfrm>
+      </p:grpSpPr>
+      <p:sp>
+        <p:nvSpPr>
+          <p:cNvPr id="2" name="제목 1">
+            <a:extLst>
+              <a:ext uri="{FF2B5EF4-FFF2-40B4-BE49-F238E27FC236}">
+                <a16:creationId xmlns:a16="http://schemas.microsoft.com/office/drawing/2014/main" id="{6D524003-42F0-4616-A82F-65E62DB5590E}"/>
+              </a:ext>
+            </a:extLst>
+          </p:cNvPr>
+          <p:cNvSpPr>
+            <a:spLocks noGrp="1"/>
+          </p:cNvSpPr>
+          <p:nvPr>
+            <p:ph type="title"/>
+          </p:nvPr>
+        </p:nvSpPr>
+        <p:spPr/>
+        <p:txBody>
+          <a:bodyPr/>
+          <a:lstStyle/>
+          <a:p>
+            <a:r>
+              <a:rPr lang="en-US" altLang="ko-KR" dirty="0"/>
+              <a:t>Making TCL based on created Verilog Code(3)</a:t>
+            </a:r>
+            <a:endParaRPr lang="ko-KR" altLang="en-US" dirty="0"/>
+          </a:p>
+        </p:txBody>
+      </p:sp>
+      <p:sp>
+        <p:nvSpPr>
+          <p:cNvPr id="4" name="날짜 개체 틀 3">
+            <a:extLst>
+              <a:ext uri="{FF2B5EF4-FFF2-40B4-BE49-F238E27FC236}">
+                <a16:creationId xmlns:a16="http://schemas.microsoft.com/office/drawing/2014/main" id="{2ACD458B-4193-4558-83D4-3E9CF46A1D35}"/>
+              </a:ext>
+            </a:extLst>
+          </p:cNvPr>
+          <p:cNvSpPr>
+            <a:spLocks noGrp="1"/>
+          </p:cNvSpPr>
+          <p:nvPr>
+            <p:ph type="dt" sz="half" idx="10"/>
+          </p:nvPr>
+        </p:nvSpPr>
+        <p:spPr/>
+        <p:txBody>
+          <a:bodyPr/>
+          <a:lstStyle/>
+          <a:p>
+            <a:r>
+              <a:rPr kumimoji="1" lang="en-US" altLang="ko-KR">
+                <a:ea typeface="Verdana" panose="020B0604030504040204" pitchFamily="34" charset="0"/>
+              </a:rPr>
+              <a:t>2023. 3. 29.</a:t>
+            </a:r>
+            <a:endParaRPr kumimoji="1" lang="ko-Kore-KR" altLang="en-US" dirty="0"/>
+          </a:p>
+        </p:txBody>
+      </p:sp>
+      <p:pic>
+        <p:nvPicPr>
+          <p:cNvPr id="7" name="그림 6">
+            <a:extLst>
+              <a:ext uri="{FF2B5EF4-FFF2-40B4-BE49-F238E27FC236}">
+                <a16:creationId xmlns:a16="http://schemas.microsoft.com/office/drawing/2014/main" id="{1023F744-24E1-44BE-8388-17F818FCD5BA}"/>
+              </a:ext>
+            </a:extLst>
+          </p:cNvPr>
+          <p:cNvPicPr>
+            <a:picLocks noChangeAspect="1"/>
+          </p:cNvPicPr>
+          <p:nvPr/>
+        </p:nvPicPr>
+        <p:blipFill>
+          <a:blip r:embed="rId2"/>
+          <a:stretch>
+            <a:fillRect/>
+          </a:stretch>
+        </p:blipFill>
+        <p:spPr>
+          <a:xfrm>
+            <a:off x="0" y="2989173"/>
+            <a:ext cx="12192000" cy="879654"/>
+          </a:xfrm>
+          <a:prstGeom prst="rect">
+            <a:avLst/>
+          </a:prstGeom>
+        </p:spPr>
+      </p:pic>
+    </p:spTree>
+    <p:extLst>
+      <p:ext uri="{BB962C8B-B14F-4D97-AF65-F5344CB8AC3E}">
+        <p14:creationId xmlns:p14="http://schemas.microsoft.com/office/powerpoint/2010/main" val="1222276252"/>
+      </p:ext>
+    </p:extLst>
+  </p:cSld>
+  <p:clrMapOvr>
+    <a:masterClrMapping/>
+  </p:clrMapOvr>
+</p:sld>
+</file>
+
+<file path=ppt/slides/slide21.xml><?xml version="1.0" encoding="utf-8"?>
+<p:sld xmlns:a="http://schemas.openxmlformats.org/drawingml/2006/main" xmlns:r="http://schemas.openxmlformats.org/officeDocument/2006/relationships" xmlns:p="http://schemas.openxmlformats.org/presentationml/2006/main">
+  <p:cSld>
+    <p:spTree>
+      <p:nvGrpSpPr>
+        <p:cNvPr id="1" name=""/>
+        <p:cNvGrpSpPr/>
+        <p:nvPr/>
+      </p:nvGrpSpPr>
+      <p:grpSpPr>
+        <a:xfrm>
+          <a:off x="0" y="0"/>
+          <a:ext cx="0" cy="0"/>
+          <a:chOff x="0" y="0"/>
+          <a:chExt cx="0" cy="0"/>
+        </a:xfrm>
+      </p:grpSpPr>
+      <p:sp>
+        <p:nvSpPr>
+          <p:cNvPr id="2" name="제목 1">
+            <a:extLst>
+              <a:ext uri="{FF2B5EF4-FFF2-40B4-BE49-F238E27FC236}">
+                <a16:creationId xmlns:a16="http://schemas.microsoft.com/office/drawing/2014/main" id="{E49851DE-F2DE-4E34-9DFC-81746DB7E939}"/>
+              </a:ext>
+            </a:extLst>
+          </p:cNvPr>
+          <p:cNvSpPr>
+            <a:spLocks noGrp="1"/>
+          </p:cNvSpPr>
+          <p:nvPr>
+            <p:ph type="title"/>
+          </p:nvPr>
+        </p:nvSpPr>
+        <p:spPr/>
+        <p:txBody>
+          <a:bodyPr/>
+          <a:lstStyle/>
+          <a:p>
+            <a:r>
+              <a:rPr lang="en-US" altLang="ko-KR" dirty="0"/>
+              <a:t>Experiment Device Creation Procedure</a:t>
+            </a:r>
+            <a:endParaRPr lang="ko-KR" altLang="en-US" dirty="0"/>
+          </a:p>
+        </p:txBody>
+      </p:sp>
+      <p:sp>
+        <p:nvSpPr>
+          <p:cNvPr id="4" name="날짜 개체 틀 3">
+            <a:extLst>
+              <a:ext uri="{FF2B5EF4-FFF2-40B4-BE49-F238E27FC236}">
+                <a16:creationId xmlns:a16="http://schemas.microsoft.com/office/drawing/2014/main" id="{04F01EF1-6556-49B6-88CA-679A676085CE}"/>
+              </a:ext>
+            </a:extLst>
+          </p:cNvPr>
+          <p:cNvSpPr>
+            <a:spLocks noGrp="1"/>
+          </p:cNvSpPr>
+          <p:nvPr>
+            <p:ph type="dt" sz="half" idx="10"/>
+          </p:nvPr>
+        </p:nvSpPr>
+        <p:spPr/>
+        <p:txBody>
+          <a:bodyPr/>
+          <a:lstStyle/>
+          <a:p>
+            <a:r>
+              <a:rPr kumimoji="1" lang="en-US" altLang="ko-KR">
+                <a:ea typeface="Verdana" panose="020B0604030504040204" pitchFamily="34" charset="0"/>
+              </a:rPr>
+              <a:t>2023. 3. 29.</a:t>
+            </a:r>
+            <a:endParaRPr kumimoji="1" lang="ko-Kore-KR" altLang="en-US" dirty="0"/>
+          </a:p>
+        </p:txBody>
+      </p:sp>
+      <p:pic>
+        <p:nvPicPr>
+          <p:cNvPr id="5" name="그림 4">
+            <a:extLst>
+              <a:ext uri="{FF2B5EF4-FFF2-40B4-BE49-F238E27FC236}">
+                <a16:creationId xmlns:a16="http://schemas.microsoft.com/office/drawing/2014/main" id="{FCCF14BD-89DB-4F7A-B730-65239ABFE433}"/>
+              </a:ext>
+            </a:extLst>
+          </p:cNvPr>
+          <p:cNvPicPr>
+            <a:picLocks noChangeAspect="1"/>
+          </p:cNvPicPr>
+          <p:nvPr/>
+        </p:nvPicPr>
+        <p:blipFill>
+          <a:blip r:embed="rId2"/>
+          <a:stretch>
+            <a:fillRect/>
+          </a:stretch>
+        </p:blipFill>
+        <p:spPr>
+          <a:xfrm>
+            <a:off x="6357533" y="2021747"/>
+            <a:ext cx="5651232" cy="3267512"/>
+          </a:xfrm>
+          <a:prstGeom prst="rect">
+            <a:avLst/>
+          </a:prstGeom>
+        </p:spPr>
+      </p:pic>
+      <p:pic>
+        <p:nvPicPr>
+          <p:cNvPr id="6" name="그림 5">
+            <a:extLst>
+              <a:ext uri="{FF2B5EF4-FFF2-40B4-BE49-F238E27FC236}">
+                <a16:creationId xmlns:a16="http://schemas.microsoft.com/office/drawing/2014/main" id="{03F3B242-E389-4962-8DDE-C3A1C605457A}"/>
+              </a:ext>
+            </a:extLst>
+          </p:cNvPr>
+          <p:cNvPicPr>
+            <a:picLocks noChangeAspect="1"/>
+          </p:cNvPicPr>
+          <p:nvPr/>
+        </p:nvPicPr>
+        <p:blipFill>
+          <a:blip r:embed="rId3"/>
+          <a:stretch>
+            <a:fillRect/>
+          </a:stretch>
+        </p:blipFill>
+        <p:spPr>
+          <a:xfrm>
+            <a:off x="1072310" y="1821805"/>
+            <a:ext cx="3956972" cy="3214390"/>
+          </a:xfrm>
+          <a:prstGeom prst="rect">
+            <a:avLst/>
+          </a:prstGeom>
+        </p:spPr>
+      </p:pic>
+      <p:sp>
+        <p:nvSpPr>
+          <p:cNvPr id="8" name="화살표: 오른쪽 7">
+            <a:extLst>
+              <a:ext uri="{FF2B5EF4-FFF2-40B4-BE49-F238E27FC236}">
+                <a16:creationId xmlns:a16="http://schemas.microsoft.com/office/drawing/2014/main" id="{B5E6AC0C-C9CE-4192-981E-0BB507CF30D0}"/>
+              </a:ext>
+            </a:extLst>
+          </p:cNvPr>
+          <p:cNvSpPr/>
+          <p:nvPr/>
+        </p:nvSpPr>
+        <p:spPr>
+          <a:xfrm>
+            <a:off x="5454324" y="2969703"/>
+            <a:ext cx="641676" cy="459297"/>
+          </a:xfrm>
+          <a:prstGeom prst="rightArrow">
+            <a:avLst/>
+          </a:prstGeom>
+          <a:solidFill>
+            <a:schemeClr val="tx2"/>
+          </a:solidFill>
+          <a:ln>
+            <a:noFill/>
+          </a:ln>
+        </p:spPr>
+        <p:style>
+          <a:lnRef idx="2">
+            <a:schemeClr val="accent1">
+              <a:shade val="50000"/>
+            </a:schemeClr>
+          </a:lnRef>
+          <a:fillRef idx="1">
+            <a:schemeClr val="accent1"/>
+          </a:fillRef>
+          <a:effectRef idx="0">
+            <a:schemeClr val="accent1"/>
+          </a:effectRef>
+          <a:fontRef idx="minor">
+            <a:schemeClr val="lt1"/>
+          </a:fontRef>
+        </p:style>
+        <p:txBody>
+          <a:bodyPr rtlCol="0" anchor="ctr"/>
+          <a:lstStyle/>
+          <a:p>
+            <a:pPr algn="ctr"/>
+            <a:endParaRPr lang="ko-KR" altLang="en-US"/>
+          </a:p>
+        </p:txBody>
+      </p:sp>
+      <p:sp>
+        <p:nvSpPr>
+          <p:cNvPr id="9" name="TextBox 8">
+            <a:extLst>
+              <a:ext uri="{FF2B5EF4-FFF2-40B4-BE49-F238E27FC236}">
+                <a16:creationId xmlns:a16="http://schemas.microsoft.com/office/drawing/2014/main" id="{4003B9D4-0E2B-404A-BDBE-874C13C15162}"/>
+              </a:ext>
+            </a:extLst>
+          </p:cNvPr>
+          <p:cNvSpPr txBox="1"/>
+          <p:nvPr/>
+        </p:nvSpPr>
+        <p:spPr>
+          <a:xfrm>
+            <a:off x="100545" y="5621896"/>
+            <a:ext cx="6256987" cy="923330"/>
+          </a:xfrm>
+          <a:prstGeom prst="rect">
+            <a:avLst/>
+          </a:prstGeom>
+          <a:noFill/>
+        </p:spPr>
+        <p:txBody>
+          <a:bodyPr wrap="square" rtlCol="0">
+            <a:spAutoFit/>
+          </a:bodyPr>
+          <a:lstStyle/>
+          <a:p>
+            <a:r>
+              <a:rPr lang="en-US" altLang="ko-KR" dirty="0"/>
+              <a:t>-Increased Scalability </a:t>
+            </a:r>
+          </a:p>
+          <a:p>
+            <a:r>
+              <a:rPr lang="en-US" altLang="ko-KR" dirty="0"/>
+              <a:t>-Reduced Dependency on Verilog Code in Experiment Code</a:t>
+            </a:r>
+          </a:p>
+          <a:p>
+            <a:r>
+              <a:rPr lang="en-US" altLang="ko-KR" dirty="0"/>
+              <a:t>-Thanks to MMIO based Zynq</a:t>
+            </a:r>
+          </a:p>
+        </p:txBody>
+      </p:sp>
+    </p:spTree>
+    <p:extLst>
+      <p:ext uri="{BB962C8B-B14F-4D97-AF65-F5344CB8AC3E}">
+        <p14:creationId xmlns:p14="http://schemas.microsoft.com/office/powerpoint/2010/main" val="2940242161"/>
+      </p:ext>
+    </p:extLst>
+  </p:cSld>
+  <p:clrMapOvr>
+    <a:masterClrMapping/>
+  </p:clrMapOvr>
+</p:sld>
+</file>
+
+<file path=ppt/slides/slide3.xml><?xml version="1.0" encoding="utf-8"?>
+<p:sld xmlns:a="http://schemas.openxmlformats.org/drawingml/2006/main" xmlns:r="http://schemas.openxmlformats.org/officeDocument/2006/relationships" xmlns:p="http://schemas.openxmlformats.org/presentationml/2006/main">
+  <p:cSld>
+    <p:spTree>
+      <p:nvGrpSpPr>
+        <p:cNvPr id="1" name=""/>
+        <p:cNvGrpSpPr/>
+        <p:nvPr/>
+      </p:nvGrpSpPr>
+      <p:grpSpPr>
+        <a:xfrm>
+          <a:off x="0" y="0"/>
+          <a:ext cx="0" cy="0"/>
+          <a:chOff x="0" y="0"/>
+          <a:chExt cx="0" cy="0"/>
+        </a:xfrm>
+      </p:grpSpPr>
+      <p:sp>
+        <p:nvSpPr>
+          <p:cNvPr id="2" name="제목 1">
+            <a:extLst>
+              <a:ext uri="{FF2B5EF4-FFF2-40B4-BE49-F238E27FC236}">
+                <a16:creationId xmlns:a16="http://schemas.microsoft.com/office/drawing/2014/main" id="{74A0355C-BBE1-47E3-8E9B-1980975EF849}"/>
+              </a:ext>
+            </a:extLst>
+          </p:cNvPr>
+          <p:cNvSpPr>
+            <a:spLocks noGrp="1"/>
+          </p:cNvSpPr>
+          <p:nvPr>
+            <p:ph type="title"/>
+          </p:nvPr>
+        </p:nvSpPr>
+        <p:spPr/>
+        <p:txBody>
+          <a:bodyPr/>
+          <a:lstStyle/>
+          <a:p>
+            <a:r>
+              <a:rPr lang="en-US" altLang="ko-KR"/>
+              <a:t>AD9910</a:t>
+            </a:r>
+            <a:r>
+              <a:rPr lang="ko-KR" altLang="en-US"/>
+              <a:t> </a:t>
+            </a:r>
+            <a:r>
+              <a:rPr lang="en-US" altLang="ko-KR"/>
+              <a:t>Latency</a:t>
+            </a:r>
+            <a:endParaRPr lang="ko-KR" altLang="en-US"/>
+          </a:p>
+        </p:txBody>
+      </p:sp>
+      <p:sp>
+        <p:nvSpPr>
+          <p:cNvPr id="4" name="날짜 개체 틀 3">
+            <a:extLst>
+              <a:ext uri="{FF2B5EF4-FFF2-40B4-BE49-F238E27FC236}">
+                <a16:creationId xmlns:a16="http://schemas.microsoft.com/office/drawing/2014/main" id="{B62AE6B4-EE28-4D5D-BAAE-92541386499E}"/>
+              </a:ext>
+            </a:extLst>
+          </p:cNvPr>
+          <p:cNvSpPr>
+            <a:spLocks noGrp="1"/>
+          </p:cNvSpPr>
+          <p:nvPr>
+            <p:ph type="dt" sz="half" idx="10"/>
+          </p:nvPr>
+        </p:nvSpPr>
+        <p:spPr/>
+        <p:txBody>
+          <a:bodyPr/>
+          <a:lstStyle/>
+          <a:p>
+            <a:r>
+              <a:rPr kumimoji="1" lang="en-US" altLang="ko-KR">
+                <a:ea typeface="Verdana" panose="020B0604030504040204" pitchFamily="34" charset="0"/>
+              </a:rPr>
+              <a:t>2023. 3. 29.</a:t>
+            </a:r>
+            <a:endParaRPr kumimoji="1" lang="ko-Kore-KR" altLang="en-US" dirty="0"/>
+          </a:p>
+        </p:txBody>
+      </p:sp>
+      <p:pic>
+        <p:nvPicPr>
+          <p:cNvPr id="6" name="그림 5">
+            <a:extLst>
+              <a:ext uri="{FF2B5EF4-FFF2-40B4-BE49-F238E27FC236}">
+                <a16:creationId xmlns:a16="http://schemas.microsoft.com/office/drawing/2014/main" id="{68C24D9B-EE83-A762-E793-38D386F65FE8}"/>
+              </a:ext>
+            </a:extLst>
+          </p:cNvPr>
+          <p:cNvPicPr>
+            <a:picLocks noChangeAspect="1"/>
+          </p:cNvPicPr>
+          <p:nvPr/>
+        </p:nvPicPr>
+        <p:blipFill>
+          <a:blip r:embed="rId2"/>
+          <a:stretch>
+            <a:fillRect/>
+          </a:stretch>
+        </p:blipFill>
+        <p:spPr>
+          <a:xfrm>
+            <a:off x="1911135" y="1676310"/>
+            <a:ext cx="8369730" cy="3505380"/>
+          </a:xfrm>
+          <a:prstGeom prst="rect">
+            <a:avLst/>
+          </a:prstGeom>
+        </p:spPr>
+      </p:pic>
+    </p:spTree>
+    <p:extLst>
+      <p:ext uri="{BB962C8B-B14F-4D97-AF65-F5344CB8AC3E}">
+        <p14:creationId xmlns:p14="http://schemas.microsoft.com/office/powerpoint/2010/main" val="3251458163"/>
+      </p:ext>
+    </p:extLst>
+  </p:cSld>
+  <p:clrMapOvr>
+    <a:masterClrMapping/>
+  </p:clrMapOvr>
+</p:sld>
+</file>
+
+<file path=ppt/slides/slide4.xml><?xml version="1.0" encoding="utf-8"?>
+<p:sld xmlns:a="http://schemas.openxmlformats.org/drawingml/2006/main" xmlns:r="http://schemas.openxmlformats.org/officeDocument/2006/relationships" xmlns:p="http://schemas.openxmlformats.org/presentationml/2006/main">
+  <p:cSld>
+    <p:spTree>
+      <p:nvGrpSpPr>
+        <p:cNvPr id="1" name=""/>
+        <p:cNvGrpSpPr/>
+        <p:nvPr/>
+      </p:nvGrpSpPr>
+      <p:grpSpPr>
+        <a:xfrm>
+          <a:off x="0" y="0"/>
+          <a:ext cx="0" cy="0"/>
+          <a:chOff x="0" y="0"/>
+          <a:chExt cx="0" cy="0"/>
+        </a:xfrm>
+      </p:grpSpPr>
+      <p:sp>
+        <p:nvSpPr>
+          <p:cNvPr id="2" name="제목 1">
+            <a:extLst>
+              <a:ext uri="{FF2B5EF4-FFF2-40B4-BE49-F238E27FC236}">
+                <a16:creationId xmlns:a16="http://schemas.microsoft.com/office/drawing/2014/main" id="{761A2B7F-CD3A-3D79-CC34-22C425ADADDD}"/>
+              </a:ext>
+            </a:extLst>
+          </p:cNvPr>
+          <p:cNvSpPr>
+            <a:spLocks noGrp="1"/>
+          </p:cNvSpPr>
+          <p:nvPr>
+            <p:ph type="title"/>
+          </p:nvPr>
+        </p:nvSpPr>
+        <p:spPr/>
+        <p:txBody>
+          <a:bodyPr/>
+          <a:lstStyle/>
+          <a:p>
+            <a:r>
+              <a:rPr lang="en-US" altLang="ko-KR"/>
+              <a:t>Vivado Simulation for RFSoC...</a:t>
+            </a:r>
+            <a:endParaRPr lang="ko-KR" altLang="en-US"/>
+          </a:p>
+        </p:txBody>
+      </p:sp>
+      <p:sp>
+        <p:nvSpPr>
+          <p:cNvPr id="3" name="내용 개체 틀 2">
+            <a:extLst>
+              <a:ext uri="{FF2B5EF4-FFF2-40B4-BE49-F238E27FC236}">
+                <a16:creationId xmlns:a16="http://schemas.microsoft.com/office/drawing/2014/main" id="{1B53C867-EC76-252D-9AE3-2F766DDFE275}"/>
+              </a:ext>
+            </a:extLst>
+          </p:cNvPr>
+          <p:cNvSpPr>
+            <a:spLocks noGrp="1"/>
+          </p:cNvSpPr>
+          <p:nvPr>
+            <p:ph idx="1"/>
+          </p:nvPr>
+        </p:nvSpPr>
+        <p:spPr/>
+        <p:txBody>
+          <a:bodyPr/>
+          <a:lstStyle/>
+          <a:p>
+            <a:pPr marL="0" indent="0">
+              <a:buNone/>
+            </a:pPr>
+            <a:r>
+              <a:rPr lang="en-US" altLang="ko-KR"/>
+              <a:t>i5-8400 (QuIQCL)</a:t>
+            </a:r>
+          </a:p>
+          <a:p>
+            <a:pPr marL="0" indent="0">
+              <a:buNone/>
+            </a:pPr>
+            <a:r>
+              <a:rPr lang="en-US" altLang="ko-KR"/>
+              <a:t>takes 90mins to start sim</a:t>
+            </a:r>
+          </a:p>
+          <a:p>
+            <a:pPr marL="0" indent="0">
+              <a:buNone/>
+            </a:pPr>
+            <a:endParaRPr lang="en-US" altLang="ko-KR"/>
+          </a:p>
+          <a:p>
+            <a:pPr marL="0" indent="0">
+              <a:buNone/>
+            </a:pPr>
+            <a:r>
+              <a:rPr lang="en-US" altLang="ko-KR"/>
+              <a:t>i7-10700H</a:t>
+            </a:r>
+          </a:p>
+          <a:p>
+            <a:pPr marL="0" indent="0">
+              <a:buNone/>
+            </a:pPr>
+            <a:r>
+              <a:rPr lang="en-US" altLang="ko-KR"/>
+              <a:t>takes 30mins to start sim</a:t>
+            </a:r>
+          </a:p>
+          <a:p>
+            <a:pPr marL="0" indent="0">
+              <a:buNone/>
+            </a:pPr>
+            <a:endParaRPr lang="en-US" altLang="ko-KR"/>
+          </a:p>
+          <a:p>
+            <a:pPr marL="0" indent="0">
+              <a:buNone/>
+            </a:pPr>
+            <a:r>
+              <a:rPr lang="en-US" altLang="ko-KR"/>
+              <a:t>-&gt; Better CPU, faster simulation</a:t>
+            </a:r>
+            <a:endParaRPr lang="ko-KR" altLang="en-US"/>
+          </a:p>
+        </p:txBody>
+      </p:sp>
+      <p:sp>
+        <p:nvSpPr>
+          <p:cNvPr id="4" name="날짜 개체 틀 3">
+            <a:extLst>
+              <a:ext uri="{FF2B5EF4-FFF2-40B4-BE49-F238E27FC236}">
+                <a16:creationId xmlns:a16="http://schemas.microsoft.com/office/drawing/2014/main" id="{172E85A6-E01D-185C-25D2-2107D4965AAA}"/>
+              </a:ext>
+            </a:extLst>
+          </p:cNvPr>
+          <p:cNvSpPr>
+            <a:spLocks noGrp="1"/>
+          </p:cNvSpPr>
+          <p:nvPr>
+            <p:ph type="dt" sz="half" idx="10"/>
+          </p:nvPr>
+        </p:nvSpPr>
+        <p:spPr/>
+        <p:txBody>
+          <a:bodyPr/>
+          <a:lstStyle/>
+          <a:p>
+            <a:r>
+              <a:rPr kumimoji="1" lang="en-US" altLang="ko-KR">
+                <a:ea typeface="Verdana" panose="020B0604030504040204" pitchFamily="34" charset="0"/>
+              </a:rPr>
+              <a:t>2023. 3. 29.</a:t>
+            </a:r>
+            <a:endParaRPr kumimoji="1" lang="ko-Kore-KR" altLang="en-US" dirty="0"/>
+          </a:p>
+        </p:txBody>
+      </p:sp>
+    </p:spTree>
+    <p:extLst>
+      <p:ext uri="{BB962C8B-B14F-4D97-AF65-F5344CB8AC3E}">
+        <p14:creationId xmlns:p14="http://schemas.microsoft.com/office/powerpoint/2010/main" val="1706049044"/>
+      </p:ext>
+    </p:extLst>
+  </p:cSld>
+  <p:clrMapOvr>
+    <a:masterClrMapping/>
+  </p:clrMapOvr>
+</p:sld>
+</file>
+
+<file path=ppt/slides/slide5.xml><?xml version="1.0" encoding="utf-8"?>
+<p:sld xmlns:a="http://schemas.openxmlformats.org/drawingml/2006/main" xmlns:r="http://schemas.openxmlformats.org/officeDocument/2006/relationships" xmlns:p="http://schemas.openxmlformats.org/presentationml/2006/main">
+  <p:cSld>
+    <p:spTree>
+      <p:nvGrpSpPr>
+        <p:cNvPr id="1" name=""/>
+        <p:cNvGrpSpPr/>
+        <p:nvPr/>
+      </p:nvGrpSpPr>
+      <p:grpSpPr>
+        <a:xfrm>
+          <a:off x="0" y="0"/>
+          <a:ext cx="0" cy="0"/>
+          <a:chOff x="0" y="0"/>
+          <a:chExt cx="0" cy="0"/>
+        </a:xfrm>
+      </p:grpSpPr>
+      <p:sp>
+        <p:nvSpPr>
+          <p:cNvPr id="2" name="제목 1">
+            <a:extLst>
+              <a:ext uri="{FF2B5EF4-FFF2-40B4-BE49-F238E27FC236}">
+                <a16:creationId xmlns:a16="http://schemas.microsoft.com/office/drawing/2014/main" id="{51010FE8-4F9A-4E41-E7C2-F987581C92C1}"/>
+              </a:ext>
+            </a:extLst>
+          </p:cNvPr>
+          <p:cNvSpPr>
+            <a:spLocks noGrp="1"/>
+          </p:cNvSpPr>
+          <p:nvPr>
+            <p:ph type="title"/>
+          </p:nvPr>
+        </p:nvSpPr>
+        <p:spPr/>
+        <p:txBody>
+          <a:bodyPr/>
+          <a:lstStyle/>
+          <a:p>
+            <a:r>
+              <a:rPr lang="en-US" altLang="ko-KR"/>
+              <a:t>DDS Strucuture</a:t>
+            </a:r>
+            <a:endParaRPr lang="ko-KR" altLang="en-US"/>
+          </a:p>
+        </p:txBody>
+      </p:sp>
+      <p:sp>
+        <p:nvSpPr>
+          <p:cNvPr id="4" name="날짜 개체 틀 3">
+            <a:extLst>
+              <a:ext uri="{FF2B5EF4-FFF2-40B4-BE49-F238E27FC236}">
+                <a16:creationId xmlns:a16="http://schemas.microsoft.com/office/drawing/2014/main" id="{6E6516C5-D7ED-B7DB-28F6-D0EB7E5E4E19}"/>
+              </a:ext>
+            </a:extLst>
+          </p:cNvPr>
+          <p:cNvSpPr>
+            <a:spLocks noGrp="1"/>
+          </p:cNvSpPr>
+          <p:nvPr>
+            <p:ph type="dt" sz="half" idx="10"/>
+          </p:nvPr>
+        </p:nvSpPr>
+        <p:spPr/>
+        <p:txBody>
+          <a:bodyPr/>
+          <a:lstStyle/>
+          <a:p>
+            <a:r>
+              <a:rPr kumimoji="1" lang="en-US" altLang="ko-KR">
+                <a:ea typeface="Verdana" panose="020B0604030504040204" pitchFamily="34" charset="0"/>
+              </a:rPr>
+              <a:t>2023. 3. 29.</a:t>
+            </a:r>
+            <a:endParaRPr kumimoji="1" lang="ko-Kore-KR" altLang="en-US" dirty="0"/>
+          </a:p>
+        </p:txBody>
+      </p:sp>
+      <p:pic>
+        <p:nvPicPr>
+          <p:cNvPr id="6" name="그림 5">
+            <a:extLst>
+              <a:ext uri="{FF2B5EF4-FFF2-40B4-BE49-F238E27FC236}">
+                <a16:creationId xmlns:a16="http://schemas.microsoft.com/office/drawing/2014/main" id="{DDFE448B-A3C8-AEB0-CA88-EF3D94609180}"/>
+              </a:ext>
+            </a:extLst>
+          </p:cNvPr>
+          <p:cNvPicPr>
+            <a:picLocks noChangeAspect="1"/>
+          </p:cNvPicPr>
+          <p:nvPr/>
+        </p:nvPicPr>
+        <p:blipFill>
+          <a:blip r:embed="rId2"/>
+          <a:stretch>
+            <a:fillRect/>
+          </a:stretch>
+        </p:blipFill>
+        <p:spPr>
+          <a:xfrm>
+            <a:off x="275050" y="1498600"/>
+            <a:ext cx="11491500" cy="4476584"/>
+          </a:xfrm>
+          <a:prstGeom prst="rect">
+            <a:avLst/>
+          </a:prstGeom>
+        </p:spPr>
+      </p:pic>
+    </p:spTree>
+    <p:extLst>
+      <p:ext uri="{BB962C8B-B14F-4D97-AF65-F5344CB8AC3E}">
+        <p14:creationId xmlns:p14="http://schemas.microsoft.com/office/powerpoint/2010/main" val="3165830930"/>
+      </p:ext>
+    </p:extLst>
+  </p:cSld>
+  <p:clrMapOvr>
+    <a:masterClrMapping/>
+  </p:clrMapOvr>
+</p:sld>
+</file>
+
+<file path=ppt/slides/slide6.xml><?xml version="1.0" encoding="utf-8"?>
+<p:sld xmlns:a="http://schemas.openxmlformats.org/drawingml/2006/main" xmlns:r="http://schemas.openxmlformats.org/officeDocument/2006/relationships" xmlns:p="http://schemas.openxmlformats.org/presentationml/2006/main">
+  <p:cSld>
+    <p:spTree>
+      <p:nvGrpSpPr>
+        <p:cNvPr id="1" name=""/>
+        <p:cNvGrpSpPr/>
+        <p:nvPr/>
+      </p:nvGrpSpPr>
+      <p:grpSpPr>
+        <a:xfrm>
+          <a:off x="0" y="0"/>
+          <a:ext cx="0" cy="0"/>
+          <a:chOff x="0" y="0"/>
+          <a:chExt cx="0" cy="0"/>
+        </a:xfrm>
+      </p:grpSpPr>
+      <p:sp>
+        <p:nvSpPr>
+          <p:cNvPr id="2" name="제목 1">
+            <a:extLst>
+              <a:ext uri="{FF2B5EF4-FFF2-40B4-BE49-F238E27FC236}">
+                <a16:creationId xmlns:a16="http://schemas.microsoft.com/office/drawing/2014/main" id="{F7D90AA4-352B-F447-9067-89676F840827}"/>
+              </a:ext>
+            </a:extLst>
+          </p:cNvPr>
+          <p:cNvSpPr>
+            <a:spLocks noGrp="1"/>
+          </p:cNvSpPr>
+          <p:nvPr>
+            <p:ph type="title"/>
+          </p:nvPr>
+        </p:nvSpPr>
+        <p:spPr/>
+        <p:txBody>
+          <a:bodyPr/>
+          <a:lstStyle/>
+          <a:p>
+            <a:r>
+              <a:rPr lang="en-US" altLang="ko-KR"/>
+              <a:t>DDS in Verilog</a:t>
+            </a:r>
+            <a:endParaRPr lang="ko-KR" altLang="en-US"/>
+          </a:p>
+        </p:txBody>
+      </p:sp>
+      <p:sp>
+        <p:nvSpPr>
+          <p:cNvPr id="4" name="날짜 개체 틀 3">
+            <a:extLst>
+              <a:ext uri="{FF2B5EF4-FFF2-40B4-BE49-F238E27FC236}">
+                <a16:creationId xmlns:a16="http://schemas.microsoft.com/office/drawing/2014/main" id="{BADAA1AE-F94D-91A7-FFAB-7A6C76CF9472}"/>
+              </a:ext>
+            </a:extLst>
+          </p:cNvPr>
+          <p:cNvSpPr>
+            <a:spLocks noGrp="1"/>
+          </p:cNvSpPr>
+          <p:nvPr>
+            <p:ph type="dt" sz="half" idx="10"/>
+          </p:nvPr>
+        </p:nvSpPr>
+        <p:spPr/>
+        <p:txBody>
+          <a:bodyPr/>
+          <a:lstStyle/>
+          <a:p>
+            <a:r>
+              <a:rPr kumimoji="1" lang="en-US" altLang="ko-KR">
+                <a:ea typeface="Verdana" panose="020B0604030504040204" pitchFamily="34" charset="0"/>
+              </a:rPr>
+              <a:t>2023. 3. 29.</a:t>
+            </a:r>
+            <a:endParaRPr kumimoji="1" lang="ko-Kore-KR" altLang="en-US" dirty="0"/>
+          </a:p>
+        </p:txBody>
+      </p:sp>
+      <p:pic>
+        <p:nvPicPr>
+          <p:cNvPr id="6" name="그림 5" descr="\documentclass{article}&#10;\usepackage{amsmath}&#10;\pagestyle{empty}&#10;\begin{document}&#10;&#10;\noindent For 16 dds\_compiler \\&#10;0 to 15 $= 2^{4} – 1 = [3:0] fine\_timestamp$\\&#10;so, $\{timestamp[63:0],fine\_timestampe[3:0]\}$\\&#10;&#10;\noindent Xilinx dds\_compiler v6.0 input Phase : $(2\pi/(2^{14} - 1)) \times input$\\&#10;so, $(input\_incr/(2^{14} - 1)) \times (16 F_{sys}) = F_{actual}$\\&#10;One period of timestamp $= (1/F_{actual}) \times 10^{8} $(due to its 10ns resolution)\\&#10;Input\_incr: $freq \times timestamp$\\&#10;so, $[(freq\_bin) \times (1/F_{actual}) \times (10^{8}) ][n+13:n] = 2^{14} - 1$\\&#10;$F_{actual} = (freq\_bin/(2^{48} – 2^{34})) \times 16 \times 10^{8} Hz$\\&#10;so, $[(2^{48} – 2^{34})][n+13:n] = 2^{14} – 1&#10;= [2^{14} – 1][n-21:n-34]$\\&#10;Therefore,  n = 34&#10;&#10;DSP : $27 \times 18$ two’s complement\\&#10;$72 bit \times 48 bit$  3DSP\\&#10;$Unsigned 72 \times  Unsigned 48 bit = $  120 bit&#10;&#10;\end{document}&#10;" title="IguanaTex Bitmap Display">
+            <a:extLst>
+              <a:ext uri="{FF2B5EF4-FFF2-40B4-BE49-F238E27FC236}">
+                <a16:creationId xmlns:a16="http://schemas.microsoft.com/office/drawing/2014/main" id="{9D497717-7825-A5EA-2D56-BB9D69FB7F3D}"/>
+              </a:ext>
+            </a:extLst>
+          </p:cNvPr>
+          <p:cNvPicPr>
+            <a:picLocks noChangeAspect="1"/>
+          </p:cNvPicPr>
+          <p:nvPr>
+            <p:custDataLst>
+              <p:tags r:id="rId1"/>
+            </p:custDataLst>
+          </p:nvPr>
+        </p:nvPicPr>
+        <p:blipFill>
+          <a:blip r:embed="rId3">
+            <a:extLst>
+              <a:ext uri="{28A0092B-C50C-407E-A947-70E740481C1C}">
+                <a14:useLocalDpi xmlns:a14="http://schemas.microsoft.com/office/drawing/2010/main" val="0"/>
+              </a:ext>
+            </a:extLst>
+          </a:blip>
+          <a:stretch>
+            <a:fillRect/>
+          </a:stretch>
+        </p:blipFill>
+        <p:spPr>
+          <a:xfrm>
+            <a:off x="2455333" y="1405465"/>
+            <a:ext cx="7968000" cy="4476952"/>
+          </a:xfrm>
+          <a:prstGeom prst="rect">
+            <a:avLst/>
+          </a:prstGeom>
+        </p:spPr>
+      </p:pic>
+    </p:spTree>
+    <p:extLst>
+      <p:ext uri="{BB962C8B-B14F-4D97-AF65-F5344CB8AC3E}">
+        <p14:creationId xmlns:p14="http://schemas.microsoft.com/office/powerpoint/2010/main" val="126888265"/>
+      </p:ext>
+    </p:extLst>
+  </p:cSld>
+  <p:clrMapOvr>
+    <a:masterClrMapping/>
+  </p:clrMapOvr>
+</p:sld>
+</file>
+
+<file path=ppt/slides/slide7.xml><?xml version="1.0" encoding="utf-8"?>
+<p:sld xmlns:a="http://schemas.openxmlformats.org/drawingml/2006/main" xmlns:r="http://schemas.openxmlformats.org/officeDocument/2006/relationships" xmlns:p="http://schemas.openxmlformats.org/presentationml/2006/main">
+  <p:cSld>
+    <p:spTree>
+      <p:nvGrpSpPr>
+        <p:cNvPr id="1" name=""/>
+        <p:cNvGrpSpPr/>
+        <p:nvPr/>
+      </p:nvGrpSpPr>
+      <p:grpSpPr>
+        <a:xfrm>
+          <a:off x="0" y="0"/>
+          <a:ext cx="0" cy="0"/>
+          <a:chOff x="0" y="0"/>
+          <a:chExt cx="0" cy="0"/>
+        </a:xfrm>
+      </p:grpSpPr>
+      <p:sp>
+        <p:nvSpPr>
+          <p:cNvPr id="2" name="제목 1">
+            <a:extLst>
+              <a:ext uri="{FF2B5EF4-FFF2-40B4-BE49-F238E27FC236}">
+                <a16:creationId xmlns:a16="http://schemas.microsoft.com/office/drawing/2014/main" id="{E28E007A-BDC2-6043-60AE-1A58991DEE37}"/>
+              </a:ext>
+            </a:extLst>
+          </p:cNvPr>
+          <p:cNvSpPr>
+            <a:spLocks noGrp="1"/>
+          </p:cNvSpPr>
+          <p:nvPr>
+            <p:ph type="title"/>
+          </p:nvPr>
+        </p:nvSpPr>
+        <p:spPr/>
+        <p:txBody>
+          <a:bodyPr/>
+          <a:lstStyle/>
+          <a:p>
+            <a:r>
+              <a:rPr lang="en-US" altLang="ko-KR"/>
+              <a:t>DDS in Verilog (2)</a:t>
+            </a:r>
+            <a:endParaRPr lang="ko-KR" altLang="en-US"/>
+          </a:p>
+        </p:txBody>
+      </p:sp>
+      <p:sp>
+        <p:nvSpPr>
+          <p:cNvPr id="4" name="날짜 개체 틀 3">
+            <a:extLst>
+              <a:ext uri="{FF2B5EF4-FFF2-40B4-BE49-F238E27FC236}">
+                <a16:creationId xmlns:a16="http://schemas.microsoft.com/office/drawing/2014/main" id="{781B33B9-2F9F-CB2D-9D8D-5EBB0C551CA1}"/>
+              </a:ext>
+            </a:extLst>
+          </p:cNvPr>
+          <p:cNvSpPr>
+            <a:spLocks noGrp="1"/>
+          </p:cNvSpPr>
+          <p:nvPr>
+            <p:ph type="dt" sz="half" idx="10"/>
+          </p:nvPr>
+        </p:nvSpPr>
+        <p:spPr/>
+        <p:txBody>
+          <a:bodyPr/>
+          <a:lstStyle/>
+          <a:p>
+            <a:r>
+              <a:rPr kumimoji="1" lang="en-US" altLang="ko-KR">
+                <a:ea typeface="Verdana" panose="020B0604030504040204" pitchFamily="34" charset="0"/>
+              </a:rPr>
+              <a:t>2023. 3. 29.</a:t>
+            </a:r>
+            <a:endParaRPr kumimoji="1" lang="ko-Kore-KR" altLang="en-US" dirty="0"/>
+          </a:p>
+        </p:txBody>
+      </p:sp>
+      <p:pic>
+        <p:nvPicPr>
+          <p:cNvPr id="6" name="그림 5" descr="\documentclass{article}&#10;\usepackage{amsmath}&#10;\pagestyle{empty}&#10;\begin{document}&#10;&#10;\noindent For 14 bit unsigned amplitude scaling\\&#10;&#10;\noindent $amp[13:0] * dds\_output[15:0] = amp\_full\_product[31:0]$\\&#10;for full amp $2^{14} - 1$\\&#10;for full dds\_output $2^{14} - 1$\\&#10;product becomes $2^{28} - 2^{15} + 1 = 2^{14}(2^{14} - 2) + \varepsilon$\\&#10;&#10;\noindent other choice&#10;$(amp[13:0]+1) * dds\_output[15:0] = amp\_full\_product[31:0]$\\&#10;for full amp $2^{14} - 1 + 1$\\&#10;for full dds\_output $2^{14} - 1$\\&#10;product becomes $2^{14}(2^{14} - 1)$\\&#10;But, for zero amp,\\&#10;$2^{14} - 1$\\&#10;So, zero has to be conducted in exception case&#10;&#10;&#10;&#10;\end{document}" title="IguanaTex Bitmap Display">
+            <a:extLst>
+              <a:ext uri="{FF2B5EF4-FFF2-40B4-BE49-F238E27FC236}">
+                <a16:creationId xmlns:a16="http://schemas.microsoft.com/office/drawing/2014/main" id="{85A0A7A3-88A8-8758-1935-5A7378060037}"/>
+              </a:ext>
+            </a:extLst>
+          </p:cNvPr>
+          <p:cNvPicPr>
+            <a:picLocks noChangeAspect="1"/>
+          </p:cNvPicPr>
+          <p:nvPr>
+            <p:custDataLst>
+              <p:tags r:id="rId1"/>
+            </p:custDataLst>
+          </p:nvPr>
+        </p:nvPicPr>
+        <p:blipFill>
+          <a:blip r:embed="rId3">
+            <a:extLst>
+              <a:ext uri="{28A0092B-C50C-407E-A947-70E740481C1C}">
+                <a14:useLocalDpi xmlns:a14="http://schemas.microsoft.com/office/drawing/2010/main" val="0"/>
+              </a:ext>
+            </a:extLst>
+          </a:blip>
+          <a:stretch>
+            <a:fillRect/>
+          </a:stretch>
+        </p:blipFill>
+        <p:spPr>
+          <a:xfrm>
+            <a:off x="1828800" y="1587139"/>
+            <a:ext cx="8426666" cy="4169143"/>
+          </a:xfrm>
+          <a:prstGeom prst="rect">
+            <a:avLst/>
+          </a:prstGeom>
+        </p:spPr>
+      </p:pic>
+    </p:spTree>
+    <p:extLst>
+      <p:ext uri="{BB962C8B-B14F-4D97-AF65-F5344CB8AC3E}">
+        <p14:creationId xmlns:p14="http://schemas.microsoft.com/office/powerpoint/2010/main" val="656420312"/>
+      </p:ext>
+    </p:extLst>
+  </p:cSld>
+  <p:clrMapOvr>
+    <a:masterClrMapping/>
+  </p:clrMapOvr>
+</p:sld>
+</file>
+
+<file path=ppt/slides/slide8.xml><?xml version="1.0" encoding="utf-8"?>
+<p:sld xmlns:a="http://schemas.openxmlformats.org/drawingml/2006/main" xmlns:r="http://schemas.openxmlformats.org/officeDocument/2006/relationships" xmlns:p="http://schemas.openxmlformats.org/presentationml/2006/main">
+  <p:cSld>
+    <p:spTree>
+      <p:nvGrpSpPr>
+        <p:cNvPr id="1" name=""/>
+        <p:cNvGrpSpPr/>
+        <p:nvPr/>
+      </p:nvGrpSpPr>
+      <p:grpSpPr>
+        <a:xfrm>
+          <a:off x="0" y="0"/>
+          <a:ext cx="0" cy="0"/>
+          <a:chOff x="0" y="0"/>
+          <a:chExt cx="0" cy="0"/>
+        </a:xfrm>
+      </p:grpSpPr>
+      <p:sp>
+        <p:nvSpPr>
+          <p:cNvPr id="2" name="제목 1">
+            <a:extLst>
+              <a:ext uri="{FF2B5EF4-FFF2-40B4-BE49-F238E27FC236}">
+                <a16:creationId xmlns:a16="http://schemas.microsoft.com/office/drawing/2014/main" id="{A173C381-867D-E21E-D141-C92AB80EC6C8}"/>
+              </a:ext>
+            </a:extLst>
+          </p:cNvPr>
+          <p:cNvSpPr>
+            <a:spLocks noGrp="1"/>
+          </p:cNvSpPr>
+          <p:nvPr>
+            <p:ph type="title"/>
+          </p:nvPr>
+        </p:nvSpPr>
+        <p:spPr/>
+        <p:txBody>
+          <a:bodyPr/>
+          <a:lstStyle/>
+          <a:p>
+            <a:r>
+              <a:rPr lang="en-US" altLang="ko-KR"/>
+              <a:t>Vivado Custom IP</a:t>
+            </a:r>
+            <a:endParaRPr lang="ko-KR" altLang="en-US"/>
+          </a:p>
+        </p:txBody>
+      </p:sp>
+      <p:sp>
+        <p:nvSpPr>
+          <p:cNvPr id="4" name="날짜 개체 틀 3">
+            <a:extLst>
+              <a:ext uri="{FF2B5EF4-FFF2-40B4-BE49-F238E27FC236}">
+                <a16:creationId xmlns:a16="http://schemas.microsoft.com/office/drawing/2014/main" id="{2E2C9F9A-5AB5-4D89-57A4-500C74A61F10}"/>
+              </a:ext>
+            </a:extLst>
+          </p:cNvPr>
+          <p:cNvSpPr>
+            <a:spLocks noGrp="1"/>
+          </p:cNvSpPr>
+          <p:nvPr>
+            <p:ph type="dt" sz="half" idx="10"/>
+          </p:nvPr>
+        </p:nvSpPr>
+        <p:spPr/>
+        <p:txBody>
+          <a:bodyPr/>
+          <a:lstStyle/>
+          <a:p>
+            <a:r>
+              <a:rPr kumimoji="1" lang="en-US" altLang="ko-KR">
+                <a:ea typeface="Verdana" panose="020B0604030504040204" pitchFamily="34" charset="0"/>
+              </a:rPr>
+              <a:t>2023. 3. 29.</a:t>
+            </a:r>
+            <a:endParaRPr kumimoji="1" lang="ko-Kore-KR" altLang="en-US" dirty="0"/>
+          </a:p>
+        </p:txBody>
+      </p:sp>
+      <p:pic>
+        <p:nvPicPr>
+          <p:cNvPr id="6" name="그림 5">
+            <a:extLst>
+              <a:ext uri="{FF2B5EF4-FFF2-40B4-BE49-F238E27FC236}">
+                <a16:creationId xmlns:a16="http://schemas.microsoft.com/office/drawing/2014/main" id="{C1EE19C7-838E-B53A-C7F3-E8A40802A2C4}"/>
+              </a:ext>
+            </a:extLst>
+          </p:cNvPr>
+          <p:cNvPicPr>
+            <a:picLocks noChangeAspect="1"/>
+          </p:cNvPicPr>
+          <p:nvPr/>
+        </p:nvPicPr>
+        <p:blipFill>
+          <a:blip r:embed="rId2"/>
+          <a:stretch>
+            <a:fillRect/>
+          </a:stretch>
+        </p:blipFill>
+        <p:spPr>
+          <a:xfrm>
+            <a:off x="7575374" y="2239653"/>
+            <a:ext cx="3039328" cy="2979209"/>
+          </a:xfrm>
+          <a:prstGeom prst="rect">
+            <a:avLst/>
+          </a:prstGeom>
+        </p:spPr>
+      </p:pic>
+      <p:pic>
+        <p:nvPicPr>
+          <p:cNvPr id="8" name="그림 7">
+            <a:extLst>
+              <a:ext uri="{FF2B5EF4-FFF2-40B4-BE49-F238E27FC236}">
+                <a16:creationId xmlns:a16="http://schemas.microsoft.com/office/drawing/2014/main" id="{D9CF7E51-7EBE-7AD6-089F-71A88B512672}"/>
+              </a:ext>
+            </a:extLst>
+          </p:cNvPr>
+          <p:cNvPicPr>
+            <a:picLocks noChangeAspect="1"/>
+          </p:cNvPicPr>
+          <p:nvPr/>
+        </p:nvPicPr>
+        <p:blipFill>
+          <a:blip r:embed="rId3"/>
+          <a:stretch>
+            <a:fillRect/>
+          </a:stretch>
+        </p:blipFill>
+        <p:spPr>
+          <a:xfrm>
+            <a:off x="905585" y="1336094"/>
+            <a:ext cx="3830104" cy="5100212"/>
+          </a:xfrm>
+          <a:prstGeom prst="rect">
+            <a:avLst/>
+          </a:prstGeom>
+        </p:spPr>
+      </p:pic>
+      <p:sp>
+        <p:nvSpPr>
+          <p:cNvPr id="9" name="화살표: 아래쪽 8">
+            <a:extLst>
+              <a:ext uri="{FF2B5EF4-FFF2-40B4-BE49-F238E27FC236}">
+                <a16:creationId xmlns:a16="http://schemas.microsoft.com/office/drawing/2014/main" id="{DA22C3A1-0729-261D-8EE4-BAB722136395}"/>
+              </a:ext>
+            </a:extLst>
+          </p:cNvPr>
+          <p:cNvSpPr/>
+          <p:nvPr/>
+        </p:nvSpPr>
+        <p:spPr>
+          <a:xfrm rot="16200000">
+            <a:off x="5866351" y="3359319"/>
+            <a:ext cx="459298" cy="684850"/>
+          </a:xfrm>
+          <a:prstGeom prst="downArrow">
+            <a:avLst/>
+          </a:prstGeom>
+          <a:solidFill>
+            <a:schemeClr val="tx2"/>
+          </a:solidFill>
+          <a:ln>
+            <a:solidFill>
+              <a:schemeClr val="tx2"/>
+            </a:solidFill>
+          </a:ln>
+        </p:spPr>
+        <p:style>
+          <a:lnRef idx="2">
+            <a:schemeClr val="accent1">
+              <a:shade val="15000"/>
+            </a:schemeClr>
+          </a:lnRef>
+          <a:fillRef idx="1">
+            <a:schemeClr val="accent1"/>
+          </a:fillRef>
+          <a:effectRef idx="0">
+            <a:schemeClr val="accent1"/>
+          </a:effectRef>
+          <a:fontRef idx="minor">
+            <a:schemeClr val="lt1"/>
+          </a:fontRef>
+        </p:style>
+        <p:txBody>
+          <a:bodyPr rtlCol="0" anchor="ctr"/>
+          <a:lstStyle/>
+          <a:p>
+            <a:pPr algn="ctr"/>
+            <a:endParaRPr lang="ko-KR" altLang="en-US"/>
+          </a:p>
+        </p:txBody>
+      </p:sp>
+    </p:spTree>
+    <p:extLst>
+      <p:ext uri="{BB962C8B-B14F-4D97-AF65-F5344CB8AC3E}">
+        <p14:creationId xmlns:p14="http://schemas.microsoft.com/office/powerpoint/2010/main" val="3891785162"/>
+      </p:ext>
+    </p:extLst>
+  </p:cSld>
+  <p:clrMapOvr>
+    <a:masterClrMapping/>
+  </p:clrMapOvr>
+</p:sld>
+</file>
+
+<file path=ppt/slides/slide9.xml><?xml version="1.0" encoding="utf-8"?>
+<p:sld xmlns:a="http://schemas.openxmlformats.org/drawingml/2006/main" xmlns:r="http://schemas.openxmlformats.org/officeDocument/2006/relationships" xmlns:p="http://schemas.openxmlformats.org/presentationml/2006/main">
+  <p:cSld>
+    <p:spTree>
+      <p:nvGrpSpPr>
+        <p:cNvPr id="1" name=""/>
+        <p:cNvGrpSpPr/>
+        <p:nvPr/>
+      </p:nvGrpSpPr>
+      <p:grpSpPr>
+        <a:xfrm>
+          <a:off x="0" y="0"/>
+          <a:ext cx="0" cy="0"/>
+          <a:chOff x="0" y="0"/>
+          <a:chExt cx="0" cy="0"/>
+        </a:xfrm>
+      </p:grpSpPr>
+      <p:sp>
+        <p:nvSpPr>
+          <p:cNvPr id="2" name="제목 1">
+            <a:extLst>
+              <a:ext uri="{FF2B5EF4-FFF2-40B4-BE49-F238E27FC236}">
+                <a16:creationId xmlns:a16="http://schemas.microsoft.com/office/drawing/2014/main" id="{96ED8D77-F14D-DE9D-A7DA-796A96243BCA}"/>
+              </a:ext>
+            </a:extLst>
+          </p:cNvPr>
+          <p:cNvSpPr>
+            <a:spLocks noGrp="1"/>
+          </p:cNvSpPr>
+          <p:nvPr>
+            <p:ph type="title"/>
+          </p:nvPr>
+        </p:nvSpPr>
+        <p:spPr/>
+        <p:txBody>
+          <a:bodyPr/>
+          <a:lstStyle/>
+          <a:p>
+            <a:r>
+              <a:rPr lang="en-US" altLang="ko-KR"/>
+              <a:t>Vivado TCL</a:t>
+            </a:r>
+            <a:endParaRPr lang="ko-KR" altLang="en-US"/>
+          </a:p>
+        </p:txBody>
+      </p:sp>
+      <p:sp>
+        <p:nvSpPr>
+          <p:cNvPr id="3" name="내용 개체 틀 2">
+            <a:extLst>
+              <a:ext uri="{FF2B5EF4-FFF2-40B4-BE49-F238E27FC236}">
+                <a16:creationId xmlns:a16="http://schemas.microsoft.com/office/drawing/2014/main" id="{AFD18137-E1F9-54C4-7820-3A6EBF69D8C6}"/>
+              </a:ext>
+            </a:extLst>
+          </p:cNvPr>
+          <p:cNvSpPr>
+            <a:spLocks noGrp="1"/>
+          </p:cNvSpPr>
+          <p:nvPr>
+            <p:ph idx="1"/>
+          </p:nvPr>
+        </p:nvSpPr>
+        <p:spPr>
+          <a:xfrm>
+            <a:off x="85344" y="1226525"/>
+            <a:ext cx="12021312" cy="528897"/>
+          </a:xfrm>
+        </p:spPr>
+        <p:txBody>
+          <a:bodyPr/>
+          <a:lstStyle/>
+          <a:p>
+            <a:pPr marL="0" indent="0">
+              <a:buNone/>
+            </a:pPr>
+            <a:r>
+              <a:rPr lang="en-US" altLang="ko-KR"/>
+              <a:t>Custom IP update bug(?) in Vivado</a:t>
+            </a:r>
+            <a:endParaRPr lang="ko-KR" altLang="en-US"/>
+          </a:p>
+        </p:txBody>
+      </p:sp>
+      <p:sp>
+        <p:nvSpPr>
+          <p:cNvPr id="4" name="날짜 개체 틀 3">
+            <a:extLst>
+              <a:ext uri="{FF2B5EF4-FFF2-40B4-BE49-F238E27FC236}">
+                <a16:creationId xmlns:a16="http://schemas.microsoft.com/office/drawing/2014/main" id="{75088442-16BA-6D7F-84AC-815D2565F0C1}"/>
+              </a:ext>
+            </a:extLst>
+          </p:cNvPr>
+          <p:cNvSpPr>
+            <a:spLocks noGrp="1"/>
+          </p:cNvSpPr>
+          <p:nvPr>
+            <p:ph type="dt" sz="half" idx="10"/>
+          </p:nvPr>
+        </p:nvSpPr>
+        <p:spPr/>
+        <p:txBody>
+          <a:bodyPr/>
+          <a:lstStyle/>
+          <a:p>
+            <a:r>
+              <a:rPr kumimoji="1" lang="en-US" altLang="ko-KR">
+                <a:ea typeface="Verdana" panose="020B0604030504040204" pitchFamily="34" charset="0"/>
+              </a:rPr>
+              <a:t>2023. 3. 29.</a:t>
+            </a:r>
+            <a:endParaRPr kumimoji="1" lang="ko-Kore-KR" altLang="en-US" dirty="0"/>
+          </a:p>
+        </p:txBody>
+      </p:sp>
+      <p:pic>
+        <p:nvPicPr>
+          <p:cNvPr id="6" name="그림 5">
+            <a:extLst>
+              <a:ext uri="{FF2B5EF4-FFF2-40B4-BE49-F238E27FC236}">
+                <a16:creationId xmlns:a16="http://schemas.microsoft.com/office/drawing/2014/main" id="{CDB933EB-A2E5-2958-56FD-AA315F9798ED}"/>
+              </a:ext>
+            </a:extLst>
+          </p:cNvPr>
+          <p:cNvPicPr>
+            <a:picLocks noChangeAspect="1"/>
+          </p:cNvPicPr>
+          <p:nvPr/>
+        </p:nvPicPr>
+        <p:blipFill>
+          <a:blip r:embed="rId2"/>
+          <a:stretch>
+            <a:fillRect/>
+          </a:stretch>
+        </p:blipFill>
+        <p:spPr>
+          <a:xfrm>
+            <a:off x="293511" y="1755422"/>
+            <a:ext cx="7303912" cy="2646096"/>
+          </a:xfrm>
+          <a:prstGeom prst="rect">
+            <a:avLst/>
+          </a:prstGeom>
+        </p:spPr>
+      </p:pic>
+      <p:pic>
+        <p:nvPicPr>
+          <p:cNvPr id="8" name="그림 7">
+            <a:extLst>
+              <a:ext uri="{FF2B5EF4-FFF2-40B4-BE49-F238E27FC236}">
+                <a16:creationId xmlns:a16="http://schemas.microsoft.com/office/drawing/2014/main" id="{23B42EDB-C9BA-7015-7BBD-451E9652726C}"/>
+              </a:ext>
+            </a:extLst>
+          </p:cNvPr>
+          <p:cNvPicPr>
+            <a:picLocks noChangeAspect="1"/>
+          </p:cNvPicPr>
+          <p:nvPr/>
+        </p:nvPicPr>
+        <p:blipFill>
+          <a:blip r:embed="rId3"/>
+          <a:stretch>
+            <a:fillRect/>
+          </a:stretch>
+        </p:blipFill>
+        <p:spPr>
+          <a:xfrm>
+            <a:off x="942622" y="4459060"/>
+            <a:ext cx="8883860" cy="2050651"/>
+          </a:xfrm>
+          <a:prstGeom prst="rect">
+            <a:avLst/>
+          </a:prstGeom>
+        </p:spPr>
+      </p:pic>
+      <p:sp>
+        <p:nvSpPr>
+          <p:cNvPr id="10" name="TextBox 9">
+            <a:extLst>
+              <a:ext uri="{FF2B5EF4-FFF2-40B4-BE49-F238E27FC236}">
+                <a16:creationId xmlns:a16="http://schemas.microsoft.com/office/drawing/2014/main" id="{D4B9EEB4-8750-2AA1-2AD6-E56851A649D1}"/>
+              </a:ext>
+            </a:extLst>
+          </p:cNvPr>
+          <p:cNvSpPr txBox="1"/>
+          <p:nvPr/>
+        </p:nvSpPr>
+        <p:spPr>
+          <a:xfrm>
+            <a:off x="1260122" y="6616891"/>
+            <a:ext cx="6177844" cy="276999"/>
+          </a:xfrm>
+          <a:prstGeom prst="rect">
+            <a:avLst/>
+          </a:prstGeom>
+          <a:noFill/>
+        </p:spPr>
+        <p:txBody>
+          <a:bodyPr wrap="square">
+            <a:spAutoFit/>
+          </a:bodyPr>
+          <a:lstStyle/>
+          <a:p>
+            <a:r>
+              <a:rPr lang="en-US" altLang="ko-KR" sz="600"/>
+              <a:t>https://support.xilinx.com/s/question/0D52E00006hpbx3SAA/update-ip-does-not-change-implemented-design?language=en_US</a:t>
+            </a:r>
+          </a:p>
+          <a:p>
+            <a:r>
+              <a:rPr lang="ko-KR" altLang="en-US" sz="600"/>
+              <a:t>https://support.xilinx.com/s/question/0D52E00006hpRTFSA2/updated-my-package-ip-but-dont-see-the-change-on-my-block-design?language=en_US</a:t>
+            </a:r>
+          </a:p>
+        </p:txBody>
+      </p:sp>
+    </p:spTree>
+    <p:extLst>
+      <p:ext uri="{BB962C8B-B14F-4D97-AF65-F5344CB8AC3E}">
+        <p14:creationId xmlns:p14="http://schemas.microsoft.com/office/powerpoint/2010/main" val="3879198713"/>
       </p:ext>
     </p:extLst>
   </p:cSld>
